--- a/presentation/fraudolent_transaction.pptx
+++ b/presentation/fraudolent_transaction.pptx
@@ -5,10 +5,10 @@
     <p:sldMasterId id="2147483672" r:id="rId1"/>
   </p:sldMasterIdLst>
   <p:notesMasterIdLst>
-    <p:notesMasterId r:id="rId11"/>
+    <p:notesMasterId r:id="rId14"/>
   </p:notesMasterIdLst>
   <p:handoutMasterIdLst>
-    <p:handoutMasterId r:id="rId12"/>
+    <p:handoutMasterId r:id="rId15"/>
   </p:handoutMasterIdLst>
   <p:sldIdLst>
     <p:sldId id="256" r:id="rId2"/>
@@ -20,6 +20,9 @@
     <p:sldId id="267" r:id="rId8"/>
     <p:sldId id="268" r:id="rId9"/>
     <p:sldId id="269" r:id="rId10"/>
+    <p:sldId id="270" r:id="rId11"/>
+    <p:sldId id="271" r:id="rId12"/>
+    <p:sldId id="272" r:id="rId13"/>
   </p:sldIdLst>
   <p:sldSz cx="12192000" cy="6858000"/>
   <p:notesSz cx="6858000" cy="9144000"/>
@@ -4740,6 +4743,753 @@
 </file>
 
 <file path=ppt/diagrams/colors7.xml><?xml version="1.0" encoding="utf-8"?>
+<dgm:colorsDef xmlns:dgm="http://schemas.openxmlformats.org/drawingml/2006/diagram" xmlns:a="http://schemas.openxmlformats.org/drawingml/2006/main" uniqueId="urn:microsoft.com/office/officeart/2005/8/colors/accent1_2">
+  <dgm:title val=""/>
+  <dgm:desc val=""/>
+  <dgm:catLst>
+    <dgm:cat type="accent1" pri="11200"/>
+  </dgm:catLst>
+  <dgm:styleLbl name="node0">
+    <dgm:fillClrLst meth="repeat">
+      <a:schemeClr val="accent1"/>
+    </dgm:fillClrLst>
+    <dgm:linClrLst meth="repeat">
+      <a:schemeClr val="lt1"/>
+    </dgm:linClrLst>
+    <dgm:effectClrLst/>
+    <dgm:txLinClrLst/>
+    <dgm:txFillClrLst/>
+    <dgm:txEffectClrLst/>
+  </dgm:styleLbl>
+  <dgm:styleLbl name="alignNode1">
+    <dgm:fillClrLst meth="repeat">
+      <a:schemeClr val="accent1"/>
+    </dgm:fillClrLst>
+    <dgm:linClrLst meth="repeat">
+      <a:schemeClr val="accent1"/>
+    </dgm:linClrLst>
+    <dgm:effectClrLst/>
+    <dgm:txLinClrLst/>
+    <dgm:txFillClrLst/>
+    <dgm:txEffectClrLst/>
+  </dgm:styleLbl>
+  <dgm:styleLbl name="node1">
+    <dgm:fillClrLst meth="repeat">
+      <a:schemeClr val="accent1"/>
+    </dgm:fillClrLst>
+    <dgm:linClrLst meth="repeat">
+      <a:schemeClr val="lt1"/>
+    </dgm:linClrLst>
+    <dgm:effectClrLst/>
+    <dgm:txLinClrLst/>
+    <dgm:txFillClrLst/>
+    <dgm:txEffectClrLst/>
+  </dgm:styleLbl>
+  <dgm:styleLbl name="lnNode1">
+    <dgm:fillClrLst meth="repeat">
+      <a:schemeClr val="accent1"/>
+    </dgm:fillClrLst>
+    <dgm:linClrLst meth="repeat">
+      <a:schemeClr val="lt1"/>
+    </dgm:linClrLst>
+    <dgm:effectClrLst/>
+    <dgm:txLinClrLst/>
+    <dgm:txFillClrLst/>
+    <dgm:txEffectClrLst/>
+  </dgm:styleLbl>
+  <dgm:styleLbl name="vennNode1">
+    <dgm:fillClrLst meth="repeat">
+      <a:schemeClr val="accent1">
+        <a:alpha val="50000"/>
+      </a:schemeClr>
+    </dgm:fillClrLst>
+    <dgm:linClrLst meth="repeat">
+      <a:schemeClr val="lt1"/>
+    </dgm:linClrLst>
+    <dgm:effectClrLst/>
+    <dgm:txLinClrLst/>
+    <dgm:txFillClrLst/>
+    <dgm:txEffectClrLst/>
+  </dgm:styleLbl>
+  <dgm:styleLbl name="node2">
+    <dgm:fillClrLst meth="repeat">
+      <a:schemeClr val="accent1"/>
+    </dgm:fillClrLst>
+    <dgm:linClrLst meth="repeat">
+      <a:schemeClr val="lt1"/>
+    </dgm:linClrLst>
+    <dgm:effectClrLst/>
+    <dgm:txLinClrLst/>
+    <dgm:txFillClrLst/>
+    <dgm:txEffectClrLst/>
+  </dgm:styleLbl>
+  <dgm:styleLbl name="node3">
+    <dgm:fillClrLst meth="repeat">
+      <a:schemeClr val="accent1"/>
+    </dgm:fillClrLst>
+    <dgm:linClrLst meth="repeat">
+      <a:schemeClr val="lt1"/>
+    </dgm:linClrLst>
+    <dgm:effectClrLst/>
+    <dgm:txLinClrLst/>
+    <dgm:txFillClrLst/>
+    <dgm:txEffectClrLst/>
+  </dgm:styleLbl>
+  <dgm:styleLbl name="node4">
+    <dgm:fillClrLst meth="repeat">
+      <a:schemeClr val="accent1"/>
+    </dgm:fillClrLst>
+    <dgm:linClrLst meth="repeat">
+      <a:schemeClr val="lt1"/>
+    </dgm:linClrLst>
+    <dgm:effectClrLst/>
+    <dgm:txLinClrLst/>
+    <dgm:txFillClrLst/>
+    <dgm:txEffectClrLst/>
+  </dgm:styleLbl>
+  <dgm:styleLbl name="fgImgPlace1">
+    <dgm:fillClrLst meth="repeat">
+      <a:schemeClr val="accent1">
+        <a:tint val="50000"/>
+      </a:schemeClr>
+    </dgm:fillClrLst>
+    <dgm:linClrLst meth="repeat">
+      <a:schemeClr val="lt1"/>
+    </dgm:linClrLst>
+    <dgm:effectClrLst/>
+    <dgm:txLinClrLst/>
+    <dgm:txFillClrLst meth="repeat">
+      <a:schemeClr val="lt1"/>
+    </dgm:txFillClrLst>
+    <dgm:txEffectClrLst/>
+  </dgm:styleLbl>
+  <dgm:styleLbl name="alignImgPlace1">
+    <dgm:fillClrLst meth="repeat">
+      <a:schemeClr val="accent1">
+        <a:tint val="50000"/>
+      </a:schemeClr>
+    </dgm:fillClrLst>
+    <dgm:linClrLst meth="repeat">
+      <a:schemeClr val="lt1"/>
+    </dgm:linClrLst>
+    <dgm:effectClrLst/>
+    <dgm:txLinClrLst/>
+    <dgm:txFillClrLst meth="repeat">
+      <a:schemeClr val="lt1"/>
+    </dgm:txFillClrLst>
+    <dgm:txEffectClrLst/>
+  </dgm:styleLbl>
+  <dgm:styleLbl name="bgImgPlace1">
+    <dgm:fillClrLst meth="repeat">
+      <a:schemeClr val="accent1">
+        <a:tint val="50000"/>
+      </a:schemeClr>
+    </dgm:fillClrLst>
+    <dgm:linClrLst meth="repeat">
+      <a:schemeClr val="lt1"/>
+    </dgm:linClrLst>
+    <dgm:effectClrLst/>
+    <dgm:txLinClrLst/>
+    <dgm:txFillClrLst meth="repeat">
+      <a:schemeClr val="lt1"/>
+    </dgm:txFillClrLst>
+    <dgm:txEffectClrLst/>
+  </dgm:styleLbl>
+  <dgm:styleLbl name="sibTrans2D1">
+    <dgm:fillClrLst meth="repeat">
+      <a:schemeClr val="accent1">
+        <a:tint val="60000"/>
+      </a:schemeClr>
+    </dgm:fillClrLst>
+    <dgm:linClrLst meth="repeat">
+      <a:schemeClr val="accent1">
+        <a:tint val="60000"/>
+      </a:schemeClr>
+    </dgm:linClrLst>
+    <dgm:effectClrLst/>
+    <dgm:txLinClrLst/>
+    <dgm:txFillClrLst/>
+    <dgm:txEffectClrLst/>
+  </dgm:styleLbl>
+  <dgm:styleLbl name="fgSibTrans2D1">
+    <dgm:fillClrLst meth="repeat">
+      <a:schemeClr val="accent1">
+        <a:tint val="60000"/>
+      </a:schemeClr>
+    </dgm:fillClrLst>
+    <dgm:linClrLst meth="repeat">
+      <a:schemeClr val="accent1">
+        <a:tint val="60000"/>
+      </a:schemeClr>
+    </dgm:linClrLst>
+    <dgm:effectClrLst/>
+    <dgm:txLinClrLst/>
+    <dgm:txFillClrLst/>
+    <dgm:txEffectClrLst/>
+  </dgm:styleLbl>
+  <dgm:styleLbl name="bgSibTrans2D1">
+    <dgm:fillClrLst meth="repeat">
+      <a:schemeClr val="accent1">
+        <a:tint val="60000"/>
+      </a:schemeClr>
+    </dgm:fillClrLst>
+    <dgm:linClrLst meth="repeat">
+      <a:schemeClr val="accent1">
+        <a:tint val="60000"/>
+      </a:schemeClr>
+    </dgm:linClrLst>
+    <dgm:effectClrLst/>
+    <dgm:txLinClrLst/>
+    <dgm:txFillClrLst/>
+    <dgm:txEffectClrLst/>
+  </dgm:styleLbl>
+  <dgm:styleLbl name="sibTrans1D1">
+    <dgm:fillClrLst meth="repeat">
+      <a:schemeClr val="accent1"/>
+    </dgm:fillClrLst>
+    <dgm:linClrLst meth="repeat">
+      <a:schemeClr val="accent1"/>
+    </dgm:linClrLst>
+    <dgm:effectClrLst/>
+    <dgm:txLinClrLst/>
+    <dgm:txFillClrLst meth="repeat">
+      <a:schemeClr val="tx1"/>
+    </dgm:txFillClrLst>
+    <dgm:txEffectClrLst/>
+  </dgm:styleLbl>
+  <dgm:styleLbl name="callout">
+    <dgm:fillClrLst meth="repeat">
+      <a:schemeClr val="accent1"/>
+    </dgm:fillClrLst>
+    <dgm:linClrLst meth="repeat">
+      <a:schemeClr val="accent1">
+        <a:tint val="50000"/>
+      </a:schemeClr>
+    </dgm:linClrLst>
+    <dgm:effectClrLst/>
+    <dgm:txLinClrLst/>
+    <dgm:txFillClrLst meth="repeat">
+      <a:schemeClr val="tx1"/>
+    </dgm:txFillClrLst>
+    <dgm:txEffectClrLst/>
+  </dgm:styleLbl>
+  <dgm:styleLbl name="asst0">
+    <dgm:fillClrLst meth="repeat">
+      <a:schemeClr val="accent1"/>
+    </dgm:fillClrLst>
+    <dgm:linClrLst meth="repeat">
+      <a:schemeClr val="lt1"/>
+    </dgm:linClrLst>
+    <dgm:effectClrLst/>
+    <dgm:txLinClrLst/>
+    <dgm:txFillClrLst/>
+    <dgm:txEffectClrLst/>
+  </dgm:styleLbl>
+  <dgm:styleLbl name="asst1">
+    <dgm:fillClrLst meth="repeat">
+      <a:schemeClr val="accent1"/>
+    </dgm:fillClrLst>
+    <dgm:linClrLst meth="repeat">
+      <a:schemeClr val="lt1"/>
+    </dgm:linClrLst>
+    <dgm:effectClrLst/>
+    <dgm:txLinClrLst/>
+    <dgm:txFillClrLst/>
+    <dgm:txEffectClrLst/>
+  </dgm:styleLbl>
+  <dgm:styleLbl name="asst2">
+    <dgm:fillClrLst meth="repeat">
+      <a:schemeClr val="accent1"/>
+    </dgm:fillClrLst>
+    <dgm:linClrLst meth="repeat">
+      <a:schemeClr val="lt1"/>
+    </dgm:linClrLst>
+    <dgm:effectClrLst/>
+    <dgm:txLinClrLst/>
+    <dgm:txFillClrLst/>
+    <dgm:txEffectClrLst/>
+  </dgm:styleLbl>
+  <dgm:styleLbl name="asst3">
+    <dgm:fillClrLst meth="repeat">
+      <a:schemeClr val="accent1"/>
+    </dgm:fillClrLst>
+    <dgm:linClrLst meth="repeat">
+      <a:schemeClr val="lt1"/>
+    </dgm:linClrLst>
+    <dgm:effectClrLst/>
+    <dgm:txLinClrLst/>
+    <dgm:txFillClrLst/>
+    <dgm:txEffectClrLst/>
+  </dgm:styleLbl>
+  <dgm:styleLbl name="asst4">
+    <dgm:fillClrLst meth="repeat">
+      <a:schemeClr val="accent1"/>
+    </dgm:fillClrLst>
+    <dgm:linClrLst meth="repeat">
+      <a:schemeClr val="lt1"/>
+    </dgm:linClrLst>
+    <dgm:effectClrLst/>
+    <dgm:txLinClrLst/>
+    <dgm:txFillClrLst/>
+    <dgm:txEffectClrLst/>
+  </dgm:styleLbl>
+  <dgm:styleLbl name="parChTrans2D1">
+    <dgm:fillClrLst meth="repeat">
+      <a:schemeClr val="accent1">
+        <a:tint val="60000"/>
+      </a:schemeClr>
+    </dgm:fillClrLst>
+    <dgm:linClrLst meth="repeat">
+      <a:schemeClr val="accent1">
+        <a:tint val="60000"/>
+      </a:schemeClr>
+    </dgm:linClrLst>
+    <dgm:effectClrLst/>
+    <dgm:txLinClrLst/>
+    <dgm:txFillClrLst meth="repeat">
+      <a:schemeClr val="lt1"/>
+    </dgm:txFillClrLst>
+    <dgm:txEffectClrLst/>
+  </dgm:styleLbl>
+  <dgm:styleLbl name="parChTrans2D2">
+    <dgm:fillClrLst meth="repeat">
+      <a:schemeClr val="accent1"/>
+    </dgm:fillClrLst>
+    <dgm:linClrLst meth="repeat">
+      <a:schemeClr val="accent1"/>
+    </dgm:linClrLst>
+    <dgm:effectClrLst/>
+    <dgm:txLinClrLst/>
+    <dgm:txFillClrLst meth="repeat">
+      <a:schemeClr val="lt1"/>
+    </dgm:txFillClrLst>
+    <dgm:txEffectClrLst/>
+  </dgm:styleLbl>
+  <dgm:styleLbl name="parChTrans2D3">
+    <dgm:fillClrLst meth="repeat">
+      <a:schemeClr val="accent1"/>
+    </dgm:fillClrLst>
+    <dgm:linClrLst meth="repeat">
+      <a:schemeClr val="accent1"/>
+    </dgm:linClrLst>
+    <dgm:effectClrLst/>
+    <dgm:txLinClrLst/>
+    <dgm:txFillClrLst meth="repeat">
+      <a:schemeClr val="lt1"/>
+    </dgm:txFillClrLst>
+    <dgm:txEffectClrLst/>
+  </dgm:styleLbl>
+  <dgm:styleLbl name="parChTrans2D4">
+    <dgm:fillClrLst meth="repeat">
+      <a:schemeClr val="accent1"/>
+    </dgm:fillClrLst>
+    <dgm:linClrLst meth="repeat">
+      <a:schemeClr val="accent1"/>
+    </dgm:linClrLst>
+    <dgm:effectClrLst/>
+    <dgm:txLinClrLst/>
+    <dgm:txFillClrLst meth="repeat">
+      <a:schemeClr val="lt1"/>
+    </dgm:txFillClrLst>
+    <dgm:txEffectClrLst/>
+  </dgm:styleLbl>
+  <dgm:styleLbl name="parChTrans1D1">
+    <dgm:fillClrLst meth="repeat">
+      <a:schemeClr val="accent1"/>
+    </dgm:fillClrLst>
+    <dgm:linClrLst meth="repeat">
+      <a:schemeClr val="accent1">
+        <a:shade val="60000"/>
+      </a:schemeClr>
+    </dgm:linClrLst>
+    <dgm:effectClrLst/>
+    <dgm:txLinClrLst/>
+    <dgm:txFillClrLst meth="repeat">
+      <a:schemeClr val="tx1"/>
+    </dgm:txFillClrLst>
+    <dgm:txEffectClrLst/>
+  </dgm:styleLbl>
+  <dgm:styleLbl name="parChTrans1D2">
+    <dgm:fillClrLst meth="repeat">
+      <a:schemeClr val="accent1"/>
+    </dgm:fillClrLst>
+    <dgm:linClrLst meth="repeat">
+      <a:schemeClr val="accent1">
+        <a:shade val="60000"/>
+      </a:schemeClr>
+    </dgm:linClrLst>
+    <dgm:effectClrLst/>
+    <dgm:txLinClrLst/>
+    <dgm:txFillClrLst meth="repeat">
+      <a:schemeClr val="tx1"/>
+    </dgm:txFillClrLst>
+    <dgm:txEffectClrLst/>
+  </dgm:styleLbl>
+  <dgm:styleLbl name="parChTrans1D3">
+    <dgm:fillClrLst meth="repeat">
+      <a:schemeClr val="accent1"/>
+    </dgm:fillClrLst>
+    <dgm:linClrLst meth="repeat">
+      <a:schemeClr val="accent1">
+        <a:shade val="80000"/>
+      </a:schemeClr>
+    </dgm:linClrLst>
+    <dgm:effectClrLst/>
+    <dgm:txLinClrLst/>
+    <dgm:txFillClrLst meth="repeat">
+      <a:schemeClr val="tx1"/>
+    </dgm:txFillClrLst>
+    <dgm:txEffectClrLst/>
+  </dgm:styleLbl>
+  <dgm:styleLbl name="parChTrans1D4">
+    <dgm:fillClrLst meth="repeat">
+      <a:schemeClr val="accent1"/>
+    </dgm:fillClrLst>
+    <dgm:linClrLst meth="repeat">
+      <a:schemeClr val="accent1">
+        <a:shade val="80000"/>
+      </a:schemeClr>
+    </dgm:linClrLst>
+    <dgm:effectClrLst/>
+    <dgm:txLinClrLst/>
+    <dgm:txFillClrLst meth="repeat">
+      <a:schemeClr val="tx1"/>
+    </dgm:txFillClrLst>
+    <dgm:txEffectClrLst/>
+  </dgm:styleLbl>
+  <dgm:styleLbl name="fgAcc1">
+    <dgm:fillClrLst meth="repeat">
+      <a:schemeClr val="lt1">
+        <a:alpha val="90000"/>
+      </a:schemeClr>
+    </dgm:fillClrLst>
+    <dgm:linClrLst meth="repeat">
+      <a:schemeClr val="accent1"/>
+    </dgm:linClrLst>
+    <dgm:effectClrLst/>
+    <dgm:txLinClrLst/>
+    <dgm:txFillClrLst meth="repeat">
+      <a:schemeClr val="dk1"/>
+    </dgm:txFillClrLst>
+    <dgm:txEffectClrLst/>
+  </dgm:styleLbl>
+  <dgm:styleLbl name="conFgAcc1">
+    <dgm:fillClrLst meth="repeat">
+      <a:schemeClr val="lt1">
+        <a:alpha val="90000"/>
+      </a:schemeClr>
+    </dgm:fillClrLst>
+    <dgm:linClrLst meth="repeat">
+      <a:schemeClr val="accent1"/>
+    </dgm:linClrLst>
+    <dgm:effectClrLst/>
+    <dgm:txLinClrLst/>
+    <dgm:txFillClrLst meth="repeat">
+      <a:schemeClr val="dk1"/>
+    </dgm:txFillClrLst>
+    <dgm:txEffectClrLst/>
+  </dgm:styleLbl>
+  <dgm:styleLbl name="alignAcc1">
+    <dgm:fillClrLst meth="repeat">
+      <a:schemeClr val="lt1">
+        <a:alpha val="90000"/>
+      </a:schemeClr>
+    </dgm:fillClrLst>
+    <dgm:linClrLst meth="repeat">
+      <a:schemeClr val="accent1"/>
+    </dgm:linClrLst>
+    <dgm:effectClrLst/>
+    <dgm:txLinClrLst/>
+    <dgm:txFillClrLst meth="repeat">
+      <a:schemeClr val="dk1"/>
+    </dgm:txFillClrLst>
+    <dgm:txEffectClrLst/>
+  </dgm:styleLbl>
+  <dgm:styleLbl name="trAlignAcc1">
+    <dgm:fillClrLst meth="repeat">
+      <a:schemeClr val="lt1">
+        <a:alpha val="40000"/>
+      </a:schemeClr>
+    </dgm:fillClrLst>
+    <dgm:linClrLst meth="repeat">
+      <a:schemeClr val="accent1"/>
+    </dgm:linClrLst>
+    <dgm:effectClrLst/>
+    <dgm:txLinClrLst/>
+    <dgm:txFillClrLst meth="repeat">
+      <a:schemeClr val="dk1"/>
+    </dgm:txFillClrLst>
+    <dgm:txEffectClrLst/>
+  </dgm:styleLbl>
+  <dgm:styleLbl name="bgAcc1">
+    <dgm:fillClrLst meth="repeat">
+      <a:schemeClr val="lt1">
+        <a:alpha val="90000"/>
+      </a:schemeClr>
+    </dgm:fillClrLst>
+    <dgm:linClrLst meth="repeat">
+      <a:schemeClr val="accent1"/>
+    </dgm:linClrLst>
+    <dgm:effectClrLst/>
+    <dgm:txLinClrLst/>
+    <dgm:txFillClrLst meth="repeat">
+      <a:schemeClr val="dk1"/>
+    </dgm:txFillClrLst>
+    <dgm:txEffectClrLst/>
+  </dgm:styleLbl>
+  <dgm:styleLbl name="solidFgAcc1">
+    <dgm:fillClrLst meth="repeat">
+      <a:schemeClr val="lt1"/>
+    </dgm:fillClrLst>
+    <dgm:linClrLst meth="repeat">
+      <a:schemeClr val="accent1"/>
+    </dgm:linClrLst>
+    <dgm:effectClrLst/>
+    <dgm:txLinClrLst/>
+    <dgm:txFillClrLst meth="repeat">
+      <a:schemeClr val="dk1"/>
+    </dgm:txFillClrLst>
+    <dgm:txEffectClrLst/>
+  </dgm:styleLbl>
+  <dgm:styleLbl name="solidAlignAcc1">
+    <dgm:fillClrLst meth="repeat">
+      <a:schemeClr val="lt1"/>
+    </dgm:fillClrLst>
+    <dgm:linClrLst meth="repeat">
+      <a:schemeClr val="accent1"/>
+    </dgm:linClrLst>
+    <dgm:effectClrLst/>
+    <dgm:txLinClrLst/>
+    <dgm:txFillClrLst meth="repeat">
+      <a:schemeClr val="dk1"/>
+    </dgm:txFillClrLst>
+    <dgm:txEffectClrLst/>
+  </dgm:styleLbl>
+  <dgm:styleLbl name="solidBgAcc1">
+    <dgm:fillClrLst meth="repeat">
+      <a:schemeClr val="lt1"/>
+    </dgm:fillClrLst>
+    <dgm:linClrLst meth="repeat">
+      <a:schemeClr val="accent1"/>
+    </dgm:linClrLst>
+    <dgm:effectClrLst/>
+    <dgm:txLinClrLst/>
+    <dgm:txFillClrLst meth="repeat">
+      <a:schemeClr val="dk1"/>
+    </dgm:txFillClrLst>
+    <dgm:txEffectClrLst/>
+  </dgm:styleLbl>
+  <dgm:styleLbl name="fgAccFollowNode1">
+    <dgm:fillClrLst meth="repeat">
+      <a:schemeClr val="accent1">
+        <a:alpha val="90000"/>
+        <a:tint val="40000"/>
+      </a:schemeClr>
+    </dgm:fillClrLst>
+    <dgm:linClrLst meth="repeat">
+      <a:schemeClr val="accent1">
+        <a:alpha val="90000"/>
+        <a:tint val="40000"/>
+      </a:schemeClr>
+    </dgm:linClrLst>
+    <dgm:effectClrLst/>
+    <dgm:txLinClrLst/>
+    <dgm:txFillClrLst meth="repeat">
+      <a:schemeClr val="dk1"/>
+    </dgm:txFillClrLst>
+    <dgm:txEffectClrLst/>
+  </dgm:styleLbl>
+  <dgm:styleLbl name="alignAccFollowNode1">
+    <dgm:fillClrLst meth="repeat">
+      <a:schemeClr val="accent1">
+        <a:alpha val="90000"/>
+        <a:tint val="40000"/>
+      </a:schemeClr>
+    </dgm:fillClrLst>
+    <dgm:linClrLst meth="repeat">
+      <a:schemeClr val="accent1">
+        <a:alpha val="90000"/>
+        <a:tint val="40000"/>
+      </a:schemeClr>
+    </dgm:linClrLst>
+    <dgm:effectClrLst/>
+    <dgm:txLinClrLst/>
+    <dgm:txFillClrLst meth="repeat">
+      <a:schemeClr val="dk1"/>
+    </dgm:txFillClrLst>
+    <dgm:txEffectClrLst/>
+  </dgm:styleLbl>
+  <dgm:styleLbl name="bgAccFollowNode1">
+    <dgm:fillClrLst meth="repeat">
+      <a:schemeClr val="accent1">
+        <a:alpha val="90000"/>
+        <a:tint val="40000"/>
+      </a:schemeClr>
+    </dgm:fillClrLst>
+    <dgm:linClrLst meth="repeat">
+      <a:schemeClr val="accent1">
+        <a:alpha val="90000"/>
+        <a:tint val="40000"/>
+      </a:schemeClr>
+    </dgm:linClrLst>
+    <dgm:effectClrLst/>
+    <dgm:txLinClrLst/>
+    <dgm:txFillClrLst meth="repeat">
+      <a:schemeClr val="dk1"/>
+    </dgm:txFillClrLst>
+    <dgm:txEffectClrLst/>
+  </dgm:styleLbl>
+  <dgm:styleLbl name="fgAcc0">
+    <dgm:fillClrLst meth="repeat">
+      <a:schemeClr val="lt1">
+        <a:alpha val="90000"/>
+      </a:schemeClr>
+    </dgm:fillClrLst>
+    <dgm:linClrLst meth="repeat">
+      <a:schemeClr val="accent1"/>
+    </dgm:linClrLst>
+    <dgm:effectClrLst/>
+    <dgm:txLinClrLst/>
+    <dgm:txFillClrLst meth="repeat">
+      <a:schemeClr val="dk1"/>
+    </dgm:txFillClrLst>
+    <dgm:txEffectClrLst/>
+  </dgm:styleLbl>
+  <dgm:styleLbl name="fgAcc2">
+    <dgm:fillClrLst meth="repeat">
+      <a:schemeClr val="lt1">
+        <a:alpha val="90000"/>
+      </a:schemeClr>
+    </dgm:fillClrLst>
+    <dgm:linClrLst meth="repeat">
+      <a:schemeClr val="accent1"/>
+    </dgm:linClrLst>
+    <dgm:effectClrLst/>
+    <dgm:txLinClrLst/>
+    <dgm:txFillClrLst meth="repeat">
+      <a:schemeClr val="dk1"/>
+    </dgm:txFillClrLst>
+    <dgm:txEffectClrLst/>
+  </dgm:styleLbl>
+  <dgm:styleLbl name="fgAcc3">
+    <dgm:fillClrLst meth="repeat">
+      <a:schemeClr val="lt1">
+        <a:alpha val="90000"/>
+      </a:schemeClr>
+    </dgm:fillClrLst>
+    <dgm:linClrLst meth="repeat">
+      <a:schemeClr val="accent1"/>
+    </dgm:linClrLst>
+    <dgm:effectClrLst/>
+    <dgm:txLinClrLst/>
+    <dgm:txFillClrLst meth="repeat">
+      <a:schemeClr val="dk1"/>
+    </dgm:txFillClrLst>
+    <dgm:txEffectClrLst/>
+  </dgm:styleLbl>
+  <dgm:styleLbl name="fgAcc4">
+    <dgm:fillClrLst meth="repeat">
+      <a:schemeClr val="lt1">
+        <a:alpha val="90000"/>
+      </a:schemeClr>
+    </dgm:fillClrLst>
+    <dgm:linClrLst meth="repeat">
+      <a:schemeClr val="accent1"/>
+    </dgm:linClrLst>
+    <dgm:effectClrLst/>
+    <dgm:txLinClrLst/>
+    <dgm:txFillClrLst meth="repeat">
+      <a:schemeClr val="dk1"/>
+    </dgm:txFillClrLst>
+    <dgm:txEffectClrLst/>
+  </dgm:styleLbl>
+  <dgm:styleLbl name="bgShp">
+    <dgm:fillClrLst meth="repeat">
+      <a:schemeClr val="accent1">
+        <a:tint val="40000"/>
+      </a:schemeClr>
+    </dgm:fillClrLst>
+    <dgm:linClrLst meth="repeat">
+      <a:schemeClr val="accent1"/>
+    </dgm:linClrLst>
+    <dgm:effectClrLst/>
+    <dgm:txLinClrLst/>
+    <dgm:txFillClrLst meth="repeat">
+      <a:schemeClr val="dk1"/>
+    </dgm:txFillClrLst>
+    <dgm:txEffectClrLst/>
+  </dgm:styleLbl>
+  <dgm:styleLbl name="dkBgShp">
+    <dgm:fillClrLst meth="repeat">
+      <a:schemeClr val="accent1">
+        <a:shade val="80000"/>
+      </a:schemeClr>
+    </dgm:fillClrLst>
+    <dgm:linClrLst meth="repeat">
+      <a:schemeClr val="accent1"/>
+    </dgm:linClrLst>
+    <dgm:effectClrLst/>
+    <dgm:txLinClrLst/>
+    <dgm:txFillClrLst meth="repeat">
+      <a:schemeClr val="lt1"/>
+    </dgm:txFillClrLst>
+    <dgm:txEffectClrLst/>
+  </dgm:styleLbl>
+  <dgm:styleLbl name="trBgShp">
+    <dgm:fillClrLst meth="repeat">
+      <a:schemeClr val="accent1">
+        <a:tint val="50000"/>
+        <a:alpha val="40000"/>
+      </a:schemeClr>
+    </dgm:fillClrLst>
+    <dgm:linClrLst meth="repeat">
+      <a:schemeClr val="accent1"/>
+    </dgm:linClrLst>
+    <dgm:effectClrLst/>
+    <dgm:txLinClrLst/>
+    <dgm:txFillClrLst meth="repeat">
+      <a:schemeClr val="lt1"/>
+    </dgm:txFillClrLst>
+    <dgm:txEffectClrLst/>
+  </dgm:styleLbl>
+  <dgm:styleLbl name="fgShp">
+    <dgm:fillClrLst meth="repeat">
+      <a:schemeClr val="accent1">
+        <a:tint val="60000"/>
+      </a:schemeClr>
+    </dgm:fillClrLst>
+    <dgm:linClrLst meth="repeat">
+      <a:schemeClr val="lt1"/>
+    </dgm:linClrLst>
+    <dgm:effectClrLst/>
+    <dgm:txLinClrLst/>
+    <dgm:txFillClrLst meth="repeat">
+      <a:schemeClr val="dk1"/>
+    </dgm:txFillClrLst>
+    <dgm:txEffectClrLst/>
+  </dgm:styleLbl>
+  <dgm:styleLbl name="revTx">
+    <dgm:fillClrLst meth="repeat">
+      <a:schemeClr val="lt1">
+        <a:alpha val="0"/>
+      </a:schemeClr>
+    </dgm:fillClrLst>
+    <dgm:linClrLst meth="repeat">
+      <a:schemeClr val="dk1">
+        <a:alpha val="0"/>
+      </a:schemeClr>
+    </dgm:linClrLst>
+    <dgm:effectClrLst/>
+    <dgm:txLinClrLst/>
+    <dgm:txFillClrLst meth="repeat">
+      <a:schemeClr val="tx1"/>
+    </dgm:txFillClrLst>
+    <dgm:txEffectClrLst/>
+  </dgm:styleLbl>
+</dgm:colorsDef>
+</file>
+
+<file path=ppt/diagrams/colors8.xml><?xml version="1.0" encoding="utf-8"?>
 <dgm:colorsDef xmlns:dgm="http://schemas.openxmlformats.org/drawingml/2006/diagram" xmlns:a="http://schemas.openxmlformats.org/drawingml/2006/main" uniqueId="urn:microsoft.com/office/officeart/2005/8/colors/accent1_2">
   <dgm:title val=""/>
   <dgm:desc val=""/>
@@ -8606,6 +9356,398 @@
   <dgm:extLst>
     <a:ext uri="http://schemas.microsoft.com/office/drawing/2008/diagram">
       <dsp:dataModelExt xmlns:dsp="http://schemas.microsoft.com/office/drawing/2008/diagram" relId="rId11" minVer="http://schemas.openxmlformats.org/drawingml/2006/diagram"/>
+    </a:ext>
+  </dgm:extLst>
+</dgm:dataModel>
+</file>
+
+<file path=ppt/diagrams/data8.xml><?xml version="1.0" encoding="utf-8"?>
+<dgm:dataModel xmlns:dgm="http://schemas.openxmlformats.org/drawingml/2006/diagram" xmlns:a="http://schemas.openxmlformats.org/drawingml/2006/main">
+  <dgm:ptLst>
+    <dgm:pt modelId="{9BE29EB2-578C-4BCF-B2EE-AE8BF1FDF031}" type="doc">
+      <dgm:prSet loTypeId="urn:microsoft.com/office/officeart/2008/layout/HorizontalMultiLevelHierarchy" loCatId="hierarchy" qsTypeId="urn:microsoft.com/office/officeart/2005/8/quickstyle/simple1" qsCatId="simple" csTypeId="urn:microsoft.com/office/officeart/2005/8/colors/accent1_2" csCatId="accent1" phldr="1"/>
+      <dgm:spPr/>
+      <dgm:t>
+        <a:bodyPr/>
+        <a:lstStyle/>
+        <a:p>
+          <a:endParaRPr lang="it-IT"/>
+        </a:p>
+      </dgm:t>
+    </dgm:pt>
+    <dgm:pt modelId="{712AD1B2-09CC-4833-BC5C-E13FC6CC1430}">
+      <dgm:prSet phldrT="[Testo]" custT="1"/>
+      <dgm:spPr>
+        <a:solidFill>
+          <a:schemeClr val="accent4">
+            <a:lumMod val="60000"/>
+            <a:lumOff val="40000"/>
+          </a:schemeClr>
+        </a:solidFill>
+      </dgm:spPr>
+      <dgm:t>
+        <a:bodyPr/>
+        <a:lstStyle/>
+        <a:p>
+          <a:r>
+            <a:rPr lang="it-IT" sz="2400"/>
+            <a:t>Logistic Regression</a:t>
+          </a:r>
+        </a:p>
+      </dgm:t>
+    </dgm:pt>
+    <dgm:pt modelId="{B5703136-77C2-45BA-BB99-F5B02D0B6627}" type="parTrans" cxnId="{4D44F623-BAAC-4F5E-ADCD-5A8F2AB025EC}">
+      <dgm:prSet/>
+      <dgm:spPr/>
+      <dgm:t>
+        <a:bodyPr/>
+        <a:lstStyle/>
+        <a:p>
+          <a:endParaRPr lang="it-IT"/>
+        </a:p>
+      </dgm:t>
+    </dgm:pt>
+    <dgm:pt modelId="{2562929C-312F-48EC-9FF9-175167280FD9}" type="sibTrans" cxnId="{4D44F623-BAAC-4F5E-ADCD-5A8F2AB025EC}">
+      <dgm:prSet/>
+      <dgm:spPr/>
+      <dgm:t>
+        <a:bodyPr/>
+        <a:lstStyle/>
+        <a:p>
+          <a:endParaRPr lang="it-IT"/>
+        </a:p>
+      </dgm:t>
+    </dgm:pt>
+    <dgm:pt modelId="{AA8769EE-62CA-4103-AC55-2EBC97C4F747}">
+      <dgm:prSet phldrT="[Testo]" custT="1"/>
+      <dgm:spPr/>
+      <dgm:t>
+        <a:bodyPr/>
+        <a:lstStyle/>
+        <a:p>
+          <a:r>
+            <a:rPr lang="it-IT" sz="2000"/>
+            <a:t>Only numerical</a:t>
+          </a:r>
+        </a:p>
+        <a:p>
+          <a:r>
+            <a:rPr lang="it-IT" sz="1200"/>
+            <a:t>(w/o standardization)</a:t>
+          </a:r>
+        </a:p>
+      </dgm:t>
+    </dgm:pt>
+    <dgm:pt modelId="{83E6A6F7-6AC4-418E-BDCC-384ABEB3B94B}" type="parTrans" cxnId="{D22E778F-90FF-421C-B4C8-E65C31BB2F00}">
+      <dgm:prSet/>
+      <dgm:spPr/>
+      <dgm:t>
+        <a:bodyPr/>
+        <a:lstStyle/>
+        <a:p>
+          <a:endParaRPr lang="it-IT"/>
+        </a:p>
+      </dgm:t>
+    </dgm:pt>
+    <dgm:pt modelId="{B25788A5-04F3-4D48-B964-6121F593EFCB}" type="sibTrans" cxnId="{D22E778F-90FF-421C-B4C8-E65C31BB2F00}">
+      <dgm:prSet/>
+      <dgm:spPr/>
+      <dgm:t>
+        <a:bodyPr/>
+        <a:lstStyle/>
+        <a:p>
+          <a:endParaRPr lang="it-IT"/>
+        </a:p>
+      </dgm:t>
+    </dgm:pt>
+    <dgm:pt modelId="{EAAC1CC5-EA7B-4E1A-A26F-4F627366CCCD}">
+      <dgm:prSet phldrT="[Testo]" custT="1"/>
+      <dgm:spPr/>
+      <dgm:t>
+        <a:bodyPr/>
+        <a:lstStyle/>
+        <a:p>
+          <a:r>
+            <a:rPr lang="it-IT" sz="2000"/>
+            <a:t>All features</a:t>
+          </a:r>
+        </a:p>
+      </dgm:t>
+    </dgm:pt>
+    <dgm:pt modelId="{BBED3C55-967D-417A-B175-C5FF41B7C7F7}" type="parTrans" cxnId="{DA5468A0-E546-47AC-8212-8D7677D2E99E}">
+      <dgm:prSet/>
+      <dgm:spPr/>
+      <dgm:t>
+        <a:bodyPr/>
+        <a:lstStyle/>
+        <a:p>
+          <a:endParaRPr lang="it-IT"/>
+        </a:p>
+      </dgm:t>
+    </dgm:pt>
+    <dgm:pt modelId="{710ACCF1-92EC-489A-A152-EE194F1195DB}" type="sibTrans" cxnId="{DA5468A0-E546-47AC-8212-8D7677D2E99E}">
+      <dgm:prSet/>
+      <dgm:spPr/>
+      <dgm:t>
+        <a:bodyPr/>
+        <a:lstStyle/>
+        <a:p>
+          <a:endParaRPr lang="it-IT"/>
+        </a:p>
+      </dgm:t>
+    </dgm:pt>
+    <dgm:pt modelId="{D804D3CF-F586-4DA7-ACE3-FD70412E7260}">
+      <dgm:prSet phldrT="[Testo]" custT="1"/>
+      <dgm:spPr/>
+      <dgm:t>
+        <a:bodyPr/>
+        <a:lstStyle/>
+        <a:p>
+          <a:r>
+            <a:rPr lang="it-IT" sz="2000"/>
+            <a:t>Only categorical</a:t>
+          </a:r>
+        </a:p>
+      </dgm:t>
+    </dgm:pt>
+    <dgm:pt modelId="{E6BE9A90-1D2A-413B-9120-431B7136ACFA}" type="parTrans" cxnId="{34F2895E-9EA9-47B1-A207-2C688BA4C829}">
+      <dgm:prSet/>
+      <dgm:spPr/>
+      <dgm:t>
+        <a:bodyPr/>
+        <a:lstStyle/>
+        <a:p>
+          <a:endParaRPr lang="it-IT"/>
+        </a:p>
+      </dgm:t>
+    </dgm:pt>
+    <dgm:pt modelId="{39A8370C-3038-44BD-AB1A-B56AC65E8997}" type="sibTrans" cxnId="{34F2895E-9EA9-47B1-A207-2C688BA4C829}">
+      <dgm:prSet/>
+      <dgm:spPr/>
+      <dgm:t>
+        <a:bodyPr/>
+        <a:lstStyle/>
+        <a:p>
+          <a:endParaRPr lang="it-IT"/>
+        </a:p>
+      </dgm:t>
+    </dgm:pt>
+    <dgm:pt modelId="{8E0005AC-6B59-4087-884B-DB7F82A54D7E}">
+      <dgm:prSet phldrT="[Testo]" custT="1"/>
+      <dgm:spPr/>
+      <dgm:t>
+        <a:bodyPr/>
+        <a:lstStyle/>
+        <a:p>
+          <a:r>
+            <a:rPr lang="it-IT" sz="2000"/>
+            <a:t>Mix</a:t>
+          </a:r>
+        </a:p>
+        <a:p>
+          <a:r>
+            <a:rPr lang="it-IT" sz="1200"/>
+            <a:t>(w/o standardization)</a:t>
+          </a:r>
+        </a:p>
+      </dgm:t>
+    </dgm:pt>
+    <dgm:pt modelId="{B99954AC-9567-4059-8A93-6C2F19D2F719}" type="parTrans" cxnId="{FC0052D7-955E-43D0-894E-ACA9EB44CE1C}">
+      <dgm:prSet/>
+      <dgm:spPr/>
+      <dgm:t>
+        <a:bodyPr/>
+        <a:lstStyle/>
+        <a:p>
+          <a:endParaRPr lang="it-IT"/>
+        </a:p>
+      </dgm:t>
+    </dgm:pt>
+    <dgm:pt modelId="{EDEA70CB-2FEE-4A85-B07E-120EF11E8AC5}" type="sibTrans" cxnId="{FC0052D7-955E-43D0-894E-ACA9EB44CE1C}">
+      <dgm:prSet/>
+      <dgm:spPr/>
+      <dgm:t>
+        <a:bodyPr/>
+        <a:lstStyle/>
+        <a:p>
+          <a:endParaRPr lang="it-IT"/>
+        </a:p>
+      </dgm:t>
+    </dgm:pt>
+    <dgm:pt modelId="{E300FD04-0B42-4EB4-A821-5EB6EF01017B}" type="pres">
+      <dgm:prSet presAssocID="{9BE29EB2-578C-4BCF-B2EE-AE8BF1FDF031}" presName="Name0" presStyleCnt="0">
+        <dgm:presLayoutVars>
+          <dgm:chPref val="1"/>
+          <dgm:dir/>
+          <dgm:animOne val="branch"/>
+          <dgm:animLvl val="lvl"/>
+          <dgm:resizeHandles val="exact"/>
+        </dgm:presLayoutVars>
+      </dgm:prSet>
+      <dgm:spPr/>
+    </dgm:pt>
+    <dgm:pt modelId="{E3F1D336-743B-4747-84B5-1578DC017F2D}" type="pres">
+      <dgm:prSet presAssocID="{712AD1B2-09CC-4833-BC5C-E13FC6CC1430}" presName="root1" presStyleCnt="0"/>
+      <dgm:spPr/>
+    </dgm:pt>
+    <dgm:pt modelId="{12A5A615-E1F5-4798-8B27-86DF96572C91}" type="pres">
+      <dgm:prSet presAssocID="{712AD1B2-09CC-4833-BC5C-E13FC6CC1430}" presName="LevelOneTextNode" presStyleLbl="node0" presStyleIdx="0" presStyleCnt="1" custScaleY="87686">
+        <dgm:presLayoutVars>
+          <dgm:chPref val="3"/>
+        </dgm:presLayoutVars>
+      </dgm:prSet>
+      <dgm:spPr/>
+    </dgm:pt>
+    <dgm:pt modelId="{9BF5017E-E2D0-4A17-99A2-BB254BD747D9}" type="pres">
+      <dgm:prSet presAssocID="{712AD1B2-09CC-4833-BC5C-E13FC6CC1430}" presName="level2hierChild" presStyleCnt="0"/>
+      <dgm:spPr/>
+    </dgm:pt>
+    <dgm:pt modelId="{EE652400-9F1E-494A-A3E7-9E8DC9FE6B5D}" type="pres">
+      <dgm:prSet presAssocID="{83E6A6F7-6AC4-418E-BDCC-384ABEB3B94B}" presName="conn2-1" presStyleLbl="parChTrans1D2" presStyleIdx="0" presStyleCnt="4"/>
+      <dgm:spPr/>
+    </dgm:pt>
+    <dgm:pt modelId="{3213DAEC-7E24-49BB-B565-9FB5BCBB661A}" type="pres">
+      <dgm:prSet presAssocID="{83E6A6F7-6AC4-418E-BDCC-384ABEB3B94B}" presName="connTx" presStyleLbl="parChTrans1D2" presStyleIdx="0" presStyleCnt="4"/>
+      <dgm:spPr/>
+    </dgm:pt>
+    <dgm:pt modelId="{4E009DCB-62ED-4802-AB26-4D769BF517CE}" type="pres">
+      <dgm:prSet presAssocID="{AA8769EE-62CA-4103-AC55-2EBC97C4F747}" presName="root2" presStyleCnt="0"/>
+      <dgm:spPr/>
+    </dgm:pt>
+    <dgm:pt modelId="{679D7825-1A13-4E4A-8AA9-A5E58C9375AD}" type="pres">
+      <dgm:prSet presAssocID="{AA8769EE-62CA-4103-AC55-2EBC97C4F747}" presName="LevelTwoTextNode" presStyleLbl="node2" presStyleIdx="0" presStyleCnt="4" custScaleY="123176">
+        <dgm:presLayoutVars>
+          <dgm:chPref val="3"/>
+        </dgm:presLayoutVars>
+      </dgm:prSet>
+      <dgm:spPr/>
+    </dgm:pt>
+    <dgm:pt modelId="{2A099515-6923-4427-9806-92F071E504B4}" type="pres">
+      <dgm:prSet presAssocID="{AA8769EE-62CA-4103-AC55-2EBC97C4F747}" presName="level3hierChild" presStyleCnt="0"/>
+      <dgm:spPr/>
+    </dgm:pt>
+    <dgm:pt modelId="{4D55B767-C110-4010-A814-7A0E65BBF490}" type="pres">
+      <dgm:prSet presAssocID="{BBED3C55-967D-417A-B175-C5FF41B7C7F7}" presName="conn2-1" presStyleLbl="parChTrans1D2" presStyleIdx="1" presStyleCnt="4"/>
+      <dgm:spPr/>
+    </dgm:pt>
+    <dgm:pt modelId="{46323E3A-1BF1-4EE5-AE5C-FC5E0718465B}" type="pres">
+      <dgm:prSet presAssocID="{BBED3C55-967D-417A-B175-C5FF41B7C7F7}" presName="connTx" presStyleLbl="parChTrans1D2" presStyleIdx="1" presStyleCnt="4"/>
+      <dgm:spPr/>
+    </dgm:pt>
+    <dgm:pt modelId="{DDE12156-23CC-4ED8-959C-3B94DD288226}" type="pres">
+      <dgm:prSet presAssocID="{EAAC1CC5-EA7B-4E1A-A26F-4F627366CCCD}" presName="root2" presStyleCnt="0"/>
+      <dgm:spPr/>
+    </dgm:pt>
+    <dgm:pt modelId="{B589059C-3FA7-421B-AEF5-1F5BC0A007F6}" type="pres">
+      <dgm:prSet presAssocID="{EAAC1CC5-EA7B-4E1A-A26F-4F627366CCCD}" presName="LevelTwoTextNode" presStyleLbl="node2" presStyleIdx="1" presStyleCnt="4">
+        <dgm:presLayoutVars>
+          <dgm:chPref val="3"/>
+        </dgm:presLayoutVars>
+      </dgm:prSet>
+      <dgm:spPr/>
+    </dgm:pt>
+    <dgm:pt modelId="{7630E9C1-99CF-4D4F-9946-659EEF038BB6}" type="pres">
+      <dgm:prSet presAssocID="{EAAC1CC5-EA7B-4E1A-A26F-4F627366CCCD}" presName="level3hierChild" presStyleCnt="0"/>
+      <dgm:spPr/>
+    </dgm:pt>
+    <dgm:pt modelId="{727C5189-5982-4CDE-943D-923813656E58}" type="pres">
+      <dgm:prSet presAssocID="{E6BE9A90-1D2A-413B-9120-431B7136ACFA}" presName="conn2-1" presStyleLbl="parChTrans1D2" presStyleIdx="2" presStyleCnt="4"/>
+      <dgm:spPr/>
+    </dgm:pt>
+    <dgm:pt modelId="{BDF37E8B-FFCB-488D-9509-D93ECE3598D7}" type="pres">
+      <dgm:prSet presAssocID="{E6BE9A90-1D2A-413B-9120-431B7136ACFA}" presName="connTx" presStyleLbl="parChTrans1D2" presStyleIdx="2" presStyleCnt="4"/>
+      <dgm:spPr/>
+    </dgm:pt>
+    <dgm:pt modelId="{734A6DB6-5C84-4FEC-BD52-98F69BE27001}" type="pres">
+      <dgm:prSet presAssocID="{D804D3CF-F586-4DA7-ACE3-FD70412E7260}" presName="root2" presStyleCnt="0"/>
+      <dgm:spPr/>
+    </dgm:pt>
+    <dgm:pt modelId="{041D6357-4BB6-4934-B972-D575E7C45DA1}" type="pres">
+      <dgm:prSet presAssocID="{D804D3CF-F586-4DA7-ACE3-FD70412E7260}" presName="LevelTwoTextNode" presStyleLbl="node2" presStyleIdx="2" presStyleCnt="4">
+        <dgm:presLayoutVars>
+          <dgm:chPref val="3"/>
+        </dgm:presLayoutVars>
+      </dgm:prSet>
+      <dgm:spPr/>
+    </dgm:pt>
+    <dgm:pt modelId="{F11897D4-509B-493D-967A-015A1F966472}" type="pres">
+      <dgm:prSet presAssocID="{D804D3CF-F586-4DA7-ACE3-FD70412E7260}" presName="level3hierChild" presStyleCnt="0"/>
+      <dgm:spPr/>
+    </dgm:pt>
+    <dgm:pt modelId="{85CB48A0-1269-4747-B4BB-B94F6038ED01}" type="pres">
+      <dgm:prSet presAssocID="{B99954AC-9567-4059-8A93-6C2F19D2F719}" presName="conn2-1" presStyleLbl="parChTrans1D2" presStyleIdx="3" presStyleCnt="4"/>
+      <dgm:spPr/>
+    </dgm:pt>
+    <dgm:pt modelId="{7730790B-C821-4BE0-8900-E3B894C6DF40}" type="pres">
+      <dgm:prSet presAssocID="{B99954AC-9567-4059-8A93-6C2F19D2F719}" presName="connTx" presStyleLbl="parChTrans1D2" presStyleIdx="3" presStyleCnt="4"/>
+      <dgm:spPr/>
+    </dgm:pt>
+    <dgm:pt modelId="{02AEAD8D-BE76-46AA-B9DE-3B53D132FCB9}" type="pres">
+      <dgm:prSet presAssocID="{8E0005AC-6B59-4087-884B-DB7F82A54D7E}" presName="root2" presStyleCnt="0"/>
+      <dgm:spPr/>
+    </dgm:pt>
+    <dgm:pt modelId="{E0AAD1B8-C76B-45C2-97F7-CFBB451502A1}" type="pres">
+      <dgm:prSet presAssocID="{8E0005AC-6B59-4087-884B-DB7F82A54D7E}" presName="LevelTwoTextNode" presStyleLbl="node2" presStyleIdx="3" presStyleCnt="4" custScaleY="116581">
+        <dgm:presLayoutVars>
+          <dgm:chPref val="3"/>
+        </dgm:presLayoutVars>
+      </dgm:prSet>
+      <dgm:spPr/>
+    </dgm:pt>
+    <dgm:pt modelId="{35499F2C-C28E-4B75-A2D6-80064283C65D}" type="pres">
+      <dgm:prSet presAssocID="{8E0005AC-6B59-4087-884B-DB7F82A54D7E}" presName="level3hierChild" presStyleCnt="0"/>
+      <dgm:spPr/>
+    </dgm:pt>
+  </dgm:ptLst>
+  <dgm:cxnLst>
+    <dgm:cxn modelId="{EE71400E-9D7C-42A5-9765-9AAA743AF449}" type="presOf" srcId="{712AD1B2-09CC-4833-BC5C-E13FC6CC1430}" destId="{12A5A615-E1F5-4798-8B27-86DF96572C91}" srcOrd="0" destOrd="0" presId="urn:microsoft.com/office/officeart/2008/layout/HorizontalMultiLevelHierarchy"/>
+    <dgm:cxn modelId="{CF50D616-F89D-415F-8F61-085D3CEED0BC}" type="presOf" srcId="{BBED3C55-967D-417A-B175-C5FF41B7C7F7}" destId="{4D55B767-C110-4010-A814-7A0E65BBF490}" srcOrd="0" destOrd="0" presId="urn:microsoft.com/office/officeart/2008/layout/HorizontalMultiLevelHierarchy"/>
+    <dgm:cxn modelId="{4D44F623-BAAC-4F5E-ADCD-5A8F2AB025EC}" srcId="{9BE29EB2-578C-4BCF-B2EE-AE8BF1FDF031}" destId="{712AD1B2-09CC-4833-BC5C-E13FC6CC1430}" srcOrd="0" destOrd="0" parTransId="{B5703136-77C2-45BA-BB99-F5B02D0B6627}" sibTransId="{2562929C-312F-48EC-9FF9-175167280FD9}"/>
+    <dgm:cxn modelId="{AAD23038-91D7-42DE-9B6E-0A8A4698892E}" type="presOf" srcId="{D804D3CF-F586-4DA7-ACE3-FD70412E7260}" destId="{041D6357-4BB6-4934-B972-D575E7C45DA1}" srcOrd="0" destOrd="0" presId="urn:microsoft.com/office/officeart/2008/layout/HorizontalMultiLevelHierarchy"/>
+    <dgm:cxn modelId="{34F2895E-9EA9-47B1-A207-2C688BA4C829}" srcId="{712AD1B2-09CC-4833-BC5C-E13FC6CC1430}" destId="{D804D3CF-F586-4DA7-ACE3-FD70412E7260}" srcOrd="2" destOrd="0" parTransId="{E6BE9A90-1D2A-413B-9120-431B7136ACFA}" sibTransId="{39A8370C-3038-44BD-AB1A-B56AC65E8997}"/>
+    <dgm:cxn modelId="{E0662876-CF81-4AB5-812E-CA368A6CE225}" type="presOf" srcId="{EAAC1CC5-EA7B-4E1A-A26F-4F627366CCCD}" destId="{B589059C-3FA7-421B-AEF5-1F5BC0A007F6}" srcOrd="0" destOrd="0" presId="urn:microsoft.com/office/officeart/2008/layout/HorizontalMultiLevelHierarchy"/>
+    <dgm:cxn modelId="{D8D38256-3B81-48CB-99FA-56BA595AAD41}" type="presOf" srcId="{E6BE9A90-1D2A-413B-9120-431B7136ACFA}" destId="{BDF37E8B-FFCB-488D-9509-D93ECE3598D7}" srcOrd="1" destOrd="0" presId="urn:microsoft.com/office/officeart/2008/layout/HorizontalMultiLevelHierarchy"/>
+    <dgm:cxn modelId="{A8945178-65E6-4694-B361-7A90AE294769}" type="presOf" srcId="{AA8769EE-62CA-4103-AC55-2EBC97C4F747}" destId="{679D7825-1A13-4E4A-8AA9-A5E58C9375AD}" srcOrd="0" destOrd="0" presId="urn:microsoft.com/office/officeart/2008/layout/HorizontalMultiLevelHierarchy"/>
+    <dgm:cxn modelId="{D22E778F-90FF-421C-B4C8-E65C31BB2F00}" srcId="{712AD1B2-09CC-4833-BC5C-E13FC6CC1430}" destId="{AA8769EE-62CA-4103-AC55-2EBC97C4F747}" srcOrd="0" destOrd="0" parTransId="{83E6A6F7-6AC4-418E-BDCC-384ABEB3B94B}" sibTransId="{B25788A5-04F3-4D48-B964-6121F593EFCB}"/>
+    <dgm:cxn modelId="{9499EA91-F65A-4785-B309-670F3C0DFC73}" type="presOf" srcId="{9BE29EB2-578C-4BCF-B2EE-AE8BF1FDF031}" destId="{E300FD04-0B42-4EB4-A821-5EB6EF01017B}" srcOrd="0" destOrd="0" presId="urn:microsoft.com/office/officeart/2008/layout/HorizontalMultiLevelHierarchy"/>
+    <dgm:cxn modelId="{DA5468A0-E546-47AC-8212-8D7677D2E99E}" srcId="{712AD1B2-09CC-4833-BC5C-E13FC6CC1430}" destId="{EAAC1CC5-EA7B-4E1A-A26F-4F627366CCCD}" srcOrd="1" destOrd="0" parTransId="{BBED3C55-967D-417A-B175-C5FF41B7C7F7}" sibTransId="{710ACCF1-92EC-489A-A152-EE194F1195DB}"/>
+    <dgm:cxn modelId="{2F4B89BE-5D30-4B0A-A6A5-B941F29C1500}" type="presOf" srcId="{B99954AC-9567-4059-8A93-6C2F19D2F719}" destId="{85CB48A0-1269-4747-B4BB-B94F6038ED01}" srcOrd="0" destOrd="0" presId="urn:microsoft.com/office/officeart/2008/layout/HorizontalMultiLevelHierarchy"/>
+    <dgm:cxn modelId="{C5F95BCA-C753-4CB1-AFAB-FA428931CC4E}" type="presOf" srcId="{83E6A6F7-6AC4-418E-BDCC-384ABEB3B94B}" destId="{EE652400-9F1E-494A-A3E7-9E8DC9FE6B5D}" srcOrd="0" destOrd="0" presId="urn:microsoft.com/office/officeart/2008/layout/HorizontalMultiLevelHierarchy"/>
+    <dgm:cxn modelId="{FC0052D7-955E-43D0-894E-ACA9EB44CE1C}" srcId="{712AD1B2-09CC-4833-BC5C-E13FC6CC1430}" destId="{8E0005AC-6B59-4087-884B-DB7F82A54D7E}" srcOrd="3" destOrd="0" parTransId="{B99954AC-9567-4059-8A93-6C2F19D2F719}" sibTransId="{EDEA70CB-2FEE-4A85-B07E-120EF11E8AC5}"/>
+    <dgm:cxn modelId="{BAC9AEDD-5A63-4D77-8A1B-3F220F98BF6E}" type="presOf" srcId="{BBED3C55-967D-417A-B175-C5FF41B7C7F7}" destId="{46323E3A-1BF1-4EE5-AE5C-FC5E0718465B}" srcOrd="1" destOrd="0" presId="urn:microsoft.com/office/officeart/2008/layout/HorizontalMultiLevelHierarchy"/>
+    <dgm:cxn modelId="{42FD17E1-2B23-4268-9C51-93DE69F4DAB7}" type="presOf" srcId="{E6BE9A90-1D2A-413B-9120-431B7136ACFA}" destId="{727C5189-5982-4CDE-943D-923813656E58}" srcOrd="0" destOrd="0" presId="urn:microsoft.com/office/officeart/2008/layout/HorizontalMultiLevelHierarchy"/>
+    <dgm:cxn modelId="{16B061E3-ED9B-4CEF-A935-0E40F907EBF5}" type="presOf" srcId="{8E0005AC-6B59-4087-884B-DB7F82A54D7E}" destId="{E0AAD1B8-C76B-45C2-97F7-CFBB451502A1}" srcOrd="0" destOrd="0" presId="urn:microsoft.com/office/officeart/2008/layout/HorizontalMultiLevelHierarchy"/>
+    <dgm:cxn modelId="{0D6039F2-9B48-4FAA-9458-AF13DD699C52}" type="presOf" srcId="{B99954AC-9567-4059-8A93-6C2F19D2F719}" destId="{7730790B-C821-4BE0-8900-E3B894C6DF40}" srcOrd="1" destOrd="0" presId="urn:microsoft.com/office/officeart/2008/layout/HorizontalMultiLevelHierarchy"/>
+    <dgm:cxn modelId="{0A1C9FFD-A1A1-4B27-B56D-76A0D74D2024}" type="presOf" srcId="{83E6A6F7-6AC4-418E-BDCC-384ABEB3B94B}" destId="{3213DAEC-7E24-49BB-B565-9FB5BCBB661A}" srcOrd="1" destOrd="0" presId="urn:microsoft.com/office/officeart/2008/layout/HorizontalMultiLevelHierarchy"/>
+    <dgm:cxn modelId="{37778975-2B6C-46DB-87D0-B7D0A2B6DC11}" type="presParOf" srcId="{E300FD04-0B42-4EB4-A821-5EB6EF01017B}" destId="{E3F1D336-743B-4747-84B5-1578DC017F2D}" srcOrd="0" destOrd="0" presId="urn:microsoft.com/office/officeart/2008/layout/HorizontalMultiLevelHierarchy"/>
+    <dgm:cxn modelId="{009C63A2-7696-483E-A03E-813D77930E2F}" type="presParOf" srcId="{E3F1D336-743B-4747-84B5-1578DC017F2D}" destId="{12A5A615-E1F5-4798-8B27-86DF96572C91}" srcOrd="0" destOrd="0" presId="urn:microsoft.com/office/officeart/2008/layout/HorizontalMultiLevelHierarchy"/>
+    <dgm:cxn modelId="{C6CAB10F-3066-48DF-8EC1-9CDC902CCC62}" type="presParOf" srcId="{E3F1D336-743B-4747-84B5-1578DC017F2D}" destId="{9BF5017E-E2D0-4A17-99A2-BB254BD747D9}" srcOrd="1" destOrd="0" presId="urn:microsoft.com/office/officeart/2008/layout/HorizontalMultiLevelHierarchy"/>
+    <dgm:cxn modelId="{AC77298A-AD25-41D4-BC92-838AC139F08F}" type="presParOf" srcId="{9BF5017E-E2D0-4A17-99A2-BB254BD747D9}" destId="{EE652400-9F1E-494A-A3E7-9E8DC9FE6B5D}" srcOrd="0" destOrd="0" presId="urn:microsoft.com/office/officeart/2008/layout/HorizontalMultiLevelHierarchy"/>
+    <dgm:cxn modelId="{FF6FE1C0-B101-4112-92C9-FE50757518E5}" type="presParOf" srcId="{EE652400-9F1E-494A-A3E7-9E8DC9FE6B5D}" destId="{3213DAEC-7E24-49BB-B565-9FB5BCBB661A}" srcOrd="0" destOrd="0" presId="urn:microsoft.com/office/officeart/2008/layout/HorizontalMultiLevelHierarchy"/>
+    <dgm:cxn modelId="{04F700D3-851B-4A13-9621-7A9A862906B8}" type="presParOf" srcId="{9BF5017E-E2D0-4A17-99A2-BB254BD747D9}" destId="{4E009DCB-62ED-4802-AB26-4D769BF517CE}" srcOrd="1" destOrd="0" presId="urn:microsoft.com/office/officeart/2008/layout/HorizontalMultiLevelHierarchy"/>
+    <dgm:cxn modelId="{16D5FB32-1DC2-4E17-A9ED-A8E515EA8FA0}" type="presParOf" srcId="{4E009DCB-62ED-4802-AB26-4D769BF517CE}" destId="{679D7825-1A13-4E4A-8AA9-A5E58C9375AD}" srcOrd="0" destOrd="0" presId="urn:microsoft.com/office/officeart/2008/layout/HorizontalMultiLevelHierarchy"/>
+    <dgm:cxn modelId="{3F3D1835-B437-4F1F-BA31-B1ADECDD3EBE}" type="presParOf" srcId="{4E009DCB-62ED-4802-AB26-4D769BF517CE}" destId="{2A099515-6923-4427-9806-92F071E504B4}" srcOrd="1" destOrd="0" presId="urn:microsoft.com/office/officeart/2008/layout/HorizontalMultiLevelHierarchy"/>
+    <dgm:cxn modelId="{AFC87BBB-4F37-4AAA-A4A4-E4E049AB3C5F}" type="presParOf" srcId="{9BF5017E-E2D0-4A17-99A2-BB254BD747D9}" destId="{4D55B767-C110-4010-A814-7A0E65BBF490}" srcOrd="2" destOrd="0" presId="urn:microsoft.com/office/officeart/2008/layout/HorizontalMultiLevelHierarchy"/>
+    <dgm:cxn modelId="{B37B77C1-D52C-4E2D-9354-02C7B2EFAD87}" type="presParOf" srcId="{4D55B767-C110-4010-A814-7A0E65BBF490}" destId="{46323E3A-1BF1-4EE5-AE5C-FC5E0718465B}" srcOrd="0" destOrd="0" presId="urn:microsoft.com/office/officeart/2008/layout/HorizontalMultiLevelHierarchy"/>
+    <dgm:cxn modelId="{F8DDB109-7B81-42FE-99D7-D4D984CFA4FE}" type="presParOf" srcId="{9BF5017E-E2D0-4A17-99A2-BB254BD747D9}" destId="{DDE12156-23CC-4ED8-959C-3B94DD288226}" srcOrd="3" destOrd="0" presId="urn:microsoft.com/office/officeart/2008/layout/HorizontalMultiLevelHierarchy"/>
+    <dgm:cxn modelId="{178C076E-615A-4C40-B42C-84CFCE22F522}" type="presParOf" srcId="{DDE12156-23CC-4ED8-959C-3B94DD288226}" destId="{B589059C-3FA7-421B-AEF5-1F5BC0A007F6}" srcOrd="0" destOrd="0" presId="urn:microsoft.com/office/officeart/2008/layout/HorizontalMultiLevelHierarchy"/>
+    <dgm:cxn modelId="{186C719A-FA78-4EC2-882C-30A598FC2164}" type="presParOf" srcId="{DDE12156-23CC-4ED8-959C-3B94DD288226}" destId="{7630E9C1-99CF-4D4F-9946-659EEF038BB6}" srcOrd="1" destOrd="0" presId="urn:microsoft.com/office/officeart/2008/layout/HorizontalMultiLevelHierarchy"/>
+    <dgm:cxn modelId="{F20A1F91-008C-43B5-B8FF-EB3DAEBF2583}" type="presParOf" srcId="{9BF5017E-E2D0-4A17-99A2-BB254BD747D9}" destId="{727C5189-5982-4CDE-943D-923813656E58}" srcOrd="4" destOrd="0" presId="urn:microsoft.com/office/officeart/2008/layout/HorizontalMultiLevelHierarchy"/>
+    <dgm:cxn modelId="{BF9F0EAA-C9E6-4507-A94D-84BF1FD2670F}" type="presParOf" srcId="{727C5189-5982-4CDE-943D-923813656E58}" destId="{BDF37E8B-FFCB-488D-9509-D93ECE3598D7}" srcOrd="0" destOrd="0" presId="urn:microsoft.com/office/officeart/2008/layout/HorizontalMultiLevelHierarchy"/>
+    <dgm:cxn modelId="{610C2C95-3309-4F8D-ADC7-9A03F6292558}" type="presParOf" srcId="{9BF5017E-E2D0-4A17-99A2-BB254BD747D9}" destId="{734A6DB6-5C84-4FEC-BD52-98F69BE27001}" srcOrd="5" destOrd="0" presId="urn:microsoft.com/office/officeart/2008/layout/HorizontalMultiLevelHierarchy"/>
+    <dgm:cxn modelId="{C52AE050-AA25-4973-826A-BD0F314EF1E1}" type="presParOf" srcId="{734A6DB6-5C84-4FEC-BD52-98F69BE27001}" destId="{041D6357-4BB6-4934-B972-D575E7C45DA1}" srcOrd="0" destOrd="0" presId="urn:microsoft.com/office/officeart/2008/layout/HorizontalMultiLevelHierarchy"/>
+    <dgm:cxn modelId="{61127061-702C-49E4-A694-EE3D7D68F489}" type="presParOf" srcId="{734A6DB6-5C84-4FEC-BD52-98F69BE27001}" destId="{F11897D4-509B-493D-967A-015A1F966472}" srcOrd="1" destOrd="0" presId="urn:microsoft.com/office/officeart/2008/layout/HorizontalMultiLevelHierarchy"/>
+    <dgm:cxn modelId="{25169F98-B854-4C0B-8B82-44BCE0544642}" type="presParOf" srcId="{9BF5017E-E2D0-4A17-99A2-BB254BD747D9}" destId="{85CB48A0-1269-4747-B4BB-B94F6038ED01}" srcOrd="6" destOrd="0" presId="urn:microsoft.com/office/officeart/2008/layout/HorizontalMultiLevelHierarchy"/>
+    <dgm:cxn modelId="{0AD6310D-F3A2-4F78-A87C-23E55D6BB5C3}" type="presParOf" srcId="{85CB48A0-1269-4747-B4BB-B94F6038ED01}" destId="{7730790B-C821-4BE0-8900-E3B894C6DF40}" srcOrd="0" destOrd="0" presId="urn:microsoft.com/office/officeart/2008/layout/HorizontalMultiLevelHierarchy"/>
+    <dgm:cxn modelId="{315F610B-CD64-4238-BE82-1764C4FBDDE9}" type="presParOf" srcId="{9BF5017E-E2D0-4A17-99A2-BB254BD747D9}" destId="{02AEAD8D-BE76-46AA-B9DE-3B53D132FCB9}" srcOrd="7" destOrd="0" presId="urn:microsoft.com/office/officeart/2008/layout/HorizontalMultiLevelHierarchy"/>
+    <dgm:cxn modelId="{6BB05481-6C2D-4ADB-8AA2-8D2A4FEA8BFF}" type="presParOf" srcId="{02AEAD8D-BE76-46AA-B9DE-3B53D132FCB9}" destId="{E0AAD1B8-C76B-45C2-97F7-CFBB451502A1}" srcOrd="0" destOrd="0" presId="urn:microsoft.com/office/officeart/2008/layout/HorizontalMultiLevelHierarchy"/>
+    <dgm:cxn modelId="{A736E646-1D4C-417E-A6B0-4CB736D227FA}" type="presParOf" srcId="{02AEAD8D-BE76-46AA-B9DE-3B53D132FCB9}" destId="{35499F2C-C28E-4B75-A2D6-80064283C65D}" srcOrd="1" destOrd="0" presId="urn:microsoft.com/office/officeart/2008/layout/HorizontalMultiLevelHierarchy"/>
+  </dgm:cxnLst>
+  <dgm:bg/>
+  <dgm:whole/>
+  <dgm:extLst>
+    <a:ext uri="http://schemas.microsoft.com/office/drawing/2008/diagram">
+      <dsp:dataModelExt xmlns:dsp="http://schemas.microsoft.com/office/drawing/2008/diagram" relId="rId6" minVer="http://schemas.openxmlformats.org/drawingml/2006/diagram"/>
     </a:ext>
   </dgm:extLst>
 </dgm:dataModel>
@@ -12423,6 +13565,781 @@
 </dsp:drawing>
 </file>
 
+<file path=ppt/diagrams/drawing8.xml><?xml version="1.0" encoding="utf-8"?>
+<dsp:drawing xmlns:dgm="http://schemas.openxmlformats.org/drawingml/2006/diagram" xmlns:dsp="http://schemas.microsoft.com/office/drawing/2008/diagram" xmlns:a="http://schemas.openxmlformats.org/drawingml/2006/main">
+  <dsp:spTree>
+    <dsp:nvGrpSpPr>
+      <dsp:cNvPr id="0" name=""/>
+      <dsp:cNvGrpSpPr/>
+    </dsp:nvGrpSpPr>
+    <dsp:grpSpPr/>
+    <dsp:sp modelId="{85CB48A0-1269-4747-B4BB-B94F6038ED01}">
+      <dsp:nvSpPr>
+        <dsp:cNvPr id="0" name=""/>
+        <dsp:cNvSpPr/>
+      </dsp:nvSpPr>
+      <dsp:spPr>
+        <a:xfrm>
+          <a:off x="1120224" y="1609637"/>
+          <a:ext cx="401250" cy="1217746"/>
+        </a:xfrm>
+        <a:custGeom>
+          <a:avLst/>
+          <a:gdLst/>
+          <a:ahLst/>
+          <a:cxnLst/>
+          <a:rect l="0" t="0" r="0" b="0"/>
+          <a:pathLst>
+            <a:path>
+              <a:moveTo>
+                <a:pt x="0" y="0"/>
+              </a:moveTo>
+              <a:lnTo>
+                <a:pt x="200625" y="0"/>
+              </a:lnTo>
+              <a:lnTo>
+                <a:pt x="200625" y="1217746"/>
+              </a:lnTo>
+              <a:lnTo>
+                <a:pt x="401250" y="1217746"/>
+              </a:lnTo>
+            </a:path>
+          </a:pathLst>
+        </a:custGeom>
+        <a:noFill/>
+        <a:ln w="22225" cap="rnd" cmpd="sng" algn="ctr">
+          <a:solidFill>
+            <a:schemeClr val="accent1">
+              <a:shade val="60000"/>
+              <a:hueOff val="0"/>
+              <a:satOff val="0"/>
+              <a:lumOff val="0"/>
+              <a:alphaOff val="0"/>
+            </a:schemeClr>
+          </a:solidFill>
+          <a:prstDash val="solid"/>
+        </a:ln>
+        <a:effectLst/>
+      </dsp:spPr>
+      <dsp:style>
+        <a:lnRef idx="2">
+          <a:scrgbClr r="0" g="0" b="0"/>
+        </a:lnRef>
+        <a:fillRef idx="0">
+          <a:scrgbClr r="0" g="0" b="0"/>
+        </a:fillRef>
+        <a:effectRef idx="0">
+          <a:scrgbClr r="0" g="0" b="0"/>
+        </a:effectRef>
+        <a:fontRef idx="minor"/>
+      </dsp:style>
+      <dsp:txBody>
+        <a:bodyPr spcFirstLastPara="0" vert="horz" wrap="square" lIns="12700" tIns="0" rIns="12700" bIns="0" numCol="1" spcCol="1270" anchor="ctr" anchorCtr="0">
+          <a:noAutofit/>
+        </a:bodyPr>
+        <a:lstStyle/>
+        <a:p>
+          <a:pPr marL="0" lvl="0" indent="0" algn="ctr" defTabSz="222250">
+            <a:lnSpc>
+              <a:spcPct val="90000"/>
+            </a:lnSpc>
+            <a:spcBef>
+              <a:spcPct val="0"/>
+            </a:spcBef>
+            <a:spcAft>
+              <a:spcPct val="35000"/>
+            </a:spcAft>
+            <a:buNone/>
+          </a:pPr>
+          <a:endParaRPr lang="it-IT" sz="500" kern="1200"/>
+        </a:p>
+      </dsp:txBody>
+      <dsp:txXfrm>
+        <a:off x="1288796" y="2186457"/>
+        <a:ext cx="64107" cy="64107"/>
+      </dsp:txXfrm>
+    </dsp:sp>
+    <dsp:sp modelId="{727C5189-5982-4CDE-943D-923813656E58}">
+      <dsp:nvSpPr>
+        <dsp:cNvPr id="0" name=""/>
+        <dsp:cNvSpPr/>
+      </dsp:nvSpPr>
+      <dsp:spPr>
+        <a:xfrm>
+          <a:off x="1120224" y="1609637"/>
+          <a:ext cx="401250" cy="402458"/>
+        </a:xfrm>
+        <a:custGeom>
+          <a:avLst/>
+          <a:gdLst/>
+          <a:ahLst/>
+          <a:cxnLst/>
+          <a:rect l="0" t="0" r="0" b="0"/>
+          <a:pathLst>
+            <a:path>
+              <a:moveTo>
+                <a:pt x="0" y="0"/>
+              </a:moveTo>
+              <a:lnTo>
+                <a:pt x="200625" y="0"/>
+              </a:lnTo>
+              <a:lnTo>
+                <a:pt x="200625" y="402458"/>
+              </a:lnTo>
+              <a:lnTo>
+                <a:pt x="401250" y="402458"/>
+              </a:lnTo>
+            </a:path>
+          </a:pathLst>
+        </a:custGeom>
+        <a:noFill/>
+        <a:ln w="22225" cap="rnd" cmpd="sng" algn="ctr">
+          <a:solidFill>
+            <a:schemeClr val="accent1">
+              <a:shade val="60000"/>
+              <a:hueOff val="0"/>
+              <a:satOff val="0"/>
+              <a:lumOff val="0"/>
+              <a:alphaOff val="0"/>
+            </a:schemeClr>
+          </a:solidFill>
+          <a:prstDash val="solid"/>
+        </a:ln>
+        <a:effectLst/>
+      </dsp:spPr>
+      <dsp:style>
+        <a:lnRef idx="2">
+          <a:scrgbClr r="0" g="0" b="0"/>
+        </a:lnRef>
+        <a:fillRef idx="0">
+          <a:scrgbClr r="0" g="0" b="0"/>
+        </a:fillRef>
+        <a:effectRef idx="0">
+          <a:scrgbClr r="0" g="0" b="0"/>
+        </a:effectRef>
+        <a:fontRef idx="minor"/>
+      </dsp:style>
+      <dsp:txBody>
+        <a:bodyPr spcFirstLastPara="0" vert="horz" wrap="square" lIns="12700" tIns="0" rIns="12700" bIns="0" numCol="1" spcCol="1270" anchor="ctr" anchorCtr="0">
+          <a:noAutofit/>
+        </a:bodyPr>
+        <a:lstStyle/>
+        <a:p>
+          <a:pPr marL="0" lvl="0" indent="0" algn="ctr" defTabSz="222250">
+            <a:lnSpc>
+              <a:spcPct val="90000"/>
+            </a:lnSpc>
+            <a:spcBef>
+              <a:spcPct val="0"/>
+            </a:spcBef>
+            <a:spcAft>
+              <a:spcPct val="35000"/>
+            </a:spcAft>
+            <a:buNone/>
+          </a:pPr>
+          <a:endParaRPr lang="it-IT" sz="500" kern="1200"/>
+        </a:p>
+      </dsp:txBody>
+      <dsp:txXfrm>
+        <a:off x="1306642" y="1796659"/>
+        <a:ext cx="28415" cy="28415"/>
+      </dsp:txXfrm>
+    </dsp:sp>
+    <dsp:sp modelId="{4D55B767-C110-4010-A814-7A0E65BBF490}">
+      <dsp:nvSpPr>
+        <dsp:cNvPr id="0" name=""/>
+        <dsp:cNvSpPr/>
+      </dsp:nvSpPr>
+      <dsp:spPr>
+        <a:xfrm>
+          <a:off x="1120224" y="1247518"/>
+          <a:ext cx="401250" cy="362119"/>
+        </a:xfrm>
+        <a:custGeom>
+          <a:avLst/>
+          <a:gdLst/>
+          <a:ahLst/>
+          <a:cxnLst/>
+          <a:rect l="0" t="0" r="0" b="0"/>
+          <a:pathLst>
+            <a:path>
+              <a:moveTo>
+                <a:pt x="0" y="362119"/>
+              </a:moveTo>
+              <a:lnTo>
+                <a:pt x="200625" y="362119"/>
+              </a:lnTo>
+              <a:lnTo>
+                <a:pt x="200625" y="0"/>
+              </a:lnTo>
+              <a:lnTo>
+                <a:pt x="401250" y="0"/>
+              </a:lnTo>
+            </a:path>
+          </a:pathLst>
+        </a:custGeom>
+        <a:noFill/>
+        <a:ln w="22225" cap="rnd" cmpd="sng" algn="ctr">
+          <a:solidFill>
+            <a:schemeClr val="accent1">
+              <a:shade val="60000"/>
+              <a:hueOff val="0"/>
+              <a:satOff val="0"/>
+              <a:lumOff val="0"/>
+              <a:alphaOff val="0"/>
+            </a:schemeClr>
+          </a:solidFill>
+          <a:prstDash val="solid"/>
+        </a:ln>
+        <a:effectLst/>
+      </dsp:spPr>
+      <dsp:style>
+        <a:lnRef idx="2">
+          <a:scrgbClr r="0" g="0" b="0"/>
+        </a:lnRef>
+        <a:fillRef idx="0">
+          <a:scrgbClr r="0" g="0" b="0"/>
+        </a:fillRef>
+        <a:effectRef idx="0">
+          <a:scrgbClr r="0" g="0" b="0"/>
+        </a:effectRef>
+        <a:fontRef idx="minor"/>
+      </dsp:style>
+      <dsp:txBody>
+        <a:bodyPr spcFirstLastPara="0" vert="horz" wrap="square" lIns="12700" tIns="0" rIns="12700" bIns="0" numCol="1" spcCol="1270" anchor="ctr" anchorCtr="0">
+          <a:noAutofit/>
+        </a:bodyPr>
+        <a:lstStyle/>
+        <a:p>
+          <a:pPr marL="0" lvl="0" indent="0" algn="ctr" defTabSz="222250">
+            <a:lnSpc>
+              <a:spcPct val="90000"/>
+            </a:lnSpc>
+            <a:spcBef>
+              <a:spcPct val="0"/>
+            </a:spcBef>
+            <a:spcAft>
+              <a:spcPct val="35000"/>
+            </a:spcAft>
+            <a:buNone/>
+          </a:pPr>
+          <a:endParaRPr lang="it-IT" sz="500" kern="1200"/>
+        </a:p>
+      </dsp:txBody>
+      <dsp:txXfrm>
+        <a:off x="1307337" y="1415065"/>
+        <a:ext cx="27024" cy="27024"/>
+      </dsp:txXfrm>
+    </dsp:sp>
+    <dsp:sp modelId="{EE652400-9F1E-494A-A3E7-9E8DC9FE6B5D}">
+      <dsp:nvSpPr>
+        <dsp:cNvPr id="0" name=""/>
+        <dsp:cNvSpPr/>
+      </dsp:nvSpPr>
+      <dsp:spPr>
+        <a:xfrm>
+          <a:off x="1120224" y="412061"/>
+          <a:ext cx="401250" cy="1197576"/>
+        </a:xfrm>
+        <a:custGeom>
+          <a:avLst/>
+          <a:gdLst/>
+          <a:ahLst/>
+          <a:cxnLst/>
+          <a:rect l="0" t="0" r="0" b="0"/>
+          <a:pathLst>
+            <a:path>
+              <a:moveTo>
+                <a:pt x="0" y="1197576"/>
+              </a:moveTo>
+              <a:lnTo>
+                <a:pt x="200625" y="1197576"/>
+              </a:lnTo>
+              <a:lnTo>
+                <a:pt x="200625" y="0"/>
+              </a:lnTo>
+              <a:lnTo>
+                <a:pt x="401250" y="0"/>
+              </a:lnTo>
+            </a:path>
+          </a:pathLst>
+        </a:custGeom>
+        <a:noFill/>
+        <a:ln w="22225" cap="rnd" cmpd="sng" algn="ctr">
+          <a:solidFill>
+            <a:schemeClr val="accent1">
+              <a:shade val="60000"/>
+              <a:hueOff val="0"/>
+              <a:satOff val="0"/>
+              <a:lumOff val="0"/>
+              <a:alphaOff val="0"/>
+            </a:schemeClr>
+          </a:solidFill>
+          <a:prstDash val="solid"/>
+        </a:ln>
+        <a:effectLst/>
+      </dsp:spPr>
+      <dsp:style>
+        <a:lnRef idx="2">
+          <a:scrgbClr r="0" g="0" b="0"/>
+        </a:lnRef>
+        <a:fillRef idx="0">
+          <a:scrgbClr r="0" g="0" b="0"/>
+        </a:fillRef>
+        <a:effectRef idx="0">
+          <a:scrgbClr r="0" g="0" b="0"/>
+        </a:effectRef>
+        <a:fontRef idx="minor"/>
+      </dsp:style>
+      <dsp:txBody>
+        <a:bodyPr spcFirstLastPara="0" vert="horz" wrap="square" lIns="12700" tIns="0" rIns="12700" bIns="0" numCol="1" spcCol="1270" anchor="ctr" anchorCtr="0">
+          <a:noAutofit/>
+        </a:bodyPr>
+        <a:lstStyle/>
+        <a:p>
+          <a:pPr marL="0" lvl="0" indent="0" algn="ctr" defTabSz="222250">
+            <a:lnSpc>
+              <a:spcPct val="90000"/>
+            </a:lnSpc>
+            <a:spcBef>
+              <a:spcPct val="0"/>
+            </a:spcBef>
+            <a:spcAft>
+              <a:spcPct val="35000"/>
+            </a:spcAft>
+            <a:buNone/>
+          </a:pPr>
+          <a:endParaRPr lang="it-IT" sz="500" kern="1200"/>
+        </a:p>
+      </dsp:txBody>
+      <dsp:txXfrm>
+        <a:off x="1289274" y="979274"/>
+        <a:ext cx="63150" cy="63150"/>
+      </dsp:txXfrm>
+    </dsp:sp>
+    <dsp:sp modelId="{12A5A615-E1F5-4798-8B27-86DF96572C91}">
+      <dsp:nvSpPr>
+        <dsp:cNvPr id="0" name=""/>
+        <dsp:cNvSpPr/>
+      </dsp:nvSpPr>
+      <dsp:spPr>
+        <a:xfrm rot="16200000">
+          <a:off x="-597033" y="1303806"/>
+          <a:ext cx="2822854" cy="611662"/>
+        </a:xfrm>
+        <a:prstGeom prst="rect">
+          <a:avLst/>
+        </a:prstGeom>
+        <a:solidFill>
+          <a:schemeClr val="accent4">
+            <a:lumMod val="60000"/>
+            <a:lumOff val="40000"/>
+          </a:schemeClr>
+        </a:solidFill>
+        <a:ln w="22225" cap="rnd" cmpd="sng" algn="ctr">
+          <a:solidFill>
+            <a:schemeClr val="lt1">
+              <a:hueOff val="0"/>
+              <a:satOff val="0"/>
+              <a:lumOff val="0"/>
+              <a:alphaOff val="0"/>
+            </a:schemeClr>
+          </a:solidFill>
+          <a:prstDash val="solid"/>
+        </a:ln>
+        <a:effectLst/>
+      </dsp:spPr>
+      <dsp:style>
+        <a:lnRef idx="2">
+          <a:scrgbClr r="0" g="0" b="0"/>
+        </a:lnRef>
+        <a:fillRef idx="1">
+          <a:scrgbClr r="0" g="0" b="0"/>
+        </a:fillRef>
+        <a:effectRef idx="0">
+          <a:scrgbClr r="0" g="0" b="0"/>
+        </a:effectRef>
+        <a:fontRef idx="minor">
+          <a:schemeClr val="lt1"/>
+        </a:fontRef>
+      </dsp:style>
+      <dsp:txBody>
+        <a:bodyPr spcFirstLastPara="0" vert="horz" wrap="square" lIns="15240" tIns="15240" rIns="15240" bIns="15240" numCol="1" spcCol="1270" anchor="ctr" anchorCtr="0">
+          <a:noAutofit/>
+        </a:bodyPr>
+        <a:lstStyle/>
+        <a:p>
+          <a:pPr marL="0" lvl="0" indent="0" algn="ctr" defTabSz="1066800">
+            <a:lnSpc>
+              <a:spcPct val="90000"/>
+            </a:lnSpc>
+            <a:spcBef>
+              <a:spcPct val="0"/>
+            </a:spcBef>
+            <a:spcAft>
+              <a:spcPct val="35000"/>
+            </a:spcAft>
+            <a:buNone/>
+          </a:pPr>
+          <a:r>
+            <a:rPr lang="it-IT" sz="2400" kern="1200"/>
+            <a:t>Logistic Regression</a:t>
+          </a:r>
+        </a:p>
+      </dsp:txBody>
+      <dsp:txXfrm>
+        <a:off x="-597033" y="1303806"/>
+        <a:ext cx="2822854" cy="611662"/>
+      </dsp:txXfrm>
+    </dsp:sp>
+    <dsp:sp modelId="{679D7825-1A13-4E4A-8AA9-A5E58C9375AD}">
+      <dsp:nvSpPr>
+        <dsp:cNvPr id="0" name=""/>
+        <dsp:cNvSpPr/>
+      </dsp:nvSpPr>
+      <dsp:spPr>
+        <a:xfrm>
+          <a:off x="1521475" y="35350"/>
+          <a:ext cx="2006252" cy="753421"/>
+        </a:xfrm>
+        <a:prstGeom prst="rect">
+          <a:avLst/>
+        </a:prstGeom>
+        <a:solidFill>
+          <a:schemeClr val="accent1">
+            <a:hueOff val="0"/>
+            <a:satOff val="0"/>
+            <a:lumOff val="0"/>
+            <a:alphaOff val="0"/>
+          </a:schemeClr>
+        </a:solidFill>
+        <a:ln w="22225" cap="rnd" cmpd="sng" algn="ctr">
+          <a:solidFill>
+            <a:schemeClr val="lt1">
+              <a:hueOff val="0"/>
+              <a:satOff val="0"/>
+              <a:lumOff val="0"/>
+              <a:alphaOff val="0"/>
+            </a:schemeClr>
+          </a:solidFill>
+          <a:prstDash val="solid"/>
+        </a:ln>
+        <a:effectLst/>
+      </dsp:spPr>
+      <dsp:style>
+        <a:lnRef idx="2">
+          <a:scrgbClr r="0" g="0" b="0"/>
+        </a:lnRef>
+        <a:fillRef idx="1">
+          <a:scrgbClr r="0" g="0" b="0"/>
+        </a:fillRef>
+        <a:effectRef idx="0">
+          <a:scrgbClr r="0" g="0" b="0"/>
+        </a:effectRef>
+        <a:fontRef idx="minor">
+          <a:schemeClr val="lt1"/>
+        </a:fontRef>
+      </dsp:style>
+      <dsp:txBody>
+        <a:bodyPr spcFirstLastPara="0" vert="horz" wrap="square" lIns="12700" tIns="12700" rIns="12700" bIns="12700" numCol="1" spcCol="1270" anchor="ctr" anchorCtr="0">
+          <a:noAutofit/>
+        </a:bodyPr>
+        <a:lstStyle/>
+        <a:p>
+          <a:pPr marL="0" lvl="0" indent="0" algn="ctr" defTabSz="889000">
+            <a:lnSpc>
+              <a:spcPct val="90000"/>
+            </a:lnSpc>
+            <a:spcBef>
+              <a:spcPct val="0"/>
+            </a:spcBef>
+            <a:spcAft>
+              <a:spcPct val="35000"/>
+            </a:spcAft>
+            <a:buNone/>
+          </a:pPr>
+          <a:r>
+            <a:rPr lang="it-IT" sz="2000" kern="1200"/>
+            <a:t>Only numerical</a:t>
+          </a:r>
+        </a:p>
+        <a:p>
+          <a:pPr marL="0" lvl="0" indent="0" algn="ctr" defTabSz="889000">
+            <a:lnSpc>
+              <a:spcPct val="90000"/>
+            </a:lnSpc>
+            <a:spcBef>
+              <a:spcPct val="0"/>
+            </a:spcBef>
+            <a:spcAft>
+              <a:spcPct val="35000"/>
+            </a:spcAft>
+            <a:buNone/>
+          </a:pPr>
+          <a:r>
+            <a:rPr lang="it-IT" sz="1200" kern="1200"/>
+            <a:t>(w/o standardization)</a:t>
+          </a:r>
+        </a:p>
+      </dsp:txBody>
+      <dsp:txXfrm>
+        <a:off x="1521475" y="35350"/>
+        <a:ext cx="2006252" cy="753421"/>
+      </dsp:txXfrm>
+    </dsp:sp>
+    <dsp:sp modelId="{B589059C-3FA7-421B-AEF5-1F5BC0A007F6}">
+      <dsp:nvSpPr>
+        <dsp:cNvPr id="0" name=""/>
+        <dsp:cNvSpPr/>
+      </dsp:nvSpPr>
+      <dsp:spPr>
+        <a:xfrm>
+          <a:off x="1521475" y="941687"/>
+          <a:ext cx="2006252" cy="611662"/>
+        </a:xfrm>
+        <a:prstGeom prst="rect">
+          <a:avLst/>
+        </a:prstGeom>
+        <a:solidFill>
+          <a:schemeClr val="accent1">
+            <a:hueOff val="0"/>
+            <a:satOff val="0"/>
+            <a:lumOff val="0"/>
+            <a:alphaOff val="0"/>
+          </a:schemeClr>
+        </a:solidFill>
+        <a:ln w="22225" cap="rnd" cmpd="sng" algn="ctr">
+          <a:solidFill>
+            <a:schemeClr val="lt1">
+              <a:hueOff val="0"/>
+              <a:satOff val="0"/>
+              <a:lumOff val="0"/>
+              <a:alphaOff val="0"/>
+            </a:schemeClr>
+          </a:solidFill>
+          <a:prstDash val="solid"/>
+        </a:ln>
+        <a:effectLst/>
+      </dsp:spPr>
+      <dsp:style>
+        <a:lnRef idx="2">
+          <a:scrgbClr r="0" g="0" b="0"/>
+        </a:lnRef>
+        <a:fillRef idx="1">
+          <a:scrgbClr r="0" g="0" b="0"/>
+        </a:fillRef>
+        <a:effectRef idx="0">
+          <a:scrgbClr r="0" g="0" b="0"/>
+        </a:effectRef>
+        <a:fontRef idx="minor">
+          <a:schemeClr val="lt1"/>
+        </a:fontRef>
+      </dsp:style>
+      <dsp:txBody>
+        <a:bodyPr spcFirstLastPara="0" vert="horz" wrap="square" lIns="12700" tIns="12700" rIns="12700" bIns="12700" numCol="1" spcCol="1270" anchor="ctr" anchorCtr="0">
+          <a:noAutofit/>
+        </a:bodyPr>
+        <a:lstStyle/>
+        <a:p>
+          <a:pPr marL="0" lvl="0" indent="0" algn="ctr" defTabSz="889000">
+            <a:lnSpc>
+              <a:spcPct val="90000"/>
+            </a:lnSpc>
+            <a:spcBef>
+              <a:spcPct val="0"/>
+            </a:spcBef>
+            <a:spcAft>
+              <a:spcPct val="35000"/>
+            </a:spcAft>
+            <a:buNone/>
+          </a:pPr>
+          <a:r>
+            <a:rPr lang="it-IT" sz="2000" kern="1200"/>
+            <a:t>All features</a:t>
+          </a:r>
+        </a:p>
+      </dsp:txBody>
+      <dsp:txXfrm>
+        <a:off x="1521475" y="941687"/>
+        <a:ext cx="2006252" cy="611662"/>
+      </dsp:txXfrm>
+    </dsp:sp>
+    <dsp:sp modelId="{041D6357-4BB6-4934-B972-D575E7C45DA1}">
+      <dsp:nvSpPr>
+        <dsp:cNvPr id="0" name=""/>
+        <dsp:cNvSpPr/>
+      </dsp:nvSpPr>
+      <dsp:spPr>
+        <a:xfrm>
+          <a:off x="1521475" y="1706265"/>
+          <a:ext cx="2006252" cy="611662"/>
+        </a:xfrm>
+        <a:prstGeom prst="rect">
+          <a:avLst/>
+        </a:prstGeom>
+        <a:solidFill>
+          <a:schemeClr val="accent1">
+            <a:hueOff val="0"/>
+            <a:satOff val="0"/>
+            <a:lumOff val="0"/>
+            <a:alphaOff val="0"/>
+          </a:schemeClr>
+        </a:solidFill>
+        <a:ln w="22225" cap="rnd" cmpd="sng" algn="ctr">
+          <a:solidFill>
+            <a:schemeClr val="lt1">
+              <a:hueOff val="0"/>
+              <a:satOff val="0"/>
+              <a:lumOff val="0"/>
+              <a:alphaOff val="0"/>
+            </a:schemeClr>
+          </a:solidFill>
+          <a:prstDash val="solid"/>
+        </a:ln>
+        <a:effectLst/>
+      </dsp:spPr>
+      <dsp:style>
+        <a:lnRef idx="2">
+          <a:scrgbClr r="0" g="0" b="0"/>
+        </a:lnRef>
+        <a:fillRef idx="1">
+          <a:scrgbClr r="0" g="0" b="0"/>
+        </a:fillRef>
+        <a:effectRef idx="0">
+          <a:scrgbClr r="0" g="0" b="0"/>
+        </a:effectRef>
+        <a:fontRef idx="minor">
+          <a:schemeClr val="lt1"/>
+        </a:fontRef>
+      </dsp:style>
+      <dsp:txBody>
+        <a:bodyPr spcFirstLastPara="0" vert="horz" wrap="square" lIns="12700" tIns="12700" rIns="12700" bIns="12700" numCol="1" spcCol="1270" anchor="ctr" anchorCtr="0">
+          <a:noAutofit/>
+        </a:bodyPr>
+        <a:lstStyle/>
+        <a:p>
+          <a:pPr marL="0" lvl="0" indent="0" algn="ctr" defTabSz="889000">
+            <a:lnSpc>
+              <a:spcPct val="90000"/>
+            </a:lnSpc>
+            <a:spcBef>
+              <a:spcPct val="0"/>
+            </a:spcBef>
+            <a:spcAft>
+              <a:spcPct val="35000"/>
+            </a:spcAft>
+            <a:buNone/>
+          </a:pPr>
+          <a:r>
+            <a:rPr lang="it-IT" sz="2000" kern="1200"/>
+            <a:t>Only categorical</a:t>
+          </a:r>
+        </a:p>
+      </dsp:txBody>
+      <dsp:txXfrm>
+        <a:off x="1521475" y="1706265"/>
+        <a:ext cx="2006252" cy="611662"/>
+      </dsp:txXfrm>
+    </dsp:sp>
+    <dsp:sp modelId="{E0AAD1B8-C76B-45C2-97F7-CFBB451502A1}">
+      <dsp:nvSpPr>
+        <dsp:cNvPr id="0" name=""/>
+        <dsp:cNvSpPr/>
+      </dsp:nvSpPr>
+      <dsp:spPr>
+        <a:xfrm>
+          <a:off x="1521475" y="2470843"/>
+          <a:ext cx="2006252" cy="713082"/>
+        </a:xfrm>
+        <a:prstGeom prst="rect">
+          <a:avLst/>
+        </a:prstGeom>
+        <a:solidFill>
+          <a:schemeClr val="accent1">
+            <a:hueOff val="0"/>
+            <a:satOff val="0"/>
+            <a:lumOff val="0"/>
+            <a:alphaOff val="0"/>
+          </a:schemeClr>
+        </a:solidFill>
+        <a:ln w="22225" cap="rnd" cmpd="sng" algn="ctr">
+          <a:solidFill>
+            <a:schemeClr val="lt1">
+              <a:hueOff val="0"/>
+              <a:satOff val="0"/>
+              <a:lumOff val="0"/>
+              <a:alphaOff val="0"/>
+            </a:schemeClr>
+          </a:solidFill>
+          <a:prstDash val="solid"/>
+        </a:ln>
+        <a:effectLst/>
+      </dsp:spPr>
+      <dsp:style>
+        <a:lnRef idx="2">
+          <a:scrgbClr r="0" g="0" b="0"/>
+        </a:lnRef>
+        <a:fillRef idx="1">
+          <a:scrgbClr r="0" g="0" b="0"/>
+        </a:fillRef>
+        <a:effectRef idx="0">
+          <a:scrgbClr r="0" g="0" b="0"/>
+        </a:effectRef>
+        <a:fontRef idx="minor">
+          <a:schemeClr val="lt1"/>
+        </a:fontRef>
+      </dsp:style>
+      <dsp:txBody>
+        <a:bodyPr spcFirstLastPara="0" vert="horz" wrap="square" lIns="12700" tIns="12700" rIns="12700" bIns="12700" numCol="1" spcCol="1270" anchor="ctr" anchorCtr="0">
+          <a:noAutofit/>
+        </a:bodyPr>
+        <a:lstStyle/>
+        <a:p>
+          <a:pPr marL="0" lvl="0" indent="0" algn="ctr" defTabSz="889000">
+            <a:lnSpc>
+              <a:spcPct val="90000"/>
+            </a:lnSpc>
+            <a:spcBef>
+              <a:spcPct val="0"/>
+            </a:spcBef>
+            <a:spcAft>
+              <a:spcPct val="35000"/>
+            </a:spcAft>
+            <a:buNone/>
+          </a:pPr>
+          <a:r>
+            <a:rPr lang="it-IT" sz="2000" kern="1200"/>
+            <a:t>Mix</a:t>
+          </a:r>
+        </a:p>
+        <a:p>
+          <a:pPr marL="0" lvl="0" indent="0" algn="ctr" defTabSz="889000">
+            <a:lnSpc>
+              <a:spcPct val="90000"/>
+            </a:lnSpc>
+            <a:spcBef>
+              <a:spcPct val="0"/>
+            </a:spcBef>
+            <a:spcAft>
+              <a:spcPct val="35000"/>
+            </a:spcAft>
+            <a:buNone/>
+          </a:pPr>
+          <a:r>
+            <a:rPr lang="it-IT" sz="1200" kern="1200"/>
+            <a:t>(w/o standardization)</a:t>
+          </a:r>
+        </a:p>
+      </dsp:txBody>
+      <dsp:txXfrm>
+        <a:off x="1521475" y="2470843"/>
+        <a:ext cx="2006252" cy="713082"/>
+      </dsp:txXfrm>
+    </dsp:sp>
+  </dsp:spTree>
+</dsp:drawing>
+</file>
+
 <file path=ppt/diagrams/layout1.xml><?xml version="1.0" encoding="utf-8"?>
 <dgm:layoutDef xmlns:dgm="http://schemas.openxmlformats.org/drawingml/2006/diagram" xmlns:a="http://schemas.openxmlformats.org/drawingml/2006/main" uniqueId="urn:microsoft.com/office/officeart/2005/8/layout/chevron2">
   <dgm:title val=""/>
@@ -15664,6 +17581,329 @@
 </dgm:layoutDef>
 </file>
 
+<file path=ppt/diagrams/layout8.xml><?xml version="1.0" encoding="utf-8"?>
+<dgm:layoutDef xmlns:dgm="http://schemas.openxmlformats.org/drawingml/2006/diagram" xmlns:a="http://schemas.openxmlformats.org/drawingml/2006/main" uniqueId="urn:microsoft.com/office/officeart/2008/layout/HorizontalMultiLevelHierarchy">
+  <dgm:title val=""/>
+  <dgm:desc val=""/>
+  <dgm:catLst>
+    <dgm:cat type="hierarchy" pri="4600"/>
+  </dgm:catLst>
+  <dgm:sampData>
+    <dgm:dataModel>
+      <dgm:ptLst>
+        <dgm:pt modelId="0" type="doc"/>
+        <dgm:pt modelId="1">
+          <dgm:prSet phldr="1"/>
+        </dgm:pt>
+        <dgm:pt modelId="11">
+          <dgm:prSet phldr="1"/>
+        </dgm:pt>
+        <dgm:pt modelId="12">
+          <dgm:prSet phldr="1"/>
+        </dgm:pt>
+        <dgm:pt modelId="13">
+          <dgm:prSet phldr="1"/>
+        </dgm:pt>
+      </dgm:ptLst>
+      <dgm:cxnLst>
+        <dgm:cxn modelId="2" srcId="0" destId="1" srcOrd="0" destOrd="0"/>
+        <dgm:cxn modelId="3" srcId="1" destId="11" srcOrd="0" destOrd="0"/>
+        <dgm:cxn modelId="4" srcId="1" destId="12" srcOrd="1" destOrd="0"/>
+        <dgm:cxn modelId="5" srcId="1" destId="13" srcOrd="2" destOrd="0"/>
+      </dgm:cxnLst>
+      <dgm:bg/>
+      <dgm:whole/>
+    </dgm:dataModel>
+  </dgm:sampData>
+  <dgm:styleData>
+    <dgm:dataModel>
+      <dgm:ptLst>
+        <dgm:pt modelId="0" type="doc"/>
+        <dgm:pt modelId="1">
+          <dgm:prSet phldr="1"/>
+        </dgm:pt>
+        <dgm:pt modelId="11">
+          <dgm:prSet phldr="1"/>
+        </dgm:pt>
+        <dgm:pt modelId="12">
+          <dgm:prSet phldr="1"/>
+        </dgm:pt>
+      </dgm:ptLst>
+      <dgm:cxnLst>
+        <dgm:cxn modelId="2" srcId="0" destId="1" srcOrd="0" destOrd="0"/>
+        <dgm:cxn modelId="3" srcId="1" destId="11" srcOrd="0" destOrd="0"/>
+        <dgm:cxn modelId="4" srcId="1" destId="12" srcOrd="1" destOrd="0"/>
+      </dgm:cxnLst>
+      <dgm:bg/>
+      <dgm:whole/>
+    </dgm:dataModel>
+  </dgm:styleData>
+  <dgm:clrData>
+    <dgm:dataModel>
+      <dgm:ptLst>
+        <dgm:pt modelId="0" type="doc"/>
+        <dgm:pt modelId="1">
+          <dgm:prSet phldr="1"/>
+        </dgm:pt>
+        <dgm:pt modelId="11">
+          <dgm:prSet phldr="1"/>
+        </dgm:pt>
+        <dgm:pt modelId="12">
+          <dgm:prSet phldr="1"/>
+        </dgm:pt>
+        <dgm:pt modelId="13">
+          <dgm:prSet phldr="1"/>
+        </dgm:pt>
+      </dgm:ptLst>
+      <dgm:cxnLst>
+        <dgm:cxn modelId="2" srcId="0" destId="1" srcOrd="0" destOrd="0"/>
+        <dgm:cxn modelId="3" srcId="1" destId="11" srcOrd="0" destOrd="0"/>
+        <dgm:cxn modelId="4" srcId="1" destId="12" srcOrd="1" destOrd="0"/>
+        <dgm:cxn modelId="5" srcId="1" destId="13" srcOrd="2" destOrd="0"/>
+      </dgm:cxnLst>
+      <dgm:bg/>
+      <dgm:whole/>
+    </dgm:dataModel>
+  </dgm:clrData>
+  <dgm:layoutNode name="Name0">
+    <dgm:varLst>
+      <dgm:chPref val="1"/>
+      <dgm:dir/>
+      <dgm:animOne val="branch"/>
+      <dgm:animLvl val="lvl"/>
+      <dgm:resizeHandles val="exact"/>
+    </dgm:varLst>
+    <dgm:choose name="Name1">
+      <dgm:if name="Name2" func="var" arg="dir" op="equ" val="norm">
+        <dgm:alg type="hierChild">
+          <dgm:param type="linDir" val="fromT"/>
+          <dgm:param type="chAlign" val="l"/>
+        </dgm:alg>
+      </dgm:if>
+      <dgm:else name="Name3">
+        <dgm:alg type="hierChild">
+          <dgm:param type="linDir" val="fromT"/>
+          <dgm:param type="chAlign" val="r"/>
+        </dgm:alg>
+      </dgm:else>
+    </dgm:choose>
+    <dgm:shape xmlns:r="http://schemas.openxmlformats.org/officeDocument/2006/relationships" r:blip="">
+      <dgm:adjLst/>
+    </dgm:shape>
+    <dgm:presOf/>
+    <dgm:constrLst>
+      <dgm:constr type="h" for="des" forName="LevelOneTextNode" refType="h"/>
+      <dgm:constr type="w" for="des" forName="LevelOneTextNode" refType="h" refFor="des" refForName="LevelOneTextNode" fact="0.19"/>
+      <dgm:constr type="h" for="des" forName="LevelTwoTextNode" refType="w" refFor="des" refForName="LevelOneTextNode"/>
+      <dgm:constr type="w" for="des" forName="LevelTwoTextNode" refType="h" refFor="des" refForName="LevelTwoTextNode" fact="3.28"/>
+      <dgm:constr type="sibSp" refType="h" refFor="des" refForName="LevelTwoTextNode" op="equ" fact="0.25"/>
+      <dgm:constr type="sibSp" for="des" forName="level2hierChild" refType="h" refFor="des" refForName="LevelTwoTextNode" op="equ" fact="0.25"/>
+      <dgm:constr type="sibSp" for="des" forName="level3hierChild" refType="h" refFor="des" refForName="LevelTwoTextNode" op="equ" fact="0.25"/>
+      <dgm:constr type="sp" for="des" forName="root1" refType="w" refFor="des" refForName="LevelTwoTextNode" fact="0.2"/>
+      <dgm:constr type="sp" for="des" forName="root2" refType="sp" refFor="des" refForName="root1" op="equ"/>
+      <dgm:constr type="primFontSz" for="des" forName="LevelOneTextNode" op="equ" val="65"/>
+      <dgm:constr type="primFontSz" for="des" forName="LevelTwoTextNode" op="equ" val="65"/>
+      <dgm:constr type="primFontSz" for="des" forName="LevelTwoTextNode" refType="primFontSz" refFor="des" refForName="LevelOneTextNode" op="lte"/>
+      <dgm:constr type="primFontSz" for="des" forName="connTx" op="equ" val="50"/>
+      <dgm:constr type="primFontSz" for="des" forName="connTx" refType="primFontSz" refFor="des" refForName="LevelOneTextNode" op="lte" fact="0.78"/>
+    </dgm:constrLst>
+    <dgm:forEach name="Name4" axis="ch">
+      <dgm:forEach name="Name5" axis="self" ptType="node">
+        <dgm:layoutNode name="root1">
+          <dgm:choose name="Name6">
+            <dgm:if name="Name7" func="var" arg="dir" op="equ" val="norm">
+              <dgm:alg type="hierRoot">
+                <dgm:param type="hierAlign" val="lCtrCh"/>
+              </dgm:alg>
+            </dgm:if>
+            <dgm:else name="Name8">
+              <dgm:alg type="hierRoot">
+                <dgm:param type="hierAlign" val="rCtrCh"/>
+              </dgm:alg>
+            </dgm:else>
+          </dgm:choose>
+          <dgm:shape xmlns:r="http://schemas.openxmlformats.org/officeDocument/2006/relationships" r:blip="">
+            <dgm:adjLst/>
+          </dgm:shape>
+          <dgm:presOf/>
+          <dgm:layoutNode name="LevelOneTextNode" styleLbl="node0">
+            <dgm:varLst>
+              <dgm:chPref val="3"/>
+            </dgm:varLst>
+            <dgm:alg type="tx">
+              <dgm:param type="autoTxRot" val="grav"/>
+            </dgm:alg>
+            <dgm:choose name="Name9">
+              <dgm:if name="Name10" func="var" arg="dir" op="equ" val="norm">
+                <dgm:shape xmlns:r="http://schemas.openxmlformats.org/officeDocument/2006/relationships" rot="270" type="rect" r:blip="">
+                  <dgm:adjLst/>
+                </dgm:shape>
+              </dgm:if>
+              <dgm:else name="Name11">
+                <dgm:shape xmlns:r="http://schemas.openxmlformats.org/officeDocument/2006/relationships" rot="90" type="rect" r:blip="">
+                  <dgm:adjLst/>
+                </dgm:shape>
+              </dgm:else>
+            </dgm:choose>
+            <dgm:presOf axis="self"/>
+            <dgm:constrLst>
+              <dgm:constr type="tMarg" refType="primFontSz" fact="0.05"/>
+              <dgm:constr type="bMarg" refType="primFontSz" fact="0.05"/>
+              <dgm:constr type="lMarg" refType="primFontSz" fact="0.05"/>
+              <dgm:constr type="rMarg" refType="primFontSz" fact="0.05"/>
+            </dgm:constrLst>
+            <dgm:ruleLst>
+              <dgm:rule type="primFontSz" val="2" fact="NaN" max="NaN"/>
+            </dgm:ruleLst>
+          </dgm:layoutNode>
+          <dgm:layoutNode name="level2hierChild">
+            <dgm:choose name="Name12">
+              <dgm:if name="Name13" func="var" arg="dir" op="equ" val="norm">
+                <dgm:alg type="hierChild">
+                  <dgm:param type="linDir" val="fromT"/>
+                  <dgm:param type="chAlign" val="l"/>
+                </dgm:alg>
+              </dgm:if>
+              <dgm:else name="Name14">
+                <dgm:alg type="hierChild">
+                  <dgm:param type="linDir" val="fromT"/>
+                  <dgm:param type="chAlign" val="r"/>
+                </dgm:alg>
+              </dgm:else>
+            </dgm:choose>
+            <dgm:shape xmlns:r="http://schemas.openxmlformats.org/officeDocument/2006/relationships" r:blip="">
+              <dgm:adjLst/>
+            </dgm:shape>
+            <dgm:presOf/>
+            <dgm:forEach name="repeat" axis="ch">
+              <dgm:forEach name="Name15" axis="self" ptType="parTrans" cnt="1">
+                <dgm:layoutNode name="conn2-1">
+                  <dgm:choose name="Name16">
+                    <dgm:if name="Name17" func="var" arg="dir" op="equ" val="norm">
+                      <dgm:alg type="conn">
+                        <dgm:param type="dim" val="1D"/>
+                        <dgm:param type="begPts" val="midR"/>
+                        <dgm:param type="endPts" val="midL"/>
+                        <dgm:param type="endSty" val="noArr"/>
+                        <dgm:param type="connRout" val="bend"/>
+                      </dgm:alg>
+                    </dgm:if>
+                    <dgm:else name="Name18">
+                      <dgm:alg type="conn">
+                        <dgm:param type="dim" val="1D"/>
+                        <dgm:param type="begPts" val="midL"/>
+                        <dgm:param type="endPts" val="midR"/>
+                        <dgm:param type="endSty" val="noArr"/>
+                        <dgm:param type="connRout" val="bend"/>
+                      </dgm:alg>
+                    </dgm:else>
+                  </dgm:choose>
+                  <dgm:shape xmlns:r="http://schemas.openxmlformats.org/officeDocument/2006/relationships" type="conn" r:blip="" zOrderOff="-99999">
+                    <dgm:adjLst/>
+                  </dgm:shape>
+                  <dgm:presOf axis="self"/>
+                  <dgm:constrLst>
+                    <dgm:constr type="w" val="1"/>
+                    <dgm:constr type="h" val="5"/>
+                    <dgm:constr type="connDist"/>
+                    <dgm:constr type="begPad"/>
+                    <dgm:constr type="endPad"/>
+                    <dgm:constr type="userA" for="ch" refType="connDist"/>
+                  </dgm:constrLst>
+                  <dgm:layoutNode name="connTx">
+                    <dgm:alg type="tx">
+                      <dgm:param type="autoTxRot" val="grav"/>
+                    </dgm:alg>
+                    <dgm:shape xmlns:r="http://schemas.openxmlformats.org/officeDocument/2006/relationships" type="rect" r:blip="" hideGeom="1">
+                      <dgm:adjLst/>
+                    </dgm:shape>
+                    <dgm:presOf axis="self"/>
+                    <dgm:constrLst>
+                      <dgm:constr type="userA"/>
+                      <dgm:constr type="w" refType="userA" fact="0.05"/>
+                      <dgm:constr type="h" refType="userA" fact="0.05"/>
+                      <dgm:constr type="lMarg" val="1"/>
+                      <dgm:constr type="rMarg" val="1"/>
+                      <dgm:constr type="tMarg"/>
+                      <dgm:constr type="bMarg"/>
+                    </dgm:constrLst>
+                    <dgm:ruleLst>
+                      <dgm:rule type="h" val="NaN" fact="0.25" max="NaN"/>
+                      <dgm:rule type="w" val="NaN" fact="0.8" max="NaN"/>
+                      <dgm:rule type="primFontSz" val="5" fact="NaN" max="NaN"/>
+                    </dgm:ruleLst>
+                  </dgm:layoutNode>
+                </dgm:layoutNode>
+              </dgm:forEach>
+              <dgm:forEach name="Name19" axis="self" ptType="node">
+                <dgm:layoutNode name="root2">
+                  <dgm:choose name="Name20">
+                    <dgm:if name="Name21" func="var" arg="dir" op="equ" val="norm">
+                      <dgm:alg type="hierRoot">
+                        <dgm:param type="hierAlign" val="lCtrCh"/>
+                      </dgm:alg>
+                    </dgm:if>
+                    <dgm:else name="Name22">
+                      <dgm:alg type="hierRoot">
+                        <dgm:param type="hierAlign" val="rCtrCh"/>
+                      </dgm:alg>
+                    </dgm:else>
+                  </dgm:choose>
+                  <dgm:shape xmlns:r="http://schemas.openxmlformats.org/officeDocument/2006/relationships" r:blip="">
+                    <dgm:adjLst/>
+                  </dgm:shape>
+                  <dgm:presOf/>
+                  <dgm:layoutNode name="LevelTwoTextNode">
+                    <dgm:varLst>
+                      <dgm:chPref val="3"/>
+                    </dgm:varLst>
+                    <dgm:alg type="tx"/>
+                    <dgm:shape xmlns:r="http://schemas.openxmlformats.org/officeDocument/2006/relationships" type="rect" r:blip="">
+                      <dgm:adjLst/>
+                    </dgm:shape>
+                    <dgm:presOf axis="self"/>
+                    <dgm:constrLst>
+                      <dgm:constr type="tMarg" refType="primFontSz" fact="0.05"/>
+                      <dgm:constr type="bMarg" refType="primFontSz" fact="0.05"/>
+                      <dgm:constr type="lMarg" refType="primFontSz" fact="0.05"/>
+                      <dgm:constr type="rMarg" refType="primFontSz" fact="0.05"/>
+                    </dgm:constrLst>
+                    <dgm:ruleLst>
+                      <dgm:rule type="primFontSz" val="2" fact="NaN" max="NaN"/>
+                    </dgm:ruleLst>
+                  </dgm:layoutNode>
+                  <dgm:layoutNode name="level3hierChild">
+                    <dgm:choose name="Name23">
+                      <dgm:if name="Name24" func="var" arg="dir" op="equ" val="norm">
+                        <dgm:alg type="hierChild">
+                          <dgm:param type="linDir" val="fromT"/>
+                          <dgm:param type="chAlign" val="l"/>
+                        </dgm:alg>
+                      </dgm:if>
+                      <dgm:else name="Name25">
+                        <dgm:alg type="hierChild">
+                          <dgm:param type="linDir" val="fromT"/>
+                          <dgm:param type="chAlign" val="r"/>
+                        </dgm:alg>
+                      </dgm:else>
+                    </dgm:choose>
+                    <dgm:shape xmlns:r="http://schemas.openxmlformats.org/officeDocument/2006/relationships" r:blip="">
+                      <dgm:adjLst/>
+                    </dgm:shape>
+                    <dgm:presOf/>
+                    <dgm:forEach name="Name26" ref="repeat"/>
+                  </dgm:layoutNode>
+                </dgm:layoutNode>
+              </dgm:forEach>
+            </dgm:forEach>
+          </dgm:layoutNode>
+        </dgm:layoutNode>
+      </dgm:forEach>
+    </dgm:forEach>
+  </dgm:layoutNode>
+</dgm:layoutDef>
+</file>
+
 <file path=ppt/diagrams/quickStyle1.xml><?xml version="1.0" encoding="utf-8"?>
 <dgm:styleDef xmlns:dgm="http://schemas.openxmlformats.org/drawingml/2006/diagram" xmlns:a="http://schemas.openxmlformats.org/drawingml/2006/main" uniqueId="urn:microsoft.com/office/officeart/2005/8/quickstyle/simple1">
   <dgm:title val=""/>
@@ -21869,6 +24109,1040 @@
 </file>
 
 <file path=ppt/diagrams/quickStyle7.xml><?xml version="1.0" encoding="utf-8"?>
+<dgm:styleDef xmlns:dgm="http://schemas.openxmlformats.org/drawingml/2006/diagram" xmlns:a="http://schemas.openxmlformats.org/drawingml/2006/main" uniqueId="urn:microsoft.com/office/officeart/2005/8/quickstyle/simple1">
+  <dgm:title val=""/>
+  <dgm:desc val=""/>
+  <dgm:catLst>
+    <dgm:cat type="simple" pri="10100"/>
+  </dgm:catLst>
+  <dgm:scene3d>
+    <a:camera prst="orthographicFront"/>
+    <a:lightRig rig="threePt" dir="t"/>
+  </dgm:scene3d>
+  <dgm:styleLbl name="node0">
+    <dgm:scene3d>
+      <a:camera prst="orthographicFront"/>
+      <a:lightRig rig="threePt" dir="t"/>
+    </dgm:scene3d>
+    <dgm:sp3d/>
+    <dgm:txPr/>
+    <dgm:style>
+      <a:lnRef idx="2">
+        <a:scrgbClr r="0" g="0" b="0"/>
+      </a:lnRef>
+      <a:fillRef idx="1">
+        <a:scrgbClr r="0" g="0" b="0"/>
+      </a:fillRef>
+      <a:effectRef idx="0">
+        <a:scrgbClr r="0" g="0" b="0"/>
+      </a:effectRef>
+      <a:fontRef idx="minor">
+        <a:schemeClr val="lt1"/>
+      </a:fontRef>
+    </dgm:style>
+  </dgm:styleLbl>
+  <dgm:styleLbl name="lnNode1">
+    <dgm:scene3d>
+      <a:camera prst="orthographicFront"/>
+      <a:lightRig rig="threePt" dir="t"/>
+    </dgm:scene3d>
+    <dgm:sp3d/>
+    <dgm:txPr/>
+    <dgm:style>
+      <a:lnRef idx="2">
+        <a:scrgbClr r="0" g="0" b="0"/>
+      </a:lnRef>
+      <a:fillRef idx="1">
+        <a:scrgbClr r="0" g="0" b="0"/>
+      </a:fillRef>
+      <a:effectRef idx="0">
+        <a:scrgbClr r="0" g="0" b="0"/>
+      </a:effectRef>
+      <a:fontRef idx="minor">
+        <a:schemeClr val="lt1"/>
+      </a:fontRef>
+    </dgm:style>
+  </dgm:styleLbl>
+  <dgm:styleLbl name="vennNode1">
+    <dgm:scene3d>
+      <a:camera prst="orthographicFront"/>
+      <a:lightRig rig="threePt" dir="t"/>
+    </dgm:scene3d>
+    <dgm:sp3d/>
+    <dgm:txPr/>
+    <dgm:style>
+      <a:lnRef idx="2">
+        <a:scrgbClr r="0" g="0" b="0"/>
+      </a:lnRef>
+      <a:fillRef idx="1">
+        <a:scrgbClr r="0" g="0" b="0"/>
+      </a:fillRef>
+      <a:effectRef idx="0">
+        <a:scrgbClr r="0" g="0" b="0"/>
+      </a:effectRef>
+      <a:fontRef idx="minor">
+        <a:schemeClr val="tx1"/>
+      </a:fontRef>
+    </dgm:style>
+  </dgm:styleLbl>
+  <dgm:styleLbl name="alignNode1">
+    <dgm:scene3d>
+      <a:camera prst="orthographicFront"/>
+      <a:lightRig rig="threePt" dir="t"/>
+    </dgm:scene3d>
+    <dgm:sp3d/>
+    <dgm:txPr/>
+    <dgm:style>
+      <a:lnRef idx="2">
+        <a:scrgbClr r="0" g="0" b="0"/>
+      </a:lnRef>
+      <a:fillRef idx="1">
+        <a:scrgbClr r="0" g="0" b="0"/>
+      </a:fillRef>
+      <a:effectRef idx="0">
+        <a:scrgbClr r="0" g="0" b="0"/>
+      </a:effectRef>
+      <a:fontRef idx="minor">
+        <a:schemeClr val="lt1"/>
+      </a:fontRef>
+    </dgm:style>
+  </dgm:styleLbl>
+  <dgm:styleLbl name="node1">
+    <dgm:scene3d>
+      <a:camera prst="orthographicFront"/>
+      <a:lightRig rig="threePt" dir="t"/>
+    </dgm:scene3d>
+    <dgm:sp3d/>
+    <dgm:txPr/>
+    <dgm:style>
+      <a:lnRef idx="2">
+        <a:scrgbClr r="0" g="0" b="0"/>
+      </a:lnRef>
+      <a:fillRef idx="1">
+        <a:scrgbClr r="0" g="0" b="0"/>
+      </a:fillRef>
+      <a:effectRef idx="0">
+        <a:scrgbClr r="0" g="0" b="0"/>
+      </a:effectRef>
+      <a:fontRef idx="minor">
+        <a:schemeClr val="lt1"/>
+      </a:fontRef>
+    </dgm:style>
+  </dgm:styleLbl>
+  <dgm:styleLbl name="node2">
+    <dgm:scene3d>
+      <a:camera prst="orthographicFront"/>
+      <a:lightRig rig="threePt" dir="t"/>
+    </dgm:scene3d>
+    <dgm:sp3d/>
+    <dgm:txPr/>
+    <dgm:style>
+      <a:lnRef idx="2">
+        <a:scrgbClr r="0" g="0" b="0"/>
+      </a:lnRef>
+      <a:fillRef idx="1">
+        <a:scrgbClr r="0" g="0" b="0"/>
+      </a:fillRef>
+      <a:effectRef idx="0">
+        <a:scrgbClr r="0" g="0" b="0"/>
+      </a:effectRef>
+      <a:fontRef idx="minor">
+        <a:schemeClr val="lt1"/>
+      </a:fontRef>
+    </dgm:style>
+  </dgm:styleLbl>
+  <dgm:styleLbl name="node3">
+    <dgm:scene3d>
+      <a:camera prst="orthographicFront"/>
+      <a:lightRig rig="threePt" dir="t"/>
+    </dgm:scene3d>
+    <dgm:sp3d/>
+    <dgm:txPr/>
+    <dgm:style>
+      <a:lnRef idx="2">
+        <a:scrgbClr r="0" g="0" b="0"/>
+      </a:lnRef>
+      <a:fillRef idx="1">
+        <a:scrgbClr r="0" g="0" b="0"/>
+      </a:fillRef>
+      <a:effectRef idx="0">
+        <a:scrgbClr r="0" g="0" b="0"/>
+      </a:effectRef>
+      <a:fontRef idx="minor">
+        <a:schemeClr val="lt1"/>
+      </a:fontRef>
+    </dgm:style>
+  </dgm:styleLbl>
+  <dgm:styleLbl name="node4">
+    <dgm:scene3d>
+      <a:camera prst="orthographicFront"/>
+      <a:lightRig rig="threePt" dir="t"/>
+    </dgm:scene3d>
+    <dgm:sp3d/>
+    <dgm:txPr/>
+    <dgm:style>
+      <a:lnRef idx="2">
+        <a:scrgbClr r="0" g="0" b="0"/>
+      </a:lnRef>
+      <a:fillRef idx="1">
+        <a:scrgbClr r="0" g="0" b="0"/>
+      </a:fillRef>
+      <a:effectRef idx="0">
+        <a:scrgbClr r="0" g="0" b="0"/>
+      </a:effectRef>
+      <a:fontRef idx="minor">
+        <a:schemeClr val="lt1"/>
+      </a:fontRef>
+    </dgm:style>
+  </dgm:styleLbl>
+  <dgm:styleLbl name="fgImgPlace1">
+    <dgm:scene3d>
+      <a:camera prst="orthographicFront"/>
+      <a:lightRig rig="threePt" dir="t"/>
+    </dgm:scene3d>
+    <dgm:sp3d/>
+    <dgm:txPr/>
+    <dgm:style>
+      <a:lnRef idx="2">
+        <a:scrgbClr r="0" g="0" b="0"/>
+      </a:lnRef>
+      <a:fillRef idx="1">
+        <a:scrgbClr r="0" g="0" b="0"/>
+      </a:fillRef>
+      <a:effectRef idx="0">
+        <a:scrgbClr r="0" g="0" b="0"/>
+      </a:effectRef>
+      <a:fontRef idx="minor"/>
+    </dgm:style>
+  </dgm:styleLbl>
+  <dgm:styleLbl name="alignImgPlace1">
+    <dgm:scene3d>
+      <a:camera prst="orthographicFront"/>
+      <a:lightRig rig="threePt" dir="t"/>
+    </dgm:scene3d>
+    <dgm:sp3d/>
+    <dgm:txPr/>
+    <dgm:style>
+      <a:lnRef idx="2">
+        <a:scrgbClr r="0" g="0" b="0"/>
+      </a:lnRef>
+      <a:fillRef idx="1">
+        <a:scrgbClr r="0" g="0" b="0"/>
+      </a:fillRef>
+      <a:effectRef idx="0">
+        <a:scrgbClr r="0" g="0" b="0"/>
+      </a:effectRef>
+      <a:fontRef idx="minor"/>
+    </dgm:style>
+  </dgm:styleLbl>
+  <dgm:styleLbl name="bgImgPlace1">
+    <dgm:scene3d>
+      <a:camera prst="orthographicFront"/>
+      <a:lightRig rig="threePt" dir="t"/>
+    </dgm:scene3d>
+    <dgm:sp3d/>
+    <dgm:txPr/>
+    <dgm:style>
+      <a:lnRef idx="2">
+        <a:scrgbClr r="0" g="0" b="0"/>
+      </a:lnRef>
+      <a:fillRef idx="1">
+        <a:scrgbClr r="0" g="0" b="0"/>
+      </a:fillRef>
+      <a:effectRef idx="0">
+        <a:scrgbClr r="0" g="0" b="0"/>
+      </a:effectRef>
+      <a:fontRef idx="minor"/>
+    </dgm:style>
+  </dgm:styleLbl>
+  <dgm:styleLbl name="sibTrans2D1">
+    <dgm:scene3d>
+      <a:camera prst="orthographicFront"/>
+      <a:lightRig rig="threePt" dir="t"/>
+    </dgm:scene3d>
+    <dgm:sp3d/>
+    <dgm:txPr/>
+    <dgm:style>
+      <a:lnRef idx="0">
+        <a:scrgbClr r="0" g="0" b="0"/>
+      </a:lnRef>
+      <a:fillRef idx="1">
+        <a:scrgbClr r="0" g="0" b="0"/>
+      </a:fillRef>
+      <a:effectRef idx="0">
+        <a:scrgbClr r="0" g="0" b="0"/>
+      </a:effectRef>
+      <a:fontRef idx="minor">
+        <a:schemeClr val="lt1"/>
+      </a:fontRef>
+    </dgm:style>
+  </dgm:styleLbl>
+  <dgm:styleLbl name="fgSibTrans2D1">
+    <dgm:scene3d>
+      <a:camera prst="orthographicFront"/>
+      <a:lightRig rig="threePt" dir="t"/>
+    </dgm:scene3d>
+    <dgm:sp3d/>
+    <dgm:txPr/>
+    <dgm:style>
+      <a:lnRef idx="0">
+        <a:scrgbClr r="0" g="0" b="0"/>
+      </a:lnRef>
+      <a:fillRef idx="1">
+        <a:scrgbClr r="0" g="0" b="0"/>
+      </a:fillRef>
+      <a:effectRef idx="0">
+        <a:scrgbClr r="0" g="0" b="0"/>
+      </a:effectRef>
+      <a:fontRef idx="minor">
+        <a:schemeClr val="lt1"/>
+      </a:fontRef>
+    </dgm:style>
+  </dgm:styleLbl>
+  <dgm:styleLbl name="bgSibTrans2D1">
+    <dgm:scene3d>
+      <a:camera prst="orthographicFront"/>
+      <a:lightRig rig="threePt" dir="t"/>
+    </dgm:scene3d>
+    <dgm:sp3d/>
+    <dgm:txPr/>
+    <dgm:style>
+      <a:lnRef idx="0">
+        <a:scrgbClr r="0" g="0" b="0"/>
+      </a:lnRef>
+      <a:fillRef idx="1">
+        <a:scrgbClr r="0" g="0" b="0"/>
+      </a:fillRef>
+      <a:effectRef idx="0">
+        <a:scrgbClr r="0" g="0" b="0"/>
+      </a:effectRef>
+      <a:fontRef idx="minor">
+        <a:schemeClr val="lt1"/>
+      </a:fontRef>
+    </dgm:style>
+  </dgm:styleLbl>
+  <dgm:styleLbl name="sibTrans1D1">
+    <dgm:scene3d>
+      <a:camera prst="orthographicFront"/>
+      <a:lightRig rig="threePt" dir="t"/>
+    </dgm:scene3d>
+    <dgm:sp3d/>
+    <dgm:txPr/>
+    <dgm:style>
+      <a:lnRef idx="1">
+        <a:scrgbClr r="0" g="0" b="0"/>
+      </a:lnRef>
+      <a:fillRef idx="0">
+        <a:scrgbClr r="0" g="0" b="0"/>
+      </a:fillRef>
+      <a:effectRef idx="0">
+        <a:scrgbClr r="0" g="0" b="0"/>
+      </a:effectRef>
+      <a:fontRef idx="minor"/>
+    </dgm:style>
+  </dgm:styleLbl>
+  <dgm:styleLbl name="callout">
+    <dgm:scene3d>
+      <a:camera prst="orthographicFront"/>
+      <a:lightRig rig="threePt" dir="t"/>
+    </dgm:scene3d>
+    <dgm:sp3d/>
+    <dgm:txPr/>
+    <dgm:style>
+      <a:lnRef idx="2">
+        <a:scrgbClr r="0" g="0" b="0"/>
+      </a:lnRef>
+      <a:fillRef idx="1">
+        <a:scrgbClr r="0" g="0" b="0"/>
+      </a:fillRef>
+      <a:effectRef idx="0">
+        <a:scrgbClr r="0" g="0" b="0"/>
+      </a:effectRef>
+      <a:fontRef idx="minor"/>
+    </dgm:style>
+  </dgm:styleLbl>
+  <dgm:styleLbl name="asst0">
+    <dgm:scene3d>
+      <a:camera prst="orthographicFront"/>
+      <a:lightRig rig="threePt" dir="t"/>
+    </dgm:scene3d>
+    <dgm:sp3d/>
+    <dgm:txPr/>
+    <dgm:style>
+      <a:lnRef idx="2">
+        <a:scrgbClr r="0" g="0" b="0"/>
+      </a:lnRef>
+      <a:fillRef idx="1">
+        <a:scrgbClr r="0" g="0" b="0"/>
+      </a:fillRef>
+      <a:effectRef idx="0">
+        <a:scrgbClr r="0" g="0" b="0"/>
+      </a:effectRef>
+      <a:fontRef idx="minor">
+        <a:schemeClr val="lt1"/>
+      </a:fontRef>
+    </dgm:style>
+  </dgm:styleLbl>
+  <dgm:styleLbl name="asst1">
+    <dgm:scene3d>
+      <a:camera prst="orthographicFront"/>
+      <a:lightRig rig="threePt" dir="t"/>
+    </dgm:scene3d>
+    <dgm:sp3d/>
+    <dgm:txPr/>
+    <dgm:style>
+      <a:lnRef idx="2">
+        <a:scrgbClr r="0" g="0" b="0"/>
+      </a:lnRef>
+      <a:fillRef idx="1">
+        <a:scrgbClr r="0" g="0" b="0"/>
+      </a:fillRef>
+      <a:effectRef idx="0">
+        <a:scrgbClr r="0" g="0" b="0"/>
+      </a:effectRef>
+      <a:fontRef idx="minor">
+        <a:schemeClr val="lt1"/>
+      </a:fontRef>
+    </dgm:style>
+  </dgm:styleLbl>
+  <dgm:styleLbl name="asst2">
+    <dgm:scene3d>
+      <a:camera prst="orthographicFront"/>
+      <a:lightRig rig="threePt" dir="t"/>
+    </dgm:scene3d>
+    <dgm:sp3d/>
+    <dgm:txPr/>
+    <dgm:style>
+      <a:lnRef idx="2">
+        <a:scrgbClr r="0" g="0" b="0"/>
+      </a:lnRef>
+      <a:fillRef idx="1">
+        <a:scrgbClr r="0" g="0" b="0"/>
+      </a:fillRef>
+      <a:effectRef idx="0">
+        <a:scrgbClr r="0" g="0" b="0"/>
+      </a:effectRef>
+      <a:fontRef idx="minor">
+        <a:schemeClr val="lt1"/>
+      </a:fontRef>
+    </dgm:style>
+  </dgm:styleLbl>
+  <dgm:styleLbl name="asst3">
+    <dgm:scene3d>
+      <a:camera prst="orthographicFront"/>
+      <a:lightRig rig="threePt" dir="t"/>
+    </dgm:scene3d>
+    <dgm:sp3d/>
+    <dgm:txPr/>
+    <dgm:style>
+      <a:lnRef idx="2">
+        <a:scrgbClr r="0" g="0" b="0"/>
+      </a:lnRef>
+      <a:fillRef idx="1">
+        <a:scrgbClr r="0" g="0" b="0"/>
+      </a:fillRef>
+      <a:effectRef idx="0">
+        <a:scrgbClr r="0" g="0" b="0"/>
+      </a:effectRef>
+      <a:fontRef idx="minor">
+        <a:schemeClr val="lt1"/>
+      </a:fontRef>
+    </dgm:style>
+  </dgm:styleLbl>
+  <dgm:styleLbl name="asst4">
+    <dgm:scene3d>
+      <a:camera prst="orthographicFront"/>
+      <a:lightRig rig="threePt" dir="t"/>
+    </dgm:scene3d>
+    <dgm:sp3d/>
+    <dgm:txPr/>
+    <dgm:style>
+      <a:lnRef idx="2">
+        <a:scrgbClr r="0" g="0" b="0"/>
+      </a:lnRef>
+      <a:fillRef idx="1">
+        <a:scrgbClr r="0" g="0" b="0"/>
+      </a:fillRef>
+      <a:effectRef idx="0">
+        <a:scrgbClr r="0" g="0" b="0"/>
+      </a:effectRef>
+      <a:fontRef idx="minor">
+        <a:schemeClr val="lt1"/>
+      </a:fontRef>
+    </dgm:style>
+  </dgm:styleLbl>
+  <dgm:styleLbl name="parChTrans2D1">
+    <dgm:scene3d>
+      <a:camera prst="orthographicFront"/>
+      <a:lightRig rig="threePt" dir="t"/>
+    </dgm:scene3d>
+    <dgm:sp3d/>
+    <dgm:txPr/>
+    <dgm:style>
+      <a:lnRef idx="2">
+        <a:scrgbClr r="0" g="0" b="0"/>
+      </a:lnRef>
+      <a:fillRef idx="1">
+        <a:scrgbClr r="0" g="0" b="0"/>
+      </a:fillRef>
+      <a:effectRef idx="0">
+        <a:scrgbClr r="0" g="0" b="0"/>
+      </a:effectRef>
+      <a:fontRef idx="minor">
+        <a:schemeClr val="lt1"/>
+      </a:fontRef>
+    </dgm:style>
+  </dgm:styleLbl>
+  <dgm:styleLbl name="parChTrans2D2">
+    <dgm:scene3d>
+      <a:camera prst="orthographicFront"/>
+      <a:lightRig rig="threePt" dir="t"/>
+    </dgm:scene3d>
+    <dgm:sp3d/>
+    <dgm:txPr/>
+    <dgm:style>
+      <a:lnRef idx="2">
+        <a:scrgbClr r="0" g="0" b="0"/>
+      </a:lnRef>
+      <a:fillRef idx="1">
+        <a:scrgbClr r="0" g="0" b="0"/>
+      </a:fillRef>
+      <a:effectRef idx="0">
+        <a:scrgbClr r="0" g="0" b="0"/>
+      </a:effectRef>
+      <a:fontRef idx="minor">
+        <a:schemeClr val="lt1"/>
+      </a:fontRef>
+    </dgm:style>
+  </dgm:styleLbl>
+  <dgm:styleLbl name="parChTrans2D3">
+    <dgm:scene3d>
+      <a:camera prst="orthographicFront"/>
+      <a:lightRig rig="threePt" dir="t"/>
+    </dgm:scene3d>
+    <dgm:sp3d/>
+    <dgm:txPr/>
+    <dgm:style>
+      <a:lnRef idx="2">
+        <a:scrgbClr r="0" g="0" b="0"/>
+      </a:lnRef>
+      <a:fillRef idx="1">
+        <a:scrgbClr r="0" g="0" b="0"/>
+      </a:fillRef>
+      <a:effectRef idx="0">
+        <a:scrgbClr r="0" g="0" b="0"/>
+      </a:effectRef>
+      <a:fontRef idx="minor">
+        <a:schemeClr val="lt1"/>
+      </a:fontRef>
+    </dgm:style>
+  </dgm:styleLbl>
+  <dgm:styleLbl name="parChTrans2D4">
+    <dgm:scene3d>
+      <a:camera prst="orthographicFront"/>
+      <a:lightRig rig="threePt" dir="t"/>
+    </dgm:scene3d>
+    <dgm:sp3d/>
+    <dgm:txPr/>
+    <dgm:style>
+      <a:lnRef idx="2">
+        <a:scrgbClr r="0" g="0" b="0"/>
+      </a:lnRef>
+      <a:fillRef idx="1">
+        <a:scrgbClr r="0" g="0" b="0"/>
+      </a:fillRef>
+      <a:effectRef idx="0">
+        <a:scrgbClr r="0" g="0" b="0"/>
+      </a:effectRef>
+      <a:fontRef idx="minor">
+        <a:schemeClr val="lt1"/>
+      </a:fontRef>
+    </dgm:style>
+  </dgm:styleLbl>
+  <dgm:styleLbl name="parChTrans1D1">
+    <dgm:scene3d>
+      <a:camera prst="orthographicFront"/>
+      <a:lightRig rig="threePt" dir="t"/>
+    </dgm:scene3d>
+    <dgm:sp3d/>
+    <dgm:txPr/>
+    <dgm:style>
+      <a:lnRef idx="2">
+        <a:scrgbClr r="0" g="0" b="0"/>
+      </a:lnRef>
+      <a:fillRef idx="0">
+        <a:scrgbClr r="0" g="0" b="0"/>
+      </a:fillRef>
+      <a:effectRef idx="0">
+        <a:scrgbClr r="0" g="0" b="0"/>
+      </a:effectRef>
+      <a:fontRef idx="minor"/>
+    </dgm:style>
+  </dgm:styleLbl>
+  <dgm:styleLbl name="parChTrans1D2">
+    <dgm:scene3d>
+      <a:camera prst="orthographicFront"/>
+      <a:lightRig rig="threePt" dir="t"/>
+    </dgm:scene3d>
+    <dgm:sp3d/>
+    <dgm:txPr/>
+    <dgm:style>
+      <a:lnRef idx="2">
+        <a:scrgbClr r="0" g="0" b="0"/>
+      </a:lnRef>
+      <a:fillRef idx="0">
+        <a:scrgbClr r="0" g="0" b="0"/>
+      </a:fillRef>
+      <a:effectRef idx="0">
+        <a:scrgbClr r="0" g="0" b="0"/>
+      </a:effectRef>
+      <a:fontRef idx="minor"/>
+    </dgm:style>
+  </dgm:styleLbl>
+  <dgm:styleLbl name="parChTrans1D3">
+    <dgm:scene3d>
+      <a:camera prst="orthographicFront"/>
+      <a:lightRig rig="threePt" dir="t"/>
+    </dgm:scene3d>
+    <dgm:sp3d/>
+    <dgm:txPr/>
+    <dgm:style>
+      <a:lnRef idx="2">
+        <a:scrgbClr r="0" g="0" b="0"/>
+      </a:lnRef>
+      <a:fillRef idx="0">
+        <a:scrgbClr r="0" g="0" b="0"/>
+      </a:fillRef>
+      <a:effectRef idx="0">
+        <a:scrgbClr r="0" g="0" b="0"/>
+      </a:effectRef>
+      <a:fontRef idx="minor"/>
+    </dgm:style>
+  </dgm:styleLbl>
+  <dgm:styleLbl name="parChTrans1D4">
+    <dgm:scene3d>
+      <a:camera prst="orthographicFront"/>
+      <a:lightRig rig="threePt" dir="t"/>
+    </dgm:scene3d>
+    <dgm:sp3d/>
+    <dgm:txPr/>
+    <dgm:style>
+      <a:lnRef idx="2">
+        <a:scrgbClr r="0" g="0" b="0"/>
+      </a:lnRef>
+      <a:fillRef idx="0">
+        <a:scrgbClr r="0" g="0" b="0"/>
+      </a:fillRef>
+      <a:effectRef idx="0">
+        <a:scrgbClr r="0" g="0" b="0"/>
+      </a:effectRef>
+      <a:fontRef idx="minor"/>
+    </dgm:style>
+  </dgm:styleLbl>
+  <dgm:styleLbl name="fgAcc1">
+    <dgm:scene3d>
+      <a:camera prst="orthographicFront"/>
+      <a:lightRig rig="threePt" dir="t"/>
+    </dgm:scene3d>
+    <dgm:sp3d/>
+    <dgm:txPr/>
+    <dgm:style>
+      <a:lnRef idx="2">
+        <a:scrgbClr r="0" g="0" b="0"/>
+      </a:lnRef>
+      <a:fillRef idx="1">
+        <a:scrgbClr r="0" g="0" b="0"/>
+      </a:fillRef>
+      <a:effectRef idx="0">
+        <a:scrgbClr r="0" g="0" b="0"/>
+      </a:effectRef>
+      <a:fontRef idx="minor"/>
+    </dgm:style>
+  </dgm:styleLbl>
+  <dgm:styleLbl name="conFgAcc1">
+    <dgm:scene3d>
+      <a:camera prst="orthographicFront"/>
+      <a:lightRig rig="threePt" dir="t"/>
+    </dgm:scene3d>
+    <dgm:sp3d/>
+    <dgm:txPr/>
+    <dgm:style>
+      <a:lnRef idx="2">
+        <a:scrgbClr r="0" g="0" b="0"/>
+      </a:lnRef>
+      <a:fillRef idx="1">
+        <a:scrgbClr r="0" g="0" b="0"/>
+      </a:fillRef>
+      <a:effectRef idx="0">
+        <a:scrgbClr r="0" g="0" b="0"/>
+      </a:effectRef>
+      <a:fontRef idx="minor"/>
+    </dgm:style>
+  </dgm:styleLbl>
+  <dgm:styleLbl name="alignAcc1">
+    <dgm:scene3d>
+      <a:camera prst="orthographicFront"/>
+      <a:lightRig rig="threePt" dir="t"/>
+    </dgm:scene3d>
+    <dgm:sp3d/>
+    <dgm:txPr/>
+    <dgm:style>
+      <a:lnRef idx="2">
+        <a:scrgbClr r="0" g="0" b="0"/>
+      </a:lnRef>
+      <a:fillRef idx="1">
+        <a:scrgbClr r="0" g="0" b="0"/>
+      </a:fillRef>
+      <a:effectRef idx="0">
+        <a:scrgbClr r="0" g="0" b="0"/>
+      </a:effectRef>
+      <a:fontRef idx="minor"/>
+    </dgm:style>
+  </dgm:styleLbl>
+  <dgm:styleLbl name="trAlignAcc1">
+    <dgm:scene3d>
+      <a:camera prst="orthographicFront"/>
+      <a:lightRig rig="threePt" dir="t"/>
+    </dgm:scene3d>
+    <dgm:sp3d/>
+    <dgm:txPr/>
+    <dgm:style>
+      <a:lnRef idx="1">
+        <a:scrgbClr r="0" g="0" b="0"/>
+      </a:lnRef>
+      <a:fillRef idx="1">
+        <a:scrgbClr r="0" g="0" b="0"/>
+      </a:fillRef>
+      <a:effectRef idx="0">
+        <a:scrgbClr r="0" g="0" b="0"/>
+      </a:effectRef>
+      <a:fontRef idx="minor"/>
+    </dgm:style>
+  </dgm:styleLbl>
+  <dgm:styleLbl name="bgAcc1">
+    <dgm:scene3d>
+      <a:camera prst="orthographicFront"/>
+      <a:lightRig rig="threePt" dir="t"/>
+    </dgm:scene3d>
+    <dgm:sp3d/>
+    <dgm:txPr/>
+    <dgm:style>
+      <a:lnRef idx="2">
+        <a:scrgbClr r="0" g="0" b="0"/>
+      </a:lnRef>
+      <a:fillRef idx="1">
+        <a:scrgbClr r="0" g="0" b="0"/>
+      </a:fillRef>
+      <a:effectRef idx="0">
+        <a:scrgbClr r="0" g="0" b="0"/>
+      </a:effectRef>
+      <a:fontRef idx="minor"/>
+    </dgm:style>
+  </dgm:styleLbl>
+  <dgm:styleLbl name="solidFgAcc1">
+    <dgm:scene3d>
+      <a:camera prst="orthographicFront"/>
+      <a:lightRig rig="threePt" dir="t"/>
+    </dgm:scene3d>
+    <dgm:sp3d/>
+    <dgm:txPr/>
+    <dgm:style>
+      <a:lnRef idx="2">
+        <a:scrgbClr r="0" g="0" b="0"/>
+      </a:lnRef>
+      <a:fillRef idx="1">
+        <a:scrgbClr r="0" g="0" b="0"/>
+      </a:fillRef>
+      <a:effectRef idx="0">
+        <a:scrgbClr r="0" g="0" b="0"/>
+      </a:effectRef>
+      <a:fontRef idx="minor"/>
+    </dgm:style>
+  </dgm:styleLbl>
+  <dgm:styleLbl name="solidAlignAcc1">
+    <dgm:scene3d>
+      <a:camera prst="orthographicFront"/>
+      <a:lightRig rig="threePt" dir="t"/>
+    </dgm:scene3d>
+    <dgm:sp3d/>
+    <dgm:txPr/>
+    <dgm:style>
+      <a:lnRef idx="2">
+        <a:scrgbClr r="0" g="0" b="0"/>
+      </a:lnRef>
+      <a:fillRef idx="1">
+        <a:scrgbClr r="0" g="0" b="0"/>
+      </a:fillRef>
+      <a:effectRef idx="0">
+        <a:scrgbClr r="0" g="0" b="0"/>
+      </a:effectRef>
+      <a:fontRef idx="minor"/>
+    </dgm:style>
+  </dgm:styleLbl>
+  <dgm:styleLbl name="solidBgAcc1">
+    <dgm:scene3d>
+      <a:camera prst="orthographicFront"/>
+      <a:lightRig rig="threePt" dir="t"/>
+    </dgm:scene3d>
+    <dgm:sp3d/>
+    <dgm:txPr/>
+    <dgm:style>
+      <a:lnRef idx="2">
+        <a:scrgbClr r="0" g="0" b="0"/>
+      </a:lnRef>
+      <a:fillRef idx="1">
+        <a:scrgbClr r="0" g="0" b="0"/>
+      </a:fillRef>
+      <a:effectRef idx="0">
+        <a:scrgbClr r="0" g="0" b="0"/>
+      </a:effectRef>
+      <a:fontRef idx="minor"/>
+    </dgm:style>
+  </dgm:styleLbl>
+  <dgm:styleLbl name="fgAccFollowNode1">
+    <dgm:scene3d>
+      <a:camera prst="orthographicFront"/>
+      <a:lightRig rig="threePt" dir="t"/>
+    </dgm:scene3d>
+    <dgm:sp3d/>
+    <dgm:txPr/>
+    <dgm:style>
+      <a:lnRef idx="2">
+        <a:scrgbClr r="0" g="0" b="0"/>
+      </a:lnRef>
+      <a:fillRef idx="1">
+        <a:scrgbClr r="0" g="0" b="0"/>
+      </a:fillRef>
+      <a:effectRef idx="0">
+        <a:scrgbClr r="0" g="0" b="0"/>
+      </a:effectRef>
+      <a:fontRef idx="minor"/>
+    </dgm:style>
+  </dgm:styleLbl>
+  <dgm:styleLbl name="alignAccFollowNode1">
+    <dgm:scene3d>
+      <a:camera prst="orthographicFront"/>
+      <a:lightRig rig="threePt" dir="t"/>
+    </dgm:scene3d>
+    <dgm:sp3d/>
+    <dgm:txPr/>
+    <dgm:style>
+      <a:lnRef idx="2">
+        <a:scrgbClr r="0" g="0" b="0"/>
+      </a:lnRef>
+      <a:fillRef idx="1">
+        <a:scrgbClr r="0" g="0" b="0"/>
+      </a:fillRef>
+      <a:effectRef idx="0">
+        <a:scrgbClr r="0" g="0" b="0"/>
+      </a:effectRef>
+      <a:fontRef idx="minor"/>
+    </dgm:style>
+  </dgm:styleLbl>
+  <dgm:styleLbl name="bgAccFollowNode1">
+    <dgm:scene3d>
+      <a:camera prst="orthographicFront"/>
+      <a:lightRig rig="threePt" dir="t"/>
+    </dgm:scene3d>
+    <dgm:sp3d/>
+    <dgm:txPr/>
+    <dgm:style>
+      <a:lnRef idx="2">
+        <a:scrgbClr r="0" g="0" b="0"/>
+      </a:lnRef>
+      <a:fillRef idx="1">
+        <a:scrgbClr r="0" g="0" b="0"/>
+      </a:fillRef>
+      <a:effectRef idx="0">
+        <a:scrgbClr r="0" g="0" b="0"/>
+      </a:effectRef>
+      <a:fontRef idx="minor"/>
+    </dgm:style>
+  </dgm:styleLbl>
+  <dgm:styleLbl name="fgAcc0">
+    <dgm:scene3d>
+      <a:camera prst="orthographicFront"/>
+      <a:lightRig rig="threePt" dir="t"/>
+    </dgm:scene3d>
+    <dgm:sp3d/>
+    <dgm:txPr/>
+    <dgm:style>
+      <a:lnRef idx="2">
+        <a:scrgbClr r="0" g="0" b="0"/>
+      </a:lnRef>
+      <a:fillRef idx="1">
+        <a:scrgbClr r="0" g="0" b="0"/>
+      </a:fillRef>
+      <a:effectRef idx="0">
+        <a:scrgbClr r="0" g="0" b="0"/>
+      </a:effectRef>
+      <a:fontRef idx="minor"/>
+    </dgm:style>
+  </dgm:styleLbl>
+  <dgm:styleLbl name="fgAcc2">
+    <dgm:scene3d>
+      <a:camera prst="orthographicFront"/>
+      <a:lightRig rig="threePt" dir="t"/>
+    </dgm:scene3d>
+    <dgm:sp3d/>
+    <dgm:txPr/>
+    <dgm:style>
+      <a:lnRef idx="2">
+        <a:scrgbClr r="0" g="0" b="0"/>
+      </a:lnRef>
+      <a:fillRef idx="1">
+        <a:scrgbClr r="0" g="0" b="0"/>
+      </a:fillRef>
+      <a:effectRef idx="0">
+        <a:scrgbClr r="0" g="0" b="0"/>
+      </a:effectRef>
+      <a:fontRef idx="minor"/>
+    </dgm:style>
+  </dgm:styleLbl>
+  <dgm:styleLbl name="fgAcc3">
+    <dgm:scene3d>
+      <a:camera prst="orthographicFront"/>
+      <a:lightRig rig="threePt" dir="t"/>
+    </dgm:scene3d>
+    <dgm:sp3d/>
+    <dgm:txPr/>
+    <dgm:style>
+      <a:lnRef idx="2">
+        <a:scrgbClr r="0" g="0" b="0"/>
+      </a:lnRef>
+      <a:fillRef idx="1">
+        <a:scrgbClr r="0" g="0" b="0"/>
+      </a:fillRef>
+      <a:effectRef idx="0">
+        <a:scrgbClr r="0" g="0" b="0"/>
+      </a:effectRef>
+      <a:fontRef idx="minor"/>
+    </dgm:style>
+  </dgm:styleLbl>
+  <dgm:styleLbl name="fgAcc4">
+    <dgm:scene3d>
+      <a:camera prst="orthographicFront"/>
+      <a:lightRig rig="threePt" dir="t"/>
+    </dgm:scene3d>
+    <dgm:sp3d/>
+    <dgm:txPr/>
+    <dgm:style>
+      <a:lnRef idx="2">
+        <a:scrgbClr r="0" g="0" b="0"/>
+      </a:lnRef>
+      <a:fillRef idx="1">
+        <a:scrgbClr r="0" g="0" b="0"/>
+      </a:fillRef>
+      <a:effectRef idx="0">
+        <a:scrgbClr r="0" g="0" b="0"/>
+      </a:effectRef>
+      <a:fontRef idx="minor"/>
+    </dgm:style>
+  </dgm:styleLbl>
+  <dgm:styleLbl name="bgShp">
+    <dgm:scene3d>
+      <a:camera prst="orthographicFront"/>
+      <a:lightRig rig="threePt" dir="t"/>
+    </dgm:scene3d>
+    <dgm:sp3d/>
+    <dgm:txPr/>
+    <dgm:style>
+      <a:lnRef idx="0">
+        <a:scrgbClr r="0" g="0" b="0"/>
+      </a:lnRef>
+      <a:fillRef idx="1">
+        <a:scrgbClr r="0" g="0" b="0"/>
+      </a:fillRef>
+      <a:effectRef idx="0">
+        <a:scrgbClr r="0" g="0" b="0"/>
+      </a:effectRef>
+      <a:fontRef idx="minor"/>
+    </dgm:style>
+  </dgm:styleLbl>
+  <dgm:styleLbl name="dkBgShp">
+    <dgm:scene3d>
+      <a:camera prst="orthographicFront"/>
+      <a:lightRig rig="threePt" dir="t"/>
+    </dgm:scene3d>
+    <dgm:sp3d/>
+    <dgm:txPr/>
+    <dgm:style>
+      <a:lnRef idx="0">
+        <a:scrgbClr r="0" g="0" b="0"/>
+      </a:lnRef>
+      <a:fillRef idx="1">
+        <a:scrgbClr r="0" g="0" b="0"/>
+      </a:fillRef>
+      <a:effectRef idx="0">
+        <a:scrgbClr r="0" g="0" b="0"/>
+      </a:effectRef>
+      <a:fontRef idx="minor"/>
+    </dgm:style>
+  </dgm:styleLbl>
+  <dgm:styleLbl name="trBgShp">
+    <dgm:scene3d>
+      <a:camera prst="orthographicFront"/>
+      <a:lightRig rig="threePt" dir="t"/>
+    </dgm:scene3d>
+    <dgm:sp3d/>
+    <dgm:txPr/>
+    <dgm:style>
+      <a:lnRef idx="0">
+        <a:scrgbClr r="0" g="0" b="0"/>
+      </a:lnRef>
+      <a:fillRef idx="1">
+        <a:scrgbClr r="0" g="0" b="0"/>
+      </a:fillRef>
+      <a:effectRef idx="0">
+        <a:scrgbClr r="0" g="0" b="0"/>
+      </a:effectRef>
+      <a:fontRef idx="minor"/>
+    </dgm:style>
+  </dgm:styleLbl>
+  <dgm:styleLbl name="fgShp">
+    <dgm:scene3d>
+      <a:camera prst="orthographicFront"/>
+      <a:lightRig rig="threePt" dir="t"/>
+    </dgm:scene3d>
+    <dgm:sp3d/>
+    <dgm:txPr/>
+    <dgm:style>
+      <a:lnRef idx="2">
+        <a:scrgbClr r="0" g="0" b="0"/>
+      </a:lnRef>
+      <a:fillRef idx="1">
+        <a:scrgbClr r="0" g="0" b="0"/>
+      </a:fillRef>
+      <a:effectRef idx="0">
+        <a:scrgbClr r="0" g="0" b="0"/>
+      </a:effectRef>
+      <a:fontRef idx="minor"/>
+    </dgm:style>
+  </dgm:styleLbl>
+  <dgm:styleLbl name="revTx">
+    <dgm:scene3d>
+      <a:camera prst="orthographicFront"/>
+      <a:lightRig rig="threePt" dir="t"/>
+    </dgm:scene3d>
+    <dgm:sp3d/>
+    <dgm:txPr/>
+    <dgm:style>
+      <a:lnRef idx="0">
+        <a:scrgbClr r="0" g="0" b="0"/>
+      </a:lnRef>
+      <a:fillRef idx="0">
+        <a:scrgbClr r="0" g="0" b="0"/>
+      </a:fillRef>
+      <a:effectRef idx="0">
+        <a:scrgbClr r="0" g="0" b="0"/>
+      </a:effectRef>
+      <a:fontRef idx="minor"/>
+    </dgm:style>
+  </dgm:styleLbl>
+</dgm:styleDef>
+</file>
+
+<file path=ppt/diagrams/quickStyle8.xml><?xml version="1.0" encoding="utf-8"?>
 <dgm:styleDef xmlns:dgm="http://schemas.openxmlformats.org/drawingml/2006/diagram" xmlns:a="http://schemas.openxmlformats.org/drawingml/2006/main" uniqueId="urn:microsoft.com/office/officeart/2005/8/quickstyle/simple1">
   <dgm:title val=""/>
   <dgm:desc val=""/>
@@ -27958,6 +31232,2769 @@
 </p:sld>
 </file>
 
+<file path=ppt/slides/slide10.xml><?xml version="1.0" encoding="utf-8"?>
+<p:sld xmlns:a="http://schemas.openxmlformats.org/drawingml/2006/main" xmlns:r="http://schemas.openxmlformats.org/officeDocument/2006/relationships" xmlns:p="http://schemas.openxmlformats.org/presentationml/2006/main">
+  <p:cSld>
+    <p:spTree>
+      <p:nvGrpSpPr>
+        <p:cNvPr id="1" name=""/>
+        <p:cNvGrpSpPr/>
+        <p:nvPr/>
+      </p:nvGrpSpPr>
+      <p:grpSpPr>
+        <a:xfrm>
+          <a:off x="0" y="0"/>
+          <a:ext cx="0" cy="0"/>
+          <a:chOff x="0" y="0"/>
+          <a:chExt cx="0" cy="0"/>
+        </a:xfrm>
+      </p:grpSpPr>
+      <p:sp>
+        <p:nvSpPr>
+          <p:cNvPr id="2" name="Titolo 1">
+            <a:extLst>
+              <a:ext uri="{FF2B5EF4-FFF2-40B4-BE49-F238E27FC236}">
+                <a16:creationId xmlns:a16="http://schemas.microsoft.com/office/drawing/2014/main" id="{2D4F70C5-0703-4DD4-BA30-EC5493220F65}"/>
+              </a:ext>
+            </a:extLst>
+          </p:cNvPr>
+          <p:cNvSpPr>
+            <a:spLocks noGrp="1"/>
+          </p:cNvSpPr>
+          <p:nvPr>
+            <p:ph type="title"/>
+          </p:nvPr>
+        </p:nvSpPr>
+        <p:spPr>
+          <a:xfrm>
+            <a:off x="581192" y="5262296"/>
+            <a:ext cx="5291156" cy="689514"/>
+          </a:xfrm>
+        </p:spPr>
+        <p:txBody>
+          <a:bodyPr>
+            <a:noAutofit/>
+          </a:bodyPr>
+          <a:lstStyle/>
+          <a:p>
+            <a:r>
+              <a:rPr lang="it-IT" sz="2800"/>
+              <a:t>		</a:t>
+            </a:r>
+            <a:r>
+              <a:rPr lang="it-IT" sz="2800">
+                <a:solidFill>
+                  <a:schemeClr val="bg1"/>
+                </a:solidFill>
+              </a:rPr>
+              <a:t>.1 – DATASET SPLITTING</a:t>
+            </a:r>
+            <a:endParaRPr lang="it-IT" sz="2800"/>
+          </a:p>
+        </p:txBody>
+      </p:sp>
+      <p:grpSp>
+        <p:nvGrpSpPr>
+          <p:cNvPr id="5" name="Gruppo 4">
+            <a:extLst>
+              <a:ext uri="{FF2B5EF4-FFF2-40B4-BE49-F238E27FC236}">
+                <a16:creationId xmlns:a16="http://schemas.microsoft.com/office/drawing/2014/main" id="{6119A0C5-EF17-40FD-A973-25BD252D8628}"/>
+              </a:ext>
+            </a:extLst>
+          </p:cNvPr>
+          <p:cNvGrpSpPr/>
+          <p:nvPr/>
+        </p:nvGrpSpPr>
+        <p:grpSpPr>
+          <a:xfrm rot="10800000">
+            <a:off x="673890" y="5014562"/>
+            <a:ext cx="719101" cy="1242237"/>
+            <a:chOff x="1" y="13513"/>
+            <a:chExt cx="602970" cy="861385"/>
+          </a:xfrm>
+        </p:grpSpPr>
+        <p:sp>
+          <p:nvSpPr>
+            <p:cNvPr id="6" name="Freccia a gallone 5">
+              <a:extLst>
+                <a:ext uri="{FF2B5EF4-FFF2-40B4-BE49-F238E27FC236}">
+                  <a16:creationId xmlns:a16="http://schemas.microsoft.com/office/drawing/2014/main" id="{B656033D-4A78-440D-A14A-24A8ACA038DC}"/>
+                </a:ext>
+              </a:extLst>
+            </p:cNvPr>
+            <p:cNvSpPr/>
+            <p:nvPr/>
+          </p:nvSpPr>
+          <p:spPr>
+            <a:xfrm rot="5400000">
+              <a:off x="-129207" y="142721"/>
+              <a:ext cx="861385" cy="602970"/>
+            </a:xfrm>
+            <a:prstGeom prst="chevron">
+              <a:avLst/>
+            </a:prstGeom>
+            <a:solidFill>
+              <a:schemeClr val="bg1"/>
+            </a:solidFill>
+          </p:spPr>
+          <p:style>
+            <a:lnRef idx="2">
+              <a:schemeClr val="accent1">
+                <a:hueOff val="0"/>
+                <a:satOff val="0"/>
+                <a:lumOff val="0"/>
+                <a:alphaOff val="0"/>
+              </a:schemeClr>
+            </a:lnRef>
+            <a:fillRef idx="1">
+              <a:schemeClr val="accent1">
+                <a:hueOff val="0"/>
+                <a:satOff val="0"/>
+                <a:lumOff val="0"/>
+                <a:alphaOff val="0"/>
+              </a:schemeClr>
+            </a:fillRef>
+            <a:effectRef idx="0">
+              <a:schemeClr val="accent1">
+                <a:hueOff val="0"/>
+                <a:satOff val="0"/>
+                <a:lumOff val="0"/>
+                <a:alphaOff val="0"/>
+              </a:schemeClr>
+            </a:effectRef>
+            <a:fontRef idx="minor">
+              <a:schemeClr val="lt1"/>
+            </a:fontRef>
+          </p:style>
+        </p:sp>
+        <p:sp>
+          <p:nvSpPr>
+            <p:cNvPr id="7" name="Freccia a gallone 4">
+              <a:extLst>
+                <a:ext uri="{FF2B5EF4-FFF2-40B4-BE49-F238E27FC236}">
+                  <a16:creationId xmlns:a16="http://schemas.microsoft.com/office/drawing/2014/main" id="{0245AF58-447A-432E-B276-739487AF3B49}"/>
+                </a:ext>
+              </a:extLst>
+            </p:cNvPr>
+            <p:cNvSpPr txBox="1"/>
+            <p:nvPr/>
+          </p:nvSpPr>
+          <p:spPr>
+            <a:xfrm rot="10800000">
+              <a:off x="1" y="334849"/>
+              <a:ext cx="602970" cy="258415"/>
+            </a:xfrm>
+            <a:prstGeom prst="rect">
+              <a:avLst/>
+            </a:prstGeom>
+          </p:spPr>
+          <p:style>
+            <a:lnRef idx="0">
+              <a:scrgbClr r="0" g="0" b="0"/>
+            </a:lnRef>
+            <a:fillRef idx="0">
+              <a:scrgbClr r="0" g="0" b="0"/>
+            </a:fillRef>
+            <a:effectRef idx="0">
+              <a:scrgbClr r="0" g="0" b="0"/>
+            </a:effectRef>
+            <a:fontRef idx="minor">
+              <a:schemeClr val="lt1"/>
+            </a:fontRef>
+          </p:style>
+          <p:txBody>
+            <a:bodyPr spcFirstLastPara="0" vert="horz" wrap="square" lIns="10795" tIns="10795" rIns="10795" bIns="10795" numCol="1" spcCol="1270" anchor="ctr" anchorCtr="0">
+              <a:noAutofit/>
+            </a:bodyPr>
+            <a:lstStyle/>
+            <a:p>
+              <a:pPr marL="0" lvl="0" indent="0" algn="ctr" defTabSz="755650">
+                <a:lnSpc>
+                  <a:spcPct val="90000"/>
+                </a:lnSpc>
+                <a:spcBef>
+                  <a:spcPct val="0"/>
+                </a:spcBef>
+                <a:spcAft>
+                  <a:spcPct val="35000"/>
+                </a:spcAft>
+                <a:buNone/>
+              </a:pPr>
+              <a:r>
+                <a:rPr lang="it-IT" sz="2800">
+                  <a:solidFill>
+                    <a:schemeClr val="accent1"/>
+                  </a:solidFill>
+                  <a:latin typeface="+mj-lt"/>
+                </a:rPr>
+                <a:t>4</a:t>
+              </a:r>
+              <a:endParaRPr lang="it-IT" sz="2800" kern="1200">
+                <a:solidFill>
+                  <a:schemeClr val="accent1"/>
+                </a:solidFill>
+                <a:latin typeface="+mj-lt"/>
+              </a:endParaRPr>
+            </a:p>
+          </p:txBody>
+        </p:sp>
+      </p:grpSp>
+      <p:sp>
+        <p:nvSpPr>
+          <p:cNvPr id="8" name="Segnaposto contenuto 2">
+            <a:extLst>
+              <a:ext uri="{FF2B5EF4-FFF2-40B4-BE49-F238E27FC236}">
+                <a16:creationId xmlns:a16="http://schemas.microsoft.com/office/drawing/2014/main" id="{0C24FC21-C61C-42B5-A6B3-BA315C920B0A}"/>
+              </a:ext>
+            </a:extLst>
+          </p:cNvPr>
+          <p:cNvSpPr txBox="1">
+            <a:spLocks/>
+          </p:cNvSpPr>
+          <p:nvPr/>
+        </p:nvSpPr>
+        <p:spPr>
+          <a:xfrm>
+            <a:off x="694061" y="831273"/>
+            <a:ext cx="10795316" cy="3936670"/>
+          </a:xfrm>
+          <a:prstGeom prst="rect">
+            <a:avLst/>
+          </a:prstGeom>
+        </p:spPr>
+        <p:txBody>
+          <a:bodyPr vert="horz" lIns="91440" tIns="45720" rIns="91440" bIns="45720" rtlCol="0" anchor="ctr">
+            <a:normAutofit/>
+          </a:bodyPr>
+          <a:lstStyle>
+            <a:lvl1pPr marL="306000" indent="-306000" algn="l" defTabSz="457200" rtl="0" eaLnBrk="1" latinLnBrk="0" hangingPunct="1">
+              <a:spcBef>
+                <a:spcPct val="20000"/>
+              </a:spcBef>
+              <a:spcAft>
+                <a:spcPts val="600"/>
+              </a:spcAft>
+              <a:buClr>
+                <a:schemeClr val="accent2"/>
+              </a:buClr>
+              <a:buSzPct val="92000"/>
+              <a:buFont typeface="Wingdings 2" panose="05020102010507070707" pitchFamily="18" charset="2"/>
+              <a:buChar char=""/>
+              <a:defRPr sz="1800" kern="1200">
+                <a:solidFill>
+                  <a:schemeClr val="tx2"/>
+                </a:solidFill>
+                <a:latin typeface="+mn-lt"/>
+                <a:ea typeface="+mn-ea"/>
+                <a:cs typeface="+mn-cs"/>
+              </a:defRPr>
+            </a:lvl1pPr>
+            <a:lvl2pPr marL="630000" indent="-306000" algn="l" defTabSz="457200" rtl="0" eaLnBrk="1" latinLnBrk="0" hangingPunct="1">
+              <a:spcBef>
+                <a:spcPct val="20000"/>
+              </a:spcBef>
+              <a:spcAft>
+                <a:spcPts val="600"/>
+              </a:spcAft>
+              <a:buClr>
+                <a:schemeClr val="accent2"/>
+              </a:buClr>
+              <a:buSzPct val="92000"/>
+              <a:buFont typeface="Wingdings 2" panose="05020102010507070707" pitchFamily="18" charset="2"/>
+              <a:buChar char=""/>
+              <a:defRPr sz="1600" kern="1200">
+                <a:solidFill>
+                  <a:schemeClr val="tx2"/>
+                </a:solidFill>
+                <a:latin typeface="+mn-lt"/>
+                <a:ea typeface="+mn-ea"/>
+                <a:cs typeface="+mn-cs"/>
+              </a:defRPr>
+            </a:lvl2pPr>
+            <a:lvl3pPr marL="900000" indent="-270000" algn="l" defTabSz="457200" rtl="0" eaLnBrk="1" latinLnBrk="0" hangingPunct="1">
+              <a:spcBef>
+                <a:spcPct val="20000"/>
+              </a:spcBef>
+              <a:spcAft>
+                <a:spcPts val="600"/>
+              </a:spcAft>
+              <a:buClr>
+                <a:schemeClr val="accent2"/>
+              </a:buClr>
+              <a:buSzPct val="92000"/>
+              <a:buFont typeface="Wingdings 2" panose="05020102010507070707" pitchFamily="18" charset="2"/>
+              <a:buChar char=""/>
+              <a:defRPr sz="1400" kern="1200">
+                <a:solidFill>
+                  <a:schemeClr val="tx2"/>
+                </a:solidFill>
+                <a:latin typeface="+mn-lt"/>
+                <a:ea typeface="+mn-ea"/>
+                <a:cs typeface="+mn-cs"/>
+              </a:defRPr>
+            </a:lvl3pPr>
+            <a:lvl4pPr marL="1242000" indent="-234000" algn="l" defTabSz="457200" rtl="0" eaLnBrk="1" latinLnBrk="0" hangingPunct="1">
+              <a:spcBef>
+                <a:spcPct val="20000"/>
+              </a:spcBef>
+              <a:spcAft>
+                <a:spcPts val="600"/>
+              </a:spcAft>
+              <a:buClr>
+                <a:schemeClr val="accent2"/>
+              </a:buClr>
+              <a:buSzPct val="92000"/>
+              <a:buFont typeface="Wingdings 2" panose="05020102010507070707" pitchFamily="18" charset="2"/>
+              <a:buChar char=""/>
+              <a:defRPr sz="1200" kern="1200">
+                <a:solidFill>
+                  <a:schemeClr val="tx2"/>
+                </a:solidFill>
+                <a:latin typeface="+mn-lt"/>
+                <a:ea typeface="+mn-ea"/>
+                <a:cs typeface="+mn-cs"/>
+              </a:defRPr>
+            </a:lvl4pPr>
+            <a:lvl5pPr marL="1602000" indent="-234000" algn="l" defTabSz="457200" rtl="0" eaLnBrk="1" latinLnBrk="0" hangingPunct="1">
+              <a:spcBef>
+                <a:spcPct val="20000"/>
+              </a:spcBef>
+              <a:spcAft>
+                <a:spcPts val="600"/>
+              </a:spcAft>
+              <a:buClr>
+                <a:schemeClr val="accent2"/>
+              </a:buClr>
+              <a:buSzPct val="92000"/>
+              <a:buFont typeface="Wingdings 2" panose="05020102010507070707" pitchFamily="18" charset="2"/>
+              <a:buChar char=""/>
+              <a:defRPr sz="1200" kern="1200">
+                <a:solidFill>
+                  <a:schemeClr val="tx2"/>
+                </a:solidFill>
+                <a:latin typeface="+mn-lt"/>
+                <a:ea typeface="+mn-ea"/>
+                <a:cs typeface="+mn-cs"/>
+              </a:defRPr>
+            </a:lvl5pPr>
+            <a:lvl6pPr marL="1900000" indent="-228600" algn="l" defTabSz="457200" rtl="0" eaLnBrk="1" latinLnBrk="0" hangingPunct="1">
+              <a:spcBef>
+                <a:spcPct val="20000"/>
+              </a:spcBef>
+              <a:spcAft>
+                <a:spcPts val="600"/>
+              </a:spcAft>
+              <a:buClr>
+                <a:schemeClr val="accent2"/>
+              </a:buClr>
+              <a:buSzPct val="92000"/>
+              <a:buFont typeface="Wingdings 2" panose="05020102010507070707" pitchFamily="18" charset="2"/>
+              <a:buChar char=""/>
+              <a:defRPr sz="1200" kern="1200">
+                <a:solidFill>
+                  <a:schemeClr val="tx2"/>
+                </a:solidFill>
+                <a:latin typeface="+mn-lt"/>
+                <a:ea typeface="+mn-ea"/>
+                <a:cs typeface="+mn-cs"/>
+              </a:defRPr>
+            </a:lvl6pPr>
+            <a:lvl7pPr marL="2200000" indent="-228600" algn="l" defTabSz="457200" rtl="0" eaLnBrk="1" latinLnBrk="0" hangingPunct="1">
+              <a:spcBef>
+                <a:spcPct val="20000"/>
+              </a:spcBef>
+              <a:spcAft>
+                <a:spcPts val="600"/>
+              </a:spcAft>
+              <a:buClr>
+                <a:schemeClr val="accent2"/>
+              </a:buClr>
+              <a:buSzPct val="92000"/>
+              <a:buFont typeface="Wingdings 2" panose="05020102010507070707" pitchFamily="18" charset="2"/>
+              <a:buChar char=""/>
+              <a:defRPr sz="1200" kern="1200">
+                <a:solidFill>
+                  <a:schemeClr val="tx2"/>
+                </a:solidFill>
+                <a:latin typeface="+mn-lt"/>
+                <a:ea typeface="+mn-ea"/>
+                <a:cs typeface="+mn-cs"/>
+              </a:defRPr>
+            </a:lvl7pPr>
+            <a:lvl8pPr marL="2500000" indent="-228600" algn="l" defTabSz="457200" rtl="0" eaLnBrk="1" latinLnBrk="0" hangingPunct="1">
+              <a:spcBef>
+                <a:spcPct val="20000"/>
+              </a:spcBef>
+              <a:spcAft>
+                <a:spcPts val="600"/>
+              </a:spcAft>
+              <a:buClr>
+                <a:schemeClr val="accent2"/>
+              </a:buClr>
+              <a:buSzPct val="92000"/>
+              <a:buFont typeface="Wingdings 2" panose="05020102010507070707" pitchFamily="18" charset="2"/>
+              <a:buChar char=""/>
+              <a:defRPr sz="1200" kern="1200">
+                <a:solidFill>
+                  <a:schemeClr val="tx2"/>
+                </a:solidFill>
+                <a:latin typeface="+mn-lt"/>
+                <a:ea typeface="+mn-ea"/>
+                <a:cs typeface="+mn-cs"/>
+              </a:defRPr>
+            </a:lvl8pPr>
+            <a:lvl9pPr marL="2800000" indent="-228600" algn="l" defTabSz="457200" rtl="0" eaLnBrk="1" latinLnBrk="0" hangingPunct="1">
+              <a:spcBef>
+                <a:spcPct val="20000"/>
+              </a:spcBef>
+              <a:spcAft>
+                <a:spcPts val="600"/>
+              </a:spcAft>
+              <a:buClr>
+                <a:schemeClr val="accent2"/>
+              </a:buClr>
+              <a:buSzPct val="92000"/>
+              <a:buFont typeface="Wingdings 2" panose="05020102010507070707" pitchFamily="18" charset="2"/>
+              <a:buChar char=""/>
+              <a:defRPr sz="1200" kern="1200">
+                <a:solidFill>
+                  <a:schemeClr val="tx2"/>
+                </a:solidFill>
+                <a:latin typeface="+mn-lt"/>
+                <a:ea typeface="+mn-ea"/>
+                <a:cs typeface="+mn-cs"/>
+              </a:defRPr>
+            </a:lvl9pPr>
+          </a:lstStyle>
+          <a:p>
+            <a:r>
+              <a:rPr lang="it-IT"/>
+              <a:t>The dataset is highly unbalanced, thus we </a:t>
+            </a:r>
+            <a:r>
+              <a:rPr lang="it-IT">
+                <a:solidFill>
+                  <a:schemeClr val="accent4">
+                    <a:lumMod val="75000"/>
+                  </a:schemeClr>
+                </a:solidFill>
+              </a:rPr>
+              <a:t>cannot apply </a:t>
+            </a:r>
+            <a:r>
+              <a:rPr lang="it-IT"/>
+              <a:t>a </a:t>
+            </a:r>
+            <a:r>
+              <a:rPr lang="it-IT">
+                <a:solidFill>
+                  <a:schemeClr val="accent2"/>
+                </a:solidFill>
+              </a:rPr>
+              <a:t>simple random splitting</a:t>
+            </a:r>
+          </a:p>
+          <a:p>
+            <a:r>
+              <a:rPr lang="it-IT">
+                <a:solidFill>
+                  <a:schemeClr val="tx1"/>
+                </a:solidFill>
+              </a:rPr>
+              <a:t>This might lead to a </a:t>
+            </a:r>
+            <a:r>
+              <a:rPr lang="it-IT">
+                <a:solidFill>
+                  <a:schemeClr val="accent4">
+                    <a:lumMod val="75000"/>
+                  </a:schemeClr>
+                </a:solidFill>
+              </a:rPr>
+              <a:t>poor splitting strategy</a:t>
+            </a:r>
+          </a:p>
+          <a:p>
+            <a:pPr lvl="1"/>
+            <a:r>
+              <a:rPr lang="it-IT">
+                <a:solidFill>
+                  <a:schemeClr val="tx1"/>
+                </a:solidFill>
+              </a:rPr>
+              <a:t>For instance the test set ends up containing only examples that are labeled with the most representative class</a:t>
+            </a:r>
+          </a:p>
+          <a:p>
+            <a:pPr lvl="1"/>
+            <a:r>
+              <a:rPr lang="it-IT">
+                <a:solidFill>
+                  <a:schemeClr val="tx1"/>
+                </a:solidFill>
+              </a:rPr>
+              <a:t>In this case such a class is the one for </a:t>
+            </a:r>
+            <a:r>
+              <a:rPr lang="it-IT" i="1">
+                <a:solidFill>
+                  <a:schemeClr val="tx1"/>
+                </a:solidFill>
+              </a:rPr>
+              <a:t>non-fraudolent transactions</a:t>
+            </a:r>
+          </a:p>
+          <a:p>
+            <a:r>
+              <a:rPr lang="it-IT">
+                <a:solidFill>
+                  <a:schemeClr val="tx1"/>
+                </a:solidFill>
+              </a:rPr>
+              <a:t>For this reason I used the so-called </a:t>
+            </a:r>
+            <a:r>
+              <a:rPr lang="it-IT">
+                <a:solidFill>
+                  <a:schemeClr val="accent2"/>
+                </a:solidFill>
+              </a:rPr>
+              <a:t>Stratified Random Sampling</a:t>
+            </a:r>
+          </a:p>
+          <a:p>
+            <a:pPr lvl="1"/>
+            <a:r>
+              <a:rPr lang="it-IT">
+                <a:solidFill>
+                  <a:schemeClr val="tx1"/>
+                </a:solidFill>
+              </a:rPr>
+              <a:t>It guarantees that both the training and the test split </a:t>
+            </a:r>
+            <a:r>
+              <a:rPr lang="it-IT">
+                <a:solidFill>
+                  <a:schemeClr val="accent4">
+                    <a:lumMod val="75000"/>
+                  </a:schemeClr>
+                </a:solidFill>
+              </a:rPr>
+              <a:t>follow the same class distribution </a:t>
+            </a:r>
+            <a:r>
+              <a:rPr lang="it-IT">
+                <a:solidFill>
+                  <a:schemeClr val="tx1"/>
+                </a:solidFill>
+              </a:rPr>
+              <a:t>of the original dataset</a:t>
+            </a:r>
+          </a:p>
+          <a:p>
+            <a:pPr lvl="1"/>
+            <a:r>
+              <a:rPr lang="it-IT">
+                <a:solidFill>
+                  <a:schemeClr val="tx1"/>
+                </a:solidFill>
+              </a:rPr>
+              <a:t>For the experiments I selected </a:t>
+            </a:r>
+            <a:r>
+              <a:rPr lang="it-IT">
+                <a:solidFill>
+                  <a:schemeClr val="accent2"/>
+                </a:solidFill>
+              </a:rPr>
+              <a:t>60%</a:t>
+            </a:r>
+            <a:r>
+              <a:rPr lang="it-IT">
+                <a:solidFill>
+                  <a:schemeClr val="tx1"/>
+                </a:solidFill>
+              </a:rPr>
+              <a:t> of 0’s and </a:t>
+            </a:r>
+            <a:r>
+              <a:rPr lang="it-IT">
+                <a:solidFill>
+                  <a:schemeClr val="accent2"/>
+                </a:solidFill>
+              </a:rPr>
+              <a:t>70%</a:t>
+            </a:r>
+            <a:r>
+              <a:rPr lang="it-IT">
+                <a:solidFill>
+                  <a:schemeClr val="tx1"/>
+                </a:solidFill>
+              </a:rPr>
+              <a:t> of 1’s</a:t>
+            </a:r>
+          </a:p>
+          <a:p>
+            <a:r>
+              <a:rPr lang="it-IT">
+                <a:solidFill>
+                  <a:schemeClr val="tx1"/>
+                </a:solidFill>
+              </a:rPr>
+              <a:t>After splitting we last with: </a:t>
+            </a:r>
+            <a:r>
+              <a:rPr lang="it-IT">
+                <a:solidFill>
+                  <a:schemeClr val="accent2"/>
+                </a:solidFill>
+              </a:rPr>
+              <a:t>357041 x 232 </a:t>
+            </a:r>
+            <a:r>
+              <a:rPr lang="it-IT">
+                <a:solidFill>
+                  <a:schemeClr val="tx1"/>
+                </a:solidFill>
+              </a:rPr>
+              <a:t>(train set) and </a:t>
+            </a:r>
+            <a:r>
+              <a:rPr lang="it-IT">
+                <a:solidFill>
+                  <a:schemeClr val="accent2"/>
+                </a:solidFill>
+              </a:rPr>
+              <a:t>233499 x 232 </a:t>
+            </a:r>
+            <a:r>
+              <a:rPr lang="it-IT">
+                <a:solidFill>
+                  <a:schemeClr val="tx1"/>
+                </a:solidFill>
+              </a:rPr>
+              <a:t>(test set)</a:t>
+            </a:r>
+          </a:p>
+        </p:txBody>
+      </p:sp>
+    </p:spTree>
+    <p:extLst>
+      <p:ext uri="{BB962C8B-B14F-4D97-AF65-F5344CB8AC3E}">
+        <p14:creationId xmlns:p14="http://schemas.microsoft.com/office/powerpoint/2010/main" val="732993146"/>
+      </p:ext>
+    </p:extLst>
+  </p:cSld>
+  <p:clrMapOvr>
+    <a:masterClrMapping/>
+  </p:clrMapOvr>
+</p:sld>
+</file>
+
+<file path=ppt/slides/slide11.xml><?xml version="1.0" encoding="utf-8"?>
+<p:sld xmlns:a="http://schemas.openxmlformats.org/drawingml/2006/main" xmlns:r="http://schemas.openxmlformats.org/officeDocument/2006/relationships" xmlns:p="http://schemas.openxmlformats.org/presentationml/2006/main">
+  <p:cSld>
+    <p:spTree>
+      <p:nvGrpSpPr>
+        <p:cNvPr id="1" name=""/>
+        <p:cNvGrpSpPr/>
+        <p:nvPr/>
+      </p:nvGrpSpPr>
+      <p:grpSpPr>
+        <a:xfrm>
+          <a:off x="0" y="0"/>
+          <a:ext cx="0" cy="0"/>
+          <a:chOff x="0" y="0"/>
+          <a:chExt cx="0" cy="0"/>
+        </a:xfrm>
+      </p:grpSpPr>
+      <p:sp>
+        <p:nvSpPr>
+          <p:cNvPr id="2" name="Titolo 1">
+            <a:extLst>
+              <a:ext uri="{FF2B5EF4-FFF2-40B4-BE49-F238E27FC236}">
+                <a16:creationId xmlns:a16="http://schemas.microsoft.com/office/drawing/2014/main" id="{5FEF2863-AA48-4673-8804-50CEE9FC5429}"/>
+              </a:ext>
+            </a:extLst>
+          </p:cNvPr>
+          <p:cNvSpPr>
+            <a:spLocks noGrp="1"/>
+          </p:cNvSpPr>
+          <p:nvPr>
+            <p:ph type="title"/>
+          </p:nvPr>
+        </p:nvSpPr>
+        <p:spPr/>
+        <p:txBody>
+          <a:bodyPr>
+            <a:normAutofit/>
+          </a:bodyPr>
+          <a:lstStyle/>
+          <a:p>
+            <a:r>
+              <a:rPr lang="it-IT" sz="2800"/>
+              <a:t>		</a:t>
+            </a:r>
+            <a:r>
+              <a:rPr lang="it-IT" sz="2800">
+                <a:solidFill>
+                  <a:schemeClr val="bg1"/>
+                </a:solidFill>
+              </a:rPr>
+              <a:t>.2 - EXPERIMENTS</a:t>
+            </a:r>
+            <a:endParaRPr lang="it-IT" sz="2800"/>
+          </a:p>
+        </p:txBody>
+      </p:sp>
+      <p:grpSp>
+        <p:nvGrpSpPr>
+          <p:cNvPr id="5" name="Gruppo 4">
+            <a:extLst>
+              <a:ext uri="{FF2B5EF4-FFF2-40B4-BE49-F238E27FC236}">
+                <a16:creationId xmlns:a16="http://schemas.microsoft.com/office/drawing/2014/main" id="{45449129-22B1-47E8-9A97-8C7749F2B498}"/>
+              </a:ext>
+            </a:extLst>
+          </p:cNvPr>
+          <p:cNvGrpSpPr/>
+          <p:nvPr/>
+        </p:nvGrpSpPr>
+        <p:grpSpPr>
+          <a:xfrm rot="10800000">
+            <a:off x="673890" y="5014562"/>
+            <a:ext cx="719101" cy="1242237"/>
+            <a:chOff x="1" y="13513"/>
+            <a:chExt cx="602970" cy="861385"/>
+          </a:xfrm>
+        </p:grpSpPr>
+        <p:sp>
+          <p:nvSpPr>
+            <p:cNvPr id="6" name="Freccia a gallone 5">
+              <a:extLst>
+                <a:ext uri="{FF2B5EF4-FFF2-40B4-BE49-F238E27FC236}">
+                  <a16:creationId xmlns:a16="http://schemas.microsoft.com/office/drawing/2014/main" id="{3C6FC387-28C5-41DC-9C5D-0FD7A5B3D469}"/>
+                </a:ext>
+              </a:extLst>
+            </p:cNvPr>
+            <p:cNvSpPr/>
+            <p:nvPr/>
+          </p:nvSpPr>
+          <p:spPr>
+            <a:xfrm rot="5400000">
+              <a:off x="-129207" y="142721"/>
+              <a:ext cx="861385" cy="602970"/>
+            </a:xfrm>
+            <a:prstGeom prst="chevron">
+              <a:avLst/>
+            </a:prstGeom>
+            <a:solidFill>
+              <a:schemeClr val="bg1"/>
+            </a:solidFill>
+          </p:spPr>
+          <p:style>
+            <a:lnRef idx="2">
+              <a:schemeClr val="accent1">
+                <a:hueOff val="0"/>
+                <a:satOff val="0"/>
+                <a:lumOff val="0"/>
+                <a:alphaOff val="0"/>
+              </a:schemeClr>
+            </a:lnRef>
+            <a:fillRef idx="1">
+              <a:schemeClr val="accent1">
+                <a:hueOff val="0"/>
+                <a:satOff val="0"/>
+                <a:lumOff val="0"/>
+                <a:alphaOff val="0"/>
+              </a:schemeClr>
+            </a:fillRef>
+            <a:effectRef idx="0">
+              <a:schemeClr val="accent1">
+                <a:hueOff val="0"/>
+                <a:satOff val="0"/>
+                <a:lumOff val="0"/>
+                <a:alphaOff val="0"/>
+              </a:schemeClr>
+            </a:effectRef>
+            <a:fontRef idx="minor">
+              <a:schemeClr val="lt1"/>
+            </a:fontRef>
+          </p:style>
+        </p:sp>
+        <p:sp>
+          <p:nvSpPr>
+            <p:cNvPr id="7" name="Freccia a gallone 4">
+              <a:extLst>
+                <a:ext uri="{FF2B5EF4-FFF2-40B4-BE49-F238E27FC236}">
+                  <a16:creationId xmlns:a16="http://schemas.microsoft.com/office/drawing/2014/main" id="{302E2166-01EA-43E6-9411-5D0FE5811E65}"/>
+                </a:ext>
+              </a:extLst>
+            </p:cNvPr>
+            <p:cNvSpPr txBox="1"/>
+            <p:nvPr/>
+          </p:nvSpPr>
+          <p:spPr>
+            <a:xfrm rot="10800000">
+              <a:off x="1" y="334849"/>
+              <a:ext cx="602970" cy="258415"/>
+            </a:xfrm>
+            <a:prstGeom prst="rect">
+              <a:avLst/>
+            </a:prstGeom>
+          </p:spPr>
+          <p:style>
+            <a:lnRef idx="0">
+              <a:scrgbClr r="0" g="0" b="0"/>
+            </a:lnRef>
+            <a:fillRef idx="0">
+              <a:scrgbClr r="0" g="0" b="0"/>
+            </a:fillRef>
+            <a:effectRef idx="0">
+              <a:scrgbClr r="0" g="0" b="0"/>
+            </a:effectRef>
+            <a:fontRef idx="minor">
+              <a:schemeClr val="lt1"/>
+            </a:fontRef>
+          </p:style>
+          <p:txBody>
+            <a:bodyPr spcFirstLastPara="0" vert="horz" wrap="square" lIns="10795" tIns="10795" rIns="10795" bIns="10795" numCol="1" spcCol="1270" anchor="ctr" anchorCtr="0">
+              <a:noAutofit/>
+            </a:bodyPr>
+            <a:lstStyle/>
+            <a:p>
+              <a:pPr marL="0" lvl="0" indent="0" algn="ctr" defTabSz="755650">
+                <a:lnSpc>
+                  <a:spcPct val="90000"/>
+                </a:lnSpc>
+                <a:spcBef>
+                  <a:spcPct val="0"/>
+                </a:spcBef>
+                <a:spcAft>
+                  <a:spcPct val="35000"/>
+                </a:spcAft>
+                <a:buNone/>
+              </a:pPr>
+              <a:r>
+                <a:rPr lang="it-IT" sz="2800">
+                  <a:solidFill>
+                    <a:schemeClr val="accent1"/>
+                  </a:solidFill>
+                  <a:latin typeface="+mj-lt"/>
+                </a:rPr>
+                <a:t>4</a:t>
+              </a:r>
+              <a:endParaRPr lang="it-IT" sz="2800" kern="1200">
+                <a:solidFill>
+                  <a:schemeClr val="accent1"/>
+                </a:solidFill>
+                <a:latin typeface="+mj-lt"/>
+              </a:endParaRPr>
+            </a:p>
+          </p:txBody>
+        </p:sp>
+      </p:grpSp>
+      <p:graphicFrame>
+        <p:nvGraphicFramePr>
+          <p:cNvPr id="11" name="Diagramma 10">
+            <a:extLst>
+              <a:ext uri="{FF2B5EF4-FFF2-40B4-BE49-F238E27FC236}">
+                <a16:creationId xmlns:a16="http://schemas.microsoft.com/office/drawing/2014/main" id="{0C9126F0-F3BF-407A-BDF3-CDA9E984735D}"/>
+              </a:ext>
+            </a:extLst>
+          </p:cNvPr>
+          <p:cNvGraphicFramePr/>
+          <p:nvPr>
+            <p:extLst>
+              <p:ext uri="{D42A27DB-BD31-4B8C-83A1-F6EECF244321}">
+                <p14:modId xmlns:p14="http://schemas.microsoft.com/office/powerpoint/2010/main" val="833295382"/>
+              </p:ext>
+            </p:extLst>
+          </p:nvPr>
+        </p:nvGraphicFramePr>
+        <p:xfrm>
+          <a:off x="2020129" y="1174319"/>
+          <a:ext cx="4036290" cy="3219276"/>
+        </p:xfrm>
+        <a:graphic>
+          <a:graphicData uri="http://schemas.openxmlformats.org/drawingml/2006/diagram">
+            <dgm:relIds xmlns:dgm="http://schemas.openxmlformats.org/drawingml/2006/diagram" xmlns:r="http://schemas.openxmlformats.org/officeDocument/2006/relationships" r:dm="rId2" r:lo="rId3" r:qs="rId4" r:cs="rId5"/>
+          </a:graphicData>
+        </a:graphic>
+      </p:graphicFrame>
+      <p:cxnSp>
+        <p:nvCxnSpPr>
+          <p:cNvPr id="13" name="Connettore diritto 12">
+            <a:extLst>
+              <a:ext uri="{FF2B5EF4-FFF2-40B4-BE49-F238E27FC236}">
+                <a16:creationId xmlns:a16="http://schemas.microsoft.com/office/drawing/2014/main" id="{73B991F7-45D4-4BBC-B3C7-1C0CA1FBB140}"/>
+              </a:ext>
+            </a:extLst>
+          </p:cNvPr>
+          <p:cNvCxnSpPr/>
+          <p:nvPr/>
+        </p:nvCxnSpPr>
+        <p:spPr>
+          <a:xfrm>
+            <a:off x="5563591" y="1585361"/>
+            <a:ext cx="216000" cy="0"/>
+          </a:xfrm>
+          <a:prstGeom prst="line">
+            <a:avLst/>
+          </a:prstGeom>
+        </p:spPr>
+        <p:style>
+          <a:lnRef idx="2">
+            <a:schemeClr val="dk1"/>
+          </a:lnRef>
+          <a:fillRef idx="0">
+            <a:schemeClr val="dk1"/>
+          </a:fillRef>
+          <a:effectRef idx="1">
+            <a:schemeClr val="dk1"/>
+          </a:effectRef>
+          <a:fontRef idx="minor">
+            <a:schemeClr val="tx1"/>
+          </a:fontRef>
+        </p:style>
+      </p:cxnSp>
+      <p:cxnSp>
+        <p:nvCxnSpPr>
+          <p:cNvPr id="14" name="Connettore diritto 13">
+            <a:extLst>
+              <a:ext uri="{FF2B5EF4-FFF2-40B4-BE49-F238E27FC236}">
+                <a16:creationId xmlns:a16="http://schemas.microsoft.com/office/drawing/2014/main" id="{88DBD9F0-5173-411F-872E-F93F0442CFF6}"/>
+              </a:ext>
+            </a:extLst>
+          </p:cNvPr>
+          <p:cNvCxnSpPr/>
+          <p:nvPr/>
+        </p:nvCxnSpPr>
+        <p:spPr>
+          <a:xfrm>
+            <a:off x="5563591" y="2450281"/>
+            <a:ext cx="216000" cy="0"/>
+          </a:xfrm>
+          <a:prstGeom prst="line">
+            <a:avLst/>
+          </a:prstGeom>
+        </p:spPr>
+        <p:style>
+          <a:lnRef idx="2">
+            <a:schemeClr val="dk1"/>
+          </a:lnRef>
+          <a:fillRef idx="0">
+            <a:schemeClr val="dk1"/>
+          </a:fillRef>
+          <a:effectRef idx="1">
+            <a:schemeClr val="dk1"/>
+          </a:effectRef>
+          <a:fontRef idx="minor">
+            <a:schemeClr val="tx1"/>
+          </a:fontRef>
+        </p:style>
+      </p:cxnSp>
+      <p:cxnSp>
+        <p:nvCxnSpPr>
+          <p:cNvPr id="15" name="Connettore diritto 14">
+            <a:extLst>
+              <a:ext uri="{FF2B5EF4-FFF2-40B4-BE49-F238E27FC236}">
+                <a16:creationId xmlns:a16="http://schemas.microsoft.com/office/drawing/2014/main" id="{292A243B-54C4-4922-9956-628726AD2BB4}"/>
+              </a:ext>
+            </a:extLst>
+          </p:cNvPr>
+          <p:cNvCxnSpPr/>
+          <p:nvPr/>
+        </p:nvCxnSpPr>
+        <p:spPr>
+          <a:xfrm>
+            <a:off x="5574608" y="3198426"/>
+            <a:ext cx="216000" cy="0"/>
+          </a:xfrm>
+          <a:prstGeom prst="line">
+            <a:avLst/>
+          </a:prstGeom>
+        </p:spPr>
+        <p:style>
+          <a:lnRef idx="2">
+            <a:schemeClr val="dk1"/>
+          </a:lnRef>
+          <a:fillRef idx="0">
+            <a:schemeClr val="dk1"/>
+          </a:fillRef>
+          <a:effectRef idx="1">
+            <a:schemeClr val="dk1"/>
+          </a:effectRef>
+          <a:fontRef idx="minor">
+            <a:schemeClr val="tx1"/>
+          </a:fontRef>
+        </p:style>
+      </p:cxnSp>
+      <p:cxnSp>
+        <p:nvCxnSpPr>
+          <p:cNvPr id="16" name="Connettore diritto 15">
+            <a:extLst>
+              <a:ext uri="{FF2B5EF4-FFF2-40B4-BE49-F238E27FC236}">
+                <a16:creationId xmlns:a16="http://schemas.microsoft.com/office/drawing/2014/main" id="{A919961D-2441-4D7F-A7A3-722138308CEB}"/>
+              </a:ext>
+            </a:extLst>
+          </p:cNvPr>
+          <p:cNvCxnSpPr/>
+          <p:nvPr/>
+        </p:nvCxnSpPr>
+        <p:spPr>
+          <a:xfrm>
+            <a:off x="5574608" y="3988135"/>
+            <a:ext cx="216000" cy="0"/>
+          </a:xfrm>
+          <a:prstGeom prst="line">
+            <a:avLst/>
+          </a:prstGeom>
+        </p:spPr>
+        <p:style>
+          <a:lnRef idx="2">
+            <a:schemeClr val="dk1"/>
+          </a:lnRef>
+          <a:fillRef idx="0">
+            <a:schemeClr val="dk1"/>
+          </a:fillRef>
+          <a:effectRef idx="1">
+            <a:schemeClr val="dk1"/>
+          </a:effectRef>
+          <a:fontRef idx="minor">
+            <a:schemeClr val="tx1"/>
+          </a:fontRef>
+        </p:style>
+      </p:cxnSp>
+      <p:cxnSp>
+        <p:nvCxnSpPr>
+          <p:cNvPr id="18" name="Connettore diritto 17">
+            <a:extLst>
+              <a:ext uri="{FF2B5EF4-FFF2-40B4-BE49-F238E27FC236}">
+                <a16:creationId xmlns:a16="http://schemas.microsoft.com/office/drawing/2014/main" id="{35FE53AB-5951-4D8F-86C2-C3A84375A57A}"/>
+              </a:ext>
+            </a:extLst>
+          </p:cNvPr>
+          <p:cNvCxnSpPr>
+            <a:cxnSpLocks/>
+          </p:cNvCxnSpPr>
+          <p:nvPr/>
+        </p:nvCxnSpPr>
+        <p:spPr>
+          <a:xfrm>
+            <a:off x="5790608" y="1585361"/>
+            <a:ext cx="0" cy="2402774"/>
+          </a:xfrm>
+          <a:prstGeom prst="line">
+            <a:avLst/>
+          </a:prstGeom>
+        </p:spPr>
+        <p:style>
+          <a:lnRef idx="2">
+            <a:schemeClr val="dk1"/>
+          </a:lnRef>
+          <a:fillRef idx="0">
+            <a:schemeClr val="dk1"/>
+          </a:fillRef>
+          <a:effectRef idx="1">
+            <a:schemeClr val="dk1"/>
+          </a:effectRef>
+          <a:fontRef idx="minor">
+            <a:schemeClr val="tx1"/>
+          </a:fontRef>
+        </p:style>
+      </p:cxnSp>
+      <p:cxnSp>
+        <p:nvCxnSpPr>
+          <p:cNvPr id="21" name="Connettore diritto 20">
+            <a:extLst>
+              <a:ext uri="{FF2B5EF4-FFF2-40B4-BE49-F238E27FC236}">
+                <a16:creationId xmlns:a16="http://schemas.microsoft.com/office/drawing/2014/main" id="{36381DC8-B607-452E-BBC3-8674597481CD}"/>
+              </a:ext>
+            </a:extLst>
+          </p:cNvPr>
+          <p:cNvCxnSpPr>
+            <a:cxnSpLocks/>
+            <a:endCxn id="25" idx="1"/>
+          </p:cNvCxnSpPr>
+          <p:nvPr/>
+        </p:nvCxnSpPr>
+        <p:spPr>
+          <a:xfrm flipV="1">
+            <a:off x="5790608" y="2008914"/>
+            <a:ext cx="1118854" cy="2"/>
+          </a:xfrm>
+          <a:prstGeom prst="line">
+            <a:avLst/>
+          </a:prstGeom>
+        </p:spPr>
+        <p:style>
+          <a:lnRef idx="2">
+            <a:schemeClr val="dk1"/>
+          </a:lnRef>
+          <a:fillRef idx="0">
+            <a:schemeClr val="dk1"/>
+          </a:fillRef>
+          <a:effectRef idx="1">
+            <a:schemeClr val="dk1"/>
+          </a:effectRef>
+          <a:fontRef idx="minor">
+            <a:schemeClr val="tx1"/>
+          </a:fontRef>
+        </p:style>
+      </p:cxnSp>
+      <p:grpSp>
+        <p:nvGrpSpPr>
+          <p:cNvPr id="23" name="Gruppo 22">
+            <a:extLst>
+              <a:ext uri="{FF2B5EF4-FFF2-40B4-BE49-F238E27FC236}">
+                <a16:creationId xmlns:a16="http://schemas.microsoft.com/office/drawing/2014/main" id="{7C123794-F8B0-49DD-8C1F-FD8502F1ED63}"/>
+              </a:ext>
+            </a:extLst>
+          </p:cNvPr>
+          <p:cNvGrpSpPr/>
+          <p:nvPr/>
+        </p:nvGrpSpPr>
+        <p:grpSpPr>
+          <a:xfrm rot="5400000">
+            <a:off x="8015058" y="597487"/>
+            <a:ext cx="611663" cy="2822855"/>
+            <a:chOff x="508562" y="198210"/>
+            <a:chExt cx="611663" cy="2822855"/>
+          </a:xfrm>
+          <a:solidFill>
+            <a:schemeClr val="accent2"/>
+          </a:solidFill>
+        </p:grpSpPr>
+        <p:sp>
+          <p:nvSpPr>
+            <p:cNvPr id="24" name="Rettangolo 23">
+              <a:extLst>
+                <a:ext uri="{FF2B5EF4-FFF2-40B4-BE49-F238E27FC236}">
+                  <a16:creationId xmlns:a16="http://schemas.microsoft.com/office/drawing/2014/main" id="{B0EA5EE6-E34D-4F1D-9C1D-ED8186B53957}"/>
+                </a:ext>
+              </a:extLst>
+            </p:cNvPr>
+            <p:cNvSpPr/>
+            <p:nvPr/>
+          </p:nvSpPr>
+          <p:spPr>
+            <a:xfrm rot="16200000">
+              <a:off x="-597033" y="1303806"/>
+              <a:ext cx="2822854" cy="611662"/>
+            </a:xfrm>
+            <a:prstGeom prst="rect">
+              <a:avLst/>
+            </a:prstGeom>
+            <a:grpFill/>
+          </p:spPr>
+          <p:style>
+            <a:lnRef idx="2">
+              <a:schemeClr val="lt1">
+                <a:hueOff val="0"/>
+                <a:satOff val="0"/>
+                <a:lumOff val="0"/>
+                <a:alphaOff val="0"/>
+              </a:schemeClr>
+            </a:lnRef>
+            <a:fillRef idx="1">
+              <a:schemeClr val="accent1">
+                <a:hueOff val="0"/>
+                <a:satOff val="0"/>
+                <a:lumOff val="0"/>
+                <a:alphaOff val="0"/>
+              </a:schemeClr>
+            </a:fillRef>
+            <a:effectRef idx="0">
+              <a:schemeClr val="accent1">
+                <a:hueOff val="0"/>
+                <a:satOff val="0"/>
+                <a:lumOff val="0"/>
+                <a:alphaOff val="0"/>
+              </a:schemeClr>
+            </a:effectRef>
+            <a:fontRef idx="minor">
+              <a:schemeClr val="lt1"/>
+            </a:fontRef>
+          </p:style>
+        </p:sp>
+        <p:sp>
+          <p:nvSpPr>
+            <p:cNvPr id="25" name="CasellaDiTesto 24">
+              <a:extLst>
+                <a:ext uri="{FF2B5EF4-FFF2-40B4-BE49-F238E27FC236}">
+                  <a16:creationId xmlns:a16="http://schemas.microsoft.com/office/drawing/2014/main" id="{109DAD87-E204-40FC-90C3-163338F9F38F}"/>
+                </a:ext>
+              </a:extLst>
+            </p:cNvPr>
+            <p:cNvSpPr txBox="1"/>
+            <p:nvPr/>
+          </p:nvSpPr>
+          <p:spPr>
+            <a:xfrm rot="16200000">
+              <a:off x="-597034" y="1303807"/>
+              <a:ext cx="2822854" cy="611662"/>
+            </a:xfrm>
+            <a:prstGeom prst="rect">
+              <a:avLst/>
+            </a:prstGeom>
+            <a:grpFill/>
+          </p:spPr>
+          <p:style>
+            <a:lnRef idx="0">
+              <a:scrgbClr r="0" g="0" b="0"/>
+            </a:lnRef>
+            <a:fillRef idx="0">
+              <a:scrgbClr r="0" g="0" b="0"/>
+            </a:fillRef>
+            <a:effectRef idx="0">
+              <a:scrgbClr r="0" g="0" b="0"/>
+            </a:effectRef>
+            <a:fontRef idx="minor">
+              <a:schemeClr val="lt1"/>
+            </a:fontRef>
+          </p:style>
+          <p:txBody>
+            <a:bodyPr spcFirstLastPara="0" vert="horz" wrap="square" lIns="15240" tIns="15240" rIns="15240" bIns="15240" numCol="1" spcCol="1270" anchor="ctr" anchorCtr="0">
+              <a:noAutofit/>
+            </a:bodyPr>
+            <a:lstStyle/>
+            <a:p>
+              <a:pPr marL="0" lvl="0" indent="0" algn="ctr" defTabSz="1066800">
+                <a:lnSpc>
+                  <a:spcPct val="90000"/>
+                </a:lnSpc>
+                <a:spcBef>
+                  <a:spcPct val="0"/>
+                </a:spcBef>
+                <a:spcAft>
+                  <a:spcPct val="35000"/>
+                </a:spcAft>
+                <a:buNone/>
+              </a:pPr>
+              <a:r>
+                <a:rPr lang="it-IT" sz="2400" kern="1200"/>
+                <a:t>Decision Tree</a:t>
+              </a:r>
+            </a:p>
+          </p:txBody>
+        </p:sp>
+      </p:grpSp>
+      <p:grpSp>
+        <p:nvGrpSpPr>
+          <p:cNvPr id="26" name="Gruppo 25">
+            <a:extLst>
+              <a:ext uri="{FF2B5EF4-FFF2-40B4-BE49-F238E27FC236}">
+                <a16:creationId xmlns:a16="http://schemas.microsoft.com/office/drawing/2014/main" id="{F5D781A6-7FAA-4060-9C56-1D4EEF8FBFC2}"/>
+              </a:ext>
+            </a:extLst>
+          </p:cNvPr>
+          <p:cNvGrpSpPr/>
+          <p:nvPr/>
+        </p:nvGrpSpPr>
+        <p:grpSpPr>
+          <a:xfrm rot="5400000">
+            <a:off x="8015058" y="1717941"/>
+            <a:ext cx="611662" cy="2822854"/>
+            <a:chOff x="508563" y="198210"/>
+            <a:chExt cx="611662" cy="2822854"/>
+          </a:xfrm>
+          <a:solidFill>
+            <a:schemeClr val="accent2"/>
+          </a:solidFill>
+        </p:grpSpPr>
+        <p:sp>
+          <p:nvSpPr>
+            <p:cNvPr id="27" name="Rettangolo 26">
+              <a:extLst>
+                <a:ext uri="{FF2B5EF4-FFF2-40B4-BE49-F238E27FC236}">
+                  <a16:creationId xmlns:a16="http://schemas.microsoft.com/office/drawing/2014/main" id="{D6D38EBA-870B-4653-ADA7-458326B0CDCA}"/>
+                </a:ext>
+              </a:extLst>
+            </p:cNvPr>
+            <p:cNvSpPr/>
+            <p:nvPr/>
+          </p:nvSpPr>
+          <p:spPr>
+            <a:xfrm rot="16200000">
+              <a:off x="-597033" y="1303806"/>
+              <a:ext cx="2822854" cy="611662"/>
+            </a:xfrm>
+            <a:prstGeom prst="rect">
+              <a:avLst/>
+            </a:prstGeom>
+            <a:grpFill/>
+          </p:spPr>
+          <p:style>
+            <a:lnRef idx="2">
+              <a:schemeClr val="lt1">
+                <a:hueOff val="0"/>
+                <a:satOff val="0"/>
+                <a:lumOff val="0"/>
+                <a:alphaOff val="0"/>
+              </a:schemeClr>
+            </a:lnRef>
+            <a:fillRef idx="1">
+              <a:schemeClr val="accent1">
+                <a:hueOff val="0"/>
+                <a:satOff val="0"/>
+                <a:lumOff val="0"/>
+                <a:alphaOff val="0"/>
+              </a:schemeClr>
+            </a:fillRef>
+            <a:effectRef idx="0">
+              <a:schemeClr val="accent1">
+                <a:hueOff val="0"/>
+                <a:satOff val="0"/>
+                <a:lumOff val="0"/>
+                <a:alphaOff val="0"/>
+              </a:schemeClr>
+            </a:effectRef>
+            <a:fontRef idx="minor">
+              <a:schemeClr val="lt1"/>
+            </a:fontRef>
+          </p:style>
+        </p:sp>
+        <p:sp>
+          <p:nvSpPr>
+            <p:cNvPr id="28" name="CasellaDiTesto 27">
+              <a:extLst>
+                <a:ext uri="{FF2B5EF4-FFF2-40B4-BE49-F238E27FC236}">
+                  <a16:creationId xmlns:a16="http://schemas.microsoft.com/office/drawing/2014/main" id="{CB7AF00B-ECF1-4BCD-B32A-34B4D33CD80A}"/>
+                </a:ext>
+              </a:extLst>
+            </p:cNvPr>
+            <p:cNvSpPr txBox="1"/>
+            <p:nvPr/>
+          </p:nvSpPr>
+          <p:spPr>
+            <a:xfrm rot="16200000">
+              <a:off x="-597033" y="1303806"/>
+              <a:ext cx="2822854" cy="611662"/>
+            </a:xfrm>
+            <a:prstGeom prst="rect">
+              <a:avLst/>
+            </a:prstGeom>
+            <a:grpFill/>
+          </p:spPr>
+          <p:style>
+            <a:lnRef idx="0">
+              <a:scrgbClr r="0" g="0" b="0"/>
+            </a:lnRef>
+            <a:fillRef idx="0">
+              <a:scrgbClr r="0" g="0" b="0"/>
+            </a:fillRef>
+            <a:effectRef idx="0">
+              <a:scrgbClr r="0" g="0" b="0"/>
+            </a:effectRef>
+            <a:fontRef idx="minor">
+              <a:schemeClr val="lt1"/>
+            </a:fontRef>
+          </p:style>
+          <p:txBody>
+            <a:bodyPr spcFirstLastPara="0" vert="horz" wrap="square" lIns="15240" tIns="15240" rIns="15240" bIns="15240" numCol="1" spcCol="1270" anchor="ctr" anchorCtr="0">
+              <a:noAutofit/>
+            </a:bodyPr>
+            <a:lstStyle/>
+            <a:p>
+              <a:pPr marL="0" lvl="0" indent="0" algn="ctr" defTabSz="1066800">
+                <a:lnSpc>
+                  <a:spcPct val="90000"/>
+                </a:lnSpc>
+                <a:spcBef>
+                  <a:spcPct val="0"/>
+                </a:spcBef>
+                <a:spcAft>
+                  <a:spcPct val="35000"/>
+                </a:spcAft>
+                <a:buNone/>
+              </a:pPr>
+              <a:r>
+                <a:rPr lang="it-IT" sz="2400" kern="1200"/>
+                <a:t>Random Forest</a:t>
+              </a:r>
+            </a:p>
+          </p:txBody>
+        </p:sp>
+      </p:grpSp>
+      <p:cxnSp>
+        <p:nvCxnSpPr>
+          <p:cNvPr id="31" name="Connettore a gomito 30">
+            <a:extLst>
+              <a:ext uri="{FF2B5EF4-FFF2-40B4-BE49-F238E27FC236}">
+                <a16:creationId xmlns:a16="http://schemas.microsoft.com/office/drawing/2014/main" id="{7132C734-4DC7-43C5-BD2D-2F0EED642332}"/>
+              </a:ext>
+            </a:extLst>
+          </p:cNvPr>
+          <p:cNvCxnSpPr>
+            <a:endCxn id="27" idx="1"/>
+          </p:cNvCxnSpPr>
+          <p:nvPr/>
+        </p:nvCxnSpPr>
+        <p:spPr>
+          <a:xfrm rot="16200000" flipH="1">
+            <a:off x="6069521" y="2289427"/>
+            <a:ext cx="1120454" cy="559427"/>
+          </a:xfrm>
+          <a:prstGeom prst="bentConnector2">
+            <a:avLst/>
+          </a:prstGeom>
+        </p:spPr>
+        <p:style>
+          <a:lnRef idx="2">
+            <a:schemeClr val="dk1"/>
+          </a:lnRef>
+          <a:fillRef idx="0">
+            <a:schemeClr val="dk1"/>
+          </a:fillRef>
+          <a:effectRef idx="1">
+            <a:schemeClr val="dk1"/>
+          </a:effectRef>
+          <a:fontRef idx="minor">
+            <a:schemeClr val="tx1"/>
+          </a:fontRef>
+        </p:style>
+      </p:cxnSp>
+    </p:spTree>
+    <p:extLst>
+      <p:ext uri="{BB962C8B-B14F-4D97-AF65-F5344CB8AC3E}">
+        <p14:creationId xmlns:p14="http://schemas.microsoft.com/office/powerpoint/2010/main" val="1895510795"/>
+      </p:ext>
+    </p:extLst>
+  </p:cSld>
+  <p:clrMapOvr>
+    <a:masterClrMapping/>
+  </p:clrMapOvr>
+</p:sld>
+</file>
+
+<file path=ppt/slides/slide12.xml><?xml version="1.0" encoding="utf-8"?>
+<p:sld xmlns:a="http://schemas.openxmlformats.org/drawingml/2006/main" xmlns:r="http://schemas.openxmlformats.org/officeDocument/2006/relationships" xmlns:p="http://schemas.openxmlformats.org/presentationml/2006/main">
+  <p:cSld>
+    <p:spTree>
+      <p:nvGrpSpPr>
+        <p:cNvPr id="1" name=""/>
+        <p:cNvGrpSpPr/>
+        <p:nvPr/>
+      </p:nvGrpSpPr>
+      <p:grpSpPr>
+        <a:xfrm>
+          <a:off x="0" y="0"/>
+          <a:ext cx="0" cy="0"/>
+          <a:chOff x="0" y="0"/>
+          <a:chExt cx="0" cy="0"/>
+        </a:xfrm>
+      </p:grpSpPr>
+      <p:sp>
+        <p:nvSpPr>
+          <p:cNvPr id="2" name="Titolo 1">
+            <a:extLst>
+              <a:ext uri="{FF2B5EF4-FFF2-40B4-BE49-F238E27FC236}">
+                <a16:creationId xmlns:a16="http://schemas.microsoft.com/office/drawing/2014/main" id="{E792274F-2C6D-42A4-8D80-721288892FBE}"/>
+              </a:ext>
+            </a:extLst>
+          </p:cNvPr>
+          <p:cNvSpPr>
+            <a:spLocks noGrp="1"/>
+          </p:cNvSpPr>
+          <p:nvPr>
+            <p:ph type="title"/>
+          </p:nvPr>
+        </p:nvSpPr>
+        <p:spPr/>
+        <p:txBody>
+          <a:bodyPr/>
+          <a:lstStyle/>
+          <a:p>
+            <a:r>
+              <a:rPr lang="it-IT"/>
+              <a:t>		EXPERIMENTAL RESULTS</a:t>
+            </a:r>
+          </a:p>
+        </p:txBody>
+      </p:sp>
+      <p:grpSp>
+        <p:nvGrpSpPr>
+          <p:cNvPr id="3" name="Gruppo 2">
+            <a:extLst>
+              <a:ext uri="{FF2B5EF4-FFF2-40B4-BE49-F238E27FC236}">
+                <a16:creationId xmlns:a16="http://schemas.microsoft.com/office/drawing/2014/main" id="{AFE51A2F-C543-4376-96E1-9399FABF37CE}"/>
+              </a:ext>
+            </a:extLst>
+          </p:cNvPr>
+          <p:cNvGrpSpPr/>
+          <p:nvPr/>
+        </p:nvGrpSpPr>
+        <p:grpSpPr>
+          <a:xfrm>
+            <a:off x="694062" y="866145"/>
+            <a:ext cx="719101" cy="1013800"/>
+            <a:chOff x="1" y="13513"/>
+            <a:chExt cx="602970" cy="861385"/>
+          </a:xfrm>
+        </p:grpSpPr>
+        <p:sp>
+          <p:nvSpPr>
+            <p:cNvPr id="4" name="Freccia a gallone 3">
+              <a:extLst>
+                <a:ext uri="{FF2B5EF4-FFF2-40B4-BE49-F238E27FC236}">
+                  <a16:creationId xmlns:a16="http://schemas.microsoft.com/office/drawing/2014/main" id="{FBDCB5C1-82C5-4CF2-B6D8-655A84F9C352}"/>
+                </a:ext>
+              </a:extLst>
+            </p:cNvPr>
+            <p:cNvSpPr/>
+            <p:nvPr/>
+          </p:nvSpPr>
+          <p:spPr>
+            <a:xfrm rot="5400000">
+              <a:off x="-129207" y="142721"/>
+              <a:ext cx="861385" cy="602970"/>
+            </a:xfrm>
+            <a:prstGeom prst="chevron">
+              <a:avLst/>
+            </a:prstGeom>
+            <a:solidFill>
+              <a:schemeClr val="bg1"/>
+            </a:solidFill>
+          </p:spPr>
+          <p:style>
+            <a:lnRef idx="2">
+              <a:schemeClr val="accent1">
+                <a:hueOff val="0"/>
+                <a:satOff val="0"/>
+                <a:lumOff val="0"/>
+                <a:alphaOff val="0"/>
+              </a:schemeClr>
+            </a:lnRef>
+            <a:fillRef idx="1">
+              <a:schemeClr val="accent1">
+                <a:hueOff val="0"/>
+                <a:satOff val="0"/>
+                <a:lumOff val="0"/>
+                <a:alphaOff val="0"/>
+              </a:schemeClr>
+            </a:fillRef>
+            <a:effectRef idx="0">
+              <a:schemeClr val="accent1">
+                <a:hueOff val="0"/>
+                <a:satOff val="0"/>
+                <a:lumOff val="0"/>
+                <a:alphaOff val="0"/>
+              </a:schemeClr>
+            </a:effectRef>
+            <a:fontRef idx="minor">
+              <a:schemeClr val="lt1"/>
+            </a:fontRef>
+          </p:style>
+        </p:sp>
+        <p:sp>
+          <p:nvSpPr>
+            <p:cNvPr id="5" name="Freccia a gallone 4">
+              <a:extLst>
+                <a:ext uri="{FF2B5EF4-FFF2-40B4-BE49-F238E27FC236}">
+                  <a16:creationId xmlns:a16="http://schemas.microsoft.com/office/drawing/2014/main" id="{326F6C87-E915-4BA4-8FED-405C80921F87}"/>
+                </a:ext>
+              </a:extLst>
+            </p:cNvPr>
+            <p:cNvSpPr txBox="1"/>
+            <p:nvPr/>
+          </p:nvSpPr>
+          <p:spPr>
+            <a:xfrm>
+              <a:off x="1" y="401002"/>
+              <a:ext cx="602970" cy="258415"/>
+            </a:xfrm>
+            <a:prstGeom prst="rect">
+              <a:avLst/>
+            </a:prstGeom>
+          </p:spPr>
+          <p:style>
+            <a:lnRef idx="0">
+              <a:scrgbClr r="0" g="0" b="0"/>
+            </a:lnRef>
+            <a:fillRef idx="0">
+              <a:scrgbClr r="0" g="0" b="0"/>
+            </a:fillRef>
+            <a:effectRef idx="0">
+              <a:scrgbClr r="0" g="0" b="0"/>
+            </a:effectRef>
+            <a:fontRef idx="minor">
+              <a:schemeClr val="lt1"/>
+            </a:fontRef>
+          </p:style>
+          <p:txBody>
+            <a:bodyPr spcFirstLastPara="0" vert="horz" wrap="square" lIns="10795" tIns="10795" rIns="10795" bIns="10795" numCol="1" spcCol="1270" anchor="ctr" anchorCtr="0">
+              <a:noAutofit/>
+            </a:bodyPr>
+            <a:lstStyle/>
+            <a:p>
+              <a:pPr marL="0" lvl="0" indent="0" algn="ctr" defTabSz="755650">
+                <a:lnSpc>
+                  <a:spcPct val="90000"/>
+                </a:lnSpc>
+                <a:spcBef>
+                  <a:spcPct val="0"/>
+                </a:spcBef>
+                <a:spcAft>
+                  <a:spcPct val="35000"/>
+                </a:spcAft>
+                <a:buNone/>
+              </a:pPr>
+              <a:r>
+                <a:rPr lang="it-IT" sz="2800" kern="1200">
+                  <a:solidFill>
+                    <a:schemeClr val="accent1"/>
+                  </a:solidFill>
+                  <a:latin typeface="+mj-lt"/>
+                </a:rPr>
+                <a:t>5</a:t>
+              </a:r>
+            </a:p>
+          </p:txBody>
+        </p:sp>
+      </p:grpSp>
+      <p:graphicFrame>
+        <p:nvGraphicFramePr>
+          <p:cNvPr id="10" name="Tabella 10">
+            <a:extLst>
+              <a:ext uri="{FF2B5EF4-FFF2-40B4-BE49-F238E27FC236}">
+                <a16:creationId xmlns:a16="http://schemas.microsoft.com/office/drawing/2014/main" id="{2D7D1767-576B-49B5-BB93-922257762A05}"/>
+              </a:ext>
+            </a:extLst>
+          </p:cNvPr>
+          <p:cNvGraphicFramePr>
+            <a:graphicFrameLocks noGrp="1"/>
+          </p:cNvGraphicFramePr>
+          <p:nvPr>
+            <p:extLst>
+              <p:ext uri="{D42A27DB-BD31-4B8C-83A1-F6EECF244321}">
+                <p14:modId xmlns:p14="http://schemas.microsoft.com/office/powerpoint/2010/main" val="2010085065"/>
+              </p:ext>
+            </p:extLst>
+          </p:nvPr>
+        </p:nvGraphicFramePr>
+        <p:xfrm>
+          <a:off x="815060" y="3422523"/>
+          <a:ext cx="10551283" cy="1844040"/>
+        </p:xfrm>
+        <a:graphic>
+          <a:graphicData uri="http://schemas.openxmlformats.org/drawingml/2006/table">
+            <a:tbl>
+              <a:tblPr firstRow="1" bandRow="1">
+                <a:tableStyleId>{3B4B98B0-60AC-42C2-AFA5-B58CD77FA1E5}</a:tableStyleId>
+              </a:tblPr>
+              <a:tblGrid>
+                <a:gridCol w="1957828">
+                  <a:extLst>
+                    <a:ext uri="{9D8B030D-6E8A-4147-A177-3AD203B41FA5}">
+                      <a16:colId xmlns:a16="http://schemas.microsoft.com/office/drawing/2014/main" val="396372187"/>
+                    </a:ext>
+                  </a:extLst>
+                </a:gridCol>
+                <a:gridCol w="1306286">
+                  <a:extLst>
+                    <a:ext uri="{9D8B030D-6E8A-4147-A177-3AD203B41FA5}">
+                      <a16:colId xmlns:a16="http://schemas.microsoft.com/office/drawing/2014/main" val="1229565216"/>
+                    </a:ext>
+                  </a:extLst>
+                </a:gridCol>
+                <a:gridCol w="1240971">
+                  <a:extLst>
+                    <a:ext uri="{9D8B030D-6E8A-4147-A177-3AD203B41FA5}">
+                      <a16:colId xmlns:a16="http://schemas.microsoft.com/office/drawing/2014/main" val="3000570086"/>
+                    </a:ext>
+                  </a:extLst>
+                </a:gridCol>
+                <a:gridCol w="1561606">
+                  <a:extLst>
+                    <a:ext uri="{9D8B030D-6E8A-4147-A177-3AD203B41FA5}">
+                      <a16:colId xmlns:a16="http://schemas.microsoft.com/office/drawing/2014/main" val="2527479792"/>
+                    </a:ext>
+                  </a:extLst>
+                </a:gridCol>
+                <a:gridCol w="1711707">
+                  <a:extLst>
+                    <a:ext uri="{9D8B030D-6E8A-4147-A177-3AD203B41FA5}">
+                      <a16:colId xmlns:a16="http://schemas.microsoft.com/office/drawing/2014/main" val="1832342877"/>
+                    </a:ext>
+                  </a:extLst>
+                </a:gridCol>
+                <a:gridCol w="1442852">
+                  <a:extLst>
+                    <a:ext uri="{9D8B030D-6E8A-4147-A177-3AD203B41FA5}">
+                      <a16:colId xmlns:a16="http://schemas.microsoft.com/office/drawing/2014/main" val="455619855"/>
+                    </a:ext>
+                  </a:extLst>
+                </a:gridCol>
+                <a:gridCol w="1330033">
+                  <a:extLst>
+                    <a:ext uri="{9D8B030D-6E8A-4147-A177-3AD203B41FA5}">
+                      <a16:colId xmlns:a16="http://schemas.microsoft.com/office/drawing/2014/main" val="842104205"/>
+                    </a:ext>
+                  </a:extLst>
+                </a:gridCol>
+              </a:tblGrid>
+              <a:tr h="357766">
+                <a:tc>
+                  <a:txBody>
+                    <a:bodyPr/>
+                    <a:lstStyle/>
+                    <a:p>
+                      <a:endParaRPr lang="it-IT">
+                        <a:solidFill>
+                          <a:schemeClr val="accent2"/>
+                        </a:solidFill>
+                      </a:endParaRPr>
+                    </a:p>
+                  </a:txBody>
+                  <a:tcPr>
+                    <a:solidFill>
+                      <a:schemeClr val="accent1"/>
+                    </a:solidFill>
+                  </a:tcPr>
+                </a:tc>
+                <a:tc gridSpan="2">
+                  <a:txBody>
+                    <a:bodyPr/>
+                    <a:lstStyle/>
+                    <a:p>
+                      <a:pPr algn="ctr"/>
+                      <a:r>
+                        <a:rPr lang="it-IT"/>
+                        <a:t>Numerical</a:t>
+                      </a:r>
+                    </a:p>
+                  </a:txBody>
+                  <a:tcPr/>
+                </a:tc>
+                <a:tc hMerge="1">
+                  <a:txBody>
+                    <a:bodyPr/>
+                    <a:lstStyle/>
+                    <a:p>
+                      <a:endParaRPr lang="it-IT"/>
+                    </a:p>
+                  </a:txBody>
+                  <a:tcPr/>
+                </a:tc>
+                <a:tc>
+                  <a:txBody>
+                    <a:bodyPr/>
+                    <a:lstStyle/>
+                    <a:p>
+                      <a:pPr algn="ctr"/>
+                      <a:r>
+                        <a:rPr lang="it-IT"/>
+                        <a:t>All Features</a:t>
+                      </a:r>
+                    </a:p>
+                  </a:txBody>
+                  <a:tcPr/>
+                </a:tc>
+                <a:tc>
+                  <a:txBody>
+                    <a:bodyPr/>
+                    <a:lstStyle/>
+                    <a:p>
+                      <a:pPr algn="ctr"/>
+                      <a:r>
+                        <a:rPr lang="it-IT"/>
+                        <a:t>Categorical</a:t>
+                      </a:r>
+                    </a:p>
+                  </a:txBody>
+                  <a:tcPr/>
+                </a:tc>
+                <a:tc gridSpan="2">
+                  <a:txBody>
+                    <a:bodyPr/>
+                    <a:lstStyle/>
+                    <a:p>
+                      <a:pPr algn="ctr"/>
+                      <a:r>
+                        <a:rPr lang="it-IT"/>
+                        <a:t>Mix</a:t>
+                      </a:r>
+                    </a:p>
+                  </a:txBody>
+                  <a:tcPr/>
+                </a:tc>
+                <a:tc hMerge="1">
+                  <a:txBody>
+                    <a:bodyPr/>
+                    <a:lstStyle/>
+                    <a:p>
+                      <a:pPr algn="ctr"/>
+                      <a:endParaRPr lang="it-IT"/>
+                    </a:p>
+                  </a:txBody>
+                  <a:tcPr/>
+                </a:tc>
+                <a:extLst>
+                  <a:ext uri="{0D108BD9-81ED-4DB2-BD59-A6C34878D82A}">
+                    <a16:rowId xmlns:a16="http://schemas.microsoft.com/office/drawing/2014/main" val="464026787"/>
+                  </a:ext>
+                </a:extLst>
+              </a:tr>
+              <a:tr h="359229">
+                <a:tc>
+                  <a:txBody>
+                    <a:bodyPr/>
+                    <a:lstStyle/>
+                    <a:p>
+                      <a:endParaRPr lang="it-IT">
+                        <a:solidFill>
+                          <a:schemeClr val="accent2"/>
+                        </a:solidFill>
+                      </a:endParaRPr>
+                    </a:p>
+                  </a:txBody>
+                  <a:tcPr>
+                    <a:lnB w="12700" cap="flat" cmpd="sng" algn="ctr">
+                      <a:solidFill>
+                        <a:schemeClr val="tx1"/>
+                      </a:solidFill>
+                      <a:prstDash val="solid"/>
+                      <a:round/>
+                      <a:headEnd type="none" w="med" len="med"/>
+                      <a:tailEnd type="none" w="med" len="med"/>
+                    </a:lnB>
+                    <a:solidFill>
+                      <a:schemeClr val="accent1"/>
+                    </a:solidFill>
+                  </a:tcPr>
+                </a:tc>
+                <a:tc>
+                  <a:txBody>
+                    <a:bodyPr/>
+                    <a:lstStyle/>
+                    <a:p>
+                      <a:pPr algn="ctr">
+                        <a:lnSpc>
+                          <a:spcPct val="150000"/>
+                        </a:lnSpc>
+                      </a:pPr>
+                      <a:r>
+                        <a:rPr lang="it-IT" sz="1100" u="sng">
+                          <a:latin typeface="Bahnschrift SemiBold SemiConden" panose="020B0502040204020203" pitchFamily="34" charset="0"/>
+                        </a:rPr>
+                        <a:t>with standardization</a:t>
+                      </a:r>
+                    </a:p>
+                  </a:txBody>
+                  <a:tcPr>
+                    <a:lnR w="12700" cap="flat" cmpd="sng" algn="ctr">
+                      <a:solidFill>
+                        <a:schemeClr val="tx1"/>
+                      </a:solidFill>
+                      <a:prstDash val="solid"/>
+                      <a:round/>
+                      <a:headEnd type="none" w="med" len="med"/>
+                      <a:tailEnd type="none" w="med" len="med"/>
+                    </a:lnR>
+                    <a:lnB w="12700" cap="flat" cmpd="sng" algn="ctr">
+                      <a:solidFill>
+                        <a:schemeClr val="tx1"/>
+                      </a:solidFill>
+                      <a:prstDash val="solid"/>
+                      <a:round/>
+                      <a:headEnd type="none" w="med" len="med"/>
+                      <a:tailEnd type="none" w="med" len="med"/>
+                    </a:lnB>
+                  </a:tcPr>
+                </a:tc>
+                <a:tc>
+                  <a:txBody>
+                    <a:bodyPr/>
+                    <a:lstStyle/>
+                    <a:p>
+                      <a:pPr>
+                        <a:lnSpc>
+                          <a:spcPct val="150000"/>
+                        </a:lnSpc>
+                      </a:pPr>
+                      <a:r>
+                        <a:rPr lang="it-IT" sz="1100" u="sng">
+                          <a:latin typeface="Bahnschrift SemiBold SemiConden" panose="020B0502040204020203" pitchFamily="34" charset="0"/>
+                        </a:rPr>
+                        <a:t>w/out standardize</a:t>
+                      </a:r>
+                    </a:p>
+                  </a:txBody>
+                  <a:tcPr>
+                    <a:lnL w="12700" cap="flat" cmpd="sng" algn="ctr">
+                      <a:solidFill>
+                        <a:schemeClr val="tx1"/>
+                      </a:solidFill>
+                      <a:prstDash val="solid"/>
+                      <a:round/>
+                      <a:headEnd type="none" w="med" len="med"/>
+                      <a:tailEnd type="none" w="med" len="med"/>
+                    </a:lnL>
+                    <a:lnB w="12700" cap="flat" cmpd="sng" algn="ctr">
+                      <a:solidFill>
+                        <a:schemeClr val="tx1"/>
+                      </a:solidFill>
+                      <a:prstDash val="solid"/>
+                      <a:round/>
+                      <a:headEnd type="none" w="med" len="med"/>
+                      <a:tailEnd type="none" w="med" len="med"/>
+                    </a:lnB>
+                  </a:tcPr>
+                </a:tc>
+                <a:tc>
+                  <a:txBody>
+                    <a:bodyPr/>
+                    <a:lstStyle/>
+                    <a:p>
+                      <a:endParaRPr lang="it-IT"/>
+                    </a:p>
+                  </a:txBody>
+                  <a:tcPr>
+                    <a:lnB w="12700" cap="flat" cmpd="sng" algn="ctr">
+                      <a:solidFill>
+                        <a:schemeClr val="tx1"/>
+                      </a:solidFill>
+                      <a:prstDash val="solid"/>
+                      <a:round/>
+                      <a:headEnd type="none" w="med" len="med"/>
+                      <a:tailEnd type="none" w="med" len="med"/>
+                    </a:lnB>
+                    <a:solidFill>
+                      <a:schemeClr val="bg1"/>
+                    </a:solidFill>
+                  </a:tcPr>
+                </a:tc>
+                <a:tc>
+                  <a:txBody>
+                    <a:bodyPr/>
+                    <a:lstStyle/>
+                    <a:p>
+                      <a:endParaRPr lang="it-IT"/>
+                    </a:p>
+                  </a:txBody>
+                  <a:tcPr>
+                    <a:lnB w="12700" cap="flat" cmpd="sng" algn="ctr">
+                      <a:solidFill>
+                        <a:schemeClr val="tx1"/>
+                      </a:solidFill>
+                      <a:prstDash val="solid"/>
+                      <a:round/>
+                      <a:headEnd type="none" w="med" len="med"/>
+                      <a:tailEnd type="none" w="med" len="med"/>
+                    </a:lnB>
+                    <a:solidFill>
+                      <a:schemeClr val="bg1">
+                        <a:alpha val="20000"/>
+                      </a:schemeClr>
+                    </a:solidFill>
+                  </a:tcPr>
+                </a:tc>
+                <a:tc>
+                  <a:txBody>
+                    <a:bodyPr/>
+                    <a:lstStyle/>
+                    <a:p>
+                      <a:pPr algn="ctr">
+                        <a:lnSpc>
+                          <a:spcPct val="150000"/>
+                        </a:lnSpc>
+                      </a:pPr>
+                      <a:r>
+                        <a:rPr lang="it-IT" sz="1100" u="sng">
+                          <a:latin typeface="Bahnschrift SemiBold SemiConden" panose="020B0502040204020203" pitchFamily="34" charset="0"/>
+                        </a:rPr>
+                        <a:t>with standardization</a:t>
+                      </a:r>
+                    </a:p>
+                  </a:txBody>
+                  <a:tcPr>
+                    <a:lnR w="12700" cap="flat" cmpd="sng" algn="ctr">
+                      <a:solidFill>
+                        <a:schemeClr val="tx1"/>
+                      </a:solidFill>
+                      <a:prstDash val="solid"/>
+                      <a:round/>
+                      <a:headEnd type="none" w="med" len="med"/>
+                      <a:tailEnd type="none" w="med" len="med"/>
+                    </a:lnR>
+                    <a:lnB w="12700" cap="flat" cmpd="sng" algn="ctr">
+                      <a:solidFill>
+                        <a:schemeClr val="tx1"/>
+                      </a:solidFill>
+                      <a:prstDash val="solid"/>
+                      <a:round/>
+                      <a:headEnd type="none" w="med" len="med"/>
+                      <a:tailEnd type="none" w="med" len="med"/>
+                    </a:lnB>
+                  </a:tcPr>
+                </a:tc>
+                <a:tc>
+                  <a:txBody>
+                    <a:bodyPr/>
+                    <a:lstStyle/>
+                    <a:p>
+                      <a:pPr>
+                        <a:lnSpc>
+                          <a:spcPct val="150000"/>
+                        </a:lnSpc>
+                      </a:pPr>
+                      <a:r>
+                        <a:rPr lang="it-IT" sz="1100" u="sng">
+                          <a:latin typeface="Bahnschrift SemiBold SemiConden" panose="020B0502040204020203" pitchFamily="34" charset="0"/>
+                        </a:rPr>
+                        <a:t>w/out standardize</a:t>
+                      </a:r>
+                    </a:p>
+                  </a:txBody>
+                  <a:tcPr>
+                    <a:lnL w="12700" cap="flat" cmpd="sng" algn="ctr">
+                      <a:solidFill>
+                        <a:schemeClr val="tx1"/>
+                      </a:solidFill>
+                      <a:prstDash val="solid"/>
+                      <a:round/>
+                      <a:headEnd type="none" w="med" len="med"/>
+                      <a:tailEnd type="none" w="med" len="med"/>
+                    </a:lnL>
+                    <a:lnB w="12700" cap="flat" cmpd="sng" algn="ctr">
+                      <a:solidFill>
+                        <a:schemeClr val="tx1"/>
+                      </a:solidFill>
+                      <a:prstDash val="solid"/>
+                      <a:round/>
+                      <a:headEnd type="none" w="med" len="med"/>
+                      <a:tailEnd type="none" w="med" len="med"/>
+                    </a:lnB>
+                  </a:tcPr>
+                </a:tc>
+                <a:extLst>
+                  <a:ext uri="{0D108BD9-81ED-4DB2-BD59-A6C34878D82A}">
+                    <a16:rowId xmlns:a16="http://schemas.microsoft.com/office/drawing/2014/main" val="1365004327"/>
+                  </a:ext>
+                </a:extLst>
+              </a:tr>
+              <a:tr h="370840">
+                <a:tc>
+                  <a:txBody>
+                    <a:bodyPr/>
+                    <a:lstStyle/>
+                    <a:p>
+                      <a:r>
+                        <a:rPr lang="it-IT">
+                          <a:latin typeface="Bahnschrift SemiBold SemiConden" panose="020B0502040204020203" pitchFamily="34" charset="0"/>
+                        </a:rPr>
+                        <a:t>Logistic Regression</a:t>
+                      </a:r>
+                    </a:p>
+                  </a:txBody>
+                  <a:tcPr>
+                    <a:lnR w="12700" cap="flat" cmpd="sng" algn="ctr">
+                      <a:solidFill>
+                        <a:schemeClr val="tx1"/>
+                      </a:solidFill>
+                      <a:prstDash val="solid"/>
+                      <a:round/>
+                      <a:headEnd type="none" w="med" len="med"/>
+                      <a:tailEnd type="none" w="med" len="med"/>
+                    </a:lnR>
+                    <a:lnT w="12700" cap="flat" cmpd="sng" algn="ctr">
+                      <a:solidFill>
+                        <a:schemeClr val="tx1"/>
+                      </a:solidFill>
+                      <a:prstDash val="solid"/>
+                      <a:round/>
+                      <a:headEnd type="none" w="med" len="med"/>
+                      <a:tailEnd type="none" w="med" len="med"/>
+                    </a:lnT>
+                  </a:tcPr>
+                </a:tc>
+                <a:tc>
+                  <a:txBody>
+                    <a:bodyPr/>
+                    <a:lstStyle/>
+                    <a:p>
+                      <a:pPr algn="ctr"/>
+                      <a:r>
+                        <a:rPr lang="it-IT" sz="1800" b="0" i="0" kern="1200">
+                          <a:solidFill>
+                            <a:schemeClr val="tx1"/>
+                          </a:solidFill>
+                          <a:effectLst/>
+                          <a:latin typeface="Avenir Next LT Pro" panose="020B0504020202020204" pitchFamily="34" charset="0"/>
+                          <a:ea typeface="+mn-ea"/>
+                          <a:cs typeface="+mn-cs"/>
+                        </a:rPr>
+                        <a:t>0.977</a:t>
+                      </a:r>
+                      <a:endParaRPr lang="it-IT">
+                        <a:latin typeface="Avenir Next LT Pro" panose="020B0504020202020204" pitchFamily="34" charset="0"/>
+                      </a:endParaRPr>
+                    </a:p>
+                  </a:txBody>
+                  <a:tcPr>
+                    <a:lnL w="12700" cap="flat" cmpd="sng" algn="ctr">
+                      <a:solidFill>
+                        <a:schemeClr val="tx1"/>
+                      </a:solidFill>
+                      <a:prstDash val="solid"/>
+                      <a:round/>
+                      <a:headEnd type="none" w="med" len="med"/>
+                      <a:tailEnd type="none" w="med" len="med"/>
+                    </a:lnL>
+                    <a:lnR w="12700" cap="flat" cmpd="sng" algn="ctr">
+                      <a:solidFill>
+                        <a:schemeClr val="tx1"/>
+                      </a:solidFill>
+                      <a:prstDash val="solid"/>
+                      <a:round/>
+                      <a:headEnd type="none" w="med" len="med"/>
+                      <a:tailEnd type="none" w="med" len="med"/>
+                    </a:lnR>
+                    <a:lnT w="12700" cap="flat" cmpd="sng" algn="ctr">
+                      <a:solidFill>
+                        <a:schemeClr val="tx1"/>
+                      </a:solidFill>
+                      <a:prstDash val="solid"/>
+                      <a:round/>
+                      <a:headEnd type="none" w="med" len="med"/>
+                      <a:tailEnd type="none" w="med" len="med"/>
+                    </a:lnT>
+                  </a:tcPr>
+                </a:tc>
+                <a:tc>
+                  <a:txBody>
+                    <a:bodyPr/>
+                    <a:lstStyle/>
+                    <a:p>
+                      <a:pPr algn="ctr"/>
+                      <a:endParaRPr lang="it-IT"/>
+                    </a:p>
+                  </a:txBody>
+                  <a:tcPr>
+                    <a:lnL w="12700" cap="flat" cmpd="sng" algn="ctr">
+                      <a:solidFill>
+                        <a:schemeClr val="tx1"/>
+                      </a:solidFill>
+                      <a:prstDash val="solid"/>
+                      <a:round/>
+                      <a:headEnd type="none" w="med" len="med"/>
+                      <a:tailEnd type="none" w="med" len="med"/>
+                    </a:lnL>
+                    <a:lnR w="12700" cap="flat" cmpd="sng" algn="ctr">
+                      <a:solidFill>
+                        <a:schemeClr val="tx1"/>
+                      </a:solidFill>
+                      <a:prstDash val="solid"/>
+                      <a:round/>
+                      <a:headEnd type="none" w="med" len="med"/>
+                      <a:tailEnd type="none" w="med" len="med"/>
+                    </a:lnR>
+                    <a:lnT w="12700" cap="flat" cmpd="sng" algn="ctr">
+                      <a:solidFill>
+                        <a:schemeClr val="tx1"/>
+                      </a:solidFill>
+                      <a:prstDash val="solid"/>
+                      <a:round/>
+                      <a:headEnd type="none" w="med" len="med"/>
+                      <a:tailEnd type="none" w="med" len="med"/>
+                    </a:lnT>
+                  </a:tcPr>
+                </a:tc>
+                <a:tc>
+                  <a:txBody>
+                    <a:bodyPr/>
+                    <a:lstStyle/>
+                    <a:p>
+                      <a:pPr algn="ctr"/>
+                      <a:endParaRPr lang="it-IT"/>
+                    </a:p>
+                  </a:txBody>
+                  <a:tcPr>
+                    <a:lnL w="12700" cap="flat" cmpd="sng" algn="ctr">
+                      <a:solidFill>
+                        <a:schemeClr val="tx1"/>
+                      </a:solidFill>
+                      <a:prstDash val="solid"/>
+                      <a:round/>
+                      <a:headEnd type="none" w="med" len="med"/>
+                      <a:tailEnd type="none" w="med" len="med"/>
+                    </a:lnL>
+                    <a:lnR w="12700" cap="flat" cmpd="sng" algn="ctr">
+                      <a:solidFill>
+                        <a:schemeClr val="tx1"/>
+                      </a:solidFill>
+                      <a:prstDash val="solid"/>
+                      <a:round/>
+                      <a:headEnd type="none" w="med" len="med"/>
+                      <a:tailEnd type="none" w="med" len="med"/>
+                    </a:lnR>
+                    <a:lnT w="12700" cap="flat" cmpd="sng" algn="ctr">
+                      <a:solidFill>
+                        <a:schemeClr val="tx1"/>
+                      </a:solidFill>
+                      <a:prstDash val="solid"/>
+                      <a:round/>
+                      <a:headEnd type="none" w="med" len="med"/>
+                      <a:tailEnd type="none" w="med" len="med"/>
+                    </a:lnT>
+                  </a:tcPr>
+                </a:tc>
+                <a:tc>
+                  <a:txBody>
+                    <a:bodyPr/>
+                    <a:lstStyle/>
+                    <a:p>
+                      <a:pPr algn="ctr"/>
+                      <a:r>
+                        <a:rPr lang="it-IT" sz="1800" b="0" i="0" kern="1200">
+                          <a:solidFill>
+                            <a:schemeClr val="tx1"/>
+                          </a:solidFill>
+                          <a:effectLst/>
+                          <a:latin typeface="Avenir Next LT Pro" panose="020B0504020202020204" pitchFamily="34" charset="0"/>
+                          <a:ea typeface="+mn-ea"/>
+                          <a:cs typeface="+mn-cs"/>
+                        </a:rPr>
+                        <a:t>0.973</a:t>
+                      </a:r>
+                      <a:endParaRPr lang="it-IT">
+                        <a:latin typeface="Avenir Next LT Pro" panose="020B0504020202020204" pitchFamily="34" charset="0"/>
+                      </a:endParaRPr>
+                    </a:p>
+                  </a:txBody>
+                  <a:tcPr>
+                    <a:lnL w="12700" cap="flat" cmpd="sng" algn="ctr">
+                      <a:solidFill>
+                        <a:schemeClr val="tx1"/>
+                      </a:solidFill>
+                      <a:prstDash val="solid"/>
+                      <a:round/>
+                      <a:headEnd type="none" w="med" len="med"/>
+                      <a:tailEnd type="none" w="med" len="med"/>
+                    </a:lnL>
+                    <a:lnR w="12700" cap="flat" cmpd="sng" algn="ctr">
+                      <a:solidFill>
+                        <a:schemeClr val="tx1"/>
+                      </a:solidFill>
+                      <a:prstDash val="solid"/>
+                      <a:round/>
+                      <a:headEnd type="none" w="med" len="med"/>
+                      <a:tailEnd type="none" w="med" len="med"/>
+                    </a:lnR>
+                    <a:lnT w="12700" cap="flat" cmpd="sng" algn="ctr">
+                      <a:solidFill>
+                        <a:schemeClr val="tx1"/>
+                      </a:solidFill>
+                      <a:prstDash val="solid"/>
+                      <a:round/>
+                      <a:headEnd type="none" w="med" len="med"/>
+                      <a:tailEnd type="none" w="med" len="med"/>
+                    </a:lnT>
+                  </a:tcPr>
+                </a:tc>
+                <a:tc>
+                  <a:txBody>
+                    <a:bodyPr/>
+                    <a:lstStyle/>
+                    <a:p>
+                      <a:pPr algn="ctr"/>
+                      <a:endParaRPr lang="it-IT"/>
+                    </a:p>
+                  </a:txBody>
+                  <a:tcPr>
+                    <a:lnL w="12700" cap="flat" cmpd="sng" algn="ctr">
+                      <a:solidFill>
+                        <a:schemeClr val="tx1"/>
+                      </a:solidFill>
+                      <a:prstDash val="solid"/>
+                      <a:round/>
+                      <a:headEnd type="none" w="med" len="med"/>
+                      <a:tailEnd type="none" w="med" len="med"/>
+                    </a:lnL>
+                    <a:lnR w="12700" cap="flat" cmpd="sng" algn="ctr">
+                      <a:solidFill>
+                        <a:schemeClr val="tx1"/>
+                      </a:solidFill>
+                      <a:prstDash val="solid"/>
+                      <a:round/>
+                      <a:headEnd type="none" w="med" len="med"/>
+                      <a:tailEnd type="none" w="med" len="med"/>
+                    </a:lnR>
+                    <a:lnT w="12700" cap="flat" cmpd="sng" algn="ctr">
+                      <a:solidFill>
+                        <a:schemeClr val="tx1"/>
+                      </a:solidFill>
+                      <a:prstDash val="solid"/>
+                      <a:round/>
+                      <a:headEnd type="none" w="med" len="med"/>
+                      <a:tailEnd type="none" w="med" len="med"/>
+                    </a:lnT>
+                  </a:tcPr>
+                </a:tc>
+                <a:tc>
+                  <a:txBody>
+                    <a:bodyPr/>
+                    <a:lstStyle/>
+                    <a:p>
+                      <a:pPr algn="ctr"/>
+                      <a:r>
+                        <a:rPr lang="it-IT">
+                          <a:latin typeface="Avenir Next LT Pro" panose="020B0504020202020204" pitchFamily="34" charset="0"/>
+                        </a:rPr>
+                        <a:t>0.974</a:t>
+                      </a:r>
+                    </a:p>
+                  </a:txBody>
+                  <a:tcPr>
+                    <a:lnL w="12700" cap="flat" cmpd="sng" algn="ctr">
+                      <a:solidFill>
+                        <a:schemeClr val="tx1"/>
+                      </a:solidFill>
+                      <a:prstDash val="solid"/>
+                      <a:round/>
+                      <a:headEnd type="none" w="med" len="med"/>
+                      <a:tailEnd type="none" w="med" len="med"/>
+                    </a:lnL>
+                    <a:lnT w="12700" cap="flat" cmpd="sng" algn="ctr">
+                      <a:solidFill>
+                        <a:schemeClr val="tx1"/>
+                      </a:solidFill>
+                      <a:prstDash val="solid"/>
+                      <a:round/>
+                      <a:headEnd type="none" w="med" len="med"/>
+                      <a:tailEnd type="none" w="med" len="med"/>
+                    </a:lnT>
+                  </a:tcPr>
+                </a:tc>
+                <a:extLst>
+                  <a:ext uri="{0D108BD9-81ED-4DB2-BD59-A6C34878D82A}">
+                    <a16:rowId xmlns:a16="http://schemas.microsoft.com/office/drawing/2014/main" val="2532579262"/>
+                  </a:ext>
+                </a:extLst>
+              </a:tr>
+              <a:tr h="370840">
+                <a:tc>
+                  <a:txBody>
+                    <a:bodyPr/>
+                    <a:lstStyle/>
+                    <a:p>
+                      <a:r>
+                        <a:rPr lang="it-IT">
+                          <a:latin typeface="Bahnschrift SemiBold SemiConden" panose="020B0502040204020203" pitchFamily="34" charset="0"/>
+                        </a:rPr>
+                        <a:t>Decision Tree</a:t>
+                      </a:r>
+                    </a:p>
+                  </a:txBody>
+                  <a:tcPr>
+                    <a:lnR w="12700" cap="flat" cmpd="sng" algn="ctr">
+                      <a:solidFill>
+                        <a:schemeClr val="tx1"/>
+                      </a:solidFill>
+                      <a:prstDash val="solid"/>
+                      <a:round/>
+                      <a:headEnd type="none" w="med" len="med"/>
+                      <a:tailEnd type="none" w="med" len="med"/>
+                    </a:lnR>
+                  </a:tcPr>
+                </a:tc>
+                <a:tc>
+                  <a:txBody>
+                    <a:bodyPr/>
+                    <a:lstStyle/>
+                    <a:p>
+                      <a:pPr algn="ctr"/>
+                      <a:endParaRPr lang="it-IT"/>
+                    </a:p>
+                  </a:txBody>
+                  <a:tcPr>
+                    <a:lnL w="12700" cap="flat" cmpd="sng" algn="ctr">
+                      <a:solidFill>
+                        <a:schemeClr val="tx1"/>
+                      </a:solidFill>
+                      <a:prstDash val="solid"/>
+                      <a:round/>
+                      <a:headEnd type="none" w="med" len="med"/>
+                      <a:tailEnd type="none" w="med" len="med"/>
+                    </a:lnL>
+                    <a:lnR w="12700" cap="flat" cmpd="sng" algn="ctr">
+                      <a:solidFill>
+                        <a:schemeClr val="tx1"/>
+                      </a:solidFill>
+                      <a:prstDash val="solid"/>
+                      <a:round/>
+                      <a:headEnd type="none" w="med" len="med"/>
+                      <a:tailEnd type="none" w="med" len="med"/>
+                    </a:lnR>
+                  </a:tcPr>
+                </a:tc>
+                <a:tc>
+                  <a:txBody>
+                    <a:bodyPr/>
+                    <a:lstStyle/>
+                    <a:p>
+                      <a:pPr algn="ctr"/>
+                      <a:endParaRPr lang="it-IT"/>
+                    </a:p>
+                  </a:txBody>
+                  <a:tcPr>
+                    <a:lnL w="12700" cap="flat" cmpd="sng" algn="ctr">
+                      <a:solidFill>
+                        <a:schemeClr val="tx1"/>
+                      </a:solidFill>
+                      <a:prstDash val="solid"/>
+                      <a:round/>
+                      <a:headEnd type="none" w="med" len="med"/>
+                      <a:tailEnd type="none" w="med" len="med"/>
+                    </a:lnL>
+                    <a:lnR w="12700" cap="flat" cmpd="sng" algn="ctr">
+                      <a:solidFill>
+                        <a:schemeClr val="tx1"/>
+                      </a:solidFill>
+                      <a:prstDash val="solid"/>
+                      <a:round/>
+                      <a:headEnd type="none" w="med" len="med"/>
+                      <a:tailEnd type="none" w="med" len="med"/>
+                    </a:lnR>
+                  </a:tcPr>
+                </a:tc>
+                <a:tc>
+                  <a:txBody>
+                    <a:bodyPr/>
+                    <a:lstStyle/>
+                    <a:p>
+                      <a:pPr algn="ctr"/>
+                      <a:endParaRPr lang="it-IT"/>
+                    </a:p>
+                  </a:txBody>
+                  <a:tcPr>
+                    <a:lnL w="12700" cap="flat" cmpd="sng" algn="ctr">
+                      <a:solidFill>
+                        <a:schemeClr val="tx1"/>
+                      </a:solidFill>
+                      <a:prstDash val="solid"/>
+                      <a:round/>
+                      <a:headEnd type="none" w="med" len="med"/>
+                      <a:tailEnd type="none" w="med" len="med"/>
+                    </a:lnL>
+                    <a:lnR w="12700" cap="flat" cmpd="sng" algn="ctr">
+                      <a:solidFill>
+                        <a:schemeClr val="tx1"/>
+                      </a:solidFill>
+                      <a:prstDash val="solid"/>
+                      <a:round/>
+                      <a:headEnd type="none" w="med" len="med"/>
+                      <a:tailEnd type="none" w="med" len="med"/>
+                    </a:lnR>
+                  </a:tcPr>
+                </a:tc>
+                <a:tc>
+                  <a:txBody>
+                    <a:bodyPr/>
+                    <a:lstStyle/>
+                    <a:p>
+                      <a:pPr algn="ctr"/>
+                      <a:endParaRPr lang="it-IT"/>
+                    </a:p>
+                  </a:txBody>
+                  <a:tcPr>
+                    <a:lnL w="12700" cap="flat" cmpd="sng" algn="ctr">
+                      <a:solidFill>
+                        <a:schemeClr val="tx1"/>
+                      </a:solidFill>
+                      <a:prstDash val="solid"/>
+                      <a:round/>
+                      <a:headEnd type="none" w="med" len="med"/>
+                      <a:tailEnd type="none" w="med" len="med"/>
+                    </a:lnL>
+                    <a:lnR w="12700" cap="flat" cmpd="sng" algn="ctr">
+                      <a:solidFill>
+                        <a:schemeClr val="tx1"/>
+                      </a:solidFill>
+                      <a:prstDash val="solid"/>
+                      <a:round/>
+                      <a:headEnd type="none" w="med" len="med"/>
+                      <a:tailEnd type="none" w="med" len="med"/>
+                    </a:lnR>
+                  </a:tcPr>
+                </a:tc>
+                <a:tc>
+                  <a:txBody>
+                    <a:bodyPr/>
+                    <a:lstStyle/>
+                    <a:p>
+                      <a:pPr algn="ctr"/>
+                      <a:endParaRPr lang="it-IT"/>
+                    </a:p>
+                  </a:txBody>
+                  <a:tcPr>
+                    <a:lnL w="12700" cap="flat" cmpd="sng" algn="ctr">
+                      <a:solidFill>
+                        <a:schemeClr val="tx1"/>
+                      </a:solidFill>
+                      <a:prstDash val="solid"/>
+                      <a:round/>
+                      <a:headEnd type="none" w="med" len="med"/>
+                      <a:tailEnd type="none" w="med" len="med"/>
+                    </a:lnL>
+                    <a:lnR w="12700" cap="flat" cmpd="sng" algn="ctr">
+                      <a:solidFill>
+                        <a:schemeClr val="tx1"/>
+                      </a:solidFill>
+                      <a:prstDash val="solid"/>
+                      <a:round/>
+                      <a:headEnd type="none" w="med" len="med"/>
+                      <a:tailEnd type="none" w="med" len="med"/>
+                    </a:lnR>
+                  </a:tcPr>
+                </a:tc>
+                <a:tc>
+                  <a:txBody>
+                    <a:bodyPr/>
+                    <a:lstStyle/>
+                    <a:p>
+                      <a:pPr algn="ctr"/>
+                      <a:endParaRPr lang="it-IT"/>
+                    </a:p>
+                  </a:txBody>
+                  <a:tcPr>
+                    <a:lnL w="12700" cap="flat" cmpd="sng" algn="ctr">
+                      <a:solidFill>
+                        <a:schemeClr val="tx1"/>
+                      </a:solidFill>
+                      <a:prstDash val="solid"/>
+                      <a:round/>
+                      <a:headEnd type="none" w="med" len="med"/>
+                      <a:tailEnd type="none" w="med" len="med"/>
+                    </a:lnL>
+                  </a:tcPr>
+                </a:tc>
+                <a:extLst>
+                  <a:ext uri="{0D108BD9-81ED-4DB2-BD59-A6C34878D82A}">
+                    <a16:rowId xmlns:a16="http://schemas.microsoft.com/office/drawing/2014/main" val="3341464040"/>
+                  </a:ext>
+                </a:extLst>
+              </a:tr>
+              <a:tr h="370840">
+                <a:tc>
+                  <a:txBody>
+                    <a:bodyPr/>
+                    <a:lstStyle/>
+                    <a:p>
+                      <a:r>
+                        <a:rPr lang="it-IT">
+                          <a:latin typeface="Bahnschrift SemiBold SemiConden" panose="020B0502040204020203" pitchFamily="34" charset="0"/>
+                        </a:rPr>
+                        <a:t>Random Forest</a:t>
+                      </a:r>
+                    </a:p>
+                  </a:txBody>
+                  <a:tcPr>
+                    <a:lnR w="12700" cap="flat" cmpd="sng" algn="ctr">
+                      <a:solidFill>
+                        <a:schemeClr val="tx1"/>
+                      </a:solidFill>
+                      <a:prstDash val="solid"/>
+                      <a:round/>
+                      <a:headEnd type="none" w="med" len="med"/>
+                      <a:tailEnd type="none" w="med" len="med"/>
+                    </a:lnR>
+                  </a:tcPr>
+                </a:tc>
+                <a:tc>
+                  <a:txBody>
+                    <a:bodyPr/>
+                    <a:lstStyle/>
+                    <a:p>
+                      <a:pPr algn="ctr"/>
+                      <a:endParaRPr lang="it-IT"/>
+                    </a:p>
+                  </a:txBody>
+                  <a:tcPr>
+                    <a:lnL w="12700" cap="flat" cmpd="sng" algn="ctr">
+                      <a:solidFill>
+                        <a:schemeClr val="tx1"/>
+                      </a:solidFill>
+                      <a:prstDash val="solid"/>
+                      <a:round/>
+                      <a:headEnd type="none" w="med" len="med"/>
+                      <a:tailEnd type="none" w="med" len="med"/>
+                    </a:lnL>
+                    <a:lnR w="12700" cap="flat" cmpd="sng" algn="ctr">
+                      <a:solidFill>
+                        <a:schemeClr val="tx1"/>
+                      </a:solidFill>
+                      <a:prstDash val="solid"/>
+                      <a:round/>
+                      <a:headEnd type="none" w="med" len="med"/>
+                      <a:tailEnd type="none" w="med" len="med"/>
+                    </a:lnR>
+                  </a:tcPr>
+                </a:tc>
+                <a:tc>
+                  <a:txBody>
+                    <a:bodyPr/>
+                    <a:lstStyle/>
+                    <a:p>
+                      <a:pPr algn="ctr"/>
+                      <a:endParaRPr lang="it-IT"/>
+                    </a:p>
+                  </a:txBody>
+                  <a:tcPr>
+                    <a:lnL w="12700" cap="flat" cmpd="sng" algn="ctr">
+                      <a:solidFill>
+                        <a:schemeClr val="tx1"/>
+                      </a:solidFill>
+                      <a:prstDash val="solid"/>
+                      <a:round/>
+                      <a:headEnd type="none" w="med" len="med"/>
+                      <a:tailEnd type="none" w="med" len="med"/>
+                    </a:lnL>
+                    <a:lnR w="12700" cap="flat" cmpd="sng" algn="ctr">
+                      <a:solidFill>
+                        <a:schemeClr val="tx1"/>
+                      </a:solidFill>
+                      <a:prstDash val="solid"/>
+                      <a:round/>
+                      <a:headEnd type="none" w="med" len="med"/>
+                      <a:tailEnd type="none" w="med" len="med"/>
+                    </a:lnR>
+                  </a:tcPr>
+                </a:tc>
+                <a:tc>
+                  <a:txBody>
+                    <a:bodyPr/>
+                    <a:lstStyle/>
+                    <a:p>
+                      <a:pPr algn="ctr"/>
+                      <a:endParaRPr lang="it-IT"/>
+                    </a:p>
+                  </a:txBody>
+                  <a:tcPr>
+                    <a:lnL w="12700" cap="flat" cmpd="sng" algn="ctr">
+                      <a:solidFill>
+                        <a:schemeClr val="tx1"/>
+                      </a:solidFill>
+                      <a:prstDash val="solid"/>
+                      <a:round/>
+                      <a:headEnd type="none" w="med" len="med"/>
+                      <a:tailEnd type="none" w="med" len="med"/>
+                    </a:lnL>
+                    <a:lnR w="12700" cap="flat" cmpd="sng" algn="ctr">
+                      <a:solidFill>
+                        <a:schemeClr val="tx1"/>
+                      </a:solidFill>
+                      <a:prstDash val="solid"/>
+                      <a:round/>
+                      <a:headEnd type="none" w="med" len="med"/>
+                      <a:tailEnd type="none" w="med" len="med"/>
+                    </a:lnR>
+                  </a:tcPr>
+                </a:tc>
+                <a:tc>
+                  <a:txBody>
+                    <a:bodyPr/>
+                    <a:lstStyle/>
+                    <a:p>
+                      <a:pPr algn="ctr"/>
+                      <a:endParaRPr lang="it-IT"/>
+                    </a:p>
+                  </a:txBody>
+                  <a:tcPr>
+                    <a:lnL w="12700" cap="flat" cmpd="sng" algn="ctr">
+                      <a:solidFill>
+                        <a:schemeClr val="tx1"/>
+                      </a:solidFill>
+                      <a:prstDash val="solid"/>
+                      <a:round/>
+                      <a:headEnd type="none" w="med" len="med"/>
+                      <a:tailEnd type="none" w="med" len="med"/>
+                    </a:lnL>
+                    <a:lnR w="12700" cap="flat" cmpd="sng" algn="ctr">
+                      <a:solidFill>
+                        <a:schemeClr val="tx1"/>
+                      </a:solidFill>
+                      <a:prstDash val="solid"/>
+                      <a:round/>
+                      <a:headEnd type="none" w="med" len="med"/>
+                      <a:tailEnd type="none" w="med" len="med"/>
+                    </a:lnR>
+                  </a:tcPr>
+                </a:tc>
+                <a:tc>
+                  <a:txBody>
+                    <a:bodyPr/>
+                    <a:lstStyle/>
+                    <a:p>
+                      <a:pPr algn="ctr"/>
+                      <a:endParaRPr lang="it-IT"/>
+                    </a:p>
+                  </a:txBody>
+                  <a:tcPr>
+                    <a:lnL w="12700" cap="flat" cmpd="sng" algn="ctr">
+                      <a:solidFill>
+                        <a:schemeClr val="tx1"/>
+                      </a:solidFill>
+                      <a:prstDash val="solid"/>
+                      <a:round/>
+                      <a:headEnd type="none" w="med" len="med"/>
+                      <a:tailEnd type="none" w="med" len="med"/>
+                    </a:lnL>
+                    <a:lnR w="12700" cap="flat" cmpd="sng" algn="ctr">
+                      <a:solidFill>
+                        <a:schemeClr val="tx1"/>
+                      </a:solidFill>
+                      <a:prstDash val="solid"/>
+                      <a:round/>
+                      <a:headEnd type="none" w="med" len="med"/>
+                      <a:tailEnd type="none" w="med" len="med"/>
+                    </a:lnR>
+                  </a:tcPr>
+                </a:tc>
+                <a:tc>
+                  <a:txBody>
+                    <a:bodyPr/>
+                    <a:lstStyle/>
+                    <a:p>
+                      <a:pPr algn="ctr"/>
+                      <a:endParaRPr lang="it-IT"/>
+                    </a:p>
+                  </a:txBody>
+                  <a:tcPr>
+                    <a:lnL w="12700" cap="flat" cmpd="sng" algn="ctr">
+                      <a:solidFill>
+                        <a:schemeClr val="tx1"/>
+                      </a:solidFill>
+                      <a:prstDash val="solid"/>
+                      <a:round/>
+                      <a:headEnd type="none" w="med" len="med"/>
+                      <a:tailEnd type="none" w="med" len="med"/>
+                    </a:lnL>
+                  </a:tcPr>
+                </a:tc>
+                <a:extLst>
+                  <a:ext uri="{0D108BD9-81ED-4DB2-BD59-A6C34878D82A}">
+                    <a16:rowId xmlns:a16="http://schemas.microsoft.com/office/drawing/2014/main" val="2466824742"/>
+                  </a:ext>
+                </a:extLst>
+              </a:tr>
+            </a:tbl>
+          </a:graphicData>
+        </a:graphic>
+      </p:graphicFrame>
+    </p:spTree>
+    <p:extLst>
+      <p:ext uri="{BB962C8B-B14F-4D97-AF65-F5344CB8AC3E}">
+        <p14:creationId xmlns:p14="http://schemas.microsoft.com/office/powerpoint/2010/main" val="745060227"/>
+      </p:ext>
+    </p:extLst>
+  </p:cSld>
+  <p:clrMapOvr>
+    <a:masterClrMapping/>
+  </p:clrMapOvr>
+</p:sld>
+</file>
+
 <file path=ppt/slides/slide2.xml><?xml version="1.0" encoding="utf-8"?>
 <p:sld xmlns:a="http://schemas.openxmlformats.org/drawingml/2006/main" xmlns:r="http://schemas.openxmlformats.org/officeDocument/2006/relationships" xmlns:p="http://schemas.openxmlformats.org/presentationml/2006/main">
   <p:cSld>
@@ -29701,6 +35738,35 @@
           <a:chExt cx="0" cy="0"/>
         </a:xfrm>
       </p:grpSpPr>
+      <p:pic>
+        <p:nvPicPr>
+          <p:cNvPr id="9" name="Segnaposto contenuto 8">
+            <a:extLst>
+              <a:ext uri="{FF2B5EF4-FFF2-40B4-BE49-F238E27FC236}">
+                <a16:creationId xmlns:a16="http://schemas.microsoft.com/office/drawing/2014/main" id="{B44CA8B6-7436-4034-81D9-B54C97835251}"/>
+              </a:ext>
+            </a:extLst>
+          </p:cNvPr>
+          <p:cNvPicPr>
+            <a:picLocks noGrp="1" noChangeAspect="1"/>
+          </p:cNvPicPr>
+          <p:nvPr>
+            <p:ph sz="half" idx="2"/>
+          </p:nvPr>
+        </p:nvPicPr>
+        <p:blipFill>
+          <a:blip r:embed="rId2"/>
+          <a:stretch>
+            <a:fillRect/>
+          </a:stretch>
+        </p:blipFill>
+        <p:spPr>
+          <a:xfrm>
+            <a:off x="4322617" y="2161618"/>
+            <a:ext cx="7288189" cy="3644095"/>
+          </a:xfrm>
+        </p:spPr>
+      </p:pic>
       <p:sp>
         <p:nvSpPr>
           <p:cNvPr id="2" name="Titolo 1">
@@ -29836,35 +35902,6 @@
           </a:p>
         </p:txBody>
       </p:sp>
-      <p:pic>
-        <p:nvPicPr>
-          <p:cNvPr id="9" name="Segnaposto contenuto 8">
-            <a:extLst>
-              <a:ext uri="{FF2B5EF4-FFF2-40B4-BE49-F238E27FC236}">
-                <a16:creationId xmlns:a16="http://schemas.microsoft.com/office/drawing/2014/main" id="{B44CA8B6-7436-4034-81D9-B54C97835251}"/>
-              </a:ext>
-            </a:extLst>
-          </p:cNvPr>
-          <p:cNvPicPr>
-            <a:picLocks noGrp="1" noChangeAspect="1"/>
-          </p:cNvPicPr>
-          <p:nvPr>
-            <p:ph sz="half" idx="2"/>
-          </p:nvPr>
-        </p:nvPicPr>
-        <p:blipFill>
-          <a:blip r:embed="rId2"/>
-          <a:stretch>
-            <a:fillRect/>
-          </a:stretch>
-        </p:blipFill>
-        <p:spPr>
-          <a:xfrm>
-            <a:off x="6188075" y="2688431"/>
-            <a:ext cx="5422900" cy="2711450"/>
-          </a:xfrm>
-        </p:spPr>
-      </p:pic>
       <p:grpSp>
         <p:nvGrpSpPr>
           <p:cNvPr id="5" name="Gruppo 4">
@@ -30479,19 +36516,19 @@
             <a:r>
               <a:rPr lang="it-IT">
                 <a:solidFill>
-                  <a:schemeClr val="accent2"/>
+                  <a:srgbClr val="6F7AF9"/>
                 </a:solidFill>
               </a:rPr>
-              <a:t>high number</a:t>
+              <a:t>high number </a:t>
             </a:r>
             <a:r>
               <a:rPr lang="it-IT"/>
-              <a:t> of features with a huge percentage </a:t>
+              <a:t>of features with a huge percentage </a:t>
             </a:r>
             <a:r>
               <a:rPr lang="it-IT">
                 <a:solidFill>
-                  <a:schemeClr val="accent2"/>
+                  <a:srgbClr val="6A74FA"/>
                 </a:solidFill>
               </a:rPr>
               <a:t>of missing values</a:t>
@@ -30505,7 +36542,7 @@
             <a:r>
               <a:rPr lang="it-IT">
                 <a:solidFill>
-                  <a:schemeClr val="accent2"/>
+                  <a:srgbClr val="6F7AF9"/>
                 </a:solidFill>
               </a:rPr>
               <a:t>70-90%</a:t>
@@ -30744,7 +36781,7 @@
           <p:nvPr>
             <p:extLst>
               <p:ext uri="{D42A27DB-BD31-4B8C-83A1-F6EECF244321}">
-                <p14:modId xmlns:p14="http://schemas.microsoft.com/office/powerpoint/2010/main" val="30127204"/>
+                <p14:modId xmlns:p14="http://schemas.microsoft.com/office/powerpoint/2010/main" val="1381890685"/>
               </p:ext>
             </p:extLst>
           </p:nvPr>
@@ -30789,6 +36826,34 @@
           <a:chExt cx="0" cy="0"/>
         </a:xfrm>
       </p:grpSpPr>
+      <p:graphicFrame>
+        <p:nvGraphicFramePr>
+          <p:cNvPr id="9" name="Diagramma 8">
+            <a:extLst>
+              <a:ext uri="{FF2B5EF4-FFF2-40B4-BE49-F238E27FC236}">
+                <a16:creationId xmlns:a16="http://schemas.microsoft.com/office/drawing/2014/main" id="{F6FFC892-A2DA-4041-9A82-B5EEDFF04C4C}"/>
+              </a:ext>
+            </a:extLst>
+          </p:cNvPr>
+          <p:cNvGraphicFramePr/>
+          <p:nvPr>
+            <p:extLst>
+              <p:ext uri="{D42A27DB-BD31-4B8C-83A1-F6EECF244321}">
+                <p14:modId xmlns:p14="http://schemas.microsoft.com/office/powerpoint/2010/main" val="1251645121"/>
+              </p:ext>
+            </p:extLst>
+          </p:nvPr>
+        </p:nvGraphicFramePr>
+        <p:xfrm>
+          <a:off x="805162" y="801584"/>
+          <a:ext cx="10805648" cy="4054554"/>
+        </p:xfrm>
+        <a:graphic>
+          <a:graphicData uri="http://schemas.openxmlformats.org/drawingml/2006/diagram">
+            <dgm:relIds xmlns:dgm="http://schemas.openxmlformats.org/drawingml/2006/diagram" xmlns:r="http://schemas.openxmlformats.org/officeDocument/2006/relationships" r:dm="rId2" r:lo="rId3" r:qs="rId4" r:cs="rId5"/>
+          </a:graphicData>
+        </a:graphic>
+      </p:graphicFrame>
       <p:sp>
         <p:nvSpPr>
           <p:cNvPr id="15" name="Rettangolo 14">
@@ -30817,6 +36882,55 @@
               <a:schemeClr val="accent1"/>
             </a:solidFill>
           </a:ln>
+        </p:spPr>
+        <p:style>
+          <a:lnRef idx="2">
+            <a:schemeClr val="accent1">
+              <a:shade val="50000"/>
+            </a:schemeClr>
+          </a:lnRef>
+          <a:fillRef idx="1">
+            <a:schemeClr val="accent1"/>
+          </a:fillRef>
+          <a:effectRef idx="0">
+            <a:schemeClr val="accent1"/>
+          </a:effectRef>
+          <a:fontRef idx="minor">
+            <a:schemeClr val="lt1"/>
+          </a:fontRef>
+        </p:style>
+        <p:txBody>
+          <a:bodyPr rtlCol="0" anchor="ctr"/>
+          <a:lstStyle/>
+          <a:p>
+            <a:pPr algn="ctr"/>
+            <a:endParaRPr lang="it-IT"/>
+          </a:p>
+        </p:txBody>
+      </p:sp>
+      <p:sp>
+        <p:nvSpPr>
+          <p:cNvPr id="46" name="Rettangolo 45">
+            <a:extLst>
+              <a:ext uri="{FF2B5EF4-FFF2-40B4-BE49-F238E27FC236}">
+                <a16:creationId xmlns:a16="http://schemas.microsoft.com/office/drawing/2014/main" id="{BC51594A-18E8-43A6-9C3D-A3802B18A3BC}"/>
+              </a:ext>
+            </a:extLst>
+          </p:cNvPr>
+          <p:cNvSpPr/>
+          <p:nvPr/>
+        </p:nvSpPr>
+        <p:spPr>
+          <a:xfrm>
+            <a:off x="5506788" y="1110927"/>
+            <a:ext cx="1457566" cy="685324"/>
+          </a:xfrm>
+          <a:prstGeom prst="rect">
+            <a:avLst/>
+          </a:prstGeom>
+          <a:solidFill>
+            <a:schemeClr val="accent2"/>
+          </a:solidFill>
         </p:spPr>
         <p:style>
           <a:lnRef idx="2">
@@ -31082,34 +37196,6 @@
           </p:txBody>
         </p:sp>
       </p:grpSp>
-      <p:graphicFrame>
-        <p:nvGraphicFramePr>
-          <p:cNvPr id="9" name="Diagramma 8">
-            <a:extLst>
-              <a:ext uri="{FF2B5EF4-FFF2-40B4-BE49-F238E27FC236}">
-                <a16:creationId xmlns:a16="http://schemas.microsoft.com/office/drawing/2014/main" id="{F6FFC892-A2DA-4041-9A82-B5EEDFF04C4C}"/>
-              </a:ext>
-            </a:extLst>
-          </p:cNvPr>
-          <p:cNvGraphicFramePr/>
-          <p:nvPr>
-            <p:extLst>
-              <p:ext uri="{D42A27DB-BD31-4B8C-83A1-F6EECF244321}">
-                <p14:modId xmlns:p14="http://schemas.microsoft.com/office/powerpoint/2010/main" val="1676611776"/>
-              </p:ext>
-            </p:extLst>
-          </p:nvPr>
-        </p:nvGraphicFramePr>
-        <p:xfrm>
-          <a:off x="805162" y="801584"/>
-          <a:ext cx="10805648" cy="4054554"/>
-        </p:xfrm>
-        <a:graphic>
-          <a:graphicData uri="http://schemas.openxmlformats.org/drawingml/2006/diagram">
-            <dgm:relIds xmlns:dgm="http://schemas.openxmlformats.org/drawingml/2006/diagram" xmlns:r="http://schemas.openxmlformats.org/officeDocument/2006/relationships" r:dm="rId2" r:lo="rId3" r:qs="rId4" r:cs="rId5"/>
-          </a:graphicData>
-        </a:graphic>
-      </p:graphicFrame>
       <p:sp>
         <p:nvSpPr>
           <p:cNvPr id="14" name="CasellaDiTesto 13">
@@ -31337,7 +37423,7 @@
         </p:nvGrpSpPr>
         <p:grpSpPr>
           <a:xfrm>
-            <a:off x="5652944" y="1227975"/>
+            <a:off x="5584674" y="1220635"/>
             <a:ext cx="1110084" cy="422695"/>
             <a:chOff x="0" y="1260317"/>
             <a:chExt cx="1230557" cy="518820"/>
@@ -31548,9 +37634,9 @@
           <p:nvPr/>
         </p:nvCxnSpPr>
         <p:spPr>
-          <a:xfrm>
-            <a:off x="5070765" y="1439323"/>
-            <a:ext cx="582179" cy="0"/>
+          <a:xfrm flipV="1">
+            <a:off x="5070765" y="1431983"/>
+            <a:ext cx="513909" cy="7340"/>
           </a:xfrm>
           <a:prstGeom prst="straightConnector1">
             <a:avLst/>
@@ -31909,8 +37995,8 @@
         </p:nvCxnSpPr>
         <p:spPr>
           <a:xfrm rot="5400000">
-            <a:off x="4873422" y="1494296"/>
-            <a:ext cx="1178191" cy="1490938"/>
+            <a:off x="4835617" y="1524761"/>
+            <a:ext cx="1185531" cy="1422668"/>
           </a:xfrm>
           <a:prstGeom prst="bentConnector3">
             <a:avLst>
@@ -32081,8 +38167,8 @@
           <p:nvPr/>
         </p:nvSpPr>
         <p:spPr>
-          <a:xfrm>
-            <a:off x="3849421" y="2531671"/>
+          <a:xfrm rot="16200000">
+            <a:off x="6398148" y="1296187"/>
             <a:ext cx="832001" cy="307777"/>
           </a:xfrm>
           <a:prstGeom prst="rect">
@@ -32653,6 +38739,41 @@
           </a:fontRef>
         </p:style>
       </p:cxnSp>
+      <p:sp>
+        <p:nvSpPr>
+          <p:cNvPr id="48" name="CasellaDiTesto 47">
+            <a:extLst>
+              <a:ext uri="{FF2B5EF4-FFF2-40B4-BE49-F238E27FC236}">
+                <a16:creationId xmlns:a16="http://schemas.microsoft.com/office/drawing/2014/main" id="{A1618DD0-1DB9-44CE-BB91-DD796BA656B2}"/>
+              </a:ext>
+            </a:extLst>
+          </p:cNvPr>
+          <p:cNvSpPr txBox="1"/>
+          <p:nvPr/>
+        </p:nvSpPr>
+        <p:spPr>
+          <a:xfrm>
+            <a:off x="3824135" y="2541287"/>
+            <a:ext cx="832001" cy="307777"/>
+          </a:xfrm>
+          <a:prstGeom prst="rect">
+            <a:avLst/>
+          </a:prstGeom>
+          <a:noFill/>
+        </p:spPr>
+        <p:txBody>
+          <a:bodyPr wrap="square" rtlCol="0">
+            <a:spAutoFit/>
+          </a:bodyPr>
+          <a:lstStyle/>
+          <a:p>
+            <a:r>
+              <a:rPr lang="it-IT" sz="1400"/>
+              <a:t>Optional</a:t>
+            </a:r>
+          </a:p>
+        </p:txBody>
+      </p:sp>
     </p:spTree>
     <p:extLst>
       <p:ext uri="{BB962C8B-B14F-4D97-AF65-F5344CB8AC3E}">

--- a/presentation/fraudolent_transaction.pptx
+++ b/presentation/fraudolent_transaction.pptx
@@ -32867,7 +32867,7 @@
           <p:nvPr>
             <p:extLst>
               <p:ext uri="{D42A27DB-BD31-4B8C-83A1-F6EECF244321}">
-                <p14:modId xmlns:p14="http://schemas.microsoft.com/office/powerpoint/2010/main" val="2010085065"/>
+                <p14:modId xmlns:p14="http://schemas.microsoft.com/office/powerpoint/2010/main" val="2772407263"/>
               </p:ext>
             </p:extLst>
           </p:nvPr>
@@ -33324,7 +33324,7 @@
                           <a:ea typeface="+mn-ea"/>
                           <a:cs typeface="+mn-cs"/>
                         </a:rPr>
-                        <a:t>0.977</a:t>
+                        <a:t>0.9772</a:t>
                       </a:r>
                       <a:endParaRPr lang="it-IT">
                         <a:latin typeface="Avenir Next LT Pro" panose="020B0504020202020204" pitchFamily="34" charset="0"/>
@@ -33367,7 +33367,12 @@
                     <a:lstStyle/>
                     <a:p>
                       <a:pPr algn="ctr"/>
-                      <a:endParaRPr lang="it-IT"/>
+                      <a:r>
+                        <a:rPr lang="it-IT">
+                          <a:latin typeface="Avenir Next LT Pro" panose="020B0504020202020204" pitchFamily="34" charset="0"/>
+                        </a:rPr>
+                        <a:t>0.9773</a:t>
+                      </a:r>
                     </a:p>
                   </a:txBody>
                   <a:tcPr>

--- a/presentation/fraudolent_transaction.pptx
+++ b/presentation/fraudolent_transaction.pptx
@@ -26272,7 +26272,7 @@
             <a:pPr rtl="0"/>
             <a:fld id="{C0FA3576-2E34-44A5-91FF-3C53AC3DA648}" type="datetime1">
               <a:rPr lang="it-IT" smtClean="0"/>
-              <a:t>20/06/2022</a:t>
+              <a:t>21/06/2022</a:t>
             </a:fld>
             <a:endParaRPr lang="it-IT"/>
           </a:p>
@@ -26454,7 +26454,7 @@
             <a:fld id="{F8F21FEC-DF32-4E90-A279-29D5C0BB0773}" type="datetime1">
               <a:rPr lang="it-IT" smtClean="0"/>
               <a:pPr/>
-              <a:t>20/06/2022</a:t>
+              <a:t>21/06/2022</a:t>
             </a:fld>
             <a:endParaRPr lang="it-IT" dirty="0"/>
           </a:p>
@@ -27232,7 +27232,7 @@
             <a:pPr rtl="0"/>
             <a:fld id="{87A23933-3F77-4C59-A775-45E2435C8368}" type="datetime1">
               <a:rPr lang="it-IT" noProof="0" smtClean="0"/>
-              <a:t>20/06/2022</a:t>
+              <a:t>21/06/2022</a:t>
             </a:fld>
             <a:endParaRPr lang="it-IT" noProof="0"/>
           </a:p>
@@ -27497,7 +27497,7 @@
             <a:pPr rtl="0"/>
             <a:fld id="{4B4ECE9F-4108-4829-8F23-DFA9C926965D}" type="datetime1">
               <a:rPr lang="it-IT" noProof="0" smtClean="0"/>
-              <a:t>20/06/2022</a:t>
+              <a:t>21/06/2022</a:t>
             </a:fld>
             <a:endParaRPr lang="it-IT" noProof="0"/>
           </a:p>
@@ -27735,7 +27735,7 @@
             <a:pPr rtl="0"/>
             <a:fld id="{2AB59B6B-A2EF-4B30-AEF7-A3091D0F5449}" type="datetime1">
               <a:rPr lang="it-IT" noProof="0" smtClean="0"/>
-              <a:t>20/06/2022</a:t>
+              <a:t>21/06/2022</a:t>
             </a:fld>
             <a:endParaRPr lang="it-IT" noProof="0" dirty="0"/>
           </a:p>
@@ -27978,7 +27978,7 @@
             <a:pPr rtl="0"/>
             <a:fld id="{7F3FB14C-AC96-42E5-BE0B-73EFAA1A7EA7}" type="datetime1">
               <a:rPr lang="it-IT" noProof="0" smtClean="0"/>
-              <a:t>20/06/2022</a:t>
+              <a:t>21/06/2022</a:t>
             </a:fld>
             <a:endParaRPr lang="it-IT" noProof="0"/>
           </a:p>
@@ -28289,7 +28289,7 @@
             <a:pPr rtl="0"/>
             <a:fld id="{76327E91-20FF-43F1-A337-75953C73E7D7}" type="datetime1">
               <a:rPr lang="it-IT" noProof="0" smtClean="0"/>
-              <a:t>20/06/2022</a:t>
+              <a:t>21/06/2022</a:t>
             </a:fld>
             <a:endParaRPr lang="it-IT" noProof="0"/>
           </a:p>
@@ -28593,7 +28593,7 @@
             <a:pPr rtl="0"/>
             <a:fld id="{9EDCB701-B7F2-4988-9CFB-241C1D412354}" type="datetime1">
               <a:rPr lang="it-IT" noProof="0" smtClean="0"/>
-              <a:t>20/06/2022</a:t>
+              <a:t>21/06/2022</a:t>
             </a:fld>
             <a:endParaRPr lang="it-IT" noProof="0"/>
           </a:p>
@@ -29017,7 +29017,7 @@
             <a:pPr rtl="0"/>
             <a:fld id="{4B9B0459-76CC-4B94-A6C6-908B17D42BC8}" type="datetime1">
               <a:rPr lang="it-IT" noProof="0" smtClean="0"/>
-              <a:t>20/06/2022</a:t>
+              <a:t>21/06/2022</a:t>
             </a:fld>
             <a:endParaRPr lang="it-IT" noProof="0"/>
           </a:p>
@@ -29116,7 +29116,7 @@
             <a:pPr rtl="0"/>
             <a:fld id="{62D572E4-8572-44CF-B6FA-B15ECB2B0691}" type="datetime1">
               <a:rPr lang="it-IT" noProof="0" smtClean="0"/>
-              <a:t>20/06/2022</a:t>
+              <a:t>21/06/2022</a:t>
             </a:fld>
             <a:endParaRPr lang="it-IT" noProof="0"/>
           </a:p>
@@ -29282,7 +29282,7 @@
             <a:pPr rtl="0"/>
             <a:fld id="{5F266B29-8DDF-40ED-AC5D-ED73AC5A6521}" type="datetime1">
               <a:rPr lang="it-IT" noProof="0" smtClean="0"/>
-              <a:t>20/06/2022</a:t>
+              <a:t>21/06/2022</a:t>
             </a:fld>
             <a:endParaRPr lang="it-IT" noProof="0"/>
           </a:p>
@@ -29663,7 +29663,7 @@
             <a:pPr rtl="0"/>
             <a:fld id="{4CFC7787-2DFD-4221-B49C-354C37128239}" type="datetime1">
               <a:rPr lang="it-IT" noProof="0" smtClean="0"/>
-              <a:t>20/06/2022</a:t>
+              <a:t>21/06/2022</a:t>
             </a:fld>
             <a:endParaRPr lang="it-IT" noProof="0"/>
           </a:p>
@@ -29956,7 +29956,7 @@
             <a:pPr rtl="0"/>
             <a:fld id="{D3F07A8F-C5D3-4128-B052-E864993A59CE}" type="datetime1">
               <a:rPr lang="it-IT" noProof="0" smtClean="0"/>
-              <a:t>20/06/2022</a:t>
+              <a:t>21/06/2022</a:t>
             </a:fld>
             <a:endParaRPr lang="it-IT" noProof="0"/>
           </a:p>
@@ -30170,7 +30170,7 @@
             <a:pPr rtl="0"/>
             <a:fld id="{A36BACEF-F5E2-445B-BCCF-A68C06C41D7B}" type="datetime1">
               <a:rPr lang="it-IT" noProof="0" smtClean="0"/>
-              <a:t>20/06/2022</a:t>
+              <a:t>21/06/2022</a:t>
             </a:fld>
             <a:endParaRPr lang="it-IT" noProof="0" dirty="0"/>
           </a:p>
@@ -32867,7 +32867,7 @@
           <p:nvPr>
             <p:extLst>
               <p:ext uri="{D42A27DB-BD31-4B8C-83A1-F6EECF244321}">
-                <p14:modId xmlns:p14="http://schemas.microsoft.com/office/powerpoint/2010/main" val="2772407263"/>
+                <p14:modId xmlns:p14="http://schemas.microsoft.com/office/powerpoint/2010/main" val="4006552091"/>
               </p:ext>
             </p:extLst>
           </p:nvPr>
@@ -33503,7 +33503,12 @@
                     <a:lstStyle/>
                     <a:p>
                       <a:pPr algn="ctr"/>
-                      <a:endParaRPr lang="it-IT"/>
+                      <a:r>
+                        <a:rPr lang="it-IT">
+                          <a:latin typeface="Avenir Next LT Pro" panose="020B0504020202020204" pitchFamily="34" charset="0"/>
+                        </a:rPr>
+                        <a:t>0.974</a:t>
+                      </a:r>
                     </a:p>
                   </a:txBody>
                   <a:tcPr>

--- a/presentation/fraudolent_transaction.pptx
+++ b/presentation/fraudolent_transaction.pptx
@@ -5,10 +5,10 @@
     <p:sldMasterId id="2147483672" r:id="rId1"/>
   </p:sldMasterIdLst>
   <p:notesMasterIdLst>
-    <p:notesMasterId r:id="rId14"/>
+    <p:notesMasterId r:id="rId15"/>
   </p:notesMasterIdLst>
   <p:handoutMasterIdLst>
-    <p:handoutMasterId r:id="rId15"/>
+    <p:handoutMasterId r:id="rId16"/>
   </p:handoutMasterIdLst>
   <p:sldIdLst>
     <p:sldId id="256" r:id="rId2"/>
@@ -23,6 +23,7 @@
     <p:sldId id="270" r:id="rId11"/>
     <p:sldId id="271" r:id="rId12"/>
     <p:sldId id="272" r:id="rId13"/>
+    <p:sldId id="273" r:id="rId14"/>
   </p:sldIdLst>
   <p:sldSz cx="12192000" cy="6858000"/>
   <p:notesSz cx="6858000" cy="9144000"/>
@@ -32707,7 +32708,7 @@
           <a:p>
             <a:r>
               <a:rPr lang="it-IT"/>
-              <a:t>		EXPERIMENTAL RESULTS</a:t>
+              <a:t>		.1 - EXPERIMENTAL RESULTS</a:t>
             </a:r>
           </a:p>
         </p:txBody>
@@ -32867,13 +32868,2707 @@
           <p:nvPr>
             <p:extLst>
               <p:ext uri="{D42A27DB-BD31-4B8C-83A1-F6EECF244321}">
-                <p14:modId xmlns:p14="http://schemas.microsoft.com/office/powerpoint/2010/main" val="4006552091"/>
+                <p14:modId xmlns:p14="http://schemas.microsoft.com/office/powerpoint/2010/main" val="3830145681"/>
               </p:ext>
             </p:extLst>
           </p:nvPr>
         </p:nvGraphicFramePr>
         <p:xfrm>
-          <a:off x="815060" y="3422523"/>
+          <a:off x="694061" y="2174042"/>
+          <a:ext cx="10551283" cy="1844040"/>
+        </p:xfrm>
+        <a:graphic>
+          <a:graphicData uri="http://schemas.openxmlformats.org/drawingml/2006/table">
+            <a:tbl>
+              <a:tblPr firstRow="1" bandRow="1">
+                <a:tableStyleId>{3B4B98B0-60AC-42C2-AFA5-B58CD77FA1E5}</a:tableStyleId>
+              </a:tblPr>
+              <a:tblGrid>
+                <a:gridCol w="1957828">
+                  <a:extLst>
+                    <a:ext uri="{9D8B030D-6E8A-4147-A177-3AD203B41FA5}">
+                      <a16:colId xmlns:a16="http://schemas.microsoft.com/office/drawing/2014/main" val="396372187"/>
+                    </a:ext>
+                  </a:extLst>
+                </a:gridCol>
+                <a:gridCol w="1306286">
+                  <a:extLst>
+                    <a:ext uri="{9D8B030D-6E8A-4147-A177-3AD203B41FA5}">
+                      <a16:colId xmlns:a16="http://schemas.microsoft.com/office/drawing/2014/main" val="1229565216"/>
+                    </a:ext>
+                  </a:extLst>
+                </a:gridCol>
+                <a:gridCol w="1240971">
+                  <a:extLst>
+                    <a:ext uri="{9D8B030D-6E8A-4147-A177-3AD203B41FA5}">
+                      <a16:colId xmlns:a16="http://schemas.microsoft.com/office/drawing/2014/main" val="3000570086"/>
+                    </a:ext>
+                  </a:extLst>
+                </a:gridCol>
+                <a:gridCol w="1561606">
+                  <a:extLst>
+                    <a:ext uri="{9D8B030D-6E8A-4147-A177-3AD203B41FA5}">
+                      <a16:colId xmlns:a16="http://schemas.microsoft.com/office/drawing/2014/main" val="2527479792"/>
+                    </a:ext>
+                  </a:extLst>
+                </a:gridCol>
+                <a:gridCol w="1711707">
+                  <a:extLst>
+                    <a:ext uri="{9D8B030D-6E8A-4147-A177-3AD203B41FA5}">
+                      <a16:colId xmlns:a16="http://schemas.microsoft.com/office/drawing/2014/main" val="1832342877"/>
+                    </a:ext>
+                  </a:extLst>
+                </a:gridCol>
+                <a:gridCol w="1442852">
+                  <a:extLst>
+                    <a:ext uri="{9D8B030D-6E8A-4147-A177-3AD203B41FA5}">
+                      <a16:colId xmlns:a16="http://schemas.microsoft.com/office/drawing/2014/main" val="455619855"/>
+                    </a:ext>
+                  </a:extLst>
+                </a:gridCol>
+                <a:gridCol w="1330033">
+                  <a:extLst>
+                    <a:ext uri="{9D8B030D-6E8A-4147-A177-3AD203B41FA5}">
+                      <a16:colId xmlns:a16="http://schemas.microsoft.com/office/drawing/2014/main" val="842104205"/>
+                    </a:ext>
+                  </a:extLst>
+                </a:gridCol>
+              </a:tblGrid>
+              <a:tr h="357766">
+                <a:tc>
+                  <a:txBody>
+                    <a:bodyPr/>
+                    <a:lstStyle/>
+                    <a:p>
+                      <a:endParaRPr lang="it-IT">
+                        <a:solidFill>
+                          <a:schemeClr val="accent2"/>
+                        </a:solidFill>
+                      </a:endParaRPr>
+                    </a:p>
+                  </a:txBody>
+                  <a:tcPr>
+                    <a:solidFill>
+                      <a:schemeClr val="accent1"/>
+                    </a:solidFill>
+                  </a:tcPr>
+                </a:tc>
+                <a:tc gridSpan="2">
+                  <a:txBody>
+                    <a:bodyPr/>
+                    <a:lstStyle/>
+                    <a:p>
+                      <a:pPr algn="ctr"/>
+                      <a:r>
+                        <a:rPr lang="it-IT"/>
+                        <a:t>Numerical</a:t>
+                      </a:r>
+                    </a:p>
+                  </a:txBody>
+                  <a:tcPr/>
+                </a:tc>
+                <a:tc hMerge="1">
+                  <a:txBody>
+                    <a:bodyPr/>
+                    <a:lstStyle/>
+                    <a:p>
+                      <a:endParaRPr lang="it-IT"/>
+                    </a:p>
+                  </a:txBody>
+                  <a:tcPr/>
+                </a:tc>
+                <a:tc>
+                  <a:txBody>
+                    <a:bodyPr/>
+                    <a:lstStyle/>
+                    <a:p>
+                      <a:pPr algn="ctr"/>
+                      <a:r>
+                        <a:rPr lang="it-IT"/>
+                        <a:t>All Features</a:t>
+                      </a:r>
+                    </a:p>
+                  </a:txBody>
+                  <a:tcPr/>
+                </a:tc>
+                <a:tc>
+                  <a:txBody>
+                    <a:bodyPr/>
+                    <a:lstStyle/>
+                    <a:p>
+                      <a:pPr algn="ctr"/>
+                      <a:r>
+                        <a:rPr lang="it-IT"/>
+                        <a:t>Categorical</a:t>
+                      </a:r>
+                    </a:p>
+                  </a:txBody>
+                  <a:tcPr/>
+                </a:tc>
+                <a:tc gridSpan="2">
+                  <a:txBody>
+                    <a:bodyPr/>
+                    <a:lstStyle/>
+                    <a:p>
+                      <a:pPr algn="ctr"/>
+                      <a:r>
+                        <a:rPr lang="it-IT"/>
+                        <a:t>Mix</a:t>
+                      </a:r>
+                    </a:p>
+                  </a:txBody>
+                  <a:tcPr/>
+                </a:tc>
+                <a:tc hMerge="1">
+                  <a:txBody>
+                    <a:bodyPr/>
+                    <a:lstStyle/>
+                    <a:p>
+                      <a:pPr algn="ctr"/>
+                      <a:endParaRPr lang="it-IT"/>
+                    </a:p>
+                  </a:txBody>
+                  <a:tcPr/>
+                </a:tc>
+                <a:extLst>
+                  <a:ext uri="{0D108BD9-81ED-4DB2-BD59-A6C34878D82A}">
+                    <a16:rowId xmlns:a16="http://schemas.microsoft.com/office/drawing/2014/main" val="464026787"/>
+                  </a:ext>
+                </a:extLst>
+              </a:tr>
+              <a:tr h="359229">
+                <a:tc>
+                  <a:txBody>
+                    <a:bodyPr/>
+                    <a:lstStyle/>
+                    <a:p>
+                      <a:endParaRPr lang="it-IT">
+                        <a:solidFill>
+                          <a:schemeClr val="accent2"/>
+                        </a:solidFill>
+                      </a:endParaRPr>
+                    </a:p>
+                  </a:txBody>
+                  <a:tcPr>
+                    <a:lnB w="12700" cap="flat" cmpd="sng" algn="ctr">
+                      <a:solidFill>
+                        <a:schemeClr val="tx1"/>
+                      </a:solidFill>
+                      <a:prstDash val="solid"/>
+                      <a:round/>
+                      <a:headEnd type="none" w="med" len="med"/>
+                      <a:tailEnd type="none" w="med" len="med"/>
+                    </a:lnB>
+                    <a:solidFill>
+                      <a:schemeClr val="accent1"/>
+                    </a:solidFill>
+                  </a:tcPr>
+                </a:tc>
+                <a:tc>
+                  <a:txBody>
+                    <a:bodyPr/>
+                    <a:lstStyle/>
+                    <a:p>
+                      <a:pPr algn="ctr">
+                        <a:lnSpc>
+                          <a:spcPct val="150000"/>
+                        </a:lnSpc>
+                      </a:pPr>
+                      <a:r>
+                        <a:rPr lang="it-IT" sz="1100" u="sng">
+                          <a:latin typeface="Bahnschrift SemiBold SemiConden" panose="020B0502040204020203" pitchFamily="34" charset="0"/>
+                        </a:rPr>
+                        <a:t>with standardization</a:t>
+                      </a:r>
+                    </a:p>
+                  </a:txBody>
+                  <a:tcPr>
+                    <a:lnR w="12700" cap="flat" cmpd="sng" algn="ctr">
+                      <a:solidFill>
+                        <a:schemeClr val="tx1"/>
+                      </a:solidFill>
+                      <a:prstDash val="solid"/>
+                      <a:round/>
+                      <a:headEnd type="none" w="med" len="med"/>
+                      <a:tailEnd type="none" w="med" len="med"/>
+                    </a:lnR>
+                    <a:lnB w="12700" cap="flat" cmpd="sng" algn="ctr">
+                      <a:solidFill>
+                        <a:schemeClr val="tx1"/>
+                      </a:solidFill>
+                      <a:prstDash val="solid"/>
+                      <a:round/>
+                      <a:headEnd type="none" w="med" len="med"/>
+                      <a:tailEnd type="none" w="med" len="med"/>
+                    </a:lnB>
+                  </a:tcPr>
+                </a:tc>
+                <a:tc>
+                  <a:txBody>
+                    <a:bodyPr/>
+                    <a:lstStyle/>
+                    <a:p>
+                      <a:pPr algn="ctr">
+                        <a:lnSpc>
+                          <a:spcPct val="150000"/>
+                        </a:lnSpc>
+                      </a:pPr>
+                      <a:r>
+                        <a:rPr lang="it-IT" sz="1100" u="sng">
+                          <a:latin typeface="Bahnschrift SemiBold SemiConden" panose="020B0502040204020203" pitchFamily="34" charset="0"/>
+                        </a:rPr>
+                        <a:t>w/out standardize</a:t>
+                      </a:r>
+                    </a:p>
+                  </a:txBody>
+                  <a:tcPr>
+                    <a:lnL w="12700" cap="flat" cmpd="sng" algn="ctr">
+                      <a:solidFill>
+                        <a:schemeClr val="tx1"/>
+                      </a:solidFill>
+                      <a:prstDash val="solid"/>
+                      <a:round/>
+                      <a:headEnd type="none" w="med" len="med"/>
+                      <a:tailEnd type="none" w="med" len="med"/>
+                    </a:lnL>
+                    <a:lnB w="12700" cap="flat" cmpd="sng" algn="ctr">
+                      <a:solidFill>
+                        <a:schemeClr val="tx1"/>
+                      </a:solidFill>
+                      <a:prstDash val="solid"/>
+                      <a:round/>
+                      <a:headEnd type="none" w="med" len="med"/>
+                      <a:tailEnd type="none" w="med" len="med"/>
+                    </a:lnB>
+                  </a:tcPr>
+                </a:tc>
+                <a:tc>
+                  <a:txBody>
+                    <a:bodyPr/>
+                    <a:lstStyle/>
+                    <a:p>
+                      <a:endParaRPr lang="it-IT"/>
+                    </a:p>
+                  </a:txBody>
+                  <a:tcPr>
+                    <a:lnB w="12700" cap="flat" cmpd="sng" algn="ctr">
+                      <a:solidFill>
+                        <a:schemeClr val="tx1"/>
+                      </a:solidFill>
+                      <a:prstDash val="solid"/>
+                      <a:round/>
+                      <a:headEnd type="none" w="med" len="med"/>
+                      <a:tailEnd type="none" w="med" len="med"/>
+                    </a:lnB>
+                    <a:solidFill>
+                      <a:schemeClr val="bg1"/>
+                    </a:solidFill>
+                  </a:tcPr>
+                </a:tc>
+                <a:tc>
+                  <a:txBody>
+                    <a:bodyPr/>
+                    <a:lstStyle/>
+                    <a:p>
+                      <a:endParaRPr lang="it-IT"/>
+                    </a:p>
+                  </a:txBody>
+                  <a:tcPr>
+                    <a:lnB w="12700" cap="flat" cmpd="sng" algn="ctr">
+                      <a:solidFill>
+                        <a:schemeClr val="tx1"/>
+                      </a:solidFill>
+                      <a:prstDash val="solid"/>
+                      <a:round/>
+                      <a:headEnd type="none" w="med" len="med"/>
+                      <a:tailEnd type="none" w="med" len="med"/>
+                    </a:lnB>
+                    <a:solidFill>
+                      <a:schemeClr val="bg1">
+                        <a:alpha val="20000"/>
+                      </a:schemeClr>
+                    </a:solidFill>
+                  </a:tcPr>
+                </a:tc>
+                <a:tc>
+                  <a:txBody>
+                    <a:bodyPr/>
+                    <a:lstStyle/>
+                    <a:p>
+                      <a:pPr algn="ctr">
+                        <a:lnSpc>
+                          <a:spcPct val="150000"/>
+                        </a:lnSpc>
+                      </a:pPr>
+                      <a:r>
+                        <a:rPr lang="it-IT" sz="1100" u="sng">
+                          <a:latin typeface="Bahnschrift SemiBold SemiConden" panose="020B0502040204020203" pitchFamily="34" charset="0"/>
+                        </a:rPr>
+                        <a:t>with standardization</a:t>
+                      </a:r>
+                    </a:p>
+                  </a:txBody>
+                  <a:tcPr>
+                    <a:lnR w="12700" cap="flat" cmpd="sng" algn="ctr">
+                      <a:solidFill>
+                        <a:schemeClr val="tx1"/>
+                      </a:solidFill>
+                      <a:prstDash val="solid"/>
+                      <a:round/>
+                      <a:headEnd type="none" w="med" len="med"/>
+                      <a:tailEnd type="none" w="med" len="med"/>
+                    </a:lnR>
+                    <a:lnB w="12700" cap="flat" cmpd="sng" algn="ctr">
+                      <a:solidFill>
+                        <a:schemeClr val="tx1"/>
+                      </a:solidFill>
+                      <a:prstDash val="solid"/>
+                      <a:round/>
+                      <a:headEnd type="none" w="med" len="med"/>
+                      <a:tailEnd type="none" w="med" len="med"/>
+                    </a:lnB>
+                  </a:tcPr>
+                </a:tc>
+                <a:tc>
+                  <a:txBody>
+                    <a:bodyPr/>
+                    <a:lstStyle/>
+                    <a:p>
+                      <a:pPr algn="ctr">
+                        <a:lnSpc>
+                          <a:spcPct val="150000"/>
+                        </a:lnSpc>
+                      </a:pPr>
+                      <a:r>
+                        <a:rPr lang="it-IT" sz="1100" u="sng">
+                          <a:latin typeface="Bahnschrift SemiBold SemiConden" panose="020B0502040204020203" pitchFamily="34" charset="0"/>
+                        </a:rPr>
+                        <a:t>w/out standardize</a:t>
+                      </a:r>
+                    </a:p>
+                  </a:txBody>
+                  <a:tcPr>
+                    <a:lnL w="12700" cap="flat" cmpd="sng" algn="ctr">
+                      <a:solidFill>
+                        <a:schemeClr val="tx1"/>
+                      </a:solidFill>
+                      <a:prstDash val="solid"/>
+                      <a:round/>
+                      <a:headEnd type="none" w="med" len="med"/>
+                      <a:tailEnd type="none" w="med" len="med"/>
+                    </a:lnL>
+                    <a:lnB w="12700" cap="flat" cmpd="sng" algn="ctr">
+                      <a:solidFill>
+                        <a:schemeClr val="tx1"/>
+                      </a:solidFill>
+                      <a:prstDash val="solid"/>
+                      <a:round/>
+                      <a:headEnd type="none" w="med" len="med"/>
+                      <a:tailEnd type="none" w="med" len="med"/>
+                    </a:lnB>
+                  </a:tcPr>
+                </a:tc>
+                <a:extLst>
+                  <a:ext uri="{0D108BD9-81ED-4DB2-BD59-A6C34878D82A}">
+                    <a16:rowId xmlns:a16="http://schemas.microsoft.com/office/drawing/2014/main" val="1365004327"/>
+                  </a:ext>
+                </a:extLst>
+              </a:tr>
+              <a:tr h="370840">
+                <a:tc>
+                  <a:txBody>
+                    <a:bodyPr/>
+                    <a:lstStyle/>
+                    <a:p>
+                      <a:r>
+                        <a:rPr lang="it-IT">
+                          <a:latin typeface="Bahnschrift SemiBold SemiConden" panose="020B0502040204020203" pitchFamily="34" charset="0"/>
+                        </a:rPr>
+                        <a:t>Logistic Regression</a:t>
+                      </a:r>
+                    </a:p>
+                  </a:txBody>
+                  <a:tcPr>
+                    <a:lnR w="12700" cap="flat" cmpd="sng" algn="ctr">
+                      <a:solidFill>
+                        <a:schemeClr val="tx1"/>
+                      </a:solidFill>
+                      <a:prstDash val="solid"/>
+                      <a:round/>
+                      <a:headEnd type="none" w="med" len="med"/>
+                      <a:tailEnd type="none" w="med" len="med"/>
+                    </a:lnR>
+                    <a:lnT w="12700" cap="flat" cmpd="sng" algn="ctr">
+                      <a:solidFill>
+                        <a:schemeClr val="tx1"/>
+                      </a:solidFill>
+                      <a:prstDash val="solid"/>
+                      <a:round/>
+                      <a:headEnd type="none" w="med" len="med"/>
+                      <a:tailEnd type="none" w="med" len="med"/>
+                    </a:lnT>
+                  </a:tcPr>
+                </a:tc>
+                <a:tc>
+                  <a:txBody>
+                    <a:bodyPr/>
+                    <a:lstStyle/>
+                    <a:p>
+                      <a:pPr algn="ctr"/>
+                      <a:r>
+                        <a:rPr lang="it-IT" sz="1800" b="0" i="0" kern="1200">
+                          <a:solidFill>
+                            <a:schemeClr val="tx1"/>
+                          </a:solidFill>
+                          <a:effectLst/>
+                          <a:latin typeface="Avenir Next LT Pro" panose="020B0504020202020204" pitchFamily="34" charset="0"/>
+                          <a:ea typeface="+mn-ea"/>
+                          <a:cs typeface="+mn-cs"/>
+                        </a:rPr>
+                        <a:t>0.9772</a:t>
+                      </a:r>
+                      <a:endParaRPr lang="it-IT">
+                        <a:latin typeface="Avenir Next LT Pro" panose="020B0504020202020204" pitchFamily="34" charset="0"/>
+                      </a:endParaRPr>
+                    </a:p>
+                  </a:txBody>
+                  <a:tcPr>
+                    <a:lnL w="12700" cap="flat" cmpd="sng" algn="ctr">
+                      <a:solidFill>
+                        <a:schemeClr val="tx1"/>
+                      </a:solidFill>
+                      <a:prstDash val="solid"/>
+                      <a:round/>
+                      <a:headEnd type="none" w="med" len="med"/>
+                      <a:tailEnd type="none" w="med" len="med"/>
+                    </a:lnL>
+                    <a:lnR w="12700" cap="flat" cmpd="sng" algn="ctr">
+                      <a:solidFill>
+                        <a:schemeClr val="tx1"/>
+                      </a:solidFill>
+                      <a:prstDash val="solid"/>
+                      <a:round/>
+                      <a:headEnd type="none" w="med" len="med"/>
+                      <a:tailEnd type="none" w="med" len="med"/>
+                    </a:lnR>
+                    <a:lnT w="12700" cap="flat" cmpd="sng" algn="ctr">
+                      <a:solidFill>
+                        <a:schemeClr val="tx1"/>
+                      </a:solidFill>
+                      <a:prstDash val="solid"/>
+                      <a:round/>
+                      <a:headEnd type="none" w="med" len="med"/>
+                      <a:tailEnd type="none" w="med" len="med"/>
+                    </a:lnT>
+                  </a:tcPr>
+                </a:tc>
+                <a:tc>
+                  <a:txBody>
+                    <a:bodyPr/>
+                    <a:lstStyle/>
+                    <a:p>
+                      <a:pPr algn="ctr"/>
+                      <a:r>
+                        <a:rPr lang="it-IT">
+                          <a:latin typeface="Avenir Next LT Pro" panose="020B0504020202020204" pitchFamily="34" charset="0"/>
+                        </a:rPr>
+                        <a:t>0.97725</a:t>
+                      </a:r>
+                    </a:p>
+                  </a:txBody>
+                  <a:tcPr>
+                    <a:lnL w="12700" cap="flat" cmpd="sng" algn="ctr">
+                      <a:solidFill>
+                        <a:schemeClr val="tx1"/>
+                      </a:solidFill>
+                      <a:prstDash val="solid"/>
+                      <a:round/>
+                      <a:headEnd type="none" w="med" len="med"/>
+                      <a:tailEnd type="none" w="med" len="med"/>
+                    </a:lnL>
+                    <a:lnR w="12700" cap="flat" cmpd="sng" algn="ctr">
+                      <a:solidFill>
+                        <a:schemeClr val="tx1"/>
+                      </a:solidFill>
+                      <a:prstDash val="solid"/>
+                      <a:round/>
+                      <a:headEnd type="none" w="med" len="med"/>
+                      <a:tailEnd type="none" w="med" len="med"/>
+                    </a:lnR>
+                    <a:lnT w="12700" cap="flat" cmpd="sng" algn="ctr">
+                      <a:solidFill>
+                        <a:schemeClr val="tx1"/>
+                      </a:solidFill>
+                      <a:prstDash val="solid"/>
+                      <a:round/>
+                      <a:headEnd type="none" w="med" len="med"/>
+                      <a:tailEnd type="none" w="med" len="med"/>
+                    </a:lnT>
+                  </a:tcPr>
+                </a:tc>
+                <a:tc>
+                  <a:txBody>
+                    <a:bodyPr/>
+                    <a:lstStyle/>
+                    <a:p>
+                      <a:pPr algn="ctr"/>
+                      <a:r>
+                        <a:rPr lang="it-IT" sz="1800" b="1" i="0" kern="1200">
+                          <a:solidFill>
+                            <a:schemeClr val="tx1"/>
+                          </a:solidFill>
+                          <a:effectLst/>
+                          <a:latin typeface="Avenir Next LT Pro" panose="020B0504020202020204" pitchFamily="34" charset="0"/>
+                          <a:ea typeface="+mn-ea"/>
+                          <a:cs typeface="+mn-cs"/>
+                        </a:rPr>
+                        <a:t>0.9777</a:t>
+                      </a:r>
+                      <a:endParaRPr lang="it-IT" b="1">
+                        <a:latin typeface="Avenir Next LT Pro" panose="020B0504020202020204" pitchFamily="34" charset="0"/>
+                      </a:endParaRPr>
+                    </a:p>
+                  </a:txBody>
+                  <a:tcPr>
+                    <a:lnL w="12700" cap="flat" cmpd="sng" algn="ctr">
+                      <a:solidFill>
+                        <a:schemeClr val="tx1"/>
+                      </a:solidFill>
+                      <a:prstDash val="solid"/>
+                      <a:round/>
+                      <a:headEnd type="none" w="med" len="med"/>
+                      <a:tailEnd type="none" w="med" len="med"/>
+                    </a:lnL>
+                    <a:lnR w="12700" cap="flat" cmpd="sng" algn="ctr">
+                      <a:solidFill>
+                        <a:schemeClr val="tx1"/>
+                      </a:solidFill>
+                      <a:prstDash val="solid"/>
+                      <a:round/>
+                      <a:headEnd type="none" w="med" len="med"/>
+                      <a:tailEnd type="none" w="med" len="med"/>
+                    </a:lnR>
+                    <a:lnT w="12700" cap="flat" cmpd="sng" algn="ctr">
+                      <a:solidFill>
+                        <a:schemeClr val="tx1"/>
+                      </a:solidFill>
+                      <a:prstDash val="solid"/>
+                      <a:round/>
+                      <a:headEnd type="none" w="med" len="med"/>
+                      <a:tailEnd type="none" w="med" len="med"/>
+                    </a:lnT>
+                  </a:tcPr>
+                </a:tc>
+                <a:tc>
+                  <a:txBody>
+                    <a:bodyPr/>
+                    <a:lstStyle/>
+                    <a:p>
+                      <a:pPr algn="ctr"/>
+                      <a:r>
+                        <a:rPr lang="it-IT" sz="1800" b="0" i="0" kern="1200">
+                          <a:solidFill>
+                            <a:schemeClr val="tx1"/>
+                          </a:solidFill>
+                          <a:effectLst/>
+                          <a:latin typeface="Avenir Next LT Pro" panose="020B0504020202020204" pitchFamily="34" charset="0"/>
+                          <a:ea typeface="+mn-ea"/>
+                          <a:cs typeface="+mn-cs"/>
+                        </a:rPr>
+                        <a:t>0.9733</a:t>
+                      </a:r>
+                      <a:endParaRPr lang="it-IT">
+                        <a:latin typeface="Avenir Next LT Pro" panose="020B0504020202020204" pitchFamily="34" charset="0"/>
+                      </a:endParaRPr>
+                    </a:p>
+                  </a:txBody>
+                  <a:tcPr>
+                    <a:lnL w="12700" cap="flat" cmpd="sng" algn="ctr">
+                      <a:solidFill>
+                        <a:schemeClr val="tx1"/>
+                      </a:solidFill>
+                      <a:prstDash val="solid"/>
+                      <a:round/>
+                      <a:headEnd type="none" w="med" len="med"/>
+                      <a:tailEnd type="none" w="med" len="med"/>
+                    </a:lnL>
+                    <a:lnR w="12700" cap="flat" cmpd="sng" algn="ctr">
+                      <a:solidFill>
+                        <a:schemeClr val="tx1"/>
+                      </a:solidFill>
+                      <a:prstDash val="solid"/>
+                      <a:round/>
+                      <a:headEnd type="none" w="med" len="med"/>
+                      <a:tailEnd type="none" w="med" len="med"/>
+                    </a:lnR>
+                    <a:lnT w="12700" cap="flat" cmpd="sng" algn="ctr">
+                      <a:solidFill>
+                        <a:schemeClr val="tx1"/>
+                      </a:solidFill>
+                      <a:prstDash val="solid"/>
+                      <a:round/>
+                      <a:headEnd type="none" w="med" len="med"/>
+                      <a:tailEnd type="none" w="med" len="med"/>
+                    </a:lnT>
+                  </a:tcPr>
+                </a:tc>
+                <a:tc>
+                  <a:txBody>
+                    <a:bodyPr/>
+                    <a:lstStyle/>
+                    <a:p>
+                      <a:pPr algn="ctr"/>
+                      <a:r>
+                        <a:rPr lang="it-IT">
+                          <a:latin typeface="Avenir Next LT Pro" panose="020B0504020202020204" pitchFamily="34" charset="0"/>
+                        </a:rPr>
+                        <a:t>0.974</a:t>
+                      </a:r>
+                    </a:p>
+                  </a:txBody>
+                  <a:tcPr>
+                    <a:lnL w="12700" cap="flat" cmpd="sng" algn="ctr">
+                      <a:solidFill>
+                        <a:schemeClr val="tx1"/>
+                      </a:solidFill>
+                      <a:prstDash val="solid"/>
+                      <a:round/>
+                      <a:headEnd type="none" w="med" len="med"/>
+                      <a:tailEnd type="none" w="med" len="med"/>
+                    </a:lnL>
+                    <a:lnR w="12700" cap="flat" cmpd="sng" algn="ctr">
+                      <a:solidFill>
+                        <a:schemeClr val="tx1"/>
+                      </a:solidFill>
+                      <a:prstDash val="solid"/>
+                      <a:round/>
+                      <a:headEnd type="none" w="med" len="med"/>
+                      <a:tailEnd type="none" w="med" len="med"/>
+                    </a:lnR>
+                    <a:lnT w="12700" cap="flat" cmpd="sng" algn="ctr">
+                      <a:solidFill>
+                        <a:schemeClr val="tx1"/>
+                      </a:solidFill>
+                      <a:prstDash val="solid"/>
+                      <a:round/>
+                      <a:headEnd type="none" w="med" len="med"/>
+                      <a:tailEnd type="none" w="med" len="med"/>
+                    </a:lnT>
+                  </a:tcPr>
+                </a:tc>
+                <a:tc>
+                  <a:txBody>
+                    <a:bodyPr/>
+                    <a:lstStyle/>
+                    <a:p>
+                      <a:pPr algn="ctr"/>
+                      <a:r>
+                        <a:rPr lang="it-IT">
+                          <a:latin typeface="Avenir Next LT Pro" panose="020B0504020202020204" pitchFamily="34" charset="0"/>
+                        </a:rPr>
+                        <a:t>0.974</a:t>
+                      </a:r>
+                    </a:p>
+                  </a:txBody>
+                  <a:tcPr>
+                    <a:lnL w="12700" cap="flat" cmpd="sng" algn="ctr">
+                      <a:solidFill>
+                        <a:schemeClr val="tx1"/>
+                      </a:solidFill>
+                      <a:prstDash val="solid"/>
+                      <a:round/>
+                      <a:headEnd type="none" w="med" len="med"/>
+                      <a:tailEnd type="none" w="med" len="med"/>
+                    </a:lnL>
+                    <a:lnT w="12700" cap="flat" cmpd="sng" algn="ctr">
+                      <a:solidFill>
+                        <a:schemeClr val="tx1"/>
+                      </a:solidFill>
+                      <a:prstDash val="solid"/>
+                      <a:round/>
+                      <a:headEnd type="none" w="med" len="med"/>
+                      <a:tailEnd type="none" w="med" len="med"/>
+                    </a:lnT>
+                  </a:tcPr>
+                </a:tc>
+                <a:extLst>
+                  <a:ext uri="{0D108BD9-81ED-4DB2-BD59-A6C34878D82A}">
+                    <a16:rowId xmlns:a16="http://schemas.microsoft.com/office/drawing/2014/main" val="2532579262"/>
+                  </a:ext>
+                </a:extLst>
+              </a:tr>
+              <a:tr h="370840">
+                <a:tc>
+                  <a:txBody>
+                    <a:bodyPr/>
+                    <a:lstStyle/>
+                    <a:p>
+                      <a:r>
+                        <a:rPr lang="it-IT">
+                          <a:latin typeface="Bahnschrift SemiBold SemiConden" panose="020B0502040204020203" pitchFamily="34" charset="0"/>
+                        </a:rPr>
+                        <a:t>Decision Tree</a:t>
+                      </a:r>
+                    </a:p>
+                  </a:txBody>
+                  <a:tcPr>
+                    <a:lnR w="12700" cap="flat" cmpd="sng" algn="ctr">
+                      <a:solidFill>
+                        <a:schemeClr val="tx1"/>
+                      </a:solidFill>
+                      <a:prstDash val="solid"/>
+                      <a:round/>
+                      <a:headEnd type="none" w="med" len="med"/>
+                      <a:tailEnd type="none" w="med" len="med"/>
+                    </a:lnR>
+                  </a:tcPr>
+                </a:tc>
+                <a:tc>
+                  <a:txBody>
+                    <a:bodyPr/>
+                    <a:lstStyle/>
+                    <a:p>
+                      <a:pPr marL="0" marR="0" lvl="0" indent="0" algn="ctr" defTabSz="457200" rtl="0" eaLnBrk="1" fontAlgn="auto" latinLnBrk="0" hangingPunct="1">
+                        <a:lnSpc>
+                          <a:spcPct val="100000"/>
+                        </a:lnSpc>
+                        <a:spcBef>
+                          <a:spcPts val="0"/>
+                        </a:spcBef>
+                        <a:spcAft>
+                          <a:spcPts val="0"/>
+                        </a:spcAft>
+                        <a:buClrTx/>
+                        <a:buSzTx/>
+                        <a:buFontTx/>
+                        <a:buNone/>
+                        <a:tabLst/>
+                        <a:defRPr/>
+                      </a:pPr>
+                      <a:r>
+                        <a:rPr lang="it-IT" b="0">
+                          <a:latin typeface="Avenir Next LT Pro" panose="020B0504020202020204" pitchFamily="34" charset="0"/>
+                        </a:rPr>
+                        <a:t>0.9773</a:t>
+                      </a:r>
+                    </a:p>
+                  </a:txBody>
+                  <a:tcPr>
+                    <a:lnL w="12700" cap="flat" cmpd="sng" algn="ctr">
+                      <a:solidFill>
+                        <a:schemeClr val="tx1"/>
+                      </a:solidFill>
+                      <a:prstDash val="solid"/>
+                      <a:round/>
+                      <a:headEnd type="none" w="med" len="med"/>
+                      <a:tailEnd type="none" w="med" len="med"/>
+                    </a:lnL>
+                    <a:lnR w="12700" cap="flat" cmpd="sng" algn="ctr">
+                      <a:solidFill>
+                        <a:schemeClr val="tx1"/>
+                      </a:solidFill>
+                      <a:prstDash val="solid"/>
+                      <a:round/>
+                      <a:headEnd type="none" w="med" len="med"/>
+                      <a:tailEnd type="none" w="med" len="med"/>
+                    </a:lnR>
+                  </a:tcPr>
+                </a:tc>
+                <a:tc>
+                  <a:txBody>
+                    <a:bodyPr/>
+                    <a:lstStyle/>
+                    <a:p>
+                      <a:pPr algn="ctr"/>
+                      <a:r>
+                        <a:rPr lang="it-IT" b="0">
+                          <a:latin typeface="Avenir Next LT Pro" panose="020B0504020202020204" pitchFamily="34" charset="0"/>
+                        </a:rPr>
+                        <a:t>0.9773</a:t>
+                      </a:r>
+                    </a:p>
+                  </a:txBody>
+                  <a:tcPr>
+                    <a:lnL w="12700" cap="flat" cmpd="sng" algn="ctr">
+                      <a:solidFill>
+                        <a:schemeClr val="tx1"/>
+                      </a:solidFill>
+                      <a:prstDash val="solid"/>
+                      <a:round/>
+                      <a:headEnd type="none" w="med" len="med"/>
+                      <a:tailEnd type="none" w="med" len="med"/>
+                    </a:lnL>
+                    <a:lnR w="12700" cap="flat" cmpd="sng" algn="ctr">
+                      <a:solidFill>
+                        <a:schemeClr val="tx1"/>
+                      </a:solidFill>
+                      <a:prstDash val="solid"/>
+                      <a:round/>
+                      <a:headEnd type="none" w="med" len="med"/>
+                      <a:tailEnd type="none" w="med" len="med"/>
+                    </a:lnR>
+                  </a:tcPr>
+                </a:tc>
+                <a:tc>
+                  <a:txBody>
+                    <a:bodyPr/>
+                    <a:lstStyle/>
+                    <a:p>
+                      <a:pPr algn="ctr"/>
+                      <a:endParaRPr lang="it-IT">
+                        <a:latin typeface="Avenir Next LT Pro" panose="020B0504020202020204" pitchFamily="34" charset="0"/>
+                      </a:endParaRPr>
+                    </a:p>
+                  </a:txBody>
+                  <a:tcPr>
+                    <a:lnL w="12700" cap="flat" cmpd="sng" algn="ctr">
+                      <a:solidFill>
+                        <a:schemeClr val="tx1"/>
+                      </a:solidFill>
+                      <a:prstDash val="solid"/>
+                      <a:round/>
+                      <a:headEnd type="none" w="med" len="med"/>
+                      <a:tailEnd type="none" w="med" len="med"/>
+                    </a:lnL>
+                    <a:lnR w="12700" cap="flat" cmpd="sng" algn="ctr">
+                      <a:solidFill>
+                        <a:schemeClr val="tx1"/>
+                      </a:solidFill>
+                      <a:prstDash val="solid"/>
+                      <a:round/>
+                      <a:headEnd type="none" w="med" len="med"/>
+                      <a:tailEnd type="none" w="med" len="med"/>
+                    </a:lnR>
+                  </a:tcPr>
+                </a:tc>
+                <a:tc>
+                  <a:txBody>
+                    <a:bodyPr/>
+                    <a:lstStyle/>
+                    <a:p>
+                      <a:pPr algn="ctr"/>
+                      <a:r>
+                        <a:rPr lang="it-IT" sz="1800" b="0" i="0" kern="1200">
+                          <a:solidFill>
+                            <a:schemeClr val="tx1"/>
+                          </a:solidFill>
+                          <a:effectLst/>
+                          <a:latin typeface="Avenir Next LT Pro" panose="020B0504020202020204" pitchFamily="34" charset="0"/>
+                          <a:ea typeface="+mn-ea"/>
+                          <a:cs typeface="+mn-cs"/>
+                        </a:rPr>
+                        <a:t>0.9734</a:t>
+                      </a:r>
+                      <a:endParaRPr lang="it-IT">
+                        <a:latin typeface="Avenir Next LT Pro" panose="020B0504020202020204" pitchFamily="34" charset="0"/>
+                      </a:endParaRPr>
+                    </a:p>
+                  </a:txBody>
+                  <a:tcPr>
+                    <a:lnL w="12700" cap="flat" cmpd="sng" algn="ctr">
+                      <a:solidFill>
+                        <a:schemeClr val="tx1"/>
+                      </a:solidFill>
+                      <a:prstDash val="solid"/>
+                      <a:round/>
+                      <a:headEnd type="none" w="med" len="med"/>
+                      <a:tailEnd type="none" w="med" len="med"/>
+                    </a:lnL>
+                    <a:lnR w="12700" cap="flat" cmpd="sng" algn="ctr">
+                      <a:solidFill>
+                        <a:schemeClr val="tx1"/>
+                      </a:solidFill>
+                      <a:prstDash val="solid"/>
+                      <a:round/>
+                      <a:headEnd type="none" w="med" len="med"/>
+                      <a:tailEnd type="none" w="med" len="med"/>
+                    </a:lnR>
+                  </a:tcPr>
+                </a:tc>
+                <a:tc>
+                  <a:txBody>
+                    <a:bodyPr/>
+                    <a:lstStyle/>
+                    <a:p>
+                      <a:pPr algn="ctr"/>
+                      <a:endParaRPr lang="it-IT">
+                        <a:latin typeface="Avenir Next LT Pro" panose="020B0504020202020204" pitchFamily="34" charset="0"/>
+                      </a:endParaRPr>
+                    </a:p>
+                  </a:txBody>
+                  <a:tcPr>
+                    <a:lnL w="12700" cap="flat" cmpd="sng" algn="ctr">
+                      <a:solidFill>
+                        <a:schemeClr val="tx1"/>
+                      </a:solidFill>
+                      <a:prstDash val="solid"/>
+                      <a:round/>
+                      <a:headEnd type="none" w="med" len="med"/>
+                      <a:tailEnd type="none" w="med" len="med"/>
+                    </a:lnL>
+                    <a:lnR w="12700" cap="flat" cmpd="sng" algn="ctr">
+                      <a:solidFill>
+                        <a:schemeClr val="tx1"/>
+                      </a:solidFill>
+                      <a:prstDash val="solid"/>
+                      <a:round/>
+                      <a:headEnd type="none" w="med" len="med"/>
+                      <a:tailEnd type="none" w="med" len="med"/>
+                    </a:lnR>
+                  </a:tcPr>
+                </a:tc>
+                <a:tc>
+                  <a:txBody>
+                    <a:bodyPr/>
+                    <a:lstStyle/>
+                    <a:p>
+                      <a:pPr algn="ctr"/>
+                      <a:endParaRPr lang="it-IT">
+                        <a:latin typeface="Avenir Next LT Pro" panose="020B0504020202020204" pitchFamily="34" charset="0"/>
+                      </a:endParaRPr>
+                    </a:p>
+                  </a:txBody>
+                  <a:tcPr>
+                    <a:lnL w="12700" cap="flat" cmpd="sng" algn="ctr">
+                      <a:solidFill>
+                        <a:schemeClr val="tx1"/>
+                      </a:solidFill>
+                      <a:prstDash val="solid"/>
+                      <a:round/>
+                      <a:headEnd type="none" w="med" len="med"/>
+                      <a:tailEnd type="none" w="med" len="med"/>
+                    </a:lnL>
+                  </a:tcPr>
+                </a:tc>
+                <a:extLst>
+                  <a:ext uri="{0D108BD9-81ED-4DB2-BD59-A6C34878D82A}">
+                    <a16:rowId xmlns:a16="http://schemas.microsoft.com/office/drawing/2014/main" val="3341464040"/>
+                  </a:ext>
+                </a:extLst>
+              </a:tr>
+              <a:tr h="370840">
+                <a:tc>
+                  <a:txBody>
+                    <a:bodyPr/>
+                    <a:lstStyle/>
+                    <a:p>
+                      <a:r>
+                        <a:rPr lang="it-IT">
+                          <a:latin typeface="Bahnschrift SemiBold SemiConden" panose="020B0502040204020203" pitchFamily="34" charset="0"/>
+                        </a:rPr>
+                        <a:t>Random Forest</a:t>
+                      </a:r>
+                    </a:p>
+                  </a:txBody>
+                  <a:tcPr>
+                    <a:lnR w="12700" cap="flat" cmpd="sng" algn="ctr">
+                      <a:solidFill>
+                        <a:schemeClr val="tx1"/>
+                      </a:solidFill>
+                      <a:prstDash val="solid"/>
+                      <a:round/>
+                      <a:headEnd type="none" w="med" len="med"/>
+                      <a:tailEnd type="none" w="med" len="med"/>
+                    </a:lnR>
+                  </a:tcPr>
+                </a:tc>
+                <a:tc>
+                  <a:txBody>
+                    <a:bodyPr/>
+                    <a:lstStyle/>
+                    <a:p>
+                      <a:pPr algn="ctr"/>
+                      <a:endParaRPr lang="it-IT">
+                        <a:latin typeface="Avenir Next LT Pro" panose="020B0504020202020204" pitchFamily="34" charset="0"/>
+                      </a:endParaRPr>
+                    </a:p>
+                  </a:txBody>
+                  <a:tcPr>
+                    <a:lnL w="12700" cap="flat" cmpd="sng" algn="ctr">
+                      <a:solidFill>
+                        <a:schemeClr val="tx1"/>
+                      </a:solidFill>
+                      <a:prstDash val="solid"/>
+                      <a:round/>
+                      <a:headEnd type="none" w="med" len="med"/>
+                      <a:tailEnd type="none" w="med" len="med"/>
+                    </a:lnL>
+                    <a:lnR w="12700" cap="flat" cmpd="sng" algn="ctr">
+                      <a:solidFill>
+                        <a:schemeClr val="tx1"/>
+                      </a:solidFill>
+                      <a:prstDash val="solid"/>
+                      <a:round/>
+                      <a:headEnd type="none" w="med" len="med"/>
+                      <a:tailEnd type="none" w="med" len="med"/>
+                    </a:lnR>
+                  </a:tcPr>
+                </a:tc>
+                <a:tc>
+                  <a:txBody>
+                    <a:bodyPr/>
+                    <a:lstStyle/>
+                    <a:p>
+                      <a:pPr algn="ctr"/>
+                      <a:endParaRPr lang="it-IT">
+                        <a:latin typeface="Avenir Next LT Pro" panose="020B0504020202020204" pitchFamily="34" charset="0"/>
+                      </a:endParaRPr>
+                    </a:p>
+                  </a:txBody>
+                  <a:tcPr>
+                    <a:lnL w="12700" cap="flat" cmpd="sng" algn="ctr">
+                      <a:solidFill>
+                        <a:schemeClr val="tx1"/>
+                      </a:solidFill>
+                      <a:prstDash val="solid"/>
+                      <a:round/>
+                      <a:headEnd type="none" w="med" len="med"/>
+                      <a:tailEnd type="none" w="med" len="med"/>
+                    </a:lnL>
+                    <a:lnR w="12700" cap="flat" cmpd="sng" algn="ctr">
+                      <a:solidFill>
+                        <a:schemeClr val="tx1"/>
+                      </a:solidFill>
+                      <a:prstDash val="solid"/>
+                      <a:round/>
+                      <a:headEnd type="none" w="med" len="med"/>
+                      <a:tailEnd type="none" w="med" len="med"/>
+                    </a:lnR>
+                  </a:tcPr>
+                </a:tc>
+                <a:tc>
+                  <a:txBody>
+                    <a:bodyPr/>
+                    <a:lstStyle/>
+                    <a:p>
+                      <a:pPr algn="ctr"/>
+                      <a:endParaRPr lang="it-IT">
+                        <a:latin typeface="Avenir Next LT Pro" panose="020B0504020202020204" pitchFamily="34" charset="0"/>
+                      </a:endParaRPr>
+                    </a:p>
+                  </a:txBody>
+                  <a:tcPr>
+                    <a:lnL w="12700" cap="flat" cmpd="sng" algn="ctr">
+                      <a:solidFill>
+                        <a:schemeClr val="tx1"/>
+                      </a:solidFill>
+                      <a:prstDash val="solid"/>
+                      <a:round/>
+                      <a:headEnd type="none" w="med" len="med"/>
+                      <a:tailEnd type="none" w="med" len="med"/>
+                    </a:lnL>
+                    <a:lnR w="12700" cap="flat" cmpd="sng" algn="ctr">
+                      <a:solidFill>
+                        <a:schemeClr val="tx1"/>
+                      </a:solidFill>
+                      <a:prstDash val="solid"/>
+                      <a:round/>
+                      <a:headEnd type="none" w="med" len="med"/>
+                      <a:tailEnd type="none" w="med" len="med"/>
+                    </a:lnR>
+                  </a:tcPr>
+                </a:tc>
+                <a:tc>
+                  <a:txBody>
+                    <a:bodyPr/>
+                    <a:lstStyle/>
+                    <a:p>
+                      <a:pPr algn="ctr"/>
+                      <a:endParaRPr lang="it-IT">
+                        <a:latin typeface="Avenir Next LT Pro" panose="020B0504020202020204" pitchFamily="34" charset="0"/>
+                      </a:endParaRPr>
+                    </a:p>
+                  </a:txBody>
+                  <a:tcPr>
+                    <a:lnL w="12700" cap="flat" cmpd="sng" algn="ctr">
+                      <a:solidFill>
+                        <a:schemeClr val="tx1"/>
+                      </a:solidFill>
+                      <a:prstDash val="solid"/>
+                      <a:round/>
+                      <a:headEnd type="none" w="med" len="med"/>
+                      <a:tailEnd type="none" w="med" len="med"/>
+                    </a:lnL>
+                    <a:lnR w="12700" cap="flat" cmpd="sng" algn="ctr">
+                      <a:solidFill>
+                        <a:schemeClr val="tx1"/>
+                      </a:solidFill>
+                      <a:prstDash val="solid"/>
+                      <a:round/>
+                      <a:headEnd type="none" w="med" len="med"/>
+                      <a:tailEnd type="none" w="med" len="med"/>
+                    </a:lnR>
+                  </a:tcPr>
+                </a:tc>
+                <a:tc>
+                  <a:txBody>
+                    <a:bodyPr/>
+                    <a:lstStyle/>
+                    <a:p>
+                      <a:pPr algn="ctr"/>
+                      <a:endParaRPr lang="it-IT">
+                        <a:latin typeface="Avenir Next LT Pro" panose="020B0504020202020204" pitchFamily="34" charset="0"/>
+                      </a:endParaRPr>
+                    </a:p>
+                  </a:txBody>
+                  <a:tcPr>
+                    <a:lnL w="12700" cap="flat" cmpd="sng" algn="ctr">
+                      <a:solidFill>
+                        <a:schemeClr val="tx1"/>
+                      </a:solidFill>
+                      <a:prstDash val="solid"/>
+                      <a:round/>
+                      <a:headEnd type="none" w="med" len="med"/>
+                      <a:tailEnd type="none" w="med" len="med"/>
+                    </a:lnL>
+                    <a:lnR w="12700" cap="flat" cmpd="sng" algn="ctr">
+                      <a:solidFill>
+                        <a:schemeClr val="tx1"/>
+                      </a:solidFill>
+                      <a:prstDash val="solid"/>
+                      <a:round/>
+                      <a:headEnd type="none" w="med" len="med"/>
+                      <a:tailEnd type="none" w="med" len="med"/>
+                    </a:lnR>
+                  </a:tcPr>
+                </a:tc>
+                <a:tc>
+                  <a:txBody>
+                    <a:bodyPr/>
+                    <a:lstStyle/>
+                    <a:p>
+                      <a:pPr algn="ctr"/>
+                      <a:endParaRPr lang="it-IT">
+                        <a:latin typeface="Avenir Next LT Pro" panose="020B0504020202020204" pitchFamily="34" charset="0"/>
+                      </a:endParaRPr>
+                    </a:p>
+                  </a:txBody>
+                  <a:tcPr>
+                    <a:lnL w="12700" cap="flat" cmpd="sng" algn="ctr">
+                      <a:solidFill>
+                        <a:schemeClr val="tx1"/>
+                      </a:solidFill>
+                      <a:prstDash val="solid"/>
+                      <a:round/>
+                      <a:headEnd type="none" w="med" len="med"/>
+                      <a:tailEnd type="none" w="med" len="med"/>
+                    </a:lnL>
+                  </a:tcPr>
+                </a:tc>
+                <a:extLst>
+                  <a:ext uri="{0D108BD9-81ED-4DB2-BD59-A6C34878D82A}">
+                    <a16:rowId xmlns:a16="http://schemas.microsoft.com/office/drawing/2014/main" val="2466824742"/>
+                  </a:ext>
+                </a:extLst>
+              </a:tr>
+            </a:tbl>
+          </a:graphicData>
+        </a:graphic>
+      </p:graphicFrame>
+      <p:sp>
+        <p:nvSpPr>
+          <p:cNvPr id="6" name="CasellaDiTesto 5">
+            <a:extLst>
+              <a:ext uri="{FF2B5EF4-FFF2-40B4-BE49-F238E27FC236}">
+                <a16:creationId xmlns:a16="http://schemas.microsoft.com/office/drawing/2014/main" id="{BC619C78-40E2-4630-9699-7D2EFDB53A63}"/>
+              </a:ext>
+            </a:extLst>
+          </p:cNvPr>
+          <p:cNvSpPr txBox="1"/>
+          <p:nvPr/>
+        </p:nvSpPr>
+        <p:spPr>
+          <a:xfrm>
+            <a:off x="769650" y="2294071"/>
+            <a:ext cx="1799112" cy="461665"/>
+          </a:xfrm>
+          <a:prstGeom prst="rect">
+            <a:avLst/>
+          </a:prstGeom>
+          <a:noFill/>
+        </p:spPr>
+        <p:txBody>
+          <a:bodyPr wrap="square" rtlCol="0" anchor="ctr">
+            <a:spAutoFit/>
+          </a:bodyPr>
+          <a:lstStyle/>
+          <a:p>
+            <a:pPr algn="ctr"/>
+            <a:r>
+              <a:rPr lang="it-IT" sz="2400" b="1">
+                <a:solidFill>
+                  <a:schemeClr val="accent4">
+                    <a:lumMod val="60000"/>
+                    <a:lumOff val="40000"/>
+                  </a:schemeClr>
+                </a:solidFill>
+              </a:rPr>
+              <a:t>Accuracy</a:t>
+            </a:r>
+          </a:p>
+        </p:txBody>
+      </p:sp>
+      <p:graphicFrame>
+        <p:nvGraphicFramePr>
+          <p:cNvPr id="8" name="Tabella 10">
+            <a:extLst>
+              <a:ext uri="{FF2B5EF4-FFF2-40B4-BE49-F238E27FC236}">
+                <a16:creationId xmlns:a16="http://schemas.microsoft.com/office/drawing/2014/main" id="{E4AFDD1F-C4B0-4DC3-8B0A-AB22D5DC190A}"/>
+              </a:ext>
+            </a:extLst>
+          </p:cNvPr>
+          <p:cNvGraphicFramePr>
+            <a:graphicFrameLocks noGrp="1"/>
+          </p:cNvGraphicFramePr>
+          <p:nvPr>
+            <p:extLst>
+              <p:ext uri="{D42A27DB-BD31-4B8C-83A1-F6EECF244321}">
+                <p14:modId xmlns:p14="http://schemas.microsoft.com/office/powerpoint/2010/main" val="817743733"/>
+              </p:ext>
+            </p:extLst>
+          </p:nvPr>
+        </p:nvGraphicFramePr>
+        <p:xfrm>
+          <a:off x="694061" y="4474134"/>
+          <a:ext cx="10551283" cy="1844040"/>
+        </p:xfrm>
+        <a:graphic>
+          <a:graphicData uri="http://schemas.openxmlformats.org/drawingml/2006/table">
+            <a:tbl>
+              <a:tblPr firstRow="1" bandRow="1">
+                <a:tableStyleId>{3B4B98B0-60AC-42C2-AFA5-B58CD77FA1E5}</a:tableStyleId>
+              </a:tblPr>
+              <a:tblGrid>
+                <a:gridCol w="1957828">
+                  <a:extLst>
+                    <a:ext uri="{9D8B030D-6E8A-4147-A177-3AD203B41FA5}">
+                      <a16:colId xmlns:a16="http://schemas.microsoft.com/office/drawing/2014/main" val="396372187"/>
+                    </a:ext>
+                  </a:extLst>
+                </a:gridCol>
+                <a:gridCol w="1306286">
+                  <a:extLst>
+                    <a:ext uri="{9D8B030D-6E8A-4147-A177-3AD203B41FA5}">
+                      <a16:colId xmlns:a16="http://schemas.microsoft.com/office/drawing/2014/main" val="1229565216"/>
+                    </a:ext>
+                  </a:extLst>
+                </a:gridCol>
+                <a:gridCol w="1240971">
+                  <a:extLst>
+                    <a:ext uri="{9D8B030D-6E8A-4147-A177-3AD203B41FA5}">
+                      <a16:colId xmlns:a16="http://schemas.microsoft.com/office/drawing/2014/main" val="3000570086"/>
+                    </a:ext>
+                  </a:extLst>
+                </a:gridCol>
+                <a:gridCol w="1561606">
+                  <a:extLst>
+                    <a:ext uri="{9D8B030D-6E8A-4147-A177-3AD203B41FA5}">
+                      <a16:colId xmlns:a16="http://schemas.microsoft.com/office/drawing/2014/main" val="2527479792"/>
+                    </a:ext>
+                  </a:extLst>
+                </a:gridCol>
+                <a:gridCol w="1711707">
+                  <a:extLst>
+                    <a:ext uri="{9D8B030D-6E8A-4147-A177-3AD203B41FA5}">
+                      <a16:colId xmlns:a16="http://schemas.microsoft.com/office/drawing/2014/main" val="1832342877"/>
+                    </a:ext>
+                  </a:extLst>
+                </a:gridCol>
+                <a:gridCol w="1442852">
+                  <a:extLst>
+                    <a:ext uri="{9D8B030D-6E8A-4147-A177-3AD203B41FA5}">
+                      <a16:colId xmlns:a16="http://schemas.microsoft.com/office/drawing/2014/main" val="455619855"/>
+                    </a:ext>
+                  </a:extLst>
+                </a:gridCol>
+                <a:gridCol w="1330033">
+                  <a:extLst>
+                    <a:ext uri="{9D8B030D-6E8A-4147-A177-3AD203B41FA5}">
+                      <a16:colId xmlns:a16="http://schemas.microsoft.com/office/drawing/2014/main" val="842104205"/>
+                    </a:ext>
+                  </a:extLst>
+                </a:gridCol>
+              </a:tblGrid>
+              <a:tr h="357766">
+                <a:tc>
+                  <a:txBody>
+                    <a:bodyPr/>
+                    <a:lstStyle/>
+                    <a:p>
+                      <a:endParaRPr lang="it-IT">
+                        <a:solidFill>
+                          <a:schemeClr val="accent2"/>
+                        </a:solidFill>
+                      </a:endParaRPr>
+                    </a:p>
+                  </a:txBody>
+                  <a:tcPr>
+                    <a:solidFill>
+                      <a:schemeClr val="accent1"/>
+                    </a:solidFill>
+                  </a:tcPr>
+                </a:tc>
+                <a:tc gridSpan="2">
+                  <a:txBody>
+                    <a:bodyPr/>
+                    <a:lstStyle/>
+                    <a:p>
+                      <a:pPr algn="ctr"/>
+                      <a:r>
+                        <a:rPr lang="it-IT"/>
+                        <a:t>Numerical</a:t>
+                      </a:r>
+                    </a:p>
+                  </a:txBody>
+                  <a:tcPr/>
+                </a:tc>
+                <a:tc hMerge="1">
+                  <a:txBody>
+                    <a:bodyPr/>
+                    <a:lstStyle/>
+                    <a:p>
+                      <a:endParaRPr lang="it-IT"/>
+                    </a:p>
+                  </a:txBody>
+                  <a:tcPr/>
+                </a:tc>
+                <a:tc>
+                  <a:txBody>
+                    <a:bodyPr/>
+                    <a:lstStyle/>
+                    <a:p>
+                      <a:pPr algn="ctr"/>
+                      <a:r>
+                        <a:rPr lang="it-IT"/>
+                        <a:t>All Features</a:t>
+                      </a:r>
+                    </a:p>
+                  </a:txBody>
+                  <a:tcPr/>
+                </a:tc>
+                <a:tc>
+                  <a:txBody>
+                    <a:bodyPr/>
+                    <a:lstStyle/>
+                    <a:p>
+                      <a:pPr algn="ctr"/>
+                      <a:r>
+                        <a:rPr lang="it-IT"/>
+                        <a:t>Categorical</a:t>
+                      </a:r>
+                    </a:p>
+                  </a:txBody>
+                  <a:tcPr/>
+                </a:tc>
+                <a:tc gridSpan="2">
+                  <a:txBody>
+                    <a:bodyPr/>
+                    <a:lstStyle/>
+                    <a:p>
+                      <a:pPr algn="ctr"/>
+                      <a:r>
+                        <a:rPr lang="it-IT"/>
+                        <a:t>Mix</a:t>
+                      </a:r>
+                    </a:p>
+                  </a:txBody>
+                  <a:tcPr/>
+                </a:tc>
+                <a:tc hMerge="1">
+                  <a:txBody>
+                    <a:bodyPr/>
+                    <a:lstStyle/>
+                    <a:p>
+                      <a:pPr algn="ctr"/>
+                      <a:endParaRPr lang="it-IT"/>
+                    </a:p>
+                  </a:txBody>
+                  <a:tcPr/>
+                </a:tc>
+                <a:extLst>
+                  <a:ext uri="{0D108BD9-81ED-4DB2-BD59-A6C34878D82A}">
+                    <a16:rowId xmlns:a16="http://schemas.microsoft.com/office/drawing/2014/main" val="464026787"/>
+                  </a:ext>
+                </a:extLst>
+              </a:tr>
+              <a:tr h="359229">
+                <a:tc>
+                  <a:txBody>
+                    <a:bodyPr/>
+                    <a:lstStyle/>
+                    <a:p>
+                      <a:endParaRPr lang="it-IT">
+                        <a:solidFill>
+                          <a:schemeClr val="accent2"/>
+                        </a:solidFill>
+                      </a:endParaRPr>
+                    </a:p>
+                  </a:txBody>
+                  <a:tcPr>
+                    <a:lnB w="12700" cap="flat" cmpd="sng" algn="ctr">
+                      <a:solidFill>
+                        <a:schemeClr val="tx1"/>
+                      </a:solidFill>
+                      <a:prstDash val="solid"/>
+                      <a:round/>
+                      <a:headEnd type="none" w="med" len="med"/>
+                      <a:tailEnd type="none" w="med" len="med"/>
+                    </a:lnB>
+                    <a:solidFill>
+                      <a:schemeClr val="accent1"/>
+                    </a:solidFill>
+                  </a:tcPr>
+                </a:tc>
+                <a:tc>
+                  <a:txBody>
+                    <a:bodyPr/>
+                    <a:lstStyle/>
+                    <a:p>
+                      <a:pPr algn="ctr">
+                        <a:lnSpc>
+                          <a:spcPct val="150000"/>
+                        </a:lnSpc>
+                      </a:pPr>
+                      <a:r>
+                        <a:rPr lang="it-IT" sz="1100" u="sng">
+                          <a:latin typeface="Bahnschrift SemiBold SemiConden" panose="020B0502040204020203" pitchFamily="34" charset="0"/>
+                        </a:rPr>
+                        <a:t>with standardization</a:t>
+                      </a:r>
+                    </a:p>
+                  </a:txBody>
+                  <a:tcPr>
+                    <a:lnR w="12700" cap="flat" cmpd="sng" algn="ctr">
+                      <a:solidFill>
+                        <a:schemeClr val="tx1"/>
+                      </a:solidFill>
+                      <a:prstDash val="solid"/>
+                      <a:round/>
+                      <a:headEnd type="none" w="med" len="med"/>
+                      <a:tailEnd type="none" w="med" len="med"/>
+                    </a:lnR>
+                    <a:lnB w="12700" cap="flat" cmpd="sng" algn="ctr">
+                      <a:solidFill>
+                        <a:schemeClr val="tx1"/>
+                      </a:solidFill>
+                      <a:prstDash val="solid"/>
+                      <a:round/>
+                      <a:headEnd type="none" w="med" len="med"/>
+                      <a:tailEnd type="none" w="med" len="med"/>
+                    </a:lnB>
+                  </a:tcPr>
+                </a:tc>
+                <a:tc>
+                  <a:txBody>
+                    <a:bodyPr/>
+                    <a:lstStyle/>
+                    <a:p>
+                      <a:pPr algn="ctr">
+                        <a:lnSpc>
+                          <a:spcPct val="150000"/>
+                        </a:lnSpc>
+                      </a:pPr>
+                      <a:r>
+                        <a:rPr lang="it-IT" sz="1100" u="sng">
+                          <a:latin typeface="Bahnschrift SemiBold SemiConden" panose="020B0502040204020203" pitchFamily="34" charset="0"/>
+                        </a:rPr>
+                        <a:t>w/out standardize</a:t>
+                      </a:r>
+                    </a:p>
+                  </a:txBody>
+                  <a:tcPr>
+                    <a:lnL w="12700" cap="flat" cmpd="sng" algn="ctr">
+                      <a:solidFill>
+                        <a:schemeClr val="tx1"/>
+                      </a:solidFill>
+                      <a:prstDash val="solid"/>
+                      <a:round/>
+                      <a:headEnd type="none" w="med" len="med"/>
+                      <a:tailEnd type="none" w="med" len="med"/>
+                    </a:lnL>
+                    <a:lnB w="12700" cap="flat" cmpd="sng" algn="ctr">
+                      <a:solidFill>
+                        <a:schemeClr val="tx1"/>
+                      </a:solidFill>
+                      <a:prstDash val="solid"/>
+                      <a:round/>
+                      <a:headEnd type="none" w="med" len="med"/>
+                      <a:tailEnd type="none" w="med" len="med"/>
+                    </a:lnB>
+                  </a:tcPr>
+                </a:tc>
+                <a:tc>
+                  <a:txBody>
+                    <a:bodyPr/>
+                    <a:lstStyle/>
+                    <a:p>
+                      <a:endParaRPr lang="it-IT"/>
+                    </a:p>
+                  </a:txBody>
+                  <a:tcPr>
+                    <a:lnB w="12700" cap="flat" cmpd="sng" algn="ctr">
+                      <a:solidFill>
+                        <a:schemeClr val="tx1"/>
+                      </a:solidFill>
+                      <a:prstDash val="solid"/>
+                      <a:round/>
+                      <a:headEnd type="none" w="med" len="med"/>
+                      <a:tailEnd type="none" w="med" len="med"/>
+                    </a:lnB>
+                    <a:solidFill>
+                      <a:schemeClr val="bg1"/>
+                    </a:solidFill>
+                  </a:tcPr>
+                </a:tc>
+                <a:tc>
+                  <a:txBody>
+                    <a:bodyPr/>
+                    <a:lstStyle/>
+                    <a:p>
+                      <a:endParaRPr lang="it-IT"/>
+                    </a:p>
+                  </a:txBody>
+                  <a:tcPr>
+                    <a:lnB w="12700" cap="flat" cmpd="sng" algn="ctr">
+                      <a:solidFill>
+                        <a:schemeClr val="tx1"/>
+                      </a:solidFill>
+                      <a:prstDash val="solid"/>
+                      <a:round/>
+                      <a:headEnd type="none" w="med" len="med"/>
+                      <a:tailEnd type="none" w="med" len="med"/>
+                    </a:lnB>
+                    <a:solidFill>
+                      <a:schemeClr val="bg1">
+                        <a:alpha val="20000"/>
+                      </a:schemeClr>
+                    </a:solidFill>
+                  </a:tcPr>
+                </a:tc>
+                <a:tc>
+                  <a:txBody>
+                    <a:bodyPr/>
+                    <a:lstStyle/>
+                    <a:p>
+                      <a:pPr algn="ctr">
+                        <a:lnSpc>
+                          <a:spcPct val="150000"/>
+                        </a:lnSpc>
+                      </a:pPr>
+                      <a:r>
+                        <a:rPr lang="it-IT" sz="1100" u="sng">
+                          <a:latin typeface="Bahnschrift SemiBold SemiConden" panose="020B0502040204020203" pitchFamily="34" charset="0"/>
+                        </a:rPr>
+                        <a:t>with standardization</a:t>
+                      </a:r>
+                    </a:p>
+                  </a:txBody>
+                  <a:tcPr>
+                    <a:lnR w="12700" cap="flat" cmpd="sng" algn="ctr">
+                      <a:solidFill>
+                        <a:schemeClr val="tx1"/>
+                      </a:solidFill>
+                      <a:prstDash val="solid"/>
+                      <a:round/>
+                      <a:headEnd type="none" w="med" len="med"/>
+                      <a:tailEnd type="none" w="med" len="med"/>
+                    </a:lnR>
+                    <a:lnB w="12700" cap="flat" cmpd="sng" algn="ctr">
+                      <a:solidFill>
+                        <a:schemeClr val="tx1"/>
+                      </a:solidFill>
+                      <a:prstDash val="solid"/>
+                      <a:round/>
+                      <a:headEnd type="none" w="med" len="med"/>
+                      <a:tailEnd type="none" w="med" len="med"/>
+                    </a:lnB>
+                  </a:tcPr>
+                </a:tc>
+                <a:tc>
+                  <a:txBody>
+                    <a:bodyPr/>
+                    <a:lstStyle/>
+                    <a:p>
+                      <a:pPr algn="ctr">
+                        <a:lnSpc>
+                          <a:spcPct val="150000"/>
+                        </a:lnSpc>
+                      </a:pPr>
+                      <a:r>
+                        <a:rPr lang="it-IT" sz="1100" u="sng">
+                          <a:latin typeface="Bahnschrift SemiBold SemiConden" panose="020B0502040204020203" pitchFamily="34" charset="0"/>
+                        </a:rPr>
+                        <a:t>w/out standardize</a:t>
+                      </a:r>
+                    </a:p>
+                  </a:txBody>
+                  <a:tcPr>
+                    <a:lnL w="12700" cap="flat" cmpd="sng" algn="ctr">
+                      <a:solidFill>
+                        <a:schemeClr val="tx1"/>
+                      </a:solidFill>
+                      <a:prstDash val="solid"/>
+                      <a:round/>
+                      <a:headEnd type="none" w="med" len="med"/>
+                      <a:tailEnd type="none" w="med" len="med"/>
+                    </a:lnL>
+                    <a:lnB w="12700" cap="flat" cmpd="sng" algn="ctr">
+                      <a:solidFill>
+                        <a:schemeClr val="tx1"/>
+                      </a:solidFill>
+                      <a:prstDash val="solid"/>
+                      <a:round/>
+                      <a:headEnd type="none" w="med" len="med"/>
+                      <a:tailEnd type="none" w="med" len="med"/>
+                    </a:lnB>
+                  </a:tcPr>
+                </a:tc>
+                <a:extLst>
+                  <a:ext uri="{0D108BD9-81ED-4DB2-BD59-A6C34878D82A}">
+                    <a16:rowId xmlns:a16="http://schemas.microsoft.com/office/drawing/2014/main" val="1365004327"/>
+                  </a:ext>
+                </a:extLst>
+              </a:tr>
+              <a:tr h="370840">
+                <a:tc>
+                  <a:txBody>
+                    <a:bodyPr/>
+                    <a:lstStyle/>
+                    <a:p>
+                      <a:r>
+                        <a:rPr lang="it-IT">
+                          <a:latin typeface="Bahnschrift SemiBold SemiConden" panose="020B0502040204020203" pitchFamily="34" charset="0"/>
+                        </a:rPr>
+                        <a:t>Logistic Regression</a:t>
+                      </a:r>
+                    </a:p>
+                  </a:txBody>
+                  <a:tcPr>
+                    <a:lnR w="12700" cap="flat" cmpd="sng" algn="ctr">
+                      <a:solidFill>
+                        <a:schemeClr val="tx1"/>
+                      </a:solidFill>
+                      <a:prstDash val="solid"/>
+                      <a:round/>
+                      <a:headEnd type="none" w="med" len="med"/>
+                      <a:tailEnd type="none" w="med" len="med"/>
+                    </a:lnR>
+                    <a:lnT w="12700" cap="flat" cmpd="sng" algn="ctr">
+                      <a:solidFill>
+                        <a:schemeClr val="tx1"/>
+                      </a:solidFill>
+                      <a:prstDash val="solid"/>
+                      <a:round/>
+                      <a:headEnd type="none" w="med" len="med"/>
+                      <a:tailEnd type="none" w="med" len="med"/>
+                    </a:lnT>
+                  </a:tcPr>
+                </a:tc>
+                <a:tc>
+                  <a:txBody>
+                    <a:bodyPr/>
+                    <a:lstStyle/>
+                    <a:p>
+                      <a:pPr algn="ctr"/>
+                      <a:r>
+                        <a:rPr lang="it-IT" sz="1800" b="0" i="0" kern="1200">
+                          <a:solidFill>
+                            <a:schemeClr val="tx1"/>
+                          </a:solidFill>
+                          <a:effectLst/>
+                          <a:latin typeface="Avenir Next LT Pro" panose="020B0504020202020204" pitchFamily="34" charset="0"/>
+                          <a:ea typeface="+mn-ea"/>
+                          <a:cs typeface="+mn-cs"/>
+                        </a:rPr>
+                        <a:t>0.832</a:t>
+                      </a:r>
+                      <a:endParaRPr lang="it-IT">
+                        <a:latin typeface="Avenir Next LT Pro" panose="020B0504020202020204" pitchFamily="34" charset="0"/>
+                      </a:endParaRPr>
+                    </a:p>
+                  </a:txBody>
+                  <a:tcPr>
+                    <a:lnL w="12700" cap="flat" cmpd="sng" algn="ctr">
+                      <a:solidFill>
+                        <a:schemeClr val="tx1"/>
+                      </a:solidFill>
+                      <a:prstDash val="solid"/>
+                      <a:round/>
+                      <a:headEnd type="none" w="med" len="med"/>
+                      <a:tailEnd type="none" w="med" len="med"/>
+                    </a:lnL>
+                    <a:lnR w="12700" cap="flat" cmpd="sng" algn="ctr">
+                      <a:solidFill>
+                        <a:schemeClr val="tx1"/>
+                      </a:solidFill>
+                      <a:prstDash val="solid"/>
+                      <a:round/>
+                      <a:headEnd type="none" w="med" len="med"/>
+                      <a:tailEnd type="none" w="med" len="med"/>
+                    </a:lnR>
+                    <a:lnT w="12700" cap="flat" cmpd="sng" algn="ctr">
+                      <a:solidFill>
+                        <a:schemeClr val="tx1"/>
+                      </a:solidFill>
+                      <a:prstDash val="solid"/>
+                      <a:round/>
+                      <a:headEnd type="none" w="med" len="med"/>
+                      <a:tailEnd type="none" w="med" len="med"/>
+                    </a:lnT>
+                  </a:tcPr>
+                </a:tc>
+                <a:tc>
+                  <a:txBody>
+                    <a:bodyPr/>
+                    <a:lstStyle/>
+                    <a:p>
+                      <a:pPr algn="ctr"/>
+                      <a:r>
+                        <a:rPr lang="it-IT" b="1">
+                          <a:latin typeface="Avenir Next LT Pro" panose="020B0504020202020204" pitchFamily="34" charset="0"/>
+                        </a:rPr>
+                        <a:t>0.834</a:t>
+                      </a:r>
+                    </a:p>
+                  </a:txBody>
+                  <a:tcPr>
+                    <a:lnL w="12700" cap="flat" cmpd="sng" algn="ctr">
+                      <a:solidFill>
+                        <a:schemeClr val="tx1"/>
+                      </a:solidFill>
+                      <a:prstDash val="solid"/>
+                      <a:round/>
+                      <a:headEnd type="none" w="med" len="med"/>
+                      <a:tailEnd type="none" w="med" len="med"/>
+                    </a:lnL>
+                    <a:lnR w="12700" cap="flat" cmpd="sng" algn="ctr">
+                      <a:solidFill>
+                        <a:schemeClr val="tx1"/>
+                      </a:solidFill>
+                      <a:prstDash val="solid"/>
+                      <a:round/>
+                      <a:headEnd type="none" w="med" len="med"/>
+                      <a:tailEnd type="none" w="med" len="med"/>
+                    </a:lnR>
+                    <a:lnT w="12700" cap="flat" cmpd="sng" algn="ctr">
+                      <a:solidFill>
+                        <a:schemeClr val="tx1"/>
+                      </a:solidFill>
+                      <a:prstDash val="solid"/>
+                      <a:round/>
+                      <a:headEnd type="none" w="med" len="med"/>
+                      <a:tailEnd type="none" w="med" len="med"/>
+                    </a:lnT>
+                  </a:tcPr>
+                </a:tc>
+                <a:tc>
+                  <a:txBody>
+                    <a:bodyPr/>
+                    <a:lstStyle/>
+                    <a:p>
+                      <a:pPr algn="ctr"/>
+                      <a:endParaRPr lang="it-IT"/>
+                    </a:p>
+                  </a:txBody>
+                  <a:tcPr>
+                    <a:lnL w="12700" cap="flat" cmpd="sng" algn="ctr">
+                      <a:solidFill>
+                        <a:schemeClr val="tx1"/>
+                      </a:solidFill>
+                      <a:prstDash val="solid"/>
+                      <a:round/>
+                      <a:headEnd type="none" w="med" len="med"/>
+                      <a:tailEnd type="none" w="med" len="med"/>
+                    </a:lnL>
+                    <a:lnR w="12700" cap="flat" cmpd="sng" algn="ctr">
+                      <a:solidFill>
+                        <a:schemeClr val="tx1"/>
+                      </a:solidFill>
+                      <a:prstDash val="solid"/>
+                      <a:round/>
+                      <a:headEnd type="none" w="med" len="med"/>
+                      <a:tailEnd type="none" w="med" len="med"/>
+                    </a:lnR>
+                    <a:lnT w="12700" cap="flat" cmpd="sng" algn="ctr">
+                      <a:solidFill>
+                        <a:schemeClr val="tx1"/>
+                      </a:solidFill>
+                      <a:prstDash val="solid"/>
+                      <a:round/>
+                      <a:headEnd type="none" w="med" len="med"/>
+                      <a:tailEnd type="none" w="med" len="med"/>
+                    </a:lnT>
+                  </a:tcPr>
+                </a:tc>
+                <a:tc>
+                  <a:txBody>
+                    <a:bodyPr/>
+                    <a:lstStyle/>
+                    <a:p>
+                      <a:pPr algn="ctr"/>
+                      <a:r>
+                        <a:rPr lang="it-IT" sz="1800" b="0" i="0" kern="1200">
+                          <a:solidFill>
+                            <a:schemeClr val="tx1"/>
+                          </a:solidFill>
+                          <a:effectLst/>
+                          <a:latin typeface="Avenir Next LT Pro" panose="020B0504020202020204" pitchFamily="34" charset="0"/>
+                          <a:ea typeface="+mn-ea"/>
+                          <a:cs typeface="+mn-cs"/>
+                        </a:rPr>
+                        <a:t>0.800</a:t>
+                      </a:r>
+                      <a:endParaRPr lang="it-IT">
+                        <a:latin typeface="Avenir Next LT Pro" panose="020B0504020202020204" pitchFamily="34" charset="0"/>
+                      </a:endParaRPr>
+                    </a:p>
+                  </a:txBody>
+                  <a:tcPr>
+                    <a:lnL w="12700" cap="flat" cmpd="sng" algn="ctr">
+                      <a:solidFill>
+                        <a:schemeClr val="tx1"/>
+                      </a:solidFill>
+                      <a:prstDash val="solid"/>
+                      <a:round/>
+                      <a:headEnd type="none" w="med" len="med"/>
+                      <a:tailEnd type="none" w="med" len="med"/>
+                    </a:lnL>
+                    <a:lnR w="12700" cap="flat" cmpd="sng" algn="ctr">
+                      <a:solidFill>
+                        <a:schemeClr val="tx1"/>
+                      </a:solidFill>
+                      <a:prstDash val="solid"/>
+                      <a:round/>
+                      <a:headEnd type="none" w="med" len="med"/>
+                      <a:tailEnd type="none" w="med" len="med"/>
+                    </a:lnR>
+                    <a:lnT w="12700" cap="flat" cmpd="sng" algn="ctr">
+                      <a:solidFill>
+                        <a:schemeClr val="tx1"/>
+                      </a:solidFill>
+                      <a:prstDash val="solid"/>
+                      <a:round/>
+                      <a:headEnd type="none" w="med" len="med"/>
+                      <a:tailEnd type="none" w="med" len="med"/>
+                    </a:lnT>
+                  </a:tcPr>
+                </a:tc>
+                <a:tc>
+                  <a:txBody>
+                    <a:bodyPr/>
+                    <a:lstStyle/>
+                    <a:p>
+                      <a:pPr algn="ctr"/>
+                      <a:r>
+                        <a:rPr lang="it-IT">
+                          <a:latin typeface="Avenir Next LT Pro" panose="020B0504020202020204" pitchFamily="34" charset="0"/>
+                        </a:rPr>
+                        <a:t>0.824</a:t>
+                      </a:r>
+                    </a:p>
+                  </a:txBody>
+                  <a:tcPr>
+                    <a:lnL w="12700" cap="flat" cmpd="sng" algn="ctr">
+                      <a:solidFill>
+                        <a:schemeClr val="tx1"/>
+                      </a:solidFill>
+                      <a:prstDash val="solid"/>
+                      <a:round/>
+                      <a:headEnd type="none" w="med" len="med"/>
+                      <a:tailEnd type="none" w="med" len="med"/>
+                    </a:lnL>
+                    <a:lnR w="12700" cap="flat" cmpd="sng" algn="ctr">
+                      <a:solidFill>
+                        <a:schemeClr val="tx1"/>
+                      </a:solidFill>
+                      <a:prstDash val="solid"/>
+                      <a:round/>
+                      <a:headEnd type="none" w="med" len="med"/>
+                      <a:tailEnd type="none" w="med" len="med"/>
+                    </a:lnR>
+                    <a:lnT w="12700" cap="flat" cmpd="sng" algn="ctr">
+                      <a:solidFill>
+                        <a:schemeClr val="tx1"/>
+                      </a:solidFill>
+                      <a:prstDash val="solid"/>
+                      <a:round/>
+                      <a:headEnd type="none" w="med" len="med"/>
+                      <a:tailEnd type="none" w="med" len="med"/>
+                    </a:lnT>
+                  </a:tcPr>
+                </a:tc>
+                <a:tc>
+                  <a:txBody>
+                    <a:bodyPr/>
+                    <a:lstStyle/>
+                    <a:p>
+                      <a:pPr algn="ctr"/>
+                      <a:r>
+                        <a:rPr lang="it-IT">
+                          <a:latin typeface="Avenir Next LT Pro" panose="020B0504020202020204" pitchFamily="34" charset="0"/>
+                        </a:rPr>
+                        <a:t>0.824</a:t>
+                      </a:r>
+                    </a:p>
+                  </a:txBody>
+                  <a:tcPr>
+                    <a:lnL w="12700" cap="flat" cmpd="sng" algn="ctr">
+                      <a:solidFill>
+                        <a:schemeClr val="tx1"/>
+                      </a:solidFill>
+                      <a:prstDash val="solid"/>
+                      <a:round/>
+                      <a:headEnd type="none" w="med" len="med"/>
+                      <a:tailEnd type="none" w="med" len="med"/>
+                    </a:lnL>
+                    <a:lnT w="12700" cap="flat" cmpd="sng" algn="ctr">
+                      <a:solidFill>
+                        <a:schemeClr val="tx1"/>
+                      </a:solidFill>
+                      <a:prstDash val="solid"/>
+                      <a:round/>
+                      <a:headEnd type="none" w="med" len="med"/>
+                      <a:tailEnd type="none" w="med" len="med"/>
+                    </a:lnT>
+                  </a:tcPr>
+                </a:tc>
+                <a:extLst>
+                  <a:ext uri="{0D108BD9-81ED-4DB2-BD59-A6C34878D82A}">
+                    <a16:rowId xmlns:a16="http://schemas.microsoft.com/office/drawing/2014/main" val="2532579262"/>
+                  </a:ext>
+                </a:extLst>
+              </a:tr>
+              <a:tr h="370840">
+                <a:tc>
+                  <a:txBody>
+                    <a:bodyPr/>
+                    <a:lstStyle/>
+                    <a:p>
+                      <a:r>
+                        <a:rPr lang="it-IT">
+                          <a:latin typeface="Bahnschrift SemiBold SemiConden" panose="020B0502040204020203" pitchFamily="34" charset="0"/>
+                        </a:rPr>
+                        <a:t>Decision Tree</a:t>
+                      </a:r>
+                    </a:p>
+                  </a:txBody>
+                  <a:tcPr>
+                    <a:lnR w="12700" cap="flat" cmpd="sng" algn="ctr">
+                      <a:solidFill>
+                        <a:schemeClr val="tx1"/>
+                      </a:solidFill>
+                      <a:prstDash val="solid"/>
+                      <a:round/>
+                      <a:headEnd type="none" w="med" len="med"/>
+                      <a:tailEnd type="none" w="med" len="med"/>
+                    </a:lnR>
+                  </a:tcPr>
+                </a:tc>
+                <a:tc>
+                  <a:txBody>
+                    <a:bodyPr/>
+                    <a:lstStyle/>
+                    <a:p>
+                      <a:pPr marL="0" marR="0" lvl="0" indent="0" algn="ctr" defTabSz="457200" rtl="0" eaLnBrk="1" fontAlgn="auto" latinLnBrk="0" hangingPunct="1">
+                        <a:lnSpc>
+                          <a:spcPct val="100000"/>
+                        </a:lnSpc>
+                        <a:spcBef>
+                          <a:spcPts val="0"/>
+                        </a:spcBef>
+                        <a:spcAft>
+                          <a:spcPts val="0"/>
+                        </a:spcAft>
+                        <a:buClrTx/>
+                        <a:buSzTx/>
+                        <a:buFontTx/>
+                        <a:buNone/>
+                        <a:tabLst/>
+                        <a:defRPr/>
+                      </a:pPr>
+                      <a:r>
+                        <a:rPr lang="it-IT">
+                          <a:latin typeface="Avenir Next LT Pro" panose="020B0504020202020204" pitchFamily="34" charset="0"/>
+                        </a:rPr>
+                        <a:t>0.428</a:t>
+                      </a:r>
+                    </a:p>
+                  </a:txBody>
+                  <a:tcPr>
+                    <a:lnL w="12700" cap="flat" cmpd="sng" algn="ctr">
+                      <a:solidFill>
+                        <a:schemeClr val="tx1"/>
+                      </a:solidFill>
+                      <a:prstDash val="solid"/>
+                      <a:round/>
+                      <a:headEnd type="none" w="med" len="med"/>
+                      <a:tailEnd type="none" w="med" len="med"/>
+                    </a:lnL>
+                    <a:lnR w="12700" cap="flat" cmpd="sng" algn="ctr">
+                      <a:solidFill>
+                        <a:schemeClr val="tx1"/>
+                      </a:solidFill>
+                      <a:prstDash val="solid"/>
+                      <a:round/>
+                      <a:headEnd type="none" w="med" len="med"/>
+                      <a:tailEnd type="none" w="med" len="med"/>
+                    </a:lnR>
+                  </a:tcPr>
+                </a:tc>
+                <a:tc>
+                  <a:txBody>
+                    <a:bodyPr/>
+                    <a:lstStyle/>
+                    <a:p>
+                      <a:pPr algn="ctr"/>
+                      <a:r>
+                        <a:rPr lang="it-IT">
+                          <a:latin typeface="Avenir Next LT Pro" panose="020B0504020202020204" pitchFamily="34" charset="0"/>
+                        </a:rPr>
+                        <a:t>0.428</a:t>
+                      </a:r>
+                    </a:p>
+                  </a:txBody>
+                  <a:tcPr>
+                    <a:lnL w="12700" cap="flat" cmpd="sng" algn="ctr">
+                      <a:solidFill>
+                        <a:schemeClr val="tx1"/>
+                      </a:solidFill>
+                      <a:prstDash val="solid"/>
+                      <a:round/>
+                      <a:headEnd type="none" w="med" len="med"/>
+                      <a:tailEnd type="none" w="med" len="med"/>
+                    </a:lnL>
+                    <a:lnR w="12700" cap="flat" cmpd="sng" algn="ctr">
+                      <a:solidFill>
+                        <a:schemeClr val="tx1"/>
+                      </a:solidFill>
+                      <a:prstDash val="solid"/>
+                      <a:round/>
+                      <a:headEnd type="none" w="med" len="med"/>
+                      <a:tailEnd type="none" w="med" len="med"/>
+                    </a:lnR>
+                  </a:tcPr>
+                </a:tc>
+                <a:tc>
+                  <a:txBody>
+                    <a:bodyPr/>
+                    <a:lstStyle/>
+                    <a:p>
+                      <a:pPr algn="ctr"/>
+                      <a:endParaRPr lang="it-IT">
+                        <a:latin typeface="Avenir Next LT Pro" panose="020B0504020202020204" pitchFamily="34" charset="0"/>
+                      </a:endParaRPr>
+                    </a:p>
+                  </a:txBody>
+                  <a:tcPr>
+                    <a:lnL w="12700" cap="flat" cmpd="sng" algn="ctr">
+                      <a:solidFill>
+                        <a:schemeClr val="tx1"/>
+                      </a:solidFill>
+                      <a:prstDash val="solid"/>
+                      <a:round/>
+                      <a:headEnd type="none" w="med" len="med"/>
+                      <a:tailEnd type="none" w="med" len="med"/>
+                    </a:lnL>
+                    <a:lnR w="12700" cap="flat" cmpd="sng" algn="ctr">
+                      <a:solidFill>
+                        <a:schemeClr val="tx1"/>
+                      </a:solidFill>
+                      <a:prstDash val="solid"/>
+                      <a:round/>
+                      <a:headEnd type="none" w="med" len="med"/>
+                      <a:tailEnd type="none" w="med" len="med"/>
+                    </a:lnR>
+                  </a:tcPr>
+                </a:tc>
+                <a:tc>
+                  <a:txBody>
+                    <a:bodyPr/>
+                    <a:lstStyle/>
+                    <a:p>
+                      <a:pPr algn="ctr"/>
+                      <a:r>
+                        <a:rPr lang="it-IT" sz="1800" b="0" i="0" kern="1200">
+                          <a:solidFill>
+                            <a:schemeClr val="tx1"/>
+                          </a:solidFill>
+                          <a:effectLst/>
+                          <a:latin typeface="Avenir Next LT Pro" panose="020B0504020202020204" pitchFamily="34" charset="0"/>
+                          <a:ea typeface="+mn-ea"/>
+                          <a:cs typeface="+mn-cs"/>
+                        </a:rPr>
+                        <a:t>0.7074</a:t>
+                      </a:r>
+                      <a:endParaRPr lang="it-IT">
+                        <a:latin typeface="Avenir Next LT Pro" panose="020B0504020202020204" pitchFamily="34" charset="0"/>
+                      </a:endParaRPr>
+                    </a:p>
+                  </a:txBody>
+                  <a:tcPr>
+                    <a:lnL w="12700" cap="flat" cmpd="sng" algn="ctr">
+                      <a:solidFill>
+                        <a:schemeClr val="tx1"/>
+                      </a:solidFill>
+                      <a:prstDash val="solid"/>
+                      <a:round/>
+                      <a:headEnd type="none" w="med" len="med"/>
+                      <a:tailEnd type="none" w="med" len="med"/>
+                    </a:lnL>
+                    <a:lnR w="12700" cap="flat" cmpd="sng" algn="ctr">
+                      <a:solidFill>
+                        <a:schemeClr val="tx1"/>
+                      </a:solidFill>
+                      <a:prstDash val="solid"/>
+                      <a:round/>
+                      <a:headEnd type="none" w="med" len="med"/>
+                      <a:tailEnd type="none" w="med" len="med"/>
+                    </a:lnR>
+                  </a:tcPr>
+                </a:tc>
+                <a:tc>
+                  <a:txBody>
+                    <a:bodyPr/>
+                    <a:lstStyle/>
+                    <a:p>
+                      <a:pPr algn="ctr"/>
+                      <a:endParaRPr lang="it-IT">
+                        <a:latin typeface="Avenir Next LT Pro" panose="020B0504020202020204" pitchFamily="34" charset="0"/>
+                      </a:endParaRPr>
+                    </a:p>
+                  </a:txBody>
+                  <a:tcPr>
+                    <a:lnL w="12700" cap="flat" cmpd="sng" algn="ctr">
+                      <a:solidFill>
+                        <a:schemeClr val="tx1"/>
+                      </a:solidFill>
+                      <a:prstDash val="solid"/>
+                      <a:round/>
+                      <a:headEnd type="none" w="med" len="med"/>
+                      <a:tailEnd type="none" w="med" len="med"/>
+                    </a:lnL>
+                    <a:lnR w="12700" cap="flat" cmpd="sng" algn="ctr">
+                      <a:solidFill>
+                        <a:schemeClr val="tx1"/>
+                      </a:solidFill>
+                      <a:prstDash val="solid"/>
+                      <a:round/>
+                      <a:headEnd type="none" w="med" len="med"/>
+                      <a:tailEnd type="none" w="med" len="med"/>
+                    </a:lnR>
+                  </a:tcPr>
+                </a:tc>
+                <a:tc>
+                  <a:txBody>
+                    <a:bodyPr/>
+                    <a:lstStyle/>
+                    <a:p>
+                      <a:pPr algn="ctr"/>
+                      <a:endParaRPr lang="it-IT">
+                        <a:latin typeface="Avenir Next LT Pro" panose="020B0504020202020204" pitchFamily="34" charset="0"/>
+                      </a:endParaRPr>
+                    </a:p>
+                  </a:txBody>
+                  <a:tcPr>
+                    <a:lnL w="12700" cap="flat" cmpd="sng" algn="ctr">
+                      <a:solidFill>
+                        <a:schemeClr val="tx1"/>
+                      </a:solidFill>
+                      <a:prstDash val="solid"/>
+                      <a:round/>
+                      <a:headEnd type="none" w="med" len="med"/>
+                      <a:tailEnd type="none" w="med" len="med"/>
+                    </a:lnL>
+                  </a:tcPr>
+                </a:tc>
+                <a:extLst>
+                  <a:ext uri="{0D108BD9-81ED-4DB2-BD59-A6C34878D82A}">
+                    <a16:rowId xmlns:a16="http://schemas.microsoft.com/office/drawing/2014/main" val="3341464040"/>
+                  </a:ext>
+                </a:extLst>
+              </a:tr>
+              <a:tr h="370840">
+                <a:tc>
+                  <a:txBody>
+                    <a:bodyPr/>
+                    <a:lstStyle/>
+                    <a:p>
+                      <a:r>
+                        <a:rPr lang="it-IT">
+                          <a:latin typeface="Bahnschrift SemiBold SemiConden" panose="020B0502040204020203" pitchFamily="34" charset="0"/>
+                        </a:rPr>
+                        <a:t>Random Forest</a:t>
+                      </a:r>
+                    </a:p>
+                  </a:txBody>
+                  <a:tcPr>
+                    <a:lnR w="12700" cap="flat" cmpd="sng" algn="ctr">
+                      <a:solidFill>
+                        <a:schemeClr val="tx1"/>
+                      </a:solidFill>
+                      <a:prstDash val="solid"/>
+                      <a:round/>
+                      <a:headEnd type="none" w="med" len="med"/>
+                      <a:tailEnd type="none" w="med" len="med"/>
+                    </a:lnR>
+                  </a:tcPr>
+                </a:tc>
+                <a:tc>
+                  <a:txBody>
+                    <a:bodyPr/>
+                    <a:lstStyle/>
+                    <a:p>
+                      <a:pPr algn="ctr"/>
+                      <a:endParaRPr lang="it-IT">
+                        <a:latin typeface="Avenir Next LT Pro" panose="020B0504020202020204" pitchFamily="34" charset="0"/>
+                      </a:endParaRPr>
+                    </a:p>
+                  </a:txBody>
+                  <a:tcPr>
+                    <a:lnL w="12700" cap="flat" cmpd="sng" algn="ctr">
+                      <a:solidFill>
+                        <a:schemeClr val="tx1"/>
+                      </a:solidFill>
+                      <a:prstDash val="solid"/>
+                      <a:round/>
+                      <a:headEnd type="none" w="med" len="med"/>
+                      <a:tailEnd type="none" w="med" len="med"/>
+                    </a:lnL>
+                    <a:lnR w="12700" cap="flat" cmpd="sng" algn="ctr">
+                      <a:solidFill>
+                        <a:schemeClr val="tx1"/>
+                      </a:solidFill>
+                      <a:prstDash val="solid"/>
+                      <a:round/>
+                      <a:headEnd type="none" w="med" len="med"/>
+                      <a:tailEnd type="none" w="med" len="med"/>
+                    </a:lnR>
+                  </a:tcPr>
+                </a:tc>
+                <a:tc>
+                  <a:txBody>
+                    <a:bodyPr/>
+                    <a:lstStyle/>
+                    <a:p>
+                      <a:pPr algn="ctr"/>
+                      <a:endParaRPr lang="it-IT">
+                        <a:latin typeface="Avenir Next LT Pro" panose="020B0504020202020204" pitchFamily="34" charset="0"/>
+                      </a:endParaRPr>
+                    </a:p>
+                  </a:txBody>
+                  <a:tcPr>
+                    <a:lnL w="12700" cap="flat" cmpd="sng" algn="ctr">
+                      <a:solidFill>
+                        <a:schemeClr val="tx1"/>
+                      </a:solidFill>
+                      <a:prstDash val="solid"/>
+                      <a:round/>
+                      <a:headEnd type="none" w="med" len="med"/>
+                      <a:tailEnd type="none" w="med" len="med"/>
+                    </a:lnL>
+                    <a:lnR w="12700" cap="flat" cmpd="sng" algn="ctr">
+                      <a:solidFill>
+                        <a:schemeClr val="tx1"/>
+                      </a:solidFill>
+                      <a:prstDash val="solid"/>
+                      <a:round/>
+                      <a:headEnd type="none" w="med" len="med"/>
+                      <a:tailEnd type="none" w="med" len="med"/>
+                    </a:lnR>
+                  </a:tcPr>
+                </a:tc>
+                <a:tc>
+                  <a:txBody>
+                    <a:bodyPr/>
+                    <a:lstStyle/>
+                    <a:p>
+                      <a:pPr algn="ctr"/>
+                      <a:endParaRPr lang="it-IT">
+                        <a:latin typeface="Avenir Next LT Pro" panose="020B0504020202020204" pitchFamily="34" charset="0"/>
+                      </a:endParaRPr>
+                    </a:p>
+                  </a:txBody>
+                  <a:tcPr>
+                    <a:lnL w="12700" cap="flat" cmpd="sng" algn="ctr">
+                      <a:solidFill>
+                        <a:schemeClr val="tx1"/>
+                      </a:solidFill>
+                      <a:prstDash val="solid"/>
+                      <a:round/>
+                      <a:headEnd type="none" w="med" len="med"/>
+                      <a:tailEnd type="none" w="med" len="med"/>
+                    </a:lnL>
+                    <a:lnR w="12700" cap="flat" cmpd="sng" algn="ctr">
+                      <a:solidFill>
+                        <a:schemeClr val="tx1"/>
+                      </a:solidFill>
+                      <a:prstDash val="solid"/>
+                      <a:round/>
+                      <a:headEnd type="none" w="med" len="med"/>
+                      <a:tailEnd type="none" w="med" len="med"/>
+                    </a:lnR>
+                  </a:tcPr>
+                </a:tc>
+                <a:tc>
+                  <a:txBody>
+                    <a:bodyPr/>
+                    <a:lstStyle/>
+                    <a:p>
+                      <a:pPr algn="ctr"/>
+                      <a:endParaRPr lang="it-IT">
+                        <a:latin typeface="Avenir Next LT Pro" panose="020B0504020202020204" pitchFamily="34" charset="0"/>
+                      </a:endParaRPr>
+                    </a:p>
+                  </a:txBody>
+                  <a:tcPr>
+                    <a:lnL w="12700" cap="flat" cmpd="sng" algn="ctr">
+                      <a:solidFill>
+                        <a:schemeClr val="tx1"/>
+                      </a:solidFill>
+                      <a:prstDash val="solid"/>
+                      <a:round/>
+                      <a:headEnd type="none" w="med" len="med"/>
+                      <a:tailEnd type="none" w="med" len="med"/>
+                    </a:lnL>
+                    <a:lnR w="12700" cap="flat" cmpd="sng" algn="ctr">
+                      <a:solidFill>
+                        <a:schemeClr val="tx1"/>
+                      </a:solidFill>
+                      <a:prstDash val="solid"/>
+                      <a:round/>
+                      <a:headEnd type="none" w="med" len="med"/>
+                      <a:tailEnd type="none" w="med" len="med"/>
+                    </a:lnR>
+                  </a:tcPr>
+                </a:tc>
+                <a:tc>
+                  <a:txBody>
+                    <a:bodyPr/>
+                    <a:lstStyle/>
+                    <a:p>
+                      <a:pPr algn="ctr"/>
+                      <a:endParaRPr lang="it-IT">
+                        <a:latin typeface="Avenir Next LT Pro" panose="020B0504020202020204" pitchFamily="34" charset="0"/>
+                      </a:endParaRPr>
+                    </a:p>
+                  </a:txBody>
+                  <a:tcPr>
+                    <a:lnL w="12700" cap="flat" cmpd="sng" algn="ctr">
+                      <a:solidFill>
+                        <a:schemeClr val="tx1"/>
+                      </a:solidFill>
+                      <a:prstDash val="solid"/>
+                      <a:round/>
+                      <a:headEnd type="none" w="med" len="med"/>
+                      <a:tailEnd type="none" w="med" len="med"/>
+                    </a:lnL>
+                    <a:lnR w="12700" cap="flat" cmpd="sng" algn="ctr">
+                      <a:solidFill>
+                        <a:schemeClr val="tx1"/>
+                      </a:solidFill>
+                      <a:prstDash val="solid"/>
+                      <a:round/>
+                      <a:headEnd type="none" w="med" len="med"/>
+                      <a:tailEnd type="none" w="med" len="med"/>
+                    </a:lnR>
+                  </a:tcPr>
+                </a:tc>
+                <a:tc>
+                  <a:txBody>
+                    <a:bodyPr/>
+                    <a:lstStyle/>
+                    <a:p>
+                      <a:pPr algn="ctr"/>
+                      <a:endParaRPr lang="it-IT">
+                        <a:latin typeface="Avenir Next LT Pro" panose="020B0504020202020204" pitchFamily="34" charset="0"/>
+                      </a:endParaRPr>
+                    </a:p>
+                  </a:txBody>
+                  <a:tcPr>
+                    <a:lnL w="12700" cap="flat" cmpd="sng" algn="ctr">
+                      <a:solidFill>
+                        <a:schemeClr val="tx1"/>
+                      </a:solidFill>
+                      <a:prstDash val="solid"/>
+                      <a:round/>
+                      <a:headEnd type="none" w="med" len="med"/>
+                      <a:tailEnd type="none" w="med" len="med"/>
+                    </a:lnL>
+                  </a:tcPr>
+                </a:tc>
+                <a:extLst>
+                  <a:ext uri="{0D108BD9-81ED-4DB2-BD59-A6C34878D82A}">
+                    <a16:rowId xmlns:a16="http://schemas.microsoft.com/office/drawing/2014/main" val="2466824742"/>
+                  </a:ext>
+                </a:extLst>
+              </a:tr>
+            </a:tbl>
+          </a:graphicData>
+        </a:graphic>
+      </p:graphicFrame>
+      <p:sp>
+        <p:nvSpPr>
+          <p:cNvPr id="9" name="CasellaDiTesto 8">
+            <a:extLst>
+              <a:ext uri="{FF2B5EF4-FFF2-40B4-BE49-F238E27FC236}">
+                <a16:creationId xmlns:a16="http://schemas.microsoft.com/office/drawing/2014/main" id="{E5DF370F-4775-4942-A08E-47F2C147807C}"/>
+              </a:ext>
+            </a:extLst>
+          </p:cNvPr>
+          <p:cNvSpPr txBox="1"/>
+          <p:nvPr/>
+        </p:nvSpPr>
+        <p:spPr>
+          <a:xfrm>
+            <a:off x="769650" y="4594163"/>
+            <a:ext cx="1799112" cy="461665"/>
+          </a:xfrm>
+          <a:prstGeom prst="rect">
+            <a:avLst/>
+          </a:prstGeom>
+          <a:noFill/>
+        </p:spPr>
+        <p:txBody>
+          <a:bodyPr wrap="square" rtlCol="0" anchor="ctr">
+            <a:spAutoFit/>
+          </a:bodyPr>
+          <a:lstStyle/>
+          <a:p>
+            <a:pPr algn="ctr"/>
+            <a:r>
+              <a:rPr lang="it-IT" sz="2400" b="1">
+                <a:solidFill>
+                  <a:schemeClr val="accent4">
+                    <a:lumMod val="60000"/>
+                    <a:lumOff val="40000"/>
+                  </a:schemeClr>
+                </a:solidFill>
+              </a:rPr>
+              <a:t>AUC ROC</a:t>
+            </a:r>
+          </a:p>
+        </p:txBody>
+      </p:sp>
+    </p:spTree>
+    <p:extLst>
+      <p:ext uri="{BB962C8B-B14F-4D97-AF65-F5344CB8AC3E}">
+        <p14:creationId xmlns:p14="http://schemas.microsoft.com/office/powerpoint/2010/main" val="745060227"/>
+      </p:ext>
+    </p:extLst>
+  </p:cSld>
+  <p:clrMapOvr>
+    <a:masterClrMapping/>
+  </p:clrMapOvr>
+</p:sld>
+</file>
+
+<file path=ppt/slides/slide13.xml><?xml version="1.0" encoding="utf-8"?>
+<p:sld xmlns:a="http://schemas.openxmlformats.org/drawingml/2006/main" xmlns:r="http://schemas.openxmlformats.org/officeDocument/2006/relationships" xmlns:p="http://schemas.openxmlformats.org/presentationml/2006/main">
+  <p:cSld>
+    <p:spTree>
+      <p:nvGrpSpPr>
+        <p:cNvPr id="1" name=""/>
+        <p:cNvGrpSpPr/>
+        <p:nvPr/>
+      </p:nvGrpSpPr>
+      <p:grpSpPr>
+        <a:xfrm>
+          <a:off x="0" y="0"/>
+          <a:ext cx="0" cy="0"/>
+          <a:chOff x="0" y="0"/>
+          <a:chExt cx="0" cy="0"/>
+        </a:xfrm>
+      </p:grpSpPr>
+      <p:sp>
+        <p:nvSpPr>
+          <p:cNvPr id="2" name="Titolo 1">
+            <a:extLst>
+              <a:ext uri="{FF2B5EF4-FFF2-40B4-BE49-F238E27FC236}">
+                <a16:creationId xmlns:a16="http://schemas.microsoft.com/office/drawing/2014/main" id="{E792274F-2C6D-42A4-8D80-721288892FBE}"/>
+              </a:ext>
+            </a:extLst>
+          </p:cNvPr>
+          <p:cNvSpPr>
+            <a:spLocks noGrp="1"/>
+          </p:cNvSpPr>
+          <p:nvPr>
+            <p:ph type="title"/>
+          </p:nvPr>
+        </p:nvSpPr>
+        <p:spPr/>
+        <p:txBody>
+          <a:bodyPr/>
+          <a:lstStyle/>
+          <a:p>
+            <a:r>
+              <a:rPr lang="it-IT"/>
+              <a:t>		.2 - EXPERIMENTAL RESULTS</a:t>
+            </a:r>
+          </a:p>
+        </p:txBody>
+      </p:sp>
+      <p:grpSp>
+        <p:nvGrpSpPr>
+          <p:cNvPr id="3" name="Gruppo 2">
+            <a:extLst>
+              <a:ext uri="{FF2B5EF4-FFF2-40B4-BE49-F238E27FC236}">
+                <a16:creationId xmlns:a16="http://schemas.microsoft.com/office/drawing/2014/main" id="{AFE51A2F-C543-4376-96E1-9399FABF37CE}"/>
+              </a:ext>
+            </a:extLst>
+          </p:cNvPr>
+          <p:cNvGrpSpPr/>
+          <p:nvPr/>
+        </p:nvGrpSpPr>
+        <p:grpSpPr>
+          <a:xfrm>
+            <a:off x="694062" y="866145"/>
+            <a:ext cx="719101" cy="1013800"/>
+            <a:chOff x="1" y="13513"/>
+            <a:chExt cx="602970" cy="861385"/>
+          </a:xfrm>
+        </p:grpSpPr>
+        <p:sp>
+          <p:nvSpPr>
+            <p:cNvPr id="4" name="Freccia a gallone 3">
+              <a:extLst>
+                <a:ext uri="{FF2B5EF4-FFF2-40B4-BE49-F238E27FC236}">
+                  <a16:creationId xmlns:a16="http://schemas.microsoft.com/office/drawing/2014/main" id="{FBDCB5C1-82C5-4CF2-B6D8-655A84F9C352}"/>
+                </a:ext>
+              </a:extLst>
+            </p:cNvPr>
+            <p:cNvSpPr/>
+            <p:nvPr/>
+          </p:nvSpPr>
+          <p:spPr>
+            <a:xfrm rot="5400000">
+              <a:off x="-129207" y="142721"/>
+              <a:ext cx="861385" cy="602970"/>
+            </a:xfrm>
+            <a:prstGeom prst="chevron">
+              <a:avLst/>
+            </a:prstGeom>
+            <a:solidFill>
+              <a:schemeClr val="bg1"/>
+            </a:solidFill>
+          </p:spPr>
+          <p:style>
+            <a:lnRef idx="2">
+              <a:schemeClr val="accent1">
+                <a:hueOff val="0"/>
+                <a:satOff val="0"/>
+                <a:lumOff val="0"/>
+                <a:alphaOff val="0"/>
+              </a:schemeClr>
+            </a:lnRef>
+            <a:fillRef idx="1">
+              <a:schemeClr val="accent1">
+                <a:hueOff val="0"/>
+                <a:satOff val="0"/>
+                <a:lumOff val="0"/>
+                <a:alphaOff val="0"/>
+              </a:schemeClr>
+            </a:fillRef>
+            <a:effectRef idx="0">
+              <a:schemeClr val="accent1">
+                <a:hueOff val="0"/>
+                <a:satOff val="0"/>
+                <a:lumOff val="0"/>
+                <a:alphaOff val="0"/>
+              </a:schemeClr>
+            </a:effectRef>
+            <a:fontRef idx="minor">
+              <a:schemeClr val="lt1"/>
+            </a:fontRef>
+          </p:style>
+        </p:sp>
+        <p:sp>
+          <p:nvSpPr>
+            <p:cNvPr id="5" name="Freccia a gallone 4">
+              <a:extLst>
+                <a:ext uri="{FF2B5EF4-FFF2-40B4-BE49-F238E27FC236}">
+                  <a16:creationId xmlns:a16="http://schemas.microsoft.com/office/drawing/2014/main" id="{326F6C87-E915-4BA4-8FED-405C80921F87}"/>
+                </a:ext>
+              </a:extLst>
+            </p:cNvPr>
+            <p:cNvSpPr txBox="1"/>
+            <p:nvPr/>
+          </p:nvSpPr>
+          <p:spPr>
+            <a:xfrm>
+              <a:off x="1" y="401002"/>
+              <a:ext cx="602970" cy="258415"/>
+            </a:xfrm>
+            <a:prstGeom prst="rect">
+              <a:avLst/>
+            </a:prstGeom>
+          </p:spPr>
+          <p:style>
+            <a:lnRef idx="0">
+              <a:scrgbClr r="0" g="0" b="0"/>
+            </a:lnRef>
+            <a:fillRef idx="0">
+              <a:scrgbClr r="0" g="0" b="0"/>
+            </a:fillRef>
+            <a:effectRef idx="0">
+              <a:scrgbClr r="0" g="0" b="0"/>
+            </a:effectRef>
+            <a:fontRef idx="minor">
+              <a:schemeClr val="lt1"/>
+            </a:fontRef>
+          </p:style>
+          <p:txBody>
+            <a:bodyPr spcFirstLastPara="0" vert="horz" wrap="square" lIns="10795" tIns="10795" rIns="10795" bIns="10795" numCol="1" spcCol="1270" anchor="ctr" anchorCtr="0">
+              <a:noAutofit/>
+            </a:bodyPr>
+            <a:lstStyle/>
+            <a:p>
+              <a:pPr marL="0" lvl="0" indent="0" algn="ctr" defTabSz="755650">
+                <a:lnSpc>
+                  <a:spcPct val="90000"/>
+                </a:lnSpc>
+                <a:spcBef>
+                  <a:spcPct val="0"/>
+                </a:spcBef>
+                <a:spcAft>
+                  <a:spcPct val="35000"/>
+                </a:spcAft>
+                <a:buNone/>
+              </a:pPr>
+              <a:r>
+                <a:rPr lang="it-IT" sz="2800" kern="1200">
+                  <a:solidFill>
+                    <a:schemeClr val="accent1"/>
+                  </a:solidFill>
+                  <a:latin typeface="+mj-lt"/>
+                </a:rPr>
+                <a:t>5</a:t>
+              </a:r>
+            </a:p>
+          </p:txBody>
+        </p:sp>
+      </p:grpSp>
+      <p:graphicFrame>
+        <p:nvGraphicFramePr>
+          <p:cNvPr id="10" name="Tabella 10">
+            <a:extLst>
+              <a:ext uri="{FF2B5EF4-FFF2-40B4-BE49-F238E27FC236}">
+                <a16:creationId xmlns:a16="http://schemas.microsoft.com/office/drawing/2014/main" id="{2D7D1767-576B-49B5-BB93-922257762A05}"/>
+              </a:ext>
+            </a:extLst>
+          </p:cNvPr>
+          <p:cNvGraphicFramePr>
+            <a:graphicFrameLocks noGrp="1"/>
+          </p:cNvGraphicFramePr>
+          <p:nvPr>
+            <p:extLst>
+              <p:ext uri="{D42A27DB-BD31-4B8C-83A1-F6EECF244321}">
+                <p14:modId xmlns:p14="http://schemas.microsoft.com/office/powerpoint/2010/main" val="2125628200"/>
+              </p:ext>
+            </p:extLst>
+          </p:nvPr>
+        </p:nvGraphicFramePr>
+        <p:xfrm>
+          <a:off x="694061" y="2174042"/>
           <a:ext cx="10551283" cy="1844040"/>
         </p:xfrm>
         <a:graphic>
@@ -33233,7 +35928,7 @@
                     <a:bodyPr/>
                     <a:lstStyle/>
                     <a:p>
-                      <a:pPr>
+                      <a:pPr algn="ctr">
                         <a:lnSpc>
                           <a:spcPct val="150000"/>
                         </a:lnSpc>
@@ -33324,7 +36019,7 @@
                           <a:ea typeface="+mn-ea"/>
                           <a:cs typeface="+mn-cs"/>
                         </a:rPr>
-                        <a:t>0.9772</a:t>
+                        <a:t>0.7137</a:t>
                       </a:r>
                       <a:endParaRPr lang="it-IT">
                         <a:latin typeface="Avenir Next LT Pro" panose="020B0504020202020204" pitchFamily="34" charset="0"/>
@@ -33368,10 +36063,10 @@
                     <a:p>
                       <a:pPr algn="ctr"/>
                       <a:r>
-                        <a:rPr lang="it-IT">
+                        <a:rPr lang="it-IT" b="1">
                           <a:latin typeface="Avenir Next LT Pro" panose="020B0504020202020204" pitchFamily="34" charset="0"/>
                         </a:rPr>
-                        <a:t>0.9773</a:t>
+                        <a:t>0.7139</a:t>
                       </a:r>
                     </a:p>
                   </a:txBody>
@@ -33411,7 +36106,9 @@
                     <a:lstStyle/>
                     <a:p>
                       <a:pPr algn="ctr"/>
-                      <a:endParaRPr lang="it-IT"/>
+                      <a:endParaRPr lang="it-IT" b="0">
+                        <a:latin typeface="Avenir Next LT Pro" panose="020B0504020202020204" pitchFamily="34" charset="0"/>
+                      </a:endParaRPr>
                     </a:p>
                   </a:txBody>
                   <a:tcPr>
@@ -33460,7 +36157,7 @@
                           <a:ea typeface="+mn-ea"/>
                           <a:cs typeface="+mn-cs"/>
                         </a:rPr>
-                        <a:t>0.973</a:t>
+                        <a:t>0.5897</a:t>
                       </a:r>
                       <a:endParaRPr lang="it-IT">
                         <a:latin typeface="Avenir Next LT Pro" panose="020B0504020202020204" pitchFamily="34" charset="0"/>
@@ -33507,7 +36204,7 @@
                         <a:rPr lang="it-IT">
                           <a:latin typeface="Avenir Next LT Pro" panose="020B0504020202020204" pitchFamily="34" charset="0"/>
                         </a:rPr>
-                        <a:t>0.974</a:t>
+                        <a:t>0.6352</a:t>
                       </a:r>
                     </a:p>
                   </a:txBody>
@@ -33551,7 +36248,7 @@
                         <a:rPr lang="it-IT">
                           <a:latin typeface="Avenir Next LT Pro" panose="020B0504020202020204" pitchFamily="34" charset="0"/>
                         </a:rPr>
-                        <a:t>0.974</a:t>
+                        <a:t>0.6352</a:t>
                       </a:r>
                     </a:p>
                   </a:txBody>
@@ -33613,8 +36310,29 @@
                     <a:bodyPr/>
                     <a:lstStyle/>
                     <a:p>
-                      <a:pPr algn="ctr"/>
-                      <a:endParaRPr lang="it-IT"/>
+                      <a:pPr marL="0" marR="0" lvl="0" indent="0" algn="ctr" defTabSz="457200" rtl="0" eaLnBrk="1" fontAlgn="auto" latinLnBrk="0" hangingPunct="1">
+                        <a:lnSpc>
+                          <a:spcPct val="100000"/>
+                        </a:lnSpc>
+                        <a:spcBef>
+                          <a:spcPts val="0"/>
+                        </a:spcBef>
+                        <a:spcAft>
+                          <a:spcPts val="0"/>
+                        </a:spcAft>
+                        <a:buClrTx/>
+                        <a:buSzTx/>
+                        <a:buFontTx/>
+                        <a:buNone/>
+                        <a:tabLst/>
+                        <a:defRPr/>
+                      </a:pPr>
+                      <a:r>
+                        <a:rPr lang="it-IT" b="0">
+                          <a:latin typeface="Avenir Next LT Pro" panose="020B0504020202020204" pitchFamily="34" charset="0"/>
+                        </a:rPr>
+                        <a:t>0.7138</a:t>
+                      </a:r>
                     </a:p>
                   </a:txBody>
                   <a:tcPr>
@@ -33644,7 +36362,12 @@
                     <a:lstStyle/>
                     <a:p>
                       <a:pPr algn="ctr"/>
-                      <a:endParaRPr lang="it-IT"/>
+                      <a:r>
+                        <a:rPr lang="it-IT" b="0">
+                          <a:latin typeface="Avenir Next LT Pro" panose="020B0504020202020204" pitchFamily="34" charset="0"/>
+                        </a:rPr>
+                        <a:t>0.7138</a:t>
+                      </a:r>
                     </a:p>
                   </a:txBody>
                   <a:tcPr>
@@ -33674,7 +36397,9 @@
                     <a:lstStyle/>
                     <a:p>
                       <a:pPr algn="ctr"/>
-                      <a:endParaRPr lang="it-IT"/>
+                      <a:endParaRPr lang="it-IT">
+                        <a:latin typeface="Avenir Next LT Pro" panose="020B0504020202020204" pitchFamily="34" charset="0"/>
+                      </a:endParaRPr>
                     </a:p>
                   </a:txBody>
                   <a:tcPr>
@@ -33704,7 +36429,12 @@
                     <a:lstStyle/>
                     <a:p>
                       <a:pPr algn="ctr"/>
-                      <a:endParaRPr lang="it-IT"/>
+                      <a:r>
+                        <a:rPr lang="it-IT">
+                          <a:latin typeface="Avenir Next LT Pro" panose="020B0504020202020204" pitchFamily="34" charset="0"/>
+                        </a:rPr>
+                        <a:t>0.5961</a:t>
+                      </a:r>
                     </a:p>
                   </a:txBody>
                   <a:tcPr>
@@ -33734,7 +36464,9 @@
                     <a:lstStyle/>
                     <a:p>
                       <a:pPr algn="ctr"/>
-                      <a:endParaRPr lang="it-IT"/>
+                      <a:endParaRPr lang="it-IT">
+                        <a:latin typeface="Avenir Next LT Pro" panose="020B0504020202020204" pitchFamily="34" charset="0"/>
+                      </a:endParaRPr>
                     </a:p>
                   </a:txBody>
                   <a:tcPr>
@@ -33764,7 +36496,9 @@
                     <a:lstStyle/>
                     <a:p>
                       <a:pPr algn="ctr"/>
-                      <a:endParaRPr lang="it-IT"/>
+                      <a:endParaRPr lang="it-IT">
+                        <a:latin typeface="Avenir Next LT Pro" panose="020B0504020202020204" pitchFamily="34" charset="0"/>
+                      </a:endParaRPr>
                     </a:p>
                   </a:txBody>
                   <a:tcPr>
@@ -33817,7 +36551,9 @@
                     <a:lstStyle/>
                     <a:p>
                       <a:pPr algn="ctr"/>
-                      <a:endParaRPr lang="it-IT"/>
+                      <a:endParaRPr lang="it-IT">
+                        <a:latin typeface="Avenir Next LT Pro" panose="020B0504020202020204" pitchFamily="34" charset="0"/>
+                      </a:endParaRPr>
                     </a:p>
                   </a:txBody>
                   <a:tcPr>
@@ -33847,7 +36583,9 @@
                     <a:lstStyle/>
                     <a:p>
                       <a:pPr algn="ctr"/>
-                      <a:endParaRPr lang="it-IT"/>
+                      <a:endParaRPr lang="it-IT">
+                        <a:latin typeface="Avenir Next LT Pro" panose="020B0504020202020204" pitchFamily="34" charset="0"/>
+                      </a:endParaRPr>
                     </a:p>
                   </a:txBody>
                   <a:tcPr>
@@ -33877,7 +36615,9 @@
                     <a:lstStyle/>
                     <a:p>
                       <a:pPr algn="ctr"/>
-                      <a:endParaRPr lang="it-IT"/>
+                      <a:endParaRPr lang="it-IT">
+                        <a:latin typeface="Avenir Next LT Pro" panose="020B0504020202020204" pitchFamily="34" charset="0"/>
+                      </a:endParaRPr>
                     </a:p>
                   </a:txBody>
                   <a:tcPr>
@@ -33907,7 +36647,9 @@
                     <a:lstStyle/>
                     <a:p>
                       <a:pPr algn="ctr"/>
-                      <a:endParaRPr lang="it-IT"/>
+                      <a:endParaRPr lang="it-IT">
+                        <a:latin typeface="Avenir Next LT Pro" panose="020B0504020202020204" pitchFamily="34" charset="0"/>
+                      </a:endParaRPr>
                     </a:p>
                   </a:txBody>
                   <a:tcPr>
@@ -33937,7 +36679,9 @@
                     <a:lstStyle/>
                     <a:p>
                       <a:pPr algn="ctr"/>
-                      <a:endParaRPr lang="it-IT"/>
+                      <a:endParaRPr lang="it-IT">
+                        <a:latin typeface="Avenir Next LT Pro" panose="020B0504020202020204" pitchFamily="34" charset="0"/>
+                      </a:endParaRPr>
                     </a:p>
                   </a:txBody>
                   <a:tcPr>
@@ -33967,7 +36711,9 @@
                     <a:lstStyle/>
                     <a:p>
                       <a:pPr algn="ctr"/>
-                      <a:endParaRPr lang="it-IT"/>
+                      <a:endParaRPr lang="it-IT">
+                        <a:latin typeface="Avenir Next LT Pro" panose="020B0504020202020204" pitchFamily="34" charset="0"/>
+                      </a:endParaRPr>
                     </a:p>
                   </a:txBody>
                   <a:tcPr>
@@ -33992,10 +36738,1285 @@
           </a:graphicData>
         </a:graphic>
       </p:graphicFrame>
+      <p:sp>
+        <p:nvSpPr>
+          <p:cNvPr id="6" name="CasellaDiTesto 5">
+            <a:extLst>
+              <a:ext uri="{FF2B5EF4-FFF2-40B4-BE49-F238E27FC236}">
+                <a16:creationId xmlns:a16="http://schemas.microsoft.com/office/drawing/2014/main" id="{BC619C78-40E2-4630-9699-7D2EFDB53A63}"/>
+              </a:ext>
+            </a:extLst>
+          </p:cNvPr>
+          <p:cNvSpPr txBox="1"/>
+          <p:nvPr/>
+        </p:nvSpPr>
+        <p:spPr>
+          <a:xfrm>
+            <a:off x="769650" y="2294071"/>
+            <a:ext cx="1799112" cy="461665"/>
+          </a:xfrm>
+          <a:prstGeom prst="rect">
+            <a:avLst/>
+          </a:prstGeom>
+          <a:noFill/>
+        </p:spPr>
+        <p:txBody>
+          <a:bodyPr wrap="square" rtlCol="0" anchor="ctr">
+            <a:spAutoFit/>
+          </a:bodyPr>
+          <a:lstStyle/>
+          <a:p>
+            <a:pPr algn="ctr"/>
+            <a:r>
+              <a:rPr lang="it-IT" sz="2400" b="1">
+                <a:solidFill>
+                  <a:schemeClr val="accent4">
+                    <a:lumMod val="60000"/>
+                    <a:lumOff val="40000"/>
+                  </a:schemeClr>
+                </a:solidFill>
+              </a:rPr>
+              <a:t>F1-Score</a:t>
+            </a:r>
+          </a:p>
+        </p:txBody>
+      </p:sp>
+      <p:graphicFrame>
+        <p:nvGraphicFramePr>
+          <p:cNvPr id="8" name="Tabella 10">
+            <a:extLst>
+              <a:ext uri="{FF2B5EF4-FFF2-40B4-BE49-F238E27FC236}">
+                <a16:creationId xmlns:a16="http://schemas.microsoft.com/office/drawing/2014/main" id="{E4AFDD1F-C4B0-4DC3-8B0A-AB22D5DC190A}"/>
+              </a:ext>
+            </a:extLst>
+          </p:cNvPr>
+          <p:cNvGraphicFramePr>
+            <a:graphicFrameLocks noGrp="1"/>
+          </p:cNvGraphicFramePr>
+          <p:nvPr>
+            <p:extLst>
+              <p:ext uri="{D42A27DB-BD31-4B8C-83A1-F6EECF244321}">
+                <p14:modId xmlns:p14="http://schemas.microsoft.com/office/powerpoint/2010/main" val="3033830348"/>
+              </p:ext>
+            </p:extLst>
+          </p:nvPr>
+        </p:nvGraphicFramePr>
+        <p:xfrm>
+          <a:off x="694061" y="4474134"/>
+          <a:ext cx="10551283" cy="1844040"/>
+        </p:xfrm>
+        <a:graphic>
+          <a:graphicData uri="http://schemas.openxmlformats.org/drawingml/2006/table">
+            <a:tbl>
+              <a:tblPr firstRow="1" bandRow="1">
+                <a:tableStyleId>{3B4B98B0-60AC-42C2-AFA5-B58CD77FA1E5}</a:tableStyleId>
+              </a:tblPr>
+              <a:tblGrid>
+                <a:gridCol w="1957828">
+                  <a:extLst>
+                    <a:ext uri="{9D8B030D-6E8A-4147-A177-3AD203B41FA5}">
+                      <a16:colId xmlns:a16="http://schemas.microsoft.com/office/drawing/2014/main" val="396372187"/>
+                    </a:ext>
+                  </a:extLst>
+                </a:gridCol>
+                <a:gridCol w="1306286">
+                  <a:extLst>
+                    <a:ext uri="{9D8B030D-6E8A-4147-A177-3AD203B41FA5}">
+                      <a16:colId xmlns:a16="http://schemas.microsoft.com/office/drawing/2014/main" val="1229565216"/>
+                    </a:ext>
+                  </a:extLst>
+                </a:gridCol>
+                <a:gridCol w="1320407">
+                  <a:extLst>
+                    <a:ext uri="{9D8B030D-6E8A-4147-A177-3AD203B41FA5}">
+                      <a16:colId xmlns:a16="http://schemas.microsoft.com/office/drawing/2014/main" val="3000570086"/>
+                    </a:ext>
+                  </a:extLst>
+                </a:gridCol>
+                <a:gridCol w="1482170">
+                  <a:extLst>
+                    <a:ext uri="{9D8B030D-6E8A-4147-A177-3AD203B41FA5}">
+                      <a16:colId xmlns:a16="http://schemas.microsoft.com/office/drawing/2014/main" val="2527479792"/>
+                    </a:ext>
+                  </a:extLst>
+                </a:gridCol>
+                <a:gridCol w="1711707">
+                  <a:extLst>
+                    <a:ext uri="{9D8B030D-6E8A-4147-A177-3AD203B41FA5}">
+                      <a16:colId xmlns:a16="http://schemas.microsoft.com/office/drawing/2014/main" val="1832342877"/>
+                    </a:ext>
+                  </a:extLst>
+                </a:gridCol>
+                <a:gridCol w="1442852">
+                  <a:extLst>
+                    <a:ext uri="{9D8B030D-6E8A-4147-A177-3AD203B41FA5}">
+                      <a16:colId xmlns:a16="http://schemas.microsoft.com/office/drawing/2014/main" val="455619855"/>
+                    </a:ext>
+                  </a:extLst>
+                </a:gridCol>
+                <a:gridCol w="1330033">
+                  <a:extLst>
+                    <a:ext uri="{9D8B030D-6E8A-4147-A177-3AD203B41FA5}">
+                      <a16:colId xmlns:a16="http://schemas.microsoft.com/office/drawing/2014/main" val="842104205"/>
+                    </a:ext>
+                  </a:extLst>
+                </a:gridCol>
+              </a:tblGrid>
+              <a:tr h="357766">
+                <a:tc>
+                  <a:txBody>
+                    <a:bodyPr/>
+                    <a:lstStyle/>
+                    <a:p>
+                      <a:endParaRPr lang="it-IT">
+                        <a:solidFill>
+                          <a:schemeClr val="accent2"/>
+                        </a:solidFill>
+                      </a:endParaRPr>
+                    </a:p>
+                  </a:txBody>
+                  <a:tcPr>
+                    <a:solidFill>
+                      <a:schemeClr val="accent1"/>
+                    </a:solidFill>
+                  </a:tcPr>
+                </a:tc>
+                <a:tc gridSpan="2">
+                  <a:txBody>
+                    <a:bodyPr/>
+                    <a:lstStyle/>
+                    <a:p>
+                      <a:pPr algn="ctr"/>
+                      <a:r>
+                        <a:rPr lang="it-IT"/>
+                        <a:t>Numerical</a:t>
+                      </a:r>
+                    </a:p>
+                  </a:txBody>
+                  <a:tcPr/>
+                </a:tc>
+                <a:tc hMerge="1">
+                  <a:txBody>
+                    <a:bodyPr/>
+                    <a:lstStyle/>
+                    <a:p>
+                      <a:endParaRPr lang="it-IT"/>
+                    </a:p>
+                  </a:txBody>
+                  <a:tcPr/>
+                </a:tc>
+                <a:tc>
+                  <a:txBody>
+                    <a:bodyPr/>
+                    <a:lstStyle/>
+                    <a:p>
+                      <a:pPr algn="ctr"/>
+                      <a:r>
+                        <a:rPr lang="it-IT"/>
+                        <a:t>All Features</a:t>
+                      </a:r>
+                    </a:p>
+                  </a:txBody>
+                  <a:tcPr/>
+                </a:tc>
+                <a:tc>
+                  <a:txBody>
+                    <a:bodyPr/>
+                    <a:lstStyle/>
+                    <a:p>
+                      <a:pPr algn="ctr"/>
+                      <a:r>
+                        <a:rPr lang="it-IT"/>
+                        <a:t>Categorical</a:t>
+                      </a:r>
+                    </a:p>
+                  </a:txBody>
+                  <a:tcPr/>
+                </a:tc>
+                <a:tc gridSpan="2">
+                  <a:txBody>
+                    <a:bodyPr/>
+                    <a:lstStyle/>
+                    <a:p>
+                      <a:pPr algn="ctr"/>
+                      <a:r>
+                        <a:rPr lang="it-IT"/>
+                        <a:t>Mix</a:t>
+                      </a:r>
+                    </a:p>
+                  </a:txBody>
+                  <a:tcPr/>
+                </a:tc>
+                <a:tc hMerge="1">
+                  <a:txBody>
+                    <a:bodyPr/>
+                    <a:lstStyle/>
+                    <a:p>
+                      <a:pPr algn="ctr"/>
+                      <a:endParaRPr lang="it-IT"/>
+                    </a:p>
+                  </a:txBody>
+                  <a:tcPr/>
+                </a:tc>
+                <a:extLst>
+                  <a:ext uri="{0D108BD9-81ED-4DB2-BD59-A6C34878D82A}">
+                    <a16:rowId xmlns:a16="http://schemas.microsoft.com/office/drawing/2014/main" val="464026787"/>
+                  </a:ext>
+                </a:extLst>
+              </a:tr>
+              <a:tr h="359229">
+                <a:tc>
+                  <a:txBody>
+                    <a:bodyPr/>
+                    <a:lstStyle/>
+                    <a:p>
+                      <a:endParaRPr lang="it-IT">
+                        <a:solidFill>
+                          <a:schemeClr val="accent2"/>
+                        </a:solidFill>
+                      </a:endParaRPr>
+                    </a:p>
+                  </a:txBody>
+                  <a:tcPr>
+                    <a:lnB w="12700" cap="flat" cmpd="sng" algn="ctr">
+                      <a:solidFill>
+                        <a:schemeClr val="tx1"/>
+                      </a:solidFill>
+                      <a:prstDash val="solid"/>
+                      <a:round/>
+                      <a:headEnd type="none" w="med" len="med"/>
+                      <a:tailEnd type="none" w="med" len="med"/>
+                    </a:lnB>
+                    <a:solidFill>
+                      <a:schemeClr val="accent1"/>
+                    </a:solidFill>
+                  </a:tcPr>
+                </a:tc>
+                <a:tc>
+                  <a:txBody>
+                    <a:bodyPr/>
+                    <a:lstStyle/>
+                    <a:p>
+                      <a:pPr algn="ctr">
+                        <a:lnSpc>
+                          <a:spcPct val="150000"/>
+                        </a:lnSpc>
+                      </a:pPr>
+                      <a:r>
+                        <a:rPr lang="it-IT" sz="1100" u="sng">
+                          <a:latin typeface="Bahnschrift SemiBold SemiConden" panose="020B0502040204020203" pitchFamily="34" charset="0"/>
+                        </a:rPr>
+                        <a:t>with standardization</a:t>
+                      </a:r>
+                    </a:p>
+                  </a:txBody>
+                  <a:tcPr>
+                    <a:lnR w="12700" cap="flat" cmpd="sng" algn="ctr">
+                      <a:solidFill>
+                        <a:schemeClr val="tx1"/>
+                      </a:solidFill>
+                      <a:prstDash val="solid"/>
+                      <a:round/>
+                      <a:headEnd type="none" w="med" len="med"/>
+                      <a:tailEnd type="none" w="med" len="med"/>
+                    </a:lnR>
+                    <a:lnB w="12700" cap="flat" cmpd="sng" algn="ctr">
+                      <a:solidFill>
+                        <a:schemeClr val="tx1"/>
+                      </a:solidFill>
+                      <a:prstDash val="solid"/>
+                      <a:round/>
+                      <a:headEnd type="none" w="med" len="med"/>
+                      <a:tailEnd type="none" w="med" len="med"/>
+                    </a:lnB>
+                  </a:tcPr>
+                </a:tc>
+                <a:tc>
+                  <a:txBody>
+                    <a:bodyPr/>
+                    <a:lstStyle/>
+                    <a:p>
+                      <a:pPr algn="ctr">
+                        <a:lnSpc>
+                          <a:spcPct val="150000"/>
+                        </a:lnSpc>
+                      </a:pPr>
+                      <a:r>
+                        <a:rPr lang="it-IT" sz="1100" u="sng">
+                          <a:latin typeface="Bahnschrift SemiBold SemiConden" panose="020B0502040204020203" pitchFamily="34" charset="0"/>
+                        </a:rPr>
+                        <a:t>w/out standardize</a:t>
+                      </a:r>
+                    </a:p>
+                  </a:txBody>
+                  <a:tcPr>
+                    <a:lnL w="12700" cap="flat" cmpd="sng" algn="ctr">
+                      <a:solidFill>
+                        <a:schemeClr val="tx1"/>
+                      </a:solidFill>
+                      <a:prstDash val="solid"/>
+                      <a:round/>
+                      <a:headEnd type="none" w="med" len="med"/>
+                      <a:tailEnd type="none" w="med" len="med"/>
+                    </a:lnL>
+                    <a:lnB w="12700" cap="flat" cmpd="sng" algn="ctr">
+                      <a:solidFill>
+                        <a:schemeClr val="tx1"/>
+                      </a:solidFill>
+                      <a:prstDash val="solid"/>
+                      <a:round/>
+                      <a:headEnd type="none" w="med" len="med"/>
+                      <a:tailEnd type="none" w="med" len="med"/>
+                    </a:lnB>
+                  </a:tcPr>
+                </a:tc>
+                <a:tc>
+                  <a:txBody>
+                    <a:bodyPr/>
+                    <a:lstStyle/>
+                    <a:p>
+                      <a:endParaRPr lang="it-IT"/>
+                    </a:p>
+                  </a:txBody>
+                  <a:tcPr>
+                    <a:lnB w="12700" cap="flat" cmpd="sng" algn="ctr">
+                      <a:solidFill>
+                        <a:schemeClr val="tx1"/>
+                      </a:solidFill>
+                      <a:prstDash val="solid"/>
+                      <a:round/>
+                      <a:headEnd type="none" w="med" len="med"/>
+                      <a:tailEnd type="none" w="med" len="med"/>
+                    </a:lnB>
+                    <a:solidFill>
+                      <a:schemeClr val="bg1"/>
+                    </a:solidFill>
+                  </a:tcPr>
+                </a:tc>
+                <a:tc>
+                  <a:txBody>
+                    <a:bodyPr/>
+                    <a:lstStyle/>
+                    <a:p>
+                      <a:endParaRPr lang="it-IT"/>
+                    </a:p>
+                  </a:txBody>
+                  <a:tcPr>
+                    <a:lnB w="12700" cap="flat" cmpd="sng" algn="ctr">
+                      <a:solidFill>
+                        <a:schemeClr val="tx1"/>
+                      </a:solidFill>
+                      <a:prstDash val="solid"/>
+                      <a:round/>
+                      <a:headEnd type="none" w="med" len="med"/>
+                      <a:tailEnd type="none" w="med" len="med"/>
+                    </a:lnB>
+                    <a:solidFill>
+                      <a:schemeClr val="bg1">
+                        <a:alpha val="20000"/>
+                      </a:schemeClr>
+                    </a:solidFill>
+                  </a:tcPr>
+                </a:tc>
+                <a:tc>
+                  <a:txBody>
+                    <a:bodyPr/>
+                    <a:lstStyle/>
+                    <a:p>
+                      <a:pPr algn="ctr">
+                        <a:lnSpc>
+                          <a:spcPct val="150000"/>
+                        </a:lnSpc>
+                      </a:pPr>
+                      <a:r>
+                        <a:rPr lang="it-IT" sz="1100" u="sng">
+                          <a:latin typeface="Bahnschrift SemiBold SemiConden" panose="020B0502040204020203" pitchFamily="34" charset="0"/>
+                        </a:rPr>
+                        <a:t>with standardization</a:t>
+                      </a:r>
+                    </a:p>
+                  </a:txBody>
+                  <a:tcPr>
+                    <a:lnR w="12700" cap="flat" cmpd="sng" algn="ctr">
+                      <a:solidFill>
+                        <a:schemeClr val="tx1"/>
+                      </a:solidFill>
+                      <a:prstDash val="solid"/>
+                      <a:round/>
+                      <a:headEnd type="none" w="med" len="med"/>
+                      <a:tailEnd type="none" w="med" len="med"/>
+                    </a:lnR>
+                    <a:lnB w="12700" cap="flat" cmpd="sng" algn="ctr">
+                      <a:solidFill>
+                        <a:schemeClr val="tx1"/>
+                      </a:solidFill>
+                      <a:prstDash val="solid"/>
+                      <a:round/>
+                      <a:headEnd type="none" w="med" len="med"/>
+                      <a:tailEnd type="none" w="med" len="med"/>
+                    </a:lnB>
+                  </a:tcPr>
+                </a:tc>
+                <a:tc>
+                  <a:txBody>
+                    <a:bodyPr/>
+                    <a:lstStyle/>
+                    <a:p>
+                      <a:pPr algn="ctr">
+                        <a:lnSpc>
+                          <a:spcPct val="150000"/>
+                        </a:lnSpc>
+                      </a:pPr>
+                      <a:r>
+                        <a:rPr lang="it-IT" sz="1100" u="sng">
+                          <a:latin typeface="Bahnschrift SemiBold SemiConden" panose="020B0502040204020203" pitchFamily="34" charset="0"/>
+                        </a:rPr>
+                        <a:t>w/out standardize</a:t>
+                      </a:r>
+                    </a:p>
+                  </a:txBody>
+                  <a:tcPr>
+                    <a:lnL w="12700" cap="flat" cmpd="sng" algn="ctr">
+                      <a:solidFill>
+                        <a:schemeClr val="tx1"/>
+                      </a:solidFill>
+                      <a:prstDash val="solid"/>
+                      <a:round/>
+                      <a:headEnd type="none" w="med" len="med"/>
+                      <a:tailEnd type="none" w="med" len="med"/>
+                    </a:lnL>
+                    <a:lnB w="12700" cap="flat" cmpd="sng" algn="ctr">
+                      <a:solidFill>
+                        <a:schemeClr val="tx1"/>
+                      </a:solidFill>
+                      <a:prstDash val="solid"/>
+                      <a:round/>
+                      <a:headEnd type="none" w="med" len="med"/>
+                      <a:tailEnd type="none" w="med" len="med"/>
+                    </a:lnB>
+                  </a:tcPr>
+                </a:tc>
+                <a:extLst>
+                  <a:ext uri="{0D108BD9-81ED-4DB2-BD59-A6C34878D82A}">
+                    <a16:rowId xmlns:a16="http://schemas.microsoft.com/office/drawing/2014/main" val="1365004327"/>
+                  </a:ext>
+                </a:extLst>
+              </a:tr>
+              <a:tr h="370840">
+                <a:tc>
+                  <a:txBody>
+                    <a:bodyPr/>
+                    <a:lstStyle/>
+                    <a:p>
+                      <a:r>
+                        <a:rPr lang="it-IT">
+                          <a:latin typeface="Bahnschrift SemiBold SemiConden" panose="020B0502040204020203" pitchFamily="34" charset="0"/>
+                        </a:rPr>
+                        <a:t>Logistic Regression</a:t>
+                      </a:r>
+                    </a:p>
+                  </a:txBody>
+                  <a:tcPr>
+                    <a:lnR w="12700" cap="flat" cmpd="sng" algn="ctr">
+                      <a:solidFill>
+                        <a:schemeClr val="tx1"/>
+                      </a:solidFill>
+                      <a:prstDash val="solid"/>
+                      <a:round/>
+                      <a:headEnd type="none" w="med" len="med"/>
+                      <a:tailEnd type="none" w="med" len="med"/>
+                    </a:lnR>
+                    <a:lnT w="12700" cap="flat" cmpd="sng" algn="ctr">
+                      <a:solidFill>
+                        <a:schemeClr val="tx1"/>
+                      </a:solidFill>
+                      <a:prstDash val="solid"/>
+                      <a:round/>
+                      <a:headEnd type="none" w="med" len="med"/>
+                      <a:tailEnd type="none" w="med" len="med"/>
+                    </a:lnT>
+                  </a:tcPr>
+                </a:tc>
+                <a:tc>
+                  <a:txBody>
+                    <a:bodyPr/>
+                    <a:lstStyle/>
+                    <a:p>
+                      <a:pPr algn="ctr"/>
+                      <a:r>
+                        <a:rPr lang="it-IT" sz="1600" b="0" i="0" kern="1200">
+                          <a:solidFill>
+                            <a:schemeClr val="tx1"/>
+                          </a:solidFill>
+                          <a:effectLst/>
+                          <a:latin typeface="Avenir Next LT Pro" panose="020B0504020202020204" pitchFamily="34" charset="0"/>
+                          <a:ea typeface="+mn-ea"/>
+                          <a:cs typeface="+mn-cs"/>
+                        </a:rPr>
+                        <a:t>0.853/0.613</a:t>
+                      </a:r>
+                      <a:endParaRPr lang="it-IT" sz="1600">
+                        <a:latin typeface="Avenir Next LT Pro" panose="020B0504020202020204" pitchFamily="34" charset="0"/>
+                      </a:endParaRPr>
+                    </a:p>
+                  </a:txBody>
+                  <a:tcPr>
+                    <a:lnL w="12700" cap="flat" cmpd="sng" algn="ctr">
+                      <a:solidFill>
+                        <a:schemeClr val="tx1"/>
+                      </a:solidFill>
+                      <a:prstDash val="solid"/>
+                      <a:round/>
+                      <a:headEnd type="none" w="med" len="med"/>
+                      <a:tailEnd type="none" w="med" len="med"/>
+                    </a:lnL>
+                    <a:lnR w="12700" cap="flat" cmpd="sng" algn="ctr">
+                      <a:solidFill>
+                        <a:schemeClr val="tx1"/>
+                      </a:solidFill>
+                      <a:prstDash val="solid"/>
+                      <a:round/>
+                      <a:headEnd type="none" w="med" len="med"/>
+                      <a:tailEnd type="none" w="med" len="med"/>
+                    </a:lnR>
+                    <a:lnT w="12700" cap="flat" cmpd="sng" algn="ctr">
+                      <a:solidFill>
+                        <a:schemeClr val="tx1"/>
+                      </a:solidFill>
+                      <a:prstDash val="solid"/>
+                      <a:round/>
+                      <a:headEnd type="none" w="med" len="med"/>
+                      <a:tailEnd type="none" w="med" len="med"/>
+                    </a:lnT>
+                  </a:tcPr>
+                </a:tc>
+                <a:tc>
+                  <a:txBody>
+                    <a:bodyPr/>
+                    <a:lstStyle/>
+                    <a:p>
+                      <a:pPr algn="ctr"/>
+                      <a:r>
+                        <a:rPr lang="it-IT" sz="1600" b="0">
+                          <a:latin typeface="Avenir Next LT Pro" panose="020B0504020202020204" pitchFamily="34" charset="0"/>
+                        </a:rPr>
+                        <a:t>0.852/0.614</a:t>
+                      </a:r>
+                    </a:p>
+                  </a:txBody>
+                  <a:tcPr>
+                    <a:lnL w="12700" cap="flat" cmpd="sng" algn="ctr">
+                      <a:solidFill>
+                        <a:schemeClr val="tx1"/>
+                      </a:solidFill>
+                      <a:prstDash val="solid"/>
+                      <a:round/>
+                      <a:headEnd type="none" w="med" len="med"/>
+                      <a:tailEnd type="none" w="med" len="med"/>
+                    </a:lnL>
+                    <a:lnR w="12700" cap="flat" cmpd="sng" algn="ctr">
+                      <a:solidFill>
+                        <a:schemeClr val="tx1"/>
+                      </a:solidFill>
+                      <a:prstDash val="solid"/>
+                      <a:round/>
+                      <a:headEnd type="none" w="med" len="med"/>
+                      <a:tailEnd type="none" w="med" len="med"/>
+                    </a:lnR>
+                    <a:lnT w="12700" cap="flat" cmpd="sng" algn="ctr">
+                      <a:solidFill>
+                        <a:schemeClr val="tx1"/>
+                      </a:solidFill>
+                      <a:prstDash val="solid"/>
+                      <a:round/>
+                      <a:headEnd type="none" w="med" len="med"/>
+                      <a:tailEnd type="none" w="med" len="med"/>
+                    </a:lnT>
+                  </a:tcPr>
+                </a:tc>
+                <a:tc>
+                  <a:txBody>
+                    <a:bodyPr/>
+                    <a:lstStyle/>
+                    <a:p>
+                      <a:pPr algn="ctr"/>
+                      <a:endParaRPr lang="it-IT" sz="1600"/>
+                    </a:p>
+                  </a:txBody>
+                  <a:tcPr>
+                    <a:lnL w="12700" cap="flat" cmpd="sng" algn="ctr">
+                      <a:solidFill>
+                        <a:schemeClr val="tx1"/>
+                      </a:solidFill>
+                      <a:prstDash val="solid"/>
+                      <a:round/>
+                      <a:headEnd type="none" w="med" len="med"/>
+                      <a:tailEnd type="none" w="med" len="med"/>
+                    </a:lnL>
+                    <a:lnR w="12700" cap="flat" cmpd="sng" algn="ctr">
+                      <a:solidFill>
+                        <a:schemeClr val="tx1"/>
+                      </a:solidFill>
+                      <a:prstDash val="solid"/>
+                      <a:round/>
+                      <a:headEnd type="none" w="med" len="med"/>
+                      <a:tailEnd type="none" w="med" len="med"/>
+                    </a:lnR>
+                    <a:lnT w="12700" cap="flat" cmpd="sng" algn="ctr">
+                      <a:solidFill>
+                        <a:schemeClr val="tx1"/>
+                      </a:solidFill>
+                      <a:prstDash val="solid"/>
+                      <a:round/>
+                      <a:headEnd type="none" w="med" len="med"/>
+                      <a:tailEnd type="none" w="med" len="med"/>
+                    </a:lnT>
+                  </a:tcPr>
+                </a:tc>
+                <a:tc>
+                  <a:txBody>
+                    <a:bodyPr/>
+                    <a:lstStyle/>
+                    <a:p>
+                      <a:pPr algn="ctr"/>
+                      <a:r>
+                        <a:rPr lang="it-IT" sz="1600" b="0" i="0" kern="1200">
+                          <a:solidFill>
+                            <a:schemeClr val="tx1"/>
+                          </a:solidFill>
+                          <a:effectLst/>
+                          <a:latin typeface="Avenir Next LT Pro" panose="020B0504020202020204" pitchFamily="34" charset="0"/>
+                          <a:ea typeface="+mn-ea"/>
+                          <a:cs typeface="+mn-cs"/>
+                        </a:rPr>
+                        <a:t>0.706/0.505</a:t>
+                      </a:r>
+                      <a:endParaRPr lang="it-IT" sz="1600">
+                        <a:latin typeface="Avenir Next LT Pro" panose="020B0504020202020204" pitchFamily="34" charset="0"/>
+                      </a:endParaRPr>
+                    </a:p>
+                  </a:txBody>
+                  <a:tcPr>
+                    <a:lnL w="12700" cap="flat" cmpd="sng" algn="ctr">
+                      <a:solidFill>
+                        <a:schemeClr val="tx1"/>
+                      </a:solidFill>
+                      <a:prstDash val="solid"/>
+                      <a:round/>
+                      <a:headEnd type="none" w="med" len="med"/>
+                      <a:tailEnd type="none" w="med" len="med"/>
+                    </a:lnL>
+                    <a:lnR w="12700" cap="flat" cmpd="sng" algn="ctr">
+                      <a:solidFill>
+                        <a:schemeClr val="tx1"/>
+                      </a:solidFill>
+                      <a:prstDash val="solid"/>
+                      <a:round/>
+                      <a:headEnd type="none" w="med" len="med"/>
+                      <a:tailEnd type="none" w="med" len="med"/>
+                    </a:lnR>
+                    <a:lnT w="12700" cap="flat" cmpd="sng" algn="ctr">
+                      <a:solidFill>
+                        <a:schemeClr val="tx1"/>
+                      </a:solidFill>
+                      <a:prstDash val="solid"/>
+                      <a:round/>
+                      <a:headEnd type="none" w="med" len="med"/>
+                      <a:tailEnd type="none" w="med" len="med"/>
+                    </a:lnT>
+                  </a:tcPr>
+                </a:tc>
+                <a:tc>
+                  <a:txBody>
+                    <a:bodyPr/>
+                    <a:lstStyle/>
+                    <a:p>
+                      <a:pPr algn="ctr"/>
+                      <a:r>
+                        <a:rPr lang="it-IT" sz="1600">
+                          <a:latin typeface="Avenir Next LT Pro" panose="020B0504020202020204" pitchFamily="34" charset="0"/>
+                        </a:rPr>
+                        <a:t>0.785/0.533</a:t>
+                      </a:r>
+                    </a:p>
+                  </a:txBody>
+                  <a:tcPr>
+                    <a:lnL w="12700" cap="flat" cmpd="sng" algn="ctr">
+                      <a:solidFill>
+                        <a:schemeClr val="tx1"/>
+                      </a:solidFill>
+                      <a:prstDash val="solid"/>
+                      <a:round/>
+                      <a:headEnd type="none" w="med" len="med"/>
+                      <a:tailEnd type="none" w="med" len="med"/>
+                    </a:lnL>
+                    <a:lnR w="12700" cap="flat" cmpd="sng" algn="ctr">
+                      <a:solidFill>
+                        <a:schemeClr val="tx1"/>
+                      </a:solidFill>
+                      <a:prstDash val="solid"/>
+                      <a:round/>
+                      <a:headEnd type="none" w="med" len="med"/>
+                      <a:tailEnd type="none" w="med" len="med"/>
+                    </a:lnR>
+                    <a:lnT w="12700" cap="flat" cmpd="sng" algn="ctr">
+                      <a:solidFill>
+                        <a:schemeClr val="tx1"/>
+                      </a:solidFill>
+                      <a:prstDash val="solid"/>
+                      <a:round/>
+                      <a:headEnd type="none" w="med" len="med"/>
+                      <a:tailEnd type="none" w="med" len="med"/>
+                    </a:lnT>
+                  </a:tcPr>
+                </a:tc>
+                <a:tc>
+                  <a:txBody>
+                    <a:bodyPr/>
+                    <a:lstStyle/>
+                    <a:p>
+                      <a:pPr algn="ctr"/>
+                      <a:r>
+                        <a:rPr lang="it-IT" sz="1600">
+                          <a:latin typeface="Avenir Next LT Pro" panose="020B0504020202020204" pitchFamily="34" charset="0"/>
+                        </a:rPr>
+                        <a:t>0.785/0.533</a:t>
+                      </a:r>
+                    </a:p>
+                  </a:txBody>
+                  <a:tcPr>
+                    <a:lnL w="12700" cap="flat" cmpd="sng" algn="ctr">
+                      <a:solidFill>
+                        <a:schemeClr val="tx1"/>
+                      </a:solidFill>
+                      <a:prstDash val="solid"/>
+                      <a:round/>
+                      <a:headEnd type="none" w="med" len="med"/>
+                      <a:tailEnd type="none" w="med" len="med"/>
+                    </a:lnL>
+                    <a:lnT w="12700" cap="flat" cmpd="sng" algn="ctr">
+                      <a:solidFill>
+                        <a:schemeClr val="tx1"/>
+                      </a:solidFill>
+                      <a:prstDash val="solid"/>
+                      <a:round/>
+                      <a:headEnd type="none" w="med" len="med"/>
+                      <a:tailEnd type="none" w="med" len="med"/>
+                    </a:lnT>
+                  </a:tcPr>
+                </a:tc>
+                <a:extLst>
+                  <a:ext uri="{0D108BD9-81ED-4DB2-BD59-A6C34878D82A}">
+                    <a16:rowId xmlns:a16="http://schemas.microsoft.com/office/drawing/2014/main" val="2532579262"/>
+                  </a:ext>
+                </a:extLst>
+              </a:tr>
+              <a:tr h="370840">
+                <a:tc>
+                  <a:txBody>
+                    <a:bodyPr/>
+                    <a:lstStyle/>
+                    <a:p>
+                      <a:r>
+                        <a:rPr lang="it-IT">
+                          <a:latin typeface="Bahnschrift SemiBold SemiConden" panose="020B0502040204020203" pitchFamily="34" charset="0"/>
+                        </a:rPr>
+                        <a:t>Decision Tree</a:t>
+                      </a:r>
+                    </a:p>
+                  </a:txBody>
+                  <a:tcPr>
+                    <a:lnR w="12700" cap="flat" cmpd="sng" algn="ctr">
+                      <a:solidFill>
+                        <a:schemeClr val="tx1"/>
+                      </a:solidFill>
+                      <a:prstDash val="solid"/>
+                      <a:round/>
+                      <a:headEnd type="none" w="med" len="med"/>
+                      <a:tailEnd type="none" w="med" len="med"/>
+                    </a:lnR>
+                  </a:tcPr>
+                </a:tc>
+                <a:tc>
+                  <a:txBody>
+                    <a:bodyPr/>
+                    <a:lstStyle/>
+                    <a:p>
+                      <a:pPr marL="0" marR="0" lvl="0" indent="0" algn="ctr" defTabSz="457200" rtl="0" eaLnBrk="1" fontAlgn="auto" latinLnBrk="0" hangingPunct="1">
+                        <a:lnSpc>
+                          <a:spcPct val="100000"/>
+                        </a:lnSpc>
+                        <a:spcBef>
+                          <a:spcPts val="0"/>
+                        </a:spcBef>
+                        <a:spcAft>
+                          <a:spcPts val="0"/>
+                        </a:spcAft>
+                        <a:buClrTx/>
+                        <a:buSzTx/>
+                        <a:buFontTx/>
+                        <a:buNone/>
+                        <a:tabLst/>
+                        <a:defRPr/>
+                      </a:pPr>
+                      <a:r>
+                        <a:rPr lang="it-IT" sz="1600">
+                          <a:latin typeface="Avenir Next LT Pro" panose="020B0504020202020204" pitchFamily="34" charset="0"/>
+                        </a:rPr>
+                        <a:t>0.878/0.601</a:t>
+                      </a:r>
+                    </a:p>
+                  </a:txBody>
+                  <a:tcPr>
+                    <a:lnL w="12700" cap="flat" cmpd="sng" algn="ctr">
+                      <a:solidFill>
+                        <a:schemeClr val="tx1"/>
+                      </a:solidFill>
+                      <a:prstDash val="solid"/>
+                      <a:round/>
+                      <a:headEnd type="none" w="med" len="med"/>
+                      <a:tailEnd type="none" w="med" len="med"/>
+                    </a:lnL>
+                    <a:lnR w="12700" cap="flat" cmpd="sng" algn="ctr">
+                      <a:solidFill>
+                        <a:schemeClr val="tx1"/>
+                      </a:solidFill>
+                      <a:prstDash val="solid"/>
+                      <a:round/>
+                      <a:headEnd type="none" w="med" len="med"/>
+                      <a:tailEnd type="none" w="med" len="med"/>
+                    </a:lnR>
+                  </a:tcPr>
+                </a:tc>
+                <a:tc>
+                  <a:txBody>
+                    <a:bodyPr/>
+                    <a:lstStyle/>
+                    <a:p>
+                      <a:pPr algn="ctr"/>
+                      <a:r>
+                        <a:rPr lang="it-IT" sz="1600">
+                          <a:latin typeface="Avenir Next LT Pro" panose="020B0504020202020204" pitchFamily="34" charset="0"/>
+                        </a:rPr>
+                        <a:t>0.878/0.601</a:t>
+                      </a:r>
+                    </a:p>
+                  </a:txBody>
+                  <a:tcPr>
+                    <a:lnL w="12700" cap="flat" cmpd="sng" algn="ctr">
+                      <a:solidFill>
+                        <a:schemeClr val="tx1"/>
+                      </a:solidFill>
+                      <a:prstDash val="solid"/>
+                      <a:round/>
+                      <a:headEnd type="none" w="med" len="med"/>
+                      <a:tailEnd type="none" w="med" len="med"/>
+                    </a:lnL>
+                    <a:lnR w="12700" cap="flat" cmpd="sng" algn="ctr">
+                      <a:solidFill>
+                        <a:schemeClr val="tx1"/>
+                      </a:solidFill>
+                      <a:prstDash val="solid"/>
+                      <a:round/>
+                      <a:headEnd type="none" w="med" len="med"/>
+                      <a:tailEnd type="none" w="med" len="med"/>
+                    </a:lnR>
+                  </a:tcPr>
+                </a:tc>
+                <a:tc>
+                  <a:txBody>
+                    <a:bodyPr/>
+                    <a:lstStyle/>
+                    <a:p>
+                      <a:pPr algn="ctr"/>
+                      <a:endParaRPr lang="it-IT" sz="1600">
+                        <a:latin typeface="Avenir Next LT Pro" panose="020B0504020202020204" pitchFamily="34" charset="0"/>
+                      </a:endParaRPr>
+                    </a:p>
+                  </a:txBody>
+                  <a:tcPr>
+                    <a:lnL w="12700" cap="flat" cmpd="sng" algn="ctr">
+                      <a:solidFill>
+                        <a:schemeClr val="tx1"/>
+                      </a:solidFill>
+                      <a:prstDash val="solid"/>
+                      <a:round/>
+                      <a:headEnd type="none" w="med" len="med"/>
+                      <a:tailEnd type="none" w="med" len="med"/>
+                    </a:lnL>
+                    <a:lnR w="12700" cap="flat" cmpd="sng" algn="ctr">
+                      <a:solidFill>
+                        <a:schemeClr val="tx1"/>
+                      </a:solidFill>
+                      <a:prstDash val="solid"/>
+                      <a:round/>
+                      <a:headEnd type="none" w="med" len="med"/>
+                      <a:tailEnd type="none" w="med" len="med"/>
+                    </a:lnR>
+                  </a:tcPr>
+                </a:tc>
+                <a:tc>
+                  <a:txBody>
+                    <a:bodyPr/>
+                    <a:lstStyle/>
+                    <a:p>
+                      <a:pPr algn="ctr"/>
+                      <a:r>
+                        <a:rPr lang="it-IT" sz="1600">
+                          <a:latin typeface="Avenir Next LT Pro" panose="020B0504020202020204" pitchFamily="34" charset="0"/>
+                        </a:rPr>
+                        <a:t>0.732/0.502</a:t>
+                      </a:r>
+                    </a:p>
+                  </a:txBody>
+                  <a:tcPr>
+                    <a:lnL w="12700" cap="flat" cmpd="sng" algn="ctr">
+                      <a:solidFill>
+                        <a:schemeClr val="tx1"/>
+                      </a:solidFill>
+                      <a:prstDash val="solid"/>
+                      <a:round/>
+                      <a:headEnd type="none" w="med" len="med"/>
+                      <a:tailEnd type="none" w="med" len="med"/>
+                    </a:lnL>
+                    <a:lnR w="12700" cap="flat" cmpd="sng" algn="ctr">
+                      <a:solidFill>
+                        <a:schemeClr val="tx1"/>
+                      </a:solidFill>
+                      <a:prstDash val="solid"/>
+                      <a:round/>
+                      <a:headEnd type="none" w="med" len="med"/>
+                      <a:tailEnd type="none" w="med" len="med"/>
+                    </a:lnR>
+                  </a:tcPr>
+                </a:tc>
+                <a:tc>
+                  <a:txBody>
+                    <a:bodyPr/>
+                    <a:lstStyle/>
+                    <a:p>
+                      <a:pPr algn="ctr"/>
+                      <a:endParaRPr lang="it-IT" sz="1600">
+                        <a:latin typeface="Avenir Next LT Pro" panose="020B0504020202020204" pitchFamily="34" charset="0"/>
+                      </a:endParaRPr>
+                    </a:p>
+                  </a:txBody>
+                  <a:tcPr>
+                    <a:lnL w="12700" cap="flat" cmpd="sng" algn="ctr">
+                      <a:solidFill>
+                        <a:schemeClr val="tx1"/>
+                      </a:solidFill>
+                      <a:prstDash val="solid"/>
+                      <a:round/>
+                      <a:headEnd type="none" w="med" len="med"/>
+                      <a:tailEnd type="none" w="med" len="med"/>
+                    </a:lnL>
+                    <a:lnR w="12700" cap="flat" cmpd="sng" algn="ctr">
+                      <a:solidFill>
+                        <a:schemeClr val="tx1"/>
+                      </a:solidFill>
+                      <a:prstDash val="solid"/>
+                      <a:round/>
+                      <a:headEnd type="none" w="med" len="med"/>
+                      <a:tailEnd type="none" w="med" len="med"/>
+                    </a:lnR>
+                  </a:tcPr>
+                </a:tc>
+                <a:tc>
+                  <a:txBody>
+                    <a:bodyPr/>
+                    <a:lstStyle/>
+                    <a:p>
+                      <a:pPr algn="ctr"/>
+                      <a:endParaRPr lang="it-IT" sz="1600">
+                        <a:latin typeface="Avenir Next LT Pro" panose="020B0504020202020204" pitchFamily="34" charset="0"/>
+                      </a:endParaRPr>
+                    </a:p>
+                  </a:txBody>
+                  <a:tcPr>
+                    <a:lnL w="12700" cap="flat" cmpd="sng" algn="ctr">
+                      <a:solidFill>
+                        <a:schemeClr val="tx1"/>
+                      </a:solidFill>
+                      <a:prstDash val="solid"/>
+                      <a:round/>
+                      <a:headEnd type="none" w="med" len="med"/>
+                      <a:tailEnd type="none" w="med" len="med"/>
+                    </a:lnL>
+                  </a:tcPr>
+                </a:tc>
+                <a:extLst>
+                  <a:ext uri="{0D108BD9-81ED-4DB2-BD59-A6C34878D82A}">
+                    <a16:rowId xmlns:a16="http://schemas.microsoft.com/office/drawing/2014/main" val="3341464040"/>
+                  </a:ext>
+                </a:extLst>
+              </a:tr>
+              <a:tr h="370840">
+                <a:tc>
+                  <a:txBody>
+                    <a:bodyPr/>
+                    <a:lstStyle/>
+                    <a:p>
+                      <a:r>
+                        <a:rPr lang="it-IT">
+                          <a:latin typeface="Bahnschrift SemiBold SemiConden" panose="020B0502040204020203" pitchFamily="34" charset="0"/>
+                        </a:rPr>
+                        <a:t>Random Forest</a:t>
+                      </a:r>
+                    </a:p>
+                  </a:txBody>
+                  <a:tcPr>
+                    <a:lnR w="12700" cap="flat" cmpd="sng" algn="ctr">
+                      <a:solidFill>
+                        <a:schemeClr val="tx1"/>
+                      </a:solidFill>
+                      <a:prstDash val="solid"/>
+                      <a:round/>
+                      <a:headEnd type="none" w="med" len="med"/>
+                      <a:tailEnd type="none" w="med" len="med"/>
+                    </a:lnR>
+                  </a:tcPr>
+                </a:tc>
+                <a:tc>
+                  <a:txBody>
+                    <a:bodyPr/>
+                    <a:lstStyle/>
+                    <a:p>
+                      <a:pPr algn="ctr"/>
+                      <a:endParaRPr lang="it-IT" sz="1600">
+                        <a:latin typeface="Avenir Next LT Pro" panose="020B0504020202020204" pitchFamily="34" charset="0"/>
+                      </a:endParaRPr>
+                    </a:p>
+                  </a:txBody>
+                  <a:tcPr>
+                    <a:lnL w="12700" cap="flat" cmpd="sng" algn="ctr">
+                      <a:solidFill>
+                        <a:schemeClr val="tx1"/>
+                      </a:solidFill>
+                      <a:prstDash val="solid"/>
+                      <a:round/>
+                      <a:headEnd type="none" w="med" len="med"/>
+                      <a:tailEnd type="none" w="med" len="med"/>
+                    </a:lnL>
+                    <a:lnR w="12700" cap="flat" cmpd="sng" algn="ctr">
+                      <a:solidFill>
+                        <a:schemeClr val="tx1"/>
+                      </a:solidFill>
+                      <a:prstDash val="solid"/>
+                      <a:round/>
+                      <a:headEnd type="none" w="med" len="med"/>
+                      <a:tailEnd type="none" w="med" len="med"/>
+                    </a:lnR>
+                  </a:tcPr>
+                </a:tc>
+                <a:tc>
+                  <a:txBody>
+                    <a:bodyPr/>
+                    <a:lstStyle/>
+                    <a:p>
+                      <a:pPr algn="ctr"/>
+                      <a:endParaRPr lang="it-IT" sz="1600">
+                        <a:latin typeface="Avenir Next LT Pro" panose="020B0504020202020204" pitchFamily="34" charset="0"/>
+                      </a:endParaRPr>
+                    </a:p>
+                  </a:txBody>
+                  <a:tcPr>
+                    <a:lnL w="12700" cap="flat" cmpd="sng" algn="ctr">
+                      <a:solidFill>
+                        <a:schemeClr val="tx1"/>
+                      </a:solidFill>
+                      <a:prstDash val="solid"/>
+                      <a:round/>
+                      <a:headEnd type="none" w="med" len="med"/>
+                      <a:tailEnd type="none" w="med" len="med"/>
+                    </a:lnL>
+                    <a:lnR w="12700" cap="flat" cmpd="sng" algn="ctr">
+                      <a:solidFill>
+                        <a:schemeClr val="tx1"/>
+                      </a:solidFill>
+                      <a:prstDash val="solid"/>
+                      <a:round/>
+                      <a:headEnd type="none" w="med" len="med"/>
+                      <a:tailEnd type="none" w="med" len="med"/>
+                    </a:lnR>
+                  </a:tcPr>
+                </a:tc>
+                <a:tc>
+                  <a:txBody>
+                    <a:bodyPr/>
+                    <a:lstStyle/>
+                    <a:p>
+                      <a:pPr algn="ctr"/>
+                      <a:endParaRPr lang="it-IT" sz="1600">
+                        <a:latin typeface="Avenir Next LT Pro" panose="020B0504020202020204" pitchFamily="34" charset="0"/>
+                      </a:endParaRPr>
+                    </a:p>
+                  </a:txBody>
+                  <a:tcPr>
+                    <a:lnL w="12700" cap="flat" cmpd="sng" algn="ctr">
+                      <a:solidFill>
+                        <a:schemeClr val="tx1"/>
+                      </a:solidFill>
+                      <a:prstDash val="solid"/>
+                      <a:round/>
+                      <a:headEnd type="none" w="med" len="med"/>
+                      <a:tailEnd type="none" w="med" len="med"/>
+                    </a:lnL>
+                    <a:lnR w="12700" cap="flat" cmpd="sng" algn="ctr">
+                      <a:solidFill>
+                        <a:schemeClr val="tx1"/>
+                      </a:solidFill>
+                      <a:prstDash val="solid"/>
+                      <a:round/>
+                      <a:headEnd type="none" w="med" len="med"/>
+                      <a:tailEnd type="none" w="med" len="med"/>
+                    </a:lnR>
+                  </a:tcPr>
+                </a:tc>
+                <a:tc>
+                  <a:txBody>
+                    <a:bodyPr/>
+                    <a:lstStyle/>
+                    <a:p>
+                      <a:pPr algn="ctr"/>
+                      <a:endParaRPr lang="it-IT" sz="1600">
+                        <a:latin typeface="Avenir Next LT Pro" panose="020B0504020202020204" pitchFamily="34" charset="0"/>
+                      </a:endParaRPr>
+                    </a:p>
+                  </a:txBody>
+                  <a:tcPr>
+                    <a:lnL w="12700" cap="flat" cmpd="sng" algn="ctr">
+                      <a:solidFill>
+                        <a:schemeClr val="tx1"/>
+                      </a:solidFill>
+                      <a:prstDash val="solid"/>
+                      <a:round/>
+                      <a:headEnd type="none" w="med" len="med"/>
+                      <a:tailEnd type="none" w="med" len="med"/>
+                    </a:lnL>
+                    <a:lnR w="12700" cap="flat" cmpd="sng" algn="ctr">
+                      <a:solidFill>
+                        <a:schemeClr val="tx1"/>
+                      </a:solidFill>
+                      <a:prstDash val="solid"/>
+                      <a:round/>
+                      <a:headEnd type="none" w="med" len="med"/>
+                      <a:tailEnd type="none" w="med" len="med"/>
+                    </a:lnR>
+                  </a:tcPr>
+                </a:tc>
+                <a:tc>
+                  <a:txBody>
+                    <a:bodyPr/>
+                    <a:lstStyle/>
+                    <a:p>
+                      <a:pPr algn="ctr"/>
+                      <a:endParaRPr lang="it-IT" sz="1600">
+                        <a:latin typeface="Avenir Next LT Pro" panose="020B0504020202020204" pitchFamily="34" charset="0"/>
+                      </a:endParaRPr>
+                    </a:p>
+                  </a:txBody>
+                  <a:tcPr>
+                    <a:lnL w="12700" cap="flat" cmpd="sng" algn="ctr">
+                      <a:solidFill>
+                        <a:schemeClr val="tx1"/>
+                      </a:solidFill>
+                      <a:prstDash val="solid"/>
+                      <a:round/>
+                      <a:headEnd type="none" w="med" len="med"/>
+                      <a:tailEnd type="none" w="med" len="med"/>
+                    </a:lnL>
+                    <a:lnR w="12700" cap="flat" cmpd="sng" algn="ctr">
+                      <a:solidFill>
+                        <a:schemeClr val="tx1"/>
+                      </a:solidFill>
+                      <a:prstDash val="solid"/>
+                      <a:round/>
+                      <a:headEnd type="none" w="med" len="med"/>
+                      <a:tailEnd type="none" w="med" len="med"/>
+                    </a:lnR>
+                  </a:tcPr>
+                </a:tc>
+                <a:tc>
+                  <a:txBody>
+                    <a:bodyPr/>
+                    <a:lstStyle/>
+                    <a:p>
+                      <a:pPr algn="ctr"/>
+                      <a:endParaRPr lang="it-IT" sz="1600">
+                        <a:latin typeface="Avenir Next LT Pro" panose="020B0504020202020204" pitchFamily="34" charset="0"/>
+                      </a:endParaRPr>
+                    </a:p>
+                  </a:txBody>
+                  <a:tcPr>
+                    <a:lnL w="12700" cap="flat" cmpd="sng" algn="ctr">
+                      <a:solidFill>
+                        <a:schemeClr val="tx1"/>
+                      </a:solidFill>
+                      <a:prstDash val="solid"/>
+                      <a:round/>
+                      <a:headEnd type="none" w="med" len="med"/>
+                      <a:tailEnd type="none" w="med" len="med"/>
+                    </a:lnL>
+                  </a:tcPr>
+                </a:tc>
+                <a:extLst>
+                  <a:ext uri="{0D108BD9-81ED-4DB2-BD59-A6C34878D82A}">
+                    <a16:rowId xmlns:a16="http://schemas.microsoft.com/office/drawing/2014/main" val="2466824742"/>
+                  </a:ext>
+                </a:extLst>
+              </a:tr>
+            </a:tbl>
+          </a:graphicData>
+        </a:graphic>
+      </p:graphicFrame>
+      <p:sp>
+        <p:nvSpPr>
+          <p:cNvPr id="9" name="CasellaDiTesto 8">
+            <a:extLst>
+              <a:ext uri="{FF2B5EF4-FFF2-40B4-BE49-F238E27FC236}">
+                <a16:creationId xmlns:a16="http://schemas.microsoft.com/office/drawing/2014/main" id="{E5DF370F-4775-4942-A08E-47F2C147807C}"/>
+              </a:ext>
+            </a:extLst>
+          </p:cNvPr>
+          <p:cNvSpPr txBox="1"/>
+          <p:nvPr/>
+        </p:nvSpPr>
+        <p:spPr>
+          <a:xfrm>
+            <a:off x="769650" y="4594163"/>
+            <a:ext cx="1799112" cy="461665"/>
+          </a:xfrm>
+          <a:prstGeom prst="rect">
+            <a:avLst/>
+          </a:prstGeom>
+          <a:noFill/>
+        </p:spPr>
+        <p:txBody>
+          <a:bodyPr wrap="square" rtlCol="0" anchor="ctr">
+            <a:spAutoFit/>
+          </a:bodyPr>
+          <a:lstStyle/>
+          <a:p>
+            <a:pPr algn="ctr"/>
+            <a:r>
+              <a:rPr lang="it-IT" sz="2400" b="1">
+                <a:solidFill>
+                  <a:schemeClr val="accent4">
+                    <a:lumMod val="60000"/>
+                    <a:lumOff val="40000"/>
+                  </a:schemeClr>
+                </a:solidFill>
+              </a:rPr>
+              <a:t>P/R</a:t>
+            </a:r>
+          </a:p>
+        </p:txBody>
+      </p:sp>
     </p:spTree>
     <p:extLst>
       <p:ext uri="{BB962C8B-B14F-4D97-AF65-F5344CB8AC3E}">
-        <p14:creationId xmlns:p14="http://schemas.microsoft.com/office/powerpoint/2010/main" val="745060227"/>
+        <p14:creationId xmlns:p14="http://schemas.microsoft.com/office/powerpoint/2010/main" val="2345042767"/>
       </p:ext>
     </p:extLst>
   </p:cSld>

--- a/presentation/fraudolent_transaction.pptx
+++ b/presentation/fraudolent_transaction.pptx
@@ -23,7 +23,7 @@
     <p:sldId id="270" r:id="rId11"/>
     <p:sldId id="271" r:id="rId12"/>
     <p:sldId id="272" r:id="rId13"/>
-    <p:sldId id="273" r:id="rId14"/>
+    <p:sldId id="274" r:id="rId14"/>
   </p:sldIdLst>
   <p:sldSz cx="12192000" cy="6858000"/>
   <p:notesSz cx="6858000" cy="9144000"/>
@@ -9022,7 +9022,7 @@
       <dgm:spPr/>
     </dgm:pt>
     <dgm:pt modelId="{CD309890-0813-43A8-A1EB-1689E2DB3B4D}" type="pres">
-      <dgm:prSet presAssocID="{64718771-54AB-447F-B59C-7574E42DD73D}" presName="LevelOneTextNode" presStyleLbl="node0" presStyleIdx="0" presStyleCnt="1" custScaleX="15175" custScaleY="12796" custLinFactNeighborX="-59378" custLinFactNeighborY="-12518">
+      <dgm:prSet presAssocID="{64718771-54AB-447F-B59C-7574E42DD73D}" presName="LevelOneTextNode" presStyleLbl="node0" presStyleIdx="0" presStyleCnt="1" custScaleX="15175" custScaleY="12796" custLinFactNeighborX="-52060" custLinFactNeighborY="-41420">
         <dgm:presLayoutVars>
           <dgm:chPref val="3"/>
         </dgm:presLayoutVars>
@@ -9533,48 +9533,6 @@
         </a:p>
       </dgm:t>
     </dgm:pt>
-    <dgm:pt modelId="{8E0005AC-6B59-4087-884B-DB7F82A54D7E}">
-      <dgm:prSet phldrT="[Testo]" custT="1"/>
-      <dgm:spPr/>
-      <dgm:t>
-        <a:bodyPr/>
-        <a:lstStyle/>
-        <a:p>
-          <a:r>
-            <a:rPr lang="it-IT" sz="2000"/>
-            <a:t>Mix</a:t>
-          </a:r>
-        </a:p>
-        <a:p>
-          <a:r>
-            <a:rPr lang="it-IT" sz="1200"/>
-            <a:t>(w/o standardization)</a:t>
-          </a:r>
-        </a:p>
-      </dgm:t>
-    </dgm:pt>
-    <dgm:pt modelId="{B99954AC-9567-4059-8A93-6C2F19D2F719}" type="parTrans" cxnId="{FC0052D7-955E-43D0-894E-ACA9EB44CE1C}">
-      <dgm:prSet/>
-      <dgm:spPr/>
-      <dgm:t>
-        <a:bodyPr/>
-        <a:lstStyle/>
-        <a:p>
-          <a:endParaRPr lang="it-IT"/>
-        </a:p>
-      </dgm:t>
-    </dgm:pt>
-    <dgm:pt modelId="{EDEA70CB-2FEE-4A85-B07E-120EF11E8AC5}" type="sibTrans" cxnId="{FC0052D7-955E-43D0-894E-ACA9EB44CE1C}">
-      <dgm:prSet/>
-      <dgm:spPr/>
-      <dgm:t>
-        <a:bodyPr/>
-        <a:lstStyle/>
-        <a:p>
-          <a:endParaRPr lang="it-IT"/>
-        </a:p>
-      </dgm:t>
-    </dgm:pt>
     <dgm:pt modelId="{E300FD04-0B42-4EB4-A821-5EB6EF01017B}" type="pres">
       <dgm:prSet presAssocID="{9BE29EB2-578C-4BCF-B2EE-AE8BF1FDF031}" presName="Name0" presStyleCnt="0">
         <dgm:presLayoutVars>
@@ -9604,11 +9562,11 @@
       <dgm:spPr/>
     </dgm:pt>
     <dgm:pt modelId="{EE652400-9F1E-494A-A3E7-9E8DC9FE6B5D}" type="pres">
-      <dgm:prSet presAssocID="{83E6A6F7-6AC4-418E-BDCC-384ABEB3B94B}" presName="conn2-1" presStyleLbl="parChTrans1D2" presStyleIdx="0" presStyleCnt="4"/>
+      <dgm:prSet presAssocID="{83E6A6F7-6AC4-418E-BDCC-384ABEB3B94B}" presName="conn2-1" presStyleLbl="parChTrans1D2" presStyleIdx="0" presStyleCnt="3"/>
       <dgm:spPr/>
     </dgm:pt>
     <dgm:pt modelId="{3213DAEC-7E24-49BB-B565-9FB5BCBB661A}" type="pres">
-      <dgm:prSet presAssocID="{83E6A6F7-6AC4-418E-BDCC-384ABEB3B94B}" presName="connTx" presStyleLbl="parChTrans1D2" presStyleIdx="0" presStyleCnt="4"/>
+      <dgm:prSet presAssocID="{83E6A6F7-6AC4-418E-BDCC-384ABEB3B94B}" presName="connTx" presStyleLbl="parChTrans1D2" presStyleIdx="0" presStyleCnt="3"/>
       <dgm:spPr/>
     </dgm:pt>
     <dgm:pt modelId="{4E009DCB-62ED-4802-AB26-4D769BF517CE}" type="pres">
@@ -9616,7 +9574,7 @@
       <dgm:spPr/>
     </dgm:pt>
     <dgm:pt modelId="{679D7825-1A13-4E4A-8AA9-A5E58C9375AD}" type="pres">
-      <dgm:prSet presAssocID="{AA8769EE-62CA-4103-AC55-2EBC97C4F747}" presName="LevelTwoTextNode" presStyleLbl="node2" presStyleIdx="0" presStyleCnt="4" custScaleY="123176">
+      <dgm:prSet presAssocID="{AA8769EE-62CA-4103-AC55-2EBC97C4F747}" presName="LevelTwoTextNode" presStyleLbl="node2" presStyleIdx="0" presStyleCnt="3" custScaleY="123176">
         <dgm:presLayoutVars>
           <dgm:chPref val="3"/>
         </dgm:presLayoutVars>
@@ -9628,11 +9586,11 @@
       <dgm:spPr/>
     </dgm:pt>
     <dgm:pt modelId="{4D55B767-C110-4010-A814-7A0E65BBF490}" type="pres">
-      <dgm:prSet presAssocID="{BBED3C55-967D-417A-B175-C5FF41B7C7F7}" presName="conn2-1" presStyleLbl="parChTrans1D2" presStyleIdx="1" presStyleCnt="4"/>
+      <dgm:prSet presAssocID="{BBED3C55-967D-417A-B175-C5FF41B7C7F7}" presName="conn2-1" presStyleLbl="parChTrans1D2" presStyleIdx="1" presStyleCnt="3"/>
       <dgm:spPr/>
     </dgm:pt>
     <dgm:pt modelId="{46323E3A-1BF1-4EE5-AE5C-FC5E0718465B}" type="pres">
-      <dgm:prSet presAssocID="{BBED3C55-967D-417A-B175-C5FF41B7C7F7}" presName="connTx" presStyleLbl="parChTrans1D2" presStyleIdx="1" presStyleCnt="4"/>
+      <dgm:prSet presAssocID="{BBED3C55-967D-417A-B175-C5FF41B7C7F7}" presName="connTx" presStyleLbl="parChTrans1D2" presStyleIdx="1" presStyleCnt="3"/>
       <dgm:spPr/>
     </dgm:pt>
     <dgm:pt modelId="{DDE12156-23CC-4ED8-959C-3B94DD288226}" type="pres">
@@ -9640,7 +9598,7 @@
       <dgm:spPr/>
     </dgm:pt>
     <dgm:pt modelId="{B589059C-3FA7-421B-AEF5-1F5BC0A007F6}" type="pres">
-      <dgm:prSet presAssocID="{EAAC1CC5-EA7B-4E1A-A26F-4F627366CCCD}" presName="LevelTwoTextNode" presStyleLbl="node2" presStyleIdx="1" presStyleCnt="4">
+      <dgm:prSet presAssocID="{EAAC1CC5-EA7B-4E1A-A26F-4F627366CCCD}" presName="LevelTwoTextNode" presStyleLbl="node2" presStyleIdx="1" presStyleCnt="3">
         <dgm:presLayoutVars>
           <dgm:chPref val="3"/>
         </dgm:presLayoutVars>
@@ -9652,11 +9610,11 @@
       <dgm:spPr/>
     </dgm:pt>
     <dgm:pt modelId="{727C5189-5982-4CDE-943D-923813656E58}" type="pres">
-      <dgm:prSet presAssocID="{E6BE9A90-1D2A-413B-9120-431B7136ACFA}" presName="conn2-1" presStyleLbl="parChTrans1D2" presStyleIdx="2" presStyleCnt="4"/>
+      <dgm:prSet presAssocID="{E6BE9A90-1D2A-413B-9120-431B7136ACFA}" presName="conn2-1" presStyleLbl="parChTrans1D2" presStyleIdx="2" presStyleCnt="3"/>
       <dgm:spPr/>
     </dgm:pt>
     <dgm:pt modelId="{BDF37E8B-FFCB-488D-9509-D93ECE3598D7}" type="pres">
-      <dgm:prSet presAssocID="{E6BE9A90-1D2A-413B-9120-431B7136ACFA}" presName="connTx" presStyleLbl="parChTrans1D2" presStyleIdx="2" presStyleCnt="4"/>
+      <dgm:prSet presAssocID="{E6BE9A90-1D2A-413B-9120-431B7136ACFA}" presName="connTx" presStyleLbl="parChTrans1D2" presStyleIdx="2" presStyleCnt="3"/>
       <dgm:spPr/>
     </dgm:pt>
     <dgm:pt modelId="{734A6DB6-5C84-4FEC-BD52-98F69BE27001}" type="pres">
@@ -9664,7 +9622,7 @@
       <dgm:spPr/>
     </dgm:pt>
     <dgm:pt modelId="{041D6357-4BB6-4934-B972-D575E7C45DA1}" type="pres">
-      <dgm:prSet presAssocID="{D804D3CF-F586-4DA7-ACE3-FD70412E7260}" presName="LevelTwoTextNode" presStyleLbl="node2" presStyleIdx="2" presStyleCnt="4">
+      <dgm:prSet presAssocID="{D804D3CF-F586-4DA7-ACE3-FD70412E7260}" presName="LevelTwoTextNode" presStyleLbl="node2" presStyleIdx="2" presStyleCnt="3">
         <dgm:presLayoutVars>
           <dgm:chPref val="3"/>
         </dgm:presLayoutVars>
@@ -9673,30 +9631,6 @@
     </dgm:pt>
     <dgm:pt modelId="{F11897D4-509B-493D-967A-015A1F966472}" type="pres">
       <dgm:prSet presAssocID="{D804D3CF-F586-4DA7-ACE3-FD70412E7260}" presName="level3hierChild" presStyleCnt="0"/>
-      <dgm:spPr/>
-    </dgm:pt>
-    <dgm:pt modelId="{85CB48A0-1269-4747-B4BB-B94F6038ED01}" type="pres">
-      <dgm:prSet presAssocID="{B99954AC-9567-4059-8A93-6C2F19D2F719}" presName="conn2-1" presStyleLbl="parChTrans1D2" presStyleIdx="3" presStyleCnt="4"/>
-      <dgm:spPr/>
-    </dgm:pt>
-    <dgm:pt modelId="{7730790B-C821-4BE0-8900-E3B894C6DF40}" type="pres">
-      <dgm:prSet presAssocID="{B99954AC-9567-4059-8A93-6C2F19D2F719}" presName="connTx" presStyleLbl="parChTrans1D2" presStyleIdx="3" presStyleCnt="4"/>
-      <dgm:spPr/>
-    </dgm:pt>
-    <dgm:pt modelId="{02AEAD8D-BE76-46AA-B9DE-3B53D132FCB9}" type="pres">
-      <dgm:prSet presAssocID="{8E0005AC-6B59-4087-884B-DB7F82A54D7E}" presName="root2" presStyleCnt="0"/>
-      <dgm:spPr/>
-    </dgm:pt>
-    <dgm:pt modelId="{E0AAD1B8-C76B-45C2-97F7-CFBB451502A1}" type="pres">
-      <dgm:prSet presAssocID="{8E0005AC-6B59-4087-884B-DB7F82A54D7E}" presName="LevelTwoTextNode" presStyleLbl="node2" presStyleIdx="3" presStyleCnt="4" custScaleY="116581">
-        <dgm:presLayoutVars>
-          <dgm:chPref val="3"/>
-        </dgm:presLayoutVars>
-      </dgm:prSet>
-      <dgm:spPr/>
-    </dgm:pt>
-    <dgm:pt modelId="{35499F2C-C28E-4B75-A2D6-80064283C65D}" type="pres">
-      <dgm:prSet presAssocID="{8E0005AC-6B59-4087-884B-DB7F82A54D7E}" presName="level3hierChild" presStyleCnt="0"/>
       <dgm:spPr/>
     </dgm:pt>
   </dgm:ptLst>
@@ -9712,13 +9646,9 @@
     <dgm:cxn modelId="{D22E778F-90FF-421C-B4C8-E65C31BB2F00}" srcId="{712AD1B2-09CC-4833-BC5C-E13FC6CC1430}" destId="{AA8769EE-62CA-4103-AC55-2EBC97C4F747}" srcOrd="0" destOrd="0" parTransId="{83E6A6F7-6AC4-418E-BDCC-384ABEB3B94B}" sibTransId="{B25788A5-04F3-4D48-B964-6121F593EFCB}"/>
     <dgm:cxn modelId="{9499EA91-F65A-4785-B309-670F3C0DFC73}" type="presOf" srcId="{9BE29EB2-578C-4BCF-B2EE-AE8BF1FDF031}" destId="{E300FD04-0B42-4EB4-A821-5EB6EF01017B}" srcOrd="0" destOrd="0" presId="urn:microsoft.com/office/officeart/2008/layout/HorizontalMultiLevelHierarchy"/>
     <dgm:cxn modelId="{DA5468A0-E546-47AC-8212-8D7677D2E99E}" srcId="{712AD1B2-09CC-4833-BC5C-E13FC6CC1430}" destId="{EAAC1CC5-EA7B-4E1A-A26F-4F627366CCCD}" srcOrd="1" destOrd="0" parTransId="{BBED3C55-967D-417A-B175-C5FF41B7C7F7}" sibTransId="{710ACCF1-92EC-489A-A152-EE194F1195DB}"/>
-    <dgm:cxn modelId="{2F4B89BE-5D30-4B0A-A6A5-B941F29C1500}" type="presOf" srcId="{B99954AC-9567-4059-8A93-6C2F19D2F719}" destId="{85CB48A0-1269-4747-B4BB-B94F6038ED01}" srcOrd="0" destOrd="0" presId="urn:microsoft.com/office/officeart/2008/layout/HorizontalMultiLevelHierarchy"/>
     <dgm:cxn modelId="{C5F95BCA-C753-4CB1-AFAB-FA428931CC4E}" type="presOf" srcId="{83E6A6F7-6AC4-418E-BDCC-384ABEB3B94B}" destId="{EE652400-9F1E-494A-A3E7-9E8DC9FE6B5D}" srcOrd="0" destOrd="0" presId="urn:microsoft.com/office/officeart/2008/layout/HorizontalMultiLevelHierarchy"/>
-    <dgm:cxn modelId="{FC0052D7-955E-43D0-894E-ACA9EB44CE1C}" srcId="{712AD1B2-09CC-4833-BC5C-E13FC6CC1430}" destId="{8E0005AC-6B59-4087-884B-DB7F82A54D7E}" srcOrd="3" destOrd="0" parTransId="{B99954AC-9567-4059-8A93-6C2F19D2F719}" sibTransId="{EDEA70CB-2FEE-4A85-B07E-120EF11E8AC5}"/>
     <dgm:cxn modelId="{BAC9AEDD-5A63-4D77-8A1B-3F220F98BF6E}" type="presOf" srcId="{BBED3C55-967D-417A-B175-C5FF41B7C7F7}" destId="{46323E3A-1BF1-4EE5-AE5C-FC5E0718465B}" srcOrd="1" destOrd="0" presId="urn:microsoft.com/office/officeart/2008/layout/HorizontalMultiLevelHierarchy"/>
     <dgm:cxn modelId="{42FD17E1-2B23-4268-9C51-93DE69F4DAB7}" type="presOf" srcId="{E6BE9A90-1D2A-413B-9120-431B7136ACFA}" destId="{727C5189-5982-4CDE-943D-923813656E58}" srcOrd="0" destOrd="0" presId="urn:microsoft.com/office/officeart/2008/layout/HorizontalMultiLevelHierarchy"/>
-    <dgm:cxn modelId="{16B061E3-ED9B-4CEF-A935-0E40F907EBF5}" type="presOf" srcId="{8E0005AC-6B59-4087-884B-DB7F82A54D7E}" destId="{E0AAD1B8-C76B-45C2-97F7-CFBB451502A1}" srcOrd="0" destOrd="0" presId="urn:microsoft.com/office/officeart/2008/layout/HorizontalMultiLevelHierarchy"/>
-    <dgm:cxn modelId="{0D6039F2-9B48-4FAA-9458-AF13DD699C52}" type="presOf" srcId="{B99954AC-9567-4059-8A93-6C2F19D2F719}" destId="{7730790B-C821-4BE0-8900-E3B894C6DF40}" srcOrd="1" destOrd="0" presId="urn:microsoft.com/office/officeart/2008/layout/HorizontalMultiLevelHierarchy"/>
     <dgm:cxn modelId="{0A1C9FFD-A1A1-4B27-B56D-76A0D74D2024}" type="presOf" srcId="{83E6A6F7-6AC4-418E-BDCC-384ABEB3B94B}" destId="{3213DAEC-7E24-49BB-B565-9FB5BCBB661A}" srcOrd="1" destOrd="0" presId="urn:microsoft.com/office/officeart/2008/layout/HorizontalMultiLevelHierarchy"/>
     <dgm:cxn modelId="{37778975-2B6C-46DB-87D0-B7D0A2B6DC11}" type="presParOf" srcId="{E300FD04-0B42-4EB4-A821-5EB6EF01017B}" destId="{E3F1D336-743B-4747-84B5-1578DC017F2D}" srcOrd="0" destOrd="0" presId="urn:microsoft.com/office/officeart/2008/layout/HorizontalMultiLevelHierarchy"/>
     <dgm:cxn modelId="{009C63A2-7696-483E-A03E-813D77930E2F}" type="presParOf" srcId="{E3F1D336-743B-4747-84B5-1578DC017F2D}" destId="{12A5A615-E1F5-4798-8B27-86DF96572C91}" srcOrd="0" destOrd="0" presId="urn:microsoft.com/office/officeart/2008/layout/HorizontalMultiLevelHierarchy"/>
@@ -9738,11 +9668,6 @@
     <dgm:cxn modelId="{610C2C95-3309-4F8D-ADC7-9A03F6292558}" type="presParOf" srcId="{9BF5017E-E2D0-4A17-99A2-BB254BD747D9}" destId="{734A6DB6-5C84-4FEC-BD52-98F69BE27001}" srcOrd="5" destOrd="0" presId="urn:microsoft.com/office/officeart/2008/layout/HorizontalMultiLevelHierarchy"/>
     <dgm:cxn modelId="{C52AE050-AA25-4973-826A-BD0F314EF1E1}" type="presParOf" srcId="{734A6DB6-5C84-4FEC-BD52-98F69BE27001}" destId="{041D6357-4BB6-4934-B972-D575E7C45DA1}" srcOrd="0" destOrd="0" presId="urn:microsoft.com/office/officeart/2008/layout/HorizontalMultiLevelHierarchy"/>
     <dgm:cxn modelId="{61127061-702C-49E4-A694-EE3D7D68F489}" type="presParOf" srcId="{734A6DB6-5C84-4FEC-BD52-98F69BE27001}" destId="{F11897D4-509B-493D-967A-015A1F966472}" srcOrd="1" destOrd="0" presId="urn:microsoft.com/office/officeart/2008/layout/HorizontalMultiLevelHierarchy"/>
-    <dgm:cxn modelId="{25169F98-B854-4C0B-8B82-44BCE0544642}" type="presParOf" srcId="{9BF5017E-E2D0-4A17-99A2-BB254BD747D9}" destId="{85CB48A0-1269-4747-B4BB-B94F6038ED01}" srcOrd="6" destOrd="0" presId="urn:microsoft.com/office/officeart/2008/layout/HorizontalMultiLevelHierarchy"/>
-    <dgm:cxn modelId="{0AD6310D-F3A2-4F78-A87C-23E55D6BB5C3}" type="presParOf" srcId="{85CB48A0-1269-4747-B4BB-B94F6038ED01}" destId="{7730790B-C821-4BE0-8900-E3B894C6DF40}" srcOrd="0" destOrd="0" presId="urn:microsoft.com/office/officeart/2008/layout/HorizontalMultiLevelHierarchy"/>
-    <dgm:cxn modelId="{315F610B-CD64-4238-BE82-1764C4FBDDE9}" type="presParOf" srcId="{9BF5017E-E2D0-4A17-99A2-BB254BD747D9}" destId="{02AEAD8D-BE76-46AA-B9DE-3B53D132FCB9}" srcOrd="7" destOrd="0" presId="urn:microsoft.com/office/officeart/2008/layout/HorizontalMultiLevelHierarchy"/>
-    <dgm:cxn modelId="{6BB05481-6C2D-4ADB-8AA2-8D2A4FEA8BFF}" type="presParOf" srcId="{02AEAD8D-BE76-46AA-B9DE-3B53D132FCB9}" destId="{E0AAD1B8-C76B-45C2-97F7-CFBB451502A1}" srcOrd="0" destOrd="0" presId="urn:microsoft.com/office/officeart/2008/layout/HorizontalMultiLevelHierarchy"/>
-    <dgm:cxn modelId="{A736E646-1D4C-417E-A6B0-4CB736D227FA}" type="presParOf" srcId="{02AEAD8D-BE76-46AA-B9DE-3B53D132FCB9}" destId="{35499F2C-C28E-4B75-A2D6-80064283C65D}" srcOrd="1" destOrd="0" presId="urn:microsoft.com/office/officeart/2008/layout/HorizontalMultiLevelHierarchy"/>
   </dgm:cxnLst>
   <dgm:bg/>
   <dgm:whole/>
@@ -12920,8 +12845,8 @@
       </dsp:nvSpPr>
       <dsp:spPr>
         <a:xfrm>
-          <a:off x="0" y="1260317"/>
-          <a:ext cx="1230557" cy="518820"/>
+          <a:off x="403027" y="91450"/>
+          <a:ext cx="1272004" cy="536295"/>
         </a:xfrm>
         <a:prstGeom prst="rect">
           <a:avLst/>
@@ -12986,8 +12911,8 @@
         </a:p>
       </dsp:txBody>
       <dsp:txXfrm>
-        <a:off x="0" y="1260317"/>
-        <a:ext cx="1230557" cy="518820"/>
+        <a:off x="403027" y="91450"/>
+        <a:ext cx="1272004" cy="536295"/>
       </dsp:txXfrm>
     </dsp:sp>
   </dsp:spTree>
@@ -13574,15 +13499,15 @@
       <dsp:cNvGrpSpPr/>
     </dsp:nvGrpSpPr>
     <dsp:grpSpPr/>
-    <dsp:sp modelId="{85CB48A0-1269-4747-B4BB-B94F6038ED01}">
+    <dsp:sp modelId="{727C5189-5982-4CDE-943D-923813656E58}">
       <dsp:nvSpPr>
         <dsp:cNvPr id="0" name=""/>
         <dsp:cNvSpPr/>
       </dsp:nvSpPr>
       <dsp:spPr>
         <a:xfrm>
-          <a:off x="1120224" y="1609637"/>
-          <a:ext cx="401250" cy="1217746"/>
+          <a:off x="1120224" y="1609638"/>
+          <a:ext cx="401250" cy="835457"/>
         </a:xfrm>
         <a:custGeom>
           <a:avLst/>
@@ -13599,10 +13524,10 @@
                 <a:pt x="200625" y="0"/>
               </a:lnTo>
               <a:lnTo>
-                <a:pt x="200625" y="1217746"/>
+                <a:pt x="200625" y="835457"/>
               </a:lnTo>
               <a:lnTo>
-                <a:pt x="401250" y="1217746"/>
+                <a:pt x="401250" y="835457"/>
               </a:lnTo>
             </a:path>
           </a:pathLst>
@@ -13656,19 +13581,19 @@
         </a:p>
       </dsp:txBody>
       <dsp:txXfrm>
-        <a:off x="1288796" y="2186457"/>
-        <a:ext cx="64107" cy="64107"/>
+        <a:off x="1297679" y="2004196"/>
+        <a:ext cx="46340" cy="46340"/>
       </dsp:txXfrm>
     </dsp:sp>
-    <dsp:sp modelId="{727C5189-5982-4CDE-943D-923813656E58}">
+    <dsp:sp modelId="{4D55B767-C110-4010-A814-7A0E65BBF490}">
       <dsp:nvSpPr>
         <dsp:cNvPr id="0" name=""/>
         <dsp:cNvSpPr/>
       </dsp:nvSpPr>
       <dsp:spPr>
         <a:xfrm>
-          <a:off x="1120224" y="1609637"/>
-          <a:ext cx="401250" cy="402458"/>
+          <a:off x="1120224" y="1563918"/>
+          <a:ext cx="401250" cy="91440"/>
         </a:xfrm>
         <a:custGeom>
           <a:avLst/>
@@ -13679,16 +13604,16 @@
           <a:pathLst>
             <a:path>
               <a:moveTo>
-                <a:pt x="0" y="0"/>
+                <a:pt x="0" y="45720"/>
               </a:moveTo>
               <a:lnTo>
-                <a:pt x="200625" y="0"/>
+                <a:pt x="200625" y="45720"/>
               </a:lnTo>
               <a:lnTo>
-                <a:pt x="200625" y="402458"/>
+                <a:pt x="200625" y="116599"/>
               </a:lnTo>
               <a:lnTo>
-                <a:pt x="401250" y="402458"/>
+                <a:pt x="401250" y="116599"/>
               </a:lnTo>
             </a:path>
           </a:pathLst>
@@ -13742,19 +13667,19 @@
         </a:p>
       </dsp:txBody>
       <dsp:txXfrm>
-        <a:off x="1306642" y="1796659"/>
-        <a:ext cx="28415" cy="28415"/>
+        <a:off x="1310663" y="1599451"/>
+        <a:ext cx="20373" cy="20373"/>
       </dsp:txXfrm>
     </dsp:sp>
-    <dsp:sp modelId="{4D55B767-C110-4010-A814-7A0E65BBF490}">
+    <dsp:sp modelId="{EE652400-9F1E-494A-A3E7-9E8DC9FE6B5D}">
       <dsp:nvSpPr>
         <dsp:cNvPr id="0" name=""/>
         <dsp:cNvSpPr/>
       </dsp:nvSpPr>
       <dsp:spPr>
         <a:xfrm>
-          <a:off x="1120224" y="1247518"/>
-          <a:ext cx="401250" cy="362119"/>
+          <a:off x="1120224" y="845059"/>
+          <a:ext cx="401250" cy="764578"/>
         </a:xfrm>
         <a:custGeom>
           <a:avLst/>
@@ -13765,10 +13690,10 @@
           <a:pathLst>
             <a:path>
               <a:moveTo>
-                <a:pt x="0" y="362119"/>
+                <a:pt x="0" y="764578"/>
               </a:moveTo>
               <a:lnTo>
-                <a:pt x="200625" y="362119"/>
+                <a:pt x="200625" y="764578"/>
               </a:lnTo>
               <a:lnTo>
                 <a:pt x="200625" y="0"/>
@@ -13828,94 +13753,8 @@
         </a:p>
       </dsp:txBody>
       <dsp:txXfrm>
-        <a:off x="1307337" y="1415065"/>
-        <a:ext cx="27024" cy="27024"/>
-      </dsp:txXfrm>
-    </dsp:sp>
-    <dsp:sp modelId="{EE652400-9F1E-494A-A3E7-9E8DC9FE6B5D}">
-      <dsp:nvSpPr>
-        <dsp:cNvPr id="0" name=""/>
-        <dsp:cNvSpPr/>
-      </dsp:nvSpPr>
-      <dsp:spPr>
-        <a:xfrm>
-          <a:off x="1120224" y="412061"/>
-          <a:ext cx="401250" cy="1197576"/>
-        </a:xfrm>
-        <a:custGeom>
-          <a:avLst/>
-          <a:gdLst/>
-          <a:ahLst/>
-          <a:cxnLst/>
-          <a:rect l="0" t="0" r="0" b="0"/>
-          <a:pathLst>
-            <a:path>
-              <a:moveTo>
-                <a:pt x="0" y="1197576"/>
-              </a:moveTo>
-              <a:lnTo>
-                <a:pt x="200625" y="1197576"/>
-              </a:lnTo>
-              <a:lnTo>
-                <a:pt x="200625" y="0"/>
-              </a:lnTo>
-              <a:lnTo>
-                <a:pt x="401250" y="0"/>
-              </a:lnTo>
-            </a:path>
-          </a:pathLst>
-        </a:custGeom>
-        <a:noFill/>
-        <a:ln w="22225" cap="rnd" cmpd="sng" algn="ctr">
-          <a:solidFill>
-            <a:schemeClr val="accent1">
-              <a:shade val="60000"/>
-              <a:hueOff val="0"/>
-              <a:satOff val="0"/>
-              <a:lumOff val="0"/>
-              <a:alphaOff val="0"/>
-            </a:schemeClr>
-          </a:solidFill>
-          <a:prstDash val="solid"/>
-        </a:ln>
-        <a:effectLst/>
-      </dsp:spPr>
-      <dsp:style>
-        <a:lnRef idx="2">
-          <a:scrgbClr r="0" g="0" b="0"/>
-        </a:lnRef>
-        <a:fillRef idx="0">
-          <a:scrgbClr r="0" g="0" b="0"/>
-        </a:fillRef>
-        <a:effectRef idx="0">
-          <a:scrgbClr r="0" g="0" b="0"/>
-        </a:effectRef>
-        <a:fontRef idx="minor"/>
-      </dsp:style>
-      <dsp:txBody>
-        <a:bodyPr spcFirstLastPara="0" vert="horz" wrap="square" lIns="12700" tIns="0" rIns="12700" bIns="0" numCol="1" spcCol="1270" anchor="ctr" anchorCtr="0">
-          <a:noAutofit/>
-        </a:bodyPr>
-        <a:lstStyle/>
-        <a:p>
-          <a:pPr marL="0" lvl="0" indent="0" algn="ctr" defTabSz="222250">
-            <a:lnSpc>
-              <a:spcPct val="90000"/>
-            </a:lnSpc>
-            <a:spcBef>
-              <a:spcPct val="0"/>
-            </a:spcBef>
-            <a:spcAft>
-              <a:spcPct val="35000"/>
-            </a:spcAft>
-            <a:buNone/>
-          </a:pPr>
-          <a:endParaRPr lang="it-IT" sz="500" kern="1200"/>
-        </a:p>
-      </dsp:txBody>
-      <dsp:txXfrm>
-        <a:off x="1289274" y="979274"/>
-        <a:ext cx="63150" cy="63150"/>
+        <a:off x="1299263" y="1205762"/>
+        <a:ext cx="43173" cy="43173"/>
       </dsp:txXfrm>
     </dsp:sp>
     <dsp:sp modelId="{12A5A615-E1F5-4798-8B27-86DF96572C91}">
@@ -14000,7 +13839,7 @@
       </dsp:nvSpPr>
       <dsp:spPr>
         <a:xfrm>
-          <a:off x="1521475" y="35350"/>
+          <a:off x="1521475" y="468349"/>
           <a:ext cx="2006252" cy="753421"/>
         </a:xfrm>
         <a:prstGeom prst="rect">
@@ -14084,7 +13923,7 @@
         </a:p>
       </dsp:txBody>
       <dsp:txXfrm>
-        <a:off x="1521475" y="35350"/>
+        <a:off x="1521475" y="468349"/>
         <a:ext cx="2006252" cy="753421"/>
       </dsp:txXfrm>
     </dsp:sp>
@@ -14095,7 +13934,7 @@
       </dsp:nvSpPr>
       <dsp:spPr>
         <a:xfrm>
-          <a:off x="1521475" y="941687"/>
+          <a:off x="1521475" y="1374686"/>
           <a:ext cx="2006252" cy="611662"/>
         </a:xfrm>
         <a:prstGeom prst="rect">
@@ -14161,7 +14000,7 @@
         </a:p>
       </dsp:txBody>
       <dsp:txXfrm>
-        <a:off x="1521475" y="941687"/>
+        <a:off x="1521475" y="1374686"/>
         <a:ext cx="2006252" cy="611662"/>
       </dsp:txXfrm>
     </dsp:sp>
@@ -14172,7 +14011,7 @@
       </dsp:nvSpPr>
       <dsp:spPr>
         <a:xfrm>
-          <a:off x="1521475" y="1706265"/>
+          <a:off x="1521475" y="2139264"/>
           <a:ext cx="2006252" cy="611662"/>
         </a:xfrm>
         <a:prstGeom prst="rect">
@@ -14238,103 +14077,8 @@
         </a:p>
       </dsp:txBody>
       <dsp:txXfrm>
-        <a:off x="1521475" y="1706265"/>
+        <a:off x="1521475" y="2139264"/>
         <a:ext cx="2006252" cy="611662"/>
-      </dsp:txXfrm>
-    </dsp:sp>
-    <dsp:sp modelId="{E0AAD1B8-C76B-45C2-97F7-CFBB451502A1}">
-      <dsp:nvSpPr>
-        <dsp:cNvPr id="0" name=""/>
-        <dsp:cNvSpPr/>
-      </dsp:nvSpPr>
-      <dsp:spPr>
-        <a:xfrm>
-          <a:off x="1521475" y="2470843"/>
-          <a:ext cx="2006252" cy="713082"/>
-        </a:xfrm>
-        <a:prstGeom prst="rect">
-          <a:avLst/>
-        </a:prstGeom>
-        <a:solidFill>
-          <a:schemeClr val="accent1">
-            <a:hueOff val="0"/>
-            <a:satOff val="0"/>
-            <a:lumOff val="0"/>
-            <a:alphaOff val="0"/>
-          </a:schemeClr>
-        </a:solidFill>
-        <a:ln w="22225" cap="rnd" cmpd="sng" algn="ctr">
-          <a:solidFill>
-            <a:schemeClr val="lt1">
-              <a:hueOff val="0"/>
-              <a:satOff val="0"/>
-              <a:lumOff val="0"/>
-              <a:alphaOff val="0"/>
-            </a:schemeClr>
-          </a:solidFill>
-          <a:prstDash val="solid"/>
-        </a:ln>
-        <a:effectLst/>
-      </dsp:spPr>
-      <dsp:style>
-        <a:lnRef idx="2">
-          <a:scrgbClr r="0" g="0" b="0"/>
-        </a:lnRef>
-        <a:fillRef idx="1">
-          <a:scrgbClr r="0" g="0" b="0"/>
-        </a:fillRef>
-        <a:effectRef idx="0">
-          <a:scrgbClr r="0" g="0" b="0"/>
-        </a:effectRef>
-        <a:fontRef idx="minor">
-          <a:schemeClr val="lt1"/>
-        </a:fontRef>
-      </dsp:style>
-      <dsp:txBody>
-        <a:bodyPr spcFirstLastPara="0" vert="horz" wrap="square" lIns="12700" tIns="12700" rIns="12700" bIns="12700" numCol="1" spcCol="1270" anchor="ctr" anchorCtr="0">
-          <a:noAutofit/>
-        </a:bodyPr>
-        <a:lstStyle/>
-        <a:p>
-          <a:pPr marL="0" lvl="0" indent="0" algn="ctr" defTabSz="889000">
-            <a:lnSpc>
-              <a:spcPct val="90000"/>
-            </a:lnSpc>
-            <a:spcBef>
-              <a:spcPct val="0"/>
-            </a:spcBef>
-            <a:spcAft>
-              <a:spcPct val="35000"/>
-            </a:spcAft>
-            <a:buNone/>
-          </a:pPr>
-          <a:r>
-            <a:rPr lang="it-IT" sz="2000" kern="1200"/>
-            <a:t>Mix</a:t>
-          </a:r>
-        </a:p>
-        <a:p>
-          <a:pPr marL="0" lvl="0" indent="0" algn="ctr" defTabSz="889000">
-            <a:lnSpc>
-              <a:spcPct val="90000"/>
-            </a:lnSpc>
-            <a:spcBef>
-              <a:spcPct val="0"/>
-            </a:spcBef>
-            <a:spcAft>
-              <a:spcPct val="35000"/>
-            </a:spcAft>
-            <a:buNone/>
-          </a:pPr>
-          <a:r>
-            <a:rPr lang="it-IT" sz="1200" kern="1200"/>
-            <a:t>(w/o standardization)</a:t>
-          </a:r>
-        </a:p>
-      </dsp:txBody>
-      <dsp:txXfrm>
-        <a:off x="1521475" y="2470843"/>
-        <a:ext cx="2006252" cy="713082"/>
       </dsp:txXfrm>
     </dsp:sp>
   </dsp:spTree>
@@ -26273,7 +26017,7 @@
             <a:pPr rtl="0"/>
             <a:fld id="{C0FA3576-2E34-44A5-91FF-3C53AC3DA648}" type="datetime1">
               <a:rPr lang="it-IT" smtClean="0"/>
-              <a:t>21/06/2022</a:t>
+              <a:t>22/06/2022</a:t>
             </a:fld>
             <a:endParaRPr lang="it-IT"/>
           </a:p>
@@ -26455,7 +26199,7 @@
             <a:fld id="{F8F21FEC-DF32-4E90-A279-29D5C0BB0773}" type="datetime1">
               <a:rPr lang="it-IT" smtClean="0"/>
               <a:pPr/>
-              <a:t>21/06/2022</a:t>
+              <a:t>22/06/2022</a:t>
             </a:fld>
             <a:endParaRPr lang="it-IT" dirty="0"/>
           </a:p>
@@ -27233,7 +26977,7 @@
             <a:pPr rtl="0"/>
             <a:fld id="{87A23933-3F77-4C59-A775-45E2435C8368}" type="datetime1">
               <a:rPr lang="it-IT" noProof="0" smtClean="0"/>
-              <a:t>21/06/2022</a:t>
+              <a:t>22/06/2022</a:t>
             </a:fld>
             <a:endParaRPr lang="it-IT" noProof="0"/>
           </a:p>
@@ -27498,7 +27242,7 @@
             <a:pPr rtl="0"/>
             <a:fld id="{4B4ECE9F-4108-4829-8F23-DFA9C926965D}" type="datetime1">
               <a:rPr lang="it-IT" noProof="0" smtClean="0"/>
-              <a:t>21/06/2022</a:t>
+              <a:t>22/06/2022</a:t>
             </a:fld>
             <a:endParaRPr lang="it-IT" noProof="0"/>
           </a:p>
@@ -27736,7 +27480,7 @@
             <a:pPr rtl="0"/>
             <a:fld id="{2AB59B6B-A2EF-4B30-AEF7-A3091D0F5449}" type="datetime1">
               <a:rPr lang="it-IT" noProof="0" smtClean="0"/>
-              <a:t>21/06/2022</a:t>
+              <a:t>22/06/2022</a:t>
             </a:fld>
             <a:endParaRPr lang="it-IT" noProof="0" dirty="0"/>
           </a:p>
@@ -27979,7 +27723,7 @@
             <a:pPr rtl="0"/>
             <a:fld id="{7F3FB14C-AC96-42E5-BE0B-73EFAA1A7EA7}" type="datetime1">
               <a:rPr lang="it-IT" noProof="0" smtClean="0"/>
-              <a:t>21/06/2022</a:t>
+              <a:t>22/06/2022</a:t>
             </a:fld>
             <a:endParaRPr lang="it-IT" noProof="0"/>
           </a:p>
@@ -28290,7 +28034,7 @@
             <a:pPr rtl="0"/>
             <a:fld id="{76327E91-20FF-43F1-A337-75953C73E7D7}" type="datetime1">
               <a:rPr lang="it-IT" noProof="0" smtClean="0"/>
-              <a:t>21/06/2022</a:t>
+              <a:t>22/06/2022</a:t>
             </a:fld>
             <a:endParaRPr lang="it-IT" noProof="0"/>
           </a:p>
@@ -28594,7 +28338,7 @@
             <a:pPr rtl="0"/>
             <a:fld id="{9EDCB701-B7F2-4988-9CFB-241C1D412354}" type="datetime1">
               <a:rPr lang="it-IT" noProof="0" smtClean="0"/>
-              <a:t>21/06/2022</a:t>
+              <a:t>22/06/2022</a:t>
             </a:fld>
             <a:endParaRPr lang="it-IT" noProof="0"/>
           </a:p>
@@ -29018,7 +28762,7 @@
             <a:pPr rtl="0"/>
             <a:fld id="{4B9B0459-76CC-4B94-A6C6-908B17D42BC8}" type="datetime1">
               <a:rPr lang="it-IT" noProof="0" smtClean="0"/>
-              <a:t>21/06/2022</a:t>
+              <a:t>22/06/2022</a:t>
             </a:fld>
             <a:endParaRPr lang="it-IT" noProof="0"/>
           </a:p>
@@ -29117,7 +28861,7 @@
             <a:pPr rtl="0"/>
             <a:fld id="{62D572E4-8572-44CF-B6FA-B15ECB2B0691}" type="datetime1">
               <a:rPr lang="it-IT" noProof="0" smtClean="0"/>
-              <a:t>21/06/2022</a:t>
+              <a:t>22/06/2022</a:t>
             </a:fld>
             <a:endParaRPr lang="it-IT" noProof="0"/>
           </a:p>
@@ -29283,7 +29027,7 @@
             <a:pPr rtl="0"/>
             <a:fld id="{5F266B29-8DDF-40ED-AC5D-ED73AC5A6521}" type="datetime1">
               <a:rPr lang="it-IT" noProof="0" smtClean="0"/>
-              <a:t>21/06/2022</a:t>
+              <a:t>22/06/2022</a:t>
             </a:fld>
             <a:endParaRPr lang="it-IT" noProof="0"/>
           </a:p>
@@ -29664,7 +29408,7 @@
             <a:pPr rtl="0"/>
             <a:fld id="{4CFC7787-2DFD-4221-B49C-354C37128239}" type="datetime1">
               <a:rPr lang="it-IT" noProof="0" smtClean="0"/>
-              <a:t>21/06/2022</a:t>
+              <a:t>22/06/2022</a:t>
             </a:fld>
             <a:endParaRPr lang="it-IT" noProof="0"/>
           </a:p>
@@ -29957,7 +29701,7 @@
             <a:pPr rtl="0"/>
             <a:fld id="{D3F07A8F-C5D3-4128-B052-E864993A59CE}" type="datetime1">
               <a:rPr lang="it-IT" noProof="0" smtClean="0"/>
-              <a:t>21/06/2022</a:t>
+              <a:t>22/06/2022</a:t>
             </a:fld>
             <a:endParaRPr lang="it-IT" noProof="0"/>
           </a:p>
@@ -30171,7 +29915,7 @@
             <a:pPr rtl="0"/>
             <a:fld id="{A36BACEF-F5E2-445B-BCCF-A68C06C41D7B}" type="datetime1">
               <a:rPr lang="it-IT" noProof="0" smtClean="0"/>
-              <a:t>21/06/2022</a:t>
+              <a:t>22/06/2022</a:t>
             </a:fld>
             <a:endParaRPr lang="it-IT" noProof="0" dirty="0"/>
           </a:p>
@@ -32107,7 +31851,7 @@
           <p:nvPr>
             <p:extLst>
               <p:ext uri="{D42A27DB-BD31-4B8C-83A1-F6EECF244321}">
-                <p14:modId xmlns:p14="http://schemas.microsoft.com/office/powerpoint/2010/main" val="833295382"/>
+                <p14:modId xmlns:p14="http://schemas.microsoft.com/office/powerpoint/2010/main" val="1037905414"/>
               </p:ext>
             </p:extLst>
           </p:nvPr>
@@ -32136,7 +31880,7 @@
         </p:nvCxnSpPr>
         <p:spPr>
           <a:xfrm>
-            <a:off x="5563591" y="1585361"/>
+            <a:off x="5563591" y="2006938"/>
             <a:ext cx="216000" cy="0"/>
           </a:xfrm>
           <a:prstGeom prst="line">
@@ -32172,43 +31916,7 @@
         </p:nvCxnSpPr>
         <p:spPr>
           <a:xfrm>
-            <a:off x="5563591" y="2450281"/>
-            <a:ext cx="216000" cy="0"/>
-          </a:xfrm>
-          <a:prstGeom prst="line">
-            <a:avLst/>
-          </a:prstGeom>
-        </p:spPr>
-        <p:style>
-          <a:lnRef idx="2">
-            <a:schemeClr val="dk1"/>
-          </a:lnRef>
-          <a:fillRef idx="0">
-            <a:schemeClr val="dk1"/>
-          </a:fillRef>
-          <a:effectRef idx="1">
-            <a:schemeClr val="dk1"/>
-          </a:effectRef>
-          <a:fontRef idx="minor">
-            <a:schemeClr val="tx1"/>
-          </a:fontRef>
-        </p:style>
-      </p:cxnSp>
-      <p:cxnSp>
-        <p:nvCxnSpPr>
-          <p:cNvPr id="15" name="Connettore diritto 14">
-            <a:extLst>
-              <a:ext uri="{FF2B5EF4-FFF2-40B4-BE49-F238E27FC236}">
-                <a16:creationId xmlns:a16="http://schemas.microsoft.com/office/drawing/2014/main" id="{292A243B-54C4-4922-9956-628726AD2BB4}"/>
-              </a:ext>
-            </a:extLst>
-          </p:cNvPr>
-          <p:cNvCxnSpPr/>
-          <p:nvPr/>
-        </p:nvCxnSpPr>
-        <p:spPr>
-          <a:xfrm>
-            <a:off x="5574608" y="3198426"/>
+            <a:off x="5563591" y="2836230"/>
             <a:ext cx="216000" cy="0"/>
           </a:xfrm>
           <a:prstGeom prst="line">
@@ -32244,7 +31952,7 @@
         </p:nvCxnSpPr>
         <p:spPr>
           <a:xfrm>
-            <a:off x="5574608" y="3988135"/>
+            <a:off x="5574608" y="3625936"/>
             <a:ext cx="216000" cy="0"/>
           </a:xfrm>
           <a:prstGeom prst="line">
@@ -32282,8 +31990,8 @@
         </p:nvCxnSpPr>
         <p:spPr>
           <a:xfrm>
-            <a:off x="5790608" y="1585361"/>
-            <a:ext cx="0" cy="2402774"/>
+            <a:off x="5790608" y="2006938"/>
+            <a:ext cx="0" cy="1618998"/>
           </a:xfrm>
           <a:prstGeom prst="line">
             <a:avLst/>
@@ -32868,14 +32576,14 @@
           <p:nvPr>
             <p:extLst>
               <p:ext uri="{D42A27DB-BD31-4B8C-83A1-F6EECF244321}">
-                <p14:modId xmlns:p14="http://schemas.microsoft.com/office/powerpoint/2010/main" val="3830145681"/>
+                <p14:modId xmlns:p14="http://schemas.microsoft.com/office/powerpoint/2010/main" val="2091979991"/>
               </p:ext>
             </p:extLst>
           </p:nvPr>
         </p:nvGraphicFramePr>
         <p:xfrm>
-          <a:off x="694061" y="2174042"/>
-          <a:ext cx="10551283" cy="1844040"/>
+          <a:off x="1864426" y="2075417"/>
+          <a:ext cx="8463803" cy="2194560"/>
         </p:xfrm>
         <a:graphic>
           <a:graphicData uri="http://schemas.openxmlformats.org/drawingml/2006/table">
@@ -32884,52 +32592,38 @@
                 <a:tableStyleId>{3B4B98B0-60AC-42C2-AFA5-B58CD77FA1E5}</a:tableStyleId>
               </a:tblPr>
               <a:tblGrid>
-                <a:gridCol w="1957828">
+                <a:gridCol w="2113808">
                   <a:extLst>
                     <a:ext uri="{9D8B030D-6E8A-4147-A177-3AD203B41FA5}">
                       <a16:colId xmlns:a16="http://schemas.microsoft.com/office/drawing/2014/main" val="396372187"/>
                     </a:ext>
                   </a:extLst>
                 </a:gridCol>
-                <a:gridCol w="1306286">
+                <a:gridCol w="1431399">
                   <a:extLst>
                     <a:ext uri="{9D8B030D-6E8A-4147-A177-3AD203B41FA5}">
                       <a16:colId xmlns:a16="http://schemas.microsoft.com/office/drawing/2014/main" val="1229565216"/>
                     </a:ext>
                   </a:extLst>
                 </a:gridCol>
-                <a:gridCol w="1240971">
+                <a:gridCol w="1352116">
                   <a:extLst>
                     <a:ext uri="{9D8B030D-6E8A-4147-A177-3AD203B41FA5}">
                       <a16:colId xmlns:a16="http://schemas.microsoft.com/office/drawing/2014/main" val="3000570086"/>
                     </a:ext>
                   </a:extLst>
                 </a:gridCol>
-                <a:gridCol w="1561606">
+                <a:gridCol w="1701468">
                   <a:extLst>
                     <a:ext uri="{9D8B030D-6E8A-4147-A177-3AD203B41FA5}">
                       <a16:colId xmlns:a16="http://schemas.microsoft.com/office/drawing/2014/main" val="2527479792"/>
                     </a:ext>
                   </a:extLst>
                 </a:gridCol>
-                <a:gridCol w="1711707">
+                <a:gridCol w="1865012">
                   <a:extLst>
                     <a:ext uri="{9D8B030D-6E8A-4147-A177-3AD203B41FA5}">
                       <a16:colId xmlns:a16="http://schemas.microsoft.com/office/drawing/2014/main" val="1832342877"/>
-                    </a:ext>
-                  </a:extLst>
-                </a:gridCol>
-                <a:gridCol w="1442852">
-                  <a:extLst>
-                    <a:ext uri="{9D8B030D-6E8A-4147-A177-3AD203B41FA5}">
-                      <a16:colId xmlns:a16="http://schemas.microsoft.com/office/drawing/2014/main" val="455619855"/>
-                    </a:ext>
-                  </a:extLst>
-                </a:gridCol>
-                <a:gridCol w="1330033">
-                  <a:extLst>
-                    <a:ext uri="{9D8B030D-6E8A-4147-A177-3AD203B41FA5}">
-                      <a16:colId xmlns:a16="http://schemas.microsoft.com/office/drawing/2014/main" val="842104205"/>
                     </a:ext>
                   </a:extLst>
                 </a:gridCol>
@@ -32960,8 +32654,15 @@
                     <a:p>
                       <a:pPr algn="ctr"/>
                       <a:r>
-                        <a:rPr lang="it-IT"/>
+                        <a:rPr lang="it-IT" sz="1200"/>
                         <a:t>Numerical</a:t>
+                      </a:r>
+                    </a:p>
+                    <a:p>
+                      <a:pPr algn="ctr"/>
+                      <a:r>
+                        <a:rPr lang="it-IT" sz="1200"/>
+                        <a:t>(oversample)</a:t>
                       </a:r>
                     </a:p>
                   </a:txBody>
@@ -32984,8 +32685,15 @@
                     <a:p>
                       <a:pPr algn="ctr"/>
                       <a:r>
-                        <a:rPr lang="it-IT"/>
+                        <a:rPr lang="it-IT" sz="1200"/>
                         <a:t>All Features</a:t>
+                      </a:r>
+                    </a:p>
+                    <a:p>
+                      <a:pPr algn="ctr"/>
+                      <a:r>
+                        <a:rPr lang="it-IT" sz="1200"/>
+                        <a:t>(oversample)</a:t>
                       </a:r>
                     </a:p>
                   </a:txBody>
@@ -32998,12 +32706,1064 @@
                     <a:p>
                       <a:pPr algn="ctr"/>
                       <a:r>
-                        <a:rPr lang="it-IT"/>
+                        <a:rPr lang="it-IT" sz="1200"/>
                         <a:t>Categorical</a:t>
+                      </a:r>
+                    </a:p>
+                    <a:p>
+                      <a:pPr algn="ctr"/>
+                      <a:r>
+                        <a:rPr lang="it-IT" sz="1200"/>
+                        <a:t>(oversample)</a:t>
                       </a:r>
                     </a:p>
                   </a:txBody>
                   <a:tcPr/>
+                </a:tc>
+                <a:extLst>
+                  <a:ext uri="{0D108BD9-81ED-4DB2-BD59-A6C34878D82A}">
+                    <a16:rowId xmlns:a16="http://schemas.microsoft.com/office/drawing/2014/main" val="464026787"/>
+                  </a:ext>
+                </a:extLst>
+              </a:tr>
+              <a:tr h="359229">
+                <a:tc>
+                  <a:txBody>
+                    <a:bodyPr/>
+                    <a:lstStyle/>
+                    <a:p>
+                      <a:endParaRPr lang="it-IT">
+                        <a:solidFill>
+                          <a:schemeClr val="accent2"/>
+                        </a:solidFill>
+                      </a:endParaRPr>
+                    </a:p>
+                  </a:txBody>
+                  <a:tcPr>
+                    <a:lnB w="12700" cap="flat" cmpd="sng" algn="ctr">
+                      <a:solidFill>
+                        <a:schemeClr val="tx1"/>
+                      </a:solidFill>
+                      <a:prstDash val="solid"/>
+                      <a:round/>
+                      <a:headEnd type="none" w="med" len="med"/>
+                      <a:tailEnd type="none" w="med" len="med"/>
+                    </a:lnB>
+                    <a:solidFill>
+                      <a:schemeClr val="accent1"/>
+                    </a:solidFill>
+                  </a:tcPr>
+                </a:tc>
+                <a:tc>
+                  <a:txBody>
+                    <a:bodyPr/>
+                    <a:lstStyle/>
+                    <a:p>
+                      <a:pPr algn="ctr">
+                        <a:lnSpc>
+                          <a:spcPct val="150000"/>
+                        </a:lnSpc>
+                      </a:pPr>
+                      <a:r>
+                        <a:rPr lang="it-IT" sz="1000" u="sng">
+                          <a:latin typeface="Bahnschrift SemiBold SemiConden" panose="020B0502040204020203" pitchFamily="34" charset="0"/>
+                        </a:rPr>
+                        <a:t>with standardization</a:t>
+                      </a:r>
+                    </a:p>
+                  </a:txBody>
+                  <a:tcPr>
+                    <a:lnR w="12700" cap="flat" cmpd="sng" algn="ctr">
+                      <a:solidFill>
+                        <a:schemeClr val="tx1"/>
+                      </a:solidFill>
+                      <a:prstDash val="solid"/>
+                      <a:round/>
+                      <a:headEnd type="none" w="med" len="med"/>
+                      <a:tailEnd type="none" w="med" len="med"/>
+                    </a:lnR>
+                    <a:lnB w="12700" cap="flat" cmpd="sng" algn="ctr">
+                      <a:solidFill>
+                        <a:schemeClr val="tx1"/>
+                      </a:solidFill>
+                      <a:prstDash val="solid"/>
+                      <a:round/>
+                      <a:headEnd type="none" w="med" len="med"/>
+                      <a:tailEnd type="none" w="med" len="med"/>
+                    </a:lnB>
+                  </a:tcPr>
+                </a:tc>
+                <a:tc>
+                  <a:txBody>
+                    <a:bodyPr/>
+                    <a:lstStyle/>
+                    <a:p>
+                      <a:pPr algn="ctr">
+                        <a:lnSpc>
+                          <a:spcPct val="150000"/>
+                        </a:lnSpc>
+                      </a:pPr>
+                      <a:r>
+                        <a:rPr lang="it-IT" sz="1000" u="sng">
+                          <a:latin typeface="Bahnschrift SemiBold SemiConden" panose="020B0502040204020203" pitchFamily="34" charset="0"/>
+                        </a:rPr>
+                        <a:t>w/out standardize</a:t>
+                      </a:r>
+                    </a:p>
+                  </a:txBody>
+                  <a:tcPr>
+                    <a:lnL w="12700" cap="flat" cmpd="sng" algn="ctr">
+                      <a:solidFill>
+                        <a:schemeClr val="tx1"/>
+                      </a:solidFill>
+                      <a:prstDash val="solid"/>
+                      <a:round/>
+                      <a:headEnd type="none" w="med" len="med"/>
+                      <a:tailEnd type="none" w="med" len="med"/>
+                    </a:lnL>
+                    <a:lnB w="12700" cap="flat" cmpd="sng" algn="ctr">
+                      <a:solidFill>
+                        <a:schemeClr val="tx1"/>
+                      </a:solidFill>
+                      <a:prstDash val="solid"/>
+                      <a:round/>
+                      <a:headEnd type="none" w="med" len="med"/>
+                      <a:tailEnd type="none" w="med" len="med"/>
+                    </a:lnB>
+                  </a:tcPr>
+                </a:tc>
+                <a:tc>
+                  <a:txBody>
+                    <a:bodyPr/>
+                    <a:lstStyle/>
+                    <a:p>
+                      <a:endParaRPr lang="it-IT"/>
+                    </a:p>
+                  </a:txBody>
+                  <a:tcPr>
+                    <a:lnB w="12700" cap="flat" cmpd="sng" algn="ctr">
+                      <a:solidFill>
+                        <a:schemeClr val="tx1"/>
+                      </a:solidFill>
+                      <a:prstDash val="solid"/>
+                      <a:round/>
+                      <a:headEnd type="none" w="med" len="med"/>
+                      <a:tailEnd type="none" w="med" len="med"/>
+                    </a:lnB>
+                    <a:solidFill>
+                      <a:schemeClr val="bg1"/>
+                    </a:solidFill>
+                  </a:tcPr>
+                </a:tc>
+                <a:tc>
+                  <a:txBody>
+                    <a:bodyPr/>
+                    <a:lstStyle/>
+                    <a:p>
+                      <a:endParaRPr lang="it-IT"/>
+                    </a:p>
+                  </a:txBody>
+                  <a:tcPr>
+                    <a:lnB w="12700" cap="flat" cmpd="sng" algn="ctr">
+                      <a:solidFill>
+                        <a:schemeClr val="tx1"/>
+                      </a:solidFill>
+                      <a:prstDash val="solid"/>
+                      <a:round/>
+                      <a:headEnd type="none" w="med" len="med"/>
+                      <a:tailEnd type="none" w="med" len="med"/>
+                    </a:lnB>
+                    <a:solidFill>
+                      <a:schemeClr val="bg1">
+                        <a:alpha val="20000"/>
+                      </a:schemeClr>
+                    </a:solidFill>
+                  </a:tcPr>
+                </a:tc>
+                <a:extLst>
+                  <a:ext uri="{0D108BD9-81ED-4DB2-BD59-A6C34878D82A}">
+                    <a16:rowId xmlns:a16="http://schemas.microsoft.com/office/drawing/2014/main" val="1365004327"/>
+                  </a:ext>
+                </a:extLst>
+              </a:tr>
+              <a:tr h="370840">
+                <a:tc>
+                  <a:txBody>
+                    <a:bodyPr/>
+                    <a:lstStyle/>
+                    <a:p>
+                      <a:r>
+                        <a:rPr lang="it-IT" sz="1400">
+                          <a:latin typeface="Bahnschrift SemiBold SemiConden" panose="020B0502040204020203" pitchFamily="34" charset="0"/>
+                        </a:rPr>
+                        <a:t>Logistic Regression</a:t>
+                      </a:r>
+                    </a:p>
+                  </a:txBody>
+                  <a:tcPr anchor="ctr">
+                    <a:lnR w="12700" cap="flat" cmpd="sng" algn="ctr">
+                      <a:solidFill>
+                        <a:schemeClr val="tx1"/>
+                      </a:solidFill>
+                      <a:prstDash val="solid"/>
+                      <a:round/>
+                      <a:headEnd type="none" w="med" len="med"/>
+                      <a:tailEnd type="none" w="med" len="med"/>
+                    </a:lnR>
+                    <a:lnT w="12700" cap="flat" cmpd="sng" algn="ctr">
+                      <a:solidFill>
+                        <a:schemeClr val="tx1"/>
+                      </a:solidFill>
+                      <a:prstDash val="solid"/>
+                      <a:round/>
+                      <a:headEnd type="none" w="med" len="med"/>
+                      <a:tailEnd type="none" w="med" len="med"/>
+                    </a:lnT>
+                  </a:tcPr>
+                </a:tc>
+                <a:tc>
+                  <a:txBody>
+                    <a:bodyPr/>
+                    <a:lstStyle/>
+                    <a:p>
+                      <a:pPr algn="ctr"/>
+                      <a:r>
+                        <a:rPr lang="it-IT" sz="1200" b="0" i="0" kern="1200">
+                          <a:solidFill>
+                            <a:schemeClr val="tx1"/>
+                          </a:solidFill>
+                          <a:effectLst/>
+                          <a:latin typeface="Avenir Next LT Pro" panose="020B0504020202020204" pitchFamily="34" charset="0"/>
+                          <a:ea typeface="+mn-ea"/>
+                          <a:cs typeface="+mn-cs"/>
+                        </a:rPr>
+                        <a:t>0.9772</a:t>
+                      </a:r>
+                    </a:p>
+                    <a:p>
+                      <a:pPr algn="ctr"/>
+                      <a:r>
+                        <a:rPr lang="it-IT" sz="1200" b="0" i="0" kern="1200">
+                          <a:solidFill>
+                            <a:schemeClr val="tx1"/>
+                          </a:solidFill>
+                          <a:effectLst/>
+                          <a:latin typeface="Avenir Next LT Pro" panose="020B0504020202020204" pitchFamily="34" charset="0"/>
+                          <a:ea typeface="+mn-ea"/>
+                          <a:cs typeface="+mn-cs"/>
+                        </a:rPr>
+                        <a:t>(?)</a:t>
+                      </a:r>
+                      <a:endParaRPr lang="it-IT" sz="1200">
+                        <a:latin typeface="Avenir Next LT Pro" panose="020B0504020202020204" pitchFamily="34" charset="0"/>
+                      </a:endParaRPr>
+                    </a:p>
+                  </a:txBody>
+                  <a:tcPr>
+                    <a:lnL w="12700" cap="flat" cmpd="sng" algn="ctr">
+                      <a:solidFill>
+                        <a:schemeClr val="tx1"/>
+                      </a:solidFill>
+                      <a:prstDash val="solid"/>
+                      <a:round/>
+                      <a:headEnd type="none" w="med" len="med"/>
+                      <a:tailEnd type="none" w="med" len="med"/>
+                    </a:lnL>
+                    <a:lnR w="12700" cap="flat" cmpd="sng" algn="ctr">
+                      <a:solidFill>
+                        <a:schemeClr val="tx1"/>
+                      </a:solidFill>
+                      <a:prstDash val="solid"/>
+                      <a:round/>
+                      <a:headEnd type="none" w="med" len="med"/>
+                      <a:tailEnd type="none" w="med" len="med"/>
+                    </a:lnR>
+                    <a:lnT w="12700" cap="flat" cmpd="sng" algn="ctr">
+                      <a:solidFill>
+                        <a:schemeClr val="tx1"/>
+                      </a:solidFill>
+                      <a:prstDash val="solid"/>
+                      <a:round/>
+                      <a:headEnd type="none" w="med" len="med"/>
+                      <a:tailEnd type="none" w="med" len="med"/>
+                    </a:lnT>
+                  </a:tcPr>
+                </a:tc>
+                <a:tc>
+                  <a:txBody>
+                    <a:bodyPr/>
+                    <a:lstStyle/>
+                    <a:p>
+                      <a:pPr algn="ctr"/>
+                      <a:r>
+                        <a:rPr lang="it-IT" sz="1200">
+                          <a:latin typeface="Avenir Next LT Pro" panose="020B0504020202020204" pitchFamily="34" charset="0"/>
+                        </a:rPr>
+                        <a:t>0.97725</a:t>
+                      </a:r>
+                    </a:p>
+                    <a:p>
+                      <a:pPr algn="ctr"/>
+                      <a:r>
+                        <a:rPr lang="it-IT" sz="1200">
+                          <a:latin typeface="Avenir Next LT Pro" panose="020B0504020202020204" pitchFamily="34" charset="0"/>
+                        </a:rPr>
+                        <a:t>(?)</a:t>
+                      </a:r>
+                    </a:p>
+                  </a:txBody>
+                  <a:tcPr>
+                    <a:lnL w="12700" cap="flat" cmpd="sng" algn="ctr">
+                      <a:solidFill>
+                        <a:schemeClr val="tx1"/>
+                      </a:solidFill>
+                      <a:prstDash val="solid"/>
+                      <a:round/>
+                      <a:headEnd type="none" w="med" len="med"/>
+                      <a:tailEnd type="none" w="med" len="med"/>
+                    </a:lnL>
+                    <a:lnR w="12700" cap="flat" cmpd="sng" algn="ctr">
+                      <a:solidFill>
+                        <a:schemeClr val="tx1"/>
+                      </a:solidFill>
+                      <a:prstDash val="solid"/>
+                      <a:round/>
+                      <a:headEnd type="none" w="med" len="med"/>
+                      <a:tailEnd type="none" w="med" len="med"/>
+                    </a:lnR>
+                    <a:lnT w="12700" cap="flat" cmpd="sng" algn="ctr">
+                      <a:solidFill>
+                        <a:schemeClr val="tx1"/>
+                      </a:solidFill>
+                      <a:prstDash val="solid"/>
+                      <a:round/>
+                      <a:headEnd type="none" w="med" len="med"/>
+                      <a:tailEnd type="none" w="med" len="med"/>
+                    </a:lnT>
+                  </a:tcPr>
+                </a:tc>
+                <a:tc>
+                  <a:txBody>
+                    <a:bodyPr/>
+                    <a:lstStyle/>
+                    <a:p>
+                      <a:pPr algn="ctr"/>
+                      <a:r>
+                        <a:rPr lang="it-IT" sz="1200" b="1" i="0" kern="1200">
+                          <a:solidFill>
+                            <a:schemeClr val="tx1"/>
+                          </a:solidFill>
+                          <a:effectLst/>
+                          <a:latin typeface="Avenir Next LT Pro" panose="020B0504020202020204" pitchFamily="34" charset="0"/>
+                          <a:ea typeface="+mn-ea"/>
+                          <a:cs typeface="+mn-cs"/>
+                        </a:rPr>
+                        <a:t>0.9777</a:t>
+                      </a:r>
+                    </a:p>
+                    <a:p>
+                      <a:pPr algn="ctr"/>
+                      <a:r>
+                        <a:rPr lang="it-IT" sz="1200" b="0" i="0" kern="1200">
+                          <a:solidFill>
+                            <a:schemeClr val="tx1"/>
+                          </a:solidFill>
+                          <a:effectLst/>
+                          <a:latin typeface="Avenir Next LT Pro" panose="020B0504020202020204" pitchFamily="34" charset="0"/>
+                          <a:ea typeface="+mn-ea"/>
+                          <a:cs typeface="+mn-cs"/>
+                        </a:rPr>
+                        <a:t>(?)</a:t>
+                      </a:r>
+                      <a:endParaRPr lang="it-IT" sz="1200" b="0">
+                        <a:latin typeface="Avenir Next LT Pro" panose="020B0504020202020204" pitchFamily="34" charset="0"/>
+                      </a:endParaRPr>
+                    </a:p>
+                  </a:txBody>
+                  <a:tcPr>
+                    <a:lnL w="12700" cap="flat" cmpd="sng" algn="ctr">
+                      <a:solidFill>
+                        <a:schemeClr val="tx1"/>
+                      </a:solidFill>
+                      <a:prstDash val="solid"/>
+                      <a:round/>
+                      <a:headEnd type="none" w="med" len="med"/>
+                      <a:tailEnd type="none" w="med" len="med"/>
+                    </a:lnL>
+                    <a:lnR w="12700" cap="flat" cmpd="sng" algn="ctr">
+                      <a:solidFill>
+                        <a:schemeClr val="tx1"/>
+                      </a:solidFill>
+                      <a:prstDash val="solid"/>
+                      <a:round/>
+                      <a:headEnd type="none" w="med" len="med"/>
+                      <a:tailEnd type="none" w="med" len="med"/>
+                    </a:lnR>
+                    <a:lnT w="12700" cap="flat" cmpd="sng" algn="ctr">
+                      <a:solidFill>
+                        <a:schemeClr val="tx1"/>
+                      </a:solidFill>
+                      <a:prstDash val="solid"/>
+                      <a:round/>
+                      <a:headEnd type="none" w="med" len="med"/>
+                      <a:tailEnd type="none" w="med" len="med"/>
+                    </a:lnT>
+                  </a:tcPr>
+                </a:tc>
+                <a:tc>
+                  <a:txBody>
+                    <a:bodyPr/>
+                    <a:lstStyle/>
+                    <a:p>
+                      <a:pPr algn="ctr"/>
+                      <a:r>
+                        <a:rPr lang="it-IT" sz="1200" b="0" i="0" kern="1200">
+                          <a:solidFill>
+                            <a:schemeClr val="tx1"/>
+                          </a:solidFill>
+                          <a:effectLst/>
+                          <a:latin typeface="Avenir Next LT Pro" panose="020B0504020202020204" pitchFamily="34" charset="0"/>
+                          <a:ea typeface="+mn-ea"/>
+                          <a:cs typeface="+mn-cs"/>
+                        </a:rPr>
+                        <a:t>0.9733</a:t>
+                      </a:r>
+                    </a:p>
+                    <a:p>
+                      <a:pPr algn="ctr"/>
+                      <a:r>
+                        <a:rPr lang="it-IT" sz="1200" b="0" i="0" kern="1200">
+                          <a:solidFill>
+                            <a:schemeClr val="tx1"/>
+                          </a:solidFill>
+                          <a:effectLst/>
+                          <a:latin typeface="Avenir Next LT Pro" panose="020B0504020202020204" pitchFamily="34" charset="0"/>
+                          <a:ea typeface="+mn-ea"/>
+                          <a:cs typeface="+mn-cs"/>
+                        </a:rPr>
+                        <a:t>(?)</a:t>
+                      </a:r>
+                      <a:endParaRPr lang="it-IT" sz="1200">
+                        <a:latin typeface="Avenir Next LT Pro" panose="020B0504020202020204" pitchFamily="34" charset="0"/>
+                      </a:endParaRPr>
+                    </a:p>
+                  </a:txBody>
+                  <a:tcPr>
+                    <a:lnL w="12700" cap="flat" cmpd="sng" algn="ctr">
+                      <a:solidFill>
+                        <a:schemeClr val="tx1"/>
+                      </a:solidFill>
+                      <a:prstDash val="solid"/>
+                      <a:round/>
+                      <a:headEnd type="none" w="med" len="med"/>
+                      <a:tailEnd type="none" w="med" len="med"/>
+                    </a:lnL>
+                    <a:lnR w="12700" cap="flat" cmpd="sng" algn="ctr">
+                      <a:solidFill>
+                        <a:schemeClr val="tx1"/>
+                      </a:solidFill>
+                      <a:prstDash val="solid"/>
+                      <a:round/>
+                      <a:headEnd type="none" w="med" len="med"/>
+                      <a:tailEnd type="none" w="med" len="med"/>
+                    </a:lnR>
+                    <a:lnT w="12700" cap="flat" cmpd="sng" algn="ctr">
+                      <a:solidFill>
+                        <a:schemeClr val="tx1"/>
+                      </a:solidFill>
+                      <a:prstDash val="solid"/>
+                      <a:round/>
+                      <a:headEnd type="none" w="med" len="med"/>
+                      <a:tailEnd type="none" w="med" len="med"/>
+                    </a:lnT>
+                  </a:tcPr>
+                </a:tc>
+                <a:extLst>
+                  <a:ext uri="{0D108BD9-81ED-4DB2-BD59-A6C34878D82A}">
+                    <a16:rowId xmlns:a16="http://schemas.microsoft.com/office/drawing/2014/main" val="2532579262"/>
+                  </a:ext>
+                </a:extLst>
+              </a:tr>
+              <a:tr h="370840">
+                <a:tc>
+                  <a:txBody>
+                    <a:bodyPr/>
+                    <a:lstStyle/>
+                    <a:p>
+                      <a:r>
+                        <a:rPr lang="it-IT" sz="1400">
+                          <a:latin typeface="Bahnschrift SemiBold SemiConden" panose="020B0502040204020203" pitchFamily="34" charset="0"/>
+                        </a:rPr>
+                        <a:t>Decision Tree</a:t>
+                      </a:r>
+                    </a:p>
+                  </a:txBody>
+                  <a:tcPr anchor="ctr">
+                    <a:lnR w="12700" cap="flat" cmpd="sng" algn="ctr">
+                      <a:solidFill>
+                        <a:schemeClr val="tx1"/>
+                      </a:solidFill>
+                      <a:prstDash val="solid"/>
+                      <a:round/>
+                      <a:headEnd type="none" w="med" len="med"/>
+                      <a:tailEnd type="none" w="med" len="med"/>
+                    </a:lnR>
+                  </a:tcPr>
+                </a:tc>
+                <a:tc>
+                  <a:txBody>
+                    <a:bodyPr/>
+                    <a:lstStyle/>
+                    <a:p>
+                      <a:pPr marL="0" marR="0" lvl="0" indent="0" algn="ctr" defTabSz="457200" rtl="0" eaLnBrk="1" fontAlgn="auto" latinLnBrk="0" hangingPunct="1">
+                        <a:lnSpc>
+                          <a:spcPct val="100000"/>
+                        </a:lnSpc>
+                        <a:spcBef>
+                          <a:spcPts val="0"/>
+                        </a:spcBef>
+                        <a:spcAft>
+                          <a:spcPts val="0"/>
+                        </a:spcAft>
+                        <a:buClrTx/>
+                        <a:buSzTx/>
+                        <a:buFontTx/>
+                        <a:buNone/>
+                        <a:tabLst/>
+                        <a:defRPr/>
+                      </a:pPr>
+                      <a:r>
+                        <a:rPr lang="it-IT" sz="1200" b="0">
+                          <a:latin typeface="Avenir Next LT Pro" panose="020B0504020202020204" pitchFamily="34" charset="0"/>
+                        </a:rPr>
+                        <a:t>0.9773</a:t>
+                      </a:r>
+                    </a:p>
+                    <a:p>
+                      <a:pPr marL="0" marR="0" lvl="0" indent="0" algn="ctr" defTabSz="457200" rtl="0" eaLnBrk="1" fontAlgn="auto" latinLnBrk="0" hangingPunct="1">
+                        <a:lnSpc>
+                          <a:spcPct val="100000"/>
+                        </a:lnSpc>
+                        <a:spcBef>
+                          <a:spcPts val="0"/>
+                        </a:spcBef>
+                        <a:spcAft>
+                          <a:spcPts val="0"/>
+                        </a:spcAft>
+                        <a:buClrTx/>
+                        <a:buSzTx/>
+                        <a:buFontTx/>
+                        <a:buNone/>
+                        <a:tabLst/>
+                        <a:defRPr/>
+                      </a:pPr>
+                      <a:r>
+                        <a:rPr lang="it-IT" sz="1200" b="0">
+                          <a:latin typeface="Avenir Next LT Pro" panose="020B0504020202020204" pitchFamily="34" charset="0"/>
+                        </a:rPr>
+                        <a:t>(?)</a:t>
+                      </a:r>
+                    </a:p>
+                  </a:txBody>
+                  <a:tcPr>
+                    <a:lnL w="12700" cap="flat" cmpd="sng" algn="ctr">
+                      <a:solidFill>
+                        <a:schemeClr val="tx1"/>
+                      </a:solidFill>
+                      <a:prstDash val="solid"/>
+                      <a:round/>
+                      <a:headEnd type="none" w="med" len="med"/>
+                      <a:tailEnd type="none" w="med" len="med"/>
+                    </a:lnL>
+                    <a:lnR w="12700" cap="flat" cmpd="sng" algn="ctr">
+                      <a:solidFill>
+                        <a:schemeClr val="tx1"/>
+                      </a:solidFill>
+                      <a:prstDash val="solid"/>
+                      <a:round/>
+                      <a:headEnd type="none" w="med" len="med"/>
+                      <a:tailEnd type="none" w="med" len="med"/>
+                    </a:lnR>
+                  </a:tcPr>
+                </a:tc>
+                <a:tc>
+                  <a:txBody>
+                    <a:bodyPr/>
+                    <a:lstStyle/>
+                    <a:p>
+                      <a:pPr algn="ctr"/>
+                      <a:r>
+                        <a:rPr lang="it-IT" sz="1200" b="0">
+                          <a:latin typeface="Avenir Next LT Pro" panose="020B0504020202020204" pitchFamily="34" charset="0"/>
+                        </a:rPr>
+                        <a:t>0.9773</a:t>
+                      </a:r>
+                    </a:p>
+                    <a:p>
+                      <a:pPr algn="ctr"/>
+                      <a:r>
+                        <a:rPr lang="it-IT" sz="1200" b="0">
+                          <a:latin typeface="Avenir Next LT Pro" panose="020B0504020202020204" pitchFamily="34" charset="0"/>
+                        </a:rPr>
+                        <a:t>(?)</a:t>
+                      </a:r>
+                    </a:p>
+                  </a:txBody>
+                  <a:tcPr>
+                    <a:lnL w="12700" cap="flat" cmpd="sng" algn="ctr">
+                      <a:solidFill>
+                        <a:schemeClr val="tx1"/>
+                      </a:solidFill>
+                      <a:prstDash val="solid"/>
+                      <a:round/>
+                      <a:headEnd type="none" w="med" len="med"/>
+                      <a:tailEnd type="none" w="med" len="med"/>
+                    </a:lnL>
+                    <a:lnR w="12700" cap="flat" cmpd="sng" algn="ctr">
+                      <a:solidFill>
+                        <a:schemeClr val="tx1"/>
+                      </a:solidFill>
+                      <a:prstDash val="solid"/>
+                      <a:round/>
+                      <a:headEnd type="none" w="med" len="med"/>
+                      <a:tailEnd type="none" w="med" len="med"/>
+                    </a:lnR>
+                  </a:tcPr>
+                </a:tc>
+                <a:tc>
+                  <a:txBody>
+                    <a:bodyPr/>
+                    <a:lstStyle/>
+                    <a:p>
+                      <a:pPr algn="ctr"/>
+                      <a:endParaRPr lang="it-IT" sz="1200">
+                        <a:latin typeface="Avenir Next LT Pro" panose="020B0504020202020204" pitchFamily="34" charset="0"/>
+                      </a:endParaRPr>
+                    </a:p>
+                    <a:p>
+                      <a:pPr algn="ctr"/>
+                      <a:r>
+                        <a:rPr lang="it-IT" sz="1200">
+                          <a:latin typeface="Avenir Next LT Pro" panose="020B0504020202020204" pitchFamily="34" charset="0"/>
+                        </a:rPr>
+                        <a:t>(?)</a:t>
+                      </a:r>
+                    </a:p>
+                  </a:txBody>
+                  <a:tcPr>
+                    <a:lnL w="12700" cap="flat" cmpd="sng" algn="ctr">
+                      <a:solidFill>
+                        <a:schemeClr val="tx1"/>
+                      </a:solidFill>
+                      <a:prstDash val="solid"/>
+                      <a:round/>
+                      <a:headEnd type="none" w="med" len="med"/>
+                      <a:tailEnd type="none" w="med" len="med"/>
+                    </a:lnL>
+                    <a:lnR w="12700" cap="flat" cmpd="sng" algn="ctr">
+                      <a:solidFill>
+                        <a:schemeClr val="tx1"/>
+                      </a:solidFill>
+                      <a:prstDash val="solid"/>
+                      <a:round/>
+                      <a:headEnd type="none" w="med" len="med"/>
+                      <a:tailEnd type="none" w="med" len="med"/>
+                    </a:lnR>
+                  </a:tcPr>
+                </a:tc>
+                <a:tc>
+                  <a:txBody>
+                    <a:bodyPr/>
+                    <a:lstStyle/>
+                    <a:p>
+                      <a:pPr algn="ctr"/>
+                      <a:r>
+                        <a:rPr lang="it-IT" sz="1200" b="0" i="0" kern="1200">
+                          <a:solidFill>
+                            <a:schemeClr val="tx1"/>
+                          </a:solidFill>
+                          <a:effectLst/>
+                          <a:latin typeface="Avenir Next LT Pro" panose="020B0504020202020204" pitchFamily="34" charset="0"/>
+                          <a:ea typeface="+mn-ea"/>
+                          <a:cs typeface="+mn-cs"/>
+                        </a:rPr>
+                        <a:t>0.9734</a:t>
+                      </a:r>
+                    </a:p>
+                    <a:p>
+                      <a:pPr algn="ctr"/>
+                      <a:r>
+                        <a:rPr lang="it-IT" sz="1200" b="0" i="0" kern="1200">
+                          <a:solidFill>
+                            <a:schemeClr val="tx1"/>
+                          </a:solidFill>
+                          <a:effectLst/>
+                          <a:latin typeface="Avenir Next LT Pro" panose="020B0504020202020204" pitchFamily="34" charset="0"/>
+                          <a:ea typeface="+mn-ea"/>
+                          <a:cs typeface="+mn-cs"/>
+                        </a:rPr>
+                        <a:t>(?)</a:t>
+                      </a:r>
+                      <a:endParaRPr lang="it-IT" sz="1200">
+                        <a:latin typeface="Avenir Next LT Pro" panose="020B0504020202020204" pitchFamily="34" charset="0"/>
+                      </a:endParaRPr>
+                    </a:p>
+                  </a:txBody>
+                  <a:tcPr>
+                    <a:lnL w="12700" cap="flat" cmpd="sng" algn="ctr">
+                      <a:solidFill>
+                        <a:schemeClr val="tx1"/>
+                      </a:solidFill>
+                      <a:prstDash val="solid"/>
+                      <a:round/>
+                      <a:headEnd type="none" w="med" len="med"/>
+                      <a:tailEnd type="none" w="med" len="med"/>
+                    </a:lnL>
+                    <a:lnR w="12700" cap="flat" cmpd="sng" algn="ctr">
+                      <a:solidFill>
+                        <a:schemeClr val="tx1"/>
+                      </a:solidFill>
+                      <a:prstDash val="solid"/>
+                      <a:round/>
+                      <a:headEnd type="none" w="med" len="med"/>
+                      <a:tailEnd type="none" w="med" len="med"/>
+                    </a:lnR>
+                  </a:tcPr>
+                </a:tc>
+                <a:extLst>
+                  <a:ext uri="{0D108BD9-81ED-4DB2-BD59-A6C34878D82A}">
+                    <a16:rowId xmlns:a16="http://schemas.microsoft.com/office/drawing/2014/main" val="3341464040"/>
+                  </a:ext>
+                </a:extLst>
+              </a:tr>
+              <a:tr h="370840">
+                <a:tc>
+                  <a:txBody>
+                    <a:bodyPr/>
+                    <a:lstStyle/>
+                    <a:p>
+                      <a:r>
+                        <a:rPr lang="it-IT" sz="1400">
+                          <a:latin typeface="Bahnschrift SemiBold SemiConden" panose="020B0502040204020203" pitchFamily="34" charset="0"/>
+                        </a:rPr>
+                        <a:t>Random Forest</a:t>
+                      </a:r>
+                    </a:p>
+                  </a:txBody>
+                  <a:tcPr anchor="ctr">
+                    <a:lnR w="12700" cap="flat" cmpd="sng" algn="ctr">
+                      <a:solidFill>
+                        <a:schemeClr val="tx1"/>
+                      </a:solidFill>
+                      <a:prstDash val="solid"/>
+                      <a:round/>
+                      <a:headEnd type="none" w="med" len="med"/>
+                      <a:tailEnd type="none" w="med" len="med"/>
+                    </a:lnR>
+                  </a:tcPr>
+                </a:tc>
+                <a:tc>
+                  <a:txBody>
+                    <a:bodyPr/>
+                    <a:lstStyle/>
+                    <a:p>
+                      <a:pPr algn="ctr"/>
+                      <a:endParaRPr lang="it-IT" sz="1200">
+                        <a:latin typeface="Avenir Next LT Pro" panose="020B0504020202020204" pitchFamily="34" charset="0"/>
+                      </a:endParaRPr>
+                    </a:p>
+                    <a:p>
+                      <a:pPr algn="ctr"/>
+                      <a:r>
+                        <a:rPr lang="it-IT" sz="1200">
+                          <a:latin typeface="Avenir Next LT Pro" panose="020B0504020202020204" pitchFamily="34" charset="0"/>
+                        </a:rPr>
+                        <a:t>(?)</a:t>
+                      </a:r>
+                    </a:p>
+                  </a:txBody>
+                  <a:tcPr>
+                    <a:lnL w="12700" cap="flat" cmpd="sng" algn="ctr">
+                      <a:solidFill>
+                        <a:schemeClr val="tx1"/>
+                      </a:solidFill>
+                      <a:prstDash val="solid"/>
+                      <a:round/>
+                      <a:headEnd type="none" w="med" len="med"/>
+                      <a:tailEnd type="none" w="med" len="med"/>
+                    </a:lnL>
+                    <a:lnR w="12700" cap="flat" cmpd="sng" algn="ctr">
+                      <a:solidFill>
+                        <a:schemeClr val="tx1"/>
+                      </a:solidFill>
+                      <a:prstDash val="solid"/>
+                      <a:round/>
+                      <a:headEnd type="none" w="med" len="med"/>
+                      <a:tailEnd type="none" w="med" len="med"/>
+                    </a:lnR>
+                  </a:tcPr>
+                </a:tc>
+                <a:tc>
+                  <a:txBody>
+                    <a:bodyPr/>
+                    <a:lstStyle/>
+                    <a:p>
+                      <a:pPr algn="ctr"/>
+                      <a:endParaRPr lang="it-IT" sz="1200">
+                        <a:latin typeface="Avenir Next LT Pro" panose="020B0504020202020204" pitchFamily="34" charset="0"/>
+                      </a:endParaRPr>
+                    </a:p>
+                    <a:p>
+                      <a:pPr algn="ctr"/>
+                      <a:r>
+                        <a:rPr lang="it-IT" sz="1200">
+                          <a:latin typeface="Avenir Next LT Pro" panose="020B0504020202020204" pitchFamily="34" charset="0"/>
+                        </a:rPr>
+                        <a:t>(?)</a:t>
+                      </a:r>
+                    </a:p>
+                  </a:txBody>
+                  <a:tcPr>
+                    <a:lnL w="12700" cap="flat" cmpd="sng" algn="ctr">
+                      <a:solidFill>
+                        <a:schemeClr val="tx1"/>
+                      </a:solidFill>
+                      <a:prstDash val="solid"/>
+                      <a:round/>
+                      <a:headEnd type="none" w="med" len="med"/>
+                      <a:tailEnd type="none" w="med" len="med"/>
+                    </a:lnL>
+                    <a:lnR w="12700" cap="flat" cmpd="sng" algn="ctr">
+                      <a:solidFill>
+                        <a:schemeClr val="tx1"/>
+                      </a:solidFill>
+                      <a:prstDash val="solid"/>
+                      <a:round/>
+                      <a:headEnd type="none" w="med" len="med"/>
+                      <a:tailEnd type="none" w="med" len="med"/>
+                    </a:lnR>
+                  </a:tcPr>
+                </a:tc>
+                <a:tc>
+                  <a:txBody>
+                    <a:bodyPr/>
+                    <a:lstStyle/>
+                    <a:p>
+                      <a:pPr algn="ctr"/>
+                      <a:endParaRPr lang="it-IT" sz="1200">
+                        <a:latin typeface="Avenir Next LT Pro" panose="020B0504020202020204" pitchFamily="34" charset="0"/>
+                      </a:endParaRPr>
+                    </a:p>
+                    <a:p>
+                      <a:pPr algn="ctr"/>
+                      <a:r>
+                        <a:rPr lang="it-IT" sz="1200">
+                          <a:latin typeface="Avenir Next LT Pro" panose="020B0504020202020204" pitchFamily="34" charset="0"/>
+                        </a:rPr>
+                        <a:t>(?)</a:t>
+                      </a:r>
+                    </a:p>
+                  </a:txBody>
+                  <a:tcPr>
+                    <a:lnL w="12700" cap="flat" cmpd="sng" algn="ctr">
+                      <a:solidFill>
+                        <a:schemeClr val="tx1"/>
+                      </a:solidFill>
+                      <a:prstDash val="solid"/>
+                      <a:round/>
+                      <a:headEnd type="none" w="med" len="med"/>
+                      <a:tailEnd type="none" w="med" len="med"/>
+                    </a:lnL>
+                    <a:lnR w="12700" cap="flat" cmpd="sng" algn="ctr">
+                      <a:solidFill>
+                        <a:schemeClr val="tx1"/>
+                      </a:solidFill>
+                      <a:prstDash val="solid"/>
+                      <a:round/>
+                      <a:headEnd type="none" w="med" len="med"/>
+                      <a:tailEnd type="none" w="med" len="med"/>
+                    </a:lnR>
+                  </a:tcPr>
+                </a:tc>
+                <a:tc>
+                  <a:txBody>
+                    <a:bodyPr/>
+                    <a:lstStyle/>
+                    <a:p>
+                      <a:pPr algn="ctr"/>
+                      <a:endParaRPr lang="it-IT" sz="1200">
+                        <a:latin typeface="Avenir Next LT Pro" panose="020B0504020202020204" pitchFamily="34" charset="0"/>
+                      </a:endParaRPr>
+                    </a:p>
+                    <a:p>
+                      <a:pPr algn="ctr"/>
+                      <a:r>
+                        <a:rPr lang="it-IT" sz="1200">
+                          <a:latin typeface="Avenir Next LT Pro" panose="020B0504020202020204" pitchFamily="34" charset="0"/>
+                        </a:rPr>
+                        <a:t>(?)</a:t>
+                      </a:r>
+                    </a:p>
+                  </a:txBody>
+                  <a:tcPr>
+                    <a:lnL w="12700" cap="flat" cmpd="sng" algn="ctr">
+                      <a:solidFill>
+                        <a:schemeClr val="tx1"/>
+                      </a:solidFill>
+                      <a:prstDash val="solid"/>
+                      <a:round/>
+                      <a:headEnd type="none" w="med" len="med"/>
+                      <a:tailEnd type="none" w="med" len="med"/>
+                    </a:lnL>
+                    <a:lnR w="12700" cap="flat" cmpd="sng" algn="ctr">
+                      <a:solidFill>
+                        <a:schemeClr val="tx1"/>
+                      </a:solidFill>
+                      <a:prstDash val="solid"/>
+                      <a:round/>
+                      <a:headEnd type="none" w="med" len="med"/>
+                      <a:tailEnd type="none" w="med" len="med"/>
+                    </a:lnR>
+                  </a:tcPr>
+                </a:tc>
+                <a:extLst>
+                  <a:ext uri="{0D108BD9-81ED-4DB2-BD59-A6C34878D82A}">
+                    <a16:rowId xmlns:a16="http://schemas.microsoft.com/office/drawing/2014/main" val="2466824742"/>
+                  </a:ext>
+                </a:extLst>
+              </a:tr>
+            </a:tbl>
+          </a:graphicData>
+        </a:graphic>
+      </p:graphicFrame>
+      <p:sp>
+        <p:nvSpPr>
+          <p:cNvPr id="6" name="CasellaDiTesto 5">
+            <a:extLst>
+              <a:ext uri="{FF2B5EF4-FFF2-40B4-BE49-F238E27FC236}">
+                <a16:creationId xmlns:a16="http://schemas.microsoft.com/office/drawing/2014/main" id="{BC619C78-40E2-4630-9699-7D2EFDB53A63}"/>
+              </a:ext>
+            </a:extLst>
+          </p:cNvPr>
+          <p:cNvSpPr txBox="1"/>
+          <p:nvPr/>
+        </p:nvSpPr>
+        <p:spPr>
+          <a:xfrm>
+            <a:off x="1997383" y="2184845"/>
+            <a:ext cx="1799112" cy="461665"/>
+          </a:xfrm>
+          <a:prstGeom prst="rect">
+            <a:avLst/>
+          </a:prstGeom>
+          <a:noFill/>
+        </p:spPr>
+        <p:txBody>
+          <a:bodyPr wrap="square" rtlCol="0" anchor="ctr">
+            <a:spAutoFit/>
+          </a:bodyPr>
+          <a:lstStyle/>
+          <a:p>
+            <a:pPr algn="ctr"/>
+            <a:r>
+              <a:rPr lang="it-IT" sz="2400" b="1">
+                <a:solidFill>
+                  <a:schemeClr val="accent4">
+                    <a:lumMod val="60000"/>
+                    <a:lumOff val="40000"/>
+                  </a:schemeClr>
+                </a:solidFill>
+              </a:rPr>
+              <a:t>Accuracy</a:t>
+            </a:r>
+          </a:p>
+        </p:txBody>
+      </p:sp>
+      <p:graphicFrame>
+        <p:nvGraphicFramePr>
+          <p:cNvPr id="8" name="Tabella 10">
+            <a:extLst>
+              <a:ext uri="{FF2B5EF4-FFF2-40B4-BE49-F238E27FC236}">
+                <a16:creationId xmlns:a16="http://schemas.microsoft.com/office/drawing/2014/main" id="{E4AFDD1F-C4B0-4DC3-8B0A-AB22D5DC190A}"/>
+              </a:ext>
+            </a:extLst>
+          </p:cNvPr>
+          <p:cNvGraphicFramePr>
+            <a:graphicFrameLocks noGrp="1"/>
+          </p:cNvGraphicFramePr>
+          <p:nvPr>
+            <p:extLst>
+              <p:ext uri="{D42A27DB-BD31-4B8C-83A1-F6EECF244321}">
+                <p14:modId xmlns:p14="http://schemas.microsoft.com/office/powerpoint/2010/main" val="3126218693"/>
+              </p:ext>
+            </p:extLst>
+          </p:nvPr>
+        </p:nvGraphicFramePr>
+        <p:xfrm>
+          <a:off x="1864425" y="4423047"/>
+          <a:ext cx="8463803" cy="2194560"/>
+        </p:xfrm>
+        <a:graphic>
+          <a:graphicData uri="http://schemas.openxmlformats.org/drawingml/2006/table">
+            <a:tbl>
+              <a:tblPr firstRow="1" bandRow="1">
+                <a:tableStyleId>{3B4B98B0-60AC-42C2-AFA5-B58CD77FA1E5}</a:tableStyleId>
+              </a:tblPr>
+              <a:tblGrid>
+                <a:gridCol w="2130345">
+                  <a:extLst>
+                    <a:ext uri="{9D8B030D-6E8A-4147-A177-3AD203B41FA5}">
+                      <a16:colId xmlns:a16="http://schemas.microsoft.com/office/drawing/2014/main" val="396372187"/>
+                    </a:ext>
+                  </a:extLst>
+                </a:gridCol>
+                <a:gridCol w="1421391">
+                  <a:extLst>
+                    <a:ext uri="{9D8B030D-6E8A-4147-A177-3AD203B41FA5}">
+                      <a16:colId xmlns:a16="http://schemas.microsoft.com/office/drawing/2014/main" val="1229565216"/>
+                    </a:ext>
+                  </a:extLst>
+                </a:gridCol>
+                <a:gridCol w="1350321">
+                  <a:extLst>
+                    <a:ext uri="{9D8B030D-6E8A-4147-A177-3AD203B41FA5}">
+                      <a16:colId xmlns:a16="http://schemas.microsoft.com/office/drawing/2014/main" val="3000570086"/>
+                    </a:ext>
+                  </a:extLst>
+                </a:gridCol>
+                <a:gridCol w="1699209">
+                  <a:extLst>
+                    <a:ext uri="{9D8B030D-6E8A-4147-A177-3AD203B41FA5}">
+                      <a16:colId xmlns:a16="http://schemas.microsoft.com/office/drawing/2014/main" val="2527479792"/>
+                    </a:ext>
+                  </a:extLst>
+                </a:gridCol>
+                <a:gridCol w="1862537">
+                  <a:extLst>
+                    <a:ext uri="{9D8B030D-6E8A-4147-A177-3AD203B41FA5}">
+                      <a16:colId xmlns:a16="http://schemas.microsoft.com/office/drawing/2014/main" val="1832342877"/>
+                    </a:ext>
+                  </a:extLst>
+                </a:gridCol>
+              </a:tblGrid>
+              <a:tr h="354903">
+                <a:tc>
+                  <a:txBody>
+                    <a:bodyPr/>
+                    <a:lstStyle/>
+                    <a:p>
+                      <a:endParaRPr lang="it-IT">
+                        <a:solidFill>
+                          <a:schemeClr val="accent2"/>
+                        </a:solidFill>
+                      </a:endParaRPr>
+                    </a:p>
+                  </a:txBody>
+                  <a:tcPr>
+                    <a:solidFill>
+                      <a:schemeClr val="accent1"/>
+                    </a:solidFill>
+                  </a:tcPr>
                 </a:tc>
                 <a:tc gridSpan="2">
                   <a:txBody>
@@ -33012,8 +33772,15 @@
                     <a:p>
                       <a:pPr algn="ctr"/>
                       <a:r>
-                        <a:rPr lang="it-IT"/>
-                        <a:t>Mix</a:t>
+                        <a:rPr lang="it-IT" sz="1200"/>
+                        <a:t>Numerical</a:t>
+                      </a:r>
+                    </a:p>
+                    <a:p>
+                      <a:pPr algn="ctr"/>
+                      <a:r>
+                        <a:rPr lang="it-IT" sz="1200"/>
+                        <a:t>(oversample)</a:t>
                       </a:r>
                     </a:p>
                   </a:txBody>
@@ -33024,8 +33791,49 @@
                     <a:bodyPr/>
                     <a:lstStyle/>
                     <a:p>
+                      <a:endParaRPr lang="it-IT"/>
+                    </a:p>
+                  </a:txBody>
+                  <a:tcPr/>
+                </a:tc>
+                <a:tc>
+                  <a:txBody>
+                    <a:bodyPr/>
+                    <a:lstStyle/>
+                    <a:p>
                       <a:pPr algn="ctr"/>
-                      <a:endParaRPr lang="it-IT"/>
+                      <a:r>
+                        <a:rPr lang="it-IT" sz="1200"/>
+                        <a:t>All Features</a:t>
+                      </a:r>
+                    </a:p>
+                    <a:p>
+                      <a:pPr algn="ctr"/>
+                      <a:r>
+                        <a:rPr lang="it-IT" sz="1200"/>
+                        <a:t>(oversample)</a:t>
+                      </a:r>
+                    </a:p>
+                  </a:txBody>
+                  <a:tcPr/>
+                </a:tc>
+                <a:tc>
+                  <a:txBody>
+                    <a:bodyPr/>
+                    <a:lstStyle/>
+                    <a:p>
+                      <a:pPr algn="ctr"/>
+                      <a:r>
+                        <a:rPr lang="it-IT" sz="1200"/>
+                        <a:t>Categorical</a:t>
+                      </a:r>
+                    </a:p>
+                    <a:p>
+                      <a:pPr algn="ctr"/>
+                      <a:r>
+                        <a:rPr lang="it-IT" sz="1200"/>
+                        <a:t>(oversample)</a:t>
+                      </a:r>
                     </a:p>
                   </a:txBody>
                   <a:tcPr/>
@@ -33190,84 +33998,6 @@
                     </a:solidFill>
                   </a:tcPr>
                 </a:tc>
-                <a:tc>
-                  <a:txBody>
-                    <a:bodyPr/>
-                    <a:lstStyle/>
-                    <a:p>
-                      <a:pPr algn="ctr">
-                        <a:lnSpc>
-                          <a:spcPct val="150000"/>
-                        </a:lnSpc>
-                      </a:pPr>
-                      <a:r>
-                        <a:rPr lang="it-IT" sz="1100" u="sng">
-                          <a:latin typeface="Bahnschrift SemiBold SemiConden" panose="020B0502040204020203" pitchFamily="34" charset="0"/>
-                        </a:rPr>
-                        <a:t>with standardization</a:t>
-                      </a:r>
-                    </a:p>
-                  </a:txBody>
-                  <a:tcPr>
-                    <a:lnR w="12700" cap="flat" cmpd="sng" algn="ctr">
-                      <a:solidFill>
-                        <a:schemeClr val="tx1"/>
-                      </a:solidFill>
-                      <a:prstDash val="solid"/>
-                      <a:round/>
-                      <a:headEnd type="none" w="med" len="med"/>
-                      <a:tailEnd type="none" w="med" len="med"/>
-                    </a:lnR>
-                    <a:lnB w="12700" cap="flat" cmpd="sng" algn="ctr">
-                      <a:solidFill>
-                        <a:schemeClr val="tx1"/>
-                      </a:solidFill>
-                      <a:prstDash val="solid"/>
-                      <a:round/>
-                      <a:headEnd type="none" w="med" len="med"/>
-                      <a:tailEnd type="none" w="med" len="med"/>
-                    </a:lnB>
-                  </a:tcPr>
-                </a:tc>
-                <a:tc>
-                  <a:txBody>
-                    <a:bodyPr/>
-                    <a:lstStyle/>
-                    <a:p>
-                      <a:pPr algn="ctr">
-                        <a:lnSpc>
-                          <a:spcPct val="150000"/>
-                        </a:lnSpc>
-                      </a:pPr>
-                      <a:r>
-                        <a:rPr lang="it-IT" sz="1100" u="sng">
-                          <a:latin typeface="Bahnschrift SemiBold SemiConden" panose="020B0502040204020203" pitchFamily="34" charset="0"/>
-                        </a:rPr>
-                        <a:t>w/out standardize</a:t>
-                      </a:r>
-                    </a:p>
-                  </a:txBody>
-                  <a:tcPr>
-                    <a:lnL w="12700" cap="flat" cmpd="sng" algn="ctr">
-                      <a:solidFill>
-                        <a:schemeClr val="tx1"/>
-                      </a:solidFill>
-                      <a:prstDash val="solid"/>
-                      <a:round/>
-                      <a:headEnd type="none" w="med" len="med"/>
-                      <a:tailEnd type="none" w="med" len="med"/>
-                    </a:lnL>
-                    <a:lnB w="12700" cap="flat" cmpd="sng" algn="ctr">
-                      <a:solidFill>
-                        <a:schemeClr val="tx1"/>
-                      </a:solidFill>
-                      <a:prstDash val="solid"/>
-                      <a:round/>
-                      <a:headEnd type="none" w="med" len="med"/>
-                      <a:tailEnd type="none" w="med" len="med"/>
-                    </a:lnB>
-                  </a:tcPr>
-                </a:tc>
                 <a:extLst>
                   <a:ext uri="{0D108BD9-81ED-4DB2-BD59-A6C34878D82A}">
                     <a16:rowId xmlns:a16="http://schemas.microsoft.com/office/drawing/2014/main" val="1365004327"/>
@@ -33281,7 +34011,7 @@
                     <a:lstStyle/>
                     <a:p>
                       <a:r>
-                        <a:rPr lang="it-IT">
+                        <a:rPr lang="it-IT" sz="1400">
                           <a:latin typeface="Bahnschrift SemiBold SemiConden" panose="020B0502040204020203" pitchFamily="34" charset="0"/>
                         </a:rPr>
                         <a:t>Logistic Regression</a:t>
@@ -33316,7 +34046,7 @@
                     <a:p>
                       <a:pPr algn="ctr"/>
                       <a:r>
-                        <a:rPr lang="it-IT" sz="1800" b="0" i="0" kern="1200">
+                        <a:rPr lang="it-IT" sz="1200" b="0" i="0" kern="1200">
                           <a:solidFill>
                             <a:schemeClr val="tx1"/>
                           </a:solidFill>
@@ -33325,9 +34055,24 @@
                           <a:ea typeface="+mn-ea"/>
                           <a:cs typeface="+mn-cs"/>
                         </a:rPr>
-                        <a:t>0.9772</a:t>
+                        <a:t>0.832</a:t>
                       </a:r>
-                      <a:endParaRPr lang="it-IT">
+                    </a:p>
+                    <a:p>
+                      <a:pPr algn="ctr"/>
+                      <a:r>
+                        <a:rPr lang="it-IT" sz="1200" b="0" i="0" kern="1200">
+                          <a:solidFill>
+                            <a:schemeClr val="tx1"/>
+                          </a:solidFill>
+                          <a:effectLst/>
+                          <a:latin typeface="Avenir Next LT Pro" panose="020B0504020202020204" pitchFamily="34" charset="0"/>
+                          <a:ea typeface="+mn-ea"/>
+                          <a:cs typeface="+mn-cs"/>
+                        </a:rPr>
+                        <a:t>(?)</a:t>
+                      </a:r>
+                      <a:endParaRPr lang="it-IT" sz="1200">
                         <a:latin typeface="Avenir Next LT Pro" panose="020B0504020202020204" pitchFamily="34" charset="0"/>
                       </a:endParaRPr>
                     </a:p>
@@ -33369,10 +34114,19 @@
                     <a:p>
                       <a:pPr algn="ctr"/>
                       <a:r>
-                        <a:rPr lang="it-IT">
+                        <a:rPr lang="it-IT" sz="1200" b="0">
                           <a:latin typeface="Avenir Next LT Pro" panose="020B0504020202020204" pitchFamily="34" charset="0"/>
                         </a:rPr>
-                        <a:t>0.97725</a:t>
+                        <a:t>0.834</a:t>
+                      </a:r>
+                    </a:p>
+                    <a:p>
+                      <a:pPr algn="ctr"/>
+                      <a:r>
+                        <a:rPr lang="it-IT" sz="1200" b="0">
+                          <a:latin typeface="Avenir Next LT Pro" panose="020B0504020202020204" pitchFamily="34" charset="0"/>
+                        </a:rPr>
+                        <a:t>(?)</a:t>
                       </a:r>
                     </a:p>
                   </a:txBody>
@@ -33413,116 +34167,19 @@
                     <a:p>
                       <a:pPr algn="ctr"/>
                       <a:r>
-                        <a:rPr lang="it-IT" sz="1800" b="1" i="0" kern="1200">
-                          <a:solidFill>
-                            <a:schemeClr val="tx1"/>
-                          </a:solidFill>
-                          <a:effectLst/>
+                        <a:rPr lang="it-IT" sz="1200" b="1">
                           <a:latin typeface="Avenir Next LT Pro" panose="020B0504020202020204" pitchFamily="34" charset="0"/>
-                          <a:ea typeface="+mn-ea"/>
-                          <a:cs typeface="+mn-cs"/>
                         </a:rPr>
-                        <a:t>0.9777</a:t>
+                        <a:t>0.857</a:t>
                       </a:r>
-                      <a:endParaRPr lang="it-IT" b="1">
-                        <a:latin typeface="Avenir Next LT Pro" panose="020B0504020202020204" pitchFamily="34" charset="0"/>
-                      </a:endParaRPr>
                     </a:p>
-                  </a:txBody>
-                  <a:tcPr>
-                    <a:lnL w="12700" cap="flat" cmpd="sng" algn="ctr">
-                      <a:solidFill>
-                        <a:schemeClr val="tx1"/>
-                      </a:solidFill>
-                      <a:prstDash val="solid"/>
-                      <a:round/>
-                      <a:headEnd type="none" w="med" len="med"/>
-                      <a:tailEnd type="none" w="med" len="med"/>
-                    </a:lnL>
-                    <a:lnR w="12700" cap="flat" cmpd="sng" algn="ctr">
-                      <a:solidFill>
-                        <a:schemeClr val="tx1"/>
-                      </a:solidFill>
-                      <a:prstDash val="solid"/>
-                      <a:round/>
-                      <a:headEnd type="none" w="med" len="med"/>
-                      <a:tailEnd type="none" w="med" len="med"/>
-                    </a:lnR>
-                    <a:lnT w="12700" cap="flat" cmpd="sng" algn="ctr">
-                      <a:solidFill>
-                        <a:schemeClr val="tx1"/>
-                      </a:solidFill>
-                      <a:prstDash val="solid"/>
-                      <a:round/>
-                      <a:headEnd type="none" w="med" len="med"/>
-                      <a:tailEnd type="none" w="med" len="med"/>
-                    </a:lnT>
-                  </a:tcPr>
-                </a:tc>
-                <a:tc>
-                  <a:txBody>
-                    <a:bodyPr/>
-                    <a:lstStyle/>
                     <a:p>
                       <a:pPr algn="ctr"/>
                       <a:r>
-                        <a:rPr lang="it-IT" sz="1800" b="0" i="0" kern="1200">
-                          <a:solidFill>
-                            <a:schemeClr val="tx1"/>
-                          </a:solidFill>
-                          <a:effectLst/>
-                          <a:latin typeface="Avenir Next LT Pro" panose="020B0504020202020204" pitchFamily="34" charset="0"/>
-                          <a:ea typeface="+mn-ea"/>
-                          <a:cs typeface="+mn-cs"/>
-                        </a:rPr>
-                        <a:t>0.9733</a:t>
-                      </a:r>
-                      <a:endParaRPr lang="it-IT">
-                        <a:latin typeface="Avenir Next LT Pro" panose="020B0504020202020204" pitchFamily="34" charset="0"/>
-                      </a:endParaRPr>
-                    </a:p>
-                  </a:txBody>
-                  <a:tcPr>
-                    <a:lnL w="12700" cap="flat" cmpd="sng" algn="ctr">
-                      <a:solidFill>
-                        <a:schemeClr val="tx1"/>
-                      </a:solidFill>
-                      <a:prstDash val="solid"/>
-                      <a:round/>
-                      <a:headEnd type="none" w="med" len="med"/>
-                      <a:tailEnd type="none" w="med" len="med"/>
-                    </a:lnL>
-                    <a:lnR w="12700" cap="flat" cmpd="sng" algn="ctr">
-                      <a:solidFill>
-                        <a:schemeClr val="tx1"/>
-                      </a:solidFill>
-                      <a:prstDash val="solid"/>
-                      <a:round/>
-                      <a:headEnd type="none" w="med" len="med"/>
-                      <a:tailEnd type="none" w="med" len="med"/>
-                    </a:lnR>
-                    <a:lnT w="12700" cap="flat" cmpd="sng" algn="ctr">
-                      <a:solidFill>
-                        <a:schemeClr val="tx1"/>
-                      </a:solidFill>
-                      <a:prstDash val="solid"/>
-                      <a:round/>
-                      <a:headEnd type="none" w="med" len="med"/>
-                      <a:tailEnd type="none" w="med" len="med"/>
-                    </a:lnT>
-                  </a:tcPr>
-                </a:tc>
-                <a:tc>
-                  <a:txBody>
-                    <a:bodyPr/>
-                    <a:lstStyle/>
-                    <a:p>
-                      <a:pPr algn="ctr"/>
-                      <a:r>
-                        <a:rPr lang="it-IT">
+                        <a:rPr lang="it-IT" sz="1200" b="0">
                           <a:latin typeface="Avenir Next LT Pro" panose="020B0504020202020204" pitchFamily="34" charset="0"/>
                         </a:rPr>
-                        <a:t>0.974</a:t>
+                        <a:t>(?)</a:t>
                       </a:r>
                     </a:p>
                   </a:txBody>
@@ -33563,11 +34220,35 @@
                     <a:p>
                       <a:pPr algn="ctr"/>
                       <a:r>
-                        <a:rPr lang="it-IT">
+                        <a:rPr lang="it-IT" sz="1200" b="0" i="0" kern="1200">
+                          <a:solidFill>
+                            <a:schemeClr val="tx1"/>
+                          </a:solidFill>
+                          <a:effectLst/>
                           <a:latin typeface="Avenir Next LT Pro" panose="020B0504020202020204" pitchFamily="34" charset="0"/>
+                          <a:ea typeface="+mn-ea"/>
+                          <a:cs typeface="+mn-cs"/>
                         </a:rPr>
-                        <a:t>0.974</a:t>
+                        <a:t>0.800</a:t>
                       </a:r>
+                    </a:p>
+                    <a:p>
+                      <a:pPr algn="ctr"/>
+                      <a:r>
+                        <a:rPr lang="it-IT" sz="1200" b="0" i="0" kern="1200">
+                          <a:solidFill>
+                            <a:schemeClr val="tx1"/>
+                          </a:solidFill>
+                          <a:effectLst/>
+                          <a:latin typeface="Avenir Next LT Pro" panose="020B0504020202020204" pitchFamily="34" charset="0"/>
+                          <a:ea typeface="+mn-ea"/>
+                          <a:cs typeface="+mn-cs"/>
+                        </a:rPr>
+                        <a:t>(?)</a:t>
+                      </a:r>
+                      <a:endParaRPr lang="it-IT" sz="1200">
+                        <a:latin typeface="Avenir Next LT Pro" panose="020B0504020202020204" pitchFamily="34" charset="0"/>
+                      </a:endParaRPr>
                     </a:p>
                   </a:txBody>
                   <a:tcPr>
@@ -33580,6 +34261,15 @@
                       <a:headEnd type="none" w="med" len="med"/>
                       <a:tailEnd type="none" w="med" len="med"/>
                     </a:lnL>
+                    <a:lnR w="12700" cap="flat" cmpd="sng" algn="ctr">
+                      <a:solidFill>
+                        <a:schemeClr val="tx1"/>
+                      </a:solidFill>
+                      <a:prstDash val="solid"/>
+                      <a:round/>
+                      <a:headEnd type="none" w="med" len="med"/>
+                      <a:tailEnd type="none" w="med" len="med"/>
+                    </a:lnR>
                     <a:lnT w="12700" cap="flat" cmpd="sng" algn="ctr">
                       <a:solidFill>
                         <a:schemeClr val="tx1"/>
@@ -33604,7 +34294,7 @@
                     <a:lstStyle/>
                     <a:p>
                       <a:r>
-                        <a:rPr lang="it-IT">
+                        <a:rPr lang="it-IT" sz="1400">
                           <a:latin typeface="Bahnschrift SemiBold SemiConden" panose="020B0502040204020203" pitchFamily="34" charset="0"/>
                         </a:rPr>
                         <a:t>Decision Tree</a:t>
@@ -33646,10 +34336,35 @@
                         <a:defRPr/>
                       </a:pPr>
                       <a:r>
-                        <a:rPr lang="it-IT" b="0">
+                        <a:rPr lang="it-IT" sz="1200">
                           <a:latin typeface="Avenir Next LT Pro" panose="020B0504020202020204" pitchFamily="34" charset="0"/>
                         </a:rPr>
-                        <a:t>0.9773</a:t>
+                        <a:t>0.428</a:t>
+                      </a:r>
+                    </a:p>
+                    <a:p>
+                      <a:pPr marL="0" marR="0" lvl="0" indent="0" algn="ctr" defTabSz="457200" rtl="0" eaLnBrk="1" fontAlgn="auto" latinLnBrk="0" hangingPunct="1">
+                        <a:lnSpc>
+                          <a:spcPct val="100000"/>
+                        </a:lnSpc>
+                        <a:spcBef>
+                          <a:spcPts val="0"/>
+                        </a:spcBef>
+                        <a:spcAft>
+                          <a:spcPts val="0"/>
+                        </a:spcAft>
+                        <a:buClrTx/>
+                        <a:buSzTx/>
+                        <a:buFontTx/>
+                        <a:buNone/>
+                        <a:tabLst/>
+                        <a:defRPr/>
+                      </a:pPr>
+                      <a:r>
+                        <a:rPr lang="it-IT" sz="1200">
+                          <a:latin typeface="Avenir Next LT Pro" panose="020B0504020202020204" pitchFamily="34" charset="0"/>
+                        </a:rPr>
+                        <a:t>(?)</a:t>
                       </a:r>
                     </a:p>
                   </a:txBody>
@@ -33681,10 +34396,19 @@
                     <a:p>
                       <a:pPr algn="ctr"/>
                       <a:r>
-                        <a:rPr lang="it-IT" b="0">
+                        <a:rPr lang="it-IT" sz="1200">
                           <a:latin typeface="Avenir Next LT Pro" panose="020B0504020202020204" pitchFamily="34" charset="0"/>
                         </a:rPr>
-                        <a:t>0.9773</a:t>
+                        <a:t>0.428</a:t>
+                      </a:r>
+                    </a:p>
+                    <a:p>
+                      <a:pPr algn="ctr"/>
+                      <a:r>
+                        <a:rPr lang="it-IT" sz="1200">
+                          <a:latin typeface="Avenir Next LT Pro" panose="020B0504020202020204" pitchFamily="34" charset="0"/>
+                        </a:rPr>
+                        <a:t>(?)</a:t>
                       </a:r>
                     </a:p>
                   </a:txBody>
@@ -33715,1182 +34439,17 @@
                     <a:lstStyle/>
                     <a:p>
                       <a:pPr algn="ctr"/>
-                      <a:endParaRPr lang="it-IT">
+                      <a:endParaRPr lang="it-IT" sz="1200">
                         <a:latin typeface="Avenir Next LT Pro" panose="020B0504020202020204" pitchFamily="34" charset="0"/>
                       </a:endParaRPr>
                     </a:p>
-                  </a:txBody>
-                  <a:tcPr>
-                    <a:lnL w="12700" cap="flat" cmpd="sng" algn="ctr">
-                      <a:solidFill>
-                        <a:schemeClr val="tx1"/>
-                      </a:solidFill>
-                      <a:prstDash val="solid"/>
-                      <a:round/>
-                      <a:headEnd type="none" w="med" len="med"/>
-                      <a:tailEnd type="none" w="med" len="med"/>
-                    </a:lnL>
-                    <a:lnR w="12700" cap="flat" cmpd="sng" algn="ctr">
-                      <a:solidFill>
-                        <a:schemeClr val="tx1"/>
-                      </a:solidFill>
-                      <a:prstDash val="solid"/>
-                      <a:round/>
-                      <a:headEnd type="none" w="med" len="med"/>
-                      <a:tailEnd type="none" w="med" len="med"/>
-                    </a:lnR>
-                  </a:tcPr>
-                </a:tc>
-                <a:tc>
-                  <a:txBody>
-                    <a:bodyPr/>
-                    <a:lstStyle/>
                     <a:p>
                       <a:pPr algn="ctr"/>
                       <a:r>
-                        <a:rPr lang="it-IT" sz="1800" b="0" i="0" kern="1200">
-                          <a:solidFill>
-                            <a:schemeClr val="tx1"/>
-                          </a:solidFill>
-                          <a:effectLst/>
-                          <a:latin typeface="Avenir Next LT Pro" panose="020B0504020202020204" pitchFamily="34" charset="0"/>
-                          <a:ea typeface="+mn-ea"/>
-                          <a:cs typeface="+mn-cs"/>
-                        </a:rPr>
-                        <a:t>0.9734</a:t>
-                      </a:r>
-                      <a:endParaRPr lang="it-IT">
-                        <a:latin typeface="Avenir Next LT Pro" panose="020B0504020202020204" pitchFamily="34" charset="0"/>
-                      </a:endParaRPr>
-                    </a:p>
-                  </a:txBody>
-                  <a:tcPr>
-                    <a:lnL w="12700" cap="flat" cmpd="sng" algn="ctr">
-                      <a:solidFill>
-                        <a:schemeClr val="tx1"/>
-                      </a:solidFill>
-                      <a:prstDash val="solid"/>
-                      <a:round/>
-                      <a:headEnd type="none" w="med" len="med"/>
-                      <a:tailEnd type="none" w="med" len="med"/>
-                    </a:lnL>
-                    <a:lnR w="12700" cap="flat" cmpd="sng" algn="ctr">
-                      <a:solidFill>
-                        <a:schemeClr val="tx1"/>
-                      </a:solidFill>
-                      <a:prstDash val="solid"/>
-                      <a:round/>
-                      <a:headEnd type="none" w="med" len="med"/>
-                      <a:tailEnd type="none" w="med" len="med"/>
-                    </a:lnR>
-                  </a:tcPr>
-                </a:tc>
-                <a:tc>
-                  <a:txBody>
-                    <a:bodyPr/>
-                    <a:lstStyle/>
-                    <a:p>
-                      <a:pPr algn="ctr"/>
-                      <a:endParaRPr lang="it-IT">
-                        <a:latin typeface="Avenir Next LT Pro" panose="020B0504020202020204" pitchFamily="34" charset="0"/>
-                      </a:endParaRPr>
-                    </a:p>
-                  </a:txBody>
-                  <a:tcPr>
-                    <a:lnL w="12700" cap="flat" cmpd="sng" algn="ctr">
-                      <a:solidFill>
-                        <a:schemeClr val="tx1"/>
-                      </a:solidFill>
-                      <a:prstDash val="solid"/>
-                      <a:round/>
-                      <a:headEnd type="none" w="med" len="med"/>
-                      <a:tailEnd type="none" w="med" len="med"/>
-                    </a:lnL>
-                    <a:lnR w="12700" cap="flat" cmpd="sng" algn="ctr">
-                      <a:solidFill>
-                        <a:schemeClr val="tx1"/>
-                      </a:solidFill>
-                      <a:prstDash val="solid"/>
-                      <a:round/>
-                      <a:headEnd type="none" w="med" len="med"/>
-                      <a:tailEnd type="none" w="med" len="med"/>
-                    </a:lnR>
-                  </a:tcPr>
-                </a:tc>
-                <a:tc>
-                  <a:txBody>
-                    <a:bodyPr/>
-                    <a:lstStyle/>
-                    <a:p>
-                      <a:pPr algn="ctr"/>
-                      <a:endParaRPr lang="it-IT">
-                        <a:latin typeface="Avenir Next LT Pro" panose="020B0504020202020204" pitchFamily="34" charset="0"/>
-                      </a:endParaRPr>
-                    </a:p>
-                  </a:txBody>
-                  <a:tcPr>
-                    <a:lnL w="12700" cap="flat" cmpd="sng" algn="ctr">
-                      <a:solidFill>
-                        <a:schemeClr val="tx1"/>
-                      </a:solidFill>
-                      <a:prstDash val="solid"/>
-                      <a:round/>
-                      <a:headEnd type="none" w="med" len="med"/>
-                      <a:tailEnd type="none" w="med" len="med"/>
-                    </a:lnL>
-                  </a:tcPr>
-                </a:tc>
-                <a:extLst>
-                  <a:ext uri="{0D108BD9-81ED-4DB2-BD59-A6C34878D82A}">
-                    <a16:rowId xmlns:a16="http://schemas.microsoft.com/office/drawing/2014/main" val="3341464040"/>
-                  </a:ext>
-                </a:extLst>
-              </a:tr>
-              <a:tr h="370840">
-                <a:tc>
-                  <a:txBody>
-                    <a:bodyPr/>
-                    <a:lstStyle/>
-                    <a:p>
-                      <a:r>
-                        <a:rPr lang="it-IT">
-                          <a:latin typeface="Bahnschrift SemiBold SemiConden" panose="020B0502040204020203" pitchFamily="34" charset="0"/>
-                        </a:rPr>
-                        <a:t>Random Forest</a:t>
-                      </a:r>
-                    </a:p>
-                  </a:txBody>
-                  <a:tcPr>
-                    <a:lnR w="12700" cap="flat" cmpd="sng" algn="ctr">
-                      <a:solidFill>
-                        <a:schemeClr val="tx1"/>
-                      </a:solidFill>
-                      <a:prstDash val="solid"/>
-                      <a:round/>
-                      <a:headEnd type="none" w="med" len="med"/>
-                      <a:tailEnd type="none" w="med" len="med"/>
-                    </a:lnR>
-                  </a:tcPr>
-                </a:tc>
-                <a:tc>
-                  <a:txBody>
-                    <a:bodyPr/>
-                    <a:lstStyle/>
-                    <a:p>
-                      <a:pPr algn="ctr"/>
-                      <a:endParaRPr lang="it-IT">
-                        <a:latin typeface="Avenir Next LT Pro" panose="020B0504020202020204" pitchFamily="34" charset="0"/>
-                      </a:endParaRPr>
-                    </a:p>
-                  </a:txBody>
-                  <a:tcPr>
-                    <a:lnL w="12700" cap="flat" cmpd="sng" algn="ctr">
-                      <a:solidFill>
-                        <a:schemeClr val="tx1"/>
-                      </a:solidFill>
-                      <a:prstDash val="solid"/>
-                      <a:round/>
-                      <a:headEnd type="none" w="med" len="med"/>
-                      <a:tailEnd type="none" w="med" len="med"/>
-                    </a:lnL>
-                    <a:lnR w="12700" cap="flat" cmpd="sng" algn="ctr">
-                      <a:solidFill>
-                        <a:schemeClr val="tx1"/>
-                      </a:solidFill>
-                      <a:prstDash val="solid"/>
-                      <a:round/>
-                      <a:headEnd type="none" w="med" len="med"/>
-                      <a:tailEnd type="none" w="med" len="med"/>
-                    </a:lnR>
-                  </a:tcPr>
-                </a:tc>
-                <a:tc>
-                  <a:txBody>
-                    <a:bodyPr/>
-                    <a:lstStyle/>
-                    <a:p>
-                      <a:pPr algn="ctr"/>
-                      <a:endParaRPr lang="it-IT">
-                        <a:latin typeface="Avenir Next LT Pro" panose="020B0504020202020204" pitchFamily="34" charset="0"/>
-                      </a:endParaRPr>
-                    </a:p>
-                  </a:txBody>
-                  <a:tcPr>
-                    <a:lnL w="12700" cap="flat" cmpd="sng" algn="ctr">
-                      <a:solidFill>
-                        <a:schemeClr val="tx1"/>
-                      </a:solidFill>
-                      <a:prstDash val="solid"/>
-                      <a:round/>
-                      <a:headEnd type="none" w="med" len="med"/>
-                      <a:tailEnd type="none" w="med" len="med"/>
-                    </a:lnL>
-                    <a:lnR w="12700" cap="flat" cmpd="sng" algn="ctr">
-                      <a:solidFill>
-                        <a:schemeClr val="tx1"/>
-                      </a:solidFill>
-                      <a:prstDash val="solid"/>
-                      <a:round/>
-                      <a:headEnd type="none" w="med" len="med"/>
-                      <a:tailEnd type="none" w="med" len="med"/>
-                    </a:lnR>
-                  </a:tcPr>
-                </a:tc>
-                <a:tc>
-                  <a:txBody>
-                    <a:bodyPr/>
-                    <a:lstStyle/>
-                    <a:p>
-                      <a:pPr algn="ctr"/>
-                      <a:endParaRPr lang="it-IT">
-                        <a:latin typeface="Avenir Next LT Pro" panose="020B0504020202020204" pitchFamily="34" charset="0"/>
-                      </a:endParaRPr>
-                    </a:p>
-                  </a:txBody>
-                  <a:tcPr>
-                    <a:lnL w="12700" cap="flat" cmpd="sng" algn="ctr">
-                      <a:solidFill>
-                        <a:schemeClr val="tx1"/>
-                      </a:solidFill>
-                      <a:prstDash val="solid"/>
-                      <a:round/>
-                      <a:headEnd type="none" w="med" len="med"/>
-                      <a:tailEnd type="none" w="med" len="med"/>
-                    </a:lnL>
-                    <a:lnR w="12700" cap="flat" cmpd="sng" algn="ctr">
-                      <a:solidFill>
-                        <a:schemeClr val="tx1"/>
-                      </a:solidFill>
-                      <a:prstDash val="solid"/>
-                      <a:round/>
-                      <a:headEnd type="none" w="med" len="med"/>
-                      <a:tailEnd type="none" w="med" len="med"/>
-                    </a:lnR>
-                  </a:tcPr>
-                </a:tc>
-                <a:tc>
-                  <a:txBody>
-                    <a:bodyPr/>
-                    <a:lstStyle/>
-                    <a:p>
-                      <a:pPr algn="ctr"/>
-                      <a:endParaRPr lang="it-IT">
-                        <a:latin typeface="Avenir Next LT Pro" panose="020B0504020202020204" pitchFamily="34" charset="0"/>
-                      </a:endParaRPr>
-                    </a:p>
-                  </a:txBody>
-                  <a:tcPr>
-                    <a:lnL w="12700" cap="flat" cmpd="sng" algn="ctr">
-                      <a:solidFill>
-                        <a:schemeClr val="tx1"/>
-                      </a:solidFill>
-                      <a:prstDash val="solid"/>
-                      <a:round/>
-                      <a:headEnd type="none" w="med" len="med"/>
-                      <a:tailEnd type="none" w="med" len="med"/>
-                    </a:lnL>
-                    <a:lnR w="12700" cap="flat" cmpd="sng" algn="ctr">
-                      <a:solidFill>
-                        <a:schemeClr val="tx1"/>
-                      </a:solidFill>
-                      <a:prstDash val="solid"/>
-                      <a:round/>
-                      <a:headEnd type="none" w="med" len="med"/>
-                      <a:tailEnd type="none" w="med" len="med"/>
-                    </a:lnR>
-                  </a:tcPr>
-                </a:tc>
-                <a:tc>
-                  <a:txBody>
-                    <a:bodyPr/>
-                    <a:lstStyle/>
-                    <a:p>
-                      <a:pPr algn="ctr"/>
-                      <a:endParaRPr lang="it-IT">
-                        <a:latin typeface="Avenir Next LT Pro" panose="020B0504020202020204" pitchFamily="34" charset="0"/>
-                      </a:endParaRPr>
-                    </a:p>
-                  </a:txBody>
-                  <a:tcPr>
-                    <a:lnL w="12700" cap="flat" cmpd="sng" algn="ctr">
-                      <a:solidFill>
-                        <a:schemeClr val="tx1"/>
-                      </a:solidFill>
-                      <a:prstDash val="solid"/>
-                      <a:round/>
-                      <a:headEnd type="none" w="med" len="med"/>
-                      <a:tailEnd type="none" w="med" len="med"/>
-                    </a:lnL>
-                    <a:lnR w="12700" cap="flat" cmpd="sng" algn="ctr">
-                      <a:solidFill>
-                        <a:schemeClr val="tx1"/>
-                      </a:solidFill>
-                      <a:prstDash val="solid"/>
-                      <a:round/>
-                      <a:headEnd type="none" w="med" len="med"/>
-                      <a:tailEnd type="none" w="med" len="med"/>
-                    </a:lnR>
-                  </a:tcPr>
-                </a:tc>
-                <a:tc>
-                  <a:txBody>
-                    <a:bodyPr/>
-                    <a:lstStyle/>
-                    <a:p>
-                      <a:pPr algn="ctr"/>
-                      <a:endParaRPr lang="it-IT">
-                        <a:latin typeface="Avenir Next LT Pro" panose="020B0504020202020204" pitchFamily="34" charset="0"/>
-                      </a:endParaRPr>
-                    </a:p>
-                  </a:txBody>
-                  <a:tcPr>
-                    <a:lnL w="12700" cap="flat" cmpd="sng" algn="ctr">
-                      <a:solidFill>
-                        <a:schemeClr val="tx1"/>
-                      </a:solidFill>
-                      <a:prstDash val="solid"/>
-                      <a:round/>
-                      <a:headEnd type="none" w="med" len="med"/>
-                      <a:tailEnd type="none" w="med" len="med"/>
-                    </a:lnL>
-                  </a:tcPr>
-                </a:tc>
-                <a:extLst>
-                  <a:ext uri="{0D108BD9-81ED-4DB2-BD59-A6C34878D82A}">
-                    <a16:rowId xmlns:a16="http://schemas.microsoft.com/office/drawing/2014/main" val="2466824742"/>
-                  </a:ext>
-                </a:extLst>
-              </a:tr>
-            </a:tbl>
-          </a:graphicData>
-        </a:graphic>
-      </p:graphicFrame>
-      <p:sp>
-        <p:nvSpPr>
-          <p:cNvPr id="6" name="CasellaDiTesto 5">
-            <a:extLst>
-              <a:ext uri="{FF2B5EF4-FFF2-40B4-BE49-F238E27FC236}">
-                <a16:creationId xmlns:a16="http://schemas.microsoft.com/office/drawing/2014/main" id="{BC619C78-40E2-4630-9699-7D2EFDB53A63}"/>
-              </a:ext>
-            </a:extLst>
-          </p:cNvPr>
-          <p:cNvSpPr txBox="1"/>
-          <p:nvPr/>
-        </p:nvSpPr>
-        <p:spPr>
-          <a:xfrm>
-            <a:off x="769650" y="2294071"/>
-            <a:ext cx="1799112" cy="461665"/>
-          </a:xfrm>
-          <a:prstGeom prst="rect">
-            <a:avLst/>
-          </a:prstGeom>
-          <a:noFill/>
-        </p:spPr>
-        <p:txBody>
-          <a:bodyPr wrap="square" rtlCol="0" anchor="ctr">
-            <a:spAutoFit/>
-          </a:bodyPr>
-          <a:lstStyle/>
-          <a:p>
-            <a:pPr algn="ctr"/>
-            <a:r>
-              <a:rPr lang="it-IT" sz="2400" b="1">
-                <a:solidFill>
-                  <a:schemeClr val="accent4">
-                    <a:lumMod val="60000"/>
-                    <a:lumOff val="40000"/>
-                  </a:schemeClr>
-                </a:solidFill>
-              </a:rPr>
-              <a:t>Accuracy</a:t>
-            </a:r>
-          </a:p>
-        </p:txBody>
-      </p:sp>
-      <p:graphicFrame>
-        <p:nvGraphicFramePr>
-          <p:cNvPr id="8" name="Tabella 10">
-            <a:extLst>
-              <a:ext uri="{FF2B5EF4-FFF2-40B4-BE49-F238E27FC236}">
-                <a16:creationId xmlns:a16="http://schemas.microsoft.com/office/drawing/2014/main" id="{E4AFDD1F-C4B0-4DC3-8B0A-AB22D5DC190A}"/>
-              </a:ext>
-            </a:extLst>
-          </p:cNvPr>
-          <p:cNvGraphicFramePr>
-            <a:graphicFrameLocks noGrp="1"/>
-          </p:cNvGraphicFramePr>
-          <p:nvPr>
-            <p:extLst>
-              <p:ext uri="{D42A27DB-BD31-4B8C-83A1-F6EECF244321}">
-                <p14:modId xmlns:p14="http://schemas.microsoft.com/office/powerpoint/2010/main" val="817743733"/>
-              </p:ext>
-            </p:extLst>
-          </p:nvPr>
-        </p:nvGraphicFramePr>
-        <p:xfrm>
-          <a:off x="694061" y="4474134"/>
-          <a:ext cx="10551283" cy="1844040"/>
-        </p:xfrm>
-        <a:graphic>
-          <a:graphicData uri="http://schemas.openxmlformats.org/drawingml/2006/table">
-            <a:tbl>
-              <a:tblPr firstRow="1" bandRow="1">
-                <a:tableStyleId>{3B4B98B0-60AC-42C2-AFA5-B58CD77FA1E5}</a:tableStyleId>
-              </a:tblPr>
-              <a:tblGrid>
-                <a:gridCol w="1957828">
-                  <a:extLst>
-                    <a:ext uri="{9D8B030D-6E8A-4147-A177-3AD203B41FA5}">
-                      <a16:colId xmlns:a16="http://schemas.microsoft.com/office/drawing/2014/main" val="396372187"/>
-                    </a:ext>
-                  </a:extLst>
-                </a:gridCol>
-                <a:gridCol w="1306286">
-                  <a:extLst>
-                    <a:ext uri="{9D8B030D-6E8A-4147-A177-3AD203B41FA5}">
-                      <a16:colId xmlns:a16="http://schemas.microsoft.com/office/drawing/2014/main" val="1229565216"/>
-                    </a:ext>
-                  </a:extLst>
-                </a:gridCol>
-                <a:gridCol w="1240971">
-                  <a:extLst>
-                    <a:ext uri="{9D8B030D-6E8A-4147-A177-3AD203B41FA5}">
-                      <a16:colId xmlns:a16="http://schemas.microsoft.com/office/drawing/2014/main" val="3000570086"/>
-                    </a:ext>
-                  </a:extLst>
-                </a:gridCol>
-                <a:gridCol w="1561606">
-                  <a:extLst>
-                    <a:ext uri="{9D8B030D-6E8A-4147-A177-3AD203B41FA5}">
-                      <a16:colId xmlns:a16="http://schemas.microsoft.com/office/drawing/2014/main" val="2527479792"/>
-                    </a:ext>
-                  </a:extLst>
-                </a:gridCol>
-                <a:gridCol w="1711707">
-                  <a:extLst>
-                    <a:ext uri="{9D8B030D-6E8A-4147-A177-3AD203B41FA5}">
-                      <a16:colId xmlns:a16="http://schemas.microsoft.com/office/drawing/2014/main" val="1832342877"/>
-                    </a:ext>
-                  </a:extLst>
-                </a:gridCol>
-                <a:gridCol w="1442852">
-                  <a:extLst>
-                    <a:ext uri="{9D8B030D-6E8A-4147-A177-3AD203B41FA5}">
-                      <a16:colId xmlns:a16="http://schemas.microsoft.com/office/drawing/2014/main" val="455619855"/>
-                    </a:ext>
-                  </a:extLst>
-                </a:gridCol>
-                <a:gridCol w="1330033">
-                  <a:extLst>
-                    <a:ext uri="{9D8B030D-6E8A-4147-A177-3AD203B41FA5}">
-                      <a16:colId xmlns:a16="http://schemas.microsoft.com/office/drawing/2014/main" val="842104205"/>
-                    </a:ext>
-                  </a:extLst>
-                </a:gridCol>
-              </a:tblGrid>
-              <a:tr h="357766">
-                <a:tc>
-                  <a:txBody>
-                    <a:bodyPr/>
-                    <a:lstStyle/>
-                    <a:p>
-                      <a:endParaRPr lang="it-IT">
-                        <a:solidFill>
-                          <a:schemeClr val="accent2"/>
-                        </a:solidFill>
-                      </a:endParaRPr>
-                    </a:p>
-                  </a:txBody>
-                  <a:tcPr>
-                    <a:solidFill>
-                      <a:schemeClr val="accent1"/>
-                    </a:solidFill>
-                  </a:tcPr>
-                </a:tc>
-                <a:tc gridSpan="2">
-                  <a:txBody>
-                    <a:bodyPr/>
-                    <a:lstStyle/>
-                    <a:p>
-                      <a:pPr algn="ctr"/>
-                      <a:r>
-                        <a:rPr lang="it-IT"/>
-                        <a:t>Numerical</a:t>
-                      </a:r>
-                    </a:p>
-                  </a:txBody>
-                  <a:tcPr/>
-                </a:tc>
-                <a:tc hMerge="1">
-                  <a:txBody>
-                    <a:bodyPr/>
-                    <a:lstStyle/>
-                    <a:p>
-                      <a:endParaRPr lang="it-IT"/>
-                    </a:p>
-                  </a:txBody>
-                  <a:tcPr/>
-                </a:tc>
-                <a:tc>
-                  <a:txBody>
-                    <a:bodyPr/>
-                    <a:lstStyle/>
-                    <a:p>
-                      <a:pPr algn="ctr"/>
-                      <a:r>
-                        <a:rPr lang="it-IT"/>
-                        <a:t>All Features</a:t>
-                      </a:r>
-                    </a:p>
-                  </a:txBody>
-                  <a:tcPr/>
-                </a:tc>
-                <a:tc>
-                  <a:txBody>
-                    <a:bodyPr/>
-                    <a:lstStyle/>
-                    <a:p>
-                      <a:pPr algn="ctr"/>
-                      <a:r>
-                        <a:rPr lang="it-IT"/>
-                        <a:t>Categorical</a:t>
-                      </a:r>
-                    </a:p>
-                  </a:txBody>
-                  <a:tcPr/>
-                </a:tc>
-                <a:tc gridSpan="2">
-                  <a:txBody>
-                    <a:bodyPr/>
-                    <a:lstStyle/>
-                    <a:p>
-                      <a:pPr algn="ctr"/>
-                      <a:r>
-                        <a:rPr lang="it-IT"/>
-                        <a:t>Mix</a:t>
-                      </a:r>
-                    </a:p>
-                  </a:txBody>
-                  <a:tcPr/>
-                </a:tc>
-                <a:tc hMerge="1">
-                  <a:txBody>
-                    <a:bodyPr/>
-                    <a:lstStyle/>
-                    <a:p>
-                      <a:pPr algn="ctr"/>
-                      <a:endParaRPr lang="it-IT"/>
-                    </a:p>
-                  </a:txBody>
-                  <a:tcPr/>
-                </a:tc>
-                <a:extLst>
-                  <a:ext uri="{0D108BD9-81ED-4DB2-BD59-A6C34878D82A}">
-                    <a16:rowId xmlns:a16="http://schemas.microsoft.com/office/drawing/2014/main" val="464026787"/>
-                  </a:ext>
-                </a:extLst>
-              </a:tr>
-              <a:tr h="359229">
-                <a:tc>
-                  <a:txBody>
-                    <a:bodyPr/>
-                    <a:lstStyle/>
-                    <a:p>
-                      <a:endParaRPr lang="it-IT">
-                        <a:solidFill>
-                          <a:schemeClr val="accent2"/>
-                        </a:solidFill>
-                      </a:endParaRPr>
-                    </a:p>
-                  </a:txBody>
-                  <a:tcPr>
-                    <a:lnB w="12700" cap="flat" cmpd="sng" algn="ctr">
-                      <a:solidFill>
-                        <a:schemeClr val="tx1"/>
-                      </a:solidFill>
-                      <a:prstDash val="solid"/>
-                      <a:round/>
-                      <a:headEnd type="none" w="med" len="med"/>
-                      <a:tailEnd type="none" w="med" len="med"/>
-                    </a:lnB>
-                    <a:solidFill>
-                      <a:schemeClr val="accent1"/>
-                    </a:solidFill>
-                  </a:tcPr>
-                </a:tc>
-                <a:tc>
-                  <a:txBody>
-                    <a:bodyPr/>
-                    <a:lstStyle/>
-                    <a:p>
-                      <a:pPr algn="ctr">
-                        <a:lnSpc>
-                          <a:spcPct val="150000"/>
-                        </a:lnSpc>
-                      </a:pPr>
-                      <a:r>
-                        <a:rPr lang="it-IT" sz="1100" u="sng">
-                          <a:latin typeface="Bahnschrift SemiBold SemiConden" panose="020B0502040204020203" pitchFamily="34" charset="0"/>
-                        </a:rPr>
-                        <a:t>with standardization</a:t>
-                      </a:r>
-                    </a:p>
-                  </a:txBody>
-                  <a:tcPr>
-                    <a:lnR w="12700" cap="flat" cmpd="sng" algn="ctr">
-                      <a:solidFill>
-                        <a:schemeClr val="tx1"/>
-                      </a:solidFill>
-                      <a:prstDash val="solid"/>
-                      <a:round/>
-                      <a:headEnd type="none" w="med" len="med"/>
-                      <a:tailEnd type="none" w="med" len="med"/>
-                    </a:lnR>
-                    <a:lnB w="12700" cap="flat" cmpd="sng" algn="ctr">
-                      <a:solidFill>
-                        <a:schemeClr val="tx1"/>
-                      </a:solidFill>
-                      <a:prstDash val="solid"/>
-                      <a:round/>
-                      <a:headEnd type="none" w="med" len="med"/>
-                      <a:tailEnd type="none" w="med" len="med"/>
-                    </a:lnB>
-                  </a:tcPr>
-                </a:tc>
-                <a:tc>
-                  <a:txBody>
-                    <a:bodyPr/>
-                    <a:lstStyle/>
-                    <a:p>
-                      <a:pPr algn="ctr">
-                        <a:lnSpc>
-                          <a:spcPct val="150000"/>
-                        </a:lnSpc>
-                      </a:pPr>
-                      <a:r>
-                        <a:rPr lang="it-IT" sz="1100" u="sng">
-                          <a:latin typeface="Bahnschrift SemiBold SemiConden" panose="020B0502040204020203" pitchFamily="34" charset="0"/>
-                        </a:rPr>
-                        <a:t>w/out standardize</a:t>
-                      </a:r>
-                    </a:p>
-                  </a:txBody>
-                  <a:tcPr>
-                    <a:lnL w="12700" cap="flat" cmpd="sng" algn="ctr">
-                      <a:solidFill>
-                        <a:schemeClr val="tx1"/>
-                      </a:solidFill>
-                      <a:prstDash val="solid"/>
-                      <a:round/>
-                      <a:headEnd type="none" w="med" len="med"/>
-                      <a:tailEnd type="none" w="med" len="med"/>
-                    </a:lnL>
-                    <a:lnB w="12700" cap="flat" cmpd="sng" algn="ctr">
-                      <a:solidFill>
-                        <a:schemeClr val="tx1"/>
-                      </a:solidFill>
-                      <a:prstDash val="solid"/>
-                      <a:round/>
-                      <a:headEnd type="none" w="med" len="med"/>
-                      <a:tailEnd type="none" w="med" len="med"/>
-                    </a:lnB>
-                  </a:tcPr>
-                </a:tc>
-                <a:tc>
-                  <a:txBody>
-                    <a:bodyPr/>
-                    <a:lstStyle/>
-                    <a:p>
-                      <a:endParaRPr lang="it-IT"/>
-                    </a:p>
-                  </a:txBody>
-                  <a:tcPr>
-                    <a:lnB w="12700" cap="flat" cmpd="sng" algn="ctr">
-                      <a:solidFill>
-                        <a:schemeClr val="tx1"/>
-                      </a:solidFill>
-                      <a:prstDash val="solid"/>
-                      <a:round/>
-                      <a:headEnd type="none" w="med" len="med"/>
-                      <a:tailEnd type="none" w="med" len="med"/>
-                    </a:lnB>
-                    <a:solidFill>
-                      <a:schemeClr val="bg1"/>
-                    </a:solidFill>
-                  </a:tcPr>
-                </a:tc>
-                <a:tc>
-                  <a:txBody>
-                    <a:bodyPr/>
-                    <a:lstStyle/>
-                    <a:p>
-                      <a:endParaRPr lang="it-IT"/>
-                    </a:p>
-                  </a:txBody>
-                  <a:tcPr>
-                    <a:lnB w="12700" cap="flat" cmpd="sng" algn="ctr">
-                      <a:solidFill>
-                        <a:schemeClr val="tx1"/>
-                      </a:solidFill>
-                      <a:prstDash val="solid"/>
-                      <a:round/>
-                      <a:headEnd type="none" w="med" len="med"/>
-                      <a:tailEnd type="none" w="med" len="med"/>
-                    </a:lnB>
-                    <a:solidFill>
-                      <a:schemeClr val="bg1">
-                        <a:alpha val="20000"/>
-                      </a:schemeClr>
-                    </a:solidFill>
-                  </a:tcPr>
-                </a:tc>
-                <a:tc>
-                  <a:txBody>
-                    <a:bodyPr/>
-                    <a:lstStyle/>
-                    <a:p>
-                      <a:pPr algn="ctr">
-                        <a:lnSpc>
-                          <a:spcPct val="150000"/>
-                        </a:lnSpc>
-                      </a:pPr>
-                      <a:r>
-                        <a:rPr lang="it-IT" sz="1100" u="sng">
-                          <a:latin typeface="Bahnschrift SemiBold SemiConden" panose="020B0502040204020203" pitchFamily="34" charset="0"/>
-                        </a:rPr>
-                        <a:t>with standardization</a:t>
-                      </a:r>
-                    </a:p>
-                  </a:txBody>
-                  <a:tcPr>
-                    <a:lnR w="12700" cap="flat" cmpd="sng" algn="ctr">
-                      <a:solidFill>
-                        <a:schemeClr val="tx1"/>
-                      </a:solidFill>
-                      <a:prstDash val="solid"/>
-                      <a:round/>
-                      <a:headEnd type="none" w="med" len="med"/>
-                      <a:tailEnd type="none" w="med" len="med"/>
-                    </a:lnR>
-                    <a:lnB w="12700" cap="flat" cmpd="sng" algn="ctr">
-                      <a:solidFill>
-                        <a:schemeClr val="tx1"/>
-                      </a:solidFill>
-                      <a:prstDash val="solid"/>
-                      <a:round/>
-                      <a:headEnd type="none" w="med" len="med"/>
-                      <a:tailEnd type="none" w="med" len="med"/>
-                    </a:lnB>
-                  </a:tcPr>
-                </a:tc>
-                <a:tc>
-                  <a:txBody>
-                    <a:bodyPr/>
-                    <a:lstStyle/>
-                    <a:p>
-                      <a:pPr algn="ctr">
-                        <a:lnSpc>
-                          <a:spcPct val="150000"/>
-                        </a:lnSpc>
-                      </a:pPr>
-                      <a:r>
-                        <a:rPr lang="it-IT" sz="1100" u="sng">
-                          <a:latin typeface="Bahnschrift SemiBold SemiConden" panose="020B0502040204020203" pitchFamily="34" charset="0"/>
-                        </a:rPr>
-                        <a:t>w/out standardize</a:t>
-                      </a:r>
-                    </a:p>
-                  </a:txBody>
-                  <a:tcPr>
-                    <a:lnL w="12700" cap="flat" cmpd="sng" algn="ctr">
-                      <a:solidFill>
-                        <a:schemeClr val="tx1"/>
-                      </a:solidFill>
-                      <a:prstDash val="solid"/>
-                      <a:round/>
-                      <a:headEnd type="none" w="med" len="med"/>
-                      <a:tailEnd type="none" w="med" len="med"/>
-                    </a:lnL>
-                    <a:lnB w="12700" cap="flat" cmpd="sng" algn="ctr">
-                      <a:solidFill>
-                        <a:schemeClr val="tx1"/>
-                      </a:solidFill>
-                      <a:prstDash val="solid"/>
-                      <a:round/>
-                      <a:headEnd type="none" w="med" len="med"/>
-                      <a:tailEnd type="none" w="med" len="med"/>
-                    </a:lnB>
-                  </a:tcPr>
-                </a:tc>
-                <a:extLst>
-                  <a:ext uri="{0D108BD9-81ED-4DB2-BD59-A6C34878D82A}">
-                    <a16:rowId xmlns:a16="http://schemas.microsoft.com/office/drawing/2014/main" val="1365004327"/>
-                  </a:ext>
-                </a:extLst>
-              </a:tr>
-              <a:tr h="370840">
-                <a:tc>
-                  <a:txBody>
-                    <a:bodyPr/>
-                    <a:lstStyle/>
-                    <a:p>
-                      <a:r>
-                        <a:rPr lang="it-IT">
-                          <a:latin typeface="Bahnschrift SemiBold SemiConden" panose="020B0502040204020203" pitchFamily="34" charset="0"/>
-                        </a:rPr>
-                        <a:t>Logistic Regression</a:t>
-                      </a:r>
-                    </a:p>
-                  </a:txBody>
-                  <a:tcPr>
-                    <a:lnR w="12700" cap="flat" cmpd="sng" algn="ctr">
-                      <a:solidFill>
-                        <a:schemeClr val="tx1"/>
-                      </a:solidFill>
-                      <a:prstDash val="solid"/>
-                      <a:round/>
-                      <a:headEnd type="none" w="med" len="med"/>
-                      <a:tailEnd type="none" w="med" len="med"/>
-                    </a:lnR>
-                    <a:lnT w="12700" cap="flat" cmpd="sng" algn="ctr">
-                      <a:solidFill>
-                        <a:schemeClr val="tx1"/>
-                      </a:solidFill>
-                      <a:prstDash val="solid"/>
-                      <a:round/>
-                      <a:headEnd type="none" w="med" len="med"/>
-                      <a:tailEnd type="none" w="med" len="med"/>
-                    </a:lnT>
-                  </a:tcPr>
-                </a:tc>
-                <a:tc>
-                  <a:txBody>
-                    <a:bodyPr/>
-                    <a:lstStyle/>
-                    <a:p>
-                      <a:pPr algn="ctr"/>
-                      <a:r>
-                        <a:rPr lang="it-IT" sz="1800" b="0" i="0" kern="1200">
-                          <a:solidFill>
-                            <a:schemeClr val="tx1"/>
-                          </a:solidFill>
-                          <a:effectLst/>
-                          <a:latin typeface="Avenir Next LT Pro" panose="020B0504020202020204" pitchFamily="34" charset="0"/>
-                          <a:ea typeface="+mn-ea"/>
-                          <a:cs typeface="+mn-cs"/>
-                        </a:rPr>
-                        <a:t>0.832</a:t>
-                      </a:r>
-                      <a:endParaRPr lang="it-IT">
-                        <a:latin typeface="Avenir Next LT Pro" panose="020B0504020202020204" pitchFamily="34" charset="0"/>
-                      </a:endParaRPr>
-                    </a:p>
-                  </a:txBody>
-                  <a:tcPr>
-                    <a:lnL w="12700" cap="flat" cmpd="sng" algn="ctr">
-                      <a:solidFill>
-                        <a:schemeClr val="tx1"/>
-                      </a:solidFill>
-                      <a:prstDash val="solid"/>
-                      <a:round/>
-                      <a:headEnd type="none" w="med" len="med"/>
-                      <a:tailEnd type="none" w="med" len="med"/>
-                    </a:lnL>
-                    <a:lnR w="12700" cap="flat" cmpd="sng" algn="ctr">
-                      <a:solidFill>
-                        <a:schemeClr val="tx1"/>
-                      </a:solidFill>
-                      <a:prstDash val="solid"/>
-                      <a:round/>
-                      <a:headEnd type="none" w="med" len="med"/>
-                      <a:tailEnd type="none" w="med" len="med"/>
-                    </a:lnR>
-                    <a:lnT w="12700" cap="flat" cmpd="sng" algn="ctr">
-                      <a:solidFill>
-                        <a:schemeClr val="tx1"/>
-                      </a:solidFill>
-                      <a:prstDash val="solid"/>
-                      <a:round/>
-                      <a:headEnd type="none" w="med" len="med"/>
-                      <a:tailEnd type="none" w="med" len="med"/>
-                    </a:lnT>
-                  </a:tcPr>
-                </a:tc>
-                <a:tc>
-                  <a:txBody>
-                    <a:bodyPr/>
-                    <a:lstStyle/>
-                    <a:p>
-                      <a:pPr algn="ctr"/>
-                      <a:r>
-                        <a:rPr lang="it-IT" b="1">
+                        <a:rPr lang="it-IT" sz="1200">
                           <a:latin typeface="Avenir Next LT Pro" panose="020B0504020202020204" pitchFamily="34" charset="0"/>
                         </a:rPr>
-                        <a:t>0.834</a:t>
-                      </a:r>
-                    </a:p>
-                  </a:txBody>
-                  <a:tcPr>
-                    <a:lnL w="12700" cap="flat" cmpd="sng" algn="ctr">
-                      <a:solidFill>
-                        <a:schemeClr val="tx1"/>
-                      </a:solidFill>
-                      <a:prstDash val="solid"/>
-                      <a:round/>
-                      <a:headEnd type="none" w="med" len="med"/>
-                      <a:tailEnd type="none" w="med" len="med"/>
-                    </a:lnL>
-                    <a:lnR w="12700" cap="flat" cmpd="sng" algn="ctr">
-                      <a:solidFill>
-                        <a:schemeClr val="tx1"/>
-                      </a:solidFill>
-                      <a:prstDash val="solid"/>
-                      <a:round/>
-                      <a:headEnd type="none" w="med" len="med"/>
-                      <a:tailEnd type="none" w="med" len="med"/>
-                    </a:lnR>
-                    <a:lnT w="12700" cap="flat" cmpd="sng" algn="ctr">
-                      <a:solidFill>
-                        <a:schemeClr val="tx1"/>
-                      </a:solidFill>
-                      <a:prstDash val="solid"/>
-                      <a:round/>
-                      <a:headEnd type="none" w="med" len="med"/>
-                      <a:tailEnd type="none" w="med" len="med"/>
-                    </a:lnT>
-                  </a:tcPr>
-                </a:tc>
-                <a:tc>
-                  <a:txBody>
-                    <a:bodyPr/>
-                    <a:lstStyle/>
-                    <a:p>
-                      <a:pPr algn="ctr"/>
-                      <a:endParaRPr lang="it-IT"/>
-                    </a:p>
-                  </a:txBody>
-                  <a:tcPr>
-                    <a:lnL w="12700" cap="flat" cmpd="sng" algn="ctr">
-                      <a:solidFill>
-                        <a:schemeClr val="tx1"/>
-                      </a:solidFill>
-                      <a:prstDash val="solid"/>
-                      <a:round/>
-                      <a:headEnd type="none" w="med" len="med"/>
-                      <a:tailEnd type="none" w="med" len="med"/>
-                    </a:lnL>
-                    <a:lnR w="12700" cap="flat" cmpd="sng" algn="ctr">
-                      <a:solidFill>
-                        <a:schemeClr val="tx1"/>
-                      </a:solidFill>
-                      <a:prstDash val="solid"/>
-                      <a:round/>
-                      <a:headEnd type="none" w="med" len="med"/>
-                      <a:tailEnd type="none" w="med" len="med"/>
-                    </a:lnR>
-                    <a:lnT w="12700" cap="flat" cmpd="sng" algn="ctr">
-                      <a:solidFill>
-                        <a:schemeClr val="tx1"/>
-                      </a:solidFill>
-                      <a:prstDash val="solid"/>
-                      <a:round/>
-                      <a:headEnd type="none" w="med" len="med"/>
-                      <a:tailEnd type="none" w="med" len="med"/>
-                    </a:lnT>
-                  </a:tcPr>
-                </a:tc>
-                <a:tc>
-                  <a:txBody>
-                    <a:bodyPr/>
-                    <a:lstStyle/>
-                    <a:p>
-                      <a:pPr algn="ctr"/>
-                      <a:r>
-                        <a:rPr lang="it-IT" sz="1800" b="0" i="0" kern="1200">
-                          <a:solidFill>
-                            <a:schemeClr val="tx1"/>
-                          </a:solidFill>
-                          <a:effectLst/>
-                          <a:latin typeface="Avenir Next LT Pro" panose="020B0504020202020204" pitchFamily="34" charset="0"/>
-                          <a:ea typeface="+mn-ea"/>
-                          <a:cs typeface="+mn-cs"/>
-                        </a:rPr>
-                        <a:t>0.800</a:t>
-                      </a:r>
-                      <a:endParaRPr lang="it-IT">
-                        <a:latin typeface="Avenir Next LT Pro" panose="020B0504020202020204" pitchFamily="34" charset="0"/>
-                      </a:endParaRPr>
-                    </a:p>
-                  </a:txBody>
-                  <a:tcPr>
-                    <a:lnL w="12700" cap="flat" cmpd="sng" algn="ctr">
-                      <a:solidFill>
-                        <a:schemeClr val="tx1"/>
-                      </a:solidFill>
-                      <a:prstDash val="solid"/>
-                      <a:round/>
-                      <a:headEnd type="none" w="med" len="med"/>
-                      <a:tailEnd type="none" w="med" len="med"/>
-                    </a:lnL>
-                    <a:lnR w="12700" cap="flat" cmpd="sng" algn="ctr">
-                      <a:solidFill>
-                        <a:schemeClr val="tx1"/>
-                      </a:solidFill>
-                      <a:prstDash val="solid"/>
-                      <a:round/>
-                      <a:headEnd type="none" w="med" len="med"/>
-                      <a:tailEnd type="none" w="med" len="med"/>
-                    </a:lnR>
-                    <a:lnT w="12700" cap="flat" cmpd="sng" algn="ctr">
-                      <a:solidFill>
-                        <a:schemeClr val="tx1"/>
-                      </a:solidFill>
-                      <a:prstDash val="solid"/>
-                      <a:round/>
-                      <a:headEnd type="none" w="med" len="med"/>
-                      <a:tailEnd type="none" w="med" len="med"/>
-                    </a:lnT>
-                  </a:tcPr>
-                </a:tc>
-                <a:tc>
-                  <a:txBody>
-                    <a:bodyPr/>
-                    <a:lstStyle/>
-                    <a:p>
-                      <a:pPr algn="ctr"/>
-                      <a:r>
-                        <a:rPr lang="it-IT">
-                          <a:latin typeface="Avenir Next LT Pro" panose="020B0504020202020204" pitchFamily="34" charset="0"/>
-                        </a:rPr>
-                        <a:t>0.824</a:t>
-                      </a:r>
-                    </a:p>
-                  </a:txBody>
-                  <a:tcPr>
-                    <a:lnL w="12700" cap="flat" cmpd="sng" algn="ctr">
-                      <a:solidFill>
-                        <a:schemeClr val="tx1"/>
-                      </a:solidFill>
-                      <a:prstDash val="solid"/>
-                      <a:round/>
-                      <a:headEnd type="none" w="med" len="med"/>
-                      <a:tailEnd type="none" w="med" len="med"/>
-                    </a:lnL>
-                    <a:lnR w="12700" cap="flat" cmpd="sng" algn="ctr">
-                      <a:solidFill>
-                        <a:schemeClr val="tx1"/>
-                      </a:solidFill>
-                      <a:prstDash val="solid"/>
-                      <a:round/>
-                      <a:headEnd type="none" w="med" len="med"/>
-                      <a:tailEnd type="none" w="med" len="med"/>
-                    </a:lnR>
-                    <a:lnT w="12700" cap="flat" cmpd="sng" algn="ctr">
-                      <a:solidFill>
-                        <a:schemeClr val="tx1"/>
-                      </a:solidFill>
-                      <a:prstDash val="solid"/>
-                      <a:round/>
-                      <a:headEnd type="none" w="med" len="med"/>
-                      <a:tailEnd type="none" w="med" len="med"/>
-                    </a:lnT>
-                  </a:tcPr>
-                </a:tc>
-                <a:tc>
-                  <a:txBody>
-                    <a:bodyPr/>
-                    <a:lstStyle/>
-                    <a:p>
-                      <a:pPr algn="ctr"/>
-                      <a:r>
-                        <a:rPr lang="it-IT">
-                          <a:latin typeface="Avenir Next LT Pro" panose="020B0504020202020204" pitchFamily="34" charset="0"/>
-                        </a:rPr>
-                        <a:t>0.824</a:t>
-                      </a:r>
-                    </a:p>
-                  </a:txBody>
-                  <a:tcPr>
-                    <a:lnL w="12700" cap="flat" cmpd="sng" algn="ctr">
-                      <a:solidFill>
-                        <a:schemeClr val="tx1"/>
-                      </a:solidFill>
-                      <a:prstDash val="solid"/>
-                      <a:round/>
-                      <a:headEnd type="none" w="med" len="med"/>
-                      <a:tailEnd type="none" w="med" len="med"/>
-                    </a:lnL>
-                    <a:lnT w="12700" cap="flat" cmpd="sng" algn="ctr">
-                      <a:solidFill>
-                        <a:schemeClr val="tx1"/>
-                      </a:solidFill>
-                      <a:prstDash val="solid"/>
-                      <a:round/>
-                      <a:headEnd type="none" w="med" len="med"/>
-                      <a:tailEnd type="none" w="med" len="med"/>
-                    </a:lnT>
-                  </a:tcPr>
-                </a:tc>
-                <a:extLst>
-                  <a:ext uri="{0D108BD9-81ED-4DB2-BD59-A6C34878D82A}">
-                    <a16:rowId xmlns:a16="http://schemas.microsoft.com/office/drawing/2014/main" val="2532579262"/>
-                  </a:ext>
-                </a:extLst>
-              </a:tr>
-              <a:tr h="370840">
-                <a:tc>
-                  <a:txBody>
-                    <a:bodyPr/>
-                    <a:lstStyle/>
-                    <a:p>
-                      <a:r>
-                        <a:rPr lang="it-IT">
-                          <a:latin typeface="Bahnschrift SemiBold SemiConden" panose="020B0502040204020203" pitchFamily="34" charset="0"/>
-                        </a:rPr>
-                        <a:t>Decision Tree</a:t>
-                      </a:r>
-                    </a:p>
-                  </a:txBody>
-                  <a:tcPr>
-                    <a:lnR w="12700" cap="flat" cmpd="sng" algn="ctr">
-                      <a:solidFill>
-                        <a:schemeClr val="tx1"/>
-                      </a:solidFill>
-                      <a:prstDash val="solid"/>
-                      <a:round/>
-                      <a:headEnd type="none" w="med" len="med"/>
-                      <a:tailEnd type="none" w="med" len="med"/>
-                    </a:lnR>
-                  </a:tcPr>
-                </a:tc>
-                <a:tc>
-                  <a:txBody>
-                    <a:bodyPr/>
-                    <a:lstStyle/>
-                    <a:p>
-                      <a:pPr marL="0" marR="0" lvl="0" indent="0" algn="ctr" defTabSz="457200" rtl="0" eaLnBrk="1" fontAlgn="auto" latinLnBrk="0" hangingPunct="1">
-                        <a:lnSpc>
-                          <a:spcPct val="100000"/>
-                        </a:lnSpc>
-                        <a:spcBef>
-                          <a:spcPts val="0"/>
-                        </a:spcBef>
-                        <a:spcAft>
-                          <a:spcPts val="0"/>
-                        </a:spcAft>
-                        <a:buClrTx/>
-                        <a:buSzTx/>
-                        <a:buFontTx/>
-                        <a:buNone/>
-                        <a:tabLst/>
-                        <a:defRPr/>
-                      </a:pPr>
-                      <a:r>
-                        <a:rPr lang="it-IT">
-                          <a:latin typeface="Avenir Next LT Pro" panose="020B0504020202020204" pitchFamily="34" charset="0"/>
-                        </a:rPr>
-                        <a:t>0.428</a:t>
+                        <a:t>(?)</a:t>
                       </a:r>
                     </a:p>
                   </a:txBody>
@@ -34922,10 +34481,107 @@
                     <a:p>
                       <a:pPr algn="ctr"/>
                       <a:r>
-                        <a:rPr lang="it-IT">
+                        <a:rPr lang="it-IT" sz="1200" b="0" i="0" kern="1200">
+                          <a:solidFill>
+                            <a:schemeClr val="tx1"/>
+                          </a:solidFill>
+                          <a:effectLst/>
+                          <a:latin typeface="Avenir Next LT Pro" panose="020B0504020202020204" pitchFamily="34" charset="0"/>
+                          <a:ea typeface="+mn-ea"/>
+                          <a:cs typeface="+mn-cs"/>
+                        </a:rPr>
+                        <a:t>0.7074</a:t>
+                      </a:r>
+                    </a:p>
+                    <a:p>
+                      <a:pPr algn="ctr"/>
+                      <a:r>
+                        <a:rPr lang="it-IT" sz="1200" b="0" i="0" kern="1200">
+                          <a:solidFill>
+                            <a:schemeClr val="tx1"/>
+                          </a:solidFill>
+                          <a:effectLst/>
+                          <a:latin typeface="Avenir Next LT Pro" panose="020B0504020202020204" pitchFamily="34" charset="0"/>
+                          <a:ea typeface="+mn-ea"/>
+                          <a:cs typeface="+mn-cs"/>
+                        </a:rPr>
+                        <a:t>(?)</a:t>
+                      </a:r>
+                      <a:endParaRPr lang="it-IT" sz="1200">
+                        <a:latin typeface="Avenir Next LT Pro" panose="020B0504020202020204" pitchFamily="34" charset="0"/>
+                      </a:endParaRPr>
+                    </a:p>
+                  </a:txBody>
+                  <a:tcPr>
+                    <a:lnL w="12700" cap="flat" cmpd="sng" algn="ctr">
+                      <a:solidFill>
+                        <a:schemeClr val="tx1"/>
+                      </a:solidFill>
+                      <a:prstDash val="solid"/>
+                      <a:round/>
+                      <a:headEnd type="none" w="med" len="med"/>
+                      <a:tailEnd type="none" w="med" len="med"/>
+                    </a:lnL>
+                    <a:lnR w="12700" cap="flat" cmpd="sng" algn="ctr">
+                      <a:solidFill>
+                        <a:schemeClr val="tx1"/>
+                      </a:solidFill>
+                      <a:prstDash val="solid"/>
+                      <a:round/>
+                      <a:headEnd type="none" w="med" len="med"/>
+                      <a:tailEnd type="none" w="med" len="med"/>
+                    </a:lnR>
+                  </a:tcPr>
+                </a:tc>
+                <a:extLst>
+                  <a:ext uri="{0D108BD9-81ED-4DB2-BD59-A6C34878D82A}">
+                    <a16:rowId xmlns:a16="http://schemas.microsoft.com/office/drawing/2014/main" val="3341464040"/>
+                  </a:ext>
+                </a:extLst>
+              </a:tr>
+              <a:tr h="370840">
+                <a:tc>
+                  <a:txBody>
+                    <a:bodyPr/>
+                    <a:lstStyle/>
+                    <a:p>
+                      <a:r>
+                        <a:rPr lang="it-IT" sz="1400">
+                          <a:latin typeface="Bahnschrift SemiBold SemiConden" panose="020B0502040204020203" pitchFamily="34" charset="0"/>
+                        </a:rPr>
+                        <a:t>Random Forest</a:t>
+                      </a:r>
+                    </a:p>
+                  </a:txBody>
+                  <a:tcPr>
+                    <a:lnR w="12700" cap="flat" cmpd="sng" algn="ctr">
+                      <a:solidFill>
+                        <a:schemeClr val="tx1"/>
+                      </a:solidFill>
+                      <a:prstDash val="solid"/>
+                      <a:round/>
+                      <a:headEnd type="none" w="med" len="med"/>
+                      <a:tailEnd type="none" w="med" len="med"/>
+                    </a:lnR>
+                  </a:tcPr>
+                </a:tc>
+                <a:tc>
+                  <a:txBody>
+                    <a:bodyPr/>
+                    <a:lstStyle/>
+                    <a:p>
+                      <a:pPr algn="ctr"/>
+                      <a:endParaRPr lang="it-IT" sz="1200">
+                        <a:latin typeface="Avenir Next LT Pro" panose="020B0504020202020204" pitchFamily="34" charset="0"/>
+                      </a:endParaRPr>
+                    </a:p>
+                    <a:p>
+                      <a:pPr algn="ctr"/>
+                      <a:r>
+                        <a:rPr lang="it-IT" sz="1200">
                           <a:latin typeface="Avenir Next LT Pro" panose="020B0504020202020204" pitchFamily="34" charset="0"/>
                         </a:rPr>
-                        <a:t>0.428</a:t>
+                        <a:t>(?)</a:t>
                       </a:r>
                     </a:p>
                   </a:txBody>
@@ -34956,9 +34612,18 @@
                     <a:lstStyle/>
                     <a:p>
                       <a:pPr algn="ctr"/>
-                      <a:endParaRPr lang="it-IT">
+                      <a:endParaRPr lang="it-IT" sz="1200">
                         <a:latin typeface="Avenir Next LT Pro" panose="020B0504020202020204" pitchFamily="34" charset="0"/>
                       </a:endParaRPr>
+                    </a:p>
+                    <a:p>
+                      <a:pPr algn="ctr"/>
+                      <a:r>
+                        <a:rPr lang="it-IT" sz="1200">
+                          <a:latin typeface="Avenir Next LT Pro" panose="020B0504020202020204" pitchFamily="34" charset="0"/>
+                        </a:rPr>
+                        <a:t>(?)</a:t>
+                      </a:r>
                     </a:p>
                   </a:txBody>
                   <a:tcPr>
@@ -34988,21 +34653,18 @@
                     <a:lstStyle/>
                     <a:p>
                       <a:pPr algn="ctr"/>
-                      <a:r>
-                        <a:rPr lang="it-IT" sz="1800" b="0" i="0" kern="1200">
-                          <a:solidFill>
-                            <a:schemeClr val="tx1"/>
-                          </a:solidFill>
-                          <a:effectLst/>
-                          <a:latin typeface="Avenir Next LT Pro" panose="020B0504020202020204" pitchFamily="34" charset="0"/>
-                          <a:ea typeface="+mn-ea"/>
-                          <a:cs typeface="+mn-cs"/>
-                        </a:rPr>
-                        <a:t>0.7074</a:t>
-                      </a:r>
-                      <a:endParaRPr lang="it-IT">
+                      <a:endParaRPr lang="it-IT" sz="1200">
                         <a:latin typeface="Avenir Next LT Pro" panose="020B0504020202020204" pitchFamily="34" charset="0"/>
                       </a:endParaRPr>
+                    </a:p>
+                    <a:p>
+                      <a:pPr algn="ctr"/>
+                      <a:r>
+                        <a:rPr lang="it-IT" sz="1200">
+                          <a:latin typeface="Avenir Next LT Pro" panose="020B0504020202020204" pitchFamily="34" charset="0"/>
+                        </a:rPr>
+                        <a:t>(?)</a:t>
+                      </a:r>
                     </a:p>
                   </a:txBody>
                   <a:tcPr>
@@ -35032,9 +34694,18 @@
                     <a:lstStyle/>
                     <a:p>
                       <a:pPr algn="ctr"/>
-                      <a:endParaRPr lang="it-IT">
+                      <a:endParaRPr lang="it-IT" sz="1200">
                         <a:latin typeface="Avenir Next LT Pro" panose="020B0504020202020204" pitchFamily="34" charset="0"/>
                       </a:endParaRPr>
+                    </a:p>
+                    <a:p>
+                      <a:pPr algn="ctr"/>
+                      <a:r>
+                        <a:rPr lang="it-IT" sz="1200">
+                          <a:latin typeface="Avenir Next LT Pro" panose="020B0504020202020204" pitchFamily="34" charset="0"/>
+                        </a:rPr>
+                        <a:t>(?)</a:t>
+                      </a:r>
                     </a:p>
                   </a:txBody>
                   <a:tcPr>
@@ -35056,244 +34727,6 @@
                       <a:headEnd type="none" w="med" len="med"/>
                       <a:tailEnd type="none" w="med" len="med"/>
                     </a:lnR>
-                  </a:tcPr>
-                </a:tc>
-                <a:tc>
-                  <a:txBody>
-                    <a:bodyPr/>
-                    <a:lstStyle/>
-                    <a:p>
-                      <a:pPr algn="ctr"/>
-                      <a:endParaRPr lang="it-IT">
-                        <a:latin typeface="Avenir Next LT Pro" panose="020B0504020202020204" pitchFamily="34" charset="0"/>
-                      </a:endParaRPr>
-                    </a:p>
-                  </a:txBody>
-                  <a:tcPr>
-                    <a:lnL w="12700" cap="flat" cmpd="sng" algn="ctr">
-                      <a:solidFill>
-                        <a:schemeClr val="tx1"/>
-                      </a:solidFill>
-                      <a:prstDash val="solid"/>
-                      <a:round/>
-                      <a:headEnd type="none" w="med" len="med"/>
-                      <a:tailEnd type="none" w="med" len="med"/>
-                    </a:lnL>
-                  </a:tcPr>
-                </a:tc>
-                <a:extLst>
-                  <a:ext uri="{0D108BD9-81ED-4DB2-BD59-A6C34878D82A}">
-                    <a16:rowId xmlns:a16="http://schemas.microsoft.com/office/drawing/2014/main" val="3341464040"/>
-                  </a:ext>
-                </a:extLst>
-              </a:tr>
-              <a:tr h="370840">
-                <a:tc>
-                  <a:txBody>
-                    <a:bodyPr/>
-                    <a:lstStyle/>
-                    <a:p>
-                      <a:r>
-                        <a:rPr lang="it-IT">
-                          <a:latin typeface="Bahnschrift SemiBold SemiConden" panose="020B0502040204020203" pitchFamily="34" charset="0"/>
-                        </a:rPr>
-                        <a:t>Random Forest</a:t>
-                      </a:r>
-                    </a:p>
-                  </a:txBody>
-                  <a:tcPr>
-                    <a:lnR w="12700" cap="flat" cmpd="sng" algn="ctr">
-                      <a:solidFill>
-                        <a:schemeClr val="tx1"/>
-                      </a:solidFill>
-                      <a:prstDash val="solid"/>
-                      <a:round/>
-                      <a:headEnd type="none" w="med" len="med"/>
-                      <a:tailEnd type="none" w="med" len="med"/>
-                    </a:lnR>
-                  </a:tcPr>
-                </a:tc>
-                <a:tc>
-                  <a:txBody>
-                    <a:bodyPr/>
-                    <a:lstStyle/>
-                    <a:p>
-                      <a:pPr algn="ctr"/>
-                      <a:endParaRPr lang="it-IT">
-                        <a:latin typeface="Avenir Next LT Pro" panose="020B0504020202020204" pitchFamily="34" charset="0"/>
-                      </a:endParaRPr>
-                    </a:p>
-                  </a:txBody>
-                  <a:tcPr>
-                    <a:lnL w="12700" cap="flat" cmpd="sng" algn="ctr">
-                      <a:solidFill>
-                        <a:schemeClr val="tx1"/>
-                      </a:solidFill>
-                      <a:prstDash val="solid"/>
-                      <a:round/>
-                      <a:headEnd type="none" w="med" len="med"/>
-                      <a:tailEnd type="none" w="med" len="med"/>
-                    </a:lnL>
-                    <a:lnR w="12700" cap="flat" cmpd="sng" algn="ctr">
-                      <a:solidFill>
-                        <a:schemeClr val="tx1"/>
-                      </a:solidFill>
-                      <a:prstDash val="solid"/>
-                      <a:round/>
-                      <a:headEnd type="none" w="med" len="med"/>
-                      <a:tailEnd type="none" w="med" len="med"/>
-                    </a:lnR>
-                  </a:tcPr>
-                </a:tc>
-                <a:tc>
-                  <a:txBody>
-                    <a:bodyPr/>
-                    <a:lstStyle/>
-                    <a:p>
-                      <a:pPr algn="ctr"/>
-                      <a:endParaRPr lang="it-IT">
-                        <a:latin typeface="Avenir Next LT Pro" panose="020B0504020202020204" pitchFamily="34" charset="0"/>
-                      </a:endParaRPr>
-                    </a:p>
-                  </a:txBody>
-                  <a:tcPr>
-                    <a:lnL w="12700" cap="flat" cmpd="sng" algn="ctr">
-                      <a:solidFill>
-                        <a:schemeClr val="tx1"/>
-                      </a:solidFill>
-                      <a:prstDash val="solid"/>
-                      <a:round/>
-                      <a:headEnd type="none" w="med" len="med"/>
-                      <a:tailEnd type="none" w="med" len="med"/>
-                    </a:lnL>
-                    <a:lnR w="12700" cap="flat" cmpd="sng" algn="ctr">
-                      <a:solidFill>
-                        <a:schemeClr val="tx1"/>
-                      </a:solidFill>
-                      <a:prstDash val="solid"/>
-                      <a:round/>
-                      <a:headEnd type="none" w="med" len="med"/>
-                      <a:tailEnd type="none" w="med" len="med"/>
-                    </a:lnR>
-                  </a:tcPr>
-                </a:tc>
-                <a:tc>
-                  <a:txBody>
-                    <a:bodyPr/>
-                    <a:lstStyle/>
-                    <a:p>
-                      <a:pPr algn="ctr"/>
-                      <a:endParaRPr lang="it-IT">
-                        <a:latin typeface="Avenir Next LT Pro" panose="020B0504020202020204" pitchFamily="34" charset="0"/>
-                      </a:endParaRPr>
-                    </a:p>
-                  </a:txBody>
-                  <a:tcPr>
-                    <a:lnL w="12700" cap="flat" cmpd="sng" algn="ctr">
-                      <a:solidFill>
-                        <a:schemeClr val="tx1"/>
-                      </a:solidFill>
-                      <a:prstDash val="solid"/>
-                      <a:round/>
-                      <a:headEnd type="none" w="med" len="med"/>
-                      <a:tailEnd type="none" w="med" len="med"/>
-                    </a:lnL>
-                    <a:lnR w="12700" cap="flat" cmpd="sng" algn="ctr">
-                      <a:solidFill>
-                        <a:schemeClr val="tx1"/>
-                      </a:solidFill>
-                      <a:prstDash val="solid"/>
-                      <a:round/>
-                      <a:headEnd type="none" w="med" len="med"/>
-                      <a:tailEnd type="none" w="med" len="med"/>
-                    </a:lnR>
-                  </a:tcPr>
-                </a:tc>
-                <a:tc>
-                  <a:txBody>
-                    <a:bodyPr/>
-                    <a:lstStyle/>
-                    <a:p>
-                      <a:pPr algn="ctr"/>
-                      <a:endParaRPr lang="it-IT">
-                        <a:latin typeface="Avenir Next LT Pro" panose="020B0504020202020204" pitchFamily="34" charset="0"/>
-                      </a:endParaRPr>
-                    </a:p>
-                  </a:txBody>
-                  <a:tcPr>
-                    <a:lnL w="12700" cap="flat" cmpd="sng" algn="ctr">
-                      <a:solidFill>
-                        <a:schemeClr val="tx1"/>
-                      </a:solidFill>
-                      <a:prstDash val="solid"/>
-                      <a:round/>
-                      <a:headEnd type="none" w="med" len="med"/>
-                      <a:tailEnd type="none" w="med" len="med"/>
-                    </a:lnL>
-                    <a:lnR w="12700" cap="flat" cmpd="sng" algn="ctr">
-                      <a:solidFill>
-                        <a:schemeClr val="tx1"/>
-                      </a:solidFill>
-                      <a:prstDash val="solid"/>
-                      <a:round/>
-                      <a:headEnd type="none" w="med" len="med"/>
-                      <a:tailEnd type="none" w="med" len="med"/>
-                    </a:lnR>
-                  </a:tcPr>
-                </a:tc>
-                <a:tc>
-                  <a:txBody>
-                    <a:bodyPr/>
-                    <a:lstStyle/>
-                    <a:p>
-                      <a:pPr algn="ctr"/>
-                      <a:endParaRPr lang="it-IT">
-                        <a:latin typeface="Avenir Next LT Pro" panose="020B0504020202020204" pitchFamily="34" charset="0"/>
-                      </a:endParaRPr>
-                    </a:p>
-                  </a:txBody>
-                  <a:tcPr>
-                    <a:lnL w="12700" cap="flat" cmpd="sng" algn="ctr">
-                      <a:solidFill>
-                        <a:schemeClr val="tx1"/>
-                      </a:solidFill>
-                      <a:prstDash val="solid"/>
-                      <a:round/>
-                      <a:headEnd type="none" w="med" len="med"/>
-                      <a:tailEnd type="none" w="med" len="med"/>
-                    </a:lnL>
-                    <a:lnR w="12700" cap="flat" cmpd="sng" algn="ctr">
-                      <a:solidFill>
-                        <a:schemeClr val="tx1"/>
-                      </a:solidFill>
-                      <a:prstDash val="solid"/>
-                      <a:round/>
-                      <a:headEnd type="none" w="med" len="med"/>
-                      <a:tailEnd type="none" w="med" len="med"/>
-                    </a:lnR>
-                  </a:tcPr>
-                </a:tc>
-                <a:tc>
-                  <a:txBody>
-                    <a:bodyPr/>
-                    <a:lstStyle/>
-                    <a:p>
-                      <a:pPr algn="ctr"/>
-                      <a:endParaRPr lang="it-IT">
-                        <a:latin typeface="Avenir Next LT Pro" panose="020B0504020202020204" pitchFamily="34" charset="0"/>
-                      </a:endParaRPr>
-                    </a:p>
-                  </a:txBody>
-                  <a:tcPr>
-                    <a:lnL w="12700" cap="flat" cmpd="sng" algn="ctr">
-                      <a:solidFill>
-                        <a:schemeClr val="tx1"/>
-                      </a:solidFill>
-                      <a:prstDash val="solid"/>
-                      <a:round/>
-                      <a:headEnd type="none" w="med" len="med"/>
-                      <a:tailEnd type="none" w="med" len="med"/>
-                    </a:lnL>
                   </a:tcPr>
                 </a:tc>
                 <a:extLst>
@@ -35320,7 +34753,7 @@
         </p:nvSpPr>
         <p:spPr>
           <a:xfrm>
-            <a:off x="769650" y="4594163"/>
+            <a:off x="1997383" y="4620045"/>
             <a:ext cx="1799112" cy="461665"/>
           </a:xfrm>
           <a:prstGeom prst="rect">
@@ -35562,14 +34995,14 @@
           <p:nvPr>
             <p:extLst>
               <p:ext uri="{D42A27DB-BD31-4B8C-83A1-F6EECF244321}">
-                <p14:modId xmlns:p14="http://schemas.microsoft.com/office/powerpoint/2010/main" val="2125628200"/>
+                <p14:modId xmlns:p14="http://schemas.microsoft.com/office/powerpoint/2010/main" val="2890454255"/>
               </p:ext>
             </p:extLst>
           </p:nvPr>
         </p:nvGraphicFramePr>
         <p:xfrm>
-          <a:off x="694061" y="2174042"/>
-          <a:ext cx="10551283" cy="1844040"/>
+          <a:off x="1864426" y="2075417"/>
+          <a:ext cx="8463803" cy="2194560"/>
         </p:xfrm>
         <a:graphic>
           <a:graphicData uri="http://schemas.openxmlformats.org/drawingml/2006/table">
@@ -35578,52 +35011,38 @@
                 <a:tableStyleId>{3B4B98B0-60AC-42C2-AFA5-B58CD77FA1E5}</a:tableStyleId>
               </a:tblPr>
               <a:tblGrid>
-                <a:gridCol w="1957828">
+                <a:gridCol w="2113808">
                   <a:extLst>
                     <a:ext uri="{9D8B030D-6E8A-4147-A177-3AD203B41FA5}">
                       <a16:colId xmlns:a16="http://schemas.microsoft.com/office/drawing/2014/main" val="396372187"/>
                     </a:ext>
                   </a:extLst>
                 </a:gridCol>
-                <a:gridCol w="1306286">
+                <a:gridCol w="1431399">
                   <a:extLst>
                     <a:ext uri="{9D8B030D-6E8A-4147-A177-3AD203B41FA5}">
                       <a16:colId xmlns:a16="http://schemas.microsoft.com/office/drawing/2014/main" val="1229565216"/>
                     </a:ext>
                   </a:extLst>
                 </a:gridCol>
-                <a:gridCol w="1240971">
+                <a:gridCol w="1352116">
                   <a:extLst>
                     <a:ext uri="{9D8B030D-6E8A-4147-A177-3AD203B41FA5}">
                       <a16:colId xmlns:a16="http://schemas.microsoft.com/office/drawing/2014/main" val="3000570086"/>
                     </a:ext>
                   </a:extLst>
                 </a:gridCol>
-                <a:gridCol w="1561606">
+                <a:gridCol w="1701468">
                   <a:extLst>
                     <a:ext uri="{9D8B030D-6E8A-4147-A177-3AD203B41FA5}">
                       <a16:colId xmlns:a16="http://schemas.microsoft.com/office/drawing/2014/main" val="2527479792"/>
                     </a:ext>
                   </a:extLst>
                 </a:gridCol>
-                <a:gridCol w="1711707">
+                <a:gridCol w="1865012">
                   <a:extLst>
                     <a:ext uri="{9D8B030D-6E8A-4147-A177-3AD203B41FA5}">
                       <a16:colId xmlns:a16="http://schemas.microsoft.com/office/drawing/2014/main" val="1832342877"/>
-                    </a:ext>
-                  </a:extLst>
-                </a:gridCol>
-                <a:gridCol w="1442852">
-                  <a:extLst>
-                    <a:ext uri="{9D8B030D-6E8A-4147-A177-3AD203B41FA5}">
-                      <a16:colId xmlns:a16="http://schemas.microsoft.com/office/drawing/2014/main" val="455619855"/>
-                    </a:ext>
-                  </a:extLst>
-                </a:gridCol>
-                <a:gridCol w="1330033">
-                  <a:extLst>
-                    <a:ext uri="{9D8B030D-6E8A-4147-A177-3AD203B41FA5}">
-                      <a16:colId xmlns:a16="http://schemas.microsoft.com/office/drawing/2014/main" val="842104205"/>
                     </a:ext>
                   </a:extLst>
                 </a:gridCol>
@@ -35654,8 +35073,15 @@
                     <a:p>
                       <a:pPr algn="ctr"/>
                       <a:r>
-                        <a:rPr lang="it-IT"/>
+                        <a:rPr lang="it-IT" sz="1200"/>
                         <a:t>Numerical</a:t>
+                      </a:r>
+                    </a:p>
+                    <a:p>
+                      <a:pPr algn="ctr"/>
+                      <a:r>
+                        <a:rPr lang="it-IT" sz="1200"/>
+                        <a:t>(oversample)</a:t>
                       </a:r>
                     </a:p>
                   </a:txBody>
@@ -35678,8 +35104,15 @@
                     <a:p>
                       <a:pPr algn="ctr"/>
                       <a:r>
-                        <a:rPr lang="it-IT"/>
+                        <a:rPr lang="it-IT" sz="1200"/>
                         <a:t>All Features</a:t>
+                      </a:r>
+                    </a:p>
+                    <a:p>
+                      <a:pPr algn="ctr"/>
+                      <a:r>
+                        <a:rPr lang="it-IT" sz="1200"/>
+                        <a:t>(oversample)</a:t>
                       </a:r>
                     </a:p>
                   </a:txBody>
@@ -35692,34 +35125,16 @@
                     <a:p>
                       <a:pPr algn="ctr"/>
                       <a:r>
-                        <a:rPr lang="it-IT"/>
+                        <a:rPr lang="it-IT" sz="1200"/>
                         <a:t>Categorical</a:t>
                       </a:r>
                     </a:p>
-                  </a:txBody>
-                  <a:tcPr/>
-                </a:tc>
-                <a:tc gridSpan="2">
-                  <a:txBody>
-                    <a:bodyPr/>
-                    <a:lstStyle/>
                     <a:p>
                       <a:pPr algn="ctr"/>
                       <a:r>
-                        <a:rPr lang="it-IT"/>
-                        <a:t>Mix</a:t>
+                        <a:rPr lang="it-IT" sz="1200"/>
+                        <a:t>(oversample)</a:t>
                       </a:r>
-                    </a:p>
-                  </a:txBody>
-                  <a:tcPr/>
-                </a:tc>
-                <a:tc hMerge="1">
-                  <a:txBody>
-                    <a:bodyPr/>
-                    <a:lstStyle/>
-                    <a:p>
-                      <a:pPr algn="ctr"/>
-                      <a:endParaRPr lang="it-IT"/>
                     </a:p>
                   </a:txBody>
                   <a:tcPr/>
@@ -35769,7 +35184,7 @@
                         </a:lnSpc>
                       </a:pPr>
                       <a:r>
-                        <a:rPr lang="it-IT" sz="1100" u="sng">
+                        <a:rPr lang="it-IT" sz="1000" u="sng">
                           <a:latin typeface="Bahnschrift SemiBold SemiConden" panose="020B0502040204020203" pitchFamily="34" charset="0"/>
                         </a:rPr>
                         <a:t>with standardization</a:t>
@@ -35802,13 +35217,13 @@
                     <a:bodyPr/>
                     <a:lstStyle/>
                     <a:p>
-                      <a:pPr>
+                      <a:pPr algn="ctr">
                         <a:lnSpc>
                           <a:spcPct val="150000"/>
                         </a:lnSpc>
                       </a:pPr>
                       <a:r>
-                        <a:rPr lang="it-IT" sz="1100" u="sng">
+                        <a:rPr lang="it-IT" sz="1000" u="sng">
                           <a:latin typeface="Bahnschrift SemiBold SemiConden" panose="020B0502040204020203" pitchFamily="34" charset="0"/>
                         </a:rPr>
                         <a:t>w/out standardize</a:t>
@@ -35884,84 +35299,6 @@
                     </a:solidFill>
                   </a:tcPr>
                 </a:tc>
-                <a:tc>
-                  <a:txBody>
-                    <a:bodyPr/>
-                    <a:lstStyle/>
-                    <a:p>
-                      <a:pPr algn="ctr">
-                        <a:lnSpc>
-                          <a:spcPct val="150000"/>
-                        </a:lnSpc>
-                      </a:pPr>
-                      <a:r>
-                        <a:rPr lang="it-IT" sz="1100" u="sng">
-                          <a:latin typeface="Bahnschrift SemiBold SemiConden" panose="020B0502040204020203" pitchFamily="34" charset="0"/>
-                        </a:rPr>
-                        <a:t>with standardization</a:t>
-                      </a:r>
-                    </a:p>
-                  </a:txBody>
-                  <a:tcPr>
-                    <a:lnR w="12700" cap="flat" cmpd="sng" algn="ctr">
-                      <a:solidFill>
-                        <a:schemeClr val="tx1"/>
-                      </a:solidFill>
-                      <a:prstDash val="solid"/>
-                      <a:round/>
-                      <a:headEnd type="none" w="med" len="med"/>
-                      <a:tailEnd type="none" w="med" len="med"/>
-                    </a:lnR>
-                    <a:lnB w="12700" cap="flat" cmpd="sng" algn="ctr">
-                      <a:solidFill>
-                        <a:schemeClr val="tx1"/>
-                      </a:solidFill>
-                      <a:prstDash val="solid"/>
-                      <a:round/>
-                      <a:headEnd type="none" w="med" len="med"/>
-                      <a:tailEnd type="none" w="med" len="med"/>
-                    </a:lnB>
-                  </a:tcPr>
-                </a:tc>
-                <a:tc>
-                  <a:txBody>
-                    <a:bodyPr/>
-                    <a:lstStyle/>
-                    <a:p>
-                      <a:pPr algn="ctr">
-                        <a:lnSpc>
-                          <a:spcPct val="150000"/>
-                        </a:lnSpc>
-                      </a:pPr>
-                      <a:r>
-                        <a:rPr lang="it-IT" sz="1100" u="sng">
-                          <a:latin typeface="Bahnschrift SemiBold SemiConden" panose="020B0502040204020203" pitchFamily="34" charset="0"/>
-                        </a:rPr>
-                        <a:t>w/out standardize</a:t>
-                      </a:r>
-                    </a:p>
-                  </a:txBody>
-                  <a:tcPr>
-                    <a:lnL w="12700" cap="flat" cmpd="sng" algn="ctr">
-                      <a:solidFill>
-                        <a:schemeClr val="tx1"/>
-                      </a:solidFill>
-                      <a:prstDash val="solid"/>
-                      <a:round/>
-                      <a:headEnd type="none" w="med" len="med"/>
-                      <a:tailEnd type="none" w="med" len="med"/>
-                    </a:lnL>
-                    <a:lnB w="12700" cap="flat" cmpd="sng" algn="ctr">
-                      <a:solidFill>
-                        <a:schemeClr val="tx1"/>
-                      </a:solidFill>
-                      <a:prstDash val="solid"/>
-                      <a:round/>
-                      <a:headEnd type="none" w="med" len="med"/>
-                      <a:tailEnd type="none" w="med" len="med"/>
-                    </a:lnB>
-                  </a:tcPr>
-                </a:tc>
                 <a:extLst>
                   <a:ext uri="{0D108BD9-81ED-4DB2-BD59-A6C34878D82A}">
                     <a16:rowId xmlns:a16="http://schemas.microsoft.com/office/drawing/2014/main" val="1365004327"/>
@@ -35975,14 +35312,14 @@
                     <a:lstStyle/>
                     <a:p>
                       <a:r>
-                        <a:rPr lang="it-IT">
+                        <a:rPr lang="it-IT" sz="1400">
                           <a:latin typeface="Bahnschrift SemiBold SemiConden" panose="020B0502040204020203" pitchFamily="34" charset="0"/>
                         </a:rPr>
                         <a:t>Logistic Regression</a:t>
                       </a:r>
                     </a:p>
                   </a:txBody>
-                  <a:tcPr>
+                  <a:tcPr anchor="ctr">
                     <a:lnR w="12700" cap="flat" cmpd="sng" algn="ctr">
                       <a:solidFill>
                         <a:schemeClr val="tx1"/>
@@ -36010,7 +35347,7 @@
                     <a:p>
                       <a:pPr algn="ctr"/>
                       <a:r>
-                        <a:rPr lang="it-IT" sz="1800" b="0" i="0" kern="1200">
+                        <a:rPr lang="it-IT" sz="1200" b="0" i="0" kern="1200">
                           <a:solidFill>
                             <a:schemeClr val="tx1"/>
                           </a:solidFill>
@@ -36021,7 +35358,22 @@
                         </a:rPr>
                         <a:t>0.7137</a:t>
                       </a:r>
-                      <a:endParaRPr lang="it-IT">
+                    </a:p>
+                    <a:p>
+                      <a:pPr algn="ctr"/>
+                      <a:r>
+                        <a:rPr lang="it-IT" sz="1200" b="0" i="0" kern="1200">
+                          <a:solidFill>
+                            <a:schemeClr val="tx1"/>
+                          </a:solidFill>
+                          <a:effectLst/>
+                          <a:latin typeface="Avenir Next LT Pro" panose="020B0504020202020204" pitchFamily="34" charset="0"/>
+                          <a:ea typeface="+mn-ea"/>
+                          <a:cs typeface="+mn-cs"/>
+                        </a:rPr>
+                        <a:t>(?)</a:t>
+                      </a:r>
+                      <a:endParaRPr lang="it-IT" sz="1200">
                         <a:latin typeface="Avenir Next LT Pro" panose="020B0504020202020204" pitchFamily="34" charset="0"/>
                       </a:endParaRPr>
                     </a:p>
@@ -36063,10 +35415,19 @@
                     <a:p>
                       <a:pPr algn="ctr"/>
                       <a:r>
-                        <a:rPr lang="it-IT" b="1">
+                        <a:rPr lang="it-IT" sz="1200">
                           <a:latin typeface="Avenir Next LT Pro" panose="020B0504020202020204" pitchFamily="34" charset="0"/>
                         </a:rPr>
                         <a:t>0.7139</a:t>
+                      </a:r>
+                    </a:p>
+                    <a:p>
+                      <a:pPr algn="ctr"/>
+                      <a:r>
+                        <a:rPr lang="it-IT" sz="1200">
+                          <a:latin typeface="Avenir Next LT Pro" panose="020B0504020202020204" pitchFamily="34" charset="0"/>
+                        </a:rPr>
+                        <a:t>(?)</a:t>
                       </a:r>
                     </a:p>
                   </a:txBody>
@@ -36106,7 +35467,34 @@
                     <a:lstStyle/>
                     <a:p>
                       <a:pPr algn="ctr"/>
-                      <a:endParaRPr lang="it-IT" b="0">
+                      <a:r>
+                        <a:rPr lang="it-IT" sz="1200" b="1" i="0" kern="1200">
+                          <a:solidFill>
+                            <a:schemeClr val="tx1"/>
+                          </a:solidFill>
+                          <a:effectLst/>
+                          <a:latin typeface="Avenir Next LT Pro" panose="020B0504020202020204" pitchFamily="34" charset="0"/>
+                          <a:ea typeface="+mn-ea"/>
+                          <a:cs typeface="+mn-cs"/>
+                        </a:rPr>
+                        <a:t>0.7227</a:t>
+                      </a:r>
+                    </a:p>
+                    <a:p>
+                      <a:pPr algn="ctr"/>
+                      <a:r>
+                        <a:rPr lang="it-IT" sz="1200" b="0" i="0" kern="1200">
+                          <a:solidFill>
+                            <a:schemeClr val="tx1"/>
+                          </a:solidFill>
+                          <a:effectLst/>
+                          <a:latin typeface="Avenir Next LT Pro" panose="020B0504020202020204" pitchFamily="34" charset="0"/>
+                          <a:ea typeface="+mn-ea"/>
+                          <a:cs typeface="+mn-cs"/>
+                        </a:rPr>
+                        <a:t>(?)</a:t>
+                      </a:r>
+                      <a:endParaRPr lang="it-IT" sz="1200" b="0">
                         <a:latin typeface="Avenir Next LT Pro" panose="020B0504020202020204" pitchFamily="34" charset="0"/>
                       </a:endParaRPr>
                     </a:p>
@@ -36148,7 +35536,7 @@
                     <a:p>
                       <a:pPr algn="ctr"/>
                       <a:r>
-                        <a:rPr lang="it-IT" sz="1800" b="0" i="0" kern="1200">
+                        <a:rPr lang="it-IT" sz="1200" b="0" i="0" kern="1200">
                           <a:solidFill>
                             <a:schemeClr val="tx1"/>
                           </a:solidFill>
@@ -36159,7 +35547,22 @@
                         </a:rPr>
                         <a:t>0.5897</a:t>
                       </a:r>
-                      <a:endParaRPr lang="it-IT">
+                    </a:p>
+                    <a:p>
+                      <a:pPr algn="ctr"/>
+                      <a:r>
+                        <a:rPr lang="it-IT" sz="1200" b="0" i="0" kern="1200">
+                          <a:solidFill>
+                            <a:schemeClr val="tx1"/>
+                          </a:solidFill>
+                          <a:effectLst/>
+                          <a:latin typeface="Avenir Next LT Pro" panose="020B0504020202020204" pitchFamily="34" charset="0"/>
+                          <a:ea typeface="+mn-ea"/>
+                          <a:cs typeface="+mn-cs"/>
+                        </a:rPr>
+                        <a:t>(?)</a:t>
+                      </a:r>
+                      <a:endParaRPr lang="it-IT" sz="1200">
                         <a:latin typeface="Avenir Next LT Pro" panose="020B0504020202020204" pitchFamily="34" charset="0"/>
                       </a:endParaRPr>
                     </a:p>
@@ -36194,85 +35597,6 @@
                     </a:lnT>
                   </a:tcPr>
                 </a:tc>
-                <a:tc>
-                  <a:txBody>
-                    <a:bodyPr/>
-                    <a:lstStyle/>
-                    <a:p>
-                      <a:pPr algn="ctr"/>
-                      <a:r>
-                        <a:rPr lang="it-IT">
-                          <a:latin typeface="Avenir Next LT Pro" panose="020B0504020202020204" pitchFamily="34" charset="0"/>
-                        </a:rPr>
-                        <a:t>0.6352</a:t>
-                      </a:r>
-                    </a:p>
-                  </a:txBody>
-                  <a:tcPr>
-                    <a:lnL w="12700" cap="flat" cmpd="sng" algn="ctr">
-                      <a:solidFill>
-                        <a:schemeClr val="tx1"/>
-                      </a:solidFill>
-                      <a:prstDash val="solid"/>
-                      <a:round/>
-                      <a:headEnd type="none" w="med" len="med"/>
-                      <a:tailEnd type="none" w="med" len="med"/>
-                    </a:lnL>
-                    <a:lnR w="12700" cap="flat" cmpd="sng" algn="ctr">
-                      <a:solidFill>
-                        <a:schemeClr val="tx1"/>
-                      </a:solidFill>
-                      <a:prstDash val="solid"/>
-                      <a:round/>
-                      <a:headEnd type="none" w="med" len="med"/>
-                      <a:tailEnd type="none" w="med" len="med"/>
-                    </a:lnR>
-                    <a:lnT w="12700" cap="flat" cmpd="sng" algn="ctr">
-                      <a:solidFill>
-                        <a:schemeClr val="tx1"/>
-                      </a:solidFill>
-                      <a:prstDash val="solid"/>
-                      <a:round/>
-                      <a:headEnd type="none" w="med" len="med"/>
-                      <a:tailEnd type="none" w="med" len="med"/>
-                    </a:lnT>
-                  </a:tcPr>
-                </a:tc>
-                <a:tc>
-                  <a:txBody>
-                    <a:bodyPr/>
-                    <a:lstStyle/>
-                    <a:p>
-                      <a:pPr algn="ctr"/>
-                      <a:r>
-                        <a:rPr lang="it-IT">
-                          <a:latin typeface="Avenir Next LT Pro" panose="020B0504020202020204" pitchFamily="34" charset="0"/>
-                        </a:rPr>
-                        <a:t>0.6352</a:t>
-                      </a:r>
-                    </a:p>
-                  </a:txBody>
-                  <a:tcPr>
-                    <a:lnL w="12700" cap="flat" cmpd="sng" algn="ctr">
-                      <a:solidFill>
-                        <a:schemeClr val="tx1"/>
-                      </a:solidFill>
-                      <a:prstDash val="solid"/>
-                      <a:round/>
-                      <a:headEnd type="none" w="med" len="med"/>
-                      <a:tailEnd type="none" w="med" len="med"/>
-                    </a:lnL>
-                    <a:lnT w="12700" cap="flat" cmpd="sng" algn="ctr">
-                      <a:solidFill>
-                        <a:schemeClr val="tx1"/>
-                      </a:solidFill>
-                      <a:prstDash val="solid"/>
-                      <a:round/>
-                      <a:headEnd type="none" w="med" len="med"/>
-                      <a:tailEnd type="none" w="med" len="med"/>
-                    </a:lnT>
-                  </a:tcPr>
-                </a:tc>
                 <a:extLst>
                   <a:ext uri="{0D108BD9-81ED-4DB2-BD59-A6C34878D82A}">
                     <a16:rowId xmlns:a16="http://schemas.microsoft.com/office/drawing/2014/main" val="2532579262"/>
@@ -36286,14 +35610,14 @@
                     <a:lstStyle/>
                     <a:p>
                       <a:r>
-                        <a:rPr lang="it-IT">
+                        <a:rPr lang="it-IT" sz="1400">
                           <a:latin typeface="Bahnschrift SemiBold SemiConden" panose="020B0502040204020203" pitchFamily="34" charset="0"/>
                         </a:rPr>
                         <a:t>Decision Tree</a:t>
                       </a:r>
                     </a:p>
                   </a:txBody>
-                  <a:tcPr>
+                  <a:tcPr anchor="ctr">
                     <a:lnR w="12700" cap="flat" cmpd="sng" algn="ctr">
                       <a:solidFill>
                         <a:schemeClr val="tx1"/>
@@ -36328,10 +35652,35 @@
                         <a:defRPr/>
                       </a:pPr>
                       <a:r>
-                        <a:rPr lang="it-IT" b="0">
+                        <a:rPr lang="it-IT" sz="1200" b="0">
                           <a:latin typeface="Avenir Next LT Pro" panose="020B0504020202020204" pitchFamily="34" charset="0"/>
                         </a:rPr>
                         <a:t>0.7138</a:t>
+                      </a:r>
+                    </a:p>
+                    <a:p>
+                      <a:pPr marL="0" marR="0" lvl="0" indent="0" algn="ctr" defTabSz="457200" rtl="0" eaLnBrk="1" fontAlgn="auto" latinLnBrk="0" hangingPunct="1">
+                        <a:lnSpc>
+                          <a:spcPct val="100000"/>
+                        </a:lnSpc>
+                        <a:spcBef>
+                          <a:spcPts val="0"/>
+                        </a:spcBef>
+                        <a:spcAft>
+                          <a:spcPts val="0"/>
+                        </a:spcAft>
+                        <a:buClrTx/>
+                        <a:buSzTx/>
+                        <a:buFontTx/>
+                        <a:buNone/>
+                        <a:tabLst/>
+                        <a:defRPr/>
+                      </a:pPr>
+                      <a:r>
+                        <a:rPr lang="it-IT" sz="1200" b="0">
+                          <a:latin typeface="Avenir Next LT Pro" panose="020B0504020202020204" pitchFamily="34" charset="0"/>
+                        </a:rPr>
+                        <a:t>(?)</a:t>
                       </a:r>
                     </a:p>
                   </a:txBody>
@@ -36363,10 +35712,19 @@
                     <a:p>
                       <a:pPr algn="ctr"/>
                       <a:r>
-                        <a:rPr lang="it-IT" b="0">
+                        <a:rPr lang="it-IT" sz="1200" b="0">
                           <a:latin typeface="Avenir Next LT Pro" panose="020B0504020202020204" pitchFamily="34" charset="0"/>
                         </a:rPr>
                         <a:t>0.7138</a:t>
+                      </a:r>
+                    </a:p>
+                    <a:p>
+                      <a:pPr algn="ctr"/>
+                      <a:r>
+                        <a:rPr lang="it-IT" sz="1200" b="0">
+                          <a:latin typeface="Avenir Next LT Pro" panose="020B0504020202020204" pitchFamily="34" charset="0"/>
+                        </a:rPr>
+                        <a:t>(?)</a:t>
                       </a:r>
                     </a:p>
                   </a:txBody>
@@ -36397,9 +35755,18 @@
                     <a:lstStyle/>
                     <a:p>
                       <a:pPr algn="ctr"/>
-                      <a:endParaRPr lang="it-IT">
+                      <a:endParaRPr lang="it-IT" sz="1200">
                         <a:latin typeface="Avenir Next LT Pro" panose="020B0504020202020204" pitchFamily="34" charset="0"/>
                       </a:endParaRPr>
+                    </a:p>
+                    <a:p>
+                      <a:pPr algn="ctr"/>
+                      <a:r>
+                        <a:rPr lang="it-IT" sz="1200">
+                          <a:latin typeface="Avenir Next LT Pro" panose="020B0504020202020204" pitchFamily="34" charset="0"/>
+                        </a:rPr>
+                        <a:t>(?)</a:t>
+                      </a:r>
                     </a:p>
                   </a:txBody>
                   <a:tcPr>
@@ -36430,10 +35797,107 @@
                     <a:p>
                       <a:pPr algn="ctr"/>
                       <a:r>
-                        <a:rPr lang="it-IT">
+                        <a:rPr lang="it-IT" sz="1200" b="0" i="0" kern="1200">
+                          <a:solidFill>
+                            <a:schemeClr val="tx1"/>
+                          </a:solidFill>
+                          <a:effectLst/>
+                          <a:latin typeface="Avenir Next LT Pro" panose="020B0504020202020204" pitchFamily="34" charset="0"/>
+                          <a:ea typeface="+mn-ea"/>
+                          <a:cs typeface="+mn-cs"/>
+                        </a:rPr>
+                        <a:t>0.5961</a:t>
+                      </a:r>
+                    </a:p>
+                    <a:p>
+                      <a:pPr algn="ctr"/>
+                      <a:r>
+                        <a:rPr lang="it-IT" sz="1200" b="0" i="0" kern="1200">
+                          <a:solidFill>
+                            <a:schemeClr val="tx1"/>
+                          </a:solidFill>
+                          <a:effectLst/>
+                          <a:latin typeface="Avenir Next LT Pro" panose="020B0504020202020204" pitchFamily="34" charset="0"/>
+                          <a:ea typeface="+mn-ea"/>
+                          <a:cs typeface="+mn-cs"/>
+                        </a:rPr>
+                        <a:t>(?)</a:t>
+                      </a:r>
+                      <a:endParaRPr lang="it-IT" sz="1200">
+                        <a:latin typeface="Avenir Next LT Pro" panose="020B0504020202020204" pitchFamily="34" charset="0"/>
+                      </a:endParaRPr>
+                    </a:p>
+                  </a:txBody>
+                  <a:tcPr>
+                    <a:lnL w="12700" cap="flat" cmpd="sng" algn="ctr">
+                      <a:solidFill>
+                        <a:schemeClr val="tx1"/>
+                      </a:solidFill>
+                      <a:prstDash val="solid"/>
+                      <a:round/>
+                      <a:headEnd type="none" w="med" len="med"/>
+                      <a:tailEnd type="none" w="med" len="med"/>
+                    </a:lnL>
+                    <a:lnR w="12700" cap="flat" cmpd="sng" algn="ctr">
+                      <a:solidFill>
+                        <a:schemeClr val="tx1"/>
+                      </a:solidFill>
+                      <a:prstDash val="solid"/>
+                      <a:round/>
+                      <a:headEnd type="none" w="med" len="med"/>
+                      <a:tailEnd type="none" w="med" len="med"/>
+                    </a:lnR>
+                  </a:tcPr>
+                </a:tc>
+                <a:extLst>
+                  <a:ext uri="{0D108BD9-81ED-4DB2-BD59-A6C34878D82A}">
+                    <a16:rowId xmlns:a16="http://schemas.microsoft.com/office/drawing/2014/main" val="3341464040"/>
+                  </a:ext>
+                </a:extLst>
+              </a:tr>
+              <a:tr h="370840">
+                <a:tc>
+                  <a:txBody>
+                    <a:bodyPr/>
+                    <a:lstStyle/>
+                    <a:p>
+                      <a:r>
+                        <a:rPr lang="it-IT" sz="1400">
+                          <a:latin typeface="Bahnschrift SemiBold SemiConden" panose="020B0502040204020203" pitchFamily="34" charset="0"/>
+                        </a:rPr>
+                        <a:t>Random Forest</a:t>
+                      </a:r>
+                    </a:p>
+                  </a:txBody>
+                  <a:tcPr anchor="ctr">
+                    <a:lnR w="12700" cap="flat" cmpd="sng" algn="ctr">
+                      <a:solidFill>
+                        <a:schemeClr val="tx1"/>
+                      </a:solidFill>
+                      <a:prstDash val="solid"/>
+                      <a:round/>
+                      <a:headEnd type="none" w="med" len="med"/>
+                      <a:tailEnd type="none" w="med" len="med"/>
+                    </a:lnR>
+                  </a:tcPr>
+                </a:tc>
+                <a:tc>
+                  <a:txBody>
+                    <a:bodyPr/>
+                    <a:lstStyle/>
+                    <a:p>
+                      <a:pPr algn="ctr"/>
+                      <a:endParaRPr lang="it-IT" sz="1200">
+                        <a:latin typeface="Avenir Next LT Pro" panose="020B0504020202020204" pitchFamily="34" charset="0"/>
+                      </a:endParaRPr>
+                    </a:p>
+                    <a:p>
+                      <a:pPr algn="ctr"/>
+                      <a:r>
+                        <a:rPr lang="it-IT" sz="1200">
                           <a:latin typeface="Avenir Next LT Pro" panose="020B0504020202020204" pitchFamily="34" charset="0"/>
                         </a:rPr>
-                        <a:t>0.5961</a:t>
+                        <a:t>(?)</a:t>
                       </a:r>
                     </a:p>
                   </a:txBody>
@@ -36464,9 +35928,18 @@
                     <a:lstStyle/>
                     <a:p>
                       <a:pPr algn="ctr"/>
-                      <a:endParaRPr lang="it-IT">
+                      <a:endParaRPr lang="it-IT" sz="1200">
                         <a:latin typeface="Avenir Next LT Pro" panose="020B0504020202020204" pitchFamily="34" charset="0"/>
                       </a:endParaRPr>
+                    </a:p>
+                    <a:p>
+                      <a:pPr algn="ctr"/>
+                      <a:r>
+                        <a:rPr lang="it-IT" sz="1200">
+                          <a:latin typeface="Avenir Next LT Pro" panose="020B0504020202020204" pitchFamily="34" charset="0"/>
+                        </a:rPr>
+                        <a:t>(?)</a:t>
+                      </a:r>
                     </a:p>
                   </a:txBody>
                   <a:tcPr>
@@ -36496,64 +35969,18 @@
                     <a:lstStyle/>
                     <a:p>
                       <a:pPr algn="ctr"/>
-                      <a:endParaRPr lang="it-IT">
+                      <a:endParaRPr lang="it-IT" sz="1200">
                         <a:latin typeface="Avenir Next LT Pro" panose="020B0504020202020204" pitchFamily="34" charset="0"/>
                       </a:endParaRPr>
                     </a:p>
-                  </a:txBody>
-                  <a:tcPr>
-                    <a:lnL w="12700" cap="flat" cmpd="sng" algn="ctr">
-                      <a:solidFill>
-                        <a:schemeClr val="tx1"/>
-                      </a:solidFill>
-                      <a:prstDash val="solid"/>
-                      <a:round/>
-                      <a:headEnd type="none" w="med" len="med"/>
-                      <a:tailEnd type="none" w="med" len="med"/>
-                    </a:lnL>
-                  </a:tcPr>
-                </a:tc>
-                <a:extLst>
-                  <a:ext uri="{0D108BD9-81ED-4DB2-BD59-A6C34878D82A}">
-                    <a16:rowId xmlns:a16="http://schemas.microsoft.com/office/drawing/2014/main" val="3341464040"/>
-                  </a:ext>
-                </a:extLst>
-              </a:tr>
-              <a:tr h="370840">
-                <a:tc>
-                  <a:txBody>
-                    <a:bodyPr/>
-                    <a:lstStyle/>
-                    <a:p>
-                      <a:r>
-                        <a:rPr lang="it-IT">
-                          <a:latin typeface="Bahnschrift SemiBold SemiConden" panose="020B0502040204020203" pitchFamily="34" charset="0"/>
-                        </a:rPr>
-                        <a:t>Random Forest</a:t>
-                      </a:r>
-                    </a:p>
-                  </a:txBody>
-                  <a:tcPr>
-                    <a:lnR w="12700" cap="flat" cmpd="sng" algn="ctr">
-                      <a:solidFill>
-                        <a:schemeClr val="tx1"/>
-                      </a:solidFill>
-                      <a:prstDash val="solid"/>
-                      <a:round/>
-                      <a:headEnd type="none" w="med" len="med"/>
-                      <a:tailEnd type="none" w="med" len="med"/>
-                    </a:lnR>
-                  </a:tcPr>
-                </a:tc>
-                <a:tc>
-                  <a:txBody>
-                    <a:bodyPr/>
-                    <a:lstStyle/>
                     <a:p>
                       <a:pPr algn="ctr"/>
-                      <a:endParaRPr lang="it-IT">
-                        <a:latin typeface="Avenir Next LT Pro" panose="020B0504020202020204" pitchFamily="34" charset="0"/>
-                      </a:endParaRPr>
+                      <a:r>
+                        <a:rPr lang="it-IT" sz="1200">
+                          <a:latin typeface="Avenir Next LT Pro" panose="020B0504020202020204" pitchFamily="34" charset="0"/>
+                        </a:rPr>
+                        <a:t>(?)</a:t>
+                      </a:r>
                     </a:p>
                   </a:txBody>
                   <a:tcPr>
@@ -36583,9 +36010,18 @@
                     <a:lstStyle/>
                     <a:p>
                       <a:pPr algn="ctr"/>
-                      <a:endParaRPr lang="it-IT">
+                      <a:endParaRPr lang="it-IT" sz="1200">
                         <a:latin typeface="Avenir Next LT Pro" panose="020B0504020202020204" pitchFamily="34" charset="0"/>
                       </a:endParaRPr>
+                    </a:p>
+                    <a:p>
+                      <a:pPr algn="ctr"/>
+                      <a:r>
+                        <a:rPr lang="it-IT" sz="1200">
+                          <a:latin typeface="Avenir Next LT Pro" panose="020B0504020202020204" pitchFamily="34" charset="0"/>
+                        </a:rPr>
+                        <a:t>(?)</a:t>
+                      </a:r>
                     </a:p>
                   </a:txBody>
                   <a:tcPr>
@@ -36607,125 +36043,6 @@
                       <a:headEnd type="none" w="med" len="med"/>
                       <a:tailEnd type="none" w="med" len="med"/>
                     </a:lnR>
-                  </a:tcPr>
-                </a:tc>
-                <a:tc>
-                  <a:txBody>
-                    <a:bodyPr/>
-                    <a:lstStyle/>
-                    <a:p>
-                      <a:pPr algn="ctr"/>
-                      <a:endParaRPr lang="it-IT">
-                        <a:latin typeface="Avenir Next LT Pro" panose="020B0504020202020204" pitchFamily="34" charset="0"/>
-                      </a:endParaRPr>
-                    </a:p>
-                  </a:txBody>
-                  <a:tcPr>
-                    <a:lnL w="12700" cap="flat" cmpd="sng" algn="ctr">
-                      <a:solidFill>
-                        <a:schemeClr val="tx1"/>
-                      </a:solidFill>
-                      <a:prstDash val="solid"/>
-                      <a:round/>
-                      <a:headEnd type="none" w="med" len="med"/>
-                      <a:tailEnd type="none" w="med" len="med"/>
-                    </a:lnL>
-                    <a:lnR w="12700" cap="flat" cmpd="sng" algn="ctr">
-                      <a:solidFill>
-                        <a:schemeClr val="tx1"/>
-                      </a:solidFill>
-                      <a:prstDash val="solid"/>
-                      <a:round/>
-                      <a:headEnd type="none" w="med" len="med"/>
-                      <a:tailEnd type="none" w="med" len="med"/>
-                    </a:lnR>
-                  </a:tcPr>
-                </a:tc>
-                <a:tc>
-                  <a:txBody>
-                    <a:bodyPr/>
-                    <a:lstStyle/>
-                    <a:p>
-                      <a:pPr algn="ctr"/>
-                      <a:endParaRPr lang="it-IT">
-                        <a:latin typeface="Avenir Next LT Pro" panose="020B0504020202020204" pitchFamily="34" charset="0"/>
-                      </a:endParaRPr>
-                    </a:p>
-                  </a:txBody>
-                  <a:tcPr>
-                    <a:lnL w="12700" cap="flat" cmpd="sng" algn="ctr">
-                      <a:solidFill>
-                        <a:schemeClr val="tx1"/>
-                      </a:solidFill>
-                      <a:prstDash val="solid"/>
-                      <a:round/>
-                      <a:headEnd type="none" w="med" len="med"/>
-                      <a:tailEnd type="none" w="med" len="med"/>
-                    </a:lnL>
-                    <a:lnR w="12700" cap="flat" cmpd="sng" algn="ctr">
-                      <a:solidFill>
-                        <a:schemeClr val="tx1"/>
-                      </a:solidFill>
-                      <a:prstDash val="solid"/>
-                      <a:round/>
-                      <a:headEnd type="none" w="med" len="med"/>
-                      <a:tailEnd type="none" w="med" len="med"/>
-                    </a:lnR>
-                  </a:tcPr>
-                </a:tc>
-                <a:tc>
-                  <a:txBody>
-                    <a:bodyPr/>
-                    <a:lstStyle/>
-                    <a:p>
-                      <a:pPr algn="ctr"/>
-                      <a:endParaRPr lang="it-IT">
-                        <a:latin typeface="Avenir Next LT Pro" panose="020B0504020202020204" pitchFamily="34" charset="0"/>
-                      </a:endParaRPr>
-                    </a:p>
-                  </a:txBody>
-                  <a:tcPr>
-                    <a:lnL w="12700" cap="flat" cmpd="sng" algn="ctr">
-                      <a:solidFill>
-                        <a:schemeClr val="tx1"/>
-                      </a:solidFill>
-                      <a:prstDash val="solid"/>
-                      <a:round/>
-                      <a:headEnd type="none" w="med" len="med"/>
-                      <a:tailEnd type="none" w="med" len="med"/>
-                    </a:lnL>
-                    <a:lnR w="12700" cap="flat" cmpd="sng" algn="ctr">
-                      <a:solidFill>
-                        <a:schemeClr val="tx1"/>
-                      </a:solidFill>
-                      <a:prstDash val="solid"/>
-                      <a:round/>
-                      <a:headEnd type="none" w="med" len="med"/>
-                      <a:tailEnd type="none" w="med" len="med"/>
-                    </a:lnR>
-                  </a:tcPr>
-                </a:tc>
-                <a:tc>
-                  <a:txBody>
-                    <a:bodyPr/>
-                    <a:lstStyle/>
-                    <a:p>
-                      <a:pPr algn="ctr"/>
-                      <a:endParaRPr lang="it-IT">
-                        <a:latin typeface="Avenir Next LT Pro" panose="020B0504020202020204" pitchFamily="34" charset="0"/>
-                      </a:endParaRPr>
-                    </a:p>
-                  </a:txBody>
-                  <a:tcPr>
-                    <a:lnL w="12700" cap="flat" cmpd="sng" algn="ctr">
-                      <a:solidFill>
-                        <a:schemeClr val="tx1"/>
-                      </a:solidFill>
-                      <a:prstDash val="solid"/>
-                      <a:round/>
-                      <a:headEnd type="none" w="med" len="med"/>
-                      <a:tailEnd type="none" w="med" len="med"/>
-                    </a:lnL>
                   </a:tcPr>
                 </a:tc>
                 <a:extLst>
@@ -36752,7 +36069,7 @@
         </p:nvSpPr>
         <p:spPr>
           <a:xfrm>
-            <a:off x="769650" y="2294071"/>
+            <a:off x="1997383" y="2255106"/>
             <a:ext cx="1799112" cy="461665"/>
           </a:xfrm>
           <a:prstGeom prst="rect">
@@ -36796,14 +36113,14 @@
           <p:nvPr>
             <p:extLst>
               <p:ext uri="{D42A27DB-BD31-4B8C-83A1-F6EECF244321}">
-                <p14:modId xmlns:p14="http://schemas.microsoft.com/office/powerpoint/2010/main" val="3033830348"/>
+                <p14:modId xmlns:p14="http://schemas.microsoft.com/office/powerpoint/2010/main" val="3513337990"/>
               </p:ext>
             </p:extLst>
           </p:nvPr>
         </p:nvGraphicFramePr>
         <p:xfrm>
-          <a:off x="694061" y="4474134"/>
-          <a:ext cx="10551283" cy="1844040"/>
+          <a:off x="1864425" y="4423047"/>
+          <a:ext cx="8463803" cy="2194560"/>
         </p:xfrm>
         <a:graphic>
           <a:graphicData uri="http://schemas.openxmlformats.org/drawingml/2006/table">
@@ -36812,57 +36129,43 @@
                 <a:tableStyleId>{3B4B98B0-60AC-42C2-AFA5-B58CD77FA1E5}</a:tableStyleId>
               </a:tblPr>
               <a:tblGrid>
-                <a:gridCol w="1957828">
+                <a:gridCol w="2130345">
                   <a:extLst>
                     <a:ext uri="{9D8B030D-6E8A-4147-A177-3AD203B41FA5}">
                       <a16:colId xmlns:a16="http://schemas.microsoft.com/office/drawing/2014/main" val="396372187"/>
                     </a:ext>
                   </a:extLst>
                 </a:gridCol>
-                <a:gridCol w="1306286">
+                <a:gridCol w="1421391">
                   <a:extLst>
                     <a:ext uri="{9D8B030D-6E8A-4147-A177-3AD203B41FA5}">
                       <a16:colId xmlns:a16="http://schemas.microsoft.com/office/drawing/2014/main" val="1229565216"/>
                     </a:ext>
                   </a:extLst>
                 </a:gridCol>
-                <a:gridCol w="1320407">
+                <a:gridCol w="1350321">
                   <a:extLst>
                     <a:ext uri="{9D8B030D-6E8A-4147-A177-3AD203B41FA5}">
                       <a16:colId xmlns:a16="http://schemas.microsoft.com/office/drawing/2014/main" val="3000570086"/>
                     </a:ext>
                   </a:extLst>
                 </a:gridCol>
-                <a:gridCol w="1482170">
+                <a:gridCol w="1699209">
                   <a:extLst>
                     <a:ext uri="{9D8B030D-6E8A-4147-A177-3AD203B41FA5}">
                       <a16:colId xmlns:a16="http://schemas.microsoft.com/office/drawing/2014/main" val="2527479792"/>
                     </a:ext>
                   </a:extLst>
                 </a:gridCol>
-                <a:gridCol w="1711707">
+                <a:gridCol w="1862537">
                   <a:extLst>
                     <a:ext uri="{9D8B030D-6E8A-4147-A177-3AD203B41FA5}">
                       <a16:colId xmlns:a16="http://schemas.microsoft.com/office/drawing/2014/main" val="1832342877"/>
                     </a:ext>
                   </a:extLst>
                 </a:gridCol>
-                <a:gridCol w="1442852">
-                  <a:extLst>
-                    <a:ext uri="{9D8B030D-6E8A-4147-A177-3AD203B41FA5}">
-                      <a16:colId xmlns:a16="http://schemas.microsoft.com/office/drawing/2014/main" val="455619855"/>
-                    </a:ext>
-                  </a:extLst>
-                </a:gridCol>
-                <a:gridCol w="1330033">
-                  <a:extLst>
-                    <a:ext uri="{9D8B030D-6E8A-4147-A177-3AD203B41FA5}">
-                      <a16:colId xmlns:a16="http://schemas.microsoft.com/office/drawing/2014/main" val="842104205"/>
-                    </a:ext>
-                  </a:extLst>
-                </a:gridCol>
               </a:tblGrid>
-              <a:tr h="357766">
+              <a:tr h="354903">
                 <a:tc>
                   <a:txBody>
                     <a:bodyPr/>
@@ -36888,8 +36191,15 @@
                     <a:p>
                       <a:pPr algn="ctr"/>
                       <a:r>
-                        <a:rPr lang="it-IT"/>
+                        <a:rPr lang="it-IT" sz="1200"/>
                         <a:t>Numerical</a:t>
+                      </a:r>
+                    </a:p>
+                    <a:p>
+                      <a:pPr algn="ctr"/>
+                      <a:r>
+                        <a:rPr lang="it-IT" sz="1200"/>
+                        <a:t>(oversample)</a:t>
                       </a:r>
                     </a:p>
                   </a:txBody>
@@ -36912,8 +36222,15 @@
                     <a:p>
                       <a:pPr algn="ctr"/>
                       <a:r>
-                        <a:rPr lang="it-IT"/>
+                        <a:rPr lang="it-IT" sz="1200"/>
                         <a:t>All Features</a:t>
+                      </a:r>
+                    </a:p>
+                    <a:p>
+                      <a:pPr algn="ctr"/>
+                      <a:r>
+                        <a:rPr lang="it-IT" sz="1200"/>
+                        <a:t>(oversample)</a:t>
                       </a:r>
                     </a:p>
                   </a:txBody>
@@ -36926,34 +36243,16 @@
                     <a:p>
                       <a:pPr algn="ctr"/>
                       <a:r>
-                        <a:rPr lang="it-IT"/>
+                        <a:rPr lang="it-IT" sz="1200"/>
                         <a:t>Categorical</a:t>
                       </a:r>
                     </a:p>
-                  </a:txBody>
-                  <a:tcPr/>
-                </a:tc>
-                <a:tc gridSpan="2">
-                  <a:txBody>
-                    <a:bodyPr/>
-                    <a:lstStyle/>
                     <a:p>
                       <a:pPr algn="ctr"/>
                       <a:r>
-                        <a:rPr lang="it-IT"/>
-                        <a:t>Mix</a:t>
+                        <a:rPr lang="it-IT" sz="1200"/>
+                        <a:t>(oversample)</a:t>
                       </a:r>
-                    </a:p>
-                  </a:txBody>
-                  <a:tcPr/>
-                </a:tc>
-                <a:tc hMerge="1">
-                  <a:txBody>
-                    <a:bodyPr/>
-                    <a:lstStyle/>
-                    <a:p>
-                      <a:pPr algn="ctr"/>
-                      <a:endParaRPr lang="it-IT"/>
                     </a:p>
                   </a:txBody>
                   <a:tcPr/>
@@ -37118,84 +36417,6 @@
                     </a:solidFill>
                   </a:tcPr>
                 </a:tc>
-                <a:tc>
-                  <a:txBody>
-                    <a:bodyPr/>
-                    <a:lstStyle/>
-                    <a:p>
-                      <a:pPr algn="ctr">
-                        <a:lnSpc>
-                          <a:spcPct val="150000"/>
-                        </a:lnSpc>
-                      </a:pPr>
-                      <a:r>
-                        <a:rPr lang="it-IT" sz="1100" u="sng">
-                          <a:latin typeface="Bahnschrift SemiBold SemiConden" panose="020B0502040204020203" pitchFamily="34" charset="0"/>
-                        </a:rPr>
-                        <a:t>with standardization</a:t>
-                      </a:r>
-                    </a:p>
-                  </a:txBody>
-                  <a:tcPr>
-                    <a:lnR w="12700" cap="flat" cmpd="sng" algn="ctr">
-                      <a:solidFill>
-                        <a:schemeClr val="tx1"/>
-                      </a:solidFill>
-                      <a:prstDash val="solid"/>
-                      <a:round/>
-                      <a:headEnd type="none" w="med" len="med"/>
-                      <a:tailEnd type="none" w="med" len="med"/>
-                    </a:lnR>
-                    <a:lnB w="12700" cap="flat" cmpd="sng" algn="ctr">
-                      <a:solidFill>
-                        <a:schemeClr val="tx1"/>
-                      </a:solidFill>
-                      <a:prstDash val="solid"/>
-                      <a:round/>
-                      <a:headEnd type="none" w="med" len="med"/>
-                      <a:tailEnd type="none" w="med" len="med"/>
-                    </a:lnB>
-                  </a:tcPr>
-                </a:tc>
-                <a:tc>
-                  <a:txBody>
-                    <a:bodyPr/>
-                    <a:lstStyle/>
-                    <a:p>
-                      <a:pPr algn="ctr">
-                        <a:lnSpc>
-                          <a:spcPct val="150000"/>
-                        </a:lnSpc>
-                      </a:pPr>
-                      <a:r>
-                        <a:rPr lang="it-IT" sz="1100" u="sng">
-                          <a:latin typeface="Bahnschrift SemiBold SemiConden" panose="020B0502040204020203" pitchFamily="34" charset="0"/>
-                        </a:rPr>
-                        <a:t>w/out standardize</a:t>
-                      </a:r>
-                    </a:p>
-                  </a:txBody>
-                  <a:tcPr>
-                    <a:lnL w="12700" cap="flat" cmpd="sng" algn="ctr">
-                      <a:solidFill>
-                        <a:schemeClr val="tx1"/>
-                      </a:solidFill>
-                      <a:prstDash val="solid"/>
-                      <a:round/>
-                      <a:headEnd type="none" w="med" len="med"/>
-                      <a:tailEnd type="none" w="med" len="med"/>
-                    </a:lnL>
-                    <a:lnB w="12700" cap="flat" cmpd="sng" algn="ctr">
-                      <a:solidFill>
-                        <a:schemeClr val="tx1"/>
-                      </a:solidFill>
-                      <a:prstDash val="solid"/>
-                      <a:round/>
-                      <a:headEnd type="none" w="med" len="med"/>
-                      <a:tailEnd type="none" w="med" len="med"/>
-                    </a:lnB>
-                  </a:tcPr>
-                </a:tc>
                 <a:extLst>
                   <a:ext uri="{0D108BD9-81ED-4DB2-BD59-A6C34878D82A}">
                     <a16:rowId xmlns:a16="http://schemas.microsoft.com/office/drawing/2014/main" val="1365004327"/>
@@ -37209,7 +36430,7 @@
                     <a:lstStyle/>
                     <a:p>
                       <a:r>
-                        <a:rPr lang="it-IT">
+                        <a:rPr lang="it-IT" sz="1400">
                           <a:latin typeface="Bahnschrift SemiBold SemiConden" panose="020B0502040204020203" pitchFamily="34" charset="0"/>
                         </a:rPr>
                         <a:t>Logistic Regression</a:t>
@@ -37244,7 +36465,7 @@
                     <a:p>
                       <a:pPr algn="ctr"/>
                       <a:r>
-                        <a:rPr lang="it-IT" sz="1600" b="0" i="0" kern="1200">
+                        <a:rPr lang="it-IT" sz="1200" b="0" i="0" kern="1200">
                           <a:solidFill>
                             <a:schemeClr val="tx1"/>
                           </a:solidFill>
@@ -37255,7 +36476,22 @@
                         </a:rPr>
                         <a:t>0.853/0.613</a:t>
                       </a:r>
-                      <a:endParaRPr lang="it-IT" sz="1600">
+                    </a:p>
+                    <a:p>
+                      <a:pPr algn="ctr"/>
+                      <a:r>
+                        <a:rPr lang="it-IT" sz="1200" b="0" i="0" kern="1200">
+                          <a:solidFill>
+                            <a:schemeClr val="tx1"/>
+                          </a:solidFill>
+                          <a:effectLst/>
+                          <a:latin typeface="Avenir Next LT Pro" panose="020B0504020202020204" pitchFamily="34" charset="0"/>
+                          <a:ea typeface="+mn-ea"/>
+                          <a:cs typeface="+mn-cs"/>
+                        </a:rPr>
+                        <a:t>(?)</a:t>
+                      </a:r>
+                      <a:endParaRPr lang="it-IT" sz="1200">
                         <a:latin typeface="Avenir Next LT Pro" panose="020B0504020202020204" pitchFamily="34" charset="0"/>
                       </a:endParaRPr>
                     </a:p>
@@ -37297,146 +36533,19 @@
                     <a:p>
                       <a:pPr algn="ctr"/>
                       <a:r>
-                        <a:rPr lang="it-IT" sz="1600" b="0">
+                        <a:rPr lang="it-IT" sz="1200" b="0">
                           <a:latin typeface="Avenir Next LT Pro" panose="020B0504020202020204" pitchFamily="34" charset="0"/>
                         </a:rPr>
                         <a:t>0.852/0.614</a:t>
                       </a:r>
                     </a:p>
-                  </a:txBody>
-                  <a:tcPr>
-                    <a:lnL w="12700" cap="flat" cmpd="sng" algn="ctr">
-                      <a:solidFill>
-                        <a:schemeClr val="tx1"/>
-                      </a:solidFill>
-                      <a:prstDash val="solid"/>
-                      <a:round/>
-                      <a:headEnd type="none" w="med" len="med"/>
-                      <a:tailEnd type="none" w="med" len="med"/>
-                    </a:lnL>
-                    <a:lnR w="12700" cap="flat" cmpd="sng" algn="ctr">
-                      <a:solidFill>
-                        <a:schemeClr val="tx1"/>
-                      </a:solidFill>
-                      <a:prstDash val="solid"/>
-                      <a:round/>
-                      <a:headEnd type="none" w="med" len="med"/>
-                      <a:tailEnd type="none" w="med" len="med"/>
-                    </a:lnR>
-                    <a:lnT w="12700" cap="flat" cmpd="sng" algn="ctr">
-                      <a:solidFill>
-                        <a:schemeClr val="tx1"/>
-                      </a:solidFill>
-                      <a:prstDash val="solid"/>
-                      <a:round/>
-                      <a:headEnd type="none" w="med" len="med"/>
-                      <a:tailEnd type="none" w="med" len="med"/>
-                    </a:lnT>
-                  </a:tcPr>
-                </a:tc>
-                <a:tc>
-                  <a:txBody>
-                    <a:bodyPr/>
-                    <a:lstStyle/>
-                    <a:p>
-                      <a:pPr algn="ctr"/>
-                      <a:endParaRPr lang="it-IT" sz="1600"/>
-                    </a:p>
-                  </a:txBody>
-                  <a:tcPr>
-                    <a:lnL w="12700" cap="flat" cmpd="sng" algn="ctr">
-                      <a:solidFill>
-                        <a:schemeClr val="tx1"/>
-                      </a:solidFill>
-                      <a:prstDash val="solid"/>
-                      <a:round/>
-                      <a:headEnd type="none" w="med" len="med"/>
-                      <a:tailEnd type="none" w="med" len="med"/>
-                    </a:lnL>
-                    <a:lnR w="12700" cap="flat" cmpd="sng" algn="ctr">
-                      <a:solidFill>
-                        <a:schemeClr val="tx1"/>
-                      </a:solidFill>
-                      <a:prstDash val="solid"/>
-                      <a:round/>
-                      <a:headEnd type="none" w="med" len="med"/>
-                      <a:tailEnd type="none" w="med" len="med"/>
-                    </a:lnR>
-                    <a:lnT w="12700" cap="flat" cmpd="sng" algn="ctr">
-                      <a:solidFill>
-                        <a:schemeClr val="tx1"/>
-                      </a:solidFill>
-                      <a:prstDash val="solid"/>
-                      <a:round/>
-                      <a:headEnd type="none" w="med" len="med"/>
-                      <a:tailEnd type="none" w="med" len="med"/>
-                    </a:lnT>
-                  </a:tcPr>
-                </a:tc>
-                <a:tc>
-                  <a:txBody>
-                    <a:bodyPr/>
-                    <a:lstStyle/>
                     <a:p>
                       <a:pPr algn="ctr"/>
                       <a:r>
-                        <a:rPr lang="it-IT" sz="1600" b="0" i="0" kern="1200">
-                          <a:solidFill>
-                            <a:schemeClr val="tx1"/>
-                          </a:solidFill>
-                          <a:effectLst/>
-                          <a:latin typeface="Avenir Next LT Pro" panose="020B0504020202020204" pitchFamily="34" charset="0"/>
-                          <a:ea typeface="+mn-ea"/>
-                          <a:cs typeface="+mn-cs"/>
-                        </a:rPr>
-                        <a:t>0.706/0.505</a:t>
-                      </a:r>
-                      <a:endParaRPr lang="it-IT" sz="1600">
-                        <a:latin typeface="Avenir Next LT Pro" panose="020B0504020202020204" pitchFamily="34" charset="0"/>
-                      </a:endParaRPr>
-                    </a:p>
-                  </a:txBody>
-                  <a:tcPr>
-                    <a:lnL w="12700" cap="flat" cmpd="sng" algn="ctr">
-                      <a:solidFill>
-                        <a:schemeClr val="tx1"/>
-                      </a:solidFill>
-                      <a:prstDash val="solid"/>
-                      <a:round/>
-                      <a:headEnd type="none" w="med" len="med"/>
-                      <a:tailEnd type="none" w="med" len="med"/>
-                    </a:lnL>
-                    <a:lnR w="12700" cap="flat" cmpd="sng" algn="ctr">
-                      <a:solidFill>
-                        <a:schemeClr val="tx1"/>
-                      </a:solidFill>
-                      <a:prstDash val="solid"/>
-                      <a:round/>
-                      <a:headEnd type="none" w="med" len="med"/>
-                      <a:tailEnd type="none" w="med" len="med"/>
-                    </a:lnR>
-                    <a:lnT w="12700" cap="flat" cmpd="sng" algn="ctr">
-                      <a:solidFill>
-                        <a:schemeClr val="tx1"/>
-                      </a:solidFill>
-                      <a:prstDash val="solid"/>
-                      <a:round/>
-                      <a:headEnd type="none" w="med" len="med"/>
-                      <a:tailEnd type="none" w="med" len="med"/>
-                    </a:lnT>
-                  </a:tcPr>
-                </a:tc>
-                <a:tc>
-                  <a:txBody>
-                    <a:bodyPr/>
-                    <a:lstStyle/>
-                    <a:p>
-                      <a:pPr algn="ctr"/>
-                      <a:r>
-                        <a:rPr lang="it-IT" sz="1600">
+                        <a:rPr lang="it-IT" sz="1200" b="0">
                           <a:latin typeface="Avenir Next LT Pro" panose="020B0504020202020204" pitchFamily="34" charset="0"/>
                         </a:rPr>
-                        <a:t>0.785/0.533</a:t>
+                        <a:t>(?)</a:t>
                       </a:r>
                     </a:p>
                   </a:txBody>
@@ -37477,10 +36586,19 @@
                     <a:p>
                       <a:pPr algn="ctr"/>
                       <a:r>
-                        <a:rPr lang="it-IT" sz="1600">
+                        <a:rPr lang="it-IT" sz="1200" b="1">
                           <a:latin typeface="Avenir Next LT Pro" panose="020B0504020202020204" pitchFamily="34" charset="0"/>
                         </a:rPr>
-                        <a:t>0.785/0.533</a:t>
+                        <a:t>0.858/0.624</a:t>
+                      </a:r>
+                    </a:p>
+                    <a:p>
+                      <a:pPr algn="ctr"/>
+                      <a:r>
+                        <a:rPr lang="it-IT" sz="1200" b="0">
+                          <a:latin typeface="Avenir Next LT Pro" panose="020B0504020202020204" pitchFamily="34" charset="0"/>
+                        </a:rPr>
+                        <a:t>(?)</a:t>
                       </a:r>
                     </a:p>
                   </a:txBody>
@@ -37494,6 +36612,83 @@
                       <a:headEnd type="none" w="med" len="med"/>
                       <a:tailEnd type="none" w="med" len="med"/>
                     </a:lnL>
+                    <a:lnR w="12700" cap="flat" cmpd="sng" algn="ctr">
+                      <a:solidFill>
+                        <a:schemeClr val="tx1"/>
+                      </a:solidFill>
+                      <a:prstDash val="solid"/>
+                      <a:round/>
+                      <a:headEnd type="none" w="med" len="med"/>
+                      <a:tailEnd type="none" w="med" len="med"/>
+                    </a:lnR>
+                    <a:lnT w="12700" cap="flat" cmpd="sng" algn="ctr">
+                      <a:solidFill>
+                        <a:schemeClr val="tx1"/>
+                      </a:solidFill>
+                      <a:prstDash val="solid"/>
+                      <a:round/>
+                      <a:headEnd type="none" w="med" len="med"/>
+                      <a:tailEnd type="none" w="med" len="med"/>
+                    </a:lnT>
+                  </a:tcPr>
+                </a:tc>
+                <a:tc>
+                  <a:txBody>
+                    <a:bodyPr/>
+                    <a:lstStyle/>
+                    <a:p>
+                      <a:pPr algn="ctr"/>
+                      <a:r>
+                        <a:rPr lang="it-IT" sz="1200" b="0" i="0" kern="1200">
+                          <a:solidFill>
+                            <a:schemeClr val="tx1"/>
+                          </a:solidFill>
+                          <a:effectLst/>
+                          <a:latin typeface="Avenir Next LT Pro" panose="020B0504020202020204" pitchFamily="34" charset="0"/>
+                          <a:ea typeface="+mn-ea"/>
+                          <a:cs typeface="+mn-cs"/>
+                        </a:rPr>
+                        <a:t>0.706/0.505</a:t>
+                      </a:r>
+                    </a:p>
+                    <a:p>
+                      <a:pPr algn="ctr"/>
+                      <a:r>
+                        <a:rPr lang="it-IT" sz="1200" b="0" i="0" kern="1200">
+                          <a:solidFill>
+                            <a:schemeClr val="tx1"/>
+                          </a:solidFill>
+                          <a:effectLst/>
+                          <a:latin typeface="Avenir Next LT Pro" panose="020B0504020202020204" pitchFamily="34" charset="0"/>
+                          <a:ea typeface="+mn-ea"/>
+                          <a:cs typeface="+mn-cs"/>
+                        </a:rPr>
+                        <a:t>(?)</a:t>
+                      </a:r>
+                      <a:endParaRPr lang="it-IT" sz="1200">
+                        <a:latin typeface="Avenir Next LT Pro" panose="020B0504020202020204" pitchFamily="34" charset="0"/>
+                      </a:endParaRPr>
+                    </a:p>
+                  </a:txBody>
+                  <a:tcPr>
+                    <a:lnL w="12700" cap="flat" cmpd="sng" algn="ctr">
+                      <a:solidFill>
+                        <a:schemeClr val="tx1"/>
+                      </a:solidFill>
+                      <a:prstDash val="solid"/>
+                      <a:round/>
+                      <a:headEnd type="none" w="med" len="med"/>
+                      <a:tailEnd type="none" w="med" len="med"/>
+                    </a:lnL>
+                    <a:lnR w="12700" cap="flat" cmpd="sng" algn="ctr">
+                      <a:solidFill>
+                        <a:schemeClr val="tx1"/>
+                      </a:solidFill>
+                      <a:prstDash val="solid"/>
+                      <a:round/>
+                      <a:headEnd type="none" w="med" len="med"/>
+                      <a:tailEnd type="none" w="med" len="med"/>
+                    </a:lnR>
                     <a:lnT w="12700" cap="flat" cmpd="sng" algn="ctr">
                       <a:solidFill>
                         <a:schemeClr val="tx1"/>
@@ -37518,7 +36713,7 @@
                     <a:lstStyle/>
                     <a:p>
                       <a:r>
-                        <a:rPr lang="it-IT">
+                        <a:rPr lang="it-IT" sz="1400">
                           <a:latin typeface="Bahnschrift SemiBold SemiConden" panose="020B0502040204020203" pitchFamily="34" charset="0"/>
                         </a:rPr>
                         <a:t>Decision Tree</a:t>
@@ -37560,10 +36755,35 @@
                         <a:defRPr/>
                       </a:pPr>
                       <a:r>
-                        <a:rPr lang="it-IT" sz="1600">
+                        <a:rPr lang="it-IT" sz="1200">
                           <a:latin typeface="Avenir Next LT Pro" panose="020B0504020202020204" pitchFamily="34" charset="0"/>
                         </a:rPr>
                         <a:t>0.878/0.601</a:t>
+                      </a:r>
+                    </a:p>
+                    <a:p>
+                      <a:pPr marL="0" marR="0" lvl="0" indent="0" algn="ctr" defTabSz="457200" rtl="0" eaLnBrk="1" fontAlgn="auto" latinLnBrk="0" hangingPunct="1">
+                        <a:lnSpc>
+                          <a:spcPct val="100000"/>
+                        </a:lnSpc>
+                        <a:spcBef>
+                          <a:spcPts val="0"/>
+                        </a:spcBef>
+                        <a:spcAft>
+                          <a:spcPts val="0"/>
+                        </a:spcAft>
+                        <a:buClrTx/>
+                        <a:buSzTx/>
+                        <a:buFontTx/>
+                        <a:buNone/>
+                        <a:tabLst/>
+                        <a:defRPr/>
+                      </a:pPr>
+                      <a:r>
+                        <a:rPr lang="it-IT" sz="1200">
+                          <a:latin typeface="Avenir Next LT Pro" panose="020B0504020202020204" pitchFamily="34" charset="0"/>
+                        </a:rPr>
+                        <a:t>(?)</a:t>
                       </a:r>
                     </a:p>
                   </a:txBody>
@@ -37595,10 +36815,19 @@
                     <a:p>
                       <a:pPr algn="ctr"/>
                       <a:r>
-                        <a:rPr lang="it-IT" sz="1600">
+                        <a:rPr lang="it-IT" sz="1200">
                           <a:latin typeface="Avenir Next LT Pro" panose="020B0504020202020204" pitchFamily="34" charset="0"/>
                         </a:rPr>
                         <a:t>0.878/0.601</a:t>
+                      </a:r>
+                    </a:p>
+                    <a:p>
+                      <a:pPr algn="ctr"/>
+                      <a:r>
+                        <a:rPr lang="it-IT" sz="1200">
+                          <a:latin typeface="Avenir Next LT Pro" panose="020B0504020202020204" pitchFamily="34" charset="0"/>
+                        </a:rPr>
+                        <a:t>(?)</a:t>
                       </a:r>
                     </a:p>
                   </a:txBody>
@@ -37629,9 +36858,18 @@
                     <a:lstStyle/>
                     <a:p>
                       <a:pPr algn="ctr"/>
-                      <a:endParaRPr lang="it-IT" sz="1600">
+                      <a:endParaRPr lang="it-IT" sz="1200">
                         <a:latin typeface="Avenir Next LT Pro" panose="020B0504020202020204" pitchFamily="34" charset="0"/>
                       </a:endParaRPr>
+                    </a:p>
+                    <a:p>
+                      <a:pPr algn="ctr"/>
+                      <a:r>
+                        <a:rPr lang="it-IT" sz="1200">
+                          <a:latin typeface="Avenir Next LT Pro" panose="020B0504020202020204" pitchFamily="34" charset="0"/>
+                        </a:rPr>
+                        <a:t>(?)</a:t>
+                      </a:r>
                     </a:p>
                   </a:txBody>
                   <a:tcPr>
@@ -37662,10 +36900,107 @@
                     <a:p>
                       <a:pPr algn="ctr"/>
                       <a:r>
-                        <a:rPr lang="it-IT" sz="1600">
+                        <a:rPr lang="it-IT" sz="1200" b="0" i="0" kern="1200">
+                          <a:solidFill>
+                            <a:schemeClr val="tx1"/>
+                          </a:solidFill>
+                          <a:effectLst/>
+                          <a:latin typeface="Avenir Next LT Pro" panose="020B0504020202020204" pitchFamily="34" charset="0"/>
+                          <a:ea typeface="+mn-ea"/>
+                          <a:cs typeface="+mn-cs"/>
+                        </a:rPr>
+                        <a:t>0.732/0.502</a:t>
+                      </a:r>
+                    </a:p>
+                    <a:p>
+                      <a:pPr algn="ctr"/>
+                      <a:r>
+                        <a:rPr lang="it-IT" sz="1200" b="0" i="0" kern="1200">
+                          <a:solidFill>
+                            <a:schemeClr val="tx1"/>
+                          </a:solidFill>
+                          <a:effectLst/>
+                          <a:latin typeface="Avenir Next LT Pro" panose="020B0504020202020204" pitchFamily="34" charset="0"/>
+                          <a:ea typeface="+mn-ea"/>
+                          <a:cs typeface="+mn-cs"/>
+                        </a:rPr>
+                        <a:t>(?)</a:t>
+                      </a:r>
+                      <a:endParaRPr lang="it-IT" sz="1200">
+                        <a:latin typeface="Avenir Next LT Pro" panose="020B0504020202020204" pitchFamily="34" charset="0"/>
+                      </a:endParaRPr>
+                    </a:p>
+                  </a:txBody>
+                  <a:tcPr>
+                    <a:lnL w="12700" cap="flat" cmpd="sng" algn="ctr">
+                      <a:solidFill>
+                        <a:schemeClr val="tx1"/>
+                      </a:solidFill>
+                      <a:prstDash val="solid"/>
+                      <a:round/>
+                      <a:headEnd type="none" w="med" len="med"/>
+                      <a:tailEnd type="none" w="med" len="med"/>
+                    </a:lnL>
+                    <a:lnR w="12700" cap="flat" cmpd="sng" algn="ctr">
+                      <a:solidFill>
+                        <a:schemeClr val="tx1"/>
+                      </a:solidFill>
+                      <a:prstDash val="solid"/>
+                      <a:round/>
+                      <a:headEnd type="none" w="med" len="med"/>
+                      <a:tailEnd type="none" w="med" len="med"/>
+                    </a:lnR>
+                  </a:tcPr>
+                </a:tc>
+                <a:extLst>
+                  <a:ext uri="{0D108BD9-81ED-4DB2-BD59-A6C34878D82A}">
+                    <a16:rowId xmlns:a16="http://schemas.microsoft.com/office/drawing/2014/main" val="3341464040"/>
+                  </a:ext>
+                </a:extLst>
+              </a:tr>
+              <a:tr h="370840">
+                <a:tc>
+                  <a:txBody>
+                    <a:bodyPr/>
+                    <a:lstStyle/>
+                    <a:p>
+                      <a:r>
+                        <a:rPr lang="it-IT" sz="1400">
+                          <a:latin typeface="Bahnschrift SemiBold SemiConden" panose="020B0502040204020203" pitchFamily="34" charset="0"/>
+                        </a:rPr>
+                        <a:t>Random Forest</a:t>
+                      </a:r>
+                    </a:p>
+                  </a:txBody>
+                  <a:tcPr>
+                    <a:lnR w="12700" cap="flat" cmpd="sng" algn="ctr">
+                      <a:solidFill>
+                        <a:schemeClr val="tx1"/>
+                      </a:solidFill>
+                      <a:prstDash val="solid"/>
+                      <a:round/>
+                      <a:headEnd type="none" w="med" len="med"/>
+                      <a:tailEnd type="none" w="med" len="med"/>
+                    </a:lnR>
+                  </a:tcPr>
+                </a:tc>
+                <a:tc>
+                  <a:txBody>
+                    <a:bodyPr/>
+                    <a:lstStyle/>
+                    <a:p>
+                      <a:pPr algn="ctr"/>
+                      <a:endParaRPr lang="it-IT" sz="1200">
+                        <a:latin typeface="Avenir Next LT Pro" panose="020B0504020202020204" pitchFamily="34" charset="0"/>
+                      </a:endParaRPr>
+                    </a:p>
+                    <a:p>
+                      <a:pPr algn="ctr"/>
+                      <a:r>
+                        <a:rPr lang="it-IT" sz="1200">
                           <a:latin typeface="Avenir Next LT Pro" panose="020B0504020202020204" pitchFamily="34" charset="0"/>
                         </a:rPr>
-                        <a:t>0.732/0.502</a:t>
+                        <a:t>(?)</a:t>
                       </a:r>
                     </a:p>
                   </a:txBody>
@@ -37696,9 +37031,18 @@
                     <a:lstStyle/>
                     <a:p>
                       <a:pPr algn="ctr"/>
-                      <a:endParaRPr lang="it-IT" sz="1600">
+                      <a:endParaRPr lang="it-IT" sz="1200">
                         <a:latin typeface="Avenir Next LT Pro" panose="020B0504020202020204" pitchFamily="34" charset="0"/>
                       </a:endParaRPr>
+                    </a:p>
+                    <a:p>
+                      <a:pPr algn="ctr"/>
+                      <a:r>
+                        <a:rPr lang="it-IT" sz="1200">
+                          <a:latin typeface="Avenir Next LT Pro" panose="020B0504020202020204" pitchFamily="34" charset="0"/>
+                        </a:rPr>
+                        <a:t>(?)</a:t>
+                      </a:r>
                     </a:p>
                   </a:txBody>
                   <a:tcPr>
@@ -37728,64 +37072,18 @@
                     <a:lstStyle/>
                     <a:p>
                       <a:pPr algn="ctr"/>
-                      <a:endParaRPr lang="it-IT" sz="1600">
+                      <a:endParaRPr lang="it-IT" sz="1200">
                         <a:latin typeface="Avenir Next LT Pro" panose="020B0504020202020204" pitchFamily="34" charset="0"/>
                       </a:endParaRPr>
                     </a:p>
-                  </a:txBody>
-                  <a:tcPr>
-                    <a:lnL w="12700" cap="flat" cmpd="sng" algn="ctr">
-                      <a:solidFill>
-                        <a:schemeClr val="tx1"/>
-                      </a:solidFill>
-                      <a:prstDash val="solid"/>
-                      <a:round/>
-                      <a:headEnd type="none" w="med" len="med"/>
-                      <a:tailEnd type="none" w="med" len="med"/>
-                    </a:lnL>
-                  </a:tcPr>
-                </a:tc>
-                <a:extLst>
-                  <a:ext uri="{0D108BD9-81ED-4DB2-BD59-A6C34878D82A}">
-                    <a16:rowId xmlns:a16="http://schemas.microsoft.com/office/drawing/2014/main" val="3341464040"/>
-                  </a:ext>
-                </a:extLst>
-              </a:tr>
-              <a:tr h="370840">
-                <a:tc>
-                  <a:txBody>
-                    <a:bodyPr/>
-                    <a:lstStyle/>
-                    <a:p>
-                      <a:r>
-                        <a:rPr lang="it-IT">
-                          <a:latin typeface="Bahnschrift SemiBold SemiConden" panose="020B0502040204020203" pitchFamily="34" charset="0"/>
-                        </a:rPr>
-                        <a:t>Random Forest</a:t>
-                      </a:r>
-                    </a:p>
-                  </a:txBody>
-                  <a:tcPr>
-                    <a:lnR w="12700" cap="flat" cmpd="sng" algn="ctr">
-                      <a:solidFill>
-                        <a:schemeClr val="tx1"/>
-                      </a:solidFill>
-                      <a:prstDash val="solid"/>
-                      <a:round/>
-                      <a:headEnd type="none" w="med" len="med"/>
-                      <a:tailEnd type="none" w="med" len="med"/>
-                    </a:lnR>
-                  </a:tcPr>
-                </a:tc>
-                <a:tc>
-                  <a:txBody>
-                    <a:bodyPr/>
-                    <a:lstStyle/>
                     <a:p>
                       <a:pPr algn="ctr"/>
-                      <a:endParaRPr lang="it-IT" sz="1600">
-                        <a:latin typeface="Avenir Next LT Pro" panose="020B0504020202020204" pitchFamily="34" charset="0"/>
-                      </a:endParaRPr>
+                      <a:r>
+                        <a:rPr lang="it-IT" sz="1200">
+                          <a:latin typeface="Avenir Next LT Pro" panose="020B0504020202020204" pitchFamily="34" charset="0"/>
+                        </a:rPr>
+                        <a:t>(?)</a:t>
+                      </a:r>
                     </a:p>
                   </a:txBody>
                   <a:tcPr>
@@ -37815,9 +37113,18 @@
                     <a:lstStyle/>
                     <a:p>
                       <a:pPr algn="ctr"/>
-                      <a:endParaRPr lang="it-IT" sz="1600">
+                      <a:endParaRPr lang="it-IT" sz="1200">
                         <a:latin typeface="Avenir Next LT Pro" panose="020B0504020202020204" pitchFamily="34" charset="0"/>
                       </a:endParaRPr>
+                    </a:p>
+                    <a:p>
+                      <a:pPr algn="ctr"/>
+                      <a:r>
+                        <a:rPr lang="it-IT" sz="1200">
+                          <a:latin typeface="Avenir Next LT Pro" panose="020B0504020202020204" pitchFamily="34" charset="0"/>
+                        </a:rPr>
+                        <a:t>(?)</a:t>
+                      </a:r>
                     </a:p>
                   </a:txBody>
                   <a:tcPr>
@@ -37839,125 +37146,6 @@
                       <a:headEnd type="none" w="med" len="med"/>
                       <a:tailEnd type="none" w="med" len="med"/>
                     </a:lnR>
-                  </a:tcPr>
-                </a:tc>
-                <a:tc>
-                  <a:txBody>
-                    <a:bodyPr/>
-                    <a:lstStyle/>
-                    <a:p>
-                      <a:pPr algn="ctr"/>
-                      <a:endParaRPr lang="it-IT" sz="1600">
-                        <a:latin typeface="Avenir Next LT Pro" panose="020B0504020202020204" pitchFamily="34" charset="0"/>
-                      </a:endParaRPr>
-                    </a:p>
-                  </a:txBody>
-                  <a:tcPr>
-                    <a:lnL w="12700" cap="flat" cmpd="sng" algn="ctr">
-                      <a:solidFill>
-                        <a:schemeClr val="tx1"/>
-                      </a:solidFill>
-                      <a:prstDash val="solid"/>
-                      <a:round/>
-                      <a:headEnd type="none" w="med" len="med"/>
-                      <a:tailEnd type="none" w="med" len="med"/>
-                    </a:lnL>
-                    <a:lnR w="12700" cap="flat" cmpd="sng" algn="ctr">
-                      <a:solidFill>
-                        <a:schemeClr val="tx1"/>
-                      </a:solidFill>
-                      <a:prstDash val="solid"/>
-                      <a:round/>
-                      <a:headEnd type="none" w="med" len="med"/>
-                      <a:tailEnd type="none" w="med" len="med"/>
-                    </a:lnR>
-                  </a:tcPr>
-                </a:tc>
-                <a:tc>
-                  <a:txBody>
-                    <a:bodyPr/>
-                    <a:lstStyle/>
-                    <a:p>
-                      <a:pPr algn="ctr"/>
-                      <a:endParaRPr lang="it-IT" sz="1600">
-                        <a:latin typeface="Avenir Next LT Pro" panose="020B0504020202020204" pitchFamily="34" charset="0"/>
-                      </a:endParaRPr>
-                    </a:p>
-                  </a:txBody>
-                  <a:tcPr>
-                    <a:lnL w="12700" cap="flat" cmpd="sng" algn="ctr">
-                      <a:solidFill>
-                        <a:schemeClr val="tx1"/>
-                      </a:solidFill>
-                      <a:prstDash val="solid"/>
-                      <a:round/>
-                      <a:headEnd type="none" w="med" len="med"/>
-                      <a:tailEnd type="none" w="med" len="med"/>
-                    </a:lnL>
-                    <a:lnR w="12700" cap="flat" cmpd="sng" algn="ctr">
-                      <a:solidFill>
-                        <a:schemeClr val="tx1"/>
-                      </a:solidFill>
-                      <a:prstDash val="solid"/>
-                      <a:round/>
-                      <a:headEnd type="none" w="med" len="med"/>
-                      <a:tailEnd type="none" w="med" len="med"/>
-                    </a:lnR>
-                  </a:tcPr>
-                </a:tc>
-                <a:tc>
-                  <a:txBody>
-                    <a:bodyPr/>
-                    <a:lstStyle/>
-                    <a:p>
-                      <a:pPr algn="ctr"/>
-                      <a:endParaRPr lang="it-IT" sz="1600">
-                        <a:latin typeface="Avenir Next LT Pro" panose="020B0504020202020204" pitchFamily="34" charset="0"/>
-                      </a:endParaRPr>
-                    </a:p>
-                  </a:txBody>
-                  <a:tcPr>
-                    <a:lnL w="12700" cap="flat" cmpd="sng" algn="ctr">
-                      <a:solidFill>
-                        <a:schemeClr val="tx1"/>
-                      </a:solidFill>
-                      <a:prstDash val="solid"/>
-                      <a:round/>
-                      <a:headEnd type="none" w="med" len="med"/>
-                      <a:tailEnd type="none" w="med" len="med"/>
-                    </a:lnL>
-                    <a:lnR w="12700" cap="flat" cmpd="sng" algn="ctr">
-                      <a:solidFill>
-                        <a:schemeClr val="tx1"/>
-                      </a:solidFill>
-                      <a:prstDash val="solid"/>
-                      <a:round/>
-                      <a:headEnd type="none" w="med" len="med"/>
-                      <a:tailEnd type="none" w="med" len="med"/>
-                    </a:lnR>
-                  </a:tcPr>
-                </a:tc>
-                <a:tc>
-                  <a:txBody>
-                    <a:bodyPr/>
-                    <a:lstStyle/>
-                    <a:p>
-                      <a:pPr algn="ctr"/>
-                      <a:endParaRPr lang="it-IT" sz="1600">
-                        <a:latin typeface="Avenir Next LT Pro" panose="020B0504020202020204" pitchFamily="34" charset="0"/>
-                      </a:endParaRPr>
-                    </a:p>
-                  </a:txBody>
-                  <a:tcPr>
-                    <a:lnL w="12700" cap="flat" cmpd="sng" algn="ctr">
-                      <a:solidFill>
-                        <a:schemeClr val="tx1"/>
-                      </a:solidFill>
-                      <a:prstDash val="solid"/>
-                      <a:round/>
-                      <a:headEnd type="none" w="med" len="med"/>
-                      <a:tailEnd type="none" w="med" len="med"/>
-                    </a:lnL>
                   </a:tcPr>
                 </a:tc>
                 <a:extLst>
@@ -37984,7 +37172,7 @@
         </p:nvSpPr>
         <p:spPr>
           <a:xfrm>
-            <a:off x="769650" y="4594163"/>
+            <a:off x="1997383" y="4620045"/>
             <a:ext cx="1799112" cy="461665"/>
           </a:xfrm>
           <a:prstGeom prst="rect">
@@ -38016,7 +37204,7 @@
     </p:spTree>
     <p:extLst>
       <p:ext uri="{BB962C8B-B14F-4D97-AF65-F5344CB8AC3E}">
-        <p14:creationId xmlns:p14="http://schemas.microsoft.com/office/powerpoint/2010/main" val="2345042767"/>
+        <p14:creationId xmlns:p14="http://schemas.microsoft.com/office/powerpoint/2010/main" val="478267495"/>
       </p:ext>
     </p:extLst>
   </p:cSld>
@@ -40870,14 +40058,14 @@
           <p:nvPr>
             <p:extLst>
               <p:ext uri="{D42A27DB-BD31-4B8C-83A1-F6EECF244321}">
-                <p14:modId xmlns:p14="http://schemas.microsoft.com/office/powerpoint/2010/main" val="1251645121"/>
+                <p14:modId xmlns:p14="http://schemas.microsoft.com/office/powerpoint/2010/main" val="3825467006"/>
               </p:ext>
             </p:extLst>
           </p:nvPr>
         </p:nvGraphicFramePr>
         <p:xfrm>
-          <a:off x="805162" y="801584"/>
-          <a:ext cx="10805648" cy="4054554"/>
+          <a:off x="941730" y="665018"/>
+          <a:ext cx="10805648" cy="4191120"/>
         </p:xfrm>
         <a:graphic>
           <a:graphicData uri="http://schemas.openxmlformats.org/drawingml/2006/diagram">
@@ -40899,7 +40087,7 @@
         </p:nvSpPr>
         <p:spPr>
           <a:xfrm>
-            <a:off x="2879766" y="994560"/>
+            <a:off x="3016334" y="994560"/>
             <a:ext cx="8550234" cy="2927483"/>
           </a:xfrm>
           <a:prstGeom prst="rect">
@@ -40953,7 +40141,7 @@
         </p:nvSpPr>
         <p:spPr>
           <a:xfrm>
-            <a:off x="5506788" y="1110927"/>
+            <a:off x="5643356" y="1110927"/>
             <a:ext cx="1457566" cy="685324"/>
           </a:xfrm>
           <a:prstGeom prst="rect">
@@ -41002,7 +40190,7 @@
         </p:nvSpPr>
         <p:spPr>
           <a:xfrm>
-            <a:off x="3856115" y="2565741"/>
+            <a:off x="3992683" y="2565741"/>
             <a:ext cx="1728559" cy="979715"/>
           </a:xfrm>
           <a:prstGeom prst="rect">
@@ -41240,8 +40428,8 @@
           <p:nvPr/>
         </p:nvSpPr>
         <p:spPr>
-          <a:xfrm>
-            <a:off x="2161309" y="2074711"/>
+          <a:xfrm rot="16200000">
+            <a:off x="1745919" y="1360143"/>
             <a:ext cx="516576" cy="307777"/>
           </a:xfrm>
           <a:prstGeom prst="rect">
@@ -41276,7 +40464,7 @@
         </p:nvSpPr>
         <p:spPr>
           <a:xfrm>
-            <a:off x="2808513" y="2242198"/>
+            <a:off x="2945081" y="2242198"/>
             <a:ext cx="142503" cy="150679"/>
           </a:xfrm>
           <a:prstGeom prst="ellipse">
@@ -41322,7 +40510,7 @@
         </p:nvGrpSpPr>
         <p:grpSpPr>
           <a:xfrm>
-            <a:off x="3960681" y="1227975"/>
+            <a:off x="4097249" y="1227975"/>
             <a:ext cx="1110084" cy="422695"/>
             <a:chOff x="0" y="1260317"/>
             <a:chExt cx="1230557" cy="518820"/>
@@ -41454,7 +40642,7 @@
         </p:nvGrpSpPr>
         <p:grpSpPr>
           <a:xfrm>
-            <a:off x="5584674" y="1220635"/>
+            <a:off x="5721242" y="1220635"/>
             <a:ext cx="1110084" cy="422695"/>
             <a:chOff x="0" y="1260317"/>
             <a:chExt cx="1230557" cy="518820"/>
@@ -41586,7 +40774,7 @@
         </p:nvSpPr>
         <p:spPr>
           <a:xfrm>
-            <a:off x="2840984" y="3922050"/>
+            <a:off x="2977552" y="3922050"/>
             <a:ext cx="2039774" cy="307777"/>
           </a:xfrm>
           <a:prstGeom prst="rect">
@@ -41618,13 +40806,14 @@
           </p:cNvPr>
           <p:cNvCxnSpPr>
             <a:cxnSpLocks/>
+            <a:endCxn id="51" idx="0"/>
           </p:cNvCxnSpPr>
           <p:nvPr/>
         </p:nvCxnSpPr>
         <p:spPr>
           <a:xfrm>
-            <a:off x="2000991" y="2329413"/>
-            <a:ext cx="807522" cy="0"/>
+            <a:off x="1923811" y="1282468"/>
+            <a:ext cx="0" cy="542075"/>
           </a:xfrm>
           <a:prstGeom prst="straightConnector1">
             <a:avLst/>
@@ -41666,7 +40855,7 @@
         </p:nvCxnSpPr>
         <p:spPr>
           <a:xfrm flipV="1">
-            <a:off x="5070765" y="1431983"/>
+            <a:off x="5207333" y="1431983"/>
             <a:ext cx="513909" cy="7340"/>
           </a:xfrm>
           <a:prstGeom prst="straightConnector1">
@@ -41709,7 +40898,7 @@
         </p:nvCxnSpPr>
         <p:spPr>
           <a:xfrm flipV="1">
-            <a:off x="2930147" y="1439323"/>
+            <a:off x="3066715" y="1439323"/>
             <a:ext cx="1030534" cy="824941"/>
           </a:xfrm>
           <a:prstGeom prst="straightConnector1">
@@ -41748,7 +40937,7 @@
         </p:nvSpPr>
         <p:spPr>
           <a:xfrm rot="19298652">
-            <a:off x="2831182" y="1610669"/>
+            <a:off x="2967750" y="1610669"/>
             <a:ext cx="975755" cy="307777"/>
           </a:xfrm>
           <a:prstGeom prst="rect">
@@ -41783,7 +40972,7 @@
         </p:nvGrpSpPr>
         <p:grpSpPr>
           <a:xfrm>
-            <a:off x="6457225" y="2028076"/>
+            <a:off x="6593793" y="2028076"/>
             <a:ext cx="1383215" cy="630437"/>
             <a:chOff x="0" y="1245986"/>
             <a:chExt cx="1230557" cy="533151"/>
@@ -41920,7 +41109,7 @@
         </p:nvCxnSpPr>
         <p:spPr>
           <a:xfrm>
-            <a:off x="2930147" y="2370811"/>
+            <a:off x="3066715" y="2370811"/>
             <a:ext cx="925968" cy="684788"/>
           </a:xfrm>
           <a:prstGeom prst="straightConnector1">
@@ -41959,7 +41148,7 @@
         </p:nvSpPr>
         <p:spPr>
           <a:xfrm rot="2276771">
-            <a:off x="2856317" y="2627697"/>
+            <a:off x="2992885" y="2627697"/>
             <a:ext cx="975755" cy="307777"/>
           </a:xfrm>
           <a:prstGeom prst="rect">
@@ -41993,13 +41182,13 @@
           <p:nvPr>
             <p:extLst>
               <p:ext uri="{D42A27DB-BD31-4B8C-83A1-F6EECF244321}">
-                <p14:modId xmlns:p14="http://schemas.microsoft.com/office/powerpoint/2010/main" val="271406600"/>
+                <p14:modId xmlns:p14="http://schemas.microsoft.com/office/powerpoint/2010/main" val="3608394129"/>
               </p:ext>
             </p:extLst>
           </p:nvPr>
         </p:nvGraphicFramePr>
         <p:xfrm>
-          <a:off x="7941381" y="1227975"/>
+          <a:off x="8077949" y="1227975"/>
           <a:ext cx="3705055" cy="2230641"/>
         </p:xfrm>
         <a:graphic>
@@ -42026,7 +41215,7 @@
         </p:nvCxnSpPr>
         <p:spPr>
           <a:xfrm rot="5400000">
-            <a:off x="4835617" y="1524761"/>
+            <a:off x="4972185" y="1524761"/>
             <a:ext cx="1185531" cy="1422668"/>
           </a:xfrm>
           <a:prstGeom prst="bentConnector3">
@@ -42067,7 +41256,7 @@
         </p:nvGrpSpPr>
         <p:grpSpPr>
           <a:xfrm>
-            <a:off x="4025440" y="2828861"/>
+            <a:off x="4162008" y="2828861"/>
             <a:ext cx="1383215" cy="630437"/>
             <a:chOff x="0" y="1245986"/>
             <a:chExt cx="1230557" cy="533151"/>
@@ -42199,7 +41388,7 @@
         </p:nvSpPr>
         <p:spPr>
           <a:xfrm rot="16200000">
-            <a:off x="6398148" y="1296187"/>
+            <a:off x="6534716" y="1296187"/>
             <a:ext cx="832001" cy="307777"/>
           </a:xfrm>
           <a:prstGeom prst="rect">
@@ -42238,7 +41427,7 @@
         </p:nvCxnSpPr>
         <p:spPr>
           <a:xfrm flipV="1">
-            <a:off x="5408655" y="2658513"/>
+            <a:off x="5545223" y="2658513"/>
             <a:ext cx="1740178" cy="494040"/>
           </a:xfrm>
           <a:prstGeom prst="bentConnector2">
@@ -42279,7 +41468,7 @@
         </p:nvCxnSpPr>
         <p:spPr>
           <a:xfrm>
-            <a:off x="7840440" y="2347096"/>
+            <a:off x="7977008" y="2347096"/>
             <a:ext cx="543539" cy="0"/>
           </a:xfrm>
           <a:prstGeom prst="straightConnector1">
@@ -42318,7 +41507,7 @@
         </p:nvSpPr>
         <p:spPr>
           <a:xfrm>
-            <a:off x="8542316" y="3846703"/>
+            <a:off x="8678884" y="3846703"/>
             <a:ext cx="142503" cy="150679"/>
           </a:xfrm>
           <a:prstGeom prst="ellipse">
@@ -42366,7 +41555,7 @@
         </p:nvCxnSpPr>
         <p:spPr>
           <a:xfrm>
-            <a:off x="8607629" y="3458616"/>
+            <a:off x="8744197" y="3458616"/>
             <a:ext cx="1" cy="388087"/>
           </a:xfrm>
           <a:prstGeom prst="straightConnector1">
@@ -42405,7 +41594,7 @@
         </p:nvGrpSpPr>
         <p:grpSpPr>
           <a:xfrm>
-            <a:off x="8004226" y="4340115"/>
+            <a:off x="8140794" y="4340115"/>
             <a:ext cx="1230557" cy="518820"/>
             <a:chOff x="0" y="1260317"/>
             <a:chExt cx="1230557" cy="518820"/>
@@ -42541,7 +41730,7 @@
         </p:nvCxnSpPr>
         <p:spPr>
           <a:xfrm>
-            <a:off x="8613568" y="3997382"/>
+            <a:off x="8750136" y="3997382"/>
             <a:ext cx="5937" cy="342733"/>
           </a:xfrm>
           <a:prstGeom prst="straightConnector1">
@@ -42580,7 +41769,7 @@
         </p:nvSpPr>
         <p:spPr>
           <a:xfrm>
-            <a:off x="8607628" y="3971233"/>
+            <a:off x="8744196" y="3971233"/>
             <a:ext cx="690751" cy="307777"/>
           </a:xfrm>
           <a:prstGeom prst="rect">
@@ -42618,12 +41807,12 @@
         </p:nvCxnSpPr>
         <p:spPr>
           <a:xfrm>
-            <a:off x="1407929" y="2565742"/>
-            <a:ext cx="6596297" cy="2033783"/>
+            <a:off x="1517815" y="1553505"/>
+            <a:ext cx="6622979" cy="3046020"/>
           </a:xfrm>
           <a:prstGeom prst="bentConnector3">
             <a:avLst>
-              <a:gd name="adj1" fmla="val 852"/>
+              <a:gd name="adj1" fmla="val -11681"/>
             </a:avLst>
           </a:prstGeom>
           <a:ln>
@@ -42658,8 +41847,8 @@
           <p:nvPr/>
         </p:nvSpPr>
         <p:spPr>
-          <a:xfrm rot="16200000">
-            <a:off x="1101727" y="2761565"/>
+          <a:xfrm>
+            <a:off x="1003836" y="1295288"/>
             <a:ext cx="474197" cy="307777"/>
           </a:xfrm>
           <a:prstGeom prst="rect">
@@ -42694,8 +41883,8 @@
         </p:nvSpPr>
         <p:spPr>
           <a:xfrm>
-            <a:off x="1107115" y="809349"/>
-            <a:ext cx="686404" cy="652604"/>
+            <a:off x="513351" y="809349"/>
+            <a:ext cx="668276" cy="418626"/>
           </a:xfrm>
           <a:prstGeom prst="ellipse">
             <a:avLst/>
@@ -42744,9 +41933,9 @@
           <p:nvPr/>
         </p:nvCxnSpPr>
         <p:spPr>
-          <a:xfrm flipH="1">
-            <a:off x="1441425" y="1461953"/>
-            <a:ext cx="2954" cy="629726"/>
+          <a:xfrm>
+            <a:off x="1181627" y="1024249"/>
+            <a:ext cx="163099" cy="0"/>
           </a:xfrm>
           <a:prstGeom prst="straightConnector1">
             <a:avLst/>
@@ -42784,7 +41973,7 @@
         </p:nvSpPr>
         <p:spPr>
           <a:xfrm>
-            <a:off x="3824135" y="2541287"/>
+            <a:off x="3960703" y="2541287"/>
             <a:ext cx="832001" cy="307777"/>
           </a:xfrm>
           <a:prstGeom prst="rect">
@@ -42805,6 +41994,300 @@
           </a:p>
         </p:txBody>
       </p:sp>
+      <p:sp>
+        <p:nvSpPr>
+          <p:cNvPr id="51" name="Rettangolo 50">
+            <a:extLst>
+              <a:ext uri="{FF2B5EF4-FFF2-40B4-BE49-F238E27FC236}">
+                <a16:creationId xmlns:a16="http://schemas.microsoft.com/office/drawing/2014/main" id="{82D0CB37-9C0E-4749-85A7-84FE910C91C2}"/>
+              </a:ext>
+            </a:extLst>
+          </p:cNvPr>
+          <p:cNvSpPr/>
+          <p:nvPr/>
+        </p:nvSpPr>
+        <p:spPr>
+          <a:xfrm>
+            <a:off x="1059531" y="1824543"/>
+            <a:ext cx="1728559" cy="979715"/>
+          </a:xfrm>
+          <a:prstGeom prst="rect">
+            <a:avLst/>
+          </a:prstGeom>
+          <a:solidFill>
+            <a:schemeClr val="accent2"/>
+          </a:solidFill>
+        </p:spPr>
+        <p:style>
+          <a:lnRef idx="2">
+            <a:schemeClr val="accent1">
+              <a:shade val="50000"/>
+            </a:schemeClr>
+          </a:lnRef>
+          <a:fillRef idx="1">
+            <a:schemeClr val="accent1"/>
+          </a:fillRef>
+          <a:effectRef idx="0">
+            <a:schemeClr val="accent1"/>
+          </a:effectRef>
+          <a:fontRef idx="minor">
+            <a:schemeClr val="lt1"/>
+          </a:fontRef>
+        </p:style>
+        <p:txBody>
+          <a:bodyPr rtlCol="0" anchor="ctr"/>
+          <a:lstStyle/>
+          <a:p>
+            <a:pPr algn="ctr"/>
+            <a:endParaRPr lang="it-IT"/>
+          </a:p>
+        </p:txBody>
+      </p:sp>
+      <p:grpSp>
+        <p:nvGrpSpPr>
+          <p:cNvPr id="52" name="Gruppo 51">
+            <a:extLst>
+              <a:ext uri="{FF2B5EF4-FFF2-40B4-BE49-F238E27FC236}">
+                <a16:creationId xmlns:a16="http://schemas.microsoft.com/office/drawing/2014/main" id="{31D99BED-749F-4FC9-B73B-4CD1D000C0E8}"/>
+              </a:ext>
+            </a:extLst>
+          </p:cNvPr>
+          <p:cNvGrpSpPr/>
+          <p:nvPr/>
+        </p:nvGrpSpPr>
+        <p:grpSpPr>
+          <a:xfrm>
+            <a:off x="1175415" y="2087663"/>
+            <a:ext cx="1491629" cy="630437"/>
+            <a:chOff x="0" y="1245986"/>
+            <a:chExt cx="1230557" cy="533151"/>
+          </a:xfrm>
+        </p:grpSpPr>
+        <p:sp>
+          <p:nvSpPr>
+            <p:cNvPr id="53" name="Rettangolo 52">
+              <a:extLst>
+                <a:ext uri="{FF2B5EF4-FFF2-40B4-BE49-F238E27FC236}">
+                  <a16:creationId xmlns:a16="http://schemas.microsoft.com/office/drawing/2014/main" id="{DC0E07E6-C93D-4882-967E-3E07CE968F50}"/>
+                </a:ext>
+              </a:extLst>
+            </p:cNvPr>
+            <p:cNvSpPr/>
+            <p:nvPr/>
+          </p:nvSpPr>
+          <p:spPr>
+            <a:xfrm>
+              <a:off x="0" y="1260317"/>
+              <a:ext cx="1230557" cy="518820"/>
+            </a:xfrm>
+            <a:prstGeom prst="rect">
+              <a:avLst/>
+            </a:prstGeom>
+          </p:spPr>
+          <p:style>
+            <a:lnRef idx="2">
+              <a:schemeClr val="lt1">
+                <a:hueOff val="0"/>
+                <a:satOff val="0"/>
+                <a:lumOff val="0"/>
+                <a:alphaOff val="0"/>
+              </a:schemeClr>
+            </a:lnRef>
+            <a:fillRef idx="1">
+              <a:schemeClr val="accent1">
+                <a:hueOff val="0"/>
+                <a:satOff val="0"/>
+                <a:lumOff val="0"/>
+                <a:alphaOff val="0"/>
+              </a:schemeClr>
+            </a:fillRef>
+            <a:effectRef idx="0">
+              <a:schemeClr val="accent1">
+                <a:hueOff val="0"/>
+                <a:satOff val="0"/>
+                <a:lumOff val="0"/>
+                <a:alphaOff val="0"/>
+              </a:schemeClr>
+            </a:effectRef>
+            <a:fontRef idx="minor">
+              <a:schemeClr val="lt1"/>
+            </a:fontRef>
+          </p:style>
+        </p:sp>
+        <p:sp>
+          <p:nvSpPr>
+            <p:cNvPr id="54" name="CasellaDiTesto 53">
+              <a:extLst>
+                <a:ext uri="{FF2B5EF4-FFF2-40B4-BE49-F238E27FC236}">
+                  <a16:creationId xmlns:a16="http://schemas.microsoft.com/office/drawing/2014/main" id="{9E3D3602-475F-4EB2-8FCB-6254023C487F}"/>
+                </a:ext>
+              </a:extLst>
+            </p:cNvPr>
+            <p:cNvSpPr txBox="1"/>
+            <p:nvPr/>
+          </p:nvSpPr>
+          <p:spPr>
+            <a:xfrm>
+              <a:off x="0" y="1245986"/>
+              <a:ext cx="1230557" cy="533151"/>
+            </a:xfrm>
+            <a:prstGeom prst="rect">
+              <a:avLst/>
+            </a:prstGeom>
+          </p:spPr>
+          <p:style>
+            <a:lnRef idx="0">
+              <a:scrgbClr r="0" g="0" b="0"/>
+            </a:lnRef>
+            <a:fillRef idx="0">
+              <a:scrgbClr r="0" g="0" b="0"/>
+            </a:fillRef>
+            <a:effectRef idx="0">
+              <a:scrgbClr r="0" g="0" b="0"/>
+            </a:effectRef>
+            <a:fontRef idx="minor">
+              <a:schemeClr val="lt1"/>
+            </a:fontRef>
+          </p:style>
+          <p:txBody>
+            <a:bodyPr spcFirstLastPara="0" vert="horz" wrap="square" lIns="12700" tIns="12700" rIns="12700" bIns="12700" numCol="1" spcCol="1270" anchor="ctr" anchorCtr="0">
+              <a:noAutofit/>
+            </a:bodyPr>
+            <a:lstStyle/>
+            <a:p>
+              <a:pPr marL="0" lvl="0" indent="0" algn="ctr" defTabSz="889000">
+                <a:lnSpc>
+                  <a:spcPct val="90000"/>
+                </a:lnSpc>
+                <a:spcBef>
+                  <a:spcPct val="0"/>
+                </a:spcBef>
+                <a:spcAft>
+                  <a:spcPct val="35000"/>
+                </a:spcAft>
+                <a:buNone/>
+              </a:pPr>
+              <a:r>
+                <a:rPr lang="it-IT" sz="2000"/>
+                <a:t>Oversampler</a:t>
+              </a:r>
+              <a:endParaRPr lang="it-IT" sz="2000" kern="1200"/>
+            </a:p>
+          </p:txBody>
+        </p:sp>
+      </p:grpSp>
+      <p:sp>
+        <p:nvSpPr>
+          <p:cNvPr id="55" name="CasellaDiTesto 54">
+            <a:extLst>
+              <a:ext uri="{FF2B5EF4-FFF2-40B4-BE49-F238E27FC236}">
+                <a16:creationId xmlns:a16="http://schemas.microsoft.com/office/drawing/2014/main" id="{B2A45079-6DD8-441A-997A-C11BD9572351}"/>
+              </a:ext>
+            </a:extLst>
+          </p:cNvPr>
+          <p:cNvSpPr txBox="1"/>
+          <p:nvPr/>
+        </p:nvSpPr>
+        <p:spPr>
+          <a:xfrm>
+            <a:off x="1027551" y="1800089"/>
+            <a:ext cx="832001" cy="307777"/>
+          </a:xfrm>
+          <a:prstGeom prst="rect">
+            <a:avLst/>
+          </a:prstGeom>
+          <a:noFill/>
+        </p:spPr>
+        <p:txBody>
+          <a:bodyPr wrap="square" rtlCol="0">
+            <a:spAutoFit/>
+          </a:bodyPr>
+          <a:lstStyle/>
+          <a:p>
+            <a:r>
+              <a:rPr lang="it-IT" sz="1400"/>
+              <a:t>Optional</a:t>
+            </a:r>
+          </a:p>
+        </p:txBody>
+      </p:sp>
+      <p:cxnSp>
+        <p:nvCxnSpPr>
+          <p:cNvPr id="61" name="Connettore 2 60">
+            <a:extLst>
+              <a:ext uri="{FF2B5EF4-FFF2-40B4-BE49-F238E27FC236}">
+                <a16:creationId xmlns:a16="http://schemas.microsoft.com/office/drawing/2014/main" id="{3FDEA5F8-862D-4B86-A3B1-1C21169FE40A}"/>
+              </a:ext>
+            </a:extLst>
+          </p:cNvPr>
+          <p:cNvCxnSpPr>
+            <a:cxnSpLocks/>
+          </p:cNvCxnSpPr>
+          <p:nvPr/>
+        </p:nvCxnSpPr>
+        <p:spPr>
+          <a:xfrm>
+            <a:off x="2792681" y="2323344"/>
+            <a:ext cx="152400" cy="0"/>
+          </a:xfrm>
+          <a:prstGeom prst="straightConnector1">
+            <a:avLst/>
+          </a:prstGeom>
+          <a:ln>
+            <a:tailEnd type="triangle"/>
+          </a:ln>
+        </p:spPr>
+        <p:style>
+          <a:lnRef idx="1">
+            <a:schemeClr val="accent1"/>
+          </a:lnRef>
+          <a:fillRef idx="0">
+            <a:schemeClr val="accent1"/>
+          </a:fillRef>
+          <a:effectRef idx="0">
+            <a:schemeClr val="accent1"/>
+          </a:effectRef>
+          <a:fontRef idx="minor">
+            <a:schemeClr val="tx1"/>
+          </a:fontRef>
+        </p:style>
+      </p:cxnSp>
+      <p:cxnSp>
+        <p:nvCxnSpPr>
+          <p:cNvPr id="35" name="Connettore diritto 34">
+            <a:extLst>
+              <a:ext uri="{FF2B5EF4-FFF2-40B4-BE49-F238E27FC236}">
+                <a16:creationId xmlns:a16="http://schemas.microsoft.com/office/drawing/2014/main" id="{6CF7A11B-0A62-4A53-BD14-A8D1ECA43C13}"/>
+              </a:ext>
+            </a:extLst>
+          </p:cNvPr>
+          <p:cNvCxnSpPr/>
+          <p:nvPr/>
+        </p:nvCxnSpPr>
+        <p:spPr>
+          <a:xfrm flipV="1">
+            <a:off x="1528504" y="1252946"/>
+            <a:ext cx="0" cy="300559"/>
+          </a:xfrm>
+          <a:prstGeom prst="line">
+            <a:avLst/>
+          </a:prstGeom>
+        </p:spPr>
+        <p:style>
+          <a:lnRef idx="1">
+            <a:schemeClr val="accent1"/>
+          </a:lnRef>
+          <a:fillRef idx="0">
+            <a:schemeClr val="accent1"/>
+          </a:fillRef>
+          <a:effectRef idx="0">
+            <a:schemeClr val="accent1"/>
+          </a:effectRef>
+          <a:fontRef idx="minor">
+            <a:schemeClr val="tx1"/>
+          </a:fontRef>
+        </p:style>
+      </p:cxnSp>
     </p:spTree>
     <p:extLst>
       <p:ext uri="{BB962C8B-B14F-4D97-AF65-F5344CB8AC3E}">

--- a/presentation/fraudolent_transaction.pptx
+++ b/presentation/fraudolent_transaction.pptx
@@ -5,10 +5,10 @@
     <p:sldMasterId id="2147483672" r:id="rId1"/>
   </p:sldMasterIdLst>
   <p:notesMasterIdLst>
-    <p:notesMasterId r:id="rId15"/>
+    <p:notesMasterId r:id="rId16"/>
   </p:notesMasterIdLst>
   <p:handoutMasterIdLst>
-    <p:handoutMasterId r:id="rId16"/>
+    <p:handoutMasterId r:id="rId17"/>
   </p:handoutMasterIdLst>
   <p:sldIdLst>
     <p:sldId id="256" r:id="rId2"/>
@@ -21,9 +21,10 @@
     <p:sldId id="268" r:id="rId9"/>
     <p:sldId id="269" r:id="rId10"/>
     <p:sldId id="270" r:id="rId11"/>
-    <p:sldId id="271" r:id="rId12"/>
-    <p:sldId id="272" r:id="rId13"/>
-    <p:sldId id="274" r:id="rId14"/>
+    <p:sldId id="276" r:id="rId12"/>
+    <p:sldId id="275" r:id="rId13"/>
+    <p:sldId id="272" r:id="rId14"/>
+    <p:sldId id="274" r:id="rId15"/>
   </p:sldIdLst>
   <p:sldSz cx="12192000" cy="6858000"/>
   <p:notesSz cx="6858000" cy="9144000"/>
@@ -31658,6 +31659,695 @@
           <p:cNvPr id="2" name="Titolo 1">
             <a:extLst>
               <a:ext uri="{FF2B5EF4-FFF2-40B4-BE49-F238E27FC236}">
+                <a16:creationId xmlns:a16="http://schemas.microsoft.com/office/drawing/2014/main" id="{2D4F70C5-0703-4DD4-BA30-EC5493220F65}"/>
+              </a:ext>
+            </a:extLst>
+          </p:cNvPr>
+          <p:cNvSpPr>
+            <a:spLocks noGrp="1"/>
+          </p:cNvSpPr>
+          <p:nvPr>
+            <p:ph type="title"/>
+          </p:nvPr>
+        </p:nvSpPr>
+        <p:spPr>
+          <a:xfrm>
+            <a:off x="581192" y="5262296"/>
+            <a:ext cx="5291156" cy="689514"/>
+          </a:xfrm>
+        </p:spPr>
+        <p:txBody>
+          <a:bodyPr>
+            <a:noAutofit/>
+          </a:bodyPr>
+          <a:lstStyle/>
+          <a:p>
+            <a:r>
+              <a:rPr lang="it-IT" sz="2800"/>
+              <a:t>		</a:t>
+            </a:r>
+            <a:r>
+              <a:rPr lang="it-IT" sz="2800">
+                <a:solidFill>
+                  <a:schemeClr val="bg1"/>
+                </a:solidFill>
+              </a:rPr>
+              <a:t>.2 – TRAIN OVERSAMPLER</a:t>
+            </a:r>
+            <a:endParaRPr lang="it-IT" sz="2800"/>
+          </a:p>
+        </p:txBody>
+      </p:sp>
+      <p:grpSp>
+        <p:nvGrpSpPr>
+          <p:cNvPr id="5" name="Gruppo 4">
+            <a:extLst>
+              <a:ext uri="{FF2B5EF4-FFF2-40B4-BE49-F238E27FC236}">
+                <a16:creationId xmlns:a16="http://schemas.microsoft.com/office/drawing/2014/main" id="{6119A0C5-EF17-40FD-A973-25BD252D8628}"/>
+              </a:ext>
+            </a:extLst>
+          </p:cNvPr>
+          <p:cNvGrpSpPr/>
+          <p:nvPr/>
+        </p:nvGrpSpPr>
+        <p:grpSpPr>
+          <a:xfrm rot="10800000">
+            <a:off x="673890" y="5014562"/>
+            <a:ext cx="719101" cy="1242237"/>
+            <a:chOff x="1" y="13513"/>
+            <a:chExt cx="602970" cy="861385"/>
+          </a:xfrm>
+        </p:grpSpPr>
+        <p:sp>
+          <p:nvSpPr>
+            <p:cNvPr id="6" name="Freccia a gallone 5">
+              <a:extLst>
+                <a:ext uri="{FF2B5EF4-FFF2-40B4-BE49-F238E27FC236}">
+                  <a16:creationId xmlns:a16="http://schemas.microsoft.com/office/drawing/2014/main" id="{B656033D-4A78-440D-A14A-24A8ACA038DC}"/>
+                </a:ext>
+              </a:extLst>
+            </p:cNvPr>
+            <p:cNvSpPr/>
+            <p:nvPr/>
+          </p:nvSpPr>
+          <p:spPr>
+            <a:xfrm rot="5400000">
+              <a:off x="-129207" y="142721"/>
+              <a:ext cx="861385" cy="602970"/>
+            </a:xfrm>
+            <a:prstGeom prst="chevron">
+              <a:avLst/>
+            </a:prstGeom>
+            <a:solidFill>
+              <a:schemeClr val="bg1"/>
+            </a:solidFill>
+          </p:spPr>
+          <p:style>
+            <a:lnRef idx="2">
+              <a:schemeClr val="accent1">
+                <a:hueOff val="0"/>
+                <a:satOff val="0"/>
+                <a:lumOff val="0"/>
+                <a:alphaOff val="0"/>
+              </a:schemeClr>
+            </a:lnRef>
+            <a:fillRef idx="1">
+              <a:schemeClr val="accent1">
+                <a:hueOff val="0"/>
+                <a:satOff val="0"/>
+                <a:lumOff val="0"/>
+                <a:alphaOff val="0"/>
+              </a:schemeClr>
+            </a:fillRef>
+            <a:effectRef idx="0">
+              <a:schemeClr val="accent1">
+                <a:hueOff val="0"/>
+                <a:satOff val="0"/>
+                <a:lumOff val="0"/>
+                <a:alphaOff val="0"/>
+              </a:schemeClr>
+            </a:effectRef>
+            <a:fontRef idx="minor">
+              <a:schemeClr val="lt1"/>
+            </a:fontRef>
+          </p:style>
+        </p:sp>
+        <p:sp>
+          <p:nvSpPr>
+            <p:cNvPr id="7" name="Freccia a gallone 4">
+              <a:extLst>
+                <a:ext uri="{FF2B5EF4-FFF2-40B4-BE49-F238E27FC236}">
+                  <a16:creationId xmlns:a16="http://schemas.microsoft.com/office/drawing/2014/main" id="{0245AF58-447A-432E-B276-739487AF3B49}"/>
+                </a:ext>
+              </a:extLst>
+            </p:cNvPr>
+            <p:cNvSpPr txBox="1"/>
+            <p:nvPr/>
+          </p:nvSpPr>
+          <p:spPr>
+            <a:xfrm rot="10800000">
+              <a:off x="1" y="334849"/>
+              <a:ext cx="602970" cy="258415"/>
+            </a:xfrm>
+            <a:prstGeom prst="rect">
+              <a:avLst/>
+            </a:prstGeom>
+          </p:spPr>
+          <p:style>
+            <a:lnRef idx="0">
+              <a:scrgbClr r="0" g="0" b="0"/>
+            </a:lnRef>
+            <a:fillRef idx="0">
+              <a:scrgbClr r="0" g="0" b="0"/>
+            </a:fillRef>
+            <a:effectRef idx="0">
+              <a:scrgbClr r="0" g="0" b="0"/>
+            </a:effectRef>
+            <a:fontRef idx="minor">
+              <a:schemeClr val="lt1"/>
+            </a:fontRef>
+          </p:style>
+          <p:txBody>
+            <a:bodyPr spcFirstLastPara="0" vert="horz" wrap="square" lIns="10795" tIns="10795" rIns="10795" bIns="10795" numCol="1" spcCol="1270" anchor="ctr" anchorCtr="0">
+              <a:noAutofit/>
+            </a:bodyPr>
+            <a:lstStyle/>
+            <a:p>
+              <a:pPr marL="0" lvl="0" indent="0" algn="ctr" defTabSz="755650">
+                <a:lnSpc>
+                  <a:spcPct val="90000"/>
+                </a:lnSpc>
+                <a:spcBef>
+                  <a:spcPct val="0"/>
+                </a:spcBef>
+                <a:spcAft>
+                  <a:spcPct val="35000"/>
+                </a:spcAft>
+                <a:buNone/>
+              </a:pPr>
+              <a:r>
+                <a:rPr lang="it-IT" sz="2800">
+                  <a:solidFill>
+                    <a:schemeClr val="accent1"/>
+                  </a:solidFill>
+                  <a:latin typeface="+mj-lt"/>
+                </a:rPr>
+                <a:t>4</a:t>
+              </a:r>
+              <a:endParaRPr lang="it-IT" sz="2800" kern="1200">
+                <a:solidFill>
+                  <a:schemeClr val="accent1"/>
+                </a:solidFill>
+                <a:latin typeface="+mj-lt"/>
+              </a:endParaRPr>
+            </a:p>
+          </p:txBody>
+        </p:sp>
+      </p:grpSp>
+      <p:sp>
+        <p:nvSpPr>
+          <p:cNvPr id="8" name="Segnaposto contenuto 2">
+            <a:extLst>
+              <a:ext uri="{FF2B5EF4-FFF2-40B4-BE49-F238E27FC236}">
+                <a16:creationId xmlns:a16="http://schemas.microsoft.com/office/drawing/2014/main" id="{0C24FC21-C61C-42B5-A6B3-BA315C920B0A}"/>
+              </a:ext>
+            </a:extLst>
+          </p:cNvPr>
+          <p:cNvSpPr txBox="1">
+            <a:spLocks/>
+          </p:cNvSpPr>
+          <p:nvPr/>
+        </p:nvSpPr>
+        <p:spPr>
+          <a:xfrm>
+            <a:off x="694061" y="831273"/>
+            <a:ext cx="10795316" cy="3936670"/>
+          </a:xfrm>
+          <a:prstGeom prst="rect">
+            <a:avLst/>
+          </a:prstGeom>
+        </p:spPr>
+        <p:txBody>
+          <a:bodyPr vert="horz" lIns="91440" tIns="45720" rIns="91440" bIns="45720" rtlCol="0" anchor="ctr">
+            <a:normAutofit/>
+          </a:bodyPr>
+          <a:lstStyle>
+            <a:lvl1pPr marL="306000" indent="-306000" algn="l" defTabSz="457200" rtl="0" eaLnBrk="1" latinLnBrk="0" hangingPunct="1">
+              <a:spcBef>
+                <a:spcPct val="20000"/>
+              </a:spcBef>
+              <a:spcAft>
+                <a:spcPts val="600"/>
+              </a:spcAft>
+              <a:buClr>
+                <a:schemeClr val="accent2"/>
+              </a:buClr>
+              <a:buSzPct val="92000"/>
+              <a:buFont typeface="Wingdings 2" panose="05020102010507070707" pitchFamily="18" charset="2"/>
+              <a:buChar char=""/>
+              <a:defRPr sz="1800" kern="1200">
+                <a:solidFill>
+                  <a:schemeClr val="tx2"/>
+                </a:solidFill>
+                <a:latin typeface="+mn-lt"/>
+                <a:ea typeface="+mn-ea"/>
+                <a:cs typeface="+mn-cs"/>
+              </a:defRPr>
+            </a:lvl1pPr>
+            <a:lvl2pPr marL="630000" indent="-306000" algn="l" defTabSz="457200" rtl="0" eaLnBrk="1" latinLnBrk="0" hangingPunct="1">
+              <a:spcBef>
+                <a:spcPct val="20000"/>
+              </a:spcBef>
+              <a:spcAft>
+                <a:spcPts val="600"/>
+              </a:spcAft>
+              <a:buClr>
+                <a:schemeClr val="accent2"/>
+              </a:buClr>
+              <a:buSzPct val="92000"/>
+              <a:buFont typeface="Wingdings 2" panose="05020102010507070707" pitchFamily="18" charset="2"/>
+              <a:buChar char=""/>
+              <a:defRPr sz="1600" kern="1200">
+                <a:solidFill>
+                  <a:schemeClr val="tx2"/>
+                </a:solidFill>
+                <a:latin typeface="+mn-lt"/>
+                <a:ea typeface="+mn-ea"/>
+                <a:cs typeface="+mn-cs"/>
+              </a:defRPr>
+            </a:lvl2pPr>
+            <a:lvl3pPr marL="900000" indent="-270000" algn="l" defTabSz="457200" rtl="0" eaLnBrk="1" latinLnBrk="0" hangingPunct="1">
+              <a:spcBef>
+                <a:spcPct val="20000"/>
+              </a:spcBef>
+              <a:spcAft>
+                <a:spcPts val="600"/>
+              </a:spcAft>
+              <a:buClr>
+                <a:schemeClr val="accent2"/>
+              </a:buClr>
+              <a:buSzPct val="92000"/>
+              <a:buFont typeface="Wingdings 2" panose="05020102010507070707" pitchFamily="18" charset="2"/>
+              <a:buChar char=""/>
+              <a:defRPr sz="1400" kern="1200">
+                <a:solidFill>
+                  <a:schemeClr val="tx2"/>
+                </a:solidFill>
+                <a:latin typeface="+mn-lt"/>
+                <a:ea typeface="+mn-ea"/>
+                <a:cs typeface="+mn-cs"/>
+              </a:defRPr>
+            </a:lvl3pPr>
+            <a:lvl4pPr marL="1242000" indent="-234000" algn="l" defTabSz="457200" rtl="0" eaLnBrk="1" latinLnBrk="0" hangingPunct="1">
+              <a:spcBef>
+                <a:spcPct val="20000"/>
+              </a:spcBef>
+              <a:spcAft>
+                <a:spcPts val="600"/>
+              </a:spcAft>
+              <a:buClr>
+                <a:schemeClr val="accent2"/>
+              </a:buClr>
+              <a:buSzPct val="92000"/>
+              <a:buFont typeface="Wingdings 2" panose="05020102010507070707" pitchFamily="18" charset="2"/>
+              <a:buChar char=""/>
+              <a:defRPr sz="1200" kern="1200">
+                <a:solidFill>
+                  <a:schemeClr val="tx2"/>
+                </a:solidFill>
+                <a:latin typeface="+mn-lt"/>
+                <a:ea typeface="+mn-ea"/>
+                <a:cs typeface="+mn-cs"/>
+              </a:defRPr>
+            </a:lvl4pPr>
+            <a:lvl5pPr marL="1602000" indent="-234000" algn="l" defTabSz="457200" rtl="0" eaLnBrk="1" latinLnBrk="0" hangingPunct="1">
+              <a:spcBef>
+                <a:spcPct val="20000"/>
+              </a:spcBef>
+              <a:spcAft>
+                <a:spcPts val="600"/>
+              </a:spcAft>
+              <a:buClr>
+                <a:schemeClr val="accent2"/>
+              </a:buClr>
+              <a:buSzPct val="92000"/>
+              <a:buFont typeface="Wingdings 2" panose="05020102010507070707" pitchFamily="18" charset="2"/>
+              <a:buChar char=""/>
+              <a:defRPr sz="1200" kern="1200">
+                <a:solidFill>
+                  <a:schemeClr val="tx2"/>
+                </a:solidFill>
+                <a:latin typeface="+mn-lt"/>
+                <a:ea typeface="+mn-ea"/>
+                <a:cs typeface="+mn-cs"/>
+              </a:defRPr>
+            </a:lvl5pPr>
+            <a:lvl6pPr marL="1900000" indent="-228600" algn="l" defTabSz="457200" rtl="0" eaLnBrk="1" latinLnBrk="0" hangingPunct="1">
+              <a:spcBef>
+                <a:spcPct val="20000"/>
+              </a:spcBef>
+              <a:spcAft>
+                <a:spcPts val="600"/>
+              </a:spcAft>
+              <a:buClr>
+                <a:schemeClr val="accent2"/>
+              </a:buClr>
+              <a:buSzPct val="92000"/>
+              <a:buFont typeface="Wingdings 2" panose="05020102010507070707" pitchFamily="18" charset="2"/>
+              <a:buChar char=""/>
+              <a:defRPr sz="1200" kern="1200">
+                <a:solidFill>
+                  <a:schemeClr val="tx2"/>
+                </a:solidFill>
+                <a:latin typeface="+mn-lt"/>
+                <a:ea typeface="+mn-ea"/>
+                <a:cs typeface="+mn-cs"/>
+              </a:defRPr>
+            </a:lvl6pPr>
+            <a:lvl7pPr marL="2200000" indent="-228600" algn="l" defTabSz="457200" rtl="0" eaLnBrk="1" latinLnBrk="0" hangingPunct="1">
+              <a:spcBef>
+                <a:spcPct val="20000"/>
+              </a:spcBef>
+              <a:spcAft>
+                <a:spcPts val="600"/>
+              </a:spcAft>
+              <a:buClr>
+                <a:schemeClr val="accent2"/>
+              </a:buClr>
+              <a:buSzPct val="92000"/>
+              <a:buFont typeface="Wingdings 2" panose="05020102010507070707" pitchFamily="18" charset="2"/>
+              <a:buChar char=""/>
+              <a:defRPr sz="1200" kern="1200">
+                <a:solidFill>
+                  <a:schemeClr val="tx2"/>
+                </a:solidFill>
+                <a:latin typeface="+mn-lt"/>
+                <a:ea typeface="+mn-ea"/>
+                <a:cs typeface="+mn-cs"/>
+              </a:defRPr>
+            </a:lvl7pPr>
+            <a:lvl8pPr marL="2500000" indent="-228600" algn="l" defTabSz="457200" rtl="0" eaLnBrk="1" latinLnBrk="0" hangingPunct="1">
+              <a:spcBef>
+                <a:spcPct val="20000"/>
+              </a:spcBef>
+              <a:spcAft>
+                <a:spcPts val="600"/>
+              </a:spcAft>
+              <a:buClr>
+                <a:schemeClr val="accent2"/>
+              </a:buClr>
+              <a:buSzPct val="92000"/>
+              <a:buFont typeface="Wingdings 2" panose="05020102010507070707" pitchFamily="18" charset="2"/>
+              <a:buChar char=""/>
+              <a:defRPr sz="1200" kern="1200">
+                <a:solidFill>
+                  <a:schemeClr val="tx2"/>
+                </a:solidFill>
+                <a:latin typeface="+mn-lt"/>
+                <a:ea typeface="+mn-ea"/>
+                <a:cs typeface="+mn-cs"/>
+              </a:defRPr>
+            </a:lvl8pPr>
+            <a:lvl9pPr marL="2800000" indent="-228600" algn="l" defTabSz="457200" rtl="0" eaLnBrk="1" latinLnBrk="0" hangingPunct="1">
+              <a:spcBef>
+                <a:spcPct val="20000"/>
+              </a:spcBef>
+              <a:spcAft>
+                <a:spcPts val="600"/>
+              </a:spcAft>
+              <a:buClr>
+                <a:schemeClr val="accent2"/>
+              </a:buClr>
+              <a:buSzPct val="92000"/>
+              <a:buFont typeface="Wingdings 2" panose="05020102010507070707" pitchFamily="18" charset="2"/>
+              <a:buChar char=""/>
+              <a:defRPr sz="1200" kern="1200">
+                <a:solidFill>
+                  <a:schemeClr val="tx2"/>
+                </a:solidFill>
+                <a:latin typeface="+mn-lt"/>
+                <a:ea typeface="+mn-ea"/>
+                <a:cs typeface="+mn-cs"/>
+              </a:defRPr>
+            </a:lvl9pPr>
+          </a:lstStyle>
+          <a:p>
+            <a:r>
+              <a:rPr lang="it-IT">
+                <a:solidFill>
+                  <a:schemeClr val="tx1"/>
+                </a:solidFill>
+              </a:rPr>
+              <a:t>After the stratified sampling, the train dataset was </a:t>
+            </a:r>
+            <a:r>
+              <a:rPr lang="it-IT">
+                <a:solidFill>
+                  <a:schemeClr val="accent2"/>
+                </a:solidFill>
+              </a:rPr>
+              <a:t>still highly unbalanced</a:t>
+            </a:r>
+          </a:p>
+          <a:p>
+            <a:r>
+              <a:rPr lang="it-IT">
+                <a:solidFill>
+                  <a:schemeClr val="tx1"/>
+                </a:solidFill>
+              </a:rPr>
+              <a:t>We have </a:t>
+            </a:r>
+            <a:r>
+              <a:rPr lang="it-IT">
+                <a:solidFill>
+                  <a:schemeClr val="accent4"/>
+                </a:solidFill>
+              </a:rPr>
+              <a:t>342530</a:t>
+            </a:r>
+            <a:r>
+              <a:rPr lang="it-IT">
+                <a:solidFill>
+                  <a:schemeClr val="tx1"/>
+                </a:solidFill>
+              </a:rPr>
+              <a:t> of 0s and </a:t>
+            </a:r>
+            <a:r>
+              <a:rPr lang="it-IT">
+                <a:solidFill>
+                  <a:schemeClr val="accent4"/>
+                </a:solidFill>
+              </a:rPr>
+              <a:t>14511</a:t>
+            </a:r>
+            <a:r>
+              <a:rPr lang="it-IT">
+                <a:solidFill>
+                  <a:schemeClr val="tx1"/>
+                </a:solidFill>
+              </a:rPr>
+              <a:t> of 1s. </a:t>
+            </a:r>
+          </a:p>
+          <a:p>
+            <a:r>
+              <a:rPr lang="it-IT">
+                <a:solidFill>
+                  <a:schemeClr val="tx1"/>
+                </a:solidFill>
+              </a:rPr>
+              <a:t>I decided to apply </a:t>
+            </a:r>
+            <a:r>
+              <a:rPr lang="it-IT">
+                <a:solidFill>
+                  <a:schemeClr val="accent2"/>
+                </a:solidFill>
+              </a:rPr>
+              <a:t>oversampling</a:t>
+            </a:r>
+            <a:r>
+              <a:rPr lang="it-IT">
+                <a:solidFill>
+                  <a:schemeClr val="tx1"/>
+                </a:solidFill>
+              </a:rPr>
+              <a:t> on the train set</a:t>
+            </a:r>
+          </a:p>
+          <a:p>
+            <a:pPr lvl="1"/>
+            <a:r>
+              <a:rPr lang="it-IT">
+                <a:solidFill>
+                  <a:schemeClr val="tx1"/>
+                </a:solidFill>
+              </a:rPr>
+              <a:t>After this I had 342530 of equal entries for fraudolent transactions</a:t>
+            </a:r>
+          </a:p>
+          <a:p>
+            <a:pPr lvl="1"/>
+            <a:r>
+              <a:rPr lang="it-IT">
+                <a:solidFill>
+                  <a:schemeClr val="tx1"/>
+                </a:solidFill>
+              </a:rPr>
+              <a:t>I decided to keep only the </a:t>
+            </a:r>
+            <a:r>
+              <a:rPr lang="it-IT">
+                <a:solidFill>
+                  <a:schemeClr val="accent2"/>
+                </a:solidFill>
+              </a:rPr>
+              <a:t>60%</a:t>
+            </a:r>
+            <a:r>
+              <a:rPr lang="it-IT">
+                <a:solidFill>
+                  <a:schemeClr val="tx1"/>
+                </a:solidFill>
+              </a:rPr>
+              <a:t> of them</a:t>
+            </a:r>
+          </a:p>
+          <a:p>
+            <a:pPr lvl="1"/>
+            <a:r>
+              <a:rPr lang="it-IT">
+                <a:solidFill>
+                  <a:schemeClr val="tx1"/>
+                </a:solidFill>
+              </a:rPr>
+              <a:t>That because, keeping all of them, I obtained a high number of False Positive</a:t>
+            </a:r>
+          </a:p>
+          <a:p>
+            <a:pPr lvl="1"/>
+            <a:r>
+              <a:rPr lang="it-IT">
+                <a:solidFill>
+                  <a:schemeClr val="tx1"/>
+                </a:solidFill>
+              </a:rPr>
+              <a:t>A high number of non fraduolent have been classified as fraduolent</a:t>
+            </a:r>
+          </a:p>
+          <a:p>
+            <a:r>
+              <a:rPr lang="it-IT">
+                <a:solidFill>
+                  <a:schemeClr val="tx1"/>
+                </a:solidFill>
+              </a:rPr>
+              <a:t>Finally, the train set contains </a:t>
+            </a:r>
+            <a:r>
+              <a:rPr lang="it-IT">
+                <a:solidFill>
+                  <a:schemeClr val="accent2"/>
+                </a:solidFill>
+              </a:rPr>
+              <a:t>63.3%</a:t>
+            </a:r>
+            <a:r>
+              <a:rPr lang="it-IT">
+                <a:solidFill>
+                  <a:schemeClr val="tx1"/>
+                </a:solidFill>
+              </a:rPr>
+              <a:t> of non fraud and </a:t>
+            </a:r>
+            <a:r>
+              <a:rPr lang="it-IT">
+                <a:solidFill>
+                  <a:schemeClr val="accent2"/>
+                </a:solidFill>
+              </a:rPr>
+              <a:t>36.7%</a:t>
+            </a:r>
+            <a:r>
+              <a:rPr lang="it-IT">
+                <a:solidFill>
+                  <a:schemeClr val="tx1"/>
+                </a:solidFill>
+              </a:rPr>
+              <a:t> of fraudolent</a:t>
+            </a:r>
+          </a:p>
+        </p:txBody>
+      </p:sp>
+    </p:spTree>
+    <p:extLst>
+      <p:ext uri="{BB962C8B-B14F-4D97-AF65-F5344CB8AC3E}">
+        <p14:creationId xmlns:p14="http://schemas.microsoft.com/office/powerpoint/2010/main" val="3464525255"/>
+      </p:ext>
+    </p:extLst>
+  </p:cSld>
+  <p:clrMapOvr>
+    <a:masterClrMapping/>
+  </p:clrMapOvr>
+</p:sld>
+</file>
+
+<file path=ppt/slides/slide12.xml><?xml version="1.0" encoding="utf-8"?>
+<p:sld xmlns:a="http://schemas.openxmlformats.org/drawingml/2006/main" xmlns:r="http://schemas.openxmlformats.org/officeDocument/2006/relationships" xmlns:p="http://schemas.openxmlformats.org/presentationml/2006/main">
+  <p:cSld>
+    <p:spTree>
+      <p:nvGrpSpPr>
+        <p:cNvPr id="1" name=""/>
+        <p:cNvGrpSpPr/>
+        <p:nvPr/>
+      </p:nvGrpSpPr>
+      <p:grpSpPr>
+        <a:xfrm>
+          <a:off x="0" y="0"/>
+          <a:ext cx="0" cy="0"/>
+          <a:chOff x="0" y="0"/>
+          <a:chExt cx="0" cy="0"/>
+        </a:xfrm>
+      </p:grpSpPr>
+      <p:sp>
+        <p:nvSpPr>
+          <p:cNvPr id="3" name="Rettangolo 2">
+            <a:extLst>
+              <a:ext uri="{FF2B5EF4-FFF2-40B4-BE49-F238E27FC236}">
+                <a16:creationId xmlns:a16="http://schemas.microsoft.com/office/drawing/2014/main" id="{E3F5E95F-DA22-4670-A8EC-03CBA1B02BF4}"/>
+              </a:ext>
+            </a:extLst>
+          </p:cNvPr>
+          <p:cNvSpPr/>
+          <p:nvPr/>
+        </p:nvSpPr>
+        <p:spPr>
+          <a:xfrm>
+            <a:off x="3431969" y="1377541"/>
+            <a:ext cx="2232560" cy="2927246"/>
+          </a:xfrm>
+          <a:prstGeom prst="rect">
+            <a:avLst/>
+          </a:prstGeom>
+          <a:solidFill>
+            <a:schemeClr val="accent1">
+              <a:lumMod val="20000"/>
+              <a:lumOff val="80000"/>
+            </a:schemeClr>
+          </a:solidFill>
+        </p:spPr>
+        <p:style>
+          <a:lnRef idx="2">
+            <a:schemeClr val="accent1">
+              <a:shade val="50000"/>
+            </a:schemeClr>
+          </a:lnRef>
+          <a:fillRef idx="1">
+            <a:schemeClr val="accent1"/>
+          </a:fillRef>
+          <a:effectRef idx="0">
+            <a:schemeClr val="accent1"/>
+          </a:effectRef>
+          <a:fontRef idx="minor">
+            <a:schemeClr val="lt1"/>
+          </a:fontRef>
+        </p:style>
+        <p:txBody>
+          <a:bodyPr rtlCol="0" anchor="ctr"/>
+          <a:lstStyle/>
+          <a:p>
+            <a:pPr algn="ctr"/>
+            <a:endParaRPr lang="it-IT"/>
+          </a:p>
+        </p:txBody>
+      </p:sp>
+      <p:sp>
+        <p:nvSpPr>
+          <p:cNvPr id="2" name="Titolo 1">
+            <a:extLst>
+              <a:ext uri="{FF2B5EF4-FFF2-40B4-BE49-F238E27FC236}">
                 <a16:creationId xmlns:a16="http://schemas.microsoft.com/office/drawing/2014/main" id="{5FEF2863-AA48-4673-8804-50CEE9FC5429}"/>
               </a:ext>
             </a:extLst>
@@ -31686,7 +32376,7 @@
                   <a:schemeClr val="bg1"/>
                 </a:solidFill>
               </a:rPr>
-              <a:t>.2 - EXPERIMENTS</a:t>
+              <a:t>.3 - EXPERIMENTS</a:t>
             </a:r>
             <a:endParaRPr lang="it-IT" sz="2800"/>
           </a:p>
@@ -31851,13 +32541,13 @@
           <p:nvPr>
             <p:extLst>
               <p:ext uri="{D42A27DB-BD31-4B8C-83A1-F6EECF244321}">
-                <p14:modId xmlns:p14="http://schemas.microsoft.com/office/powerpoint/2010/main" val="1037905414"/>
+                <p14:modId xmlns:p14="http://schemas.microsoft.com/office/powerpoint/2010/main" val="3195044803"/>
               </p:ext>
             </p:extLst>
           </p:nvPr>
         </p:nvGraphicFramePr>
         <p:xfrm>
-          <a:off x="2020129" y="1174319"/>
+          <a:off x="2020129" y="990253"/>
           <a:ext cx="4036290" cy="3219276"/>
         </p:xfrm>
         <a:graphic>
@@ -31880,7 +32570,7 @@
         </p:nvCxnSpPr>
         <p:spPr>
           <a:xfrm>
-            <a:off x="5563591" y="2006938"/>
+            <a:off x="5563591" y="1822872"/>
             <a:ext cx="216000" cy="0"/>
           </a:xfrm>
           <a:prstGeom prst="line">
@@ -31916,7 +32606,7 @@
         </p:nvCxnSpPr>
         <p:spPr>
           <a:xfrm>
-            <a:off x="5563591" y="2836230"/>
+            <a:off x="5563591" y="2652164"/>
             <a:ext cx="216000" cy="0"/>
           </a:xfrm>
           <a:prstGeom prst="line">
@@ -31952,7 +32642,7 @@
         </p:nvCxnSpPr>
         <p:spPr>
           <a:xfrm>
-            <a:off x="5574608" y="3625936"/>
+            <a:off x="5574608" y="3441870"/>
             <a:ext cx="216000" cy="0"/>
           </a:xfrm>
           <a:prstGeom prst="line">
@@ -31990,7 +32680,7 @@
         </p:nvCxnSpPr>
         <p:spPr>
           <a:xfrm>
-            <a:off x="5790608" y="2006938"/>
+            <a:off x="5790608" y="1822872"/>
             <a:ext cx="0" cy="1618998"/>
           </a:xfrm>
           <a:prstGeom prst="line">
@@ -32029,7 +32719,7 @@
         </p:nvCxnSpPr>
         <p:spPr>
           <a:xfrm flipV="1">
-            <a:off x="5790608" y="2008914"/>
+            <a:off x="5790608" y="1824848"/>
             <a:ext cx="1118854" cy="2"/>
           </a:xfrm>
           <a:prstGeom prst="line">
@@ -32065,7 +32755,7 @@
         </p:nvGrpSpPr>
         <p:grpSpPr>
           <a:xfrm rot="5400000">
-            <a:off x="8015058" y="597487"/>
+            <a:off x="8015058" y="413421"/>
             <a:ext cx="611663" cy="2822855"/>
             <a:chOff x="508562" y="198210"/>
             <a:chExt cx="611663" cy="2822855"/>
@@ -32202,7 +32892,7 @@
         </p:nvGrpSpPr>
         <p:grpSpPr>
           <a:xfrm rot="5400000">
-            <a:off x="8015058" y="1717941"/>
+            <a:off x="8015058" y="1533875"/>
             <a:ext cx="611662" cy="2822854"/>
             <a:chOff x="508563" y="198210"/>
             <a:chExt cx="611662" cy="2822854"/>
@@ -32341,7 +33031,7 @@
         </p:nvCxnSpPr>
         <p:spPr>
           <a:xfrm rot="16200000" flipH="1">
-            <a:off x="6069521" y="2289427"/>
+            <a:off x="6069521" y="2105361"/>
             <a:ext cx="1120454" cy="559427"/>
           </a:xfrm>
           <a:prstGeom prst="bentConnector2">
@@ -32363,10 +33053,207 @@
           </a:fontRef>
         </p:style>
       </p:cxnSp>
+      <p:sp>
+        <p:nvSpPr>
+          <p:cNvPr id="4" name="CasellaDiTesto 3">
+            <a:extLst>
+              <a:ext uri="{FF2B5EF4-FFF2-40B4-BE49-F238E27FC236}">
+                <a16:creationId xmlns:a16="http://schemas.microsoft.com/office/drawing/2014/main" id="{FC69B3F9-0932-459C-BE53-335C62A5A88E}"/>
+              </a:ext>
+            </a:extLst>
+          </p:cNvPr>
+          <p:cNvSpPr txBox="1"/>
+          <p:nvPr/>
+        </p:nvSpPr>
+        <p:spPr>
+          <a:xfrm>
+            <a:off x="3901048" y="3900667"/>
+            <a:ext cx="1246905" cy="338554"/>
+          </a:xfrm>
+          <a:prstGeom prst="rect">
+            <a:avLst/>
+          </a:prstGeom>
+          <a:noFill/>
+        </p:spPr>
+        <p:txBody>
+          <a:bodyPr wrap="square" rtlCol="0">
+            <a:spAutoFit/>
+          </a:bodyPr>
+          <a:lstStyle/>
+          <a:p>
+            <a:r>
+              <a:rPr lang="it-IT" sz="1600">
+                <a:solidFill>
+                  <a:schemeClr val="accent1"/>
+                </a:solidFill>
+              </a:rPr>
+              <a:t>oversampled</a:t>
+            </a:r>
+          </a:p>
+        </p:txBody>
+      </p:sp>
+      <p:cxnSp>
+        <p:nvCxnSpPr>
+          <p:cNvPr id="10" name="Connettore diritto 9">
+            <a:extLst>
+              <a:ext uri="{FF2B5EF4-FFF2-40B4-BE49-F238E27FC236}">
+                <a16:creationId xmlns:a16="http://schemas.microsoft.com/office/drawing/2014/main" id="{F3E6A89E-74BB-43BD-A4B3-47D1A1C60981}"/>
+              </a:ext>
+            </a:extLst>
+          </p:cNvPr>
+          <p:cNvCxnSpPr>
+            <a:cxnSpLocks/>
+          </p:cNvCxnSpPr>
+          <p:nvPr/>
+        </p:nvCxnSpPr>
+        <p:spPr>
+          <a:xfrm>
+            <a:off x="3340659" y="3429994"/>
+            <a:ext cx="0" cy="634012"/>
+          </a:xfrm>
+          <a:prstGeom prst="line">
+            <a:avLst/>
+          </a:prstGeom>
+          <a:ln>
+            <a:solidFill>
+              <a:schemeClr val="accent1"/>
+            </a:solidFill>
+          </a:ln>
+        </p:spPr>
+        <p:style>
+          <a:lnRef idx="2">
+            <a:schemeClr val="dk1"/>
+          </a:lnRef>
+          <a:fillRef idx="0">
+            <a:schemeClr val="dk1"/>
+          </a:fillRef>
+          <a:effectRef idx="1">
+            <a:schemeClr val="dk1"/>
+          </a:effectRef>
+          <a:fontRef idx="minor">
+            <a:schemeClr val="tx1"/>
+          </a:fontRef>
+        </p:style>
+      </p:cxnSp>
+      <p:cxnSp>
+        <p:nvCxnSpPr>
+          <p:cNvPr id="29" name="Connettore diritto 28">
+            <a:extLst>
+              <a:ext uri="{FF2B5EF4-FFF2-40B4-BE49-F238E27FC236}">
+                <a16:creationId xmlns:a16="http://schemas.microsoft.com/office/drawing/2014/main" id="{DADAD5F3-E443-49C7-8FC8-AFC79296B368}"/>
+              </a:ext>
+            </a:extLst>
+          </p:cNvPr>
+          <p:cNvCxnSpPr>
+            <a:cxnSpLocks/>
+            <a:endCxn id="4" idx="1"/>
+          </p:cNvCxnSpPr>
+          <p:nvPr/>
+        </p:nvCxnSpPr>
+        <p:spPr>
+          <a:xfrm>
+            <a:off x="3340659" y="4069944"/>
+            <a:ext cx="560389" cy="0"/>
+          </a:xfrm>
+          <a:prstGeom prst="line">
+            <a:avLst/>
+          </a:prstGeom>
+        </p:spPr>
+        <p:style>
+          <a:lnRef idx="2">
+            <a:schemeClr val="dk1"/>
+          </a:lnRef>
+          <a:fillRef idx="0">
+            <a:schemeClr val="dk1"/>
+          </a:fillRef>
+          <a:effectRef idx="1">
+            <a:schemeClr val="dk1"/>
+          </a:effectRef>
+          <a:fontRef idx="minor">
+            <a:schemeClr val="tx1"/>
+          </a:fontRef>
+        </p:style>
+      </p:cxnSp>
+      <p:cxnSp>
+        <p:nvCxnSpPr>
+          <p:cNvPr id="33" name="Connettore diritto 32">
+            <a:extLst>
+              <a:ext uri="{FF2B5EF4-FFF2-40B4-BE49-F238E27FC236}">
+                <a16:creationId xmlns:a16="http://schemas.microsoft.com/office/drawing/2014/main" id="{77495BA6-F60F-4D08-82D1-EC40E4BC39B1}"/>
+              </a:ext>
+            </a:extLst>
+          </p:cNvPr>
+          <p:cNvCxnSpPr>
+            <a:cxnSpLocks/>
+          </p:cNvCxnSpPr>
+          <p:nvPr/>
+        </p:nvCxnSpPr>
+        <p:spPr>
+          <a:xfrm>
+            <a:off x="5104140" y="4075882"/>
+            <a:ext cx="952279" cy="0"/>
+          </a:xfrm>
+          <a:prstGeom prst="line">
+            <a:avLst/>
+          </a:prstGeom>
+        </p:spPr>
+        <p:style>
+          <a:lnRef idx="2">
+            <a:schemeClr val="dk1"/>
+          </a:lnRef>
+          <a:fillRef idx="0">
+            <a:schemeClr val="dk1"/>
+          </a:fillRef>
+          <a:effectRef idx="1">
+            <a:schemeClr val="dk1"/>
+          </a:effectRef>
+          <a:fontRef idx="minor">
+            <a:schemeClr val="tx1"/>
+          </a:fontRef>
+        </p:style>
+      </p:cxnSp>
+      <p:cxnSp>
+        <p:nvCxnSpPr>
+          <p:cNvPr id="35" name="Connettore diritto 34">
+            <a:extLst>
+              <a:ext uri="{FF2B5EF4-FFF2-40B4-BE49-F238E27FC236}">
+                <a16:creationId xmlns:a16="http://schemas.microsoft.com/office/drawing/2014/main" id="{3D0F8175-9AAB-4EA7-8E55-5DDC943B10B1}"/>
+              </a:ext>
+            </a:extLst>
+          </p:cNvPr>
+          <p:cNvCxnSpPr>
+            <a:cxnSpLocks/>
+          </p:cNvCxnSpPr>
+          <p:nvPr/>
+        </p:nvCxnSpPr>
+        <p:spPr>
+          <a:xfrm>
+            <a:off x="6060372" y="1822872"/>
+            <a:ext cx="5345" cy="2247072"/>
+          </a:xfrm>
+          <a:prstGeom prst="line">
+            <a:avLst/>
+          </a:prstGeom>
+        </p:spPr>
+        <p:style>
+          <a:lnRef idx="2">
+            <a:schemeClr val="dk1"/>
+          </a:lnRef>
+          <a:fillRef idx="0">
+            <a:schemeClr val="dk1"/>
+          </a:fillRef>
+          <a:effectRef idx="1">
+            <a:schemeClr val="dk1"/>
+          </a:effectRef>
+          <a:fontRef idx="minor">
+            <a:schemeClr val="tx1"/>
+          </a:fontRef>
+        </p:style>
+      </p:cxnSp>
     </p:spTree>
     <p:extLst>
       <p:ext uri="{BB962C8B-B14F-4D97-AF65-F5344CB8AC3E}">
-        <p14:creationId xmlns:p14="http://schemas.microsoft.com/office/powerpoint/2010/main" val="1895510795"/>
+        <p14:creationId xmlns:p14="http://schemas.microsoft.com/office/powerpoint/2010/main" val="2228866435"/>
       </p:ext>
     </p:extLst>
   </p:cSld>
@@ -32376,7 +33263,7 @@
 </p:sld>
 </file>
 
-<file path=ppt/slides/slide12.xml><?xml version="1.0" encoding="utf-8"?>
+<file path=ppt/slides/slide13.xml><?xml version="1.0" encoding="utf-8"?>
 <p:sld xmlns:a="http://schemas.openxmlformats.org/drawingml/2006/main" xmlns:r="http://schemas.openxmlformats.org/officeDocument/2006/relationships" xmlns:p="http://schemas.openxmlformats.org/presentationml/2006/main">
   <p:cSld>
     <p:spTree>
@@ -34795,7 +35682,7 @@
 </p:sld>
 </file>
 
-<file path=ppt/slides/slide13.xml><?xml version="1.0" encoding="utf-8"?>
+<file path=ppt/slides/slide14.xml><?xml version="1.0" encoding="utf-8"?>
 <p:sld xmlns:a="http://schemas.openxmlformats.org/drawingml/2006/main" xmlns:r="http://schemas.openxmlformats.org/officeDocument/2006/relationships" xmlns:p="http://schemas.openxmlformats.org/presentationml/2006/main">
   <p:cSld>
     <p:spTree>

--- a/presentation/fraudolent_transaction.pptx
+++ b/presentation/fraudolent_transaction.pptx
@@ -33463,7 +33463,7 @@
           <p:nvPr>
             <p:extLst>
               <p:ext uri="{D42A27DB-BD31-4B8C-83A1-F6EECF244321}">
-                <p14:modId xmlns:p14="http://schemas.microsoft.com/office/powerpoint/2010/main" val="2091979991"/>
+                <p14:modId xmlns:p14="http://schemas.microsoft.com/office/powerpoint/2010/main" val="3963141475"/>
               </p:ext>
             </p:extLst>
           </p:nvPr>
@@ -33936,7 +33936,7 @@
                     <a:p>
                       <a:pPr algn="ctr"/>
                       <a:r>
-                        <a:rPr lang="it-IT" sz="1200" b="1" i="0" kern="1200">
+                        <a:rPr lang="it-IT" sz="1200" b="0" i="0" kern="1200">
                           <a:solidFill>
                             <a:schemeClr val="tx1"/>
                           </a:solidFill>
@@ -34396,9 +34396,12 @@
                     <a:lstStyle/>
                     <a:p>
                       <a:pPr algn="ctr"/>
-                      <a:endParaRPr lang="it-IT" sz="1200">
-                        <a:latin typeface="Avenir Next LT Pro" panose="020B0504020202020204" pitchFamily="34" charset="0"/>
-                      </a:endParaRPr>
+                      <a:r>
+                        <a:rPr lang="it-IT" sz="1200" b="1">
+                          <a:latin typeface="Avenir Next LT Pro" panose="020B0504020202020204" pitchFamily="34" charset="0"/>
+                        </a:rPr>
+                        <a:t>0.9789</a:t>
+                      </a:r>
                     </a:p>
                     <a:p>
                       <a:pPr algn="ctr"/>
@@ -34581,7 +34584,7 @@
           <p:nvPr>
             <p:extLst>
               <p:ext uri="{D42A27DB-BD31-4B8C-83A1-F6EECF244321}">
-                <p14:modId xmlns:p14="http://schemas.microsoft.com/office/powerpoint/2010/main" val="3126218693"/>
+                <p14:modId xmlns:p14="http://schemas.microsoft.com/office/powerpoint/2010/main" val="4182721784"/>
               </p:ext>
             </p:extLst>
           </p:nvPr>
@@ -34905,7 +34908,7 @@
                       </a:r>
                     </a:p>
                   </a:txBody>
-                  <a:tcPr>
+                  <a:tcPr anchor="ctr">
                     <a:lnR w="12700" cap="flat" cmpd="sng" algn="ctr">
                       <a:solidFill>
                         <a:schemeClr val="tx1"/>
@@ -35054,7 +35057,7 @@
                     <a:p>
                       <a:pPr algn="ctr"/>
                       <a:r>
-                        <a:rPr lang="it-IT" sz="1200" b="1">
+                        <a:rPr lang="it-IT" sz="1200" b="0">
                           <a:latin typeface="Avenir Next LT Pro" panose="020B0504020202020204" pitchFamily="34" charset="0"/>
                         </a:rPr>
                         <a:t>0.857</a:t>
@@ -35188,7 +35191,7 @@
                       </a:r>
                     </a:p>
                   </a:txBody>
-                  <a:tcPr>
+                  <a:tcPr anchor="ctr">
                     <a:lnR w="12700" cap="flat" cmpd="sng" algn="ctr">
                       <a:solidFill>
                         <a:schemeClr val="tx1"/>
@@ -35440,7 +35443,7 @@
                       </a:r>
                     </a:p>
                   </a:txBody>
-                  <a:tcPr>
+                  <a:tcPr anchor="ctr">
                     <a:lnR w="12700" cap="flat" cmpd="sng" algn="ctr">
                       <a:solidFill>
                         <a:schemeClr val="tx1"/>
@@ -35499,9 +35502,12 @@
                     <a:lstStyle/>
                     <a:p>
                       <a:pPr algn="ctr"/>
-                      <a:endParaRPr lang="it-IT" sz="1200">
-                        <a:latin typeface="Avenir Next LT Pro" panose="020B0504020202020204" pitchFamily="34" charset="0"/>
-                      </a:endParaRPr>
+                      <a:r>
+                        <a:rPr lang="it-IT" sz="1200" b="1">
+                          <a:latin typeface="Avenir Next LT Pro" panose="020B0504020202020204" pitchFamily="34" charset="0"/>
+                        </a:rPr>
+                        <a:t>0.845</a:t>
+                      </a:r>
                     </a:p>
                     <a:p>
                       <a:pPr algn="ctr"/>
@@ -35882,7 +35888,7 @@
           <p:nvPr>
             <p:extLst>
               <p:ext uri="{D42A27DB-BD31-4B8C-83A1-F6EECF244321}">
-                <p14:modId xmlns:p14="http://schemas.microsoft.com/office/powerpoint/2010/main" val="2890454255"/>
+                <p14:modId xmlns:p14="http://schemas.microsoft.com/office/powerpoint/2010/main" val="3455232337"/>
               </p:ext>
             </p:extLst>
           </p:nvPr>
@@ -36355,7 +36361,7 @@
                     <a:p>
                       <a:pPr algn="ctr"/>
                       <a:r>
-                        <a:rPr lang="it-IT" sz="1200" b="1" i="0" kern="1200">
+                        <a:rPr lang="it-IT" sz="1200" b="0" i="0" kern="1200">
                           <a:solidFill>
                             <a:schemeClr val="tx1"/>
                           </a:solidFill>
@@ -36815,9 +36821,12 @@
                     <a:lstStyle/>
                     <a:p>
                       <a:pPr algn="ctr"/>
-                      <a:endParaRPr lang="it-IT" sz="1200">
-                        <a:latin typeface="Avenir Next LT Pro" panose="020B0504020202020204" pitchFamily="34" charset="0"/>
-                      </a:endParaRPr>
+                      <a:r>
+                        <a:rPr lang="it-IT" sz="1200" b="1">
+                          <a:latin typeface="Avenir Next LT Pro" panose="020B0504020202020204" pitchFamily="34" charset="0"/>
+                        </a:rPr>
+                        <a:t>0.7438</a:t>
+                      </a:r>
                     </a:p>
                     <a:p>
                       <a:pPr algn="ctr"/>
@@ -37000,7 +37009,7 @@
           <p:nvPr>
             <p:extLst>
               <p:ext uri="{D42A27DB-BD31-4B8C-83A1-F6EECF244321}">
-                <p14:modId xmlns:p14="http://schemas.microsoft.com/office/powerpoint/2010/main" val="3513337990"/>
+                <p14:modId xmlns:p14="http://schemas.microsoft.com/office/powerpoint/2010/main" val="2983870601"/>
               </p:ext>
             </p:extLst>
           </p:nvPr>
@@ -37473,7 +37482,7 @@
                     <a:p>
                       <a:pPr algn="ctr"/>
                       <a:r>
-                        <a:rPr lang="it-IT" sz="1200" b="1">
+                        <a:rPr lang="it-IT" sz="1200" b="0">
                           <a:latin typeface="Avenir Next LT Pro" panose="020B0504020202020204" pitchFamily="34" charset="0"/>
                         </a:rPr>
                         <a:t>0.858/0.624</a:t>
@@ -37918,9 +37927,12 @@
                     <a:lstStyle/>
                     <a:p>
                       <a:pPr algn="ctr"/>
-                      <a:endParaRPr lang="it-IT" sz="1200">
-                        <a:latin typeface="Avenir Next LT Pro" panose="020B0504020202020204" pitchFamily="34" charset="0"/>
-                      </a:endParaRPr>
+                      <a:r>
+                        <a:rPr lang="it-IT" sz="1200" b="1">
+                          <a:latin typeface="Avenir Next LT Pro" panose="020B0504020202020204" pitchFamily="34" charset="0"/>
+                        </a:rPr>
+                        <a:t>0.937/0.616</a:t>
+                      </a:r>
                     </a:p>
                     <a:p>
                       <a:pPr algn="ctr"/>

--- a/presentation/fraudolent_transaction.pptx
+++ b/presentation/fraudolent_transaction.pptx
@@ -8693,42 +8693,6 @@
         </a:p>
       </dgm:t>
     </dgm:pt>
-    <dgm:pt modelId="{E9399742-E80E-4F0C-832F-EAECA2504720}">
-      <dgm:prSet phldrT="[Testo]" custT="1"/>
-      <dgm:spPr/>
-      <dgm:t>
-        <a:bodyPr/>
-        <a:lstStyle/>
-        <a:p>
-          <a:r>
-            <a:rPr lang="it-IT" sz="1600"/>
-            <a:t>Avoiding duplicate features</a:t>
-          </a:r>
-        </a:p>
-      </dgm:t>
-    </dgm:pt>
-    <dgm:pt modelId="{E0DEBBCE-BBE8-46F5-9592-063D79DB43F1}" type="parTrans" cxnId="{9DF5F688-8B47-426B-9FA0-3CDF63DA83AA}">
-      <dgm:prSet/>
-      <dgm:spPr/>
-      <dgm:t>
-        <a:bodyPr/>
-        <a:lstStyle/>
-        <a:p>
-          <a:endParaRPr lang="it-IT"/>
-        </a:p>
-      </dgm:t>
-    </dgm:pt>
-    <dgm:pt modelId="{A41C6168-719E-4BC5-A2C4-A74DA3A3BBC4}" type="sibTrans" cxnId="{9DF5F688-8B47-426B-9FA0-3CDF63DA83AA}">
-      <dgm:prSet/>
-      <dgm:spPr/>
-      <dgm:t>
-        <a:bodyPr/>
-        <a:lstStyle/>
-        <a:p>
-          <a:endParaRPr lang="it-IT"/>
-        </a:p>
-      </dgm:t>
-    </dgm:pt>
     <dgm:pt modelId="{55A5A856-C942-420A-87B6-36749D58D93E}" type="pres">
       <dgm:prSet presAssocID="{D733486A-24EE-4CD2-AE1A-58C39A238870}" presName="linearFlow" presStyleCnt="0">
         <dgm:presLayoutVars>
@@ -8910,10 +8874,8 @@
     <dgm:cxn modelId="{38888C70-4ED1-490B-B7F9-FEC41895E1F0}" type="presOf" srcId="{34037FAD-FEF6-4983-A818-7AE8D6CB051F}" destId="{C5F9CE77-E772-4E37-92FF-AFA33E1B2E35}" srcOrd="0" destOrd="0" presId="urn:microsoft.com/office/officeart/2005/8/layout/hList2"/>
     <dgm:cxn modelId="{F6E73B76-278C-47CB-8ABE-AF912FC9416F}" type="presOf" srcId="{70429143-AB1F-4C75-8565-369BACB945D0}" destId="{BD086C12-A4BD-49EC-ACBE-99C3F88AACEF}" srcOrd="0" destOrd="0" presId="urn:microsoft.com/office/officeart/2005/8/layout/hList2"/>
     <dgm:cxn modelId="{CD68CD7B-9E51-4FC9-B35A-F915BC9C6D65}" type="presOf" srcId="{AE3DA263-5C12-4EE0-B834-73A3369A1DEA}" destId="{BD086C12-A4BD-49EC-ACBE-99C3F88AACEF}" srcOrd="0" destOrd="1" presId="urn:microsoft.com/office/officeart/2005/8/layout/hList2"/>
-    <dgm:cxn modelId="{7ECD897D-B696-471C-ADA9-4E110F80B4DB}" type="presOf" srcId="{E9399742-E80E-4F0C-832F-EAECA2504720}" destId="{C5F9CE77-E772-4E37-92FF-AFA33E1B2E35}" srcOrd="0" destOrd="2" presId="urn:microsoft.com/office/officeart/2005/8/layout/hList2"/>
     <dgm:cxn modelId="{BE23257E-F206-4EC4-89D4-75C2F30860B7}" srcId="{B000F97B-A3A3-4E1B-A07F-8F9A9AB8AB20}" destId="{1419CAF4-E790-44D7-A720-A6224762CB9B}" srcOrd="2" destOrd="0" parTransId="{6D4490A0-7DED-4B73-89B2-F2489BE07016}" sibTransId="{22823857-A3E2-4B15-B83A-814B00532503}"/>
     <dgm:cxn modelId="{99679486-34A8-4A75-8AD5-411F1D6ED991}" srcId="{D6D969B9-E9D0-4716-AE90-23BBB53C45E8}" destId="{34037FAD-FEF6-4983-A818-7AE8D6CB051F}" srcOrd="0" destOrd="0" parTransId="{88ABB16D-ED39-4414-A1F1-A4639EAB309E}" sibTransId="{DFABDB99-FABE-46D0-ADCF-AB8BA21AFEC1}"/>
-    <dgm:cxn modelId="{9DF5F688-8B47-426B-9FA0-3CDF63DA83AA}" srcId="{D6D969B9-E9D0-4716-AE90-23BBB53C45E8}" destId="{E9399742-E80E-4F0C-832F-EAECA2504720}" srcOrd="2" destOrd="0" parTransId="{E0DEBBCE-BBE8-46F5-9592-063D79DB43F1}" sibTransId="{A41C6168-719E-4BC5-A2C4-A74DA3A3BBC4}"/>
     <dgm:cxn modelId="{750C088E-F419-496A-B939-46AA6EE29E68}" type="presOf" srcId="{1F2BB0AD-4199-4ACF-9C0F-82F2320F51D6}" destId="{96219BF6-0158-4C14-A983-68612FB9B7CF}" srcOrd="0" destOrd="1" presId="urn:microsoft.com/office/officeart/2005/8/layout/hList2"/>
     <dgm:cxn modelId="{F34A0092-4A78-4D63-A339-D3735432CD92}" srcId="{0BC6CC93-C9DB-48F2-9D92-1D857225B3CE}" destId="{E1DEA4C0-1487-4919-ABE7-FC1DBC6B6D7F}" srcOrd="0" destOrd="0" parTransId="{C42CBB62-EBE2-47C3-8D28-290EDB14C85A}" sibTransId="{D4312E25-EE68-4EAB-8F74-ADE6548D7F8F}"/>
     <dgm:cxn modelId="{0F1C1D94-1050-4743-B0A7-8069B7F2D3C4}" srcId="{5FD84F2D-71C5-4517-B40D-EE71BC811617}" destId="{70429143-AB1F-4C75-8565-369BACB945D0}" srcOrd="0" destOrd="0" parTransId="{FD2B7D24-D8D5-4E9A-9876-A54983C165B3}" sibTransId="{E83C3F20-0502-43B0-9486-D570BF174962}"/>
@@ -12756,24 +12718,6 @@
           <a:r>
             <a:rPr lang="it-IT" sz="1600" kern="1200"/>
             <a:t>If the PC &gt; .95, then drop that feature</a:t>
-          </a:r>
-        </a:p>
-        <a:p>
-          <a:pPr marL="171450" lvl="1" indent="-171450" algn="l" defTabSz="711200">
-            <a:lnSpc>
-              <a:spcPct val="90000"/>
-            </a:lnSpc>
-            <a:spcBef>
-              <a:spcPct val="0"/>
-            </a:spcBef>
-            <a:spcAft>
-              <a:spcPct val="15000"/>
-            </a:spcAft>
-            <a:buChar char="•"/>
-          </a:pPr>
-          <a:r>
-            <a:rPr lang="it-IT" sz="1600" kern="1200"/>
-            <a:t>Avoiding duplicate features</a:t>
           </a:r>
         </a:p>
       </dsp:txBody>
@@ -33463,7 +33407,7 @@
           <p:nvPr>
             <p:extLst>
               <p:ext uri="{D42A27DB-BD31-4B8C-83A1-F6EECF244321}">
-                <p14:modId xmlns:p14="http://schemas.microsoft.com/office/powerpoint/2010/main" val="3963141475"/>
+                <p14:modId xmlns:p14="http://schemas.microsoft.com/office/powerpoint/2010/main" val="1702343322"/>
               </p:ext>
             </p:extLst>
           </p:nvPr>
@@ -33839,7 +33783,25 @@
                           <a:ea typeface="+mn-ea"/>
                           <a:cs typeface="+mn-cs"/>
                         </a:rPr>
-                        <a:t>(?)</a:t>
+                        <a:t>(</a:t>
+                      </a:r>
+                      <a:r>
+                        <a:rPr lang="it-IT" sz="1200">
+                          <a:latin typeface="Avenir Next LT Pro" panose="020B0504020202020204" pitchFamily="34" charset="0"/>
+                        </a:rPr>
+                        <a:t>0.9099</a:t>
+                      </a:r>
+                      <a:r>
+                        <a:rPr lang="it-IT" sz="1200" b="0" i="0" kern="1200">
+                          <a:solidFill>
+                            <a:schemeClr val="tx1"/>
+                          </a:solidFill>
+                          <a:effectLst/>
+                          <a:latin typeface="Avenir Next LT Pro" panose="020B0504020202020204" pitchFamily="34" charset="0"/>
+                          <a:ea typeface="+mn-ea"/>
+                          <a:cs typeface="+mn-cs"/>
+                        </a:rPr>
+                        <a:t>)</a:t>
                       </a:r>
                       <a:endParaRPr lang="it-IT" sz="1200">
                         <a:latin typeface="Avenir Next LT Pro" panose="020B0504020202020204" pitchFamily="34" charset="0"/>
@@ -33895,7 +33857,7 @@
                         <a:rPr lang="it-IT" sz="1200">
                           <a:latin typeface="Avenir Next LT Pro" panose="020B0504020202020204" pitchFamily="34" charset="0"/>
                         </a:rPr>
-                        <a:t>(?)</a:t>
+                        <a:t>(0.9099)</a:t>
                       </a:r>
                     </a:p>
                   </a:txBody>
@@ -34028,7 +33990,7 @@
                           <a:ea typeface="+mn-ea"/>
                           <a:cs typeface="+mn-cs"/>
                         </a:rPr>
-                        <a:t>(?)</a:t>
+                        <a:t>(0.8604)</a:t>
                       </a:r>
                       <a:endParaRPr lang="it-IT" sz="1200">
                         <a:latin typeface="Avenir Next LT Pro" panose="020B0504020202020204" pitchFamily="34" charset="0"/>
@@ -34289,7 +34251,7 @@
                           <a:ea typeface="+mn-ea"/>
                           <a:cs typeface="+mn-cs"/>
                         </a:rPr>
-                        <a:t>(?)</a:t>
+                        <a:t>(0.7862)</a:t>
                       </a:r>
                       <a:endParaRPr lang="it-IT" sz="1200">
                         <a:latin typeface="Avenir Next LT Pro" panose="020B0504020202020204" pitchFamily="34" charset="0"/>
@@ -34355,9 +34317,12 @@
                     <a:lstStyle/>
                     <a:p>
                       <a:pPr algn="ctr"/>
-                      <a:endParaRPr lang="it-IT" sz="1200">
-                        <a:latin typeface="Avenir Next LT Pro" panose="020B0504020202020204" pitchFamily="34" charset="0"/>
-                      </a:endParaRPr>
+                      <a:r>
+                        <a:rPr lang="it-IT" sz="1200">
+                          <a:latin typeface="Avenir Next LT Pro" panose="020B0504020202020204" pitchFamily="34" charset="0"/>
+                        </a:rPr>
+                        <a:t>0.9787</a:t>
+                      </a:r>
                     </a:p>
                     <a:p>
                       <a:pPr algn="ctr"/>
@@ -34584,7 +34549,7 @@
           <p:nvPr>
             <p:extLst>
               <p:ext uri="{D42A27DB-BD31-4B8C-83A1-F6EECF244321}">
-                <p14:modId xmlns:p14="http://schemas.microsoft.com/office/powerpoint/2010/main" val="4182721784"/>
+                <p14:modId xmlns:p14="http://schemas.microsoft.com/office/powerpoint/2010/main" val="3163269395"/>
               </p:ext>
             </p:extLst>
           </p:nvPr>
@@ -34960,7 +34925,25 @@
                           <a:ea typeface="+mn-ea"/>
                           <a:cs typeface="+mn-cs"/>
                         </a:rPr>
-                        <a:t>(?)</a:t>
+                        <a:t>(</a:t>
+                      </a:r>
+                      <a:r>
+                        <a:rPr lang="it-IT" sz="1200" b="0">
+                          <a:latin typeface="Avenir Next LT Pro" panose="020B0504020202020204" pitchFamily="34" charset="0"/>
+                        </a:rPr>
+                        <a:t>0.840</a:t>
+                      </a:r>
+                      <a:r>
+                        <a:rPr lang="it-IT" sz="1200" b="0" i="0" kern="1200">
+                          <a:solidFill>
+                            <a:schemeClr val="tx1"/>
+                          </a:solidFill>
+                          <a:effectLst/>
+                          <a:latin typeface="Avenir Next LT Pro" panose="020B0504020202020204" pitchFamily="34" charset="0"/>
+                          <a:ea typeface="+mn-ea"/>
+                          <a:cs typeface="+mn-cs"/>
+                        </a:rPr>
+                        <a:t>)</a:t>
                       </a:r>
                       <a:endParaRPr lang="it-IT" sz="1200">
                         <a:latin typeface="Avenir Next LT Pro" panose="020B0504020202020204" pitchFamily="34" charset="0"/>
@@ -35016,7 +34999,7 @@
                         <a:rPr lang="it-IT" sz="1200" b="0">
                           <a:latin typeface="Avenir Next LT Pro" panose="020B0504020202020204" pitchFamily="34" charset="0"/>
                         </a:rPr>
-                        <a:t>(?)</a:t>
+                        <a:t>(0.840)</a:t>
                       </a:r>
                     </a:p>
                   </a:txBody>
@@ -35134,7 +35117,7 @@
                           <a:ea typeface="+mn-ea"/>
                           <a:cs typeface="+mn-cs"/>
                         </a:rPr>
-                        <a:t>(?)</a:t>
+                        <a:t>(0.801)</a:t>
                       </a:r>
                       <a:endParaRPr lang="it-IT" sz="1200">
                         <a:latin typeface="Avenir Next LT Pro" panose="020B0504020202020204" pitchFamily="34" charset="0"/>
@@ -35395,7 +35378,7 @@
                           <a:ea typeface="+mn-ea"/>
                           <a:cs typeface="+mn-cs"/>
                         </a:rPr>
-                        <a:t>(?)</a:t>
+                        <a:t>(0.6795)</a:t>
                       </a:r>
                       <a:endParaRPr lang="it-IT" sz="1200">
                         <a:latin typeface="Avenir Next LT Pro" panose="020B0504020202020204" pitchFamily="34" charset="0"/>
@@ -35461,9 +35444,12 @@
                     <a:lstStyle/>
                     <a:p>
                       <a:pPr algn="ctr"/>
-                      <a:endParaRPr lang="it-IT" sz="1200">
-                        <a:latin typeface="Avenir Next LT Pro" panose="020B0504020202020204" pitchFamily="34" charset="0"/>
-                      </a:endParaRPr>
+                      <a:r>
+                        <a:rPr lang="it-IT" sz="1200">
+                          <a:latin typeface="Avenir Next LT Pro" panose="020B0504020202020204" pitchFamily="34" charset="0"/>
+                        </a:rPr>
+                        <a:t>0.844</a:t>
+                      </a:r>
                     </a:p>
                     <a:p>
                       <a:pPr algn="ctr"/>
@@ -35888,7 +35874,7 @@
           <p:nvPr>
             <p:extLst>
               <p:ext uri="{D42A27DB-BD31-4B8C-83A1-F6EECF244321}">
-                <p14:modId xmlns:p14="http://schemas.microsoft.com/office/powerpoint/2010/main" val="3455232337"/>
+                <p14:modId xmlns:p14="http://schemas.microsoft.com/office/powerpoint/2010/main" val="2646214282"/>
               </p:ext>
             </p:extLst>
           </p:nvPr>
@@ -36264,7 +36250,25 @@
                           <a:ea typeface="+mn-ea"/>
                           <a:cs typeface="+mn-cs"/>
                         </a:rPr>
-                        <a:t>(?)</a:t>
+                        <a:t>(</a:t>
+                      </a:r>
+                      <a:r>
+                        <a:rPr lang="it-IT" sz="1200">
+                          <a:latin typeface="Avenir Next LT Pro" panose="020B0504020202020204" pitchFamily="34" charset="0"/>
+                        </a:rPr>
+                        <a:t>0.6446</a:t>
+                      </a:r>
+                      <a:r>
+                        <a:rPr lang="it-IT" sz="1200" b="0" i="0" kern="1200">
+                          <a:solidFill>
+                            <a:schemeClr val="tx1"/>
+                          </a:solidFill>
+                          <a:effectLst/>
+                          <a:latin typeface="Avenir Next LT Pro" panose="020B0504020202020204" pitchFamily="34" charset="0"/>
+                          <a:ea typeface="+mn-ea"/>
+                          <a:cs typeface="+mn-cs"/>
+                        </a:rPr>
+                        <a:t>)</a:t>
                       </a:r>
                       <a:endParaRPr lang="it-IT" sz="1200">
                         <a:latin typeface="Avenir Next LT Pro" panose="020B0504020202020204" pitchFamily="34" charset="0"/>
@@ -36320,7 +36324,7 @@
                         <a:rPr lang="it-IT" sz="1200">
                           <a:latin typeface="Avenir Next LT Pro" panose="020B0504020202020204" pitchFamily="34" charset="0"/>
                         </a:rPr>
-                        <a:t>(?)</a:t>
+                        <a:t>(0.6446)</a:t>
                       </a:r>
                     </a:p>
                   </a:txBody>
@@ -36453,7 +36457,7 @@
                           <a:ea typeface="+mn-ea"/>
                           <a:cs typeface="+mn-cs"/>
                         </a:rPr>
-                        <a:t>(?)</a:t>
+                        <a:t>(0.6109)</a:t>
                       </a:r>
                       <a:endParaRPr lang="it-IT" sz="1200">
                         <a:latin typeface="Avenir Next LT Pro" panose="020B0504020202020204" pitchFamily="34" charset="0"/>
@@ -36714,7 +36718,7 @@
                           <a:ea typeface="+mn-ea"/>
                           <a:cs typeface="+mn-cs"/>
                         </a:rPr>
-                        <a:t>(?)</a:t>
+                        <a:t>(0.5999)</a:t>
                       </a:r>
                       <a:endParaRPr lang="it-IT" sz="1200">
                         <a:latin typeface="Avenir Next LT Pro" panose="020B0504020202020204" pitchFamily="34" charset="0"/>
@@ -36780,9 +36784,12 @@
                     <a:lstStyle/>
                     <a:p>
                       <a:pPr algn="ctr"/>
-                      <a:endParaRPr lang="it-IT" sz="1200">
-                        <a:latin typeface="Avenir Next LT Pro" panose="020B0504020202020204" pitchFamily="34" charset="0"/>
-                      </a:endParaRPr>
+                      <a:r>
+                        <a:rPr lang="it-IT" sz="1200">
+                          <a:latin typeface="Avenir Next LT Pro" panose="020B0504020202020204" pitchFamily="34" charset="0"/>
+                        </a:rPr>
+                        <a:t>0.7406</a:t>
+                      </a:r>
                     </a:p>
                     <a:p>
                       <a:pPr algn="ctr"/>
@@ -37009,7 +37016,7 @@
           <p:nvPr>
             <p:extLst>
               <p:ext uri="{D42A27DB-BD31-4B8C-83A1-F6EECF244321}">
-                <p14:modId xmlns:p14="http://schemas.microsoft.com/office/powerpoint/2010/main" val="2983870601"/>
+                <p14:modId xmlns:p14="http://schemas.microsoft.com/office/powerpoint/2010/main" val="1117334840"/>
               </p:ext>
             </p:extLst>
           </p:nvPr>
@@ -37385,7 +37392,25 @@
                           <a:ea typeface="+mn-ea"/>
                           <a:cs typeface="+mn-cs"/>
                         </a:rPr>
-                        <a:t>(?)</a:t>
+                        <a:t>(</a:t>
+                      </a:r>
+                      <a:r>
+                        <a:rPr lang="it-IT" sz="1200" b="0">
+                          <a:latin typeface="Avenir Next LT Pro" panose="020B0504020202020204" pitchFamily="34" charset="0"/>
+                        </a:rPr>
+                        <a:t>0.572/0.737</a:t>
+                      </a:r>
+                      <a:r>
+                        <a:rPr lang="it-IT" sz="1200" b="0" i="0" kern="1200">
+                          <a:solidFill>
+                            <a:schemeClr val="tx1"/>
+                          </a:solidFill>
+                          <a:effectLst/>
+                          <a:latin typeface="Avenir Next LT Pro" panose="020B0504020202020204" pitchFamily="34" charset="0"/>
+                          <a:ea typeface="+mn-ea"/>
+                          <a:cs typeface="+mn-cs"/>
+                        </a:rPr>
+                        <a:t>)</a:t>
                       </a:r>
                       <a:endParaRPr lang="it-IT" sz="1200">
                         <a:latin typeface="Avenir Next LT Pro" panose="020B0504020202020204" pitchFamily="34" charset="0"/>
@@ -37441,7 +37466,7 @@
                         <a:rPr lang="it-IT" sz="1200" b="0">
                           <a:latin typeface="Avenir Next LT Pro" panose="020B0504020202020204" pitchFamily="34" charset="0"/>
                         </a:rPr>
-                        <a:t>(?)</a:t>
+                        <a:t>(0.572/0.737)</a:t>
                       </a:r>
                     </a:p>
                   </a:txBody>
@@ -37559,7 +37584,7 @@
                           <a:ea typeface="+mn-ea"/>
                           <a:cs typeface="+mn-cs"/>
                         </a:rPr>
-                        <a:t>(?)</a:t>
+                        <a:t>(0.542/0.699)</a:t>
                       </a:r>
                       <a:endParaRPr lang="it-IT" sz="1200">
                         <a:latin typeface="Avenir Next LT Pro" panose="020B0504020202020204" pitchFamily="34" charset="0"/>
@@ -37820,7 +37845,7 @@
                           <a:ea typeface="+mn-ea"/>
                           <a:cs typeface="+mn-cs"/>
                         </a:rPr>
-                        <a:t>(?)</a:t>
+                        <a:t>(0.529/0.692)</a:t>
                       </a:r>
                       <a:endParaRPr lang="it-IT" sz="1200">
                         <a:latin typeface="Avenir Next LT Pro" panose="020B0504020202020204" pitchFamily="34" charset="0"/>
@@ -37886,9 +37911,12 @@
                     <a:lstStyle/>
                     <a:p>
                       <a:pPr algn="ctr"/>
-                      <a:endParaRPr lang="it-IT" sz="1200">
-                        <a:latin typeface="Avenir Next LT Pro" panose="020B0504020202020204" pitchFamily="34" charset="0"/>
-                      </a:endParaRPr>
+                      <a:r>
+                        <a:rPr lang="it-IT" sz="1200">
+                          <a:latin typeface="Avenir Next LT Pro" panose="020B0504020202020204" pitchFamily="34" charset="0"/>
+                        </a:rPr>
+                        <a:t>0.935/0.613</a:t>
+                      </a:r>
                     </a:p>
                     <a:p>
                       <a:pPr algn="ctr"/>
@@ -40899,7 +40927,7 @@
           <p:nvPr>
             <p:extLst>
               <p:ext uri="{D42A27DB-BD31-4B8C-83A1-F6EECF244321}">
-                <p14:modId xmlns:p14="http://schemas.microsoft.com/office/powerpoint/2010/main" val="1381890685"/>
+                <p14:modId xmlns:p14="http://schemas.microsoft.com/office/powerpoint/2010/main" val="3053621376"/>
               </p:ext>
             </p:extLst>
           </p:nvPr>

--- a/presentation/fraudolent_transaction.pptx
+++ b/presentation/fraudolent_transaction.pptx
@@ -25962,7 +25962,7 @@
             <a:pPr rtl="0"/>
             <a:fld id="{C0FA3576-2E34-44A5-91FF-3C53AC3DA648}" type="datetime1">
               <a:rPr lang="it-IT" smtClean="0"/>
-              <a:t>22/06/2022</a:t>
+              <a:t>23/06/2022</a:t>
             </a:fld>
             <a:endParaRPr lang="it-IT"/>
           </a:p>
@@ -26144,7 +26144,7 @@
             <a:fld id="{F8F21FEC-DF32-4E90-A279-29D5C0BB0773}" type="datetime1">
               <a:rPr lang="it-IT" smtClean="0"/>
               <a:pPr/>
-              <a:t>22/06/2022</a:t>
+              <a:t>23/06/2022</a:t>
             </a:fld>
             <a:endParaRPr lang="it-IT" dirty="0"/>
           </a:p>
@@ -26922,7 +26922,7 @@
             <a:pPr rtl="0"/>
             <a:fld id="{87A23933-3F77-4C59-A775-45E2435C8368}" type="datetime1">
               <a:rPr lang="it-IT" noProof="0" smtClean="0"/>
-              <a:t>22/06/2022</a:t>
+              <a:t>23/06/2022</a:t>
             </a:fld>
             <a:endParaRPr lang="it-IT" noProof="0"/>
           </a:p>
@@ -27187,7 +27187,7 @@
             <a:pPr rtl="0"/>
             <a:fld id="{4B4ECE9F-4108-4829-8F23-DFA9C926965D}" type="datetime1">
               <a:rPr lang="it-IT" noProof="0" smtClean="0"/>
-              <a:t>22/06/2022</a:t>
+              <a:t>23/06/2022</a:t>
             </a:fld>
             <a:endParaRPr lang="it-IT" noProof="0"/>
           </a:p>
@@ -27425,7 +27425,7 @@
             <a:pPr rtl="0"/>
             <a:fld id="{2AB59B6B-A2EF-4B30-AEF7-A3091D0F5449}" type="datetime1">
               <a:rPr lang="it-IT" noProof="0" smtClean="0"/>
-              <a:t>22/06/2022</a:t>
+              <a:t>23/06/2022</a:t>
             </a:fld>
             <a:endParaRPr lang="it-IT" noProof="0" dirty="0"/>
           </a:p>
@@ -27668,7 +27668,7 @@
             <a:pPr rtl="0"/>
             <a:fld id="{7F3FB14C-AC96-42E5-BE0B-73EFAA1A7EA7}" type="datetime1">
               <a:rPr lang="it-IT" noProof="0" smtClean="0"/>
-              <a:t>22/06/2022</a:t>
+              <a:t>23/06/2022</a:t>
             </a:fld>
             <a:endParaRPr lang="it-IT" noProof="0"/>
           </a:p>
@@ -27979,7 +27979,7 @@
             <a:pPr rtl="0"/>
             <a:fld id="{76327E91-20FF-43F1-A337-75953C73E7D7}" type="datetime1">
               <a:rPr lang="it-IT" noProof="0" smtClean="0"/>
-              <a:t>22/06/2022</a:t>
+              <a:t>23/06/2022</a:t>
             </a:fld>
             <a:endParaRPr lang="it-IT" noProof="0"/>
           </a:p>
@@ -28283,7 +28283,7 @@
             <a:pPr rtl="0"/>
             <a:fld id="{9EDCB701-B7F2-4988-9CFB-241C1D412354}" type="datetime1">
               <a:rPr lang="it-IT" noProof="0" smtClean="0"/>
-              <a:t>22/06/2022</a:t>
+              <a:t>23/06/2022</a:t>
             </a:fld>
             <a:endParaRPr lang="it-IT" noProof="0"/>
           </a:p>
@@ -28707,7 +28707,7 @@
             <a:pPr rtl="0"/>
             <a:fld id="{4B9B0459-76CC-4B94-A6C6-908B17D42BC8}" type="datetime1">
               <a:rPr lang="it-IT" noProof="0" smtClean="0"/>
-              <a:t>22/06/2022</a:t>
+              <a:t>23/06/2022</a:t>
             </a:fld>
             <a:endParaRPr lang="it-IT" noProof="0"/>
           </a:p>
@@ -28806,7 +28806,7 @@
             <a:pPr rtl="0"/>
             <a:fld id="{62D572E4-8572-44CF-B6FA-B15ECB2B0691}" type="datetime1">
               <a:rPr lang="it-IT" noProof="0" smtClean="0"/>
-              <a:t>22/06/2022</a:t>
+              <a:t>23/06/2022</a:t>
             </a:fld>
             <a:endParaRPr lang="it-IT" noProof="0"/>
           </a:p>
@@ -28972,7 +28972,7 @@
             <a:pPr rtl="0"/>
             <a:fld id="{5F266B29-8DDF-40ED-AC5D-ED73AC5A6521}" type="datetime1">
               <a:rPr lang="it-IT" noProof="0" smtClean="0"/>
-              <a:t>22/06/2022</a:t>
+              <a:t>23/06/2022</a:t>
             </a:fld>
             <a:endParaRPr lang="it-IT" noProof="0"/>
           </a:p>
@@ -29353,7 +29353,7 @@
             <a:pPr rtl="0"/>
             <a:fld id="{4CFC7787-2DFD-4221-B49C-354C37128239}" type="datetime1">
               <a:rPr lang="it-IT" noProof="0" smtClean="0"/>
-              <a:t>22/06/2022</a:t>
+              <a:t>23/06/2022</a:t>
             </a:fld>
             <a:endParaRPr lang="it-IT" noProof="0"/>
           </a:p>
@@ -29646,7 +29646,7 @@
             <a:pPr rtl="0"/>
             <a:fld id="{D3F07A8F-C5D3-4128-B052-E864993A59CE}" type="datetime1">
               <a:rPr lang="it-IT" noProof="0" smtClean="0"/>
-              <a:t>22/06/2022</a:t>
+              <a:t>23/06/2022</a:t>
             </a:fld>
             <a:endParaRPr lang="it-IT" noProof="0"/>
           </a:p>
@@ -29860,7 +29860,7 @@
             <a:pPr rtl="0"/>
             <a:fld id="{A36BACEF-F5E2-445B-BCCF-A68C06C41D7B}" type="datetime1">
               <a:rPr lang="it-IT" noProof="0" smtClean="0"/>
-              <a:t>22/06/2022</a:t>
+              <a:t>23/06/2022</a:t>
             </a:fld>
             <a:endParaRPr lang="it-IT" noProof="0" dirty="0"/>
           </a:p>
@@ -33407,7 +33407,7 @@
           <p:nvPr>
             <p:extLst>
               <p:ext uri="{D42A27DB-BD31-4B8C-83A1-F6EECF244321}">
-                <p14:modId xmlns:p14="http://schemas.microsoft.com/office/powerpoint/2010/main" val="1702343322"/>
+                <p14:modId xmlns:p14="http://schemas.microsoft.com/office/powerpoint/2010/main" val="3219576348"/>
               </p:ext>
             </p:extLst>
           </p:nvPr>
@@ -34110,7 +34110,7 @@
                         <a:rPr lang="it-IT" sz="1200" b="0">
                           <a:latin typeface="Avenir Next LT Pro" panose="020B0504020202020204" pitchFamily="34" charset="0"/>
                         </a:rPr>
-                        <a:t>(?)</a:t>
+                        <a:t>(0.8586)</a:t>
                       </a:r>
                     </a:p>
                   </a:txBody>
@@ -34154,7 +34154,7 @@
                         <a:rPr lang="it-IT" sz="1200" b="0">
                           <a:latin typeface="Avenir Next LT Pro" panose="020B0504020202020204" pitchFamily="34" charset="0"/>
                         </a:rPr>
-                        <a:t>(?)</a:t>
+                        <a:t>(0.8586)</a:t>
                       </a:r>
                     </a:p>
                   </a:txBody>
@@ -34185,9 +34185,12 @@
                     <a:lstStyle/>
                     <a:p>
                       <a:pPr algn="ctr"/>
-                      <a:endParaRPr lang="it-IT" sz="1200">
-                        <a:latin typeface="Avenir Next LT Pro" panose="020B0504020202020204" pitchFamily="34" charset="0"/>
-                      </a:endParaRPr>
+                      <a:r>
+                        <a:rPr lang="it-IT" sz="1200" b="1">
+                          <a:latin typeface="Avenir Next LT Pro" panose="020B0504020202020204" pitchFamily="34" charset="0"/>
+                        </a:rPr>
+                        <a:t>0.9790</a:t>
+                      </a:r>
                     </a:p>
                     <a:p>
                       <a:pPr algn="ctr"/>
@@ -34330,7 +34333,7 @@
                         <a:rPr lang="it-IT" sz="1200">
                           <a:latin typeface="Avenir Next LT Pro" panose="020B0504020202020204" pitchFamily="34" charset="0"/>
                         </a:rPr>
-                        <a:t>(?)</a:t>
+                        <a:t>(0.9390)</a:t>
                       </a:r>
                     </a:p>
                   </a:txBody>
@@ -34362,7 +34365,7 @@
                     <a:p>
                       <a:pPr algn="ctr"/>
                       <a:r>
-                        <a:rPr lang="it-IT" sz="1200" b="1">
+                        <a:rPr lang="it-IT" sz="1200" b="0">
                           <a:latin typeface="Avenir Next LT Pro" panose="020B0504020202020204" pitchFamily="34" charset="0"/>
                         </a:rPr>
                         <a:t>0.9789</a:t>
@@ -34374,7 +34377,7 @@
                         <a:rPr lang="it-IT" sz="1200">
                           <a:latin typeface="Avenir Next LT Pro" panose="020B0504020202020204" pitchFamily="34" charset="0"/>
                         </a:rPr>
-                        <a:t>(?)</a:t>
+                        <a:t>(0.9397)</a:t>
                       </a:r>
                     </a:p>
                   </a:txBody>
@@ -34446,9 +34449,12 @@
                     <a:lstStyle/>
                     <a:p>
                       <a:pPr algn="ctr"/>
-                      <a:endParaRPr lang="it-IT" sz="1200">
-                        <a:latin typeface="Avenir Next LT Pro" panose="020B0504020202020204" pitchFamily="34" charset="0"/>
-                      </a:endParaRPr>
+                      <a:r>
+                        <a:rPr lang="it-IT" sz="1200">
+                          <a:latin typeface="Avenir Next LT Pro" panose="020B0504020202020204" pitchFamily="34" charset="0"/>
+                        </a:rPr>
+                        <a:t>0.9734</a:t>
+                      </a:r>
                     </a:p>
                     <a:p>
                       <a:pPr algn="ctr"/>
@@ -34456,7 +34462,7 @@
                         <a:rPr lang="it-IT" sz="1200">
                           <a:latin typeface="Avenir Next LT Pro" panose="020B0504020202020204" pitchFamily="34" charset="0"/>
                         </a:rPr>
-                        <a:t>(?)</a:t>
+                        <a:t>(0.8829)</a:t>
                       </a:r>
                     </a:p>
                   </a:txBody>
@@ -34549,7 +34555,7 @@
           <p:nvPr>
             <p:extLst>
               <p:ext uri="{D42A27DB-BD31-4B8C-83A1-F6EECF244321}">
-                <p14:modId xmlns:p14="http://schemas.microsoft.com/office/powerpoint/2010/main" val="3163269395"/>
+                <p14:modId xmlns:p14="http://schemas.microsoft.com/office/powerpoint/2010/main" val="3882724486"/>
               </p:ext>
             </p:extLst>
           </p:nvPr>
@@ -35237,7 +35243,7 @@
                         <a:rPr lang="it-IT" sz="1200">
                           <a:latin typeface="Avenir Next LT Pro" panose="020B0504020202020204" pitchFamily="34" charset="0"/>
                         </a:rPr>
-                        <a:t>(?)</a:t>
+                        <a:t>(0.535)</a:t>
                       </a:r>
                     </a:p>
                   </a:txBody>
@@ -35281,7 +35287,7 @@
                         <a:rPr lang="it-IT" sz="1200">
                           <a:latin typeface="Avenir Next LT Pro" panose="020B0504020202020204" pitchFamily="34" charset="0"/>
                         </a:rPr>
-                        <a:t>(?)</a:t>
+                        <a:t>(0.535)</a:t>
                       </a:r>
                     </a:p>
                   </a:txBody>
@@ -35312,9 +35318,12 @@
                     <a:lstStyle/>
                     <a:p>
                       <a:pPr algn="ctr"/>
-                      <a:endParaRPr lang="it-IT" sz="1200">
-                        <a:latin typeface="Avenir Next LT Pro" panose="020B0504020202020204" pitchFamily="34" charset="0"/>
-                      </a:endParaRPr>
+                      <a:r>
+                        <a:rPr lang="it-IT" sz="1200" b="1">
+                          <a:latin typeface="Avenir Next LT Pro" panose="020B0504020202020204" pitchFamily="34" charset="0"/>
+                        </a:rPr>
+                        <a:t>0.858</a:t>
+                      </a:r>
                     </a:p>
                     <a:p>
                       <a:pPr algn="ctr"/>
@@ -35363,7 +35372,7 @@
                           <a:ea typeface="+mn-ea"/>
                           <a:cs typeface="+mn-cs"/>
                         </a:rPr>
-                        <a:t>0.7074</a:t>
+                        <a:t>0.707</a:t>
                       </a:r>
                     </a:p>
                     <a:p>
@@ -35378,7 +35387,7 @@
                           <a:ea typeface="+mn-ea"/>
                           <a:cs typeface="+mn-cs"/>
                         </a:rPr>
-                        <a:t>(0.6795)</a:t>
+                        <a:t>(0.679)</a:t>
                       </a:r>
                       <a:endParaRPr lang="it-IT" sz="1200">
                         <a:latin typeface="Avenir Next LT Pro" panose="020B0504020202020204" pitchFamily="34" charset="0"/>
@@ -35457,7 +35466,7 @@
                         <a:rPr lang="it-IT" sz="1200">
                           <a:latin typeface="Avenir Next LT Pro" panose="020B0504020202020204" pitchFamily="34" charset="0"/>
                         </a:rPr>
-                        <a:t>(?)</a:t>
+                        <a:t>(0.864)</a:t>
                       </a:r>
                     </a:p>
                   </a:txBody>
@@ -35489,7 +35498,7 @@
                     <a:p>
                       <a:pPr algn="ctr"/>
                       <a:r>
-                        <a:rPr lang="it-IT" sz="1200" b="1">
+                        <a:rPr lang="it-IT" sz="1200" b="0">
                           <a:latin typeface="Avenir Next LT Pro" panose="020B0504020202020204" pitchFamily="34" charset="0"/>
                         </a:rPr>
                         <a:t>0.845</a:t>
@@ -35501,7 +35510,7 @@
                         <a:rPr lang="it-IT" sz="1200">
                           <a:latin typeface="Avenir Next LT Pro" panose="020B0504020202020204" pitchFamily="34" charset="0"/>
                         </a:rPr>
-                        <a:t>(?)</a:t>
+                        <a:t>(0.866)</a:t>
                       </a:r>
                     </a:p>
                   </a:txBody>
@@ -35573,9 +35582,12 @@
                     <a:lstStyle/>
                     <a:p>
                       <a:pPr algn="ctr"/>
-                      <a:endParaRPr lang="it-IT" sz="1200">
-                        <a:latin typeface="Avenir Next LT Pro" panose="020B0504020202020204" pitchFamily="34" charset="0"/>
-                      </a:endParaRPr>
+                      <a:r>
+                        <a:rPr lang="it-IT" sz="1200">
+                          <a:latin typeface="Avenir Next LT Pro" panose="020B0504020202020204" pitchFamily="34" charset="0"/>
+                        </a:rPr>
+                        <a:t>0.784</a:t>
+                      </a:r>
                     </a:p>
                     <a:p>
                       <a:pPr algn="ctr"/>
@@ -35583,7 +35595,7 @@
                         <a:rPr lang="it-IT" sz="1200">
                           <a:latin typeface="Avenir Next LT Pro" panose="020B0504020202020204" pitchFamily="34" charset="0"/>
                         </a:rPr>
-                        <a:t>(?)</a:t>
+                        <a:t>(0.810)</a:t>
                       </a:r>
                     </a:p>
                   </a:txBody>
@@ -35874,7 +35886,7 @@
           <p:nvPr>
             <p:extLst>
               <p:ext uri="{D42A27DB-BD31-4B8C-83A1-F6EECF244321}">
-                <p14:modId xmlns:p14="http://schemas.microsoft.com/office/powerpoint/2010/main" val="2646214282"/>
+                <p14:modId xmlns:p14="http://schemas.microsoft.com/office/powerpoint/2010/main" val="652038403"/>
               </p:ext>
             </p:extLst>
           </p:nvPr>
@@ -36577,7 +36589,7 @@
                         <a:rPr lang="it-IT" sz="1200" b="0">
                           <a:latin typeface="Avenir Next LT Pro" panose="020B0504020202020204" pitchFamily="34" charset="0"/>
                         </a:rPr>
-                        <a:t>(?)</a:t>
+                        <a:t>(0.6101)</a:t>
                       </a:r>
                     </a:p>
                   </a:txBody>
@@ -36621,7 +36633,7 @@
                         <a:rPr lang="it-IT" sz="1200" b="0">
                           <a:latin typeface="Avenir Next LT Pro" panose="020B0504020202020204" pitchFamily="34" charset="0"/>
                         </a:rPr>
-                        <a:t>(?)</a:t>
+                        <a:t>(0.6101)</a:t>
                       </a:r>
                     </a:p>
                   </a:txBody>
@@ -36652,9 +36664,12 @@
                     <a:lstStyle/>
                     <a:p>
                       <a:pPr algn="ctr"/>
-                      <a:endParaRPr lang="it-IT" sz="1200">
-                        <a:latin typeface="Avenir Next LT Pro" panose="020B0504020202020204" pitchFamily="34" charset="0"/>
-                      </a:endParaRPr>
+                      <a:r>
+                        <a:rPr lang="it-IT" sz="1200" b="1">
+                          <a:latin typeface="Avenir Next LT Pro" panose="020B0504020202020204" pitchFamily="34" charset="0"/>
+                        </a:rPr>
+                        <a:t>0.7472</a:t>
+                      </a:r>
                     </a:p>
                     <a:p>
                       <a:pPr algn="ctr"/>
@@ -36797,7 +36812,7 @@
                         <a:rPr lang="it-IT" sz="1200">
                           <a:latin typeface="Avenir Next LT Pro" panose="020B0504020202020204" pitchFamily="34" charset="0"/>
                         </a:rPr>
-                        <a:t>(?)</a:t>
+                        <a:t>(0.6787)</a:t>
                       </a:r>
                     </a:p>
                   </a:txBody>
@@ -36829,7 +36844,7 @@
                     <a:p>
                       <a:pPr algn="ctr"/>
                       <a:r>
-                        <a:rPr lang="it-IT" sz="1200" b="1">
+                        <a:rPr lang="it-IT" sz="1200" b="0">
                           <a:latin typeface="Avenir Next LT Pro" panose="020B0504020202020204" pitchFamily="34" charset="0"/>
                         </a:rPr>
                         <a:t>0.7438</a:t>
@@ -36841,7 +36856,7 @@
                         <a:rPr lang="it-IT" sz="1200">
                           <a:latin typeface="Avenir Next LT Pro" panose="020B0504020202020204" pitchFamily="34" charset="0"/>
                         </a:rPr>
-                        <a:t>(?)</a:t>
+                        <a:t>(0.6787)</a:t>
                       </a:r>
                     </a:p>
                   </a:txBody>
@@ -36913,9 +36928,12 @@
                     <a:lstStyle/>
                     <a:p>
                       <a:pPr algn="ctr"/>
-                      <a:endParaRPr lang="it-IT" sz="1200">
-                        <a:latin typeface="Avenir Next LT Pro" panose="020B0504020202020204" pitchFamily="34" charset="0"/>
-                      </a:endParaRPr>
+                      <a:r>
+                        <a:rPr lang="it-IT" sz="1200">
+                          <a:latin typeface="Avenir Next LT Pro" panose="020B0504020202020204" pitchFamily="34" charset="0"/>
+                        </a:rPr>
+                        <a:t>0.4932</a:t>
+                      </a:r>
                     </a:p>
                     <a:p>
                       <a:pPr algn="ctr"/>
@@ -36923,7 +36941,7 @@
                         <a:rPr lang="it-IT" sz="1200">
                           <a:latin typeface="Avenir Next LT Pro" panose="020B0504020202020204" pitchFamily="34" charset="0"/>
                         </a:rPr>
-                        <a:t>(?)</a:t>
+                        <a:t>(0.6165)</a:t>
                       </a:r>
                     </a:p>
                   </a:txBody>
@@ -37016,7 +37034,7 @@
           <p:nvPr>
             <p:extLst>
               <p:ext uri="{D42A27DB-BD31-4B8C-83A1-F6EECF244321}">
-                <p14:modId xmlns:p14="http://schemas.microsoft.com/office/powerpoint/2010/main" val="1117334840"/>
+                <p14:modId xmlns:p14="http://schemas.microsoft.com/office/powerpoint/2010/main" val="1470130295"/>
               </p:ext>
             </p:extLst>
           </p:nvPr>
@@ -37340,7 +37358,7 @@
                       </a:r>
                     </a:p>
                   </a:txBody>
-                  <a:tcPr>
+                  <a:tcPr anchor="ctr">
                     <a:lnR w="12700" cap="flat" cmpd="sng" algn="ctr">
                       <a:solidFill>
                         <a:schemeClr val="tx1"/>
@@ -37641,7 +37659,7 @@
                       </a:r>
                     </a:p>
                   </a:txBody>
-                  <a:tcPr>
+                  <a:tcPr anchor="ctr">
                     <a:lnR w="12700" cap="flat" cmpd="sng" algn="ctr">
                       <a:solidFill>
                         <a:schemeClr val="tx1"/>
@@ -37704,7 +37722,7 @@
                         <a:rPr lang="it-IT" sz="1200">
                           <a:latin typeface="Avenir Next LT Pro" panose="020B0504020202020204" pitchFamily="34" charset="0"/>
                         </a:rPr>
-                        <a:t>(?)</a:t>
+                        <a:t>(0.541/0.698)</a:t>
                       </a:r>
                     </a:p>
                   </a:txBody>
@@ -37748,7 +37766,7 @@
                         <a:rPr lang="it-IT" sz="1200">
                           <a:latin typeface="Avenir Next LT Pro" panose="020B0504020202020204" pitchFamily="34" charset="0"/>
                         </a:rPr>
-                        <a:t>(?)</a:t>
+                        <a:t>(0.541/0.698)</a:t>
                       </a:r>
                     </a:p>
                   </a:txBody>
@@ -37779,9 +37797,12 @@
                     <a:lstStyle/>
                     <a:p>
                       <a:pPr algn="ctr"/>
-                      <a:endParaRPr lang="it-IT" sz="1200">
-                        <a:latin typeface="Avenir Next LT Pro" panose="020B0504020202020204" pitchFamily="34" charset="0"/>
-                      </a:endParaRPr>
+                      <a:r>
+                        <a:rPr lang="it-IT" sz="1200" b="1">
+                          <a:latin typeface="Avenir Next LT Pro" panose="020B0504020202020204" pitchFamily="34" charset="0"/>
+                        </a:rPr>
+                        <a:t>0.869/0.654</a:t>
+                      </a:r>
                     </a:p>
                     <a:p>
                       <a:pPr algn="ctr"/>
@@ -37893,7 +37914,7 @@
                       </a:r>
                     </a:p>
                   </a:txBody>
-                  <a:tcPr>
+                  <a:tcPr anchor="ctr">
                     <a:lnR w="12700" cap="flat" cmpd="sng" algn="ctr">
                       <a:solidFill>
                         <a:schemeClr val="tx1"/>
@@ -37924,7 +37945,7 @@
                         <a:rPr lang="it-IT" sz="1200">
                           <a:latin typeface="Avenir Next LT Pro" panose="020B0504020202020204" pitchFamily="34" charset="0"/>
                         </a:rPr>
-                        <a:t>(?)</a:t>
+                        <a:t>(0.611/0.762)</a:t>
                       </a:r>
                     </a:p>
                   </a:txBody>
@@ -37956,7 +37977,7 @@
                     <a:p>
                       <a:pPr algn="ctr"/>
                       <a:r>
-                        <a:rPr lang="it-IT" sz="1200" b="1">
+                        <a:rPr lang="it-IT" sz="1200" b="0">
                           <a:latin typeface="Avenir Next LT Pro" panose="020B0504020202020204" pitchFamily="34" charset="0"/>
                         </a:rPr>
                         <a:t>0.937/0.616</a:t>
@@ -37968,7 +37989,7 @@
                         <a:rPr lang="it-IT" sz="1200">
                           <a:latin typeface="Avenir Next LT Pro" panose="020B0504020202020204" pitchFamily="34" charset="0"/>
                         </a:rPr>
-                        <a:t>(?)</a:t>
+                        <a:t>(0.612/0.761)</a:t>
                       </a:r>
                     </a:p>
                   </a:txBody>
@@ -38040,9 +38061,12 @@
                     <a:lstStyle/>
                     <a:p>
                       <a:pPr algn="ctr"/>
-                      <a:endParaRPr lang="it-IT" sz="1200">
-                        <a:latin typeface="Avenir Next LT Pro" panose="020B0504020202020204" pitchFamily="34" charset="0"/>
-                      </a:endParaRPr>
+                      <a:r>
+                        <a:rPr lang="it-IT" sz="1200">
+                          <a:latin typeface="Avenir Next LT Pro" panose="020B0504020202020204" pitchFamily="34" charset="0"/>
+                        </a:rPr>
+                        <a:t>0.486/0.5</a:t>
+                      </a:r>
                     </a:p>
                     <a:p>
                       <a:pPr algn="ctr"/>
@@ -38050,7 +38074,7 @@
                         <a:rPr lang="it-IT" sz="1200">
                           <a:latin typeface="Avenir Next LT Pro" panose="020B0504020202020204" pitchFamily="34" charset="0"/>
                         </a:rPr>
-                        <a:t>(?)</a:t>
+                        <a:t>(0.550/0.701)</a:t>
                       </a:r>
                     </a:p>
                   </a:txBody>

--- a/presentation/fraudolent_transaction.pptx
+++ b/presentation/fraudolent_transaction.pptx
@@ -25962,7 +25962,7 @@
             <a:pPr rtl="0"/>
             <a:fld id="{C0FA3576-2E34-44A5-91FF-3C53AC3DA648}" type="datetime1">
               <a:rPr lang="it-IT" smtClean="0"/>
-              <a:t>23/06/2022</a:t>
+              <a:t>24/06/2022</a:t>
             </a:fld>
             <a:endParaRPr lang="it-IT"/>
           </a:p>
@@ -26144,7 +26144,7 @@
             <a:fld id="{F8F21FEC-DF32-4E90-A279-29D5C0BB0773}" type="datetime1">
               <a:rPr lang="it-IT" smtClean="0"/>
               <a:pPr/>
-              <a:t>23/06/2022</a:t>
+              <a:t>24/06/2022</a:t>
             </a:fld>
             <a:endParaRPr lang="it-IT" dirty="0"/>
           </a:p>
@@ -26922,7 +26922,7 @@
             <a:pPr rtl="0"/>
             <a:fld id="{87A23933-3F77-4C59-A775-45E2435C8368}" type="datetime1">
               <a:rPr lang="it-IT" noProof="0" smtClean="0"/>
-              <a:t>23/06/2022</a:t>
+              <a:t>24/06/2022</a:t>
             </a:fld>
             <a:endParaRPr lang="it-IT" noProof="0"/>
           </a:p>
@@ -27187,7 +27187,7 @@
             <a:pPr rtl="0"/>
             <a:fld id="{4B4ECE9F-4108-4829-8F23-DFA9C926965D}" type="datetime1">
               <a:rPr lang="it-IT" noProof="0" smtClean="0"/>
-              <a:t>23/06/2022</a:t>
+              <a:t>24/06/2022</a:t>
             </a:fld>
             <a:endParaRPr lang="it-IT" noProof="0"/>
           </a:p>
@@ -27425,7 +27425,7 @@
             <a:pPr rtl="0"/>
             <a:fld id="{2AB59B6B-A2EF-4B30-AEF7-A3091D0F5449}" type="datetime1">
               <a:rPr lang="it-IT" noProof="0" smtClean="0"/>
-              <a:t>23/06/2022</a:t>
+              <a:t>24/06/2022</a:t>
             </a:fld>
             <a:endParaRPr lang="it-IT" noProof="0" dirty="0"/>
           </a:p>
@@ -27668,7 +27668,7 @@
             <a:pPr rtl="0"/>
             <a:fld id="{7F3FB14C-AC96-42E5-BE0B-73EFAA1A7EA7}" type="datetime1">
               <a:rPr lang="it-IT" noProof="0" smtClean="0"/>
-              <a:t>23/06/2022</a:t>
+              <a:t>24/06/2022</a:t>
             </a:fld>
             <a:endParaRPr lang="it-IT" noProof="0"/>
           </a:p>
@@ -27979,7 +27979,7 @@
             <a:pPr rtl="0"/>
             <a:fld id="{76327E91-20FF-43F1-A337-75953C73E7D7}" type="datetime1">
               <a:rPr lang="it-IT" noProof="0" smtClean="0"/>
-              <a:t>23/06/2022</a:t>
+              <a:t>24/06/2022</a:t>
             </a:fld>
             <a:endParaRPr lang="it-IT" noProof="0"/>
           </a:p>
@@ -28283,7 +28283,7 @@
             <a:pPr rtl="0"/>
             <a:fld id="{9EDCB701-B7F2-4988-9CFB-241C1D412354}" type="datetime1">
               <a:rPr lang="it-IT" noProof="0" smtClean="0"/>
-              <a:t>23/06/2022</a:t>
+              <a:t>24/06/2022</a:t>
             </a:fld>
             <a:endParaRPr lang="it-IT" noProof="0"/>
           </a:p>
@@ -28707,7 +28707,7 @@
             <a:pPr rtl="0"/>
             <a:fld id="{4B9B0459-76CC-4B94-A6C6-908B17D42BC8}" type="datetime1">
               <a:rPr lang="it-IT" noProof="0" smtClean="0"/>
-              <a:t>23/06/2022</a:t>
+              <a:t>24/06/2022</a:t>
             </a:fld>
             <a:endParaRPr lang="it-IT" noProof="0"/>
           </a:p>
@@ -28806,7 +28806,7 @@
             <a:pPr rtl="0"/>
             <a:fld id="{62D572E4-8572-44CF-B6FA-B15ECB2B0691}" type="datetime1">
               <a:rPr lang="it-IT" noProof="0" smtClean="0"/>
-              <a:t>23/06/2022</a:t>
+              <a:t>24/06/2022</a:t>
             </a:fld>
             <a:endParaRPr lang="it-IT" noProof="0"/>
           </a:p>
@@ -28972,7 +28972,7 @@
             <a:pPr rtl="0"/>
             <a:fld id="{5F266B29-8DDF-40ED-AC5D-ED73AC5A6521}" type="datetime1">
               <a:rPr lang="it-IT" noProof="0" smtClean="0"/>
-              <a:t>23/06/2022</a:t>
+              <a:t>24/06/2022</a:t>
             </a:fld>
             <a:endParaRPr lang="it-IT" noProof="0"/>
           </a:p>
@@ -29353,7 +29353,7 @@
             <a:pPr rtl="0"/>
             <a:fld id="{4CFC7787-2DFD-4221-B49C-354C37128239}" type="datetime1">
               <a:rPr lang="it-IT" noProof="0" smtClean="0"/>
-              <a:t>23/06/2022</a:t>
+              <a:t>24/06/2022</a:t>
             </a:fld>
             <a:endParaRPr lang="it-IT" noProof="0"/>
           </a:p>
@@ -29646,7 +29646,7 @@
             <a:pPr rtl="0"/>
             <a:fld id="{D3F07A8F-C5D3-4128-B052-E864993A59CE}" type="datetime1">
               <a:rPr lang="it-IT" noProof="0" smtClean="0"/>
-              <a:t>23/06/2022</a:t>
+              <a:t>24/06/2022</a:t>
             </a:fld>
             <a:endParaRPr lang="it-IT" noProof="0"/>
           </a:p>
@@ -29860,7 +29860,7 @@
             <a:pPr rtl="0"/>
             <a:fld id="{A36BACEF-F5E2-445B-BCCF-A68C06C41D7B}" type="datetime1">
               <a:rPr lang="it-IT" noProof="0" smtClean="0"/>
-              <a:t>23/06/2022</a:t>
+              <a:t>24/06/2022</a:t>
             </a:fld>
             <a:endParaRPr lang="it-IT" noProof="0" dirty="0"/>
           </a:p>
@@ -33407,7 +33407,7 @@
           <p:nvPr>
             <p:extLst>
               <p:ext uri="{D42A27DB-BD31-4B8C-83A1-F6EECF244321}">
-                <p14:modId xmlns:p14="http://schemas.microsoft.com/office/powerpoint/2010/main" val="3219576348"/>
+                <p14:modId xmlns:p14="http://schemas.microsoft.com/office/powerpoint/2010/main" val="1223997525"/>
               </p:ext>
             </p:extLst>
           </p:nvPr>
@@ -34198,7 +34198,7 @@
                         <a:rPr lang="it-IT" sz="1200">
                           <a:latin typeface="Avenir Next LT Pro" panose="020B0504020202020204" pitchFamily="34" charset="0"/>
                         </a:rPr>
-                        <a:t>(?)</a:t>
+                        <a:t>(0.8586)</a:t>
                       </a:r>
                     </a:p>
                   </a:txBody>
@@ -34555,7 +34555,7 @@
           <p:nvPr>
             <p:extLst>
               <p:ext uri="{D42A27DB-BD31-4B8C-83A1-F6EECF244321}">
-                <p14:modId xmlns:p14="http://schemas.microsoft.com/office/powerpoint/2010/main" val="3882724486"/>
+                <p14:modId xmlns:p14="http://schemas.microsoft.com/office/powerpoint/2010/main" val="816031845"/>
               </p:ext>
             </p:extLst>
           </p:nvPr>
@@ -35331,7 +35331,7 @@
                         <a:rPr lang="it-IT" sz="1200">
                           <a:latin typeface="Avenir Next LT Pro" panose="020B0504020202020204" pitchFamily="34" charset="0"/>
                         </a:rPr>
-                        <a:t>(?)</a:t>
+                        <a:t>(0.535)</a:t>
                       </a:r>
                     </a:p>
                   </a:txBody>
@@ -35886,7 +35886,7 @@
           <p:nvPr>
             <p:extLst>
               <p:ext uri="{D42A27DB-BD31-4B8C-83A1-F6EECF244321}">
-                <p14:modId xmlns:p14="http://schemas.microsoft.com/office/powerpoint/2010/main" val="652038403"/>
+                <p14:modId xmlns:p14="http://schemas.microsoft.com/office/powerpoint/2010/main" val="4022667045"/>
               </p:ext>
             </p:extLst>
           </p:nvPr>
@@ -36677,7 +36677,19 @@
                         <a:rPr lang="it-IT" sz="1200">
                           <a:latin typeface="Avenir Next LT Pro" panose="020B0504020202020204" pitchFamily="34" charset="0"/>
                         </a:rPr>
-                        <a:t>(?)</a:t>
+                        <a:t>(</a:t>
+                      </a:r>
+                      <a:r>
+                        <a:rPr lang="it-IT" sz="1200" b="0">
+                          <a:latin typeface="Avenir Next LT Pro" panose="020B0504020202020204" pitchFamily="34" charset="0"/>
+                        </a:rPr>
+                        <a:t>0.6101</a:t>
+                      </a:r>
+                      <a:r>
+                        <a:rPr lang="it-IT" sz="1200">
+                          <a:latin typeface="Avenir Next LT Pro" panose="020B0504020202020204" pitchFamily="34" charset="0"/>
+                        </a:rPr>
+                        <a:t>)</a:t>
                       </a:r>
                     </a:p>
                   </a:txBody>
@@ -37034,7 +37046,7 @@
           <p:nvPr>
             <p:extLst>
               <p:ext uri="{D42A27DB-BD31-4B8C-83A1-F6EECF244321}">
-                <p14:modId xmlns:p14="http://schemas.microsoft.com/office/powerpoint/2010/main" val="1470130295"/>
+                <p14:modId xmlns:p14="http://schemas.microsoft.com/office/powerpoint/2010/main" val="3640400883"/>
               </p:ext>
             </p:extLst>
           </p:nvPr>
@@ -37810,7 +37822,7 @@
                         <a:rPr lang="it-IT" sz="1200">
                           <a:latin typeface="Avenir Next LT Pro" panose="020B0504020202020204" pitchFamily="34" charset="0"/>
                         </a:rPr>
-                        <a:t>(?)</a:t>
+                        <a:t>(0.541/0.698)</a:t>
                       </a:r>
                     </a:p>
                   </a:txBody>

--- a/presentation/fraudolent_transaction.pptx
+++ b/presentation/fraudolent_transaction.pptx
@@ -33407,7 +33407,7 @@
           <p:nvPr>
             <p:extLst>
               <p:ext uri="{D42A27DB-BD31-4B8C-83A1-F6EECF244321}">
-                <p14:modId xmlns:p14="http://schemas.microsoft.com/office/powerpoint/2010/main" val="1223997525"/>
+                <p14:modId xmlns:p14="http://schemas.microsoft.com/office/powerpoint/2010/main" val="2662949846"/>
               </p:ext>
             </p:extLst>
           </p:nvPr>
@@ -34408,9 +34408,12 @@
                     <a:lstStyle/>
                     <a:p>
                       <a:pPr algn="ctr"/>
-                      <a:endParaRPr lang="it-IT" sz="1200">
-                        <a:latin typeface="Avenir Next LT Pro" panose="020B0504020202020204" pitchFamily="34" charset="0"/>
-                      </a:endParaRPr>
+                      <a:r>
+                        <a:rPr lang="it-IT" sz="1200">
+                          <a:latin typeface="Avenir Next LT Pro" panose="020B0504020202020204" pitchFamily="34" charset="0"/>
+                        </a:rPr>
+                        <a:t>0.9786</a:t>
+                      </a:r>
                     </a:p>
                     <a:p>
                       <a:pPr algn="ctr"/>
@@ -34418,7 +34421,7 @@
                         <a:rPr lang="it-IT" sz="1200">
                           <a:latin typeface="Avenir Next LT Pro" panose="020B0504020202020204" pitchFamily="34" charset="0"/>
                         </a:rPr>
-                        <a:t>(?)</a:t>
+                        <a:t>(0.9410)</a:t>
                       </a:r>
                     </a:p>
                   </a:txBody>
@@ -34555,7 +34558,7 @@
           <p:nvPr>
             <p:extLst>
               <p:ext uri="{D42A27DB-BD31-4B8C-83A1-F6EECF244321}">
-                <p14:modId xmlns:p14="http://schemas.microsoft.com/office/powerpoint/2010/main" val="816031845"/>
+                <p14:modId xmlns:p14="http://schemas.microsoft.com/office/powerpoint/2010/main" val="2287019251"/>
               </p:ext>
             </p:extLst>
           </p:nvPr>
@@ -35541,9 +35544,12 @@
                     <a:lstStyle/>
                     <a:p>
                       <a:pPr algn="ctr"/>
-                      <a:endParaRPr lang="it-IT" sz="1200">
-                        <a:latin typeface="Avenir Next LT Pro" panose="020B0504020202020204" pitchFamily="34" charset="0"/>
-                      </a:endParaRPr>
+                      <a:r>
+                        <a:rPr lang="it-IT" sz="1200">
+                          <a:latin typeface="Avenir Next LT Pro" panose="020B0504020202020204" pitchFamily="34" charset="0"/>
+                        </a:rPr>
+                        <a:t>0.848</a:t>
+                      </a:r>
                     </a:p>
                     <a:p>
                       <a:pPr algn="ctr"/>
@@ -35551,7 +35557,7 @@
                         <a:rPr lang="it-IT" sz="1200">
                           <a:latin typeface="Avenir Next LT Pro" panose="020B0504020202020204" pitchFamily="34" charset="0"/>
                         </a:rPr>
-                        <a:t>(?)</a:t>
+                        <a:t>(0.872)</a:t>
                       </a:r>
                     </a:p>
                   </a:txBody>
@@ -35886,7 +35892,7 @@
           <p:nvPr>
             <p:extLst>
               <p:ext uri="{D42A27DB-BD31-4B8C-83A1-F6EECF244321}">
-                <p14:modId xmlns:p14="http://schemas.microsoft.com/office/powerpoint/2010/main" val="4022667045"/>
+                <p14:modId xmlns:p14="http://schemas.microsoft.com/office/powerpoint/2010/main" val="2356774293"/>
               </p:ext>
             </p:extLst>
           </p:nvPr>
@@ -36899,9 +36905,12 @@
                     <a:lstStyle/>
                     <a:p>
                       <a:pPr algn="ctr"/>
-                      <a:endParaRPr lang="it-IT" sz="1200">
-                        <a:latin typeface="Avenir Next LT Pro" panose="020B0504020202020204" pitchFamily="34" charset="0"/>
-                      </a:endParaRPr>
+                      <a:r>
+                        <a:rPr lang="it-IT" sz="1200">
+                          <a:latin typeface="Avenir Next LT Pro" panose="020B0504020202020204" pitchFamily="34" charset="0"/>
+                        </a:rPr>
+                        <a:t>0.7390</a:t>
+                      </a:r>
                     </a:p>
                     <a:p>
                       <a:pPr algn="ctr"/>
@@ -36909,7 +36918,7 @@
                         <a:rPr lang="it-IT" sz="1200">
                           <a:latin typeface="Avenir Next LT Pro" panose="020B0504020202020204" pitchFamily="34" charset="0"/>
                         </a:rPr>
-                        <a:t>(?)</a:t>
+                        <a:t>(0.6842)</a:t>
                       </a:r>
                     </a:p>
                   </a:txBody>
@@ -37046,7 +37055,7 @@
           <p:nvPr>
             <p:extLst>
               <p:ext uri="{D42A27DB-BD31-4B8C-83A1-F6EECF244321}">
-                <p14:modId xmlns:p14="http://schemas.microsoft.com/office/powerpoint/2010/main" val="3640400883"/>
+                <p14:modId xmlns:p14="http://schemas.microsoft.com/office/powerpoint/2010/main" val="3402175942"/>
               </p:ext>
             </p:extLst>
           </p:nvPr>
@@ -38032,9 +38041,12 @@
                     <a:lstStyle/>
                     <a:p>
                       <a:pPr algn="ctr"/>
-                      <a:endParaRPr lang="it-IT" sz="1200">
-                        <a:latin typeface="Avenir Next LT Pro" panose="020B0504020202020204" pitchFamily="34" charset="0"/>
-                      </a:endParaRPr>
+                      <a:r>
+                        <a:rPr lang="it-IT" sz="1200">
+                          <a:latin typeface="Avenir Next LT Pro" panose="020B0504020202020204" pitchFamily="34" charset="0"/>
+                        </a:rPr>
+                        <a:t>0.930/0.613</a:t>
+                      </a:r>
                     </a:p>
                     <a:p>
                       <a:pPr algn="ctr"/>
@@ -38042,7 +38054,7 @@
                         <a:rPr lang="it-IT" sz="1200">
                           <a:latin typeface="Avenir Next LT Pro" panose="020B0504020202020204" pitchFamily="34" charset="0"/>
                         </a:rPr>
-                        <a:t>(?)</a:t>
+                        <a:t>(0.616/0.768)</a:t>
                       </a:r>
                     </a:p>
                   </a:txBody>

--- a/presentation/fraudolent_transaction.pptx
+++ b/presentation/fraudolent_transaction.pptx
@@ -33407,7 +33407,7 @@
           <p:nvPr>
             <p:extLst>
               <p:ext uri="{D42A27DB-BD31-4B8C-83A1-F6EECF244321}">
-                <p14:modId xmlns:p14="http://schemas.microsoft.com/office/powerpoint/2010/main" val="2662949846"/>
+                <p14:modId xmlns:p14="http://schemas.microsoft.com/office/powerpoint/2010/main" val="2789110329"/>
               </p:ext>
             </p:extLst>
           </p:nvPr>
@@ -33922,7 +33922,7 @@
                           <a:ea typeface="+mn-ea"/>
                           <a:cs typeface="+mn-cs"/>
                         </a:rPr>
-                        <a:t>(?)</a:t>
+                        <a:t>(0.9033)</a:t>
                       </a:r>
                       <a:endParaRPr lang="it-IT" sz="1200" b="0">
                         <a:latin typeface="Avenir Next LT Pro" panose="020B0504020202020204" pitchFamily="34" charset="0"/>
@@ -34558,7 +34558,7 @@
           <p:nvPr>
             <p:extLst>
               <p:ext uri="{D42A27DB-BD31-4B8C-83A1-F6EECF244321}">
-                <p14:modId xmlns:p14="http://schemas.microsoft.com/office/powerpoint/2010/main" val="2287019251"/>
+                <p14:modId xmlns:p14="http://schemas.microsoft.com/office/powerpoint/2010/main" val="3901396726"/>
               </p:ext>
             </p:extLst>
           </p:nvPr>
@@ -35061,7 +35061,7 @@
                         <a:rPr lang="it-IT" sz="1200" b="0">
                           <a:latin typeface="Avenir Next LT Pro" panose="020B0504020202020204" pitchFamily="34" charset="0"/>
                         </a:rPr>
-                        <a:t>(?)</a:t>
+                        <a:t>(0.862)</a:t>
                       </a:r>
                     </a:p>
                   </a:txBody>
@@ -35892,7 +35892,7 @@
           <p:nvPr>
             <p:extLst>
               <p:ext uri="{D42A27DB-BD31-4B8C-83A1-F6EECF244321}">
-                <p14:modId xmlns:p14="http://schemas.microsoft.com/office/powerpoint/2010/main" val="2356774293"/>
+                <p14:modId xmlns:p14="http://schemas.microsoft.com/office/powerpoint/2010/main" val="2494172858"/>
               </p:ext>
             </p:extLst>
           </p:nvPr>
@@ -36407,7 +36407,7 @@
                           <a:ea typeface="+mn-ea"/>
                           <a:cs typeface="+mn-cs"/>
                         </a:rPr>
-                        <a:t>(?)</a:t>
+                        <a:t>(0.6556)</a:t>
                       </a:r>
                       <a:endParaRPr lang="it-IT" sz="1200" b="0">
                         <a:latin typeface="Avenir Next LT Pro" panose="020B0504020202020204" pitchFamily="34" charset="0"/>
@@ -37055,7 +37055,7 @@
           <p:nvPr>
             <p:extLst>
               <p:ext uri="{D42A27DB-BD31-4B8C-83A1-F6EECF244321}">
-                <p14:modId xmlns:p14="http://schemas.microsoft.com/office/powerpoint/2010/main" val="3402175942"/>
+                <p14:modId xmlns:p14="http://schemas.microsoft.com/office/powerpoint/2010/main" val="450090207"/>
               </p:ext>
             </p:extLst>
           </p:nvPr>
@@ -37558,7 +37558,7 @@
                         <a:rPr lang="it-IT" sz="1200" b="0">
                           <a:latin typeface="Avenir Next LT Pro" panose="020B0504020202020204" pitchFamily="34" charset="0"/>
                         </a:rPr>
-                        <a:t>(?)</a:t>
+                        <a:t>(0.574/0.764)</a:t>
                       </a:r>
                     </a:p>
                   </a:txBody>

--- a/presentation/fraudolent_transaction.pptx
+++ b/presentation/fraudolent_transaction.pptx
@@ -5,10 +5,10 @@
     <p:sldMasterId id="2147483672" r:id="rId1"/>
   </p:sldMasterIdLst>
   <p:notesMasterIdLst>
-    <p:notesMasterId r:id="rId16"/>
+    <p:notesMasterId r:id="rId19"/>
   </p:notesMasterIdLst>
   <p:handoutMasterIdLst>
-    <p:handoutMasterId r:id="rId17"/>
+    <p:handoutMasterId r:id="rId20"/>
   </p:handoutMasterIdLst>
   <p:sldIdLst>
     <p:sldId id="256" r:id="rId2"/>
@@ -19,12 +19,15 @@
     <p:sldId id="266" r:id="rId7"/>
     <p:sldId id="267" r:id="rId8"/>
     <p:sldId id="268" r:id="rId9"/>
-    <p:sldId id="269" r:id="rId10"/>
-    <p:sldId id="270" r:id="rId11"/>
-    <p:sldId id="276" r:id="rId12"/>
-    <p:sldId id="275" r:id="rId13"/>
-    <p:sldId id="272" r:id="rId14"/>
-    <p:sldId id="274" r:id="rId15"/>
+    <p:sldId id="280" r:id="rId10"/>
+    <p:sldId id="269" r:id="rId11"/>
+    <p:sldId id="270" r:id="rId12"/>
+    <p:sldId id="276" r:id="rId13"/>
+    <p:sldId id="275" r:id="rId14"/>
+    <p:sldId id="272" r:id="rId15"/>
+    <p:sldId id="277" r:id="rId16"/>
+    <p:sldId id="278" r:id="rId17"/>
+    <p:sldId id="279" r:id="rId18"/>
   </p:sldIdLst>
   <p:sldSz cx="12192000" cy="6858000"/>
   <p:notesSz cx="6858000" cy="9144000"/>
@@ -9078,7 +9081,7 @@
         <a:p>
           <a:pPr algn="ctr"/>
           <a:r>
-            <a:rPr lang="it-IT" sz="2000"/>
+            <a:rPr lang="it-IT" sz="1600"/>
             <a:t>Logistic Regression</a:t>
           </a:r>
         </a:p>
@@ -9115,7 +9118,7 @@
         <a:p>
           <a:pPr algn="ctr"/>
           <a:r>
-            <a:rPr lang="it-IT" sz="2000"/>
+            <a:rPr lang="it-IT" sz="1600"/>
             <a:t>Decision Tree</a:t>
           </a:r>
         </a:p>
@@ -9151,7 +9154,7 @@
         <a:lstStyle/>
         <a:p>
           <a:r>
-            <a:rPr lang="it-IT" sz="2000"/>
+            <a:rPr lang="it-IT" sz="1600"/>
             <a:t>Random Forest</a:t>
           </a:r>
         </a:p>
@@ -12879,8 +12882,8 @@
       </dsp:nvSpPr>
       <dsp:spPr>
         <a:xfrm>
-          <a:off x="861865" y="1115320"/>
-          <a:ext cx="277484" cy="528743"/>
+          <a:off x="669104" y="907643"/>
+          <a:ext cx="225815" cy="430289"/>
         </a:xfrm>
         <a:custGeom>
           <a:avLst/>
@@ -12894,13 +12897,13 @@
                 <a:pt x="0" y="0"/>
               </a:moveTo>
               <a:lnTo>
-                <a:pt x="138742" y="0"/>
+                <a:pt x="112907" y="0"/>
               </a:lnTo>
               <a:lnTo>
-                <a:pt x="138742" y="528743"/>
+                <a:pt x="112907" y="430289"/>
               </a:lnTo>
               <a:lnTo>
-                <a:pt x="277484" y="528743"/>
+                <a:pt x="225815" y="430289"/>
               </a:lnTo>
             </a:path>
           </a:pathLst>
@@ -12954,8 +12957,8 @@
         </a:p>
       </dsp:txBody>
       <dsp:txXfrm>
-        <a:off x="985679" y="1364763"/>
-        <a:ext cx="29856" cy="29856"/>
+        <a:off x="769863" y="1110639"/>
+        <a:ext cx="24297" cy="24297"/>
       </dsp:txXfrm>
     </dsp:sp>
     <dsp:sp modelId="{1E6EA87E-9211-48B3-AE9C-F2E0E1FAE10C}">
@@ -12965,8 +12968,8 @@
       </dsp:nvSpPr>
       <dsp:spPr>
         <a:xfrm>
-          <a:off x="861865" y="1069600"/>
-          <a:ext cx="277484" cy="91440"/>
+          <a:off x="669104" y="861923"/>
+          <a:ext cx="225815" cy="91440"/>
         </a:xfrm>
         <a:custGeom>
           <a:avLst/>
@@ -12980,7 +12983,7 @@
                 <a:pt x="0" y="45720"/>
               </a:moveTo>
               <a:lnTo>
-                <a:pt x="277484" y="45720"/>
+                <a:pt x="225815" y="45720"/>
               </a:lnTo>
             </a:path>
           </a:pathLst>
@@ -13034,8 +13037,8 @@
         </a:p>
       </dsp:txBody>
       <dsp:txXfrm>
-        <a:off x="993670" y="1108383"/>
-        <a:ext cx="13874" cy="13874"/>
+        <a:off x="776367" y="901998"/>
+        <a:ext cx="11290" cy="11290"/>
       </dsp:txXfrm>
     </dsp:sp>
     <dsp:sp modelId="{8CF113DB-84A6-4B73-97DF-8EB01DDF19B6}">
@@ -13045,8 +13048,8 @@
       </dsp:nvSpPr>
       <dsp:spPr>
         <a:xfrm>
-          <a:off x="861865" y="586577"/>
-          <a:ext cx="277484" cy="528743"/>
+          <a:off x="669104" y="477354"/>
+          <a:ext cx="225815" cy="430289"/>
         </a:xfrm>
         <a:custGeom>
           <a:avLst/>
@@ -13057,16 +13060,16 @@
           <a:pathLst>
             <a:path>
               <a:moveTo>
-                <a:pt x="0" y="528743"/>
+                <a:pt x="0" y="430289"/>
               </a:moveTo>
               <a:lnTo>
-                <a:pt x="138742" y="528743"/>
+                <a:pt x="112907" y="430289"/>
               </a:lnTo>
               <a:lnTo>
-                <a:pt x="138742" y="0"/>
+                <a:pt x="112907" y="0"/>
               </a:lnTo>
               <a:lnTo>
-                <a:pt x="277484" y="0"/>
+                <a:pt x="225815" y="0"/>
               </a:lnTo>
             </a:path>
           </a:pathLst>
@@ -13120,8 +13123,8 @@
         </a:p>
       </dsp:txBody>
       <dsp:txXfrm>
-        <a:off x="985679" y="836020"/>
-        <a:ext cx="29856" cy="29856"/>
+        <a:off x="769863" y="680350"/>
+        <a:ext cx="24297" cy="24297"/>
       </dsp:txXfrm>
     </dsp:sp>
     <dsp:sp modelId="{B09139A0-2A75-40F3-A8B3-D6A62A69B5BC}">
@@ -13131,8 +13134,8 @@
       </dsp:nvSpPr>
       <dsp:spPr>
         <a:xfrm rot="16200000">
-          <a:off x="-462774" y="903823"/>
-          <a:ext cx="2226286" cy="422994"/>
+          <a:off x="-408882" y="735527"/>
+          <a:ext cx="1811743" cy="344231"/>
         </a:xfrm>
         <a:prstGeom prst="rect">
           <a:avLst/>
@@ -13197,8 +13200,8 @@
         </a:p>
       </dsp:txBody>
       <dsp:txXfrm>
-        <a:off x="-462774" y="903823"/>
-        <a:ext cx="2226286" cy="422994"/>
+        <a:off x="-408882" y="735527"/>
+        <a:ext cx="1811743" cy="344231"/>
       </dsp:txXfrm>
     </dsp:sp>
     <dsp:sp modelId="{1D7AEA76-8F48-4ED4-BBAE-4B24E2F9A9FE}">
@@ -13208,8 +13211,8 @@
       </dsp:nvSpPr>
       <dsp:spPr>
         <a:xfrm>
-          <a:off x="1139349" y="375080"/>
-          <a:ext cx="2113958" cy="422994"/>
+          <a:off x="894920" y="305238"/>
+          <a:ext cx="1720331" cy="344231"/>
         </a:xfrm>
         <a:prstGeom prst="rect">
           <a:avLst/>
@@ -13250,12 +13253,12 @@
         </a:fontRef>
       </dsp:style>
       <dsp:txBody>
-        <a:bodyPr spcFirstLastPara="0" vert="horz" wrap="square" lIns="12700" tIns="12700" rIns="12700" bIns="12700" numCol="1" spcCol="1270" anchor="ctr" anchorCtr="0">
+        <a:bodyPr spcFirstLastPara="0" vert="horz" wrap="square" lIns="10160" tIns="10160" rIns="10160" bIns="10160" numCol="1" spcCol="1270" anchor="ctr" anchorCtr="0">
           <a:noAutofit/>
         </a:bodyPr>
         <a:lstStyle/>
         <a:p>
-          <a:pPr marL="0" lvl="0" indent="0" algn="ctr" defTabSz="889000">
+          <a:pPr marL="0" lvl="0" indent="0" algn="ctr" defTabSz="711200">
             <a:lnSpc>
               <a:spcPct val="90000"/>
             </a:lnSpc>
@@ -13268,14 +13271,14 @@
             <a:buNone/>
           </a:pPr>
           <a:r>
-            <a:rPr lang="it-IT" sz="2000" kern="1200"/>
+            <a:rPr lang="it-IT" sz="1600" kern="1200"/>
             <a:t>Logistic Regression</a:t>
           </a:r>
         </a:p>
       </dsp:txBody>
       <dsp:txXfrm>
-        <a:off x="1139349" y="375080"/>
-        <a:ext cx="2113958" cy="422994"/>
+        <a:off x="894920" y="305238"/>
+        <a:ext cx="1720331" cy="344231"/>
       </dsp:txXfrm>
     </dsp:sp>
     <dsp:sp modelId="{D8794214-86C4-4286-91DE-7506905D3170}">
@@ -13285,8 +13288,8 @@
       </dsp:nvSpPr>
       <dsp:spPr>
         <a:xfrm>
-          <a:off x="1139349" y="903823"/>
-          <a:ext cx="2125266" cy="422994"/>
+          <a:off x="894920" y="735527"/>
+          <a:ext cx="1729533" cy="344231"/>
         </a:xfrm>
         <a:prstGeom prst="rect">
           <a:avLst/>
@@ -13327,12 +13330,12 @@
         </a:fontRef>
       </dsp:style>
       <dsp:txBody>
-        <a:bodyPr spcFirstLastPara="0" vert="horz" wrap="square" lIns="12700" tIns="12700" rIns="12700" bIns="12700" numCol="1" spcCol="1270" anchor="ctr" anchorCtr="0">
+        <a:bodyPr spcFirstLastPara="0" vert="horz" wrap="square" lIns="10160" tIns="10160" rIns="10160" bIns="10160" numCol="1" spcCol="1270" anchor="ctr" anchorCtr="0">
           <a:noAutofit/>
         </a:bodyPr>
         <a:lstStyle/>
         <a:p>
-          <a:pPr marL="0" lvl="0" indent="0" algn="ctr" defTabSz="889000">
+          <a:pPr marL="0" lvl="0" indent="0" algn="ctr" defTabSz="711200">
             <a:lnSpc>
               <a:spcPct val="90000"/>
             </a:lnSpc>
@@ -13345,14 +13348,14 @@
             <a:buNone/>
           </a:pPr>
           <a:r>
-            <a:rPr lang="it-IT" sz="2000" kern="1200"/>
+            <a:rPr lang="it-IT" sz="1600" kern="1200"/>
             <a:t>Decision Tree</a:t>
           </a:r>
         </a:p>
       </dsp:txBody>
       <dsp:txXfrm>
-        <a:off x="1139349" y="903823"/>
-        <a:ext cx="2125266" cy="422994"/>
+        <a:off x="894920" y="735527"/>
+        <a:ext cx="1729533" cy="344231"/>
       </dsp:txXfrm>
     </dsp:sp>
     <dsp:sp modelId="{B970F5FE-7B5C-4B6F-B445-8EDDC244B328}">
@@ -13362,8 +13365,8 @@
       </dsp:nvSpPr>
       <dsp:spPr>
         <a:xfrm>
-          <a:off x="1139349" y="1432566"/>
-          <a:ext cx="2126834" cy="422994"/>
+          <a:off x="894920" y="1165816"/>
+          <a:ext cx="1730809" cy="344231"/>
         </a:xfrm>
         <a:prstGeom prst="rect">
           <a:avLst/>
@@ -13404,12 +13407,12 @@
         </a:fontRef>
       </dsp:style>
       <dsp:txBody>
-        <a:bodyPr spcFirstLastPara="0" vert="horz" wrap="square" lIns="12700" tIns="12700" rIns="12700" bIns="12700" numCol="1" spcCol="1270" anchor="ctr" anchorCtr="0">
+        <a:bodyPr spcFirstLastPara="0" vert="horz" wrap="square" lIns="10160" tIns="10160" rIns="10160" bIns="10160" numCol="1" spcCol="1270" anchor="ctr" anchorCtr="0">
           <a:noAutofit/>
         </a:bodyPr>
         <a:lstStyle/>
         <a:p>
-          <a:pPr marL="0" lvl="0" indent="0" algn="ctr" defTabSz="889000">
+          <a:pPr marL="0" lvl="0" indent="0" algn="ctr" defTabSz="711200">
             <a:lnSpc>
               <a:spcPct val="90000"/>
             </a:lnSpc>
@@ -13422,14 +13425,14 @@
             <a:buNone/>
           </a:pPr>
           <a:r>
-            <a:rPr lang="it-IT" sz="2000" kern="1200"/>
+            <a:rPr lang="it-IT" sz="1600" kern="1200"/>
             <a:t>Random Forest</a:t>
           </a:r>
         </a:p>
       </dsp:txBody>
       <dsp:txXfrm>
-        <a:off x="1139349" y="1432566"/>
-        <a:ext cx="2126834" cy="422994"/>
+        <a:off x="894920" y="1165816"/>
+        <a:ext cx="1730809" cy="344231"/>
       </dsp:txXfrm>
     </dsp:sp>
   </dsp:spTree>
@@ -25962,7 +25965,7 @@
             <a:pPr rtl="0"/>
             <a:fld id="{C0FA3576-2E34-44A5-91FF-3C53AC3DA648}" type="datetime1">
               <a:rPr lang="it-IT" smtClean="0"/>
-              <a:t>24/06/2022</a:t>
+              <a:t>27/06/2022</a:t>
             </a:fld>
             <a:endParaRPr lang="it-IT"/>
           </a:p>
@@ -26144,7 +26147,7 @@
             <a:fld id="{F8F21FEC-DF32-4E90-A279-29D5C0BB0773}" type="datetime1">
               <a:rPr lang="it-IT" smtClean="0"/>
               <a:pPr/>
-              <a:t>24/06/2022</a:t>
+              <a:t>27/06/2022</a:t>
             </a:fld>
             <a:endParaRPr lang="it-IT" dirty="0"/>
           </a:p>
@@ -26922,7 +26925,7 @@
             <a:pPr rtl="0"/>
             <a:fld id="{87A23933-3F77-4C59-A775-45E2435C8368}" type="datetime1">
               <a:rPr lang="it-IT" noProof="0" smtClean="0"/>
-              <a:t>24/06/2022</a:t>
+              <a:t>27/06/2022</a:t>
             </a:fld>
             <a:endParaRPr lang="it-IT" noProof="0"/>
           </a:p>
@@ -27187,7 +27190,7 @@
             <a:pPr rtl="0"/>
             <a:fld id="{4B4ECE9F-4108-4829-8F23-DFA9C926965D}" type="datetime1">
               <a:rPr lang="it-IT" noProof="0" smtClean="0"/>
-              <a:t>24/06/2022</a:t>
+              <a:t>27/06/2022</a:t>
             </a:fld>
             <a:endParaRPr lang="it-IT" noProof="0"/>
           </a:p>
@@ -27425,7 +27428,7 @@
             <a:pPr rtl="0"/>
             <a:fld id="{2AB59B6B-A2EF-4B30-AEF7-A3091D0F5449}" type="datetime1">
               <a:rPr lang="it-IT" noProof="0" smtClean="0"/>
-              <a:t>24/06/2022</a:t>
+              <a:t>27/06/2022</a:t>
             </a:fld>
             <a:endParaRPr lang="it-IT" noProof="0" dirty="0"/>
           </a:p>
@@ -27668,7 +27671,7 @@
             <a:pPr rtl="0"/>
             <a:fld id="{7F3FB14C-AC96-42E5-BE0B-73EFAA1A7EA7}" type="datetime1">
               <a:rPr lang="it-IT" noProof="0" smtClean="0"/>
-              <a:t>24/06/2022</a:t>
+              <a:t>27/06/2022</a:t>
             </a:fld>
             <a:endParaRPr lang="it-IT" noProof="0"/>
           </a:p>
@@ -27979,7 +27982,7 @@
             <a:pPr rtl="0"/>
             <a:fld id="{76327E91-20FF-43F1-A337-75953C73E7D7}" type="datetime1">
               <a:rPr lang="it-IT" noProof="0" smtClean="0"/>
-              <a:t>24/06/2022</a:t>
+              <a:t>27/06/2022</a:t>
             </a:fld>
             <a:endParaRPr lang="it-IT" noProof="0"/>
           </a:p>
@@ -28283,7 +28286,7 @@
             <a:pPr rtl="0"/>
             <a:fld id="{9EDCB701-B7F2-4988-9CFB-241C1D412354}" type="datetime1">
               <a:rPr lang="it-IT" noProof="0" smtClean="0"/>
-              <a:t>24/06/2022</a:t>
+              <a:t>27/06/2022</a:t>
             </a:fld>
             <a:endParaRPr lang="it-IT" noProof="0"/>
           </a:p>
@@ -28707,7 +28710,7 @@
             <a:pPr rtl="0"/>
             <a:fld id="{4B9B0459-76CC-4B94-A6C6-908B17D42BC8}" type="datetime1">
               <a:rPr lang="it-IT" noProof="0" smtClean="0"/>
-              <a:t>24/06/2022</a:t>
+              <a:t>27/06/2022</a:t>
             </a:fld>
             <a:endParaRPr lang="it-IT" noProof="0"/>
           </a:p>
@@ -28806,7 +28809,7 @@
             <a:pPr rtl="0"/>
             <a:fld id="{62D572E4-8572-44CF-B6FA-B15ECB2B0691}" type="datetime1">
               <a:rPr lang="it-IT" noProof="0" smtClean="0"/>
-              <a:t>24/06/2022</a:t>
+              <a:t>27/06/2022</a:t>
             </a:fld>
             <a:endParaRPr lang="it-IT" noProof="0"/>
           </a:p>
@@ -28972,7 +28975,7 @@
             <a:pPr rtl="0"/>
             <a:fld id="{5F266B29-8DDF-40ED-AC5D-ED73AC5A6521}" type="datetime1">
               <a:rPr lang="it-IT" noProof="0" smtClean="0"/>
-              <a:t>24/06/2022</a:t>
+              <a:t>27/06/2022</a:t>
             </a:fld>
             <a:endParaRPr lang="it-IT" noProof="0"/>
           </a:p>
@@ -29353,7 +29356,7 @@
             <a:pPr rtl="0"/>
             <a:fld id="{4CFC7787-2DFD-4221-B49C-354C37128239}" type="datetime1">
               <a:rPr lang="it-IT" noProof="0" smtClean="0"/>
-              <a:t>24/06/2022</a:t>
+              <a:t>27/06/2022</a:t>
             </a:fld>
             <a:endParaRPr lang="it-IT" noProof="0"/>
           </a:p>
@@ -29646,7 +29649,7 @@
             <a:pPr rtl="0"/>
             <a:fld id="{D3F07A8F-C5D3-4128-B052-E864993A59CE}" type="datetime1">
               <a:rPr lang="it-IT" noProof="0" smtClean="0"/>
-              <a:t>24/06/2022</a:t>
+              <a:t>27/06/2022</a:t>
             </a:fld>
             <a:endParaRPr lang="it-IT" noProof="0"/>
           </a:p>
@@ -29860,7 +29863,7 @@
             <a:pPr rtl="0"/>
             <a:fld id="{A36BACEF-F5E2-445B-BCCF-A68C06C41D7B}" type="datetime1">
               <a:rPr lang="it-IT" noProof="0" smtClean="0"/>
-              <a:t>24/06/2022</a:t>
+              <a:t>27/06/2022</a:t>
             </a:fld>
             <a:endParaRPr lang="it-IT" noProof="0" dirty="0"/>
           </a:p>
@@ -30939,6 +30942,2449 @@
           <a:chExt cx="0" cy="0"/>
         </a:xfrm>
       </p:grpSpPr>
+      <p:graphicFrame>
+        <p:nvGraphicFramePr>
+          <p:cNvPr id="9" name="Diagramma 8">
+            <a:extLst>
+              <a:ext uri="{FF2B5EF4-FFF2-40B4-BE49-F238E27FC236}">
+                <a16:creationId xmlns:a16="http://schemas.microsoft.com/office/drawing/2014/main" id="{F6FFC892-A2DA-4041-9A82-B5EEDFF04C4C}"/>
+              </a:ext>
+            </a:extLst>
+          </p:cNvPr>
+          <p:cNvGraphicFramePr/>
+          <p:nvPr>
+            <p:extLst>
+              <p:ext uri="{D42A27DB-BD31-4B8C-83A1-F6EECF244321}">
+                <p14:modId xmlns:p14="http://schemas.microsoft.com/office/powerpoint/2010/main" val="3825467006"/>
+              </p:ext>
+            </p:extLst>
+          </p:nvPr>
+        </p:nvGraphicFramePr>
+        <p:xfrm>
+          <a:off x="941730" y="665018"/>
+          <a:ext cx="10805648" cy="4191120"/>
+        </p:xfrm>
+        <a:graphic>
+          <a:graphicData uri="http://schemas.openxmlformats.org/drawingml/2006/diagram">
+            <dgm:relIds xmlns:dgm="http://schemas.openxmlformats.org/drawingml/2006/diagram" xmlns:r="http://schemas.openxmlformats.org/officeDocument/2006/relationships" r:dm="rId2" r:lo="rId3" r:qs="rId4" r:cs="rId5"/>
+          </a:graphicData>
+        </a:graphic>
+      </p:graphicFrame>
+      <p:sp>
+        <p:nvSpPr>
+          <p:cNvPr id="15" name="Rettangolo 14">
+            <a:extLst>
+              <a:ext uri="{FF2B5EF4-FFF2-40B4-BE49-F238E27FC236}">
+                <a16:creationId xmlns:a16="http://schemas.microsoft.com/office/drawing/2014/main" id="{40F0E09B-41AB-4DAC-9B93-307E423A6F25}"/>
+              </a:ext>
+            </a:extLst>
+          </p:cNvPr>
+          <p:cNvSpPr/>
+          <p:nvPr/>
+        </p:nvSpPr>
+        <p:spPr>
+          <a:xfrm>
+            <a:off x="3016334" y="994560"/>
+            <a:ext cx="8550234" cy="2927483"/>
+          </a:xfrm>
+          <a:prstGeom prst="rect">
+            <a:avLst/>
+          </a:prstGeom>
+          <a:solidFill>
+            <a:schemeClr val="bg2"/>
+          </a:solidFill>
+          <a:ln>
+            <a:solidFill>
+              <a:schemeClr val="accent1"/>
+            </a:solidFill>
+          </a:ln>
+        </p:spPr>
+        <p:style>
+          <a:lnRef idx="2">
+            <a:schemeClr val="accent1">
+              <a:shade val="50000"/>
+            </a:schemeClr>
+          </a:lnRef>
+          <a:fillRef idx="1">
+            <a:schemeClr val="accent1"/>
+          </a:fillRef>
+          <a:effectRef idx="0">
+            <a:schemeClr val="accent1"/>
+          </a:effectRef>
+          <a:fontRef idx="minor">
+            <a:schemeClr val="lt1"/>
+          </a:fontRef>
+        </p:style>
+        <p:txBody>
+          <a:bodyPr rtlCol="0" anchor="ctr"/>
+          <a:lstStyle/>
+          <a:p>
+            <a:pPr algn="ctr"/>
+            <a:endParaRPr lang="it-IT"/>
+          </a:p>
+        </p:txBody>
+      </p:sp>
+      <p:sp>
+        <p:nvSpPr>
+          <p:cNvPr id="46" name="Rettangolo 45">
+            <a:extLst>
+              <a:ext uri="{FF2B5EF4-FFF2-40B4-BE49-F238E27FC236}">
+                <a16:creationId xmlns:a16="http://schemas.microsoft.com/office/drawing/2014/main" id="{BC51594A-18E8-43A6-9C3D-A3802B18A3BC}"/>
+              </a:ext>
+            </a:extLst>
+          </p:cNvPr>
+          <p:cNvSpPr/>
+          <p:nvPr/>
+        </p:nvSpPr>
+        <p:spPr>
+          <a:xfrm>
+            <a:off x="5643356" y="1110927"/>
+            <a:ext cx="1457566" cy="685324"/>
+          </a:xfrm>
+          <a:prstGeom prst="rect">
+            <a:avLst/>
+          </a:prstGeom>
+          <a:solidFill>
+            <a:schemeClr val="accent2"/>
+          </a:solidFill>
+        </p:spPr>
+        <p:style>
+          <a:lnRef idx="2">
+            <a:schemeClr val="accent1">
+              <a:shade val="50000"/>
+            </a:schemeClr>
+          </a:lnRef>
+          <a:fillRef idx="1">
+            <a:schemeClr val="accent1"/>
+          </a:fillRef>
+          <a:effectRef idx="0">
+            <a:schemeClr val="accent1"/>
+          </a:effectRef>
+          <a:fontRef idx="minor">
+            <a:schemeClr val="lt1"/>
+          </a:fontRef>
+        </p:style>
+        <p:txBody>
+          <a:bodyPr rtlCol="0" anchor="ctr"/>
+          <a:lstStyle/>
+          <a:p>
+            <a:pPr algn="ctr"/>
+            <a:endParaRPr lang="it-IT"/>
+          </a:p>
+        </p:txBody>
+      </p:sp>
+      <p:sp>
+        <p:nvSpPr>
+          <p:cNvPr id="70" name="Rettangolo 69">
+            <a:extLst>
+              <a:ext uri="{FF2B5EF4-FFF2-40B4-BE49-F238E27FC236}">
+                <a16:creationId xmlns:a16="http://schemas.microsoft.com/office/drawing/2014/main" id="{57C3EAEB-2099-4981-8032-5885B730AB37}"/>
+              </a:ext>
+            </a:extLst>
+          </p:cNvPr>
+          <p:cNvSpPr/>
+          <p:nvPr/>
+        </p:nvSpPr>
+        <p:spPr>
+          <a:xfrm>
+            <a:off x="3992683" y="2565741"/>
+            <a:ext cx="1728559" cy="979715"/>
+          </a:xfrm>
+          <a:prstGeom prst="rect">
+            <a:avLst/>
+          </a:prstGeom>
+          <a:solidFill>
+            <a:schemeClr val="accent2"/>
+          </a:solidFill>
+        </p:spPr>
+        <p:style>
+          <a:lnRef idx="2">
+            <a:schemeClr val="accent1">
+              <a:shade val="50000"/>
+            </a:schemeClr>
+          </a:lnRef>
+          <a:fillRef idx="1">
+            <a:schemeClr val="accent1"/>
+          </a:fillRef>
+          <a:effectRef idx="0">
+            <a:schemeClr val="accent1"/>
+          </a:effectRef>
+          <a:fontRef idx="minor">
+            <a:schemeClr val="lt1"/>
+          </a:fontRef>
+        </p:style>
+        <p:txBody>
+          <a:bodyPr rtlCol="0" anchor="ctr"/>
+          <a:lstStyle/>
+          <a:p>
+            <a:pPr algn="ctr"/>
+            <a:endParaRPr lang="it-IT"/>
+          </a:p>
+        </p:txBody>
+      </p:sp>
+      <p:sp>
+        <p:nvSpPr>
+          <p:cNvPr id="2" name="Titolo 1">
+            <a:extLst>
+              <a:ext uri="{FF2B5EF4-FFF2-40B4-BE49-F238E27FC236}">
+                <a16:creationId xmlns:a16="http://schemas.microsoft.com/office/drawing/2014/main" id="{F57ABEAC-5DA0-47D5-B592-1250ECB0E91C}"/>
+              </a:ext>
+            </a:extLst>
+          </p:cNvPr>
+          <p:cNvSpPr>
+            <a:spLocks noGrp="1"/>
+          </p:cNvSpPr>
+          <p:nvPr>
+            <p:ph type="title"/>
+          </p:nvPr>
+        </p:nvSpPr>
+        <p:spPr>
+          <a:xfrm>
+            <a:off x="581192" y="5262296"/>
+            <a:ext cx="6045239" cy="689514"/>
+          </a:xfrm>
+        </p:spPr>
+        <p:txBody>
+          <a:bodyPr>
+            <a:noAutofit/>
+          </a:bodyPr>
+          <a:lstStyle/>
+          <a:p>
+            <a:r>
+              <a:rPr lang="it-IT" sz="2800"/>
+              <a:t>		</a:t>
+            </a:r>
+            <a:r>
+              <a:rPr lang="it-IT" sz="2800">
+                <a:solidFill>
+                  <a:schemeClr val="bg1"/>
+                </a:solidFill>
+              </a:rPr>
+              <a:t>MACHINE LEARNING PIPELINE</a:t>
+            </a:r>
+            <a:endParaRPr lang="it-IT" sz="2800"/>
+          </a:p>
+        </p:txBody>
+      </p:sp>
+      <p:grpSp>
+        <p:nvGrpSpPr>
+          <p:cNvPr id="5" name="Gruppo 4">
+            <a:extLst>
+              <a:ext uri="{FF2B5EF4-FFF2-40B4-BE49-F238E27FC236}">
+                <a16:creationId xmlns:a16="http://schemas.microsoft.com/office/drawing/2014/main" id="{AC785D0C-D03F-42C5-8F47-D223FCBE92E3}"/>
+              </a:ext>
+            </a:extLst>
+          </p:cNvPr>
+          <p:cNvGrpSpPr/>
+          <p:nvPr/>
+        </p:nvGrpSpPr>
+        <p:grpSpPr>
+          <a:xfrm rot="10800000">
+            <a:off x="673890" y="5014562"/>
+            <a:ext cx="719101" cy="1242237"/>
+            <a:chOff x="1" y="13513"/>
+            <a:chExt cx="602970" cy="861385"/>
+          </a:xfrm>
+        </p:grpSpPr>
+        <p:sp>
+          <p:nvSpPr>
+            <p:cNvPr id="6" name="Freccia a gallone 5">
+              <a:extLst>
+                <a:ext uri="{FF2B5EF4-FFF2-40B4-BE49-F238E27FC236}">
+                  <a16:creationId xmlns:a16="http://schemas.microsoft.com/office/drawing/2014/main" id="{1296C5B9-2C50-43AE-8B4F-4D2765C36C60}"/>
+                </a:ext>
+              </a:extLst>
+            </p:cNvPr>
+            <p:cNvSpPr/>
+            <p:nvPr/>
+          </p:nvSpPr>
+          <p:spPr>
+            <a:xfrm rot="5400000">
+              <a:off x="-129207" y="142721"/>
+              <a:ext cx="861385" cy="602970"/>
+            </a:xfrm>
+            <a:prstGeom prst="chevron">
+              <a:avLst/>
+            </a:prstGeom>
+            <a:solidFill>
+              <a:schemeClr val="bg1"/>
+            </a:solidFill>
+          </p:spPr>
+          <p:style>
+            <a:lnRef idx="2">
+              <a:schemeClr val="accent1">
+                <a:hueOff val="0"/>
+                <a:satOff val="0"/>
+                <a:lumOff val="0"/>
+                <a:alphaOff val="0"/>
+              </a:schemeClr>
+            </a:lnRef>
+            <a:fillRef idx="1">
+              <a:schemeClr val="accent1">
+                <a:hueOff val="0"/>
+                <a:satOff val="0"/>
+                <a:lumOff val="0"/>
+                <a:alphaOff val="0"/>
+              </a:schemeClr>
+            </a:fillRef>
+            <a:effectRef idx="0">
+              <a:schemeClr val="accent1">
+                <a:hueOff val="0"/>
+                <a:satOff val="0"/>
+                <a:lumOff val="0"/>
+                <a:alphaOff val="0"/>
+              </a:schemeClr>
+            </a:effectRef>
+            <a:fontRef idx="minor">
+              <a:schemeClr val="lt1"/>
+            </a:fontRef>
+          </p:style>
+        </p:sp>
+        <p:sp>
+          <p:nvSpPr>
+            <p:cNvPr id="7" name="Freccia a gallone 4">
+              <a:extLst>
+                <a:ext uri="{FF2B5EF4-FFF2-40B4-BE49-F238E27FC236}">
+                  <a16:creationId xmlns:a16="http://schemas.microsoft.com/office/drawing/2014/main" id="{67B896C2-2632-4C6A-BCB8-1009ED79D4DC}"/>
+                </a:ext>
+              </a:extLst>
+            </p:cNvPr>
+            <p:cNvSpPr txBox="1"/>
+            <p:nvPr/>
+          </p:nvSpPr>
+          <p:spPr>
+            <a:xfrm rot="10800000">
+              <a:off x="1" y="334849"/>
+              <a:ext cx="602970" cy="258415"/>
+            </a:xfrm>
+            <a:prstGeom prst="rect">
+              <a:avLst/>
+            </a:prstGeom>
+          </p:spPr>
+          <p:style>
+            <a:lnRef idx="0">
+              <a:scrgbClr r="0" g="0" b="0"/>
+            </a:lnRef>
+            <a:fillRef idx="0">
+              <a:scrgbClr r="0" g="0" b="0"/>
+            </a:fillRef>
+            <a:effectRef idx="0">
+              <a:scrgbClr r="0" g="0" b="0"/>
+            </a:effectRef>
+            <a:fontRef idx="minor">
+              <a:schemeClr val="lt1"/>
+            </a:fontRef>
+          </p:style>
+          <p:txBody>
+            <a:bodyPr spcFirstLastPara="0" vert="horz" wrap="square" lIns="10795" tIns="10795" rIns="10795" bIns="10795" numCol="1" spcCol="1270" anchor="ctr" anchorCtr="0">
+              <a:noAutofit/>
+            </a:bodyPr>
+            <a:lstStyle/>
+            <a:p>
+              <a:pPr marL="0" lvl="0" indent="0" algn="ctr" defTabSz="755650">
+                <a:lnSpc>
+                  <a:spcPct val="90000"/>
+                </a:lnSpc>
+                <a:spcBef>
+                  <a:spcPct val="0"/>
+                </a:spcBef>
+                <a:spcAft>
+                  <a:spcPct val="35000"/>
+                </a:spcAft>
+                <a:buNone/>
+              </a:pPr>
+              <a:r>
+                <a:rPr lang="it-IT" sz="2800">
+                  <a:solidFill>
+                    <a:schemeClr val="accent1"/>
+                  </a:solidFill>
+                  <a:latin typeface="+mj-lt"/>
+                </a:rPr>
+                <a:t>4</a:t>
+              </a:r>
+              <a:endParaRPr lang="it-IT" sz="2800" kern="1200">
+                <a:solidFill>
+                  <a:schemeClr val="accent1"/>
+                </a:solidFill>
+                <a:latin typeface="+mj-lt"/>
+              </a:endParaRPr>
+            </a:p>
+          </p:txBody>
+        </p:sp>
+      </p:grpSp>
+      <p:sp>
+        <p:nvSpPr>
+          <p:cNvPr id="14" name="CasellaDiTesto 13">
+            <a:extLst>
+              <a:ext uri="{FF2B5EF4-FFF2-40B4-BE49-F238E27FC236}">
+                <a16:creationId xmlns:a16="http://schemas.microsoft.com/office/drawing/2014/main" id="{B3A0FBDC-449C-4786-A0E8-61BAE4515086}"/>
+              </a:ext>
+            </a:extLst>
+          </p:cNvPr>
+          <p:cNvSpPr txBox="1"/>
+          <p:nvPr/>
+        </p:nvSpPr>
+        <p:spPr>
+          <a:xfrm rot="16200000">
+            <a:off x="1745919" y="1360143"/>
+            <a:ext cx="516576" cy="307777"/>
+          </a:xfrm>
+          <a:prstGeom prst="rect">
+            <a:avLst/>
+          </a:prstGeom>
+          <a:noFill/>
+        </p:spPr>
+        <p:txBody>
+          <a:bodyPr wrap="square" rtlCol="0">
+            <a:spAutoFit/>
+          </a:bodyPr>
+          <a:lstStyle/>
+          <a:p>
+            <a:r>
+              <a:rPr lang="it-IT" sz="1400"/>
+              <a:t>train</a:t>
+            </a:r>
+          </a:p>
+        </p:txBody>
+      </p:sp>
+      <p:sp>
+        <p:nvSpPr>
+          <p:cNvPr id="16" name="Ovale 15">
+            <a:extLst>
+              <a:ext uri="{FF2B5EF4-FFF2-40B4-BE49-F238E27FC236}">
+                <a16:creationId xmlns:a16="http://schemas.microsoft.com/office/drawing/2014/main" id="{9DFD3DC3-2D69-4307-A971-7724FC981D30}"/>
+              </a:ext>
+            </a:extLst>
+          </p:cNvPr>
+          <p:cNvSpPr/>
+          <p:nvPr/>
+        </p:nvSpPr>
+        <p:spPr>
+          <a:xfrm>
+            <a:off x="2945081" y="2242198"/>
+            <a:ext cx="142503" cy="150679"/>
+          </a:xfrm>
+          <a:prstGeom prst="ellipse">
+            <a:avLst/>
+          </a:prstGeom>
+        </p:spPr>
+        <p:style>
+          <a:lnRef idx="2">
+            <a:schemeClr val="accent1">
+              <a:shade val="50000"/>
+            </a:schemeClr>
+          </a:lnRef>
+          <a:fillRef idx="1">
+            <a:schemeClr val="accent1"/>
+          </a:fillRef>
+          <a:effectRef idx="0">
+            <a:schemeClr val="accent1"/>
+          </a:effectRef>
+          <a:fontRef idx="minor">
+            <a:schemeClr val="lt1"/>
+          </a:fontRef>
+        </p:style>
+        <p:txBody>
+          <a:bodyPr rtlCol="0" anchor="ctr"/>
+          <a:lstStyle/>
+          <a:p>
+            <a:pPr algn="ctr"/>
+            <a:endParaRPr lang="it-IT"/>
+          </a:p>
+        </p:txBody>
+      </p:sp>
+      <p:grpSp>
+        <p:nvGrpSpPr>
+          <p:cNvPr id="17" name="Gruppo 16">
+            <a:extLst>
+              <a:ext uri="{FF2B5EF4-FFF2-40B4-BE49-F238E27FC236}">
+                <a16:creationId xmlns:a16="http://schemas.microsoft.com/office/drawing/2014/main" id="{3FDE4707-AE78-46F5-ACEE-0B1077596045}"/>
+              </a:ext>
+            </a:extLst>
+          </p:cNvPr>
+          <p:cNvGrpSpPr/>
+          <p:nvPr/>
+        </p:nvGrpSpPr>
+        <p:grpSpPr>
+          <a:xfrm>
+            <a:off x="4097249" y="1227975"/>
+            <a:ext cx="1110084" cy="422695"/>
+            <a:chOff x="0" y="1260317"/>
+            <a:chExt cx="1230557" cy="518820"/>
+          </a:xfrm>
+        </p:grpSpPr>
+        <p:sp>
+          <p:nvSpPr>
+            <p:cNvPr id="18" name="Rettangolo 17">
+              <a:extLst>
+                <a:ext uri="{FF2B5EF4-FFF2-40B4-BE49-F238E27FC236}">
+                  <a16:creationId xmlns:a16="http://schemas.microsoft.com/office/drawing/2014/main" id="{AB9E0424-C42D-49D1-AEF8-A5C304BEA0A7}"/>
+                </a:ext>
+              </a:extLst>
+            </p:cNvPr>
+            <p:cNvSpPr/>
+            <p:nvPr/>
+          </p:nvSpPr>
+          <p:spPr>
+            <a:xfrm>
+              <a:off x="0" y="1260317"/>
+              <a:ext cx="1230557" cy="518820"/>
+            </a:xfrm>
+            <a:prstGeom prst="rect">
+              <a:avLst/>
+            </a:prstGeom>
+          </p:spPr>
+          <p:style>
+            <a:lnRef idx="2">
+              <a:schemeClr val="lt1">
+                <a:hueOff val="0"/>
+                <a:satOff val="0"/>
+                <a:lumOff val="0"/>
+                <a:alphaOff val="0"/>
+              </a:schemeClr>
+            </a:lnRef>
+            <a:fillRef idx="1">
+              <a:schemeClr val="accent1">
+                <a:hueOff val="0"/>
+                <a:satOff val="0"/>
+                <a:lumOff val="0"/>
+                <a:alphaOff val="0"/>
+              </a:schemeClr>
+            </a:fillRef>
+            <a:effectRef idx="0">
+              <a:schemeClr val="accent1">
+                <a:hueOff val="0"/>
+                <a:satOff val="0"/>
+                <a:lumOff val="0"/>
+                <a:alphaOff val="0"/>
+              </a:schemeClr>
+            </a:effectRef>
+            <a:fontRef idx="minor">
+              <a:schemeClr val="lt1"/>
+            </a:fontRef>
+          </p:style>
+        </p:sp>
+        <p:sp>
+          <p:nvSpPr>
+            <p:cNvPr id="19" name="CasellaDiTesto 18">
+              <a:extLst>
+                <a:ext uri="{FF2B5EF4-FFF2-40B4-BE49-F238E27FC236}">
+                  <a16:creationId xmlns:a16="http://schemas.microsoft.com/office/drawing/2014/main" id="{4236A34D-A70C-46C7-ABC7-80E093A50ECF}"/>
+                </a:ext>
+              </a:extLst>
+            </p:cNvPr>
+            <p:cNvSpPr txBox="1"/>
+            <p:nvPr/>
+          </p:nvSpPr>
+          <p:spPr>
+            <a:xfrm>
+              <a:off x="0" y="1260317"/>
+              <a:ext cx="1230557" cy="518820"/>
+            </a:xfrm>
+            <a:prstGeom prst="rect">
+              <a:avLst/>
+            </a:prstGeom>
+          </p:spPr>
+          <p:style>
+            <a:lnRef idx="0">
+              <a:scrgbClr r="0" g="0" b="0"/>
+            </a:lnRef>
+            <a:fillRef idx="0">
+              <a:scrgbClr r="0" g="0" b="0"/>
+            </a:fillRef>
+            <a:effectRef idx="0">
+              <a:scrgbClr r="0" g="0" b="0"/>
+            </a:effectRef>
+            <a:fontRef idx="minor">
+              <a:schemeClr val="lt1"/>
+            </a:fontRef>
+          </p:style>
+          <p:txBody>
+            <a:bodyPr spcFirstLastPara="0" vert="horz" wrap="square" lIns="12700" tIns="12700" rIns="12700" bIns="12700" numCol="1" spcCol="1270" anchor="ctr" anchorCtr="0">
+              <a:noAutofit/>
+            </a:bodyPr>
+            <a:lstStyle/>
+            <a:p>
+              <a:pPr marL="0" lvl="0" indent="0" algn="ctr" defTabSz="889000">
+                <a:lnSpc>
+                  <a:spcPct val="90000"/>
+                </a:lnSpc>
+                <a:spcBef>
+                  <a:spcPct val="0"/>
+                </a:spcBef>
+                <a:spcAft>
+                  <a:spcPct val="35000"/>
+                </a:spcAft>
+                <a:buNone/>
+              </a:pPr>
+              <a:r>
+                <a:rPr lang="it-IT" sz="2000" kern="1200"/>
+                <a:t>Indexer</a:t>
+              </a:r>
+            </a:p>
+          </p:txBody>
+        </p:sp>
+      </p:grpSp>
+      <p:grpSp>
+        <p:nvGrpSpPr>
+          <p:cNvPr id="20" name="Gruppo 19">
+            <a:extLst>
+              <a:ext uri="{FF2B5EF4-FFF2-40B4-BE49-F238E27FC236}">
+                <a16:creationId xmlns:a16="http://schemas.microsoft.com/office/drawing/2014/main" id="{3F96D4F0-53A1-4951-A483-D7E4B6BA6C7D}"/>
+              </a:ext>
+            </a:extLst>
+          </p:cNvPr>
+          <p:cNvGrpSpPr/>
+          <p:nvPr/>
+        </p:nvGrpSpPr>
+        <p:grpSpPr>
+          <a:xfrm>
+            <a:off x="5721242" y="1220635"/>
+            <a:ext cx="1110084" cy="422695"/>
+            <a:chOff x="0" y="1260317"/>
+            <a:chExt cx="1230557" cy="518820"/>
+          </a:xfrm>
+        </p:grpSpPr>
+        <p:sp>
+          <p:nvSpPr>
+            <p:cNvPr id="21" name="Rettangolo 20">
+              <a:extLst>
+                <a:ext uri="{FF2B5EF4-FFF2-40B4-BE49-F238E27FC236}">
+                  <a16:creationId xmlns:a16="http://schemas.microsoft.com/office/drawing/2014/main" id="{477631D8-C7FB-49B2-9D3B-F0B287F8DB04}"/>
+                </a:ext>
+              </a:extLst>
+            </p:cNvPr>
+            <p:cNvSpPr/>
+            <p:nvPr/>
+          </p:nvSpPr>
+          <p:spPr>
+            <a:xfrm>
+              <a:off x="0" y="1260317"/>
+              <a:ext cx="1230557" cy="518820"/>
+            </a:xfrm>
+            <a:prstGeom prst="rect">
+              <a:avLst/>
+            </a:prstGeom>
+          </p:spPr>
+          <p:style>
+            <a:lnRef idx="2">
+              <a:schemeClr val="lt1">
+                <a:hueOff val="0"/>
+                <a:satOff val="0"/>
+                <a:lumOff val="0"/>
+                <a:alphaOff val="0"/>
+              </a:schemeClr>
+            </a:lnRef>
+            <a:fillRef idx="1">
+              <a:schemeClr val="accent1">
+                <a:hueOff val="0"/>
+                <a:satOff val="0"/>
+                <a:lumOff val="0"/>
+                <a:alphaOff val="0"/>
+              </a:schemeClr>
+            </a:fillRef>
+            <a:effectRef idx="0">
+              <a:schemeClr val="accent1">
+                <a:hueOff val="0"/>
+                <a:satOff val="0"/>
+                <a:lumOff val="0"/>
+                <a:alphaOff val="0"/>
+              </a:schemeClr>
+            </a:effectRef>
+            <a:fontRef idx="minor">
+              <a:schemeClr val="lt1"/>
+            </a:fontRef>
+          </p:style>
+        </p:sp>
+        <p:sp>
+          <p:nvSpPr>
+            <p:cNvPr id="22" name="CasellaDiTesto 21">
+              <a:extLst>
+                <a:ext uri="{FF2B5EF4-FFF2-40B4-BE49-F238E27FC236}">
+                  <a16:creationId xmlns:a16="http://schemas.microsoft.com/office/drawing/2014/main" id="{36011455-EBA3-4BD9-A467-63C50C140C1E}"/>
+                </a:ext>
+              </a:extLst>
+            </p:cNvPr>
+            <p:cNvSpPr txBox="1"/>
+            <p:nvPr/>
+          </p:nvSpPr>
+          <p:spPr>
+            <a:xfrm>
+              <a:off x="0" y="1260317"/>
+              <a:ext cx="1230557" cy="518820"/>
+            </a:xfrm>
+            <a:prstGeom prst="rect">
+              <a:avLst/>
+            </a:prstGeom>
+          </p:spPr>
+          <p:style>
+            <a:lnRef idx="0">
+              <a:scrgbClr r="0" g="0" b="0"/>
+            </a:lnRef>
+            <a:fillRef idx="0">
+              <a:scrgbClr r="0" g="0" b="0"/>
+            </a:fillRef>
+            <a:effectRef idx="0">
+              <a:scrgbClr r="0" g="0" b="0"/>
+            </a:effectRef>
+            <a:fontRef idx="minor">
+              <a:schemeClr val="lt1"/>
+            </a:fontRef>
+          </p:style>
+          <p:txBody>
+            <a:bodyPr spcFirstLastPara="0" vert="horz" wrap="square" lIns="12700" tIns="12700" rIns="12700" bIns="12700" numCol="1" spcCol="1270" anchor="ctr" anchorCtr="0">
+              <a:noAutofit/>
+            </a:bodyPr>
+            <a:lstStyle/>
+            <a:p>
+              <a:pPr marL="0" lvl="0" indent="0" algn="ctr" defTabSz="889000">
+                <a:lnSpc>
+                  <a:spcPct val="90000"/>
+                </a:lnSpc>
+                <a:spcBef>
+                  <a:spcPct val="0"/>
+                </a:spcBef>
+                <a:spcAft>
+                  <a:spcPct val="35000"/>
+                </a:spcAft>
+                <a:buNone/>
+              </a:pPr>
+              <a:r>
+                <a:rPr lang="it-IT" sz="2000" kern="1200"/>
+                <a:t>OHE</a:t>
+              </a:r>
+            </a:p>
+          </p:txBody>
+        </p:sp>
+      </p:grpSp>
+      <p:sp>
+        <p:nvSpPr>
+          <p:cNvPr id="23" name="CasellaDiTesto 22">
+            <a:extLst>
+              <a:ext uri="{FF2B5EF4-FFF2-40B4-BE49-F238E27FC236}">
+                <a16:creationId xmlns:a16="http://schemas.microsoft.com/office/drawing/2014/main" id="{40B7D99C-8444-4C7F-B2B6-518200B7BD24}"/>
+              </a:ext>
+            </a:extLst>
+          </p:cNvPr>
+          <p:cNvSpPr txBox="1"/>
+          <p:nvPr/>
+        </p:nvSpPr>
+        <p:spPr>
+          <a:xfrm>
+            <a:off x="2977552" y="3922050"/>
+            <a:ext cx="2039774" cy="307777"/>
+          </a:xfrm>
+          <a:prstGeom prst="rect">
+            <a:avLst/>
+          </a:prstGeom>
+          <a:noFill/>
+        </p:spPr>
+        <p:txBody>
+          <a:bodyPr wrap="square" rtlCol="0">
+            <a:spAutoFit/>
+          </a:bodyPr>
+          <a:lstStyle/>
+          <a:p>
+            <a:r>
+              <a:rPr lang="it-IT" sz="1400"/>
+              <a:t>General Training Pipeline</a:t>
+            </a:r>
+          </a:p>
+        </p:txBody>
+      </p:sp>
+      <p:cxnSp>
+        <p:nvCxnSpPr>
+          <p:cNvPr id="31" name="Connettore 2 30">
+            <a:extLst>
+              <a:ext uri="{FF2B5EF4-FFF2-40B4-BE49-F238E27FC236}">
+                <a16:creationId xmlns:a16="http://schemas.microsoft.com/office/drawing/2014/main" id="{CA8B0056-D325-4B27-859E-DAF3DE55833A}"/>
+              </a:ext>
+            </a:extLst>
+          </p:cNvPr>
+          <p:cNvCxnSpPr>
+            <a:cxnSpLocks/>
+            <a:endCxn id="51" idx="0"/>
+          </p:cNvCxnSpPr>
+          <p:nvPr/>
+        </p:nvCxnSpPr>
+        <p:spPr>
+          <a:xfrm>
+            <a:off x="1923811" y="1282468"/>
+            <a:ext cx="0" cy="542075"/>
+          </a:xfrm>
+          <a:prstGeom prst="straightConnector1">
+            <a:avLst/>
+          </a:prstGeom>
+          <a:ln>
+            <a:tailEnd type="triangle"/>
+          </a:ln>
+        </p:spPr>
+        <p:style>
+          <a:lnRef idx="1">
+            <a:schemeClr val="accent1"/>
+          </a:lnRef>
+          <a:fillRef idx="0">
+            <a:schemeClr val="accent1"/>
+          </a:fillRef>
+          <a:effectRef idx="0">
+            <a:schemeClr val="accent1"/>
+          </a:effectRef>
+          <a:fontRef idx="minor">
+            <a:schemeClr val="tx1"/>
+          </a:fontRef>
+        </p:style>
+      </p:cxnSp>
+      <p:cxnSp>
+        <p:nvCxnSpPr>
+          <p:cNvPr id="33" name="Connettore 2 32">
+            <a:extLst>
+              <a:ext uri="{FF2B5EF4-FFF2-40B4-BE49-F238E27FC236}">
+                <a16:creationId xmlns:a16="http://schemas.microsoft.com/office/drawing/2014/main" id="{9B9267DA-F0FF-4087-85D9-ED89E1F73214}"/>
+              </a:ext>
+            </a:extLst>
+          </p:cNvPr>
+          <p:cNvCxnSpPr>
+            <a:cxnSpLocks/>
+            <a:stCxn id="18" idx="3"/>
+          </p:cNvCxnSpPr>
+          <p:nvPr/>
+        </p:nvCxnSpPr>
+        <p:spPr>
+          <a:xfrm>
+            <a:off x="5207333" y="1439323"/>
+            <a:ext cx="394824" cy="0"/>
+          </a:xfrm>
+          <a:prstGeom prst="straightConnector1">
+            <a:avLst/>
+          </a:prstGeom>
+          <a:ln>
+            <a:tailEnd type="triangle"/>
+          </a:ln>
+        </p:spPr>
+        <p:style>
+          <a:lnRef idx="1">
+            <a:schemeClr val="accent1"/>
+          </a:lnRef>
+          <a:fillRef idx="0">
+            <a:schemeClr val="accent1"/>
+          </a:fillRef>
+          <a:effectRef idx="0">
+            <a:schemeClr val="accent1"/>
+          </a:effectRef>
+          <a:fontRef idx="minor">
+            <a:schemeClr val="tx1"/>
+          </a:fontRef>
+        </p:style>
+      </p:cxnSp>
+      <p:cxnSp>
+        <p:nvCxnSpPr>
+          <p:cNvPr id="36" name="Connettore 2 35">
+            <a:extLst>
+              <a:ext uri="{FF2B5EF4-FFF2-40B4-BE49-F238E27FC236}">
+                <a16:creationId xmlns:a16="http://schemas.microsoft.com/office/drawing/2014/main" id="{6CD83B85-C16E-427D-95ED-FB48650368CD}"/>
+              </a:ext>
+            </a:extLst>
+          </p:cNvPr>
+          <p:cNvCxnSpPr>
+            <a:cxnSpLocks/>
+            <a:stCxn id="16" idx="7"/>
+            <a:endCxn id="19" idx="1"/>
+          </p:cNvCxnSpPr>
+          <p:nvPr/>
+        </p:nvCxnSpPr>
+        <p:spPr>
+          <a:xfrm flipV="1">
+            <a:off x="3066715" y="1439323"/>
+            <a:ext cx="1030534" cy="824941"/>
+          </a:xfrm>
+          <a:prstGeom prst="straightConnector1">
+            <a:avLst/>
+          </a:prstGeom>
+          <a:ln>
+            <a:tailEnd type="triangle"/>
+          </a:ln>
+        </p:spPr>
+        <p:style>
+          <a:lnRef idx="1">
+            <a:schemeClr val="accent1"/>
+          </a:lnRef>
+          <a:fillRef idx="0">
+            <a:schemeClr val="accent1"/>
+          </a:fillRef>
+          <a:effectRef idx="0">
+            <a:schemeClr val="accent1"/>
+          </a:effectRef>
+          <a:fontRef idx="minor">
+            <a:schemeClr val="tx1"/>
+          </a:fontRef>
+        </p:style>
+      </p:cxnSp>
+      <p:sp>
+        <p:nvSpPr>
+          <p:cNvPr id="39" name="CasellaDiTesto 38">
+            <a:extLst>
+              <a:ext uri="{FF2B5EF4-FFF2-40B4-BE49-F238E27FC236}">
+                <a16:creationId xmlns:a16="http://schemas.microsoft.com/office/drawing/2014/main" id="{46D280A3-801B-4E7E-9A32-F0C7E0F21DA4}"/>
+              </a:ext>
+            </a:extLst>
+          </p:cNvPr>
+          <p:cNvSpPr txBox="1"/>
+          <p:nvPr/>
+        </p:nvSpPr>
+        <p:spPr>
+          <a:xfrm rot="19298652">
+            <a:off x="2967750" y="1610669"/>
+            <a:ext cx="975755" cy="307777"/>
+          </a:xfrm>
+          <a:prstGeom prst="rect">
+            <a:avLst/>
+          </a:prstGeom>
+          <a:noFill/>
+        </p:spPr>
+        <p:txBody>
+          <a:bodyPr wrap="square" rtlCol="0">
+            <a:spAutoFit/>
+          </a:bodyPr>
+          <a:lstStyle/>
+          <a:p>
+            <a:r>
+              <a:rPr lang="it-IT" sz="1400"/>
+              <a:t>categorical</a:t>
+            </a:r>
+          </a:p>
+        </p:txBody>
+      </p:sp>
+      <p:grpSp>
+        <p:nvGrpSpPr>
+          <p:cNvPr id="40" name="Gruppo 39">
+            <a:extLst>
+              <a:ext uri="{FF2B5EF4-FFF2-40B4-BE49-F238E27FC236}">
+                <a16:creationId xmlns:a16="http://schemas.microsoft.com/office/drawing/2014/main" id="{3FBE3049-0F00-4549-B1E9-3BC10A7F7F89}"/>
+              </a:ext>
+            </a:extLst>
+          </p:cNvPr>
+          <p:cNvGrpSpPr/>
+          <p:nvPr/>
+        </p:nvGrpSpPr>
+        <p:grpSpPr>
+          <a:xfrm>
+            <a:off x="6593793" y="2028076"/>
+            <a:ext cx="1383215" cy="630437"/>
+            <a:chOff x="0" y="1245986"/>
+            <a:chExt cx="1230557" cy="533151"/>
+          </a:xfrm>
+        </p:grpSpPr>
+        <p:sp>
+          <p:nvSpPr>
+            <p:cNvPr id="41" name="Rettangolo 40">
+              <a:extLst>
+                <a:ext uri="{FF2B5EF4-FFF2-40B4-BE49-F238E27FC236}">
+                  <a16:creationId xmlns:a16="http://schemas.microsoft.com/office/drawing/2014/main" id="{07CC50A7-AA09-49A8-9D4A-10DFBFFCD9DA}"/>
+                </a:ext>
+              </a:extLst>
+            </p:cNvPr>
+            <p:cNvSpPr/>
+            <p:nvPr/>
+          </p:nvSpPr>
+          <p:spPr>
+            <a:xfrm>
+              <a:off x="0" y="1260317"/>
+              <a:ext cx="1230557" cy="518820"/>
+            </a:xfrm>
+            <a:prstGeom prst="rect">
+              <a:avLst/>
+            </a:prstGeom>
+          </p:spPr>
+          <p:style>
+            <a:lnRef idx="2">
+              <a:schemeClr val="lt1">
+                <a:hueOff val="0"/>
+                <a:satOff val="0"/>
+                <a:lumOff val="0"/>
+                <a:alphaOff val="0"/>
+              </a:schemeClr>
+            </a:lnRef>
+            <a:fillRef idx="1">
+              <a:schemeClr val="accent1">
+                <a:hueOff val="0"/>
+                <a:satOff val="0"/>
+                <a:lumOff val="0"/>
+                <a:alphaOff val="0"/>
+              </a:schemeClr>
+            </a:fillRef>
+            <a:effectRef idx="0">
+              <a:schemeClr val="accent1">
+                <a:hueOff val="0"/>
+                <a:satOff val="0"/>
+                <a:lumOff val="0"/>
+                <a:alphaOff val="0"/>
+              </a:schemeClr>
+            </a:effectRef>
+            <a:fontRef idx="minor">
+              <a:schemeClr val="lt1"/>
+            </a:fontRef>
+          </p:style>
+        </p:sp>
+        <p:sp>
+          <p:nvSpPr>
+            <p:cNvPr id="42" name="CasellaDiTesto 41">
+              <a:extLst>
+                <a:ext uri="{FF2B5EF4-FFF2-40B4-BE49-F238E27FC236}">
+                  <a16:creationId xmlns:a16="http://schemas.microsoft.com/office/drawing/2014/main" id="{434398DB-747F-41E9-8150-B549A75C2D29}"/>
+                </a:ext>
+              </a:extLst>
+            </p:cNvPr>
+            <p:cNvSpPr txBox="1"/>
+            <p:nvPr/>
+          </p:nvSpPr>
+          <p:spPr>
+            <a:xfrm>
+              <a:off x="0" y="1245986"/>
+              <a:ext cx="1230557" cy="533151"/>
+            </a:xfrm>
+            <a:prstGeom prst="rect">
+              <a:avLst/>
+            </a:prstGeom>
+          </p:spPr>
+          <p:style>
+            <a:lnRef idx="0">
+              <a:scrgbClr r="0" g="0" b="0"/>
+            </a:lnRef>
+            <a:fillRef idx="0">
+              <a:scrgbClr r="0" g="0" b="0"/>
+            </a:fillRef>
+            <a:effectRef idx="0">
+              <a:scrgbClr r="0" g="0" b="0"/>
+            </a:effectRef>
+            <a:fontRef idx="minor">
+              <a:schemeClr val="lt1"/>
+            </a:fontRef>
+          </p:style>
+          <p:txBody>
+            <a:bodyPr spcFirstLastPara="0" vert="horz" wrap="square" lIns="12700" tIns="12700" rIns="12700" bIns="12700" numCol="1" spcCol="1270" anchor="ctr" anchorCtr="0">
+              <a:noAutofit/>
+            </a:bodyPr>
+            <a:lstStyle/>
+            <a:p>
+              <a:pPr marL="0" lvl="0" indent="0" algn="ctr" defTabSz="889000">
+                <a:lnSpc>
+                  <a:spcPct val="90000"/>
+                </a:lnSpc>
+                <a:spcBef>
+                  <a:spcPct val="0"/>
+                </a:spcBef>
+                <a:spcAft>
+                  <a:spcPct val="35000"/>
+                </a:spcAft>
+                <a:buNone/>
+              </a:pPr>
+              <a:r>
+                <a:rPr lang="it-IT" sz="2000"/>
+                <a:t>Vector Assembler</a:t>
+              </a:r>
+              <a:endParaRPr lang="it-IT" sz="2000" kern="1200"/>
+            </a:p>
+          </p:txBody>
+        </p:sp>
+      </p:grpSp>
+      <p:cxnSp>
+        <p:nvCxnSpPr>
+          <p:cNvPr id="43" name="Connettore 2 42">
+            <a:extLst>
+              <a:ext uri="{FF2B5EF4-FFF2-40B4-BE49-F238E27FC236}">
+                <a16:creationId xmlns:a16="http://schemas.microsoft.com/office/drawing/2014/main" id="{C4143324-848D-447C-AD3F-B33D9A7FF02B}"/>
+              </a:ext>
+            </a:extLst>
+          </p:cNvPr>
+          <p:cNvCxnSpPr>
+            <a:cxnSpLocks/>
+            <a:stCxn id="16" idx="5"/>
+            <a:endCxn id="70" idx="1"/>
+          </p:cNvCxnSpPr>
+          <p:nvPr/>
+        </p:nvCxnSpPr>
+        <p:spPr>
+          <a:xfrm>
+            <a:off x="3066715" y="2370811"/>
+            <a:ext cx="925968" cy="684788"/>
+          </a:xfrm>
+          <a:prstGeom prst="straightConnector1">
+            <a:avLst/>
+          </a:prstGeom>
+          <a:ln>
+            <a:tailEnd type="triangle"/>
+          </a:ln>
+        </p:spPr>
+        <p:style>
+          <a:lnRef idx="1">
+            <a:schemeClr val="accent1"/>
+          </a:lnRef>
+          <a:fillRef idx="0">
+            <a:schemeClr val="accent1"/>
+          </a:fillRef>
+          <a:effectRef idx="0">
+            <a:schemeClr val="accent1"/>
+          </a:effectRef>
+          <a:fontRef idx="minor">
+            <a:schemeClr val="tx1"/>
+          </a:fontRef>
+        </p:style>
+      </p:cxnSp>
+      <p:sp>
+        <p:nvSpPr>
+          <p:cNvPr id="47" name="CasellaDiTesto 46">
+            <a:extLst>
+              <a:ext uri="{FF2B5EF4-FFF2-40B4-BE49-F238E27FC236}">
+                <a16:creationId xmlns:a16="http://schemas.microsoft.com/office/drawing/2014/main" id="{5B1000C0-C800-4EE0-8729-6C681C6A8AA5}"/>
+              </a:ext>
+            </a:extLst>
+          </p:cNvPr>
+          <p:cNvSpPr txBox="1"/>
+          <p:nvPr/>
+        </p:nvSpPr>
+        <p:spPr>
+          <a:xfrm rot="2276771">
+            <a:off x="2992885" y="2627697"/>
+            <a:ext cx="975755" cy="307777"/>
+          </a:xfrm>
+          <a:prstGeom prst="rect">
+            <a:avLst/>
+          </a:prstGeom>
+          <a:noFill/>
+        </p:spPr>
+        <p:txBody>
+          <a:bodyPr wrap="square" rtlCol="0">
+            <a:spAutoFit/>
+          </a:bodyPr>
+          <a:lstStyle/>
+          <a:p>
+            <a:r>
+              <a:rPr lang="it-IT" sz="1400"/>
+              <a:t>numerical</a:t>
+            </a:r>
+          </a:p>
+        </p:txBody>
+      </p:sp>
+      <p:graphicFrame>
+        <p:nvGraphicFramePr>
+          <p:cNvPr id="49" name="Diagramma 48">
+            <a:extLst>
+              <a:ext uri="{FF2B5EF4-FFF2-40B4-BE49-F238E27FC236}">
+                <a16:creationId xmlns:a16="http://schemas.microsoft.com/office/drawing/2014/main" id="{5C00419B-C4EA-42FC-8C6F-77B1A841460D}"/>
+              </a:ext>
+            </a:extLst>
+          </p:cNvPr>
+          <p:cNvGraphicFramePr/>
+          <p:nvPr>
+            <p:extLst>
+              <p:ext uri="{D42A27DB-BD31-4B8C-83A1-F6EECF244321}">
+                <p14:modId xmlns:p14="http://schemas.microsoft.com/office/powerpoint/2010/main" val="733850615"/>
+              </p:ext>
+            </p:extLst>
+          </p:nvPr>
+        </p:nvGraphicFramePr>
+        <p:xfrm>
+          <a:off x="8654425" y="1110698"/>
+          <a:ext cx="2950603" cy="1815287"/>
+        </p:xfrm>
+        <a:graphic>
+          <a:graphicData uri="http://schemas.openxmlformats.org/drawingml/2006/diagram">
+            <dgm:relIds xmlns:dgm="http://schemas.openxmlformats.org/drawingml/2006/diagram" xmlns:r="http://schemas.openxmlformats.org/officeDocument/2006/relationships" r:dm="rId7" r:lo="rId8" r:qs="rId9" r:cs="rId10"/>
+          </a:graphicData>
+        </a:graphic>
+      </p:graphicFrame>
+      <p:cxnSp>
+        <p:nvCxnSpPr>
+          <p:cNvPr id="50" name="Connettore 2 49">
+            <a:extLst>
+              <a:ext uri="{FF2B5EF4-FFF2-40B4-BE49-F238E27FC236}">
+                <a16:creationId xmlns:a16="http://schemas.microsoft.com/office/drawing/2014/main" id="{45F695FC-8256-484C-BF20-32736EFA4DBA}"/>
+              </a:ext>
+            </a:extLst>
+          </p:cNvPr>
+          <p:cNvCxnSpPr>
+            <a:cxnSpLocks/>
+            <a:stCxn id="22" idx="2"/>
+            <a:endCxn id="59" idx="0"/>
+          </p:cNvCxnSpPr>
+          <p:nvPr/>
+        </p:nvCxnSpPr>
+        <p:spPr>
+          <a:xfrm rot="5400000">
+            <a:off x="4972185" y="1524761"/>
+            <a:ext cx="1185531" cy="1422668"/>
+          </a:xfrm>
+          <a:prstGeom prst="bentConnector3">
+            <a:avLst>
+              <a:gd name="adj1" fmla="val 50000"/>
+            </a:avLst>
+          </a:prstGeom>
+          <a:ln>
+            <a:tailEnd type="triangle"/>
+          </a:ln>
+        </p:spPr>
+        <p:style>
+          <a:lnRef idx="1">
+            <a:schemeClr val="accent1"/>
+          </a:lnRef>
+          <a:fillRef idx="0">
+            <a:schemeClr val="accent1"/>
+          </a:fillRef>
+          <a:effectRef idx="0">
+            <a:schemeClr val="accent1"/>
+          </a:effectRef>
+          <a:fontRef idx="minor">
+            <a:schemeClr val="tx1"/>
+          </a:fontRef>
+        </p:style>
+      </p:cxnSp>
+      <p:grpSp>
+        <p:nvGrpSpPr>
+          <p:cNvPr id="57" name="Gruppo 56">
+            <a:extLst>
+              <a:ext uri="{FF2B5EF4-FFF2-40B4-BE49-F238E27FC236}">
+                <a16:creationId xmlns:a16="http://schemas.microsoft.com/office/drawing/2014/main" id="{2CA449B6-0E40-4A50-A94D-F6872A2BFB66}"/>
+              </a:ext>
+            </a:extLst>
+          </p:cNvPr>
+          <p:cNvGrpSpPr/>
+          <p:nvPr/>
+        </p:nvGrpSpPr>
+        <p:grpSpPr>
+          <a:xfrm>
+            <a:off x="4162008" y="2828861"/>
+            <a:ext cx="1383215" cy="630437"/>
+            <a:chOff x="0" y="1245986"/>
+            <a:chExt cx="1230557" cy="533151"/>
+          </a:xfrm>
+        </p:grpSpPr>
+        <p:sp>
+          <p:nvSpPr>
+            <p:cNvPr id="58" name="Rettangolo 57">
+              <a:extLst>
+                <a:ext uri="{FF2B5EF4-FFF2-40B4-BE49-F238E27FC236}">
+                  <a16:creationId xmlns:a16="http://schemas.microsoft.com/office/drawing/2014/main" id="{7AA6EF16-F1D9-4742-A63C-AB22738E35AE}"/>
+                </a:ext>
+              </a:extLst>
+            </p:cNvPr>
+            <p:cNvSpPr/>
+            <p:nvPr/>
+          </p:nvSpPr>
+          <p:spPr>
+            <a:xfrm>
+              <a:off x="0" y="1260317"/>
+              <a:ext cx="1230557" cy="518820"/>
+            </a:xfrm>
+            <a:prstGeom prst="rect">
+              <a:avLst/>
+            </a:prstGeom>
+          </p:spPr>
+          <p:style>
+            <a:lnRef idx="2">
+              <a:schemeClr val="lt1">
+                <a:hueOff val="0"/>
+                <a:satOff val="0"/>
+                <a:lumOff val="0"/>
+                <a:alphaOff val="0"/>
+              </a:schemeClr>
+            </a:lnRef>
+            <a:fillRef idx="1">
+              <a:schemeClr val="accent1">
+                <a:hueOff val="0"/>
+                <a:satOff val="0"/>
+                <a:lumOff val="0"/>
+                <a:alphaOff val="0"/>
+              </a:schemeClr>
+            </a:fillRef>
+            <a:effectRef idx="0">
+              <a:schemeClr val="accent1">
+                <a:hueOff val="0"/>
+                <a:satOff val="0"/>
+                <a:lumOff val="0"/>
+                <a:alphaOff val="0"/>
+              </a:schemeClr>
+            </a:effectRef>
+            <a:fontRef idx="minor">
+              <a:schemeClr val="lt1"/>
+            </a:fontRef>
+          </p:style>
+        </p:sp>
+        <p:sp>
+          <p:nvSpPr>
+            <p:cNvPr id="59" name="CasellaDiTesto 58">
+              <a:extLst>
+                <a:ext uri="{FF2B5EF4-FFF2-40B4-BE49-F238E27FC236}">
+                  <a16:creationId xmlns:a16="http://schemas.microsoft.com/office/drawing/2014/main" id="{AA29DD57-0B68-49DE-8A8A-8FB64F83FBDA}"/>
+                </a:ext>
+              </a:extLst>
+            </p:cNvPr>
+            <p:cNvSpPr txBox="1"/>
+            <p:nvPr/>
+          </p:nvSpPr>
+          <p:spPr>
+            <a:xfrm>
+              <a:off x="0" y="1245986"/>
+              <a:ext cx="1230557" cy="533151"/>
+            </a:xfrm>
+            <a:prstGeom prst="rect">
+              <a:avLst/>
+            </a:prstGeom>
+          </p:spPr>
+          <p:style>
+            <a:lnRef idx="0">
+              <a:scrgbClr r="0" g="0" b="0"/>
+            </a:lnRef>
+            <a:fillRef idx="0">
+              <a:scrgbClr r="0" g="0" b="0"/>
+            </a:fillRef>
+            <a:effectRef idx="0">
+              <a:scrgbClr r="0" g="0" b="0"/>
+            </a:effectRef>
+            <a:fontRef idx="minor">
+              <a:schemeClr val="lt1"/>
+            </a:fontRef>
+          </p:style>
+          <p:txBody>
+            <a:bodyPr spcFirstLastPara="0" vert="horz" wrap="square" lIns="12700" tIns="12700" rIns="12700" bIns="12700" numCol="1" spcCol="1270" anchor="ctr" anchorCtr="0">
+              <a:noAutofit/>
+            </a:bodyPr>
+            <a:lstStyle/>
+            <a:p>
+              <a:pPr marL="0" lvl="0" indent="0" algn="ctr" defTabSz="889000">
+                <a:lnSpc>
+                  <a:spcPct val="90000"/>
+                </a:lnSpc>
+                <a:spcBef>
+                  <a:spcPct val="0"/>
+                </a:spcBef>
+                <a:spcAft>
+                  <a:spcPct val="35000"/>
+                </a:spcAft>
+                <a:buNone/>
+              </a:pPr>
+              <a:r>
+                <a:rPr lang="it-IT" sz="2000" kern="1200"/>
+                <a:t>Standard Scaler</a:t>
+              </a:r>
+            </a:p>
+          </p:txBody>
+        </p:sp>
+      </p:grpSp>
+      <p:sp>
+        <p:nvSpPr>
+          <p:cNvPr id="75" name="CasellaDiTesto 74">
+            <a:extLst>
+              <a:ext uri="{FF2B5EF4-FFF2-40B4-BE49-F238E27FC236}">
+                <a16:creationId xmlns:a16="http://schemas.microsoft.com/office/drawing/2014/main" id="{5C245682-A481-4D1F-B99B-EE2DD56B34E0}"/>
+              </a:ext>
+            </a:extLst>
+          </p:cNvPr>
+          <p:cNvSpPr txBox="1"/>
+          <p:nvPr/>
+        </p:nvSpPr>
+        <p:spPr>
+          <a:xfrm rot="16200000">
+            <a:off x="6534716" y="1296187"/>
+            <a:ext cx="832001" cy="307777"/>
+          </a:xfrm>
+          <a:prstGeom prst="rect">
+            <a:avLst/>
+          </a:prstGeom>
+          <a:noFill/>
+        </p:spPr>
+        <p:txBody>
+          <a:bodyPr wrap="square" rtlCol="0">
+            <a:spAutoFit/>
+          </a:bodyPr>
+          <a:lstStyle/>
+          <a:p>
+            <a:r>
+              <a:rPr lang="it-IT" sz="1400"/>
+              <a:t>Optional</a:t>
+            </a:r>
+          </a:p>
+        </p:txBody>
+      </p:sp>
+      <p:cxnSp>
+        <p:nvCxnSpPr>
+          <p:cNvPr id="77" name="Connettore 2 49">
+            <a:extLst>
+              <a:ext uri="{FF2B5EF4-FFF2-40B4-BE49-F238E27FC236}">
+                <a16:creationId xmlns:a16="http://schemas.microsoft.com/office/drawing/2014/main" id="{6C219F9B-D111-4198-A2AA-8B0204B39374}"/>
+              </a:ext>
+            </a:extLst>
+          </p:cNvPr>
+          <p:cNvCxnSpPr>
+            <a:cxnSpLocks/>
+            <a:stCxn id="58" idx="3"/>
+            <a:endCxn id="42" idx="2"/>
+          </p:cNvCxnSpPr>
+          <p:nvPr/>
+        </p:nvCxnSpPr>
+        <p:spPr>
+          <a:xfrm flipV="1">
+            <a:off x="5545223" y="2658513"/>
+            <a:ext cx="1740178" cy="494040"/>
+          </a:xfrm>
+          <a:prstGeom prst="bentConnector2">
+            <a:avLst/>
+          </a:prstGeom>
+          <a:ln>
+            <a:tailEnd type="triangle"/>
+          </a:ln>
+        </p:spPr>
+        <p:style>
+          <a:lnRef idx="1">
+            <a:schemeClr val="accent1"/>
+          </a:lnRef>
+          <a:fillRef idx="0">
+            <a:schemeClr val="accent1"/>
+          </a:fillRef>
+          <a:effectRef idx="0">
+            <a:schemeClr val="accent1"/>
+          </a:effectRef>
+          <a:fontRef idx="minor">
+            <a:schemeClr val="tx1"/>
+          </a:fontRef>
+        </p:style>
+      </p:cxnSp>
+      <p:cxnSp>
+        <p:nvCxnSpPr>
+          <p:cNvPr id="83" name="Connettore 2 82">
+            <a:extLst>
+              <a:ext uri="{FF2B5EF4-FFF2-40B4-BE49-F238E27FC236}">
+                <a16:creationId xmlns:a16="http://schemas.microsoft.com/office/drawing/2014/main" id="{19D15B5C-B660-4397-A7E9-029E08A9713F}"/>
+              </a:ext>
+            </a:extLst>
+          </p:cNvPr>
+          <p:cNvCxnSpPr>
+            <a:cxnSpLocks/>
+          </p:cNvCxnSpPr>
+          <p:nvPr/>
+        </p:nvCxnSpPr>
+        <p:spPr>
+          <a:xfrm>
+            <a:off x="7977008" y="2343294"/>
+            <a:ext cx="1036363" cy="0"/>
+          </a:xfrm>
+          <a:prstGeom prst="straightConnector1">
+            <a:avLst/>
+          </a:prstGeom>
+          <a:ln>
+            <a:tailEnd type="triangle"/>
+          </a:ln>
+        </p:spPr>
+        <p:style>
+          <a:lnRef idx="1">
+            <a:schemeClr val="accent1"/>
+          </a:lnRef>
+          <a:fillRef idx="0">
+            <a:schemeClr val="accent1"/>
+          </a:fillRef>
+          <a:effectRef idx="0">
+            <a:schemeClr val="accent1"/>
+          </a:effectRef>
+          <a:fontRef idx="minor">
+            <a:schemeClr val="tx1"/>
+          </a:fontRef>
+        </p:style>
+      </p:cxnSp>
+      <p:sp>
+        <p:nvSpPr>
+          <p:cNvPr id="85" name="Ovale 84">
+            <a:extLst>
+              <a:ext uri="{FF2B5EF4-FFF2-40B4-BE49-F238E27FC236}">
+                <a16:creationId xmlns:a16="http://schemas.microsoft.com/office/drawing/2014/main" id="{65A2BB08-CA21-4C24-AE22-9D7E8EADD2B4}"/>
+              </a:ext>
+            </a:extLst>
+          </p:cNvPr>
+          <p:cNvSpPr/>
+          <p:nvPr/>
+        </p:nvSpPr>
+        <p:spPr>
+          <a:xfrm>
+            <a:off x="9094517" y="3846703"/>
+            <a:ext cx="142503" cy="150679"/>
+          </a:xfrm>
+          <a:prstGeom prst="ellipse">
+            <a:avLst/>
+          </a:prstGeom>
+        </p:spPr>
+        <p:style>
+          <a:lnRef idx="2">
+            <a:schemeClr val="accent1">
+              <a:shade val="50000"/>
+            </a:schemeClr>
+          </a:lnRef>
+          <a:fillRef idx="1">
+            <a:schemeClr val="accent1"/>
+          </a:fillRef>
+          <a:effectRef idx="0">
+            <a:schemeClr val="accent1"/>
+          </a:effectRef>
+          <a:fontRef idx="minor">
+            <a:schemeClr val="lt1"/>
+          </a:fontRef>
+        </p:style>
+        <p:txBody>
+          <a:bodyPr rtlCol="0" anchor="ctr"/>
+          <a:lstStyle/>
+          <a:p>
+            <a:pPr algn="ctr"/>
+            <a:endParaRPr lang="it-IT"/>
+          </a:p>
+        </p:txBody>
+      </p:sp>
+      <p:cxnSp>
+        <p:nvCxnSpPr>
+          <p:cNvPr id="86" name="Connettore 2 85">
+            <a:extLst>
+              <a:ext uri="{FF2B5EF4-FFF2-40B4-BE49-F238E27FC236}">
+                <a16:creationId xmlns:a16="http://schemas.microsoft.com/office/drawing/2014/main" id="{7AC59CF8-77B1-4A56-AFE5-E871C9F56EEC}"/>
+              </a:ext>
+            </a:extLst>
+          </p:cNvPr>
+          <p:cNvCxnSpPr>
+            <a:cxnSpLocks/>
+            <a:endCxn id="85" idx="0"/>
+          </p:cNvCxnSpPr>
+          <p:nvPr/>
+        </p:nvCxnSpPr>
+        <p:spPr>
+          <a:xfrm>
+            <a:off x="9157055" y="2930108"/>
+            <a:ext cx="8714" cy="916595"/>
+          </a:xfrm>
+          <a:prstGeom prst="straightConnector1">
+            <a:avLst/>
+          </a:prstGeom>
+          <a:ln>
+            <a:tailEnd type="triangle"/>
+          </a:ln>
+        </p:spPr>
+        <p:style>
+          <a:lnRef idx="1">
+            <a:schemeClr val="accent1"/>
+          </a:lnRef>
+          <a:fillRef idx="0">
+            <a:schemeClr val="accent1"/>
+          </a:fillRef>
+          <a:effectRef idx="0">
+            <a:schemeClr val="accent1"/>
+          </a:effectRef>
+          <a:fontRef idx="minor">
+            <a:schemeClr val="tx1"/>
+          </a:fontRef>
+        </p:style>
+      </p:cxnSp>
+      <p:grpSp>
+        <p:nvGrpSpPr>
+          <p:cNvPr id="91" name="Gruppo 90">
+            <a:extLst>
+              <a:ext uri="{FF2B5EF4-FFF2-40B4-BE49-F238E27FC236}">
+                <a16:creationId xmlns:a16="http://schemas.microsoft.com/office/drawing/2014/main" id="{11714BDA-0D9F-4AB7-B169-7337793EEE3F}"/>
+              </a:ext>
+            </a:extLst>
+          </p:cNvPr>
+          <p:cNvGrpSpPr/>
+          <p:nvPr/>
+        </p:nvGrpSpPr>
+        <p:grpSpPr>
+          <a:xfrm>
+            <a:off x="8556429" y="4340115"/>
+            <a:ext cx="1230557" cy="518820"/>
+            <a:chOff x="0" y="1260317"/>
+            <a:chExt cx="1230557" cy="518820"/>
+          </a:xfrm>
+        </p:grpSpPr>
+        <p:sp>
+          <p:nvSpPr>
+            <p:cNvPr id="92" name="Rettangolo 91">
+              <a:extLst>
+                <a:ext uri="{FF2B5EF4-FFF2-40B4-BE49-F238E27FC236}">
+                  <a16:creationId xmlns:a16="http://schemas.microsoft.com/office/drawing/2014/main" id="{D90444BC-FF16-4D06-937A-C1C1CF042710}"/>
+                </a:ext>
+              </a:extLst>
+            </p:cNvPr>
+            <p:cNvSpPr/>
+            <p:nvPr/>
+          </p:nvSpPr>
+          <p:spPr>
+            <a:xfrm>
+              <a:off x="0" y="1260317"/>
+              <a:ext cx="1230557" cy="518820"/>
+            </a:xfrm>
+            <a:prstGeom prst="rect">
+              <a:avLst/>
+            </a:prstGeom>
+          </p:spPr>
+          <p:style>
+            <a:lnRef idx="2">
+              <a:schemeClr val="lt1">
+                <a:hueOff val="0"/>
+                <a:satOff val="0"/>
+                <a:lumOff val="0"/>
+                <a:alphaOff val="0"/>
+              </a:schemeClr>
+            </a:lnRef>
+            <a:fillRef idx="1">
+              <a:schemeClr val="accent1">
+                <a:hueOff val="0"/>
+                <a:satOff val="0"/>
+                <a:lumOff val="0"/>
+                <a:alphaOff val="0"/>
+              </a:schemeClr>
+            </a:fillRef>
+            <a:effectRef idx="0">
+              <a:schemeClr val="accent1">
+                <a:hueOff val="0"/>
+                <a:satOff val="0"/>
+                <a:lumOff val="0"/>
+                <a:alphaOff val="0"/>
+              </a:schemeClr>
+            </a:effectRef>
+            <a:fontRef idx="minor">
+              <a:schemeClr val="lt1"/>
+            </a:fontRef>
+          </p:style>
+        </p:sp>
+        <p:sp>
+          <p:nvSpPr>
+            <p:cNvPr id="93" name="CasellaDiTesto 92">
+              <a:extLst>
+                <a:ext uri="{FF2B5EF4-FFF2-40B4-BE49-F238E27FC236}">
+                  <a16:creationId xmlns:a16="http://schemas.microsoft.com/office/drawing/2014/main" id="{9A13E915-92E7-4203-8FA0-EB6533B5D81B}"/>
+                </a:ext>
+              </a:extLst>
+            </p:cNvPr>
+            <p:cNvSpPr txBox="1"/>
+            <p:nvPr/>
+          </p:nvSpPr>
+          <p:spPr>
+            <a:xfrm>
+              <a:off x="0" y="1260317"/>
+              <a:ext cx="1230557" cy="518820"/>
+            </a:xfrm>
+            <a:prstGeom prst="rect">
+              <a:avLst/>
+            </a:prstGeom>
+          </p:spPr>
+          <p:style>
+            <a:lnRef idx="0">
+              <a:scrgbClr r="0" g="0" b="0"/>
+            </a:lnRef>
+            <a:fillRef idx="0">
+              <a:scrgbClr r="0" g="0" b="0"/>
+            </a:fillRef>
+            <a:effectRef idx="0">
+              <a:scrgbClr r="0" g="0" b="0"/>
+            </a:effectRef>
+            <a:fontRef idx="minor">
+              <a:schemeClr val="lt1"/>
+            </a:fontRef>
+          </p:style>
+          <p:txBody>
+            <a:bodyPr spcFirstLastPara="0" vert="horz" wrap="square" lIns="12700" tIns="12700" rIns="12700" bIns="12700" numCol="1" spcCol="1270" anchor="ctr" anchorCtr="0">
+              <a:noAutofit/>
+            </a:bodyPr>
+            <a:lstStyle/>
+            <a:p>
+              <a:pPr marL="0" lvl="0" indent="0" algn="ctr" defTabSz="889000">
+                <a:lnSpc>
+                  <a:spcPct val="90000"/>
+                </a:lnSpc>
+                <a:spcBef>
+                  <a:spcPct val="0"/>
+                </a:spcBef>
+                <a:spcAft>
+                  <a:spcPct val="35000"/>
+                </a:spcAft>
+                <a:buNone/>
+              </a:pPr>
+              <a:r>
+                <a:rPr lang="it-IT" sz="2000" kern="1200"/>
+                <a:t>Test</a:t>
+              </a:r>
+            </a:p>
+          </p:txBody>
+        </p:sp>
+      </p:grpSp>
+      <p:cxnSp>
+        <p:nvCxnSpPr>
+          <p:cNvPr id="94" name="Connettore 2 93">
+            <a:extLst>
+              <a:ext uri="{FF2B5EF4-FFF2-40B4-BE49-F238E27FC236}">
+                <a16:creationId xmlns:a16="http://schemas.microsoft.com/office/drawing/2014/main" id="{E3C071BF-31C5-459F-BF3D-F27C092A402A}"/>
+              </a:ext>
+            </a:extLst>
+          </p:cNvPr>
+          <p:cNvCxnSpPr>
+            <a:cxnSpLocks/>
+            <a:stCxn id="85" idx="4"/>
+            <a:endCxn id="93" idx="0"/>
+          </p:cNvCxnSpPr>
+          <p:nvPr/>
+        </p:nvCxnSpPr>
+        <p:spPr>
+          <a:xfrm>
+            <a:off x="9165769" y="3997382"/>
+            <a:ext cx="5939" cy="342733"/>
+          </a:xfrm>
+          <a:prstGeom prst="straightConnector1">
+            <a:avLst/>
+          </a:prstGeom>
+          <a:ln>
+            <a:tailEnd type="triangle"/>
+          </a:ln>
+        </p:spPr>
+        <p:style>
+          <a:lnRef idx="1">
+            <a:schemeClr val="accent1"/>
+          </a:lnRef>
+          <a:fillRef idx="0">
+            <a:schemeClr val="accent1"/>
+          </a:fillRef>
+          <a:effectRef idx="0">
+            <a:schemeClr val="accent1"/>
+          </a:effectRef>
+          <a:fontRef idx="minor">
+            <a:schemeClr val="tx1"/>
+          </a:fontRef>
+        </p:style>
+      </p:cxnSp>
+      <p:sp>
+        <p:nvSpPr>
+          <p:cNvPr id="97" name="CasellaDiTesto 96">
+            <a:extLst>
+              <a:ext uri="{FF2B5EF4-FFF2-40B4-BE49-F238E27FC236}">
+                <a16:creationId xmlns:a16="http://schemas.microsoft.com/office/drawing/2014/main" id="{F0886EC3-ED2A-430C-8AFA-45CDA639ABE9}"/>
+              </a:ext>
+            </a:extLst>
+          </p:cNvPr>
+          <p:cNvSpPr txBox="1"/>
+          <p:nvPr/>
+        </p:nvSpPr>
+        <p:spPr>
+          <a:xfrm>
+            <a:off x="8546269" y="3971233"/>
+            <a:ext cx="690751" cy="307777"/>
+          </a:xfrm>
+          <a:prstGeom prst="rect">
+            <a:avLst/>
+          </a:prstGeom>
+          <a:noFill/>
+        </p:spPr>
+        <p:txBody>
+          <a:bodyPr wrap="square" rtlCol="0">
+            <a:spAutoFit/>
+          </a:bodyPr>
+          <a:lstStyle/>
+          <a:p>
+            <a:r>
+              <a:rPr lang="it-IT" sz="1400"/>
+              <a:t>model</a:t>
+            </a:r>
+          </a:p>
+        </p:txBody>
+      </p:sp>
+      <p:cxnSp>
+        <p:nvCxnSpPr>
+          <p:cNvPr id="98" name="Connettore 2 49">
+            <a:extLst>
+              <a:ext uri="{FF2B5EF4-FFF2-40B4-BE49-F238E27FC236}">
+                <a16:creationId xmlns:a16="http://schemas.microsoft.com/office/drawing/2014/main" id="{B35138C8-F029-4DCA-9B7E-ACE96316F5F5}"/>
+              </a:ext>
+            </a:extLst>
+          </p:cNvPr>
+          <p:cNvCxnSpPr>
+            <a:cxnSpLocks/>
+            <a:endCxn id="93" idx="1"/>
+          </p:cNvCxnSpPr>
+          <p:nvPr/>
+        </p:nvCxnSpPr>
+        <p:spPr>
+          <a:xfrm>
+            <a:off x="1511426" y="1553655"/>
+            <a:ext cx="7045003" cy="3045870"/>
+          </a:xfrm>
+          <a:prstGeom prst="bentConnector3">
+            <a:avLst>
+              <a:gd name="adj1" fmla="val -9587"/>
+            </a:avLst>
+          </a:prstGeom>
+          <a:ln>
+            <a:tailEnd type="triangle"/>
+          </a:ln>
+        </p:spPr>
+        <p:style>
+          <a:lnRef idx="1">
+            <a:schemeClr val="accent1"/>
+          </a:lnRef>
+          <a:fillRef idx="0">
+            <a:schemeClr val="accent1"/>
+          </a:fillRef>
+          <a:effectRef idx="0">
+            <a:schemeClr val="accent1"/>
+          </a:effectRef>
+          <a:fontRef idx="minor">
+            <a:schemeClr val="tx1"/>
+          </a:fontRef>
+        </p:style>
+      </p:cxnSp>
+      <p:sp>
+        <p:nvSpPr>
+          <p:cNvPr id="102" name="CasellaDiTesto 101">
+            <a:extLst>
+              <a:ext uri="{FF2B5EF4-FFF2-40B4-BE49-F238E27FC236}">
+                <a16:creationId xmlns:a16="http://schemas.microsoft.com/office/drawing/2014/main" id="{5DF1C4EA-F10F-442B-9D73-66E8F70930AE}"/>
+              </a:ext>
+            </a:extLst>
+          </p:cNvPr>
+          <p:cNvSpPr txBox="1"/>
+          <p:nvPr/>
+        </p:nvSpPr>
+        <p:spPr>
+          <a:xfrm>
+            <a:off x="1003836" y="1295288"/>
+            <a:ext cx="474197" cy="307777"/>
+          </a:xfrm>
+          <a:prstGeom prst="rect">
+            <a:avLst/>
+          </a:prstGeom>
+          <a:noFill/>
+        </p:spPr>
+        <p:txBody>
+          <a:bodyPr wrap="square" rtlCol="0">
+            <a:spAutoFit/>
+          </a:bodyPr>
+          <a:lstStyle/>
+          <a:p>
+            <a:r>
+              <a:rPr lang="it-IT" sz="1400"/>
+              <a:t>test</a:t>
+            </a:r>
+          </a:p>
+        </p:txBody>
+      </p:sp>
+      <p:sp>
+        <p:nvSpPr>
+          <p:cNvPr id="103" name="Ovale 102">
+            <a:extLst>
+              <a:ext uri="{FF2B5EF4-FFF2-40B4-BE49-F238E27FC236}">
+                <a16:creationId xmlns:a16="http://schemas.microsoft.com/office/drawing/2014/main" id="{C25CE01B-125E-4D88-8AF9-87A20456FA89}"/>
+              </a:ext>
+            </a:extLst>
+          </p:cNvPr>
+          <p:cNvSpPr/>
+          <p:nvPr/>
+        </p:nvSpPr>
+        <p:spPr>
+          <a:xfrm>
+            <a:off x="513351" y="809349"/>
+            <a:ext cx="668276" cy="418626"/>
+          </a:xfrm>
+          <a:prstGeom prst="ellipse">
+            <a:avLst/>
+          </a:prstGeom>
+        </p:spPr>
+        <p:style>
+          <a:lnRef idx="2">
+            <a:schemeClr val="accent1">
+              <a:shade val="50000"/>
+            </a:schemeClr>
+          </a:lnRef>
+          <a:fillRef idx="1">
+            <a:schemeClr val="accent1"/>
+          </a:fillRef>
+          <a:effectRef idx="0">
+            <a:schemeClr val="accent1"/>
+          </a:effectRef>
+          <a:fontRef idx="minor">
+            <a:schemeClr val="lt1"/>
+          </a:fontRef>
+        </p:style>
+        <p:txBody>
+          <a:bodyPr rtlCol="0" anchor="ctr"/>
+          <a:lstStyle/>
+          <a:p>
+            <a:pPr algn="ctr"/>
+            <a:r>
+              <a:rPr lang="it-IT" sz="1050"/>
+              <a:t>Data</a:t>
+            </a:r>
+          </a:p>
+        </p:txBody>
+      </p:sp>
+      <p:cxnSp>
+        <p:nvCxnSpPr>
+          <p:cNvPr id="104" name="Connettore 2 103">
+            <a:extLst>
+              <a:ext uri="{FF2B5EF4-FFF2-40B4-BE49-F238E27FC236}">
+                <a16:creationId xmlns:a16="http://schemas.microsoft.com/office/drawing/2014/main" id="{02D09CC2-478E-4C56-A34A-2DD5DBDD2E71}"/>
+              </a:ext>
+            </a:extLst>
+          </p:cNvPr>
+          <p:cNvCxnSpPr>
+            <a:cxnSpLocks/>
+          </p:cNvCxnSpPr>
+          <p:nvPr/>
+        </p:nvCxnSpPr>
+        <p:spPr>
+          <a:xfrm>
+            <a:off x="1181627" y="1024249"/>
+            <a:ext cx="163099" cy="0"/>
+          </a:xfrm>
+          <a:prstGeom prst="straightConnector1">
+            <a:avLst/>
+          </a:prstGeom>
+          <a:ln>
+            <a:tailEnd type="triangle"/>
+          </a:ln>
+        </p:spPr>
+        <p:style>
+          <a:lnRef idx="1">
+            <a:schemeClr val="accent1"/>
+          </a:lnRef>
+          <a:fillRef idx="0">
+            <a:schemeClr val="accent1"/>
+          </a:fillRef>
+          <a:effectRef idx="0">
+            <a:schemeClr val="accent1"/>
+          </a:effectRef>
+          <a:fontRef idx="minor">
+            <a:schemeClr val="tx1"/>
+          </a:fontRef>
+        </p:style>
+      </p:cxnSp>
+      <p:sp>
+        <p:nvSpPr>
+          <p:cNvPr id="48" name="CasellaDiTesto 47">
+            <a:extLst>
+              <a:ext uri="{FF2B5EF4-FFF2-40B4-BE49-F238E27FC236}">
+                <a16:creationId xmlns:a16="http://schemas.microsoft.com/office/drawing/2014/main" id="{A1618DD0-1DB9-44CE-BB91-DD796BA656B2}"/>
+              </a:ext>
+            </a:extLst>
+          </p:cNvPr>
+          <p:cNvSpPr txBox="1"/>
+          <p:nvPr/>
+        </p:nvSpPr>
+        <p:spPr>
+          <a:xfrm>
+            <a:off x="3960703" y="2541287"/>
+            <a:ext cx="832001" cy="307777"/>
+          </a:xfrm>
+          <a:prstGeom prst="rect">
+            <a:avLst/>
+          </a:prstGeom>
+          <a:noFill/>
+        </p:spPr>
+        <p:txBody>
+          <a:bodyPr wrap="square" rtlCol="0">
+            <a:spAutoFit/>
+          </a:bodyPr>
+          <a:lstStyle/>
+          <a:p>
+            <a:r>
+              <a:rPr lang="it-IT" sz="1400"/>
+              <a:t>Optional</a:t>
+            </a:r>
+          </a:p>
+        </p:txBody>
+      </p:sp>
+      <p:sp>
+        <p:nvSpPr>
+          <p:cNvPr id="51" name="Rettangolo 50">
+            <a:extLst>
+              <a:ext uri="{FF2B5EF4-FFF2-40B4-BE49-F238E27FC236}">
+                <a16:creationId xmlns:a16="http://schemas.microsoft.com/office/drawing/2014/main" id="{82D0CB37-9C0E-4749-85A7-84FE910C91C2}"/>
+              </a:ext>
+            </a:extLst>
+          </p:cNvPr>
+          <p:cNvSpPr/>
+          <p:nvPr/>
+        </p:nvSpPr>
+        <p:spPr>
+          <a:xfrm>
+            <a:off x="1059531" y="1824543"/>
+            <a:ext cx="1728559" cy="979715"/>
+          </a:xfrm>
+          <a:prstGeom prst="rect">
+            <a:avLst/>
+          </a:prstGeom>
+          <a:solidFill>
+            <a:schemeClr val="accent2"/>
+          </a:solidFill>
+        </p:spPr>
+        <p:style>
+          <a:lnRef idx="2">
+            <a:schemeClr val="accent1">
+              <a:shade val="50000"/>
+            </a:schemeClr>
+          </a:lnRef>
+          <a:fillRef idx="1">
+            <a:schemeClr val="accent1"/>
+          </a:fillRef>
+          <a:effectRef idx="0">
+            <a:schemeClr val="accent1"/>
+          </a:effectRef>
+          <a:fontRef idx="minor">
+            <a:schemeClr val="lt1"/>
+          </a:fontRef>
+        </p:style>
+        <p:txBody>
+          <a:bodyPr rtlCol="0" anchor="ctr"/>
+          <a:lstStyle/>
+          <a:p>
+            <a:pPr algn="ctr"/>
+            <a:endParaRPr lang="it-IT"/>
+          </a:p>
+        </p:txBody>
+      </p:sp>
+      <p:grpSp>
+        <p:nvGrpSpPr>
+          <p:cNvPr id="52" name="Gruppo 51">
+            <a:extLst>
+              <a:ext uri="{FF2B5EF4-FFF2-40B4-BE49-F238E27FC236}">
+                <a16:creationId xmlns:a16="http://schemas.microsoft.com/office/drawing/2014/main" id="{31D99BED-749F-4FC9-B73B-4CD1D000C0E8}"/>
+              </a:ext>
+            </a:extLst>
+          </p:cNvPr>
+          <p:cNvGrpSpPr/>
+          <p:nvPr/>
+        </p:nvGrpSpPr>
+        <p:grpSpPr>
+          <a:xfrm>
+            <a:off x="1175415" y="2087663"/>
+            <a:ext cx="1491629" cy="630437"/>
+            <a:chOff x="0" y="1245986"/>
+            <a:chExt cx="1230557" cy="533151"/>
+          </a:xfrm>
+        </p:grpSpPr>
+        <p:sp>
+          <p:nvSpPr>
+            <p:cNvPr id="53" name="Rettangolo 52">
+              <a:extLst>
+                <a:ext uri="{FF2B5EF4-FFF2-40B4-BE49-F238E27FC236}">
+                  <a16:creationId xmlns:a16="http://schemas.microsoft.com/office/drawing/2014/main" id="{DC0E07E6-C93D-4882-967E-3E07CE968F50}"/>
+                </a:ext>
+              </a:extLst>
+            </p:cNvPr>
+            <p:cNvSpPr/>
+            <p:nvPr/>
+          </p:nvSpPr>
+          <p:spPr>
+            <a:xfrm>
+              <a:off x="0" y="1260317"/>
+              <a:ext cx="1230557" cy="518820"/>
+            </a:xfrm>
+            <a:prstGeom prst="rect">
+              <a:avLst/>
+            </a:prstGeom>
+          </p:spPr>
+          <p:style>
+            <a:lnRef idx="2">
+              <a:schemeClr val="lt1">
+                <a:hueOff val="0"/>
+                <a:satOff val="0"/>
+                <a:lumOff val="0"/>
+                <a:alphaOff val="0"/>
+              </a:schemeClr>
+            </a:lnRef>
+            <a:fillRef idx="1">
+              <a:schemeClr val="accent1">
+                <a:hueOff val="0"/>
+                <a:satOff val="0"/>
+                <a:lumOff val="0"/>
+                <a:alphaOff val="0"/>
+              </a:schemeClr>
+            </a:fillRef>
+            <a:effectRef idx="0">
+              <a:schemeClr val="accent1">
+                <a:hueOff val="0"/>
+                <a:satOff val="0"/>
+                <a:lumOff val="0"/>
+                <a:alphaOff val="0"/>
+              </a:schemeClr>
+            </a:effectRef>
+            <a:fontRef idx="minor">
+              <a:schemeClr val="lt1"/>
+            </a:fontRef>
+          </p:style>
+        </p:sp>
+        <p:sp>
+          <p:nvSpPr>
+            <p:cNvPr id="54" name="CasellaDiTesto 53">
+              <a:extLst>
+                <a:ext uri="{FF2B5EF4-FFF2-40B4-BE49-F238E27FC236}">
+                  <a16:creationId xmlns:a16="http://schemas.microsoft.com/office/drawing/2014/main" id="{9E3D3602-475F-4EB2-8FCB-6254023C487F}"/>
+                </a:ext>
+              </a:extLst>
+            </p:cNvPr>
+            <p:cNvSpPr txBox="1"/>
+            <p:nvPr/>
+          </p:nvSpPr>
+          <p:spPr>
+            <a:xfrm>
+              <a:off x="0" y="1245986"/>
+              <a:ext cx="1230557" cy="533151"/>
+            </a:xfrm>
+            <a:prstGeom prst="rect">
+              <a:avLst/>
+            </a:prstGeom>
+          </p:spPr>
+          <p:style>
+            <a:lnRef idx="0">
+              <a:scrgbClr r="0" g="0" b="0"/>
+            </a:lnRef>
+            <a:fillRef idx="0">
+              <a:scrgbClr r="0" g="0" b="0"/>
+            </a:fillRef>
+            <a:effectRef idx="0">
+              <a:scrgbClr r="0" g="0" b="0"/>
+            </a:effectRef>
+            <a:fontRef idx="minor">
+              <a:schemeClr val="lt1"/>
+            </a:fontRef>
+          </p:style>
+          <p:txBody>
+            <a:bodyPr spcFirstLastPara="0" vert="horz" wrap="square" lIns="12700" tIns="12700" rIns="12700" bIns="12700" numCol="1" spcCol="1270" anchor="ctr" anchorCtr="0">
+              <a:noAutofit/>
+            </a:bodyPr>
+            <a:lstStyle/>
+            <a:p>
+              <a:pPr marL="0" lvl="0" indent="0" algn="ctr" defTabSz="889000">
+                <a:lnSpc>
+                  <a:spcPct val="90000"/>
+                </a:lnSpc>
+                <a:spcBef>
+                  <a:spcPct val="0"/>
+                </a:spcBef>
+                <a:spcAft>
+                  <a:spcPct val="35000"/>
+                </a:spcAft>
+                <a:buNone/>
+              </a:pPr>
+              <a:r>
+                <a:rPr lang="it-IT" sz="2000"/>
+                <a:t>Oversampler</a:t>
+              </a:r>
+              <a:endParaRPr lang="it-IT" sz="2000" kern="1200"/>
+            </a:p>
+          </p:txBody>
+        </p:sp>
+      </p:grpSp>
+      <p:sp>
+        <p:nvSpPr>
+          <p:cNvPr id="55" name="CasellaDiTesto 54">
+            <a:extLst>
+              <a:ext uri="{FF2B5EF4-FFF2-40B4-BE49-F238E27FC236}">
+                <a16:creationId xmlns:a16="http://schemas.microsoft.com/office/drawing/2014/main" id="{B2A45079-6DD8-441A-997A-C11BD9572351}"/>
+              </a:ext>
+            </a:extLst>
+          </p:cNvPr>
+          <p:cNvSpPr txBox="1"/>
+          <p:nvPr/>
+        </p:nvSpPr>
+        <p:spPr>
+          <a:xfrm>
+            <a:off x="1027551" y="1800089"/>
+            <a:ext cx="832001" cy="307777"/>
+          </a:xfrm>
+          <a:prstGeom prst="rect">
+            <a:avLst/>
+          </a:prstGeom>
+          <a:noFill/>
+        </p:spPr>
+        <p:txBody>
+          <a:bodyPr wrap="square" rtlCol="0">
+            <a:spAutoFit/>
+          </a:bodyPr>
+          <a:lstStyle/>
+          <a:p>
+            <a:r>
+              <a:rPr lang="it-IT" sz="1400"/>
+              <a:t>Optional</a:t>
+            </a:r>
+          </a:p>
+        </p:txBody>
+      </p:sp>
+      <p:cxnSp>
+        <p:nvCxnSpPr>
+          <p:cNvPr id="61" name="Connettore 2 60">
+            <a:extLst>
+              <a:ext uri="{FF2B5EF4-FFF2-40B4-BE49-F238E27FC236}">
+                <a16:creationId xmlns:a16="http://schemas.microsoft.com/office/drawing/2014/main" id="{3FDEA5F8-862D-4B86-A3B1-1C21169FE40A}"/>
+              </a:ext>
+            </a:extLst>
+          </p:cNvPr>
+          <p:cNvCxnSpPr>
+            <a:cxnSpLocks/>
+          </p:cNvCxnSpPr>
+          <p:nvPr/>
+        </p:nvCxnSpPr>
+        <p:spPr>
+          <a:xfrm>
+            <a:off x="2792681" y="2323344"/>
+            <a:ext cx="152400" cy="0"/>
+          </a:xfrm>
+          <a:prstGeom prst="straightConnector1">
+            <a:avLst/>
+          </a:prstGeom>
+          <a:ln>
+            <a:tailEnd type="triangle"/>
+          </a:ln>
+        </p:spPr>
+        <p:style>
+          <a:lnRef idx="1">
+            <a:schemeClr val="accent1"/>
+          </a:lnRef>
+          <a:fillRef idx="0">
+            <a:schemeClr val="accent1"/>
+          </a:fillRef>
+          <a:effectRef idx="0">
+            <a:schemeClr val="accent1"/>
+          </a:effectRef>
+          <a:fontRef idx="minor">
+            <a:schemeClr val="tx1"/>
+          </a:fontRef>
+        </p:style>
+      </p:cxnSp>
+      <p:cxnSp>
+        <p:nvCxnSpPr>
+          <p:cNvPr id="35" name="Connettore diritto 34">
+            <a:extLst>
+              <a:ext uri="{FF2B5EF4-FFF2-40B4-BE49-F238E27FC236}">
+                <a16:creationId xmlns:a16="http://schemas.microsoft.com/office/drawing/2014/main" id="{6CF7A11B-0A62-4A53-BD14-A8D1ECA43C13}"/>
+              </a:ext>
+            </a:extLst>
+          </p:cNvPr>
+          <p:cNvCxnSpPr/>
+          <p:nvPr/>
+        </p:nvCxnSpPr>
+        <p:spPr>
+          <a:xfrm flipV="1">
+            <a:off x="1528504" y="1252946"/>
+            <a:ext cx="0" cy="300559"/>
+          </a:xfrm>
+          <a:prstGeom prst="line">
+            <a:avLst/>
+          </a:prstGeom>
+        </p:spPr>
+        <p:style>
+          <a:lnRef idx="1">
+            <a:schemeClr val="accent1"/>
+          </a:lnRef>
+          <a:fillRef idx="0">
+            <a:schemeClr val="accent1"/>
+          </a:fillRef>
+          <a:effectRef idx="0">
+            <a:schemeClr val="accent1"/>
+          </a:effectRef>
+          <a:fontRef idx="minor">
+            <a:schemeClr val="tx1"/>
+          </a:fontRef>
+        </p:style>
+      </p:cxnSp>
+      <p:grpSp>
+        <p:nvGrpSpPr>
+          <p:cNvPr id="60" name="Gruppo 59">
+            <a:extLst>
+              <a:ext uri="{FF2B5EF4-FFF2-40B4-BE49-F238E27FC236}">
+                <a16:creationId xmlns:a16="http://schemas.microsoft.com/office/drawing/2014/main" id="{11B34C84-D167-4AFA-A5A0-94C94793C39B}"/>
+              </a:ext>
+            </a:extLst>
+          </p:cNvPr>
+          <p:cNvGrpSpPr/>
+          <p:nvPr/>
+        </p:nvGrpSpPr>
+        <p:grpSpPr>
+          <a:xfrm>
+            <a:off x="9550592" y="2955256"/>
+            <a:ext cx="1730809" cy="344231"/>
+            <a:chOff x="894920" y="1165816"/>
+            <a:chExt cx="1730809" cy="344231"/>
+          </a:xfrm>
+        </p:grpSpPr>
+        <p:sp>
+          <p:nvSpPr>
+            <p:cNvPr id="62" name="Rettangolo 61">
+              <a:extLst>
+                <a:ext uri="{FF2B5EF4-FFF2-40B4-BE49-F238E27FC236}">
+                  <a16:creationId xmlns:a16="http://schemas.microsoft.com/office/drawing/2014/main" id="{5ACCF2FD-46C1-495F-BF66-2955C8B9BC8C}"/>
+                </a:ext>
+              </a:extLst>
+            </p:cNvPr>
+            <p:cNvSpPr/>
+            <p:nvPr/>
+          </p:nvSpPr>
+          <p:spPr>
+            <a:xfrm>
+              <a:off x="894920" y="1165816"/>
+              <a:ext cx="1730809" cy="344231"/>
+            </a:xfrm>
+            <a:prstGeom prst="rect">
+              <a:avLst/>
+            </a:prstGeom>
+          </p:spPr>
+          <p:style>
+            <a:lnRef idx="2">
+              <a:schemeClr val="lt1">
+                <a:hueOff val="0"/>
+                <a:satOff val="0"/>
+                <a:lumOff val="0"/>
+                <a:alphaOff val="0"/>
+              </a:schemeClr>
+            </a:lnRef>
+            <a:fillRef idx="1">
+              <a:schemeClr val="accent1">
+                <a:hueOff val="0"/>
+                <a:satOff val="0"/>
+                <a:lumOff val="0"/>
+                <a:alphaOff val="0"/>
+              </a:schemeClr>
+            </a:fillRef>
+            <a:effectRef idx="0">
+              <a:schemeClr val="accent1">
+                <a:hueOff val="0"/>
+                <a:satOff val="0"/>
+                <a:lumOff val="0"/>
+                <a:alphaOff val="0"/>
+              </a:schemeClr>
+            </a:effectRef>
+            <a:fontRef idx="minor">
+              <a:schemeClr val="lt1"/>
+            </a:fontRef>
+          </p:style>
+        </p:sp>
+        <p:sp>
+          <p:nvSpPr>
+            <p:cNvPr id="63" name="CasellaDiTesto 62">
+              <a:extLst>
+                <a:ext uri="{FF2B5EF4-FFF2-40B4-BE49-F238E27FC236}">
+                  <a16:creationId xmlns:a16="http://schemas.microsoft.com/office/drawing/2014/main" id="{CD8BDAEA-4E8D-460E-A8ED-251580C12A4E}"/>
+                </a:ext>
+              </a:extLst>
+            </p:cNvPr>
+            <p:cNvSpPr txBox="1"/>
+            <p:nvPr/>
+          </p:nvSpPr>
+          <p:spPr>
+            <a:xfrm>
+              <a:off x="894920" y="1165816"/>
+              <a:ext cx="1730809" cy="344231"/>
+            </a:xfrm>
+            <a:prstGeom prst="rect">
+              <a:avLst/>
+            </a:prstGeom>
+          </p:spPr>
+          <p:style>
+            <a:lnRef idx="0">
+              <a:scrgbClr r="0" g="0" b="0"/>
+            </a:lnRef>
+            <a:fillRef idx="0">
+              <a:scrgbClr r="0" g="0" b="0"/>
+            </a:fillRef>
+            <a:effectRef idx="0">
+              <a:scrgbClr r="0" g="0" b="0"/>
+            </a:effectRef>
+            <a:fontRef idx="minor">
+              <a:schemeClr val="lt1"/>
+            </a:fontRef>
+          </p:style>
+          <p:txBody>
+            <a:bodyPr spcFirstLastPara="0" vert="horz" wrap="square" lIns="10160" tIns="10160" rIns="10160" bIns="10160" numCol="1" spcCol="1270" anchor="ctr" anchorCtr="0">
+              <a:noAutofit/>
+            </a:bodyPr>
+            <a:lstStyle/>
+            <a:p>
+              <a:pPr marL="0" lvl="0" indent="0" algn="ctr" defTabSz="711200">
+                <a:lnSpc>
+                  <a:spcPct val="90000"/>
+                </a:lnSpc>
+                <a:spcBef>
+                  <a:spcPct val="0"/>
+                </a:spcBef>
+                <a:spcAft>
+                  <a:spcPct val="35000"/>
+                </a:spcAft>
+                <a:buNone/>
+              </a:pPr>
+              <a:r>
+                <a:rPr lang="it-IT" sz="1600" kern="1200"/>
+                <a:t>Gradient BT</a:t>
+              </a:r>
+            </a:p>
+          </p:txBody>
+        </p:sp>
+      </p:grpSp>
+      <p:cxnSp>
+        <p:nvCxnSpPr>
+          <p:cNvPr id="64" name="Connettore diritto 63">
+            <a:extLst>
+              <a:ext uri="{FF2B5EF4-FFF2-40B4-BE49-F238E27FC236}">
+                <a16:creationId xmlns:a16="http://schemas.microsoft.com/office/drawing/2014/main" id="{CC37001C-57DA-45C2-A8BF-5C9063AD5DC6}"/>
+              </a:ext>
+            </a:extLst>
+          </p:cNvPr>
+          <p:cNvCxnSpPr>
+            <a:cxnSpLocks/>
+          </p:cNvCxnSpPr>
+          <p:nvPr/>
+        </p:nvCxnSpPr>
+        <p:spPr>
+          <a:xfrm>
+            <a:off x="9157055" y="3127370"/>
+            <a:ext cx="393537" cy="0"/>
+          </a:xfrm>
+          <a:prstGeom prst="line">
+            <a:avLst/>
+          </a:prstGeom>
+        </p:spPr>
+        <p:style>
+          <a:lnRef idx="1">
+            <a:schemeClr val="accent1"/>
+          </a:lnRef>
+          <a:fillRef idx="0">
+            <a:schemeClr val="accent1"/>
+          </a:fillRef>
+          <a:effectRef idx="0">
+            <a:schemeClr val="accent1"/>
+          </a:effectRef>
+          <a:fontRef idx="minor">
+            <a:schemeClr val="tx1"/>
+          </a:fontRef>
+        </p:style>
+      </p:cxnSp>
+    </p:spTree>
+    <p:extLst>
+      <p:ext uri="{BB962C8B-B14F-4D97-AF65-F5344CB8AC3E}">
+        <p14:creationId xmlns:p14="http://schemas.microsoft.com/office/powerpoint/2010/main" val="2008607933"/>
+      </p:ext>
+    </p:extLst>
+  </p:cSld>
+  <p:clrMapOvr>
+    <a:masterClrMapping/>
+  </p:clrMapOvr>
+</p:sld>
+</file>
+
+<file path=ppt/slides/slide11.xml><?xml version="1.0" encoding="utf-8"?>
+<p:sld xmlns:a="http://schemas.openxmlformats.org/drawingml/2006/main" xmlns:r="http://schemas.openxmlformats.org/officeDocument/2006/relationships" xmlns:p="http://schemas.openxmlformats.org/presentationml/2006/main">
+  <p:cSld>
+    <p:spTree>
+      <p:nvGrpSpPr>
+        <p:cNvPr id="1" name=""/>
+        <p:cNvGrpSpPr/>
+        <p:nvPr/>
+      </p:nvGrpSpPr>
+      <p:grpSpPr>
+        <a:xfrm>
+          <a:off x="0" y="0"/>
+          <a:ext cx="0" cy="0"/>
+          <a:chOff x="0" y="0"/>
+          <a:chExt cx="0" cy="0"/>
+        </a:xfrm>
+      </p:grpSpPr>
       <p:sp>
         <p:nvSpPr>
           <p:cNvPr id="2" name="Titolo 1">
@@ -31581,7 +34027,7 @@
 </p:sld>
 </file>
 
-<file path=ppt/slides/slide11.xml><?xml version="1.0" encoding="utf-8"?>
+<file path=ppt/slides/slide12.xml><?xml version="1.0" encoding="utf-8"?>
 <p:sld xmlns:a="http://schemas.openxmlformats.org/drawingml/2006/main" xmlns:r="http://schemas.openxmlformats.org/officeDocument/2006/relationships" xmlns:p="http://schemas.openxmlformats.org/presentationml/2006/main">
   <p:cSld>
     <p:spTree>
@@ -32218,7 +34664,7 @@
 </p:sld>
 </file>
 
-<file path=ppt/slides/slide12.xml><?xml version="1.0" encoding="utf-8"?>
+<file path=ppt/slides/slide13.xml><?xml version="1.0" encoding="utf-8"?>
 <p:sld xmlns:a="http://schemas.openxmlformats.org/drawingml/2006/main" xmlns:r="http://schemas.openxmlformats.org/officeDocument/2006/relationships" xmlns:p="http://schemas.openxmlformats.org/presentationml/2006/main">
   <p:cSld>
     <p:spTree>
@@ -32836,7 +35282,7 @@
         </p:nvGrpSpPr>
         <p:grpSpPr>
           <a:xfrm rot="5400000">
-            <a:off x="8015058" y="1533875"/>
+            <a:off x="8015058" y="1534914"/>
             <a:ext cx="611662" cy="2822854"/>
             <a:chOff x="508563" y="198210"/>
             <a:chExt cx="611662" cy="2822854"/>
@@ -32969,14 +35415,15 @@
             </a:extLst>
           </p:cNvPr>
           <p:cNvCxnSpPr>
-            <a:endCxn id="27" idx="1"/>
+            <a:cxnSpLocks/>
+            <a:endCxn id="38" idx="1"/>
           </p:cNvCxnSpPr>
           <p:nvPr/>
         </p:nvCxnSpPr>
         <p:spPr>
           <a:xfrm rot="16200000" flipH="1">
-            <a:off x="6069521" y="2105361"/>
-            <a:ext cx="1120454" cy="559427"/>
+            <a:off x="5543213" y="2632707"/>
+            <a:ext cx="2173070" cy="559427"/>
           </a:xfrm>
           <a:prstGeom prst="bentConnector2">
             <a:avLst/>
@@ -33194,6 +35641,182 @@
           </a:fontRef>
         </p:style>
       </p:cxnSp>
+      <p:grpSp>
+        <p:nvGrpSpPr>
+          <p:cNvPr id="36" name="Gruppo 35">
+            <a:extLst>
+              <a:ext uri="{FF2B5EF4-FFF2-40B4-BE49-F238E27FC236}">
+                <a16:creationId xmlns:a16="http://schemas.microsoft.com/office/drawing/2014/main" id="{3DDD0A32-2656-42DF-BE69-CBDFB24B6E83}"/>
+              </a:ext>
+            </a:extLst>
+          </p:cNvPr>
+          <p:cNvGrpSpPr/>
+          <p:nvPr/>
+        </p:nvGrpSpPr>
+        <p:grpSpPr>
+          <a:xfrm rot="5400000">
+            <a:off x="8015058" y="2587529"/>
+            <a:ext cx="611662" cy="2822854"/>
+            <a:chOff x="508563" y="198210"/>
+            <a:chExt cx="611662" cy="2822854"/>
+          </a:xfrm>
+          <a:solidFill>
+            <a:schemeClr val="accent2"/>
+          </a:solidFill>
+        </p:grpSpPr>
+        <p:sp>
+          <p:nvSpPr>
+            <p:cNvPr id="37" name="Rettangolo 36">
+              <a:extLst>
+                <a:ext uri="{FF2B5EF4-FFF2-40B4-BE49-F238E27FC236}">
+                  <a16:creationId xmlns:a16="http://schemas.microsoft.com/office/drawing/2014/main" id="{5FCEC012-8068-4177-AB98-32B6C4ED95A4}"/>
+                </a:ext>
+              </a:extLst>
+            </p:cNvPr>
+            <p:cNvSpPr/>
+            <p:nvPr/>
+          </p:nvSpPr>
+          <p:spPr>
+            <a:xfrm rot="16200000">
+              <a:off x="-597033" y="1303806"/>
+              <a:ext cx="2822854" cy="611662"/>
+            </a:xfrm>
+            <a:prstGeom prst="rect">
+              <a:avLst/>
+            </a:prstGeom>
+            <a:grpFill/>
+          </p:spPr>
+          <p:style>
+            <a:lnRef idx="2">
+              <a:schemeClr val="lt1">
+                <a:hueOff val="0"/>
+                <a:satOff val="0"/>
+                <a:lumOff val="0"/>
+                <a:alphaOff val="0"/>
+              </a:schemeClr>
+            </a:lnRef>
+            <a:fillRef idx="1">
+              <a:schemeClr val="accent1">
+                <a:hueOff val="0"/>
+                <a:satOff val="0"/>
+                <a:lumOff val="0"/>
+                <a:alphaOff val="0"/>
+              </a:schemeClr>
+            </a:fillRef>
+            <a:effectRef idx="0">
+              <a:schemeClr val="accent1">
+                <a:hueOff val="0"/>
+                <a:satOff val="0"/>
+                <a:lumOff val="0"/>
+                <a:alphaOff val="0"/>
+              </a:schemeClr>
+            </a:effectRef>
+            <a:fontRef idx="minor">
+              <a:schemeClr val="lt1"/>
+            </a:fontRef>
+          </p:style>
+        </p:sp>
+        <p:sp>
+          <p:nvSpPr>
+            <p:cNvPr id="38" name="CasellaDiTesto 37">
+              <a:extLst>
+                <a:ext uri="{FF2B5EF4-FFF2-40B4-BE49-F238E27FC236}">
+                  <a16:creationId xmlns:a16="http://schemas.microsoft.com/office/drawing/2014/main" id="{8659B0F3-7A97-479B-82C0-43763D16AA61}"/>
+                </a:ext>
+              </a:extLst>
+            </p:cNvPr>
+            <p:cNvSpPr txBox="1"/>
+            <p:nvPr/>
+          </p:nvSpPr>
+          <p:spPr>
+            <a:xfrm rot="16200000">
+              <a:off x="-597033" y="1303806"/>
+              <a:ext cx="2822854" cy="611662"/>
+            </a:xfrm>
+            <a:prstGeom prst="rect">
+              <a:avLst/>
+            </a:prstGeom>
+            <a:grpFill/>
+          </p:spPr>
+          <p:style>
+            <a:lnRef idx="0">
+              <a:scrgbClr r="0" g="0" b="0"/>
+            </a:lnRef>
+            <a:fillRef idx="0">
+              <a:scrgbClr r="0" g="0" b="0"/>
+            </a:fillRef>
+            <a:effectRef idx="0">
+              <a:scrgbClr r="0" g="0" b="0"/>
+            </a:effectRef>
+            <a:fontRef idx="minor">
+              <a:schemeClr val="lt1"/>
+            </a:fontRef>
+          </p:style>
+          <p:txBody>
+            <a:bodyPr spcFirstLastPara="0" vert="horz" wrap="square" lIns="15240" tIns="15240" rIns="15240" bIns="15240" numCol="1" spcCol="1270" anchor="ctr" anchorCtr="0">
+              <a:noAutofit/>
+            </a:bodyPr>
+            <a:lstStyle/>
+            <a:p>
+              <a:pPr marL="0" lvl="0" indent="0" algn="ctr" defTabSz="1066800">
+                <a:lnSpc>
+                  <a:spcPct val="90000"/>
+                </a:lnSpc>
+                <a:spcBef>
+                  <a:spcPct val="0"/>
+                </a:spcBef>
+                <a:spcAft>
+                  <a:spcPct val="35000"/>
+                </a:spcAft>
+                <a:buNone/>
+              </a:pPr>
+              <a:r>
+                <a:rPr lang="it-IT" sz="2400" kern="1200"/>
+                <a:t>Gradient BT</a:t>
+              </a:r>
+            </a:p>
+          </p:txBody>
+        </p:sp>
+      </p:grpSp>
+      <p:cxnSp>
+        <p:nvCxnSpPr>
+          <p:cNvPr id="39" name="Connettore diritto 38">
+            <a:extLst>
+              <a:ext uri="{FF2B5EF4-FFF2-40B4-BE49-F238E27FC236}">
+                <a16:creationId xmlns:a16="http://schemas.microsoft.com/office/drawing/2014/main" id="{566B9794-DAFA-4199-9BA3-16BE5AF61573}"/>
+              </a:ext>
+            </a:extLst>
+          </p:cNvPr>
+          <p:cNvCxnSpPr>
+            <a:cxnSpLocks/>
+            <a:endCxn id="27" idx="1"/>
+          </p:cNvCxnSpPr>
+          <p:nvPr/>
+        </p:nvCxnSpPr>
+        <p:spPr>
+          <a:xfrm>
+            <a:off x="6350034" y="2942391"/>
+            <a:ext cx="559428" cy="3950"/>
+          </a:xfrm>
+          <a:prstGeom prst="line">
+            <a:avLst/>
+          </a:prstGeom>
+        </p:spPr>
+        <p:style>
+          <a:lnRef idx="2">
+            <a:schemeClr val="dk1"/>
+          </a:lnRef>
+          <a:fillRef idx="0">
+            <a:schemeClr val="dk1"/>
+          </a:fillRef>
+          <a:effectRef idx="1">
+            <a:schemeClr val="dk1"/>
+          </a:effectRef>
+          <a:fontRef idx="minor">
+            <a:schemeClr val="tx1"/>
+          </a:fontRef>
+        </p:style>
+      </p:cxnSp>
     </p:spTree>
     <p:extLst>
       <p:ext uri="{BB962C8B-B14F-4D97-AF65-F5344CB8AC3E}">
@@ -33207,7 +35830,7 @@
 </p:sld>
 </file>
 
-<file path=ppt/slides/slide13.xml><?xml version="1.0" encoding="utf-8"?>
+<file path=ppt/slides/slide14.xml><?xml version="1.0" encoding="utf-8"?>
 <p:sld xmlns:a="http://schemas.openxmlformats.org/drawingml/2006/main" xmlns:r="http://schemas.openxmlformats.org/officeDocument/2006/relationships" xmlns:p="http://schemas.openxmlformats.org/presentationml/2006/main">
   <p:cSld>
     <p:spTree>
@@ -33247,7 +35870,7 @@
           <a:p>
             <a:r>
               <a:rPr lang="it-IT"/>
-              <a:t>		.1 - EXPERIMENTAL RESULTS</a:t>
+              <a:t>		.1 - EXPERIMENTAL RESULTs</a:t>
             </a:r>
           </a:p>
         </p:txBody>
@@ -33407,14 +36030,14 @@
           <p:nvPr>
             <p:extLst>
               <p:ext uri="{D42A27DB-BD31-4B8C-83A1-F6EECF244321}">
-                <p14:modId xmlns:p14="http://schemas.microsoft.com/office/powerpoint/2010/main" val="2789110329"/>
+                <p14:modId xmlns:p14="http://schemas.microsoft.com/office/powerpoint/2010/main" val="371750447"/>
               </p:ext>
             </p:extLst>
           </p:nvPr>
         </p:nvGraphicFramePr>
         <p:xfrm>
-          <a:off x="1864426" y="2075417"/>
-          <a:ext cx="8463803" cy="2194560"/>
+          <a:off x="1982851" y="3025444"/>
+          <a:ext cx="8463803" cy="2651760"/>
         </p:xfrm>
         <a:graphic>
           <a:graphicData uri="http://schemas.openxmlformats.org/drawingml/2006/table">
@@ -34186,7 +36809,7 @@
                     <a:p>
                       <a:pPr algn="ctr"/>
                       <a:r>
-                        <a:rPr lang="it-IT" sz="1200" b="1">
+                        <a:rPr lang="it-IT" sz="1200" b="0">
                           <a:latin typeface="Avenir Next LT Pro" panose="020B0504020202020204" pitchFamily="34" charset="0"/>
                         </a:rPr>
                         <a:t>0.9790</a:t>
@@ -34496,6 +37119,214 @@
                   </a:ext>
                 </a:extLst>
               </a:tr>
+              <a:tr h="370840">
+                <a:tc>
+                  <a:txBody>
+                    <a:bodyPr/>
+                    <a:lstStyle/>
+                    <a:p>
+                      <a:r>
+                        <a:rPr lang="it-IT" sz="1400">
+                          <a:latin typeface="Bahnschrift SemiBold SemiConden" panose="020B0502040204020203" pitchFamily="34" charset="0"/>
+                        </a:rPr>
+                        <a:t>Gradient Boosted Tree</a:t>
+                      </a:r>
+                    </a:p>
+                  </a:txBody>
+                  <a:tcPr anchor="ctr">
+                    <a:lnR w="12700" cap="flat" cmpd="sng" algn="ctr">
+                      <a:solidFill>
+                        <a:schemeClr val="tx1"/>
+                      </a:solidFill>
+                      <a:prstDash val="solid"/>
+                      <a:round/>
+                      <a:headEnd type="none" w="med" len="med"/>
+                      <a:tailEnd type="none" w="med" len="med"/>
+                    </a:lnR>
+                  </a:tcPr>
+                </a:tc>
+                <a:tc>
+                  <a:txBody>
+                    <a:bodyPr/>
+                    <a:lstStyle/>
+                    <a:p>
+                      <a:pPr algn="ctr"/>
+                      <a:r>
+                        <a:rPr lang="it-IT" sz="1200">
+                          <a:latin typeface="Avenir Next LT Pro" panose="020B0504020202020204" pitchFamily="34" charset="0"/>
+                        </a:rPr>
+                        <a:t>0.9837</a:t>
+                      </a:r>
+                    </a:p>
+                    <a:p>
+                      <a:pPr algn="ctr"/>
+                      <a:r>
+                        <a:rPr lang="it-IT" sz="1200">
+                          <a:latin typeface="Avenir Next LT Pro" panose="020B0504020202020204" pitchFamily="34" charset="0"/>
+                        </a:rPr>
+                        <a:t>(0.9432)</a:t>
+                      </a:r>
+                    </a:p>
+                  </a:txBody>
+                  <a:tcPr anchor="ctr">
+                    <a:lnL w="12700" cap="flat" cmpd="sng" algn="ctr">
+                      <a:solidFill>
+                        <a:schemeClr val="tx1"/>
+                      </a:solidFill>
+                      <a:prstDash val="solid"/>
+                      <a:round/>
+                      <a:headEnd type="none" w="med" len="med"/>
+                      <a:tailEnd type="none" w="med" len="med"/>
+                    </a:lnL>
+                    <a:lnR w="12700" cap="flat" cmpd="sng" algn="ctr">
+                      <a:solidFill>
+                        <a:schemeClr val="tx1"/>
+                      </a:solidFill>
+                      <a:prstDash val="solid"/>
+                      <a:round/>
+                      <a:headEnd type="none" w="med" len="med"/>
+                      <a:tailEnd type="none" w="med" len="med"/>
+                    </a:lnR>
+                  </a:tcPr>
+                </a:tc>
+                <a:tc>
+                  <a:txBody>
+                    <a:bodyPr/>
+                    <a:lstStyle/>
+                    <a:p>
+                      <a:pPr algn="ctr"/>
+                      <a:r>
+                        <a:rPr lang="it-IT" sz="1200">
+                          <a:latin typeface="Avenir Next LT Pro" panose="020B0504020202020204" pitchFamily="34" charset="0"/>
+                        </a:rPr>
+                        <a:t>0.9838</a:t>
+                      </a:r>
+                    </a:p>
+                    <a:p>
+                      <a:pPr algn="ctr"/>
+                      <a:r>
+                        <a:rPr lang="it-IT" sz="1200">
+                          <a:latin typeface="Avenir Next LT Pro" panose="020B0504020202020204" pitchFamily="34" charset="0"/>
+                        </a:rPr>
+                        <a:t>(0.9428)</a:t>
+                      </a:r>
+                    </a:p>
+                  </a:txBody>
+                  <a:tcPr anchor="ctr">
+                    <a:lnL w="12700" cap="flat" cmpd="sng" algn="ctr">
+                      <a:solidFill>
+                        <a:schemeClr val="tx1"/>
+                      </a:solidFill>
+                      <a:prstDash val="solid"/>
+                      <a:round/>
+                      <a:headEnd type="none" w="med" len="med"/>
+                      <a:tailEnd type="none" w="med" len="med"/>
+                    </a:lnL>
+                    <a:lnR w="12700" cap="flat" cmpd="sng" algn="ctr">
+                      <a:solidFill>
+                        <a:schemeClr val="tx1"/>
+                      </a:solidFill>
+                      <a:prstDash val="solid"/>
+                      <a:round/>
+                      <a:headEnd type="none" w="med" len="med"/>
+                      <a:tailEnd type="none" w="med" len="med"/>
+                    </a:lnR>
+                  </a:tcPr>
+                </a:tc>
+                <a:tc>
+                  <a:txBody>
+                    <a:bodyPr/>
+                    <a:lstStyle/>
+                    <a:p>
+                      <a:pPr algn="ctr"/>
+                      <a:r>
+                        <a:rPr lang="it-IT" sz="1200">
+                          <a:latin typeface="Avenir Next LT Pro" panose="020B0504020202020204" pitchFamily="34" charset="0"/>
+                        </a:rPr>
+                        <a:t>0.9844</a:t>
+                      </a:r>
+                    </a:p>
+                    <a:p>
+                      <a:pPr algn="ctr"/>
+                      <a:r>
+                        <a:rPr lang="it-IT" sz="1200">
+                          <a:latin typeface="Avenir Next LT Pro" panose="020B0504020202020204" pitchFamily="34" charset="0"/>
+                        </a:rPr>
+                        <a:t>(0.9486)</a:t>
+                      </a:r>
+                    </a:p>
+                  </a:txBody>
+                  <a:tcPr anchor="ctr">
+                    <a:lnL w="12700" cap="flat" cmpd="sng" algn="ctr">
+                      <a:solidFill>
+                        <a:schemeClr val="tx1"/>
+                      </a:solidFill>
+                      <a:prstDash val="solid"/>
+                      <a:round/>
+                      <a:headEnd type="none" w="med" len="med"/>
+                      <a:tailEnd type="none" w="med" len="med"/>
+                    </a:lnL>
+                    <a:lnR w="12700" cap="flat" cmpd="sng" algn="ctr">
+                      <a:solidFill>
+                        <a:schemeClr val="tx1"/>
+                      </a:solidFill>
+                      <a:prstDash val="solid"/>
+                      <a:round/>
+                      <a:headEnd type="none" w="med" len="med"/>
+                      <a:tailEnd type="none" w="med" len="med"/>
+                    </a:lnR>
+                  </a:tcPr>
+                </a:tc>
+                <a:tc>
+                  <a:txBody>
+                    <a:bodyPr/>
+                    <a:lstStyle/>
+                    <a:p>
+                      <a:pPr algn="ctr"/>
+                      <a:r>
+                        <a:rPr lang="it-IT" sz="1200">
+                          <a:latin typeface="Avenir Next LT Pro" panose="020B0504020202020204" pitchFamily="34" charset="0"/>
+                        </a:rPr>
+                        <a:t>0.9746</a:t>
+                      </a:r>
+                    </a:p>
+                    <a:p>
+                      <a:pPr algn="ctr"/>
+                      <a:r>
+                        <a:rPr lang="it-IT" sz="1200">
+                          <a:latin typeface="Avenir Next LT Pro" panose="020B0504020202020204" pitchFamily="34" charset="0"/>
+                        </a:rPr>
+                        <a:t>(0.8823)</a:t>
+                      </a:r>
+                    </a:p>
+                  </a:txBody>
+                  <a:tcPr anchor="ctr">
+                    <a:lnL w="12700" cap="flat" cmpd="sng" algn="ctr">
+                      <a:solidFill>
+                        <a:schemeClr val="tx1"/>
+                      </a:solidFill>
+                      <a:prstDash val="solid"/>
+                      <a:round/>
+                      <a:headEnd type="none" w="med" len="med"/>
+                      <a:tailEnd type="none" w="med" len="med"/>
+                    </a:lnL>
+                    <a:lnR w="12700" cap="flat" cmpd="sng" algn="ctr">
+                      <a:solidFill>
+                        <a:schemeClr val="tx1"/>
+                      </a:solidFill>
+                      <a:prstDash val="solid"/>
+                      <a:round/>
+                      <a:headEnd type="none" w="med" len="med"/>
+                      <a:tailEnd type="none" w="med" len="med"/>
+                    </a:lnR>
+                  </a:tcPr>
+                </a:tc>
+                <a:extLst>
+                  <a:ext uri="{0D108BD9-81ED-4DB2-BD59-A6C34878D82A}">
+                    <a16:rowId xmlns:a16="http://schemas.microsoft.com/office/drawing/2014/main" val="2957140650"/>
+                  </a:ext>
+                </a:extLst>
+              </a:tr>
             </a:tbl>
           </a:graphicData>
         </a:graphic>
@@ -34514,7 +37345,7 @@
         </p:nvSpPr>
         <p:spPr>
           <a:xfrm>
-            <a:off x="1997383" y="2184845"/>
+            <a:off x="2115808" y="3200190"/>
             <a:ext cx="1799112" cy="461665"/>
           </a:xfrm>
           <a:prstGeom prst="rect">
@@ -34543,12 +37374,210 @@
           </a:p>
         </p:txBody>
       </p:sp>
+    </p:spTree>
+    <p:extLst>
+      <p:ext uri="{BB962C8B-B14F-4D97-AF65-F5344CB8AC3E}">
+        <p14:creationId xmlns:p14="http://schemas.microsoft.com/office/powerpoint/2010/main" val="745060227"/>
+      </p:ext>
+    </p:extLst>
+  </p:cSld>
+  <p:clrMapOvr>
+    <a:masterClrMapping/>
+  </p:clrMapOvr>
+</p:sld>
+</file>
+
+<file path=ppt/slides/slide15.xml><?xml version="1.0" encoding="utf-8"?>
+<p:sld xmlns:a="http://schemas.openxmlformats.org/drawingml/2006/main" xmlns:r="http://schemas.openxmlformats.org/officeDocument/2006/relationships" xmlns:p="http://schemas.openxmlformats.org/presentationml/2006/main">
+  <p:cSld>
+    <p:spTree>
+      <p:nvGrpSpPr>
+        <p:cNvPr id="1" name=""/>
+        <p:cNvGrpSpPr/>
+        <p:nvPr/>
+      </p:nvGrpSpPr>
+      <p:grpSpPr>
+        <a:xfrm>
+          <a:off x="0" y="0"/>
+          <a:ext cx="0" cy="0"/>
+          <a:chOff x="0" y="0"/>
+          <a:chExt cx="0" cy="0"/>
+        </a:xfrm>
+      </p:grpSpPr>
+      <p:sp>
+        <p:nvSpPr>
+          <p:cNvPr id="2" name="Titolo 1">
+            <a:extLst>
+              <a:ext uri="{FF2B5EF4-FFF2-40B4-BE49-F238E27FC236}">
+                <a16:creationId xmlns:a16="http://schemas.microsoft.com/office/drawing/2014/main" id="{E792274F-2C6D-42A4-8D80-721288892FBE}"/>
+              </a:ext>
+            </a:extLst>
+          </p:cNvPr>
+          <p:cNvSpPr>
+            <a:spLocks noGrp="1"/>
+          </p:cNvSpPr>
+          <p:nvPr>
+            <p:ph type="title"/>
+          </p:nvPr>
+        </p:nvSpPr>
+        <p:spPr/>
+        <p:txBody>
+          <a:bodyPr/>
+          <a:lstStyle/>
+          <a:p>
+            <a:r>
+              <a:rPr lang="it-IT"/>
+              <a:t>		.2 - EXPERIMENTAL RESULTS</a:t>
+            </a:r>
+          </a:p>
+        </p:txBody>
+      </p:sp>
+      <p:grpSp>
+        <p:nvGrpSpPr>
+          <p:cNvPr id="3" name="Gruppo 2">
+            <a:extLst>
+              <a:ext uri="{FF2B5EF4-FFF2-40B4-BE49-F238E27FC236}">
+                <a16:creationId xmlns:a16="http://schemas.microsoft.com/office/drawing/2014/main" id="{AFE51A2F-C543-4376-96E1-9399FABF37CE}"/>
+              </a:ext>
+            </a:extLst>
+          </p:cNvPr>
+          <p:cNvGrpSpPr/>
+          <p:nvPr/>
+        </p:nvGrpSpPr>
+        <p:grpSpPr>
+          <a:xfrm>
+            <a:off x="694062" y="866145"/>
+            <a:ext cx="719101" cy="1013800"/>
+            <a:chOff x="1" y="13513"/>
+            <a:chExt cx="602970" cy="861385"/>
+          </a:xfrm>
+        </p:grpSpPr>
+        <p:sp>
+          <p:nvSpPr>
+            <p:cNvPr id="4" name="Freccia a gallone 3">
+              <a:extLst>
+                <a:ext uri="{FF2B5EF4-FFF2-40B4-BE49-F238E27FC236}">
+                  <a16:creationId xmlns:a16="http://schemas.microsoft.com/office/drawing/2014/main" id="{FBDCB5C1-82C5-4CF2-B6D8-655A84F9C352}"/>
+                </a:ext>
+              </a:extLst>
+            </p:cNvPr>
+            <p:cNvSpPr/>
+            <p:nvPr/>
+          </p:nvSpPr>
+          <p:spPr>
+            <a:xfrm rot="5400000">
+              <a:off x="-129207" y="142721"/>
+              <a:ext cx="861385" cy="602970"/>
+            </a:xfrm>
+            <a:prstGeom prst="chevron">
+              <a:avLst/>
+            </a:prstGeom>
+            <a:solidFill>
+              <a:schemeClr val="bg1"/>
+            </a:solidFill>
+          </p:spPr>
+          <p:style>
+            <a:lnRef idx="2">
+              <a:schemeClr val="accent1">
+                <a:hueOff val="0"/>
+                <a:satOff val="0"/>
+                <a:lumOff val="0"/>
+                <a:alphaOff val="0"/>
+              </a:schemeClr>
+            </a:lnRef>
+            <a:fillRef idx="1">
+              <a:schemeClr val="accent1">
+                <a:hueOff val="0"/>
+                <a:satOff val="0"/>
+                <a:lumOff val="0"/>
+                <a:alphaOff val="0"/>
+              </a:schemeClr>
+            </a:fillRef>
+            <a:effectRef idx="0">
+              <a:schemeClr val="accent1">
+                <a:hueOff val="0"/>
+                <a:satOff val="0"/>
+                <a:lumOff val="0"/>
+                <a:alphaOff val="0"/>
+              </a:schemeClr>
+            </a:effectRef>
+            <a:fontRef idx="minor">
+              <a:schemeClr val="lt1"/>
+            </a:fontRef>
+          </p:style>
+        </p:sp>
+        <p:sp>
+          <p:nvSpPr>
+            <p:cNvPr id="5" name="Freccia a gallone 4">
+              <a:extLst>
+                <a:ext uri="{FF2B5EF4-FFF2-40B4-BE49-F238E27FC236}">
+                  <a16:creationId xmlns:a16="http://schemas.microsoft.com/office/drawing/2014/main" id="{326F6C87-E915-4BA4-8FED-405C80921F87}"/>
+                </a:ext>
+              </a:extLst>
+            </p:cNvPr>
+            <p:cNvSpPr txBox="1"/>
+            <p:nvPr/>
+          </p:nvSpPr>
+          <p:spPr>
+            <a:xfrm>
+              <a:off x="1" y="401002"/>
+              <a:ext cx="602970" cy="258415"/>
+            </a:xfrm>
+            <a:prstGeom prst="rect">
+              <a:avLst/>
+            </a:prstGeom>
+          </p:spPr>
+          <p:style>
+            <a:lnRef idx="0">
+              <a:scrgbClr r="0" g="0" b="0"/>
+            </a:lnRef>
+            <a:fillRef idx="0">
+              <a:scrgbClr r="0" g="0" b="0"/>
+            </a:fillRef>
+            <a:effectRef idx="0">
+              <a:scrgbClr r="0" g="0" b="0"/>
+            </a:effectRef>
+            <a:fontRef idx="minor">
+              <a:schemeClr val="lt1"/>
+            </a:fontRef>
+          </p:style>
+          <p:txBody>
+            <a:bodyPr spcFirstLastPara="0" vert="horz" wrap="square" lIns="10795" tIns="10795" rIns="10795" bIns="10795" numCol="1" spcCol="1270" anchor="ctr" anchorCtr="0">
+              <a:noAutofit/>
+            </a:bodyPr>
+            <a:lstStyle/>
+            <a:p>
+              <a:pPr marL="0" lvl="0" indent="0" algn="ctr" defTabSz="755650">
+                <a:lnSpc>
+                  <a:spcPct val="90000"/>
+                </a:lnSpc>
+                <a:spcBef>
+                  <a:spcPct val="0"/>
+                </a:spcBef>
+                <a:spcAft>
+                  <a:spcPct val="35000"/>
+                </a:spcAft>
+                <a:buNone/>
+              </a:pPr>
+              <a:r>
+                <a:rPr lang="it-IT" sz="2800" kern="1200">
+                  <a:solidFill>
+                    <a:schemeClr val="accent1"/>
+                  </a:solidFill>
+                  <a:latin typeface="+mj-lt"/>
+                </a:rPr>
+                <a:t>5</a:t>
+              </a:r>
+            </a:p>
+          </p:txBody>
+        </p:sp>
+      </p:grpSp>
       <p:graphicFrame>
         <p:nvGraphicFramePr>
-          <p:cNvPr id="8" name="Tabella 10">
+          <p:cNvPr id="10" name="Tabella 10">
             <a:extLst>
               <a:ext uri="{FF2B5EF4-FFF2-40B4-BE49-F238E27FC236}">
-                <a16:creationId xmlns:a16="http://schemas.microsoft.com/office/drawing/2014/main" id="{E4AFDD1F-C4B0-4DC3-8B0A-AB22D5DC190A}"/>
+                <a16:creationId xmlns:a16="http://schemas.microsoft.com/office/drawing/2014/main" id="{2D7D1767-576B-49B5-BB93-922257762A05}"/>
               </a:ext>
             </a:extLst>
           </p:cNvPr>
@@ -34558,14 +37587,14 @@
           <p:nvPr>
             <p:extLst>
               <p:ext uri="{D42A27DB-BD31-4B8C-83A1-F6EECF244321}">
-                <p14:modId xmlns:p14="http://schemas.microsoft.com/office/powerpoint/2010/main" val="3901396726"/>
+                <p14:modId xmlns:p14="http://schemas.microsoft.com/office/powerpoint/2010/main" val="1538251587"/>
               </p:ext>
             </p:extLst>
           </p:nvPr>
         </p:nvGraphicFramePr>
         <p:xfrm>
-          <a:off x="1864425" y="4423047"/>
-          <a:ext cx="8463803" cy="2194560"/>
+          <a:off x="1982851" y="3025444"/>
+          <a:ext cx="8463803" cy="2651760"/>
         </p:xfrm>
         <a:graphic>
           <a:graphicData uri="http://schemas.openxmlformats.org/drawingml/2006/table">
@@ -34574,35 +37603,35 @@
                 <a:tableStyleId>{3B4B98B0-60AC-42C2-AFA5-B58CD77FA1E5}</a:tableStyleId>
               </a:tblPr>
               <a:tblGrid>
-                <a:gridCol w="2130345">
+                <a:gridCol w="2113808">
                   <a:extLst>
                     <a:ext uri="{9D8B030D-6E8A-4147-A177-3AD203B41FA5}">
                       <a16:colId xmlns:a16="http://schemas.microsoft.com/office/drawing/2014/main" val="396372187"/>
                     </a:ext>
                   </a:extLst>
                 </a:gridCol>
-                <a:gridCol w="1421391">
+                <a:gridCol w="1431399">
                   <a:extLst>
                     <a:ext uri="{9D8B030D-6E8A-4147-A177-3AD203B41FA5}">
                       <a16:colId xmlns:a16="http://schemas.microsoft.com/office/drawing/2014/main" val="1229565216"/>
                     </a:ext>
                   </a:extLst>
                 </a:gridCol>
-                <a:gridCol w="1350321">
+                <a:gridCol w="1352116">
                   <a:extLst>
                     <a:ext uri="{9D8B030D-6E8A-4147-A177-3AD203B41FA5}">
                       <a16:colId xmlns:a16="http://schemas.microsoft.com/office/drawing/2014/main" val="3000570086"/>
                     </a:ext>
                   </a:extLst>
                 </a:gridCol>
-                <a:gridCol w="1699209">
+                <a:gridCol w="1701468">
                   <a:extLst>
                     <a:ext uri="{9D8B030D-6E8A-4147-A177-3AD203B41FA5}">
                       <a16:colId xmlns:a16="http://schemas.microsoft.com/office/drawing/2014/main" val="2527479792"/>
                     </a:ext>
                   </a:extLst>
                 </a:gridCol>
-                <a:gridCol w="1862537">
+                <a:gridCol w="1865012">
                   <a:extLst>
                     <a:ext uri="{9D8B030D-6E8A-4147-A177-3AD203B41FA5}">
                       <a16:colId xmlns:a16="http://schemas.microsoft.com/office/drawing/2014/main" val="1832342877"/>
@@ -34610,7 +37639,7 @@
                   </a:extLst>
                 </a:gridCol>
               </a:tblGrid>
-              <a:tr h="354903">
+              <a:tr h="357766">
                 <a:tc>
                   <a:txBody>
                     <a:bodyPr/>
@@ -34747,7 +37776,7 @@
                         </a:lnSpc>
                       </a:pPr>
                       <a:r>
-                        <a:rPr lang="it-IT" sz="1100" u="sng">
+                        <a:rPr lang="it-IT" sz="1000" u="sng">
                           <a:latin typeface="Bahnschrift SemiBold SemiConden" panose="020B0502040204020203" pitchFamily="34" charset="0"/>
                         </a:rPr>
                         <a:t>with standardization</a:t>
@@ -34786,7 +37815,7 @@
                         </a:lnSpc>
                       </a:pPr>
                       <a:r>
-                        <a:rPr lang="it-IT" sz="1100" u="sng">
+                        <a:rPr lang="it-IT" sz="1000" u="sng">
                           <a:latin typeface="Bahnschrift SemiBold SemiConden" panose="020B0502040204020203" pitchFamily="34" charset="0"/>
                         </a:rPr>
                         <a:t>w/out standardize</a:t>
@@ -35322,7 +38351,7 @@
                     <a:p>
                       <a:pPr algn="ctr"/>
                       <a:r>
-                        <a:rPr lang="it-IT" sz="1200" b="1">
+                        <a:rPr lang="it-IT" sz="1200" b="0">
                           <a:latin typeface="Avenir Next LT Pro" panose="020B0504020202020204" pitchFamily="34" charset="0"/>
                         </a:rPr>
                         <a:t>0.858</a:t>
@@ -35632,16 +38661,224 @@
                   </a:ext>
                 </a:extLst>
               </a:tr>
+              <a:tr h="370840">
+                <a:tc>
+                  <a:txBody>
+                    <a:bodyPr/>
+                    <a:lstStyle/>
+                    <a:p>
+                      <a:r>
+                        <a:rPr lang="it-IT" sz="1400">
+                          <a:latin typeface="Bahnschrift SemiBold SemiConden" panose="020B0502040204020203" pitchFamily="34" charset="0"/>
+                        </a:rPr>
+                        <a:t>Gradient Boosted Tree</a:t>
+                      </a:r>
+                    </a:p>
+                  </a:txBody>
+                  <a:tcPr anchor="ctr">
+                    <a:lnR w="12700" cap="flat" cmpd="sng" algn="ctr">
+                      <a:solidFill>
+                        <a:schemeClr val="tx1"/>
+                      </a:solidFill>
+                      <a:prstDash val="solid"/>
+                      <a:round/>
+                      <a:headEnd type="none" w="med" len="med"/>
+                      <a:tailEnd type="none" w="med" len="med"/>
+                    </a:lnR>
+                  </a:tcPr>
+                </a:tc>
+                <a:tc>
+                  <a:txBody>
+                    <a:bodyPr/>
+                    <a:lstStyle/>
+                    <a:p>
+                      <a:pPr algn="ctr"/>
+                      <a:r>
+                        <a:rPr lang="it-IT" sz="1200">
+                          <a:latin typeface="Avenir Next LT Pro" panose="020B0504020202020204" pitchFamily="34" charset="0"/>
+                        </a:rPr>
+                        <a:t>0.913</a:t>
+                      </a:r>
+                    </a:p>
+                    <a:p>
+                      <a:pPr algn="ctr"/>
+                      <a:r>
+                        <a:rPr lang="it-IT" sz="1200">
+                          <a:latin typeface="Avenir Next LT Pro" panose="020B0504020202020204" pitchFamily="34" charset="0"/>
+                        </a:rPr>
+                        <a:t>(0.931)</a:t>
+                      </a:r>
+                    </a:p>
+                  </a:txBody>
+                  <a:tcPr anchor="ctr">
+                    <a:lnL w="12700" cap="flat" cmpd="sng" algn="ctr">
+                      <a:solidFill>
+                        <a:schemeClr val="tx1"/>
+                      </a:solidFill>
+                      <a:prstDash val="solid"/>
+                      <a:round/>
+                      <a:headEnd type="none" w="med" len="med"/>
+                      <a:tailEnd type="none" w="med" len="med"/>
+                    </a:lnL>
+                    <a:lnR w="12700" cap="flat" cmpd="sng" algn="ctr">
+                      <a:solidFill>
+                        <a:schemeClr val="tx1"/>
+                      </a:solidFill>
+                      <a:prstDash val="solid"/>
+                      <a:round/>
+                      <a:headEnd type="none" w="med" len="med"/>
+                      <a:tailEnd type="none" w="med" len="med"/>
+                    </a:lnR>
+                  </a:tcPr>
+                </a:tc>
+                <a:tc>
+                  <a:txBody>
+                    <a:bodyPr/>
+                    <a:lstStyle/>
+                    <a:p>
+                      <a:pPr algn="ctr"/>
+                      <a:r>
+                        <a:rPr lang="it-IT" sz="1200">
+                          <a:latin typeface="Avenir Next LT Pro" panose="020B0504020202020204" pitchFamily="34" charset="0"/>
+                        </a:rPr>
+                        <a:t>0.911</a:t>
+                      </a:r>
+                    </a:p>
+                    <a:p>
+                      <a:pPr algn="ctr"/>
+                      <a:r>
+                        <a:rPr lang="it-IT" sz="1200">
+                          <a:latin typeface="Avenir Next LT Pro" panose="020B0504020202020204" pitchFamily="34" charset="0"/>
+                        </a:rPr>
+                        <a:t>(0.930)</a:t>
+                      </a:r>
+                    </a:p>
+                  </a:txBody>
+                  <a:tcPr anchor="ctr">
+                    <a:lnL w="12700" cap="flat" cmpd="sng" algn="ctr">
+                      <a:solidFill>
+                        <a:schemeClr val="tx1"/>
+                      </a:solidFill>
+                      <a:prstDash val="solid"/>
+                      <a:round/>
+                      <a:headEnd type="none" w="med" len="med"/>
+                      <a:tailEnd type="none" w="med" len="med"/>
+                    </a:lnL>
+                    <a:lnR w="12700" cap="flat" cmpd="sng" algn="ctr">
+                      <a:solidFill>
+                        <a:schemeClr val="tx1"/>
+                      </a:solidFill>
+                      <a:prstDash val="solid"/>
+                      <a:round/>
+                      <a:headEnd type="none" w="med" len="med"/>
+                      <a:tailEnd type="none" w="med" len="med"/>
+                    </a:lnR>
+                  </a:tcPr>
+                </a:tc>
+                <a:tc>
+                  <a:txBody>
+                    <a:bodyPr/>
+                    <a:lstStyle/>
+                    <a:p>
+                      <a:pPr algn="ctr"/>
+                      <a:r>
+                        <a:rPr lang="it-IT" sz="1200">
+                          <a:latin typeface="Avenir Next LT Pro" panose="020B0504020202020204" pitchFamily="34" charset="0"/>
+                        </a:rPr>
+                        <a:t>0.920</a:t>
+                      </a:r>
+                    </a:p>
+                    <a:p>
+                      <a:pPr algn="ctr"/>
+                      <a:r>
+                        <a:rPr lang="it-IT" sz="1200">
+                          <a:latin typeface="Avenir Next LT Pro" panose="020B0504020202020204" pitchFamily="34" charset="0"/>
+                        </a:rPr>
+                        <a:t>(0.940)</a:t>
+                      </a:r>
+                    </a:p>
+                  </a:txBody>
+                  <a:tcPr anchor="ctr">
+                    <a:lnL w="12700" cap="flat" cmpd="sng" algn="ctr">
+                      <a:solidFill>
+                        <a:schemeClr val="tx1"/>
+                      </a:solidFill>
+                      <a:prstDash val="solid"/>
+                      <a:round/>
+                      <a:headEnd type="none" w="med" len="med"/>
+                      <a:tailEnd type="none" w="med" len="med"/>
+                    </a:lnL>
+                    <a:lnR w="12700" cap="flat" cmpd="sng" algn="ctr">
+                      <a:solidFill>
+                        <a:schemeClr val="tx1"/>
+                      </a:solidFill>
+                      <a:prstDash val="solid"/>
+                      <a:round/>
+                      <a:headEnd type="none" w="med" len="med"/>
+                      <a:tailEnd type="none" w="med" len="med"/>
+                    </a:lnR>
+                  </a:tcPr>
+                </a:tc>
+                <a:tc>
+                  <a:txBody>
+                    <a:bodyPr/>
+                    <a:lstStyle/>
+                    <a:p>
+                      <a:pPr algn="ctr"/>
+                      <a:r>
+                        <a:rPr lang="it-IT" sz="1200">
+                          <a:latin typeface="Avenir Next LT Pro" panose="020B0504020202020204" pitchFamily="34" charset="0"/>
+                        </a:rPr>
+                        <a:t>0.845</a:t>
+                      </a:r>
+                    </a:p>
+                    <a:p>
+                      <a:pPr algn="ctr"/>
+                      <a:r>
+                        <a:rPr lang="it-IT" sz="1200">
+                          <a:latin typeface="Avenir Next LT Pro" panose="020B0504020202020204" pitchFamily="34" charset="0"/>
+                        </a:rPr>
+                        <a:t>(0.850)</a:t>
+                      </a:r>
+                    </a:p>
+                  </a:txBody>
+                  <a:tcPr anchor="ctr">
+                    <a:lnL w="12700" cap="flat" cmpd="sng" algn="ctr">
+                      <a:solidFill>
+                        <a:schemeClr val="tx1"/>
+                      </a:solidFill>
+                      <a:prstDash val="solid"/>
+                      <a:round/>
+                      <a:headEnd type="none" w="med" len="med"/>
+                      <a:tailEnd type="none" w="med" len="med"/>
+                    </a:lnL>
+                    <a:lnR w="12700" cap="flat" cmpd="sng" algn="ctr">
+                      <a:solidFill>
+                        <a:schemeClr val="tx1"/>
+                      </a:solidFill>
+                      <a:prstDash val="solid"/>
+                      <a:round/>
+                      <a:headEnd type="none" w="med" len="med"/>
+                      <a:tailEnd type="none" w="med" len="med"/>
+                    </a:lnR>
+                  </a:tcPr>
+                </a:tc>
+                <a:extLst>
+                  <a:ext uri="{0D108BD9-81ED-4DB2-BD59-A6C34878D82A}">
+                    <a16:rowId xmlns:a16="http://schemas.microsoft.com/office/drawing/2014/main" val="2957140650"/>
+                  </a:ext>
+                </a:extLst>
+              </a:tr>
             </a:tbl>
           </a:graphicData>
         </a:graphic>
       </p:graphicFrame>
       <p:sp>
         <p:nvSpPr>
-          <p:cNvPr id="9" name="CasellaDiTesto 8">
+          <p:cNvPr id="6" name="CasellaDiTesto 5">
             <a:extLst>
               <a:ext uri="{FF2B5EF4-FFF2-40B4-BE49-F238E27FC236}">
-                <a16:creationId xmlns:a16="http://schemas.microsoft.com/office/drawing/2014/main" id="{E5DF370F-4775-4942-A08E-47F2C147807C}"/>
+                <a16:creationId xmlns:a16="http://schemas.microsoft.com/office/drawing/2014/main" id="{BC619C78-40E2-4630-9699-7D2EFDB53A63}"/>
               </a:ext>
             </a:extLst>
           </p:cNvPr>
@@ -35650,7 +38887,7 @@
         </p:nvSpPr>
         <p:spPr>
           <a:xfrm>
-            <a:off x="1997383" y="4620045"/>
+            <a:off x="2115808" y="3194251"/>
             <a:ext cx="1799112" cy="461665"/>
           </a:xfrm>
           <a:prstGeom prst="rect">
@@ -35682,7 +38919,7 @@
     </p:spTree>
     <p:extLst>
       <p:ext uri="{BB962C8B-B14F-4D97-AF65-F5344CB8AC3E}">
-        <p14:creationId xmlns:p14="http://schemas.microsoft.com/office/powerpoint/2010/main" val="745060227"/>
+        <p14:creationId xmlns:p14="http://schemas.microsoft.com/office/powerpoint/2010/main" val="1517875852"/>
       </p:ext>
     </p:extLst>
   </p:cSld>
@@ -35692,7 +38929,7 @@
 </p:sld>
 </file>
 
-<file path=ppt/slides/slide14.xml><?xml version="1.0" encoding="utf-8"?>
+<file path=ppt/slides/slide16.xml><?xml version="1.0" encoding="utf-8"?>
 <p:sld xmlns:a="http://schemas.openxmlformats.org/drawingml/2006/main" xmlns:r="http://schemas.openxmlformats.org/officeDocument/2006/relationships" xmlns:p="http://schemas.openxmlformats.org/presentationml/2006/main">
   <p:cSld>
     <p:spTree>
@@ -35732,7 +38969,7 @@
           <a:p>
             <a:r>
               <a:rPr lang="it-IT"/>
-              <a:t>		.2 - EXPERIMENTAL RESULTS</a:t>
+              <a:t>		.3 - EXPERIMENTAL RESULTS</a:t>
             </a:r>
           </a:p>
         </p:txBody>
@@ -35892,14 +39129,14 @@
           <p:nvPr>
             <p:extLst>
               <p:ext uri="{D42A27DB-BD31-4B8C-83A1-F6EECF244321}">
-                <p14:modId xmlns:p14="http://schemas.microsoft.com/office/powerpoint/2010/main" val="2494172858"/>
+                <p14:modId xmlns:p14="http://schemas.microsoft.com/office/powerpoint/2010/main" val="3723335527"/>
               </p:ext>
             </p:extLst>
           </p:nvPr>
         </p:nvGraphicFramePr>
         <p:xfrm>
-          <a:off x="1864426" y="2075417"/>
-          <a:ext cx="8463803" cy="2194560"/>
+          <a:off x="1982851" y="3025444"/>
+          <a:ext cx="8463803" cy="2651760"/>
         </p:xfrm>
         <a:graphic>
           <a:graphicData uri="http://schemas.openxmlformats.org/drawingml/2006/table">
@@ -36671,7 +39908,7 @@
                     <a:p>
                       <a:pPr algn="ctr"/>
                       <a:r>
-                        <a:rPr lang="it-IT" sz="1200" b="1">
+                        <a:rPr lang="it-IT" sz="1200" b="0">
                           <a:latin typeface="Avenir Next LT Pro" panose="020B0504020202020204" pitchFamily="34" charset="0"/>
                         </a:rPr>
                         <a:t>0.7472</a:t>
@@ -36993,6 +40230,214 @@
                   </a:ext>
                 </a:extLst>
               </a:tr>
+              <a:tr h="370840">
+                <a:tc>
+                  <a:txBody>
+                    <a:bodyPr/>
+                    <a:lstStyle/>
+                    <a:p>
+                      <a:r>
+                        <a:rPr lang="it-IT" sz="1400">
+                          <a:latin typeface="Bahnschrift SemiBold SemiConden" panose="020B0502040204020203" pitchFamily="34" charset="0"/>
+                        </a:rPr>
+                        <a:t>Gradient Boosted Tree</a:t>
+                      </a:r>
+                    </a:p>
+                  </a:txBody>
+                  <a:tcPr anchor="ctr">
+                    <a:lnR w="12700" cap="flat" cmpd="sng" algn="ctr">
+                      <a:solidFill>
+                        <a:schemeClr val="tx1"/>
+                      </a:solidFill>
+                      <a:prstDash val="solid"/>
+                      <a:round/>
+                      <a:headEnd type="none" w="med" len="med"/>
+                      <a:tailEnd type="none" w="med" len="med"/>
+                    </a:lnR>
+                  </a:tcPr>
+                </a:tc>
+                <a:tc>
+                  <a:txBody>
+                    <a:bodyPr/>
+                    <a:lstStyle/>
+                    <a:p>
+                      <a:pPr algn="ctr"/>
+                      <a:r>
+                        <a:rPr lang="it-IT" sz="1200">
+                          <a:latin typeface="Avenir Next LT Pro" panose="020B0504020202020204" pitchFamily="34" charset="0"/>
+                        </a:rPr>
+                        <a:t>0.8148</a:t>
+                      </a:r>
+                    </a:p>
+                    <a:p>
+                      <a:pPr algn="ctr"/>
+                      <a:r>
+                        <a:rPr lang="it-IT" sz="1200">
+                          <a:latin typeface="Avenir Next LT Pro" panose="020B0504020202020204" pitchFamily="34" charset="0"/>
+                        </a:rPr>
+                        <a:t>(0.7267)</a:t>
+                      </a:r>
+                    </a:p>
+                  </a:txBody>
+                  <a:tcPr>
+                    <a:lnL w="12700" cap="flat" cmpd="sng" algn="ctr">
+                      <a:solidFill>
+                        <a:schemeClr val="tx1"/>
+                      </a:solidFill>
+                      <a:prstDash val="solid"/>
+                      <a:round/>
+                      <a:headEnd type="none" w="med" len="med"/>
+                      <a:tailEnd type="none" w="med" len="med"/>
+                    </a:lnL>
+                    <a:lnR w="12700" cap="flat" cmpd="sng" algn="ctr">
+                      <a:solidFill>
+                        <a:schemeClr val="tx1"/>
+                      </a:solidFill>
+                      <a:prstDash val="solid"/>
+                      <a:round/>
+                      <a:headEnd type="none" w="med" len="med"/>
+                      <a:tailEnd type="none" w="med" len="med"/>
+                    </a:lnR>
+                  </a:tcPr>
+                </a:tc>
+                <a:tc>
+                  <a:txBody>
+                    <a:bodyPr/>
+                    <a:lstStyle/>
+                    <a:p>
+                      <a:pPr algn="ctr"/>
+                      <a:r>
+                        <a:rPr lang="it-IT" sz="1200">
+                          <a:latin typeface="Avenir Next LT Pro" panose="020B0504020202020204" pitchFamily="34" charset="0"/>
+                        </a:rPr>
+                        <a:t>0.8159</a:t>
+                      </a:r>
+                    </a:p>
+                    <a:p>
+                      <a:pPr algn="ctr"/>
+                      <a:r>
+                        <a:rPr lang="it-IT" sz="1200">
+                          <a:latin typeface="Avenir Next LT Pro" panose="020B0504020202020204" pitchFamily="34" charset="0"/>
+                        </a:rPr>
+                        <a:t>(0.7268)</a:t>
+                      </a:r>
+                    </a:p>
+                  </a:txBody>
+                  <a:tcPr>
+                    <a:lnL w="12700" cap="flat" cmpd="sng" algn="ctr">
+                      <a:solidFill>
+                        <a:schemeClr val="tx1"/>
+                      </a:solidFill>
+                      <a:prstDash val="solid"/>
+                      <a:round/>
+                      <a:headEnd type="none" w="med" len="med"/>
+                      <a:tailEnd type="none" w="med" len="med"/>
+                    </a:lnL>
+                    <a:lnR w="12700" cap="flat" cmpd="sng" algn="ctr">
+                      <a:solidFill>
+                        <a:schemeClr val="tx1"/>
+                      </a:solidFill>
+                      <a:prstDash val="solid"/>
+                      <a:round/>
+                      <a:headEnd type="none" w="med" len="med"/>
+                      <a:tailEnd type="none" w="med" len="med"/>
+                    </a:lnR>
+                  </a:tcPr>
+                </a:tc>
+                <a:tc>
+                  <a:txBody>
+                    <a:bodyPr/>
+                    <a:lstStyle/>
+                    <a:p>
+                      <a:pPr algn="ctr"/>
+                      <a:r>
+                        <a:rPr lang="it-IT" sz="1200" b="0">
+                          <a:latin typeface="Avenir Next LT Pro" panose="020B0504020202020204" pitchFamily="34" charset="0"/>
+                        </a:rPr>
+                        <a:t>0.8245</a:t>
+                      </a:r>
+                    </a:p>
+                    <a:p>
+                      <a:pPr algn="ctr"/>
+                      <a:r>
+                        <a:rPr lang="it-IT" sz="1200" b="0">
+                          <a:latin typeface="Avenir Next LT Pro" panose="020B0504020202020204" pitchFamily="34" charset="0"/>
+                        </a:rPr>
+                        <a:t>(0.7416)</a:t>
+                      </a:r>
+                    </a:p>
+                  </a:txBody>
+                  <a:tcPr>
+                    <a:lnL w="12700" cap="flat" cmpd="sng" algn="ctr">
+                      <a:solidFill>
+                        <a:schemeClr val="tx1"/>
+                      </a:solidFill>
+                      <a:prstDash val="solid"/>
+                      <a:round/>
+                      <a:headEnd type="none" w="med" len="med"/>
+                      <a:tailEnd type="none" w="med" len="med"/>
+                    </a:lnL>
+                    <a:lnR w="12700" cap="flat" cmpd="sng" algn="ctr">
+                      <a:solidFill>
+                        <a:schemeClr val="tx1"/>
+                      </a:solidFill>
+                      <a:prstDash val="solid"/>
+                      <a:round/>
+                      <a:headEnd type="none" w="med" len="med"/>
+                      <a:tailEnd type="none" w="med" len="med"/>
+                    </a:lnR>
+                  </a:tcPr>
+                </a:tc>
+                <a:tc>
+                  <a:txBody>
+                    <a:bodyPr/>
+                    <a:lstStyle/>
+                    <a:p>
+                      <a:pPr algn="ctr"/>
+                      <a:r>
+                        <a:rPr lang="it-IT" sz="1200">
+                          <a:latin typeface="Avenir Next LT Pro" panose="020B0504020202020204" pitchFamily="34" charset="0"/>
+                        </a:rPr>
+                        <a:t>0.6540</a:t>
+                      </a:r>
+                    </a:p>
+                    <a:p>
+                      <a:pPr algn="ctr"/>
+                      <a:r>
+                        <a:rPr lang="it-IT" sz="1200">
+                          <a:latin typeface="Avenir Next LT Pro" panose="020B0504020202020204" pitchFamily="34" charset="0"/>
+                        </a:rPr>
+                        <a:t>(0.6400)</a:t>
+                      </a:r>
+                    </a:p>
+                  </a:txBody>
+                  <a:tcPr>
+                    <a:lnL w="12700" cap="flat" cmpd="sng" algn="ctr">
+                      <a:solidFill>
+                        <a:schemeClr val="tx1"/>
+                      </a:solidFill>
+                      <a:prstDash val="solid"/>
+                      <a:round/>
+                      <a:headEnd type="none" w="med" len="med"/>
+                      <a:tailEnd type="none" w="med" len="med"/>
+                    </a:lnL>
+                    <a:lnR w="12700" cap="flat" cmpd="sng" algn="ctr">
+                      <a:solidFill>
+                        <a:schemeClr val="tx1"/>
+                      </a:solidFill>
+                      <a:prstDash val="solid"/>
+                      <a:round/>
+                      <a:headEnd type="none" w="med" len="med"/>
+                      <a:tailEnd type="none" w="med" len="med"/>
+                    </a:lnR>
+                  </a:tcPr>
+                </a:tc>
+                <a:extLst>
+                  <a:ext uri="{0D108BD9-81ED-4DB2-BD59-A6C34878D82A}">
+                    <a16:rowId xmlns:a16="http://schemas.microsoft.com/office/drawing/2014/main" val="2957140650"/>
+                  </a:ext>
+                </a:extLst>
+              </a:tr>
             </a:tbl>
           </a:graphicData>
         </a:graphic>
@@ -37011,7 +40456,7 @@
         </p:nvSpPr>
         <p:spPr>
           <a:xfrm>
-            <a:off x="1997383" y="2255106"/>
+            <a:off x="2115808" y="3194250"/>
             <a:ext cx="1799112" cy="461665"/>
           </a:xfrm>
           <a:prstGeom prst="rect">
@@ -37035,17 +40480,215 @@
                   </a:schemeClr>
                 </a:solidFill>
               </a:rPr>
-              <a:t>F1-Score</a:t>
+              <a:t>F1-score</a:t>
             </a:r>
           </a:p>
         </p:txBody>
       </p:sp>
+    </p:spTree>
+    <p:extLst>
+      <p:ext uri="{BB962C8B-B14F-4D97-AF65-F5344CB8AC3E}">
+        <p14:creationId xmlns:p14="http://schemas.microsoft.com/office/powerpoint/2010/main" val="4206354097"/>
+      </p:ext>
+    </p:extLst>
+  </p:cSld>
+  <p:clrMapOvr>
+    <a:masterClrMapping/>
+  </p:clrMapOvr>
+</p:sld>
+</file>
+
+<file path=ppt/slides/slide17.xml><?xml version="1.0" encoding="utf-8"?>
+<p:sld xmlns:a="http://schemas.openxmlformats.org/drawingml/2006/main" xmlns:r="http://schemas.openxmlformats.org/officeDocument/2006/relationships" xmlns:p="http://schemas.openxmlformats.org/presentationml/2006/main">
+  <p:cSld>
+    <p:spTree>
+      <p:nvGrpSpPr>
+        <p:cNvPr id="1" name=""/>
+        <p:cNvGrpSpPr/>
+        <p:nvPr/>
+      </p:nvGrpSpPr>
+      <p:grpSpPr>
+        <a:xfrm>
+          <a:off x="0" y="0"/>
+          <a:ext cx="0" cy="0"/>
+          <a:chOff x="0" y="0"/>
+          <a:chExt cx="0" cy="0"/>
+        </a:xfrm>
+      </p:grpSpPr>
+      <p:sp>
+        <p:nvSpPr>
+          <p:cNvPr id="2" name="Titolo 1">
+            <a:extLst>
+              <a:ext uri="{FF2B5EF4-FFF2-40B4-BE49-F238E27FC236}">
+                <a16:creationId xmlns:a16="http://schemas.microsoft.com/office/drawing/2014/main" id="{E792274F-2C6D-42A4-8D80-721288892FBE}"/>
+              </a:ext>
+            </a:extLst>
+          </p:cNvPr>
+          <p:cNvSpPr>
+            <a:spLocks noGrp="1"/>
+          </p:cNvSpPr>
+          <p:nvPr>
+            <p:ph type="title"/>
+          </p:nvPr>
+        </p:nvSpPr>
+        <p:spPr/>
+        <p:txBody>
+          <a:bodyPr/>
+          <a:lstStyle/>
+          <a:p>
+            <a:r>
+              <a:rPr lang="it-IT"/>
+              <a:t>		.4 - EXPERIMENTAL RESULTS</a:t>
+            </a:r>
+          </a:p>
+        </p:txBody>
+      </p:sp>
+      <p:grpSp>
+        <p:nvGrpSpPr>
+          <p:cNvPr id="3" name="Gruppo 2">
+            <a:extLst>
+              <a:ext uri="{FF2B5EF4-FFF2-40B4-BE49-F238E27FC236}">
+                <a16:creationId xmlns:a16="http://schemas.microsoft.com/office/drawing/2014/main" id="{AFE51A2F-C543-4376-96E1-9399FABF37CE}"/>
+              </a:ext>
+            </a:extLst>
+          </p:cNvPr>
+          <p:cNvGrpSpPr/>
+          <p:nvPr/>
+        </p:nvGrpSpPr>
+        <p:grpSpPr>
+          <a:xfrm>
+            <a:off x="694062" y="866145"/>
+            <a:ext cx="719101" cy="1013800"/>
+            <a:chOff x="1" y="13513"/>
+            <a:chExt cx="602970" cy="861385"/>
+          </a:xfrm>
+        </p:grpSpPr>
+        <p:sp>
+          <p:nvSpPr>
+            <p:cNvPr id="4" name="Freccia a gallone 3">
+              <a:extLst>
+                <a:ext uri="{FF2B5EF4-FFF2-40B4-BE49-F238E27FC236}">
+                  <a16:creationId xmlns:a16="http://schemas.microsoft.com/office/drawing/2014/main" id="{FBDCB5C1-82C5-4CF2-B6D8-655A84F9C352}"/>
+                </a:ext>
+              </a:extLst>
+            </p:cNvPr>
+            <p:cNvSpPr/>
+            <p:nvPr/>
+          </p:nvSpPr>
+          <p:spPr>
+            <a:xfrm rot="5400000">
+              <a:off x="-129207" y="142721"/>
+              <a:ext cx="861385" cy="602970"/>
+            </a:xfrm>
+            <a:prstGeom prst="chevron">
+              <a:avLst/>
+            </a:prstGeom>
+            <a:solidFill>
+              <a:schemeClr val="bg1"/>
+            </a:solidFill>
+          </p:spPr>
+          <p:style>
+            <a:lnRef idx="2">
+              <a:schemeClr val="accent1">
+                <a:hueOff val="0"/>
+                <a:satOff val="0"/>
+                <a:lumOff val="0"/>
+                <a:alphaOff val="0"/>
+              </a:schemeClr>
+            </a:lnRef>
+            <a:fillRef idx="1">
+              <a:schemeClr val="accent1">
+                <a:hueOff val="0"/>
+                <a:satOff val="0"/>
+                <a:lumOff val="0"/>
+                <a:alphaOff val="0"/>
+              </a:schemeClr>
+            </a:fillRef>
+            <a:effectRef idx="0">
+              <a:schemeClr val="accent1">
+                <a:hueOff val="0"/>
+                <a:satOff val="0"/>
+                <a:lumOff val="0"/>
+                <a:alphaOff val="0"/>
+              </a:schemeClr>
+            </a:effectRef>
+            <a:fontRef idx="minor">
+              <a:schemeClr val="lt1"/>
+            </a:fontRef>
+          </p:style>
+        </p:sp>
+        <p:sp>
+          <p:nvSpPr>
+            <p:cNvPr id="5" name="Freccia a gallone 4">
+              <a:extLst>
+                <a:ext uri="{FF2B5EF4-FFF2-40B4-BE49-F238E27FC236}">
+                  <a16:creationId xmlns:a16="http://schemas.microsoft.com/office/drawing/2014/main" id="{326F6C87-E915-4BA4-8FED-405C80921F87}"/>
+                </a:ext>
+              </a:extLst>
+            </p:cNvPr>
+            <p:cNvSpPr txBox="1"/>
+            <p:nvPr/>
+          </p:nvSpPr>
+          <p:spPr>
+            <a:xfrm>
+              <a:off x="1" y="401002"/>
+              <a:ext cx="602970" cy="258415"/>
+            </a:xfrm>
+            <a:prstGeom prst="rect">
+              <a:avLst/>
+            </a:prstGeom>
+          </p:spPr>
+          <p:style>
+            <a:lnRef idx="0">
+              <a:scrgbClr r="0" g="0" b="0"/>
+            </a:lnRef>
+            <a:fillRef idx="0">
+              <a:scrgbClr r="0" g="0" b="0"/>
+            </a:fillRef>
+            <a:effectRef idx="0">
+              <a:scrgbClr r="0" g="0" b="0"/>
+            </a:effectRef>
+            <a:fontRef idx="minor">
+              <a:schemeClr val="lt1"/>
+            </a:fontRef>
+          </p:style>
+          <p:txBody>
+            <a:bodyPr spcFirstLastPara="0" vert="horz" wrap="square" lIns="10795" tIns="10795" rIns="10795" bIns="10795" numCol="1" spcCol="1270" anchor="ctr" anchorCtr="0">
+              <a:noAutofit/>
+            </a:bodyPr>
+            <a:lstStyle/>
+            <a:p>
+              <a:pPr marL="0" lvl="0" indent="0" algn="ctr" defTabSz="755650">
+                <a:lnSpc>
+                  <a:spcPct val="90000"/>
+                </a:lnSpc>
+                <a:spcBef>
+                  <a:spcPct val="0"/>
+                </a:spcBef>
+                <a:spcAft>
+                  <a:spcPct val="35000"/>
+                </a:spcAft>
+                <a:buNone/>
+              </a:pPr>
+              <a:r>
+                <a:rPr lang="it-IT" sz="2800" kern="1200">
+                  <a:solidFill>
+                    <a:schemeClr val="accent1"/>
+                  </a:solidFill>
+                  <a:latin typeface="+mj-lt"/>
+                </a:rPr>
+                <a:t>5</a:t>
+              </a:r>
+            </a:p>
+          </p:txBody>
+        </p:sp>
+      </p:grpSp>
       <p:graphicFrame>
         <p:nvGraphicFramePr>
-          <p:cNvPr id="8" name="Tabella 10">
+          <p:cNvPr id="10" name="Tabella 10">
             <a:extLst>
               <a:ext uri="{FF2B5EF4-FFF2-40B4-BE49-F238E27FC236}">
-                <a16:creationId xmlns:a16="http://schemas.microsoft.com/office/drawing/2014/main" id="{E4AFDD1F-C4B0-4DC3-8B0A-AB22D5DC190A}"/>
+                <a16:creationId xmlns:a16="http://schemas.microsoft.com/office/drawing/2014/main" id="{2D7D1767-576B-49B5-BB93-922257762A05}"/>
               </a:ext>
             </a:extLst>
           </p:cNvPr>
@@ -37055,14 +40698,14 @@
           <p:nvPr>
             <p:extLst>
               <p:ext uri="{D42A27DB-BD31-4B8C-83A1-F6EECF244321}">
-                <p14:modId xmlns:p14="http://schemas.microsoft.com/office/powerpoint/2010/main" val="450090207"/>
+                <p14:modId xmlns:p14="http://schemas.microsoft.com/office/powerpoint/2010/main" val="3398052272"/>
               </p:ext>
             </p:extLst>
           </p:nvPr>
         </p:nvGraphicFramePr>
         <p:xfrm>
-          <a:off x="1864425" y="4423047"/>
-          <a:ext cx="8463803" cy="2194560"/>
+          <a:off x="1982851" y="3025444"/>
+          <a:ext cx="8463803" cy="2651760"/>
         </p:xfrm>
         <a:graphic>
           <a:graphicData uri="http://schemas.openxmlformats.org/drawingml/2006/table">
@@ -37071,35 +40714,35 @@
                 <a:tableStyleId>{3B4B98B0-60AC-42C2-AFA5-B58CD77FA1E5}</a:tableStyleId>
               </a:tblPr>
               <a:tblGrid>
-                <a:gridCol w="2130345">
+                <a:gridCol w="2113808">
                   <a:extLst>
                     <a:ext uri="{9D8B030D-6E8A-4147-A177-3AD203B41FA5}">
                       <a16:colId xmlns:a16="http://schemas.microsoft.com/office/drawing/2014/main" val="396372187"/>
                     </a:ext>
                   </a:extLst>
                 </a:gridCol>
-                <a:gridCol w="1421391">
+                <a:gridCol w="1431399">
                   <a:extLst>
                     <a:ext uri="{9D8B030D-6E8A-4147-A177-3AD203B41FA5}">
                       <a16:colId xmlns:a16="http://schemas.microsoft.com/office/drawing/2014/main" val="1229565216"/>
                     </a:ext>
                   </a:extLst>
                 </a:gridCol>
-                <a:gridCol w="1350321">
+                <a:gridCol w="1352116">
                   <a:extLst>
                     <a:ext uri="{9D8B030D-6E8A-4147-A177-3AD203B41FA5}">
                       <a16:colId xmlns:a16="http://schemas.microsoft.com/office/drawing/2014/main" val="3000570086"/>
                     </a:ext>
                   </a:extLst>
                 </a:gridCol>
-                <a:gridCol w="1699209">
+                <a:gridCol w="1701468">
                   <a:extLst>
                     <a:ext uri="{9D8B030D-6E8A-4147-A177-3AD203B41FA5}">
                       <a16:colId xmlns:a16="http://schemas.microsoft.com/office/drawing/2014/main" val="2527479792"/>
                     </a:ext>
                   </a:extLst>
                 </a:gridCol>
-                <a:gridCol w="1862537">
+                <a:gridCol w="1865012">
                   <a:extLst>
                     <a:ext uri="{9D8B030D-6E8A-4147-A177-3AD203B41FA5}">
                       <a16:colId xmlns:a16="http://schemas.microsoft.com/office/drawing/2014/main" val="1832342877"/>
@@ -37107,7 +40750,7 @@
                   </a:extLst>
                 </a:gridCol>
               </a:tblGrid>
-              <a:tr h="354903">
+              <a:tr h="357766">
                 <a:tc>
                   <a:txBody>
                     <a:bodyPr/>
@@ -37244,7 +40887,7 @@
                         </a:lnSpc>
                       </a:pPr>
                       <a:r>
-                        <a:rPr lang="it-IT" sz="1100" u="sng">
+                        <a:rPr lang="it-IT" sz="1000" u="sng">
                           <a:latin typeface="Bahnschrift SemiBold SemiConden" panose="020B0502040204020203" pitchFamily="34" charset="0"/>
                         </a:rPr>
                         <a:t>with standardization</a:t>
@@ -37283,7 +40926,7 @@
                         </a:lnSpc>
                       </a:pPr>
                       <a:r>
-                        <a:rPr lang="it-IT" sz="1100" u="sng">
+                        <a:rPr lang="it-IT" sz="1000" u="sng">
                           <a:latin typeface="Bahnschrift SemiBold SemiConden" panose="020B0502040204020203" pitchFamily="34" charset="0"/>
                         </a:rPr>
                         <a:t>w/out standardize</a:t>
@@ -37819,7 +41462,7 @@
                     <a:p>
                       <a:pPr algn="ctr"/>
                       <a:r>
-                        <a:rPr lang="it-IT" sz="1200" b="1">
+                        <a:rPr lang="it-IT" sz="1200" b="0">
                           <a:latin typeface="Avenir Next LT Pro" panose="020B0504020202020204" pitchFamily="34" charset="0"/>
                         </a:rPr>
                         <a:t>0.869/0.654</a:t>
@@ -38129,16 +41772,224 @@
                   </a:ext>
                 </a:extLst>
               </a:tr>
+              <a:tr h="370840">
+                <a:tc>
+                  <a:txBody>
+                    <a:bodyPr/>
+                    <a:lstStyle/>
+                    <a:p>
+                      <a:r>
+                        <a:rPr lang="it-IT" sz="1400">
+                          <a:latin typeface="Bahnschrift SemiBold SemiConden" panose="020B0502040204020203" pitchFamily="34" charset="0"/>
+                        </a:rPr>
+                        <a:t>Gradient Boosted Tree</a:t>
+                      </a:r>
+                    </a:p>
+                  </a:txBody>
+                  <a:tcPr anchor="ctr">
+                    <a:lnR w="12700" cap="flat" cmpd="sng" algn="ctr">
+                      <a:solidFill>
+                        <a:schemeClr val="tx1"/>
+                      </a:solidFill>
+                      <a:prstDash val="solid"/>
+                      <a:round/>
+                      <a:headEnd type="none" w="med" len="med"/>
+                      <a:tailEnd type="none" w="med" len="med"/>
+                    </a:lnR>
+                  </a:tcPr>
+                </a:tc>
+                <a:tc>
+                  <a:txBody>
+                    <a:bodyPr/>
+                    <a:lstStyle/>
+                    <a:p>
+                      <a:pPr algn="ctr"/>
+                      <a:r>
+                        <a:rPr lang="it-IT" sz="1200">
+                          <a:latin typeface="Avenir Next LT Pro" panose="020B0504020202020204" pitchFamily="34" charset="0"/>
+                        </a:rPr>
+                        <a:t>0.932/0.723</a:t>
+                      </a:r>
+                    </a:p>
+                    <a:p>
+                      <a:pPr algn="ctr"/>
+                      <a:r>
+                        <a:rPr lang="it-IT" sz="1200">
+                          <a:latin typeface="Avenir Next LT Pro" panose="020B0504020202020204" pitchFamily="34" charset="0"/>
+                        </a:rPr>
+                        <a:t>(0.637/0.844)</a:t>
+                      </a:r>
+                    </a:p>
+                  </a:txBody>
+                  <a:tcPr>
+                    <a:lnL w="12700" cap="flat" cmpd="sng" algn="ctr">
+                      <a:solidFill>
+                        <a:schemeClr val="tx1"/>
+                      </a:solidFill>
+                      <a:prstDash val="solid"/>
+                      <a:round/>
+                      <a:headEnd type="none" w="med" len="med"/>
+                      <a:tailEnd type="none" w="med" len="med"/>
+                    </a:lnL>
+                    <a:lnR w="12700" cap="flat" cmpd="sng" algn="ctr">
+                      <a:solidFill>
+                        <a:schemeClr val="tx1"/>
+                      </a:solidFill>
+                      <a:prstDash val="solid"/>
+                      <a:round/>
+                      <a:headEnd type="none" w="med" len="med"/>
+                      <a:tailEnd type="none" w="med" len="med"/>
+                    </a:lnR>
+                  </a:tcPr>
+                </a:tc>
+                <a:tc>
+                  <a:txBody>
+                    <a:bodyPr/>
+                    <a:lstStyle/>
+                    <a:p>
+                      <a:pPr algn="ctr"/>
+                      <a:r>
+                        <a:rPr lang="it-IT" sz="1200" b="0">
+                          <a:latin typeface="Avenir Next LT Pro" panose="020B0504020202020204" pitchFamily="34" charset="0"/>
+                        </a:rPr>
+                        <a:t>0.932/0.725</a:t>
+                      </a:r>
+                    </a:p>
+                    <a:p>
+                      <a:pPr algn="ctr"/>
+                      <a:r>
+                        <a:rPr lang="it-IT" sz="1200" b="0">
+                          <a:latin typeface="Avenir Next LT Pro" panose="020B0504020202020204" pitchFamily="34" charset="0"/>
+                        </a:rPr>
+                        <a:t>(0.637/0.845)</a:t>
+                      </a:r>
+                    </a:p>
+                  </a:txBody>
+                  <a:tcPr>
+                    <a:lnL w="12700" cap="flat" cmpd="sng" algn="ctr">
+                      <a:solidFill>
+                        <a:schemeClr val="tx1"/>
+                      </a:solidFill>
+                      <a:prstDash val="solid"/>
+                      <a:round/>
+                      <a:headEnd type="none" w="med" len="med"/>
+                      <a:tailEnd type="none" w="med" len="med"/>
+                    </a:lnL>
+                    <a:lnR w="12700" cap="flat" cmpd="sng" algn="ctr">
+                      <a:solidFill>
+                        <a:schemeClr val="tx1"/>
+                      </a:solidFill>
+                      <a:prstDash val="solid"/>
+                      <a:round/>
+                      <a:headEnd type="none" w="med" len="med"/>
+                      <a:tailEnd type="none" w="med" len="med"/>
+                    </a:lnR>
+                  </a:tcPr>
+                </a:tc>
+                <a:tc>
+                  <a:txBody>
+                    <a:bodyPr/>
+                    <a:lstStyle/>
+                    <a:p>
+                      <a:pPr algn="ctr"/>
+                      <a:r>
+                        <a:rPr lang="it-IT" sz="1200" b="0">
+                          <a:latin typeface="Avenir Next LT Pro" panose="020B0504020202020204" pitchFamily="34" charset="0"/>
+                        </a:rPr>
+                        <a:t>0.937/0.735</a:t>
+                      </a:r>
+                    </a:p>
+                    <a:p>
+                      <a:pPr algn="ctr"/>
+                      <a:r>
+                        <a:rPr lang="it-IT" sz="1200" b="0">
+                          <a:latin typeface="Avenir Next LT Pro" panose="020B0504020202020204" pitchFamily="34" charset="0"/>
+                        </a:rPr>
+                        <a:t>(0.652/0.859)</a:t>
+                      </a:r>
+                    </a:p>
+                  </a:txBody>
+                  <a:tcPr>
+                    <a:lnL w="12700" cap="flat" cmpd="sng" algn="ctr">
+                      <a:solidFill>
+                        <a:schemeClr val="tx1"/>
+                      </a:solidFill>
+                      <a:prstDash val="solid"/>
+                      <a:round/>
+                      <a:headEnd type="none" w="med" len="med"/>
+                      <a:tailEnd type="none" w="med" len="med"/>
+                    </a:lnL>
+                    <a:lnR w="12700" cap="flat" cmpd="sng" algn="ctr">
+                      <a:solidFill>
+                        <a:schemeClr val="tx1"/>
+                      </a:solidFill>
+                      <a:prstDash val="solid"/>
+                      <a:round/>
+                      <a:headEnd type="none" w="med" len="med"/>
+                      <a:tailEnd type="none" w="med" len="med"/>
+                    </a:lnR>
+                  </a:tcPr>
+                </a:tc>
+                <a:tc>
+                  <a:txBody>
+                    <a:bodyPr/>
+                    <a:lstStyle/>
+                    <a:p>
+                      <a:pPr algn="ctr"/>
+                      <a:r>
+                        <a:rPr lang="it-IT" sz="1200">
+                          <a:latin typeface="Avenir Next LT Pro" panose="020B0504020202020204" pitchFamily="34" charset="0"/>
+                        </a:rPr>
+                        <a:t>0.821/0.543</a:t>
+                      </a:r>
+                    </a:p>
+                    <a:p>
+                      <a:pPr algn="ctr"/>
+                      <a:r>
+                        <a:rPr lang="it-IT" sz="1200">
+                          <a:latin typeface="Avenir Next LT Pro" panose="020B0504020202020204" pitchFamily="34" charset="0"/>
+                        </a:rPr>
+                        <a:t>(0.559/0.748)</a:t>
+                      </a:r>
+                    </a:p>
+                  </a:txBody>
+                  <a:tcPr>
+                    <a:lnL w="12700" cap="flat" cmpd="sng" algn="ctr">
+                      <a:solidFill>
+                        <a:schemeClr val="tx1"/>
+                      </a:solidFill>
+                      <a:prstDash val="solid"/>
+                      <a:round/>
+                      <a:headEnd type="none" w="med" len="med"/>
+                      <a:tailEnd type="none" w="med" len="med"/>
+                    </a:lnL>
+                    <a:lnR w="12700" cap="flat" cmpd="sng" algn="ctr">
+                      <a:solidFill>
+                        <a:schemeClr val="tx1"/>
+                      </a:solidFill>
+                      <a:prstDash val="solid"/>
+                      <a:round/>
+                      <a:headEnd type="none" w="med" len="med"/>
+                      <a:tailEnd type="none" w="med" len="med"/>
+                    </a:lnR>
+                  </a:tcPr>
+                </a:tc>
+                <a:extLst>
+                  <a:ext uri="{0D108BD9-81ED-4DB2-BD59-A6C34878D82A}">
+                    <a16:rowId xmlns:a16="http://schemas.microsoft.com/office/drawing/2014/main" val="2957140650"/>
+                  </a:ext>
+                </a:extLst>
+              </a:tr>
             </a:tbl>
           </a:graphicData>
         </a:graphic>
       </p:graphicFrame>
       <p:sp>
         <p:nvSpPr>
-          <p:cNvPr id="9" name="CasellaDiTesto 8">
+          <p:cNvPr id="6" name="CasellaDiTesto 5">
             <a:extLst>
               <a:ext uri="{FF2B5EF4-FFF2-40B4-BE49-F238E27FC236}">
-                <a16:creationId xmlns:a16="http://schemas.microsoft.com/office/drawing/2014/main" id="{E5DF370F-4775-4942-A08E-47F2C147807C}"/>
+                <a16:creationId xmlns:a16="http://schemas.microsoft.com/office/drawing/2014/main" id="{BC619C78-40E2-4630-9699-7D2EFDB53A63}"/>
               </a:ext>
             </a:extLst>
           </p:cNvPr>
@@ -38147,7 +41998,7 @@
         </p:nvSpPr>
         <p:spPr>
           <a:xfrm>
-            <a:off x="1997383" y="4620045"/>
+            <a:off x="2115808" y="3194250"/>
             <a:ext cx="1799112" cy="461665"/>
           </a:xfrm>
           <a:prstGeom prst="rect">
@@ -38179,7 +42030,7 @@
     </p:spTree>
     <p:extLst>
       <p:ext uri="{BB962C8B-B14F-4D97-AF65-F5344CB8AC3E}">
-        <p14:creationId xmlns:p14="http://schemas.microsoft.com/office/powerpoint/2010/main" val="478267495"/>
+        <p14:creationId xmlns:p14="http://schemas.microsoft.com/office/powerpoint/2010/main" val="264595775"/>
       </p:ext>
     </p:extLst>
   </p:cSld>
@@ -41020,192 +44871,12 @@
           <a:chExt cx="0" cy="0"/>
         </a:xfrm>
       </p:grpSpPr>
-      <p:graphicFrame>
-        <p:nvGraphicFramePr>
-          <p:cNvPr id="9" name="Diagramma 8">
-            <a:extLst>
-              <a:ext uri="{FF2B5EF4-FFF2-40B4-BE49-F238E27FC236}">
-                <a16:creationId xmlns:a16="http://schemas.microsoft.com/office/drawing/2014/main" id="{F6FFC892-A2DA-4041-9A82-B5EEDFF04C4C}"/>
-              </a:ext>
-            </a:extLst>
-          </p:cNvPr>
-          <p:cNvGraphicFramePr/>
-          <p:nvPr>
-            <p:extLst>
-              <p:ext uri="{D42A27DB-BD31-4B8C-83A1-F6EECF244321}">
-                <p14:modId xmlns:p14="http://schemas.microsoft.com/office/powerpoint/2010/main" val="3825467006"/>
-              </p:ext>
-            </p:extLst>
-          </p:nvPr>
-        </p:nvGraphicFramePr>
-        <p:xfrm>
-          <a:off x="941730" y="665018"/>
-          <a:ext cx="10805648" cy="4191120"/>
-        </p:xfrm>
-        <a:graphic>
-          <a:graphicData uri="http://schemas.openxmlformats.org/drawingml/2006/diagram">
-            <dgm:relIds xmlns:dgm="http://schemas.openxmlformats.org/drawingml/2006/diagram" xmlns:r="http://schemas.openxmlformats.org/officeDocument/2006/relationships" r:dm="rId2" r:lo="rId3" r:qs="rId4" r:cs="rId5"/>
-          </a:graphicData>
-        </a:graphic>
-      </p:graphicFrame>
-      <p:sp>
-        <p:nvSpPr>
-          <p:cNvPr id="15" name="Rettangolo 14">
-            <a:extLst>
-              <a:ext uri="{FF2B5EF4-FFF2-40B4-BE49-F238E27FC236}">
-                <a16:creationId xmlns:a16="http://schemas.microsoft.com/office/drawing/2014/main" id="{40F0E09B-41AB-4DAC-9B93-307E423A6F25}"/>
-              </a:ext>
-            </a:extLst>
-          </p:cNvPr>
-          <p:cNvSpPr/>
-          <p:nvPr/>
-        </p:nvSpPr>
-        <p:spPr>
-          <a:xfrm>
-            <a:off x="3016334" y="994560"/>
-            <a:ext cx="8550234" cy="2927483"/>
-          </a:xfrm>
-          <a:prstGeom prst="rect">
-            <a:avLst/>
-          </a:prstGeom>
-          <a:solidFill>
-            <a:schemeClr val="bg2"/>
-          </a:solidFill>
-          <a:ln>
-            <a:solidFill>
-              <a:schemeClr val="accent1"/>
-            </a:solidFill>
-          </a:ln>
-        </p:spPr>
-        <p:style>
-          <a:lnRef idx="2">
-            <a:schemeClr val="accent1">
-              <a:shade val="50000"/>
-            </a:schemeClr>
-          </a:lnRef>
-          <a:fillRef idx="1">
-            <a:schemeClr val="accent1"/>
-          </a:fillRef>
-          <a:effectRef idx="0">
-            <a:schemeClr val="accent1"/>
-          </a:effectRef>
-          <a:fontRef idx="minor">
-            <a:schemeClr val="lt1"/>
-          </a:fontRef>
-        </p:style>
-        <p:txBody>
-          <a:bodyPr rtlCol="0" anchor="ctr"/>
-          <a:lstStyle/>
-          <a:p>
-            <a:pPr algn="ctr"/>
-            <a:endParaRPr lang="it-IT"/>
-          </a:p>
-        </p:txBody>
-      </p:sp>
-      <p:sp>
-        <p:nvSpPr>
-          <p:cNvPr id="46" name="Rettangolo 45">
-            <a:extLst>
-              <a:ext uri="{FF2B5EF4-FFF2-40B4-BE49-F238E27FC236}">
-                <a16:creationId xmlns:a16="http://schemas.microsoft.com/office/drawing/2014/main" id="{BC51594A-18E8-43A6-9C3D-A3802B18A3BC}"/>
-              </a:ext>
-            </a:extLst>
-          </p:cNvPr>
-          <p:cNvSpPr/>
-          <p:nvPr/>
-        </p:nvSpPr>
-        <p:spPr>
-          <a:xfrm>
-            <a:off x="5643356" y="1110927"/>
-            <a:ext cx="1457566" cy="685324"/>
-          </a:xfrm>
-          <a:prstGeom prst="rect">
-            <a:avLst/>
-          </a:prstGeom>
-          <a:solidFill>
-            <a:schemeClr val="accent2"/>
-          </a:solidFill>
-        </p:spPr>
-        <p:style>
-          <a:lnRef idx="2">
-            <a:schemeClr val="accent1">
-              <a:shade val="50000"/>
-            </a:schemeClr>
-          </a:lnRef>
-          <a:fillRef idx="1">
-            <a:schemeClr val="accent1"/>
-          </a:fillRef>
-          <a:effectRef idx="0">
-            <a:schemeClr val="accent1"/>
-          </a:effectRef>
-          <a:fontRef idx="minor">
-            <a:schemeClr val="lt1"/>
-          </a:fontRef>
-        </p:style>
-        <p:txBody>
-          <a:bodyPr rtlCol="0" anchor="ctr"/>
-          <a:lstStyle/>
-          <a:p>
-            <a:pPr algn="ctr"/>
-            <a:endParaRPr lang="it-IT"/>
-          </a:p>
-        </p:txBody>
-      </p:sp>
-      <p:sp>
-        <p:nvSpPr>
-          <p:cNvPr id="70" name="Rettangolo 69">
-            <a:extLst>
-              <a:ext uri="{FF2B5EF4-FFF2-40B4-BE49-F238E27FC236}">
-                <a16:creationId xmlns:a16="http://schemas.microsoft.com/office/drawing/2014/main" id="{57C3EAEB-2099-4981-8032-5885B730AB37}"/>
-              </a:ext>
-            </a:extLst>
-          </p:cNvPr>
-          <p:cNvSpPr/>
-          <p:nvPr/>
-        </p:nvSpPr>
-        <p:spPr>
-          <a:xfrm>
-            <a:off x="3992683" y="2565741"/>
-            <a:ext cx="1728559" cy="979715"/>
-          </a:xfrm>
-          <a:prstGeom prst="rect">
-            <a:avLst/>
-          </a:prstGeom>
-          <a:solidFill>
-            <a:schemeClr val="accent2"/>
-          </a:solidFill>
-        </p:spPr>
-        <p:style>
-          <a:lnRef idx="2">
-            <a:schemeClr val="accent1">
-              <a:shade val="50000"/>
-            </a:schemeClr>
-          </a:lnRef>
-          <a:fillRef idx="1">
-            <a:schemeClr val="accent1"/>
-          </a:fillRef>
-          <a:effectRef idx="0">
-            <a:schemeClr val="accent1"/>
-          </a:effectRef>
-          <a:fontRef idx="minor">
-            <a:schemeClr val="lt1"/>
-          </a:fontRef>
-        </p:style>
-        <p:txBody>
-          <a:bodyPr rtlCol="0" anchor="ctr"/>
-          <a:lstStyle/>
-          <a:p>
-            <a:pPr algn="ctr"/>
-            <a:endParaRPr lang="it-IT"/>
-          </a:p>
-        </p:txBody>
-      </p:sp>
       <p:sp>
         <p:nvSpPr>
           <p:cNvPr id="2" name="Titolo 1">
             <a:extLst>
               <a:ext uri="{FF2B5EF4-FFF2-40B4-BE49-F238E27FC236}">
-                <a16:creationId xmlns:a16="http://schemas.microsoft.com/office/drawing/2014/main" id="{F57ABEAC-5DA0-47D5-B592-1250ECB0E91C}"/>
+                <a16:creationId xmlns:a16="http://schemas.microsoft.com/office/drawing/2014/main" id="{455BADF2-F8CC-40EA-A252-D513956D3571}"/>
               </a:ext>
             </a:extLst>
           </p:cNvPr>
@@ -41216,40 +44887,260 @@
             <p:ph type="title"/>
           </p:nvPr>
         </p:nvSpPr>
-        <p:spPr>
-          <a:xfrm>
-            <a:off x="581192" y="5262296"/>
-            <a:ext cx="6045239" cy="689514"/>
-          </a:xfrm>
-        </p:spPr>
+        <p:spPr/>
         <p:txBody>
-          <a:bodyPr>
-            <a:noAutofit/>
-          </a:bodyPr>
+          <a:bodyPr/>
           <a:lstStyle/>
           <a:p>
             <a:r>
-              <a:rPr lang="it-IT" sz="2800"/>
-              <a:t>		</a:t>
+              <a:rPr lang="it-IT"/>
+              <a:t>		.3.1 – FEATURE ENGINEERING - Standardization</a:t>
+            </a:r>
+          </a:p>
+        </p:txBody>
+      </p:sp>
+      <p:sp>
+        <p:nvSpPr>
+          <p:cNvPr id="3" name="Segnaposto contenuto 2">
+            <a:extLst>
+              <a:ext uri="{FF2B5EF4-FFF2-40B4-BE49-F238E27FC236}">
+                <a16:creationId xmlns:a16="http://schemas.microsoft.com/office/drawing/2014/main" id="{AD817CCC-EFB0-4054-BD56-6E5FE8F3859F}"/>
+              </a:ext>
+            </a:extLst>
+          </p:cNvPr>
+          <p:cNvSpPr>
+            <a:spLocks noGrp="1"/>
+          </p:cNvSpPr>
+          <p:nvPr>
+            <p:ph idx="1"/>
+          </p:nvPr>
+        </p:nvSpPr>
+        <p:spPr/>
+        <p:txBody>
+          <a:bodyPr/>
+          <a:lstStyle/>
+          <a:p>
+            <a:r>
+              <a:rPr lang="it-IT"/>
+              <a:t>Some categorical features have a </a:t>
             </a:r>
             <a:r>
-              <a:rPr lang="it-IT" sz="2800">
+              <a:rPr lang="it-IT">
                 <a:solidFill>
-                  <a:schemeClr val="bg1"/>
+                  <a:schemeClr val="accent2"/>
                 </a:solidFill>
               </a:rPr>
-              <a:t>MACHINE LEARNING PIPELINE</a:t>
+              <a:t>lot a different values</a:t>
             </a:r>
-            <a:endParaRPr lang="it-IT" sz="2800"/>
+          </a:p>
+          <a:p>
+            <a:r>
+              <a:rPr lang="it-IT">
+                <a:solidFill>
+                  <a:srgbClr val="3D3D3D"/>
+                </a:solidFill>
+              </a:rPr>
+              <a:t>This</a:t>
+            </a:r>
+            <a:r>
+              <a:rPr lang="it-IT">
+                <a:solidFill>
+                  <a:schemeClr val="accent2"/>
+                </a:solidFill>
+              </a:rPr>
+              <a:t> </a:t>
+            </a:r>
+            <a:r>
+              <a:rPr lang="it-IT">
+                <a:solidFill>
+                  <a:srgbClr val="3D3D3D"/>
+                </a:solidFill>
+              </a:rPr>
+              <a:t>will leads to a </a:t>
+            </a:r>
+            <a:r>
+              <a:rPr lang="it-IT">
+                <a:solidFill>
+                  <a:schemeClr val="accent2"/>
+                </a:solidFill>
+              </a:rPr>
+              <a:t>lot of new features </a:t>
+            </a:r>
+            <a:r>
+              <a:rPr lang="it-IT">
+                <a:solidFill>
+                  <a:srgbClr val="3D3D3D"/>
+                </a:solidFill>
+              </a:rPr>
+              <a:t>after applying One Hot Encoding</a:t>
+            </a:r>
+          </a:p>
+          <a:p>
+            <a:r>
+              <a:rPr lang="it-IT">
+                <a:solidFill>
+                  <a:srgbClr val="3D3D3D"/>
+                </a:solidFill>
+              </a:rPr>
+              <a:t>I decided to </a:t>
+            </a:r>
+            <a:r>
+              <a:rPr lang="it-IT" i="1">
+                <a:solidFill>
+                  <a:srgbClr val="3D3D3D"/>
+                </a:solidFill>
+              </a:rPr>
+              <a:t>«Standardize» </a:t>
+            </a:r>
+            <a:r>
+              <a:rPr lang="it-IT">
+                <a:solidFill>
+                  <a:srgbClr val="3D3D3D"/>
+                </a:solidFill>
+              </a:rPr>
+              <a:t>the values of some features</a:t>
+            </a:r>
+          </a:p>
+          <a:p>
+            <a:pPr lvl="1"/>
+            <a:r>
+              <a:rPr lang="it-IT">
+                <a:solidFill>
+                  <a:srgbClr val="3D3D3D"/>
+                </a:solidFill>
+              </a:rPr>
+              <a:t>For instance, the features </a:t>
+            </a:r>
+            <a:r>
+              <a:rPr lang="it-IT">
+                <a:solidFill>
+                  <a:schemeClr val="accent2"/>
+                </a:solidFill>
+                <a:latin typeface="Courier New" panose="02070309020205020404" pitchFamily="49" charset="0"/>
+                <a:cs typeface="Courier New" panose="02070309020205020404" pitchFamily="49" charset="0"/>
+              </a:rPr>
+              <a:t>P_emaildomain </a:t>
+            </a:r>
+            <a:r>
+              <a:rPr lang="it-IT">
+                <a:solidFill>
+                  <a:srgbClr val="3D3D3D"/>
+                </a:solidFill>
+                <a:latin typeface="Gill Sans MT (Corpo)"/>
+                <a:cs typeface="Courier New" panose="02070309020205020404" pitchFamily="49" charset="0"/>
+              </a:rPr>
+              <a:t>and </a:t>
+            </a:r>
+            <a:r>
+              <a:rPr lang="it-IT">
+                <a:solidFill>
+                  <a:schemeClr val="accent2"/>
+                </a:solidFill>
+                <a:latin typeface="Courier New" panose="02070309020205020404" pitchFamily="49" charset="0"/>
+                <a:cs typeface="Courier New" panose="02070309020205020404" pitchFamily="49" charset="0"/>
+              </a:rPr>
+              <a:t>R_emaildomain </a:t>
+            </a:r>
+            <a:r>
+              <a:rPr lang="it-IT">
+                <a:solidFill>
+                  <a:srgbClr val="3D3D3D"/>
+                </a:solidFill>
+                <a:latin typeface="Gill Sans MT (Corpo)"/>
+                <a:cs typeface="Courier New" panose="02070309020205020404" pitchFamily="49" charset="0"/>
+              </a:rPr>
+              <a:t>have a lot of different values like</a:t>
+            </a:r>
+          </a:p>
+          <a:p>
+            <a:pPr lvl="1"/>
+            <a:r>
+              <a:rPr lang="it-IT" i="1">
+                <a:solidFill>
+                  <a:srgbClr val="3D3D3D"/>
+                </a:solidFill>
+                <a:latin typeface="Gill Sans MT (Corpo)"/>
+                <a:cs typeface="Courier New" panose="02070309020205020404" pitchFamily="49" charset="0"/>
+              </a:rPr>
+              <a:t>Yahoo.co.uk, yahoo.de, yahoo.co.jp etc.</a:t>
+            </a:r>
+            <a:r>
+              <a:rPr lang="it-IT">
+                <a:solidFill>
+                  <a:srgbClr val="3D3D3D"/>
+                </a:solidFill>
+                <a:latin typeface="Gill Sans MT (Corpo)"/>
+                <a:cs typeface="Courier New" panose="02070309020205020404" pitchFamily="49" charset="0"/>
+              </a:rPr>
+              <a:t> I take that features and replace with a common </a:t>
+            </a:r>
+            <a:r>
+              <a:rPr lang="it-IT" b="1">
+                <a:solidFill>
+                  <a:srgbClr val="3D3D3D"/>
+                </a:solidFill>
+                <a:latin typeface="Gill Sans MT (Corpo)"/>
+                <a:cs typeface="Courier New" panose="02070309020205020404" pitchFamily="49" charset="0"/>
+              </a:rPr>
+              <a:t>yahoo</a:t>
+            </a:r>
+            <a:r>
+              <a:rPr lang="it-IT">
+                <a:solidFill>
+                  <a:srgbClr val="3D3D3D"/>
+                </a:solidFill>
+                <a:latin typeface="Gill Sans MT (Corpo)"/>
+                <a:cs typeface="Courier New" panose="02070309020205020404" pitchFamily="49" charset="0"/>
+              </a:rPr>
+              <a:t>.</a:t>
+            </a:r>
+          </a:p>
+          <a:p>
+            <a:pPr lvl="1"/>
+            <a:r>
+              <a:rPr lang="it-IT">
+                <a:solidFill>
+                  <a:srgbClr val="3D3D3D"/>
+                </a:solidFill>
+                <a:latin typeface="Gill Sans MT (Corpo)"/>
+                <a:cs typeface="Courier New" panose="02070309020205020404" pitchFamily="49" charset="0"/>
+              </a:rPr>
+              <a:t>So also for other domains owned by google have been renamed with </a:t>
+            </a:r>
+            <a:r>
+              <a:rPr lang="it-IT" b="1">
+                <a:solidFill>
+                  <a:srgbClr val="3D3D3D"/>
+                </a:solidFill>
+                <a:latin typeface="Gill Sans MT (Corpo)"/>
+                <a:cs typeface="Courier New" panose="02070309020205020404" pitchFamily="49" charset="0"/>
+              </a:rPr>
+              <a:t>google</a:t>
+            </a:r>
+            <a:r>
+              <a:rPr lang="it-IT">
+                <a:solidFill>
+                  <a:srgbClr val="3D3D3D"/>
+                </a:solidFill>
+                <a:latin typeface="Gill Sans MT (Corpo)"/>
+                <a:cs typeface="Courier New" panose="02070309020205020404" pitchFamily="49" charset="0"/>
+              </a:rPr>
+              <a:t>, and so on …</a:t>
+            </a:r>
+            <a:endParaRPr lang="it-IT">
+              <a:solidFill>
+                <a:schemeClr val="accent2"/>
+              </a:solidFill>
+            </a:endParaRPr>
           </a:p>
         </p:txBody>
       </p:sp>
       <p:grpSp>
         <p:nvGrpSpPr>
-          <p:cNvPr id="5" name="Gruppo 4">
+          <p:cNvPr id="4" name="Gruppo 3">
             <a:extLst>
               <a:ext uri="{FF2B5EF4-FFF2-40B4-BE49-F238E27FC236}">
-                <a16:creationId xmlns:a16="http://schemas.microsoft.com/office/drawing/2014/main" id="{AC785D0C-D03F-42C5-8F47-D223FCBE92E3}"/>
+                <a16:creationId xmlns:a16="http://schemas.microsoft.com/office/drawing/2014/main" id="{5F6F962D-42AC-4995-9533-8E0005C10D82}"/>
               </a:ext>
             </a:extLst>
           </p:cNvPr>
@@ -41257,19 +45148,19 @@
           <p:nvPr/>
         </p:nvGrpSpPr>
         <p:grpSpPr>
-          <a:xfrm rot="10800000">
-            <a:off x="673890" y="5014562"/>
-            <a:ext cx="719101" cy="1242237"/>
+          <a:xfrm>
+            <a:off x="694062" y="866145"/>
+            <a:ext cx="719101" cy="1013800"/>
             <a:chOff x="1" y="13513"/>
             <a:chExt cx="602970" cy="861385"/>
           </a:xfrm>
         </p:grpSpPr>
         <p:sp>
           <p:nvSpPr>
-            <p:cNvPr id="6" name="Freccia a gallone 5">
+            <p:cNvPr id="5" name="Freccia a gallone 4">
               <a:extLst>
                 <a:ext uri="{FF2B5EF4-FFF2-40B4-BE49-F238E27FC236}">
-                  <a16:creationId xmlns:a16="http://schemas.microsoft.com/office/drawing/2014/main" id="{1296C5B9-2C50-43AE-8B4F-4D2765C36C60}"/>
+                  <a16:creationId xmlns:a16="http://schemas.microsoft.com/office/drawing/2014/main" id="{A2642C5C-CB2B-415B-BB30-EB5F1AED8A4B}"/>
                 </a:ext>
               </a:extLst>
             </p:cNvPr>
@@ -41320,10 +45211,10 @@
         </p:sp>
         <p:sp>
           <p:nvSpPr>
-            <p:cNvPr id="7" name="Freccia a gallone 4">
+            <p:cNvPr id="6" name="Freccia a gallone 4">
               <a:extLst>
                 <a:ext uri="{FF2B5EF4-FFF2-40B4-BE49-F238E27FC236}">
-                  <a16:creationId xmlns:a16="http://schemas.microsoft.com/office/drawing/2014/main" id="{67B896C2-2632-4C6A-BCB8-1009ED79D4DC}"/>
+                  <a16:creationId xmlns:a16="http://schemas.microsoft.com/office/drawing/2014/main" id="{BD6AF1C0-DC09-4D76-877C-1ED90EEE01D5}"/>
                 </a:ext>
               </a:extLst>
             </p:cNvPr>
@@ -41331,8 +45222,8 @@
             <p:nvPr/>
           </p:nvSpPr>
           <p:spPr>
-            <a:xfrm rot="10800000">
-              <a:off x="1" y="334849"/>
+            <a:xfrm>
+              <a:off x="1" y="401002"/>
               <a:ext cx="602970" cy="258415"/>
             </a:xfrm>
             <a:prstGeom prst="rect">
@@ -41378,7 +45269,7 @@
                   </a:solidFill>
                   <a:latin typeface="+mj-lt"/>
                 </a:rPr>
-                <a:t>4</a:t>
+                <a:t>3</a:t>
               </a:r>
               <a:endParaRPr lang="it-IT" sz="2800" kern="1200">
                 <a:solidFill>
@@ -41390,1883 +45281,10 @@
           </p:txBody>
         </p:sp>
       </p:grpSp>
-      <p:sp>
-        <p:nvSpPr>
-          <p:cNvPr id="14" name="CasellaDiTesto 13">
-            <a:extLst>
-              <a:ext uri="{FF2B5EF4-FFF2-40B4-BE49-F238E27FC236}">
-                <a16:creationId xmlns:a16="http://schemas.microsoft.com/office/drawing/2014/main" id="{B3A0FBDC-449C-4786-A0E8-61BAE4515086}"/>
-              </a:ext>
-            </a:extLst>
-          </p:cNvPr>
-          <p:cNvSpPr txBox="1"/>
-          <p:nvPr/>
-        </p:nvSpPr>
-        <p:spPr>
-          <a:xfrm rot="16200000">
-            <a:off x="1745919" y="1360143"/>
-            <a:ext cx="516576" cy="307777"/>
-          </a:xfrm>
-          <a:prstGeom prst="rect">
-            <a:avLst/>
-          </a:prstGeom>
-          <a:noFill/>
-        </p:spPr>
-        <p:txBody>
-          <a:bodyPr wrap="square" rtlCol="0">
-            <a:spAutoFit/>
-          </a:bodyPr>
-          <a:lstStyle/>
-          <a:p>
-            <a:r>
-              <a:rPr lang="it-IT" sz="1400"/>
-              <a:t>train</a:t>
-            </a:r>
-          </a:p>
-        </p:txBody>
-      </p:sp>
-      <p:sp>
-        <p:nvSpPr>
-          <p:cNvPr id="16" name="Ovale 15">
-            <a:extLst>
-              <a:ext uri="{FF2B5EF4-FFF2-40B4-BE49-F238E27FC236}">
-                <a16:creationId xmlns:a16="http://schemas.microsoft.com/office/drawing/2014/main" id="{9DFD3DC3-2D69-4307-A971-7724FC981D30}"/>
-              </a:ext>
-            </a:extLst>
-          </p:cNvPr>
-          <p:cNvSpPr/>
-          <p:nvPr/>
-        </p:nvSpPr>
-        <p:spPr>
-          <a:xfrm>
-            <a:off x="2945081" y="2242198"/>
-            <a:ext cx="142503" cy="150679"/>
-          </a:xfrm>
-          <a:prstGeom prst="ellipse">
-            <a:avLst/>
-          </a:prstGeom>
-        </p:spPr>
-        <p:style>
-          <a:lnRef idx="2">
-            <a:schemeClr val="accent1">
-              <a:shade val="50000"/>
-            </a:schemeClr>
-          </a:lnRef>
-          <a:fillRef idx="1">
-            <a:schemeClr val="accent1"/>
-          </a:fillRef>
-          <a:effectRef idx="0">
-            <a:schemeClr val="accent1"/>
-          </a:effectRef>
-          <a:fontRef idx="minor">
-            <a:schemeClr val="lt1"/>
-          </a:fontRef>
-        </p:style>
-        <p:txBody>
-          <a:bodyPr rtlCol="0" anchor="ctr"/>
-          <a:lstStyle/>
-          <a:p>
-            <a:pPr algn="ctr"/>
-            <a:endParaRPr lang="it-IT"/>
-          </a:p>
-        </p:txBody>
-      </p:sp>
-      <p:grpSp>
-        <p:nvGrpSpPr>
-          <p:cNvPr id="17" name="Gruppo 16">
-            <a:extLst>
-              <a:ext uri="{FF2B5EF4-FFF2-40B4-BE49-F238E27FC236}">
-                <a16:creationId xmlns:a16="http://schemas.microsoft.com/office/drawing/2014/main" id="{3FDE4707-AE78-46F5-ACEE-0B1077596045}"/>
-              </a:ext>
-            </a:extLst>
-          </p:cNvPr>
-          <p:cNvGrpSpPr/>
-          <p:nvPr/>
-        </p:nvGrpSpPr>
-        <p:grpSpPr>
-          <a:xfrm>
-            <a:off x="4097249" y="1227975"/>
-            <a:ext cx="1110084" cy="422695"/>
-            <a:chOff x="0" y="1260317"/>
-            <a:chExt cx="1230557" cy="518820"/>
-          </a:xfrm>
-        </p:grpSpPr>
-        <p:sp>
-          <p:nvSpPr>
-            <p:cNvPr id="18" name="Rettangolo 17">
-              <a:extLst>
-                <a:ext uri="{FF2B5EF4-FFF2-40B4-BE49-F238E27FC236}">
-                  <a16:creationId xmlns:a16="http://schemas.microsoft.com/office/drawing/2014/main" id="{AB9E0424-C42D-49D1-AEF8-A5C304BEA0A7}"/>
-                </a:ext>
-              </a:extLst>
-            </p:cNvPr>
-            <p:cNvSpPr/>
-            <p:nvPr/>
-          </p:nvSpPr>
-          <p:spPr>
-            <a:xfrm>
-              <a:off x="0" y="1260317"/>
-              <a:ext cx="1230557" cy="518820"/>
-            </a:xfrm>
-            <a:prstGeom prst="rect">
-              <a:avLst/>
-            </a:prstGeom>
-          </p:spPr>
-          <p:style>
-            <a:lnRef idx="2">
-              <a:schemeClr val="lt1">
-                <a:hueOff val="0"/>
-                <a:satOff val="0"/>
-                <a:lumOff val="0"/>
-                <a:alphaOff val="0"/>
-              </a:schemeClr>
-            </a:lnRef>
-            <a:fillRef idx="1">
-              <a:schemeClr val="accent1">
-                <a:hueOff val="0"/>
-                <a:satOff val="0"/>
-                <a:lumOff val="0"/>
-                <a:alphaOff val="0"/>
-              </a:schemeClr>
-            </a:fillRef>
-            <a:effectRef idx="0">
-              <a:schemeClr val="accent1">
-                <a:hueOff val="0"/>
-                <a:satOff val="0"/>
-                <a:lumOff val="0"/>
-                <a:alphaOff val="0"/>
-              </a:schemeClr>
-            </a:effectRef>
-            <a:fontRef idx="minor">
-              <a:schemeClr val="lt1"/>
-            </a:fontRef>
-          </p:style>
-        </p:sp>
-        <p:sp>
-          <p:nvSpPr>
-            <p:cNvPr id="19" name="CasellaDiTesto 18">
-              <a:extLst>
-                <a:ext uri="{FF2B5EF4-FFF2-40B4-BE49-F238E27FC236}">
-                  <a16:creationId xmlns:a16="http://schemas.microsoft.com/office/drawing/2014/main" id="{4236A34D-A70C-46C7-ABC7-80E093A50ECF}"/>
-                </a:ext>
-              </a:extLst>
-            </p:cNvPr>
-            <p:cNvSpPr txBox="1"/>
-            <p:nvPr/>
-          </p:nvSpPr>
-          <p:spPr>
-            <a:xfrm>
-              <a:off x="0" y="1260317"/>
-              <a:ext cx="1230557" cy="518820"/>
-            </a:xfrm>
-            <a:prstGeom prst="rect">
-              <a:avLst/>
-            </a:prstGeom>
-          </p:spPr>
-          <p:style>
-            <a:lnRef idx="0">
-              <a:scrgbClr r="0" g="0" b="0"/>
-            </a:lnRef>
-            <a:fillRef idx="0">
-              <a:scrgbClr r="0" g="0" b="0"/>
-            </a:fillRef>
-            <a:effectRef idx="0">
-              <a:scrgbClr r="0" g="0" b="0"/>
-            </a:effectRef>
-            <a:fontRef idx="minor">
-              <a:schemeClr val="lt1"/>
-            </a:fontRef>
-          </p:style>
-          <p:txBody>
-            <a:bodyPr spcFirstLastPara="0" vert="horz" wrap="square" lIns="12700" tIns="12700" rIns="12700" bIns="12700" numCol="1" spcCol="1270" anchor="ctr" anchorCtr="0">
-              <a:noAutofit/>
-            </a:bodyPr>
-            <a:lstStyle/>
-            <a:p>
-              <a:pPr marL="0" lvl="0" indent="0" algn="ctr" defTabSz="889000">
-                <a:lnSpc>
-                  <a:spcPct val="90000"/>
-                </a:lnSpc>
-                <a:spcBef>
-                  <a:spcPct val="0"/>
-                </a:spcBef>
-                <a:spcAft>
-                  <a:spcPct val="35000"/>
-                </a:spcAft>
-                <a:buNone/>
-              </a:pPr>
-              <a:r>
-                <a:rPr lang="it-IT" sz="2000" kern="1200"/>
-                <a:t>Indexer</a:t>
-              </a:r>
-            </a:p>
-          </p:txBody>
-        </p:sp>
-      </p:grpSp>
-      <p:grpSp>
-        <p:nvGrpSpPr>
-          <p:cNvPr id="20" name="Gruppo 19">
-            <a:extLst>
-              <a:ext uri="{FF2B5EF4-FFF2-40B4-BE49-F238E27FC236}">
-                <a16:creationId xmlns:a16="http://schemas.microsoft.com/office/drawing/2014/main" id="{3F96D4F0-53A1-4951-A483-D7E4B6BA6C7D}"/>
-              </a:ext>
-            </a:extLst>
-          </p:cNvPr>
-          <p:cNvGrpSpPr/>
-          <p:nvPr/>
-        </p:nvGrpSpPr>
-        <p:grpSpPr>
-          <a:xfrm>
-            <a:off x="5721242" y="1220635"/>
-            <a:ext cx="1110084" cy="422695"/>
-            <a:chOff x="0" y="1260317"/>
-            <a:chExt cx="1230557" cy="518820"/>
-          </a:xfrm>
-        </p:grpSpPr>
-        <p:sp>
-          <p:nvSpPr>
-            <p:cNvPr id="21" name="Rettangolo 20">
-              <a:extLst>
-                <a:ext uri="{FF2B5EF4-FFF2-40B4-BE49-F238E27FC236}">
-                  <a16:creationId xmlns:a16="http://schemas.microsoft.com/office/drawing/2014/main" id="{477631D8-C7FB-49B2-9D3B-F0B287F8DB04}"/>
-                </a:ext>
-              </a:extLst>
-            </p:cNvPr>
-            <p:cNvSpPr/>
-            <p:nvPr/>
-          </p:nvSpPr>
-          <p:spPr>
-            <a:xfrm>
-              <a:off x="0" y="1260317"/>
-              <a:ext cx="1230557" cy="518820"/>
-            </a:xfrm>
-            <a:prstGeom prst="rect">
-              <a:avLst/>
-            </a:prstGeom>
-          </p:spPr>
-          <p:style>
-            <a:lnRef idx="2">
-              <a:schemeClr val="lt1">
-                <a:hueOff val="0"/>
-                <a:satOff val="0"/>
-                <a:lumOff val="0"/>
-                <a:alphaOff val="0"/>
-              </a:schemeClr>
-            </a:lnRef>
-            <a:fillRef idx="1">
-              <a:schemeClr val="accent1">
-                <a:hueOff val="0"/>
-                <a:satOff val="0"/>
-                <a:lumOff val="0"/>
-                <a:alphaOff val="0"/>
-              </a:schemeClr>
-            </a:fillRef>
-            <a:effectRef idx="0">
-              <a:schemeClr val="accent1">
-                <a:hueOff val="0"/>
-                <a:satOff val="0"/>
-                <a:lumOff val="0"/>
-                <a:alphaOff val="0"/>
-              </a:schemeClr>
-            </a:effectRef>
-            <a:fontRef idx="minor">
-              <a:schemeClr val="lt1"/>
-            </a:fontRef>
-          </p:style>
-        </p:sp>
-        <p:sp>
-          <p:nvSpPr>
-            <p:cNvPr id="22" name="CasellaDiTesto 21">
-              <a:extLst>
-                <a:ext uri="{FF2B5EF4-FFF2-40B4-BE49-F238E27FC236}">
-                  <a16:creationId xmlns:a16="http://schemas.microsoft.com/office/drawing/2014/main" id="{36011455-EBA3-4BD9-A467-63C50C140C1E}"/>
-                </a:ext>
-              </a:extLst>
-            </p:cNvPr>
-            <p:cNvSpPr txBox="1"/>
-            <p:nvPr/>
-          </p:nvSpPr>
-          <p:spPr>
-            <a:xfrm>
-              <a:off x="0" y="1260317"/>
-              <a:ext cx="1230557" cy="518820"/>
-            </a:xfrm>
-            <a:prstGeom prst="rect">
-              <a:avLst/>
-            </a:prstGeom>
-          </p:spPr>
-          <p:style>
-            <a:lnRef idx="0">
-              <a:scrgbClr r="0" g="0" b="0"/>
-            </a:lnRef>
-            <a:fillRef idx="0">
-              <a:scrgbClr r="0" g="0" b="0"/>
-            </a:fillRef>
-            <a:effectRef idx="0">
-              <a:scrgbClr r="0" g="0" b="0"/>
-            </a:effectRef>
-            <a:fontRef idx="minor">
-              <a:schemeClr val="lt1"/>
-            </a:fontRef>
-          </p:style>
-          <p:txBody>
-            <a:bodyPr spcFirstLastPara="0" vert="horz" wrap="square" lIns="12700" tIns="12700" rIns="12700" bIns="12700" numCol="1" spcCol="1270" anchor="ctr" anchorCtr="0">
-              <a:noAutofit/>
-            </a:bodyPr>
-            <a:lstStyle/>
-            <a:p>
-              <a:pPr marL="0" lvl="0" indent="0" algn="ctr" defTabSz="889000">
-                <a:lnSpc>
-                  <a:spcPct val="90000"/>
-                </a:lnSpc>
-                <a:spcBef>
-                  <a:spcPct val="0"/>
-                </a:spcBef>
-                <a:spcAft>
-                  <a:spcPct val="35000"/>
-                </a:spcAft>
-                <a:buNone/>
-              </a:pPr>
-              <a:r>
-                <a:rPr lang="it-IT" sz="2000" kern="1200"/>
-                <a:t>OHE</a:t>
-              </a:r>
-            </a:p>
-          </p:txBody>
-        </p:sp>
-      </p:grpSp>
-      <p:sp>
-        <p:nvSpPr>
-          <p:cNvPr id="23" name="CasellaDiTesto 22">
-            <a:extLst>
-              <a:ext uri="{FF2B5EF4-FFF2-40B4-BE49-F238E27FC236}">
-                <a16:creationId xmlns:a16="http://schemas.microsoft.com/office/drawing/2014/main" id="{40B7D99C-8444-4C7F-B2B6-518200B7BD24}"/>
-              </a:ext>
-            </a:extLst>
-          </p:cNvPr>
-          <p:cNvSpPr txBox="1"/>
-          <p:nvPr/>
-        </p:nvSpPr>
-        <p:spPr>
-          <a:xfrm>
-            <a:off x="2977552" y="3922050"/>
-            <a:ext cx="2039774" cy="307777"/>
-          </a:xfrm>
-          <a:prstGeom prst="rect">
-            <a:avLst/>
-          </a:prstGeom>
-          <a:noFill/>
-        </p:spPr>
-        <p:txBody>
-          <a:bodyPr wrap="square" rtlCol="0">
-            <a:spAutoFit/>
-          </a:bodyPr>
-          <a:lstStyle/>
-          <a:p>
-            <a:r>
-              <a:rPr lang="it-IT" sz="1400"/>
-              <a:t>General Training Pipeline</a:t>
-            </a:r>
-          </a:p>
-        </p:txBody>
-      </p:sp>
-      <p:cxnSp>
-        <p:nvCxnSpPr>
-          <p:cNvPr id="31" name="Connettore 2 30">
-            <a:extLst>
-              <a:ext uri="{FF2B5EF4-FFF2-40B4-BE49-F238E27FC236}">
-                <a16:creationId xmlns:a16="http://schemas.microsoft.com/office/drawing/2014/main" id="{CA8B0056-D325-4B27-859E-DAF3DE55833A}"/>
-              </a:ext>
-            </a:extLst>
-          </p:cNvPr>
-          <p:cNvCxnSpPr>
-            <a:cxnSpLocks/>
-            <a:endCxn id="51" idx="0"/>
-          </p:cNvCxnSpPr>
-          <p:nvPr/>
-        </p:nvCxnSpPr>
-        <p:spPr>
-          <a:xfrm>
-            <a:off x="1923811" y="1282468"/>
-            <a:ext cx="0" cy="542075"/>
-          </a:xfrm>
-          <a:prstGeom prst="straightConnector1">
-            <a:avLst/>
-          </a:prstGeom>
-          <a:ln>
-            <a:tailEnd type="triangle"/>
-          </a:ln>
-        </p:spPr>
-        <p:style>
-          <a:lnRef idx="1">
-            <a:schemeClr val="accent1"/>
-          </a:lnRef>
-          <a:fillRef idx="0">
-            <a:schemeClr val="accent1"/>
-          </a:fillRef>
-          <a:effectRef idx="0">
-            <a:schemeClr val="accent1"/>
-          </a:effectRef>
-          <a:fontRef idx="minor">
-            <a:schemeClr val="tx1"/>
-          </a:fontRef>
-        </p:style>
-      </p:cxnSp>
-      <p:cxnSp>
-        <p:nvCxnSpPr>
-          <p:cNvPr id="33" name="Connettore 2 32">
-            <a:extLst>
-              <a:ext uri="{FF2B5EF4-FFF2-40B4-BE49-F238E27FC236}">
-                <a16:creationId xmlns:a16="http://schemas.microsoft.com/office/drawing/2014/main" id="{9B9267DA-F0FF-4087-85D9-ED89E1F73214}"/>
-              </a:ext>
-            </a:extLst>
-          </p:cNvPr>
-          <p:cNvCxnSpPr>
-            <a:cxnSpLocks/>
-            <a:stCxn id="18" idx="3"/>
-            <a:endCxn id="21" idx="1"/>
-          </p:cNvCxnSpPr>
-          <p:nvPr/>
-        </p:nvCxnSpPr>
-        <p:spPr>
-          <a:xfrm flipV="1">
-            <a:off x="5207333" y="1431983"/>
-            <a:ext cx="513909" cy="7340"/>
-          </a:xfrm>
-          <a:prstGeom prst="straightConnector1">
-            <a:avLst/>
-          </a:prstGeom>
-          <a:ln>
-            <a:tailEnd type="triangle"/>
-          </a:ln>
-        </p:spPr>
-        <p:style>
-          <a:lnRef idx="1">
-            <a:schemeClr val="accent1"/>
-          </a:lnRef>
-          <a:fillRef idx="0">
-            <a:schemeClr val="accent1"/>
-          </a:fillRef>
-          <a:effectRef idx="0">
-            <a:schemeClr val="accent1"/>
-          </a:effectRef>
-          <a:fontRef idx="minor">
-            <a:schemeClr val="tx1"/>
-          </a:fontRef>
-        </p:style>
-      </p:cxnSp>
-      <p:cxnSp>
-        <p:nvCxnSpPr>
-          <p:cNvPr id="36" name="Connettore 2 35">
-            <a:extLst>
-              <a:ext uri="{FF2B5EF4-FFF2-40B4-BE49-F238E27FC236}">
-                <a16:creationId xmlns:a16="http://schemas.microsoft.com/office/drawing/2014/main" id="{6CD83B85-C16E-427D-95ED-FB48650368CD}"/>
-              </a:ext>
-            </a:extLst>
-          </p:cNvPr>
-          <p:cNvCxnSpPr>
-            <a:cxnSpLocks/>
-            <a:stCxn id="16" idx="7"/>
-            <a:endCxn id="19" idx="1"/>
-          </p:cNvCxnSpPr>
-          <p:nvPr/>
-        </p:nvCxnSpPr>
-        <p:spPr>
-          <a:xfrm flipV="1">
-            <a:off x="3066715" y="1439323"/>
-            <a:ext cx="1030534" cy="824941"/>
-          </a:xfrm>
-          <a:prstGeom prst="straightConnector1">
-            <a:avLst/>
-          </a:prstGeom>
-          <a:ln>
-            <a:tailEnd type="triangle"/>
-          </a:ln>
-        </p:spPr>
-        <p:style>
-          <a:lnRef idx="1">
-            <a:schemeClr val="accent1"/>
-          </a:lnRef>
-          <a:fillRef idx="0">
-            <a:schemeClr val="accent1"/>
-          </a:fillRef>
-          <a:effectRef idx="0">
-            <a:schemeClr val="accent1"/>
-          </a:effectRef>
-          <a:fontRef idx="minor">
-            <a:schemeClr val="tx1"/>
-          </a:fontRef>
-        </p:style>
-      </p:cxnSp>
-      <p:sp>
-        <p:nvSpPr>
-          <p:cNvPr id="39" name="CasellaDiTesto 38">
-            <a:extLst>
-              <a:ext uri="{FF2B5EF4-FFF2-40B4-BE49-F238E27FC236}">
-                <a16:creationId xmlns:a16="http://schemas.microsoft.com/office/drawing/2014/main" id="{46D280A3-801B-4E7E-9A32-F0C7E0F21DA4}"/>
-              </a:ext>
-            </a:extLst>
-          </p:cNvPr>
-          <p:cNvSpPr txBox="1"/>
-          <p:nvPr/>
-        </p:nvSpPr>
-        <p:spPr>
-          <a:xfrm rot="19298652">
-            <a:off x="2967750" y="1610669"/>
-            <a:ext cx="975755" cy="307777"/>
-          </a:xfrm>
-          <a:prstGeom prst="rect">
-            <a:avLst/>
-          </a:prstGeom>
-          <a:noFill/>
-        </p:spPr>
-        <p:txBody>
-          <a:bodyPr wrap="square" rtlCol="0">
-            <a:spAutoFit/>
-          </a:bodyPr>
-          <a:lstStyle/>
-          <a:p>
-            <a:r>
-              <a:rPr lang="it-IT" sz="1400"/>
-              <a:t>categorical</a:t>
-            </a:r>
-          </a:p>
-        </p:txBody>
-      </p:sp>
-      <p:grpSp>
-        <p:nvGrpSpPr>
-          <p:cNvPr id="40" name="Gruppo 39">
-            <a:extLst>
-              <a:ext uri="{FF2B5EF4-FFF2-40B4-BE49-F238E27FC236}">
-                <a16:creationId xmlns:a16="http://schemas.microsoft.com/office/drawing/2014/main" id="{3FBE3049-0F00-4549-B1E9-3BC10A7F7F89}"/>
-              </a:ext>
-            </a:extLst>
-          </p:cNvPr>
-          <p:cNvGrpSpPr/>
-          <p:nvPr/>
-        </p:nvGrpSpPr>
-        <p:grpSpPr>
-          <a:xfrm>
-            <a:off x="6593793" y="2028076"/>
-            <a:ext cx="1383215" cy="630437"/>
-            <a:chOff x="0" y="1245986"/>
-            <a:chExt cx="1230557" cy="533151"/>
-          </a:xfrm>
-        </p:grpSpPr>
-        <p:sp>
-          <p:nvSpPr>
-            <p:cNvPr id="41" name="Rettangolo 40">
-              <a:extLst>
-                <a:ext uri="{FF2B5EF4-FFF2-40B4-BE49-F238E27FC236}">
-                  <a16:creationId xmlns:a16="http://schemas.microsoft.com/office/drawing/2014/main" id="{07CC50A7-AA09-49A8-9D4A-10DFBFFCD9DA}"/>
-                </a:ext>
-              </a:extLst>
-            </p:cNvPr>
-            <p:cNvSpPr/>
-            <p:nvPr/>
-          </p:nvSpPr>
-          <p:spPr>
-            <a:xfrm>
-              <a:off x="0" y="1260317"/>
-              <a:ext cx="1230557" cy="518820"/>
-            </a:xfrm>
-            <a:prstGeom prst="rect">
-              <a:avLst/>
-            </a:prstGeom>
-          </p:spPr>
-          <p:style>
-            <a:lnRef idx="2">
-              <a:schemeClr val="lt1">
-                <a:hueOff val="0"/>
-                <a:satOff val="0"/>
-                <a:lumOff val="0"/>
-                <a:alphaOff val="0"/>
-              </a:schemeClr>
-            </a:lnRef>
-            <a:fillRef idx="1">
-              <a:schemeClr val="accent1">
-                <a:hueOff val="0"/>
-                <a:satOff val="0"/>
-                <a:lumOff val="0"/>
-                <a:alphaOff val="0"/>
-              </a:schemeClr>
-            </a:fillRef>
-            <a:effectRef idx="0">
-              <a:schemeClr val="accent1">
-                <a:hueOff val="0"/>
-                <a:satOff val="0"/>
-                <a:lumOff val="0"/>
-                <a:alphaOff val="0"/>
-              </a:schemeClr>
-            </a:effectRef>
-            <a:fontRef idx="minor">
-              <a:schemeClr val="lt1"/>
-            </a:fontRef>
-          </p:style>
-        </p:sp>
-        <p:sp>
-          <p:nvSpPr>
-            <p:cNvPr id="42" name="CasellaDiTesto 41">
-              <a:extLst>
-                <a:ext uri="{FF2B5EF4-FFF2-40B4-BE49-F238E27FC236}">
-                  <a16:creationId xmlns:a16="http://schemas.microsoft.com/office/drawing/2014/main" id="{434398DB-747F-41E9-8150-B549A75C2D29}"/>
-                </a:ext>
-              </a:extLst>
-            </p:cNvPr>
-            <p:cNvSpPr txBox="1"/>
-            <p:nvPr/>
-          </p:nvSpPr>
-          <p:spPr>
-            <a:xfrm>
-              <a:off x="0" y="1245986"/>
-              <a:ext cx="1230557" cy="533151"/>
-            </a:xfrm>
-            <a:prstGeom prst="rect">
-              <a:avLst/>
-            </a:prstGeom>
-          </p:spPr>
-          <p:style>
-            <a:lnRef idx="0">
-              <a:scrgbClr r="0" g="0" b="0"/>
-            </a:lnRef>
-            <a:fillRef idx="0">
-              <a:scrgbClr r="0" g="0" b="0"/>
-            </a:fillRef>
-            <a:effectRef idx="0">
-              <a:scrgbClr r="0" g="0" b="0"/>
-            </a:effectRef>
-            <a:fontRef idx="minor">
-              <a:schemeClr val="lt1"/>
-            </a:fontRef>
-          </p:style>
-          <p:txBody>
-            <a:bodyPr spcFirstLastPara="0" vert="horz" wrap="square" lIns="12700" tIns="12700" rIns="12700" bIns="12700" numCol="1" spcCol="1270" anchor="ctr" anchorCtr="0">
-              <a:noAutofit/>
-            </a:bodyPr>
-            <a:lstStyle/>
-            <a:p>
-              <a:pPr marL="0" lvl="0" indent="0" algn="ctr" defTabSz="889000">
-                <a:lnSpc>
-                  <a:spcPct val="90000"/>
-                </a:lnSpc>
-                <a:spcBef>
-                  <a:spcPct val="0"/>
-                </a:spcBef>
-                <a:spcAft>
-                  <a:spcPct val="35000"/>
-                </a:spcAft>
-                <a:buNone/>
-              </a:pPr>
-              <a:r>
-                <a:rPr lang="it-IT" sz="2000"/>
-                <a:t>Vector Assembler</a:t>
-              </a:r>
-              <a:endParaRPr lang="it-IT" sz="2000" kern="1200"/>
-            </a:p>
-          </p:txBody>
-        </p:sp>
-      </p:grpSp>
-      <p:cxnSp>
-        <p:nvCxnSpPr>
-          <p:cNvPr id="43" name="Connettore 2 42">
-            <a:extLst>
-              <a:ext uri="{FF2B5EF4-FFF2-40B4-BE49-F238E27FC236}">
-                <a16:creationId xmlns:a16="http://schemas.microsoft.com/office/drawing/2014/main" id="{C4143324-848D-447C-AD3F-B33D9A7FF02B}"/>
-              </a:ext>
-            </a:extLst>
-          </p:cNvPr>
-          <p:cNvCxnSpPr>
-            <a:cxnSpLocks/>
-            <a:stCxn id="16" idx="5"/>
-            <a:endCxn id="70" idx="1"/>
-          </p:cNvCxnSpPr>
-          <p:nvPr/>
-        </p:nvCxnSpPr>
-        <p:spPr>
-          <a:xfrm>
-            <a:off x="3066715" y="2370811"/>
-            <a:ext cx="925968" cy="684788"/>
-          </a:xfrm>
-          <a:prstGeom prst="straightConnector1">
-            <a:avLst/>
-          </a:prstGeom>
-          <a:ln>
-            <a:tailEnd type="triangle"/>
-          </a:ln>
-        </p:spPr>
-        <p:style>
-          <a:lnRef idx="1">
-            <a:schemeClr val="accent1"/>
-          </a:lnRef>
-          <a:fillRef idx="0">
-            <a:schemeClr val="accent1"/>
-          </a:fillRef>
-          <a:effectRef idx="0">
-            <a:schemeClr val="accent1"/>
-          </a:effectRef>
-          <a:fontRef idx="minor">
-            <a:schemeClr val="tx1"/>
-          </a:fontRef>
-        </p:style>
-      </p:cxnSp>
-      <p:sp>
-        <p:nvSpPr>
-          <p:cNvPr id="47" name="CasellaDiTesto 46">
-            <a:extLst>
-              <a:ext uri="{FF2B5EF4-FFF2-40B4-BE49-F238E27FC236}">
-                <a16:creationId xmlns:a16="http://schemas.microsoft.com/office/drawing/2014/main" id="{5B1000C0-C800-4EE0-8729-6C681C6A8AA5}"/>
-              </a:ext>
-            </a:extLst>
-          </p:cNvPr>
-          <p:cNvSpPr txBox="1"/>
-          <p:nvPr/>
-        </p:nvSpPr>
-        <p:spPr>
-          <a:xfrm rot="2276771">
-            <a:off x="2992885" y="2627697"/>
-            <a:ext cx="975755" cy="307777"/>
-          </a:xfrm>
-          <a:prstGeom prst="rect">
-            <a:avLst/>
-          </a:prstGeom>
-          <a:noFill/>
-        </p:spPr>
-        <p:txBody>
-          <a:bodyPr wrap="square" rtlCol="0">
-            <a:spAutoFit/>
-          </a:bodyPr>
-          <a:lstStyle/>
-          <a:p>
-            <a:r>
-              <a:rPr lang="it-IT" sz="1400"/>
-              <a:t>numerical</a:t>
-            </a:r>
-          </a:p>
-        </p:txBody>
-      </p:sp>
-      <p:graphicFrame>
-        <p:nvGraphicFramePr>
-          <p:cNvPr id="49" name="Diagramma 48">
-            <a:extLst>
-              <a:ext uri="{FF2B5EF4-FFF2-40B4-BE49-F238E27FC236}">
-                <a16:creationId xmlns:a16="http://schemas.microsoft.com/office/drawing/2014/main" id="{5C00419B-C4EA-42FC-8C6F-77B1A841460D}"/>
-              </a:ext>
-            </a:extLst>
-          </p:cNvPr>
-          <p:cNvGraphicFramePr/>
-          <p:nvPr>
-            <p:extLst>
-              <p:ext uri="{D42A27DB-BD31-4B8C-83A1-F6EECF244321}">
-                <p14:modId xmlns:p14="http://schemas.microsoft.com/office/powerpoint/2010/main" val="3608394129"/>
-              </p:ext>
-            </p:extLst>
-          </p:nvPr>
-        </p:nvGraphicFramePr>
-        <p:xfrm>
-          <a:off x="8077949" y="1227975"/>
-          <a:ext cx="3705055" cy="2230641"/>
-        </p:xfrm>
-        <a:graphic>
-          <a:graphicData uri="http://schemas.openxmlformats.org/drawingml/2006/diagram">
-            <dgm:relIds xmlns:dgm="http://schemas.openxmlformats.org/drawingml/2006/diagram" xmlns:r="http://schemas.openxmlformats.org/officeDocument/2006/relationships" r:dm="rId7" r:lo="rId8" r:qs="rId9" r:cs="rId10"/>
-          </a:graphicData>
-        </a:graphic>
-      </p:graphicFrame>
-      <p:cxnSp>
-        <p:nvCxnSpPr>
-          <p:cNvPr id="50" name="Connettore 2 49">
-            <a:extLst>
-              <a:ext uri="{FF2B5EF4-FFF2-40B4-BE49-F238E27FC236}">
-                <a16:creationId xmlns:a16="http://schemas.microsoft.com/office/drawing/2014/main" id="{45F695FC-8256-484C-BF20-32736EFA4DBA}"/>
-              </a:ext>
-            </a:extLst>
-          </p:cNvPr>
-          <p:cNvCxnSpPr>
-            <a:cxnSpLocks/>
-            <a:stCxn id="22" idx="2"/>
-            <a:endCxn id="59" idx="0"/>
-          </p:cNvCxnSpPr>
-          <p:nvPr/>
-        </p:nvCxnSpPr>
-        <p:spPr>
-          <a:xfrm rot="5400000">
-            <a:off x="4972185" y="1524761"/>
-            <a:ext cx="1185531" cy="1422668"/>
-          </a:xfrm>
-          <a:prstGeom prst="bentConnector3">
-            <a:avLst>
-              <a:gd name="adj1" fmla="val 50000"/>
-            </a:avLst>
-          </a:prstGeom>
-          <a:ln>
-            <a:tailEnd type="triangle"/>
-          </a:ln>
-        </p:spPr>
-        <p:style>
-          <a:lnRef idx="1">
-            <a:schemeClr val="accent1"/>
-          </a:lnRef>
-          <a:fillRef idx="0">
-            <a:schemeClr val="accent1"/>
-          </a:fillRef>
-          <a:effectRef idx="0">
-            <a:schemeClr val="accent1"/>
-          </a:effectRef>
-          <a:fontRef idx="minor">
-            <a:schemeClr val="tx1"/>
-          </a:fontRef>
-        </p:style>
-      </p:cxnSp>
-      <p:grpSp>
-        <p:nvGrpSpPr>
-          <p:cNvPr id="57" name="Gruppo 56">
-            <a:extLst>
-              <a:ext uri="{FF2B5EF4-FFF2-40B4-BE49-F238E27FC236}">
-                <a16:creationId xmlns:a16="http://schemas.microsoft.com/office/drawing/2014/main" id="{2CA449B6-0E40-4A50-A94D-F6872A2BFB66}"/>
-              </a:ext>
-            </a:extLst>
-          </p:cNvPr>
-          <p:cNvGrpSpPr/>
-          <p:nvPr/>
-        </p:nvGrpSpPr>
-        <p:grpSpPr>
-          <a:xfrm>
-            <a:off x="4162008" y="2828861"/>
-            <a:ext cx="1383215" cy="630437"/>
-            <a:chOff x="0" y="1245986"/>
-            <a:chExt cx="1230557" cy="533151"/>
-          </a:xfrm>
-        </p:grpSpPr>
-        <p:sp>
-          <p:nvSpPr>
-            <p:cNvPr id="58" name="Rettangolo 57">
-              <a:extLst>
-                <a:ext uri="{FF2B5EF4-FFF2-40B4-BE49-F238E27FC236}">
-                  <a16:creationId xmlns:a16="http://schemas.microsoft.com/office/drawing/2014/main" id="{7AA6EF16-F1D9-4742-A63C-AB22738E35AE}"/>
-                </a:ext>
-              </a:extLst>
-            </p:cNvPr>
-            <p:cNvSpPr/>
-            <p:nvPr/>
-          </p:nvSpPr>
-          <p:spPr>
-            <a:xfrm>
-              <a:off x="0" y="1260317"/>
-              <a:ext cx="1230557" cy="518820"/>
-            </a:xfrm>
-            <a:prstGeom prst="rect">
-              <a:avLst/>
-            </a:prstGeom>
-          </p:spPr>
-          <p:style>
-            <a:lnRef idx="2">
-              <a:schemeClr val="lt1">
-                <a:hueOff val="0"/>
-                <a:satOff val="0"/>
-                <a:lumOff val="0"/>
-                <a:alphaOff val="0"/>
-              </a:schemeClr>
-            </a:lnRef>
-            <a:fillRef idx="1">
-              <a:schemeClr val="accent1">
-                <a:hueOff val="0"/>
-                <a:satOff val="0"/>
-                <a:lumOff val="0"/>
-                <a:alphaOff val="0"/>
-              </a:schemeClr>
-            </a:fillRef>
-            <a:effectRef idx="0">
-              <a:schemeClr val="accent1">
-                <a:hueOff val="0"/>
-                <a:satOff val="0"/>
-                <a:lumOff val="0"/>
-                <a:alphaOff val="0"/>
-              </a:schemeClr>
-            </a:effectRef>
-            <a:fontRef idx="minor">
-              <a:schemeClr val="lt1"/>
-            </a:fontRef>
-          </p:style>
-        </p:sp>
-        <p:sp>
-          <p:nvSpPr>
-            <p:cNvPr id="59" name="CasellaDiTesto 58">
-              <a:extLst>
-                <a:ext uri="{FF2B5EF4-FFF2-40B4-BE49-F238E27FC236}">
-                  <a16:creationId xmlns:a16="http://schemas.microsoft.com/office/drawing/2014/main" id="{AA29DD57-0B68-49DE-8A8A-8FB64F83FBDA}"/>
-                </a:ext>
-              </a:extLst>
-            </p:cNvPr>
-            <p:cNvSpPr txBox="1"/>
-            <p:nvPr/>
-          </p:nvSpPr>
-          <p:spPr>
-            <a:xfrm>
-              <a:off x="0" y="1245986"/>
-              <a:ext cx="1230557" cy="533151"/>
-            </a:xfrm>
-            <a:prstGeom prst="rect">
-              <a:avLst/>
-            </a:prstGeom>
-          </p:spPr>
-          <p:style>
-            <a:lnRef idx="0">
-              <a:scrgbClr r="0" g="0" b="0"/>
-            </a:lnRef>
-            <a:fillRef idx="0">
-              <a:scrgbClr r="0" g="0" b="0"/>
-            </a:fillRef>
-            <a:effectRef idx="0">
-              <a:scrgbClr r="0" g="0" b="0"/>
-            </a:effectRef>
-            <a:fontRef idx="minor">
-              <a:schemeClr val="lt1"/>
-            </a:fontRef>
-          </p:style>
-          <p:txBody>
-            <a:bodyPr spcFirstLastPara="0" vert="horz" wrap="square" lIns="12700" tIns="12700" rIns="12700" bIns="12700" numCol="1" spcCol="1270" anchor="ctr" anchorCtr="0">
-              <a:noAutofit/>
-            </a:bodyPr>
-            <a:lstStyle/>
-            <a:p>
-              <a:pPr marL="0" lvl="0" indent="0" algn="ctr" defTabSz="889000">
-                <a:lnSpc>
-                  <a:spcPct val="90000"/>
-                </a:lnSpc>
-                <a:spcBef>
-                  <a:spcPct val="0"/>
-                </a:spcBef>
-                <a:spcAft>
-                  <a:spcPct val="35000"/>
-                </a:spcAft>
-                <a:buNone/>
-              </a:pPr>
-              <a:r>
-                <a:rPr lang="it-IT" sz="2000" kern="1200"/>
-                <a:t>Standard Scaler</a:t>
-              </a:r>
-            </a:p>
-          </p:txBody>
-        </p:sp>
-      </p:grpSp>
-      <p:sp>
-        <p:nvSpPr>
-          <p:cNvPr id="75" name="CasellaDiTesto 74">
-            <a:extLst>
-              <a:ext uri="{FF2B5EF4-FFF2-40B4-BE49-F238E27FC236}">
-                <a16:creationId xmlns:a16="http://schemas.microsoft.com/office/drawing/2014/main" id="{5C245682-A481-4D1F-B99B-EE2DD56B34E0}"/>
-              </a:ext>
-            </a:extLst>
-          </p:cNvPr>
-          <p:cNvSpPr txBox="1"/>
-          <p:nvPr/>
-        </p:nvSpPr>
-        <p:spPr>
-          <a:xfrm rot="16200000">
-            <a:off x="6534716" y="1296187"/>
-            <a:ext cx="832001" cy="307777"/>
-          </a:xfrm>
-          <a:prstGeom prst="rect">
-            <a:avLst/>
-          </a:prstGeom>
-          <a:noFill/>
-        </p:spPr>
-        <p:txBody>
-          <a:bodyPr wrap="square" rtlCol="0">
-            <a:spAutoFit/>
-          </a:bodyPr>
-          <a:lstStyle/>
-          <a:p>
-            <a:r>
-              <a:rPr lang="it-IT" sz="1400"/>
-              <a:t>Optional</a:t>
-            </a:r>
-          </a:p>
-        </p:txBody>
-      </p:sp>
-      <p:cxnSp>
-        <p:nvCxnSpPr>
-          <p:cNvPr id="77" name="Connettore 2 49">
-            <a:extLst>
-              <a:ext uri="{FF2B5EF4-FFF2-40B4-BE49-F238E27FC236}">
-                <a16:creationId xmlns:a16="http://schemas.microsoft.com/office/drawing/2014/main" id="{6C219F9B-D111-4198-A2AA-8B0204B39374}"/>
-              </a:ext>
-            </a:extLst>
-          </p:cNvPr>
-          <p:cNvCxnSpPr>
-            <a:cxnSpLocks/>
-            <a:stCxn id="58" idx="3"/>
-            <a:endCxn id="42" idx="2"/>
-          </p:cNvCxnSpPr>
-          <p:nvPr/>
-        </p:nvCxnSpPr>
-        <p:spPr>
-          <a:xfrm flipV="1">
-            <a:off x="5545223" y="2658513"/>
-            <a:ext cx="1740178" cy="494040"/>
-          </a:xfrm>
-          <a:prstGeom prst="bentConnector2">
-            <a:avLst/>
-          </a:prstGeom>
-          <a:ln>
-            <a:tailEnd type="triangle"/>
-          </a:ln>
-        </p:spPr>
-        <p:style>
-          <a:lnRef idx="1">
-            <a:schemeClr val="accent1"/>
-          </a:lnRef>
-          <a:fillRef idx="0">
-            <a:schemeClr val="accent1"/>
-          </a:fillRef>
-          <a:effectRef idx="0">
-            <a:schemeClr val="accent1"/>
-          </a:effectRef>
-          <a:fontRef idx="minor">
-            <a:schemeClr val="tx1"/>
-          </a:fontRef>
-        </p:style>
-      </p:cxnSp>
-      <p:cxnSp>
-        <p:nvCxnSpPr>
-          <p:cNvPr id="83" name="Connettore 2 82">
-            <a:extLst>
-              <a:ext uri="{FF2B5EF4-FFF2-40B4-BE49-F238E27FC236}">
-                <a16:creationId xmlns:a16="http://schemas.microsoft.com/office/drawing/2014/main" id="{19D15B5C-B660-4397-A7E9-029E08A9713F}"/>
-              </a:ext>
-            </a:extLst>
-          </p:cNvPr>
-          <p:cNvCxnSpPr>
-            <a:cxnSpLocks/>
-          </p:cNvCxnSpPr>
-          <p:nvPr/>
-        </p:nvCxnSpPr>
-        <p:spPr>
-          <a:xfrm>
-            <a:off x="7977008" y="2347096"/>
-            <a:ext cx="543539" cy="0"/>
-          </a:xfrm>
-          <a:prstGeom prst="straightConnector1">
-            <a:avLst/>
-          </a:prstGeom>
-          <a:ln>
-            <a:tailEnd type="triangle"/>
-          </a:ln>
-        </p:spPr>
-        <p:style>
-          <a:lnRef idx="1">
-            <a:schemeClr val="accent1"/>
-          </a:lnRef>
-          <a:fillRef idx="0">
-            <a:schemeClr val="accent1"/>
-          </a:fillRef>
-          <a:effectRef idx="0">
-            <a:schemeClr val="accent1"/>
-          </a:effectRef>
-          <a:fontRef idx="minor">
-            <a:schemeClr val="tx1"/>
-          </a:fontRef>
-        </p:style>
-      </p:cxnSp>
-      <p:sp>
-        <p:nvSpPr>
-          <p:cNvPr id="85" name="Ovale 84">
-            <a:extLst>
-              <a:ext uri="{FF2B5EF4-FFF2-40B4-BE49-F238E27FC236}">
-                <a16:creationId xmlns:a16="http://schemas.microsoft.com/office/drawing/2014/main" id="{65A2BB08-CA21-4C24-AE22-9D7E8EADD2B4}"/>
-              </a:ext>
-            </a:extLst>
-          </p:cNvPr>
-          <p:cNvSpPr/>
-          <p:nvPr/>
-        </p:nvSpPr>
-        <p:spPr>
-          <a:xfrm>
-            <a:off x="8678884" y="3846703"/>
-            <a:ext cx="142503" cy="150679"/>
-          </a:xfrm>
-          <a:prstGeom prst="ellipse">
-            <a:avLst/>
-          </a:prstGeom>
-        </p:spPr>
-        <p:style>
-          <a:lnRef idx="2">
-            <a:schemeClr val="accent1">
-              <a:shade val="50000"/>
-            </a:schemeClr>
-          </a:lnRef>
-          <a:fillRef idx="1">
-            <a:schemeClr val="accent1"/>
-          </a:fillRef>
-          <a:effectRef idx="0">
-            <a:schemeClr val="accent1"/>
-          </a:effectRef>
-          <a:fontRef idx="minor">
-            <a:schemeClr val="lt1"/>
-          </a:fontRef>
-        </p:style>
-        <p:txBody>
-          <a:bodyPr rtlCol="0" anchor="ctr"/>
-          <a:lstStyle/>
-          <a:p>
-            <a:pPr algn="ctr"/>
-            <a:endParaRPr lang="it-IT"/>
-          </a:p>
-        </p:txBody>
-      </p:sp>
-      <p:cxnSp>
-        <p:nvCxnSpPr>
-          <p:cNvPr id="86" name="Connettore 2 85">
-            <a:extLst>
-              <a:ext uri="{FF2B5EF4-FFF2-40B4-BE49-F238E27FC236}">
-                <a16:creationId xmlns:a16="http://schemas.microsoft.com/office/drawing/2014/main" id="{7AC59CF8-77B1-4A56-AFE5-E871C9F56EEC}"/>
-              </a:ext>
-            </a:extLst>
-          </p:cNvPr>
-          <p:cNvCxnSpPr>
-            <a:cxnSpLocks/>
-          </p:cNvCxnSpPr>
-          <p:nvPr/>
-        </p:nvCxnSpPr>
-        <p:spPr>
-          <a:xfrm>
-            <a:off x="8744197" y="3458616"/>
-            <a:ext cx="1" cy="388087"/>
-          </a:xfrm>
-          <a:prstGeom prst="straightConnector1">
-            <a:avLst/>
-          </a:prstGeom>
-          <a:ln>
-            <a:tailEnd type="triangle"/>
-          </a:ln>
-        </p:spPr>
-        <p:style>
-          <a:lnRef idx="1">
-            <a:schemeClr val="accent1"/>
-          </a:lnRef>
-          <a:fillRef idx="0">
-            <a:schemeClr val="accent1"/>
-          </a:fillRef>
-          <a:effectRef idx="0">
-            <a:schemeClr val="accent1"/>
-          </a:effectRef>
-          <a:fontRef idx="minor">
-            <a:schemeClr val="tx1"/>
-          </a:fontRef>
-        </p:style>
-      </p:cxnSp>
-      <p:grpSp>
-        <p:nvGrpSpPr>
-          <p:cNvPr id="91" name="Gruppo 90">
-            <a:extLst>
-              <a:ext uri="{FF2B5EF4-FFF2-40B4-BE49-F238E27FC236}">
-                <a16:creationId xmlns:a16="http://schemas.microsoft.com/office/drawing/2014/main" id="{11714BDA-0D9F-4AB7-B169-7337793EEE3F}"/>
-              </a:ext>
-            </a:extLst>
-          </p:cNvPr>
-          <p:cNvGrpSpPr/>
-          <p:nvPr/>
-        </p:nvGrpSpPr>
-        <p:grpSpPr>
-          <a:xfrm>
-            <a:off x="8140794" y="4340115"/>
-            <a:ext cx="1230557" cy="518820"/>
-            <a:chOff x="0" y="1260317"/>
-            <a:chExt cx="1230557" cy="518820"/>
-          </a:xfrm>
-        </p:grpSpPr>
-        <p:sp>
-          <p:nvSpPr>
-            <p:cNvPr id="92" name="Rettangolo 91">
-              <a:extLst>
-                <a:ext uri="{FF2B5EF4-FFF2-40B4-BE49-F238E27FC236}">
-                  <a16:creationId xmlns:a16="http://schemas.microsoft.com/office/drawing/2014/main" id="{D90444BC-FF16-4D06-937A-C1C1CF042710}"/>
-                </a:ext>
-              </a:extLst>
-            </p:cNvPr>
-            <p:cNvSpPr/>
-            <p:nvPr/>
-          </p:nvSpPr>
-          <p:spPr>
-            <a:xfrm>
-              <a:off x="0" y="1260317"/>
-              <a:ext cx="1230557" cy="518820"/>
-            </a:xfrm>
-            <a:prstGeom prst="rect">
-              <a:avLst/>
-            </a:prstGeom>
-          </p:spPr>
-          <p:style>
-            <a:lnRef idx="2">
-              <a:schemeClr val="lt1">
-                <a:hueOff val="0"/>
-                <a:satOff val="0"/>
-                <a:lumOff val="0"/>
-                <a:alphaOff val="0"/>
-              </a:schemeClr>
-            </a:lnRef>
-            <a:fillRef idx="1">
-              <a:schemeClr val="accent1">
-                <a:hueOff val="0"/>
-                <a:satOff val="0"/>
-                <a:lumOff val="0"/>
-                <a:alphaOff val="0"/>
-              </a:schemeClr>
-            </a:fillRef>
-            <a:effectRef idx="0">
-              <a:schemeClr val="accent1">
-                <a:hueOff val="0"/>
-                <a:satOff val="0"/>
-                <a:lumOff val="0"/>
-                <a:alphaOff val="0"/>
-              </a:schemeClr>
-            </a:effectRef>
-            <a:fontRef idx="minor">
-              <a:schemeClr val="lt1"/>
-            </a:fontRef>
-          </p:style>
-        </p:sp>
-        <p:sp>
-          <p:nvSpPr>
-            <p:cNvPr id="93" name="CasellaDiTesto 92">
-              <a:extLst>
-                <a:ext uri="{FF2B5EF4-FFF2-40B4-BE49-F238E27FC236}">
-                  <a16:creationId xmlns:a16="http://schemas.microsoft.com/office/drawing/2014/main" id="{9A13E915-92E7-4203-8FA0-EB6533B5D81B}"/>
-                </a:ext>
-              </a:extLst>
-            </p:cNvPr>
-            <p:cNvSpPr txBox="1"/>
-            <p:nvPr/>
-          </p:nvSpPr>
-          <p:spPr>
-            <a:xfrm>
-              <a:off x="0" y="1260317"/>
-              <a:ext cx="1230557" cy="518820"/>
-            </a:xfrm>
-            <a:prstGeom prst="rect">
-              <a:avLst/>
-            </a:prstGeom>
-          </p:spPr>
-          <p:style>
-            <a:lnRef idx="0">
-              <a:scrgbClr r="0" g="0" b="0"/>
-            </a:lnRef>
-            <a:fillRef idx="0">
-              <a:scrgbClr r="0" g="0" b="0"/>
-            </a:fillRef>
-            <a:effectRef idx="0">
-              <a:scrgbClr r="0" g="0" b="0"/>
-            </a:effectRef>
-            <a:fontRef idx="minor">
-              <a:schemeClr val="lt1"/>
-            </a:fontRef>
-          </p:style>
-          <p:txBody>
-            <a:bodyPr spcFirstLastPara="0" vert="horz" wrap="square" lIns="12700" tIns="12700" rIns="12700" bIns="12700" numCol="1" spcCol="1270" anchor="ctr" anchorCtr="0">
-              <a:noAutofit/>
-            </a:bodyPr>
-            <a:lstStyle/>
-            <a:p>
-              <a:pPr marL="0" lvl="0" indent="0" algn="ctr" defTabSz="889000">
-                <a:lnSpc>
-                  <a:spcPct val="90000"/>
-                </a:lnSpc>
-                <a:spcBef>
-                  <a:spcPct val="0"/>
-                </a:spcBef>
-                <a:spcAft>
-                  <a:spcPct val="35000"/>
-                </a:spcAft>
-                <a:buNone/>
-              </a:pPr>
-              <a:r>
-                <a:rPr lang="it-IT" sz="2000" kern="1200"/>
-                <a:t>Test</a:t>
-              </a:r>
-            </a:p>
-          </p:txBody>
-        </p:sp>
-      </p:grpSp>
-      <p:cxnSp>
-        <p:nvCxnSpPr>
-          <p:cNvPr id="94" name="Connettore 2 93">
-            <a:extLst>
-              <a:ext uri="{FF2B5EF4-FFF2-40B4-BE49-F238E27FC236}">
-                <a16:creationId xmlns:a16="http://schemas.microsoft.com/office/drawing/2014/main" id="{E3C071BF-31C5-459F-BF3D-F27C092A402A}"/>
-              </a:ext>
-            </a:extLst>
-          </p:cNvPr>
-          <p:cNvCxnSpPr>
-            <a:cxnSpLocks/>
-            <a:stCxn id="85" idx="4"/>
-            <a:endCxn id="93" idx="0"/>
-          </p:cNvCxnSpPr>
-          <p:nvPr/>
-        </p:nvCxnSpPr>
-        <p:spPr>
-          <a:xfrm>
-            <a:off x="8750136" y="3997382"/>
-            <a:ext cx="5937" cy="342733"/>
-          </a:xfrm>
-          <a:prstGeom prst="straightConnector1">
-            <a:avLst/>
-          </a:prstGeom>
-          <a:ln>
-            <a:tailEnd type="triangle"/>
-          </a:ln>
-        </p:spPr>
-        <p:style>
-          <a:lnRef idx="1">
-            <a:schemeClr val="accent1"/>
-          </a:lnRef>
-          <a:fillRef idx="0">
-            <a:schemeClr val="accent1"/>
-          </a:fillRef>
-          <a:effectRef idx="0">
-            <a:schemeClr val="accent1"/>
-          </a:effectRef>
-          <a:fontRef idx="minor">
-            <a:schemeClr val="tx1"/>
-          </a:fontRef>
-        </p:style>
-      </p:cxnSp>
-      <p:sp>
-        <p:nvSpPr>
-          <p:cNvPr id="97" name="CasellaDiTesto 96">
-            <a:extLst>
-              <a:ext uri="{FF2B5EF4-FFF2-40B4-BE49-F238E27FC236}">
-                <a16:creationId xmlns:a16="http://schemas.microsoft.com/office/drawing/2014/main" id="{F0886EC3-ED2A-430C-8AFA-45CDA639ABE9}"/>
-              </a:ext>
-            </a:extLst>
-          </p:cNvPr>
-          <p:cNvSpPr txBox="1"/>
-          <p:nvPr/>
-        </p:nvSpPr>
-        <p:spPr>
-          <a:xfrm>
-            <a:off x="8744196" y="3971233"/>
-            <a:ext cx="690751" cy="307777"/>
-          </a:xfrm>
-          <a:prstGeom prst="rect">
-            <a:avLst/>
-          </a:prstGeom>
-          <a:noFill/>
-        </p:spPr>
-        <p:txBody>
-          <a:bodyPr wrap="square" rtlCol="0">
-            <a:spAutoFit/>
-          </a:bodyPr>
-          <a:lstStyle/>
-          <a:p>
-            <a:r>
-              <a:rPr lang="it-IT" sz="1400"/>
-              <a:t>model</a:t>
-            </a:r>
-          </a:p>
-        </p:txBody>
-      </p:sp>
-      <p:cxnSp>
-        <p:nvCxnSpPr>
-          <p:cNvPr id="98" name="Connettore 2 49">
-            <a:extLst>
-              <a:ext uri="{FF2B5EF4-FFF2-40B4-BE49-F238E27FC236}">
-                <a16:creationId xmlns:a16="http://schemas.microsoft.com/office/drawing/2014/main" id="{B35138C8-F029-4DCA-9B7E-ACE96316F5F5}"/>
-              </a:ext>
-            </a:extLst>
-          </p:cNvPr>
-          <p:cNvCxnSpPr>
-            <a:cxnSpLocks/>
-            <a:endCxn id="93" idx="1"/>
-          </p:cNvCxnSpPr>
-          <p:nvPr/>
-        </p:nvCxnSpPr>
-        <p:spPr>
-          <a:xfrm>
-            <a:off x="1517815" y="1553505"/>
-            <a:ext cx="6622979" cy="3046020"/>
-          </a:xfrm>
-          <a:prstGeom prst="bentConnector3">
-            <a:avLst>
-              <a:gd name="adj1" fmla="val -11681"/>
-            </a:avLst>
-          </a:prstGeom>
-          <a:ln>
-            <a:tailEnd type="triangle"/>
-          </a:ln>
-        </p:spPr>
-        <p:style>
-          <a:lnRef idx="1">
-            <a:schemeClr val="accent1"/>
-          </a:lnRef>
-          <a:fillRef idx="0">
-            <a:schemeClr val="accent1"/>
-          </a:fillRef>
-          <a:effectRef idx="0">
-            <a:schemeClr val="accent1"/>
-          </a:effectRef>
-          <a:fontRef idx="minor">
-            <a:schemeClr val="tx1"/>
-          </a:fontRef>
-        </p:style>
-      </p:cxnSp>
-      <p:sp>
-        <p:nvSpPr>
-          <p:cNvPr id="102" name="CasellaDiTesto 101">
-            <a:extLst>
-              <a:ext uri="{FF2B5EF4-FFF2-40B4-BE49-F238E27FC236}">
-                <a16:creationId xmlns:a16="http://schemas.microsoft.com/office/drawing/2014/main" id="{5DF1C4EA-F10F-442B-9D73-66E8F70930AE}"/>
-              </a:ext>
-            </a:extLst>
-          </p:cNvPr>
-          <p:cNvSpPr txBox="1"/>
-          <p:nvPr/>
-        </p:nvSpPr>
-        <p:spPr>
-          <a:xfrm>
-            <a:off x="1003836" y="1295288"/>
-            <a:ext cx="474197" cy="307777"/>
-          </a:xfrm>
-          <a:prstGeom prst="rect">
-            <a:avLst/>
-          </a:prstGeom>
-          <a:noFill/>
-        </p:spPr>
-        <p:txBody>
-          <a:bodyPr wrap="square" rtlCol="0">
-            <a:spAutoFit/>
-          </a:bodyPr>
-          <a:lstStyle/>
-          <a:p>
-            <a:r>
-              <a:rPr lang="it-IT" sz="1400"/>
-              <a:t>test</a:t>
-            </a:r>
-          </a:p>
-        </p:txBody>
-      </p:sp>
-      <p:sp>
-        <p:nvSpPr>
-          <p:cNvPr id="103" name="Ovale 102">
-            <a:extLst>
-              <a:ext uri="{FF2B5EF4-FFF2-40B4-BE49-F238E27FC236}">
-                <a16:creationId xmlns:a16="http://schemas.microsoft.com/office/drawing/2014/main" id="{C25CE01B-125E-4D88-8AF9-87A20456FA89}"/>
-              </a:ext>
-            </a:extLst>
-          </p:cNvPr>
-          <p:cNvSpPr/>
-          <p:nvPr/>
-        </p:nvSpPr>
-        <p:spPr>
-          <a:xfrm>
-            <a:off x="513351" y="809349"/>
-            <a:ext cx="668276" cy="418626"/>
-          </a:xfrm>
-          <a:prstGeom prst="ellipse">
-            <a:avLst/>
-          </a:prstGeom>
-        </p:spPr>
-        <p:style>
-          <a:lnRef idx="2">
-            <a:schemeClr val="accent1">
-              <a:shade val="50000"/>
-            </a:schemeClr>
-          </a:lnRef>
-          <a:fillRef idx="1">
-            <a:schemeClr val="accent1"/>
-          </a:fillRef>
-          <a:effectRef idx="0">
-            <a:schemeClr val="accent1"/>
-          </a:effectRef>
-          <a:fontRef idx="minor">
-            <a:schemeClr val="lt1"/>
-          </a:fontRef>
-        </p:style>
-        <p:txBody>
-          <a:bodyPr rtlCol="0" anchor="ctr"/>
-          <a:lstStyle/>
-          <a:p>
-            <a:pPr algn="ctr"/>
-            <a:r>
-              <a:rPr lang="it-IT" sz="1050"/>
-              <a:t>Data</a:t>
-            </a:r>
-          </a:p>
-        </p:txBody>
-      </p:sp>
-      <p:cxnSp>
-        <p:nvCxnSpPr>
-          <p:cNvPr id="104" name="Connettore 2 103">
-            <a:extLst>
-              <a:ext uri="{FF2B5EF4-FFF2-40B4-BE49-F238E27FC236}">
-                <a16:creationId xmlns:a16="http://schemas.microsoft.com/office/drawing/2014/main" id="{02D09CC2-478E-4C56-A34A-2DD5DBDD2E71}"/>
-              </a:ext>
-            </a:extLst>
-          </p:cNvPr>
-          <p:cNvCxnSpPr>
-            <a:cxnSpLocks/>
-          </p:cNvCxnSpPr>
-          <p:nvPr/>
-        </p:nvCxnSpPr>
-        <p:spPr>
-          <a:xfrm>
-            <a:off x="1181627" y="1024249"/>
-            <a:ext cx="163099" cy="0"/>
-          </a:xfrm>
-          <a:prstGeom prst="straightConnector1">
-            <a:avLst/>
-          </a:prstGeom>
-          <a:ln>
-            <a:tailEnd type="triangle"/>
-          </a:ln>
-        </p:spPr>
-        <p:style>
-          <a:lnRef idx="1">
-            <a:schemeClr val="accent1"/>
-          </a:lnRef>
-          <a:fillRef idx="0">
-            <a:schemeClr val="accent1"/>
-          </a:fillRef>
-          <a:effectRef idx="0">
-            <a:schemeClr val="accent1"/>
-          </a:effectRef>
-          <a:fontRef idx="minor">
-            <a:schemeClr val="tx1"/>
-          </a:fontRef>
-        </p:style>
-      </p:cxnSp>
-      <p:sp>
-        <p:nvSpPr>
-          <p:cNvPr id="48" name="CasellaDiTesto 47">
-            <a:extLst>
-              <a:ext uri="{FF2B5EF4-FFF2-40B4-BE49-F238E27FC236}">
-                <a16:creationId xmlns:a16="http://schemas.microsoft.com/office/drawing/2014/main" id="{A1618DD0-1DB9-44CE-BB91-DD796BA656B2}"/>
-              </a:ext>
-            </a:extLst>
-          </p:cNvPr>
-          <p:cNvSpPr txBox="1"/>
-          <p:nvPr/>
-        </p:nvSpPr>
-        <p:spPr>
-          <a:xfrm>
-            <a:off x="3960703" y="2541287"/>
-            <a:ext cx="832001" cy="307777"/>
-          </a:xfrm>
-          <a:prstGeom prst="rect">
-            <a:avLst/>
-          </a:prstGeom>
-          <a:noFill/>
-        </p:spPr>
-        <p:txBody>
-          <a:bodyPr wrap="square" rtlCol="0">
-            <a:spAutoFit/>
-          </a:bodyPr>
-          <a:lstStyle/>
-          <a:p>
-            <a:r>
-              <a:rPr lang="it-IT" sz="1400"/>
-              <a:t>Optional</a:t>
-            </a:r>
-          </a:p>
-        </p:txBody>
-      </p:sp>
-      <p:sp>
-        <p:nvSpPr>
-          <p:cNvPr id="51" name="Rettangolo 50">
-            <a:extLst>
-              <a:ext uri="{FF2B5EF4-FFF2-40B4-BE49-F238E27FC236}">
-                <a16:creationId xmlns:a16="http://schemas.microsoft.com/office/drawing/2014/main" id="{82D0CB37-9C0E-4749-85A7-84FE910C91C2}"/>
-              </a:ext>
-            </a:extLst>
-          </p:cNvPr>
-          <p:cNvSpPr/>
-          <p:nvPr/>
-        </p:nvSpPr>
-        <p:spPr>
-          <a:xfrm>
-            <a:off x="1059531" y="1824543"/>
-            <a:ext cx="1728559" cy="979715"/>
-          </a:xfrm>
-          <a:prstGeom prst="rect">
-            <a:avLst/>
-          </a:prstGeom>
-          <a:solidFill>
-            <a:schemeClr val="accent2"/>
-          </a:solidFill>
-        </p:spPr>
-        <p:style>
-          <a:lnRef idx="2">
-            <a:schemeClr val="accent1">
-              <a:shade val="50000"/>
-            </a:schemeClr>
-          </a:lnRef>
-          <a:fillRef idx="1">
-            <a:schemeClr val="accent1"/>
-          </a:fillRef>
-          <a:effectRef idx="0">
-            <a:schemeClr val="accent1"/>
-          </a:effectRef>
-          <a:fontRef idx="minor">
-            <a:schemeClr val="lt1"/>
-          </a:fontRef>
-        </p:style>
-        <p:txBody>
-          <a:bodyPr rtlCol="0" anchor="ctr"/>
-          <a:lstStyle/>
-          <a:p>
-            <a:pPr algn="ctr"/>
-            <a:endParaRPr lang="it-IT"/>
-          </a:p>
-        </p:txBody>
-      </p:sp>
-      <p:grpSp>
-        <p:nvGrpSpPr>
-          <p:cNvPr id="52" name="Gruppo 51">
-            <a:extLst>
-              <a:ext uri="{FF2B5EF4-FFF2-40B4-BE49-F238E27FC236}">
-                <a16:creationId xmlns:a16="http://schemas.microsoft.com/office/drawing/2014/main" id="{31D99BED-749F-4FC9-B73B-4CD1D000C0E8}"/>
-              </a:ext>
-            </a:extLst>
-          </p:cNvPr>
-          <p:cNvGrpSpPr/>
-          <p:nvPr/>
-        </p:nvGrpSpPr>
-        <p:grpSpPr>
-          <a:xfrm>
-            <a:off x="1175415" y="2087663"/>
-            <a:ext cx="1491629" cy="630437"/>
-            <a:chOff x="0" y="1245986"/>
-            <a:chExt cx="1230557" cy="533151"/>
-          </a:xfrm>
-        </p:grpSpPr>
-        <p:sp>
-          <p:nvSpPr>
-            <p:cNvPr id="53" name="Rettangolo 52">
-              <a:extLst>
-                <a:ext uri="{FF2B5EF4-FFF2-40B4-BE49-F238E27FC236}">
-                  <a16:creationId xmlns:a16="http://schemas.microsoft.com/office/drawing/2014/main" id="{DC0E07E6-C93D-4882-967E-3E07CE968F50}"/>
-                </a:ext>
-              </a:extLst>
-            </p:cNvPr>
-            <p:cNvSpPr/>
-            <p:nvPr/>
-          </p:nvSpPr>
-          <p:spPr>
-            <a:xfrm>
-              <a:off x="0" y="1260317"/>
-              <a:ext cx="1230557" cy="518820"/>
-            </a:xfrm>
-            <a:prstGeom prst="rect">
-              <a:avLst/>
-            </a:prstGeom>
-          </p:spPr>
-          <p:style>
-            <a:lnRef idx="2">
-              <a:schemeClr val="lt1">
-                <a:hueOff val="0"/>
-                <a:satOff val="0"/>
-                <a:lumOff val="0"/>
-                <a:alphaOff val="0"/>
-              </a:schemeClr>
-            </a:lnRef>
-            <a:fillRef idx="1">
-              <a:schemeClr val="accent1">
-                <a:hueOff val="0"/>
-                <a:satOff val="0"/>
-                <a:lumOff val="0"/>
-                <a:alphaOff val="0"/>
-              </a:schemeClr>
-            </a:fillRef>
-            <a:effectRef idx="0">
-              <a:schemeClr val="accent1">
-                <a:hueOff val="0"/>
-                <a:satOff val="0"/>
-                <a:lumOff val="0"/>
-                <a:alphaOff val="0"/>
-              </a:schemeClr>
-            </a:effectRef>
-            <a:fontRef idx="minor">
-              <a:schemeClr val="lt1"/>
-            </a:fontRef>
-          </p:style>
-        </p:sp>
-        <p:sp>
-          <p:nvSpPr>
-            <p:cNvPr id="54" name="CasellaDiTesto 53">
-              <a:extLst>
-                <a:ext uri="{FF2B5EF4-FFF2-40B4-BE49-F238E27FC236}">
-                  <a16:creationId xmlns:a16="http://schemas.microsoft.com/office/drawing/2014/main" id="{9E3D3602-475F-4EB2-8FCB-6254023C487F}"/>
-                </a:ext>
-              </a:extLst>
-            </p:cNvPr>
-            <p:cNvSpPr txBox="1"/>
-            <p:nvPr/>
-          </p:nvSpPr>
-          <p:spPr>
-            <a:xfrm>
-              <a:off x="0" y="1245986"/>
-              <a:ext cx="1230557" cy="533151"/>
-            </a:xfrm>
-            <a:prstGeom prst="rect">
-              <a:avLst/>
-            </a:prstGeom>
-          </p:spPr>
-          <p:style>
-            <a:lnRef idx="0">
-              <a:scrgbClr r="0" g="0" b="0"/>
-            </a:lnRef>
-            <a:fillRef idx="0">
-              <a:scrgbClr r="0" g="0" b="0"/>
-            </a:fillRef>
-            <a:effectRef idx="0">
-              <a:scrgbClr r="0" g="0" b="0"/>
-            </a:effectRef>
-            <a:fontRef idx="minor">
-              <a:schemeClr val="lt1"/>
-            </a:fontRef>
-          </p:style>
-          <p:txBody>
-            <a:bodyPr spcFirstLastPara="0" vert="horz" wrap="square" lIns="12700" tIns="12700" rIns="12700" bIns="12700" numCol="1" spcCol="1270" anchor="ctr" anchorCtr="0">
-              <a:noAutofit/>
-            </a:bodyPr>
-            <a:lstStyle/>
-            <a:p>
-              <a:pPr marL="0" lvl="0" indent="0" algn="ctr" defTabSz="889000">
-                <a:lnSpc>
-                  <a:spcPct val="90000"/>
-                </a:lnSpc>
-                <a:spcBef>
-                  <a:spcPct val="0"/>
-                </a:spcBef>
-                <a:spcAft>
-                  <a:spcPct val="35000"/>
-                </a:spcAft>
-                <a:buNone/>
-              </a:pPr>
-              <a:r>
-                <a:rPr lang="it-IT" sz="2000"/>
-                <a:t>Oversampler</a:t>
-              </a:r>
-              <a:endParaRPr lang="it-IT" sz="2000" kern="1200"/>
-            </a:p>
-          </p:txBody>
-        </p:sp>
-      </p:grpSp>
-      <p:sp>
-        <p:nvSpPr>
-          <p:cNvPr id="55" name="CasellaDiTesto 54">
-            <a:extLst>
-              <a:ext uri="{FF2B5EF4-FFF2-40B4-BE49-F238E27FC236}">
-                <a16:creationId xmlns:a16="http://schemas.microsoft.com/office/drawing/2014/main" id="{B2A45079-6DD8-441A-997A-C11BD9572351}"/>
-              </a:ext>
-            </a:extLst>
-          </p:cNvPr>
-          <p:cNvSpPr txBox="1"/>
-          <p:nvPr/>
-        </p:nvSpPr>
-        <p:spPr>
-          <a:xfrm>
-            <a:off x="1027551" y="1800089"/>
-            <a:ext cx="832001" cy="307777"/>
-          </a:xfrm>
-          <a:prstGeom prst="rect">
-            <a:avLst/>
-          </a:prstGeom>
-          <a:noFill/>
-        </p:spPr>
-        <p:txBody>
-          <a:bodyPr wrap="square" rtlCol="0">
-            <a:spAutoFit/>
-          </a:bodyPr>
-          <a:lstStyle/>
-          <a:p>
-            <a:r>
-              <a:rPr lang="it-IT" sz="1400"/>
-              <a:t>Optional</a:t>
-            </a:r>
-          </a:p>
-        </p:txBody>
-      </p:sp>
-      <p:cxnSp>
-        <p:nvCxnSpPr>
-          <p:cNvPr id="61" name="Connettore 2 60">
-            <a:extLst>
-              <a:ext uri="{FF2B5EF4-FFF2-40B4-BE49-F238E27FC236}">
-                <a16:creationId xmlns:a16="http://schemas.microsoft.com/office/drawing/2014/main" id="{3FDEA5F8-862D-4B86-A3B1-1C21169FE40A}"/>
-              </a:ext>
-            </a:extLst>
-          </p:cNvPr>
-          <p:cNvCxnSpPr>
-            <a:cxnSpLocks/>
-          </p:cNvCxnSpPr>
-          <p:nvPr/>
-        </p:nvCxnSpPr>
-        <p:spPr>
-          <a:xfrm>
-            <a:off x="2792681" y="2323344"/>
-            <a:ext cx="152400" cy="0"/>
-          </a:xfrm>
-          <a:prstGeom prst="straightConnector1">
-            <a:avLst/>
-          </a:prstGeom>
-          <a:ln>
-            <a:tailEnd type="triangle"/>
-          </a:ln>
-        </p:spPr>
-        <p:style>
-          <a:lnRef idx="1">
-            <a:schemeClr val="accent1"/>
-          </a:lnRef>
-          <a:fillRef idx="0">
-            <a:schemeClr val="accent1"/>
-          </a:fillRef>
-          <a:effectRef idx="0">
-            <a:schemeClr val="accent1"/>
-          </a:effectRef>
-          <a:fontRef idx="minor">
-            <a:schemeClr val="tx1"/>
-          </a:fontRef>
-        </p:style>
-      </p:cxnSp>
-      <p:cxnSp>
-        <p:nvCxnSpPr>
-          <p:cNvPr id="35" name="Connettore diritto 34">
-            <a:extLst>
-              <a:ext uri="{FF2B5EF4-FFF2-40B4-BE49-F238E27FC236}">
-                <a16:creationId xmlns:a16="http://schemas.microsoft.com/office/drawing/2014/main" id="{6CF7A11B-0A62-4A53-BD14-A8D1ECA43C13}"/>
-              </a:ext>
-            </a:extLst>
-          </p:cNvPr>
-          <p:cNvCxnSpPr/>
-          <p:nvPr/>
-        </p:nvCxnSpPr>
-        <p:spPr>
-          <a:xfrm flipV="1">
-            <a:off x="1528504" y="1252946"/>
-            <a:ext cx="0" cy="300559"/>
-          </a:xfrm>
-          <a:prstGeom prst="line">
-            <a:avLst/>
-          </a:prstGeom>
-        </p:spPr>
-        <p:style>
-          <a:lnRef idx="1">
-            <a:schemeClr val="accent1"/>
-          </a:lnRef>
-          <a:fillRef idx="0">
-            <a:schemeClr val="accent1"/>
-          </a:fillRef>
-          <a:effectRef idx="0">
-            <a:schemeClr val="accent1"/>
-          </a:effectRef>
-          <a:fontRef idx="minor">
-            <a:schemeClr val="tx1"/>
-          </a:fontRef>
-        </p:style>
-      </p:cxnSp>
     </p:spTree>
     <p:extLst>
       <p:ext uri="{BB962C8B-B14F-4D97-AF65-F5344CB8AC3E}">
-        <p14:creationId xmlns:p14="http://schemas.microsoft.com/office/powerpoint/2010/main" val="2008607933"/>
+        <p14:creationId xmlns:p14="http://schemas.microsoft.com/office/powerpoint/2010/main" val="1235559559"/>
       </p:ext>
     </p:extLst>
   </p:cSld>

--- a/presentation/fraudolent_transaction.pptx
+++ b/presentation/fraudolent_transaction.pptx
@@ -36030,7 +36030,7 @@
           <p:nvPr>
             <p:extLst>
               <p:ext uri="{D42A27DB-BD31-4B8C-83A1-F6EECF244321}">
-                <p14:modId xmlns:p14="http://schemas.microsoft.com/office/powerpoint/2010/main" val="371750447"/>
+                <p14:modId xmlns:p14="http://schemas.microsoft.com/office/powerpoint/2010/main" val="3395626359"/>
               </p:ext>
             </p:extLst>
           </p:nvPr>
@@ -37240,7 +37240,7 @@
                     <a:p>
                       <a:pPr algn="ctr"/>
                       <a:r>
-                        <a:rPr lang="it-IT" sz="1200">
+                        <a:rPr lang="it-IT" sz="1200" b="1">
                           <a:latin typeface="Avenir Next LT Pro" panose="020B0504020202020204" pitchFamily="34" charset="0"/>
                         </a:rPr>
                         <a:t>0.9844</a:t>
@@ -37252,7 +37252,19 @@
                         <a:rPr lang="it-IT" sz="1200">
                           <a:latin typeface="Avenir Next LT Pro" panose="020B0504020202020204" pitchFamily="34" charset="0"/>
                         </a:rPr>
-                        <a:t>(0.9486)</a:t>
+                        <a:t>(</a:t>
+                      </a:r>
+                      <a:r>
+                        <a:rPr lang="it-IT" sz="1200" b="1">
+                          <a:latin typeface="Avenir Next LT Pro" panose="020B0504020202020204" pitchFamily="34" charset="0"/>
+                        </a:rPr>
+                        <a:t>0.9486</a:t>
+                      </a:r>
+                      <a:r>
+                        <a:rPr lang="it-IT" sz="1200">
+                          <a:latin typeface="Avenir Next LT Pro" panose="020B0504020202020204" pitchFamily="34" charset="0"/>
+                        </a:rPr>
+                        <a:t>)</a:t>
                       </a:r>
                     </a:p>
                   </a:txBody>
@@ -37587,7 +37599,7 @@
           <p:nvPr>
             <p:extLst>
               <p:ext uri="{D42A27DB-BD31-4B8C-83A1-F6EECF244321}">
-                <p14:modId xmlns:p14="http://schemas.microsoft.com/office/powerpoint/2010/main" val="1538251587"/>
+                <p14:modId xmlns:p14="http://schemas.microsoft.com/office/powerpoint/2010/main" val="3896043687"/>
               </p:ext>
             </p:extLst>
           </p:nvPr>
@@ -38782,7 +38794,7 @@
                     <a:p>
                       <a:pPr algn="ctr"/>
                       <a:r>
-                        <a:rPr lang="it-IT" sz="1200">
+                        <a:rPr lang="it-IT" sz="1200" b="1">
                           <a:latin typeface="Avenir Next LT Pro" panose="020B0504020202020204" pitchFamily="34" charset="0"/>
                         </a:rPr>
                         <a:t>0.920</a:t>
@@ -38794,7 +38806,19 @@
                         <a:rPr lang="it-IT" sz="1200">
                           <a:latin typeface="Avenir Next LT Pro" panose="020B0504020202020204" pitchFamily="34" charset="0"/>
                         </a:rPr>
-                        <a:t>(0.940)</a:t>
+                        <a:t>(</a:t>
+                      </a:r>
+                      <a:r>
+                        <a:rPr lang="it-IT" sz="1200" b="1">
+                          <a:latin typeface="Avenir Next LT Pro" panose="020B0504020202020204" pitchFamily="34" charset="0"/>
+                        </a:rPr>
+                        <a:t>0.940</a:t>
+                      </a:r>
+                      <a:r>
+                        <a:rPr lang="it-IT" sz="1200">
+                          <a:latin typeface="Avenir Next LT Pro" panose="020B0504020202020204" pitchFamily="34" charset="0"/>
+                        </a:rPr>
+                        <a:t>)</a:t>
                       </a:r>
                     </a:p>
                   </a:txBody>
@@ -39129,7 +39153,7 @@
           <p:nvPr>
             <p:extLst>
               <p:ext uri="{D42A27DB-BD31-4B8C-83A1-F6EECF244321}">
-                <p14:modId xmlns:p14="http://schemas.microsoft.com/office/powerpoint/2010/main" val="3723335527"/>
+                <p14:modId xmlns:p14="http://schemas.microsoft.com/office/powerpoint/2010/main" val="3233285039"/>
               </p:ext>
             </p:extLst>
           </p:nvPr>
@@ -40351,7 +40375,7 @@
                     <a:p>
                       <a:pPr algn="ctr"/>
                       <a:r>
-                        <a:rPr lang="it-IT" sz="1200" b="0">
+                        <a:rPr lang="it-IT" sz="1200" b="1">
                           <a:latin typeface="Avenir Next LT Pro" panose="020B0504020202020204" pitchFamily="34" charset="0"/>
                         </a:rPr>
                         <a:t>0.8245</a:t>
@@ -40363,7 +40387,19 @@
                         <a:rPr lang="it-IT" sz="1200" b="0">
                           <a:latin typeface="Avenir Next LT Pro" panose="020B0504020202020204" pitchFamily="34" charset="0"/>
                         </a:rPr>
-                        <a:t>(0.7416)</a:t>
+                        <a:t>(</a:t>
+                      </a:r>
+                      <a:r>
+                        <a:rPr lang="it-IT" sz="1200" b="1">
+                          <a:latin typeface="Avenir Next LT Pro" panose="020B0504020202020204" pitchFamily="34" charset="0"/>
+                        </a:rPr>
+                        <a:t>0.7416</a:t>
+                      </a:r>
+                      <a:r>
+                        <a:rPr lang="it-IT" sz="1200" b="0">
+                          <a:latin typeface="Avenir Next LT Pro" panose="020B0504020202020204" pitchFamily="34" charset="0"/>
+                        </a:rPr>
+                        <a:t>)</a:t>
                       </a:r>
                     </a:p>
                   </a:txBody>
@@ -40698,7 +40734,7 @@
           <p:nvPr>
             <p:extLst>
               <p:ext uri="{D42A27DB-BD31-4B8C-83A1-F6EECF244321}">
-                <p14:modId xmlns:p14="http://schemas.microsoft.com/office/powerpoint/2010/main" val="3398052272"/>
+                <p14:modId xmlns:p14="http://schemas.microsoft.com/office/powerpoint/2010/main" val="192301259"/>
               </p:ext>
             </p:extLst>
           </p:nvPr>
@@ -41893,7 +41929,7 @@
                     <a:p>
                       <a:pPr algn="ctr"/>
                       <a:r>
-                        <a:rPr lang="it-IT" sz="1200" b="0">
+                        <a:rPr lang="it-IT" sz="1200" b="1">
                           <a:latin typeface="Avenir Next LT Pro" panose="020B0504020202020204" pitchFamily="34" charset="0"/>
                         </a:rPr>
                         <a:t>0.937/0.735</a:t>
@@ -41905,7 +41941,19 @@
                         <a:rPr lang="it-IT" sz="1200" b="0">
                           <a:latin typeface="Avenir Next LT Pro" panose="020B0504020202020204" pitchFamily="34" charset="0"/>
                         </a:rPr>
-                        <a:t>(0.652/0.859)</a:t>
+                        <a:t>(</a:t>
+                      </a:r>
+                      <a:r>
+                        <a:rPr lang="it-IT" sz="1200" b="1">
+                          <a:latin typeface="Avenir Next LT Pro" panose="020B0504020202020204" pitchFamily="34" charset="0"/>
+                        </a:rPr>
+                        <a:t>0.652/0.859</a:t>
+                      </a:r>
+                      <a:r>
+                        <a:rPr lang="it-IT" sz="1200" b="0">
+                          <a:latin typeface="Avenir Next LT Pro" panose="020B0504020202020204" pitchFamily="34" charset="0"/>
+                        </a:rPr>
+                        <a:t>)</a:t>
                       </a:r>
                     </a:p>
                   </a:txBody>
